--- a/PPTs/L4-Exercises.pptx
+++ b/PPTs/L4-Exercises.pptx
@@ -5,18 +5,21 @@
     <p:sldMasterId id="2147483648" r:id="rId1"/>
   </p:sldMasterIdLst>
   <p:notesMasterIdLst>
-    <p:notesMasterId r:id="rId8"/>
+    <p:notesMasterId r:id="rId11"/>
   </p:notesMasterIdLst>
   <p:handoutMasterIdLst>
-    <p:handoutMasterId r:id="rId9"/>
+    <p:handoutMasterId r:id="rId12"/>
   </p:handoutMasterIdLst>
   <p:sldIdLst>
     <p:sldId id="257" r:id="rId2"/>
-    <p:sldId id="1384" r:id="rId3"/>
-    <p:sldId id="1386" r:id="rId4"/>
-    <p:sldId id="1388" r:id="rId5"/>
-    <p:sldId id="381" r:id="rId6"/>
-    <p:sldId id="1383" r:id="rId7"/>
+    <p:sldId id="414" r:id="rId3"/>
+    <p:sldId id="417" r:id="rId4"/>
+    <p:sldId id="420" r:id="rId5"/>
+    <p:sldId id="1384" r:id="rId6"/>
+    <p:sldId id="1386" r:id="rId7"/>
+    <p:sldId id="1388" r:id="rId8"/>
+    <p:sldId id="381" r:id="rId9"/>
+    <p:sldId id="1383" r:id="rId10"/>
   </p:sldIdLst>
   <p:sldSz cx="12192000" cy="6858000"/>
   <p:notesSz cx="9601200" cy="7315200"/>
@@ -213,14 +216,14 @@
           <a:effectLst/>
           <a:extLst>
             <a:ext uri="{909E8E84-426E-40dd-AFC4-6F175D3DCCD1}">
-              <a14:hiddenFill xmlns:a14="http://schemas.microsoft.com/office/drawing/2010/main" xmlns="">
+              <a14:hiddenFill xmlns="" xmlns:a14="http://schemas.microsoft.com/office/drawing/2010/main">
                 <a:solidFill>
                   <a:schemeClr val="bg1"/>
                 </a:solidFill>
               </a14:hiddenFill>
             </a:ext>
             <a:ext uri="{91240B29-F687-4f45-9708-019B960494DF}">
-              <a14:hiddenLine xmlns:a14="http://schemas.microsoft.com/office/drawing/2010/main" xmlns="" w="12700">
+              <a14:hiddenLine xmlns="" xmlns:a14="http://schemas.microsoft.com/office/drawing/2010/main" w="12700">
                 <a:pattFill prst="narHorz">
                   <a:fgClr>
                     <a:schemeClr val="tx1"/>
@@ -235,7 +238,7 @@
               </a14:hiddenLine>
             </a:ext>
             <a:ext uri="{AF507438-7753-43e0-B8FC-AC1667EBCBE1}">
-              <a14:hiddenEffects xmlns:a14="http://schemas.microsoft.com/office/drawing/2010/main" xmlns="">
+              <a14:hiddenEffects xmlns="" xmlns:a14="http://schemas.microsoft.com/office/drawing/2010/main">
                 <a:effectLst>
                   <a:outerShdw dist="35921" dir="2700000" algn="ctr" rotWithShape="0">
                     <a:schemeClr val="bg2"/>
@@ -341,14 +344,14 @@
           <a:effectLst/>
           <a:extLst>
             <a:ext uri="{909E8E84-426E-40dd-AFC4-6F175D3DCCD1}">
-              <a14:hiddenFill xmlns:a14="http://schemas.microsoft.com/office/drawing/2010/main" xmlns="">
+              <a14:hiddenFill xmlns="" xmlns:a14="http://schemas.microsoft.com/office/drawing/2010/main">
                 <a:solidFill>
                   <a:schemeClr val="bg1"/>
                 </a:solidFill>
               </a14:hiddenFill>
             </a:ext>
             <a:ext uri="{91240B29-F687-4f45-9708-019B960494DF}">
-              <a14:hiddenLine xmlns:a14="http://schemas.microsoft.com/office/drawing/2010/main" xmlns="" w="12700">
+              <a14:hiddenLine xmlns="" xmlns:a14="http://schemas.microsoft.com/office/drawing/2010/main" w="12700">
                 <a:pattFill prst="narHorz">
                   <a:fgClr>
                     <a:schemeClr val="tx1"/>
@@ -363,7 +366,7 @@
               </a14:hiddenLine>
             </a:ext>
             <a:ext uri="{AF507438-7753-43e0-B8FC-AC1667EBCBE1}">
-              <a14:hiddenEffects xmlns:a14="http://schemas.microsoft.com/office/drawing/2010/main" xmlns="">
+              <a14:hiddenEffects xmlns="" xmlns:a14="http://schemas.microsoft.com/office/drawing/2010/main">
                 <a:effectLst>
                   <a:outerShdw dist="35921" dir="2700000" algn="ctr" rotWithShape="0">
                     <a:schemeClr val="bg2"/>
@@ -431,17 +434,17 @@
           <a:effectLst/>
           <a:extLst>
             <a:ext uri="{FAA26D3D-D897-4be2-8F04-BA451C77F1D7}">
-              <ma14:placeholderFlag xmlns:ma14="http://schemas.microsoft.com/office/mac/drawingml/2011/main" xmlns="" val="1"/>
+              <ma14:placeholderFlag xmlns="" xmlns:ma14="http://schemas.microsoft.com/office/mac/drawingml/2011/main" val="1"/>
             </a:ext>
             <a:ext uri="{909E8E84-426E-40dd-AFC4-6F175D3DCCD1}">
-              <a14:hiddenFill xmlns:a14="http://schemas.microsoft.com/office/drawing/2010/main" xmlns="">
+              <a14:hiddenFill xmlns="" xmlns:a14="http://schemas.microsoft.com/office/drawing/2010/main">
                 <a:solidFill>
                   <a:srgbClr val="FFFFFF"/>
                 </a:solidFill>
               </a14:hiddenFill>
             </a:ext>
             <a:ext uri="{AF507438-7753-43e0-B8FC-AC1667EBCBE1}">
-              <a14:hiddenEffects xmlns:a14="http://schemas.microsoft.com/office/drawing/2010/main" xmlns="">
+              <a14:hiddenEffects xmlns="" xmlns:a14="http://schemas.microsoft.com/office/drawing/2010/main">
                 <a:effectLst>
                   <a:outerShdw blurRad="63500" dist="38099" dir="2700000" algn="ctr" rotWithShape="0">
                     <a:srgbClr val="000000">
@@ -452,7 +455,7 @@
               </a14:hiddenEffects>
             </a:ext>
             <a:ext uri="{53640926-AAD7-44d8-BBD7-CCE9431645EC}">
-              <a14:shadowObscured xmlns:a14="http://schemas.microsoft.com/office/drawing/2010/main" xmlns="" val="1"/>
+              <a14:shadowObscured xmlns="" xmlns:a14="http://schemas.microsoft.com/office/drawing/2010/main" val="1"/>
             </a:ext>
           </a:extLst>
         </p:spPr>
@@ -482,14 +485,14 @@
           <a:effectLst/>
           <a:extLst>
             <a:ext uri="{909E8E84-426E-40dd-AFC4-6F175D3DCCD1}">
-              <a14:hiddenFill xmlns:a14="http://schemas.microsoft.com/office/drawing/2010/main" xmlns="">
+              <a14:hiddenFill xmlns="" xmlns:a14="http://schemas.microsoft.com/office/drawing/2010/main">
                 <a:solidFill>
                   <a:schemeClr val="bg1"/>
                 </a:solidFill>
               </a14:hiddenFill>
             </a:ext>
             <a:ext uri="{91240B29-F687-4f45-9708-019B960494DF}">
-              <a14:hiddenLine xmlns:a14="http://schemas.microsoft.com/office/drawing/2010/main" xmlns="" w="12700">
+              <a14:hiddenLine xmlns="" xmlns:a14="http://schemas.microsoft.com/office/drawing/2010/main" w="12700">
                 <a:pattFill prst="narHorz">
                   <a:fgClr>
                     <a:schemeClr val="tx1"/>
@@ -504,7 +507,7 @@
               </a14:hiddenLine>
             </a:ext>
             <a:ext uri="{AF507438-7753-43e0-B8FC-AC1667EBCBE1}">
-              <a14:hiddenEffects xmlns:a14="http://schemas.microsoft.com/office/drawing/2010/main" xmlns="">
+              <a14:hiddenEffects xmlns="" xmlns:a14="http://schemas.microsoft.com/office/drawing/2010/main">
                 <a:effectLst>
                   <a:outerShdw dist="35921" dir="2700000" algn="ctr" rotWithShape="0">
                     <a:schemeClr val="bg2"/>
@@ -754,10 +757,10 @@
         <p:spPr>
           <a:extLst>
             <a:ext uri="{FAA26D3D-D897-4be2-8F04-BA451C77F1D7}">
-              <ma14:placeholderFlag xmlns:ma14="http://schemas.microsoft.com/office/mac/drawingml/2011/main" xmlns="" val="1"/>
+              <ma14:placeholderFlag xmlns="" xmlns:ma14="http://schemas.microsoft.com/office/mac/drawingml/2011/main" val="1"/>
             </a:ext>
             <a:ext uri="{AF507438-7753-43e0-B8FC-AC1667EBCBE1}">
-              <a14:hiddenEffects xmlns:a14="http://schemas.microsoft.com/office/drawing/2010/main" xmlns="">
+              <a14:hiddenEffects xmlns="" xmlns:a14="http://schemas.microsoft.com/office/drawing/2010/main">
                 <a:effectLst>
                   <a:outerShdw blurRad="63500" dist="38099" dir="2700000" algn="ctr" rotWithShape="0">
                     <a:schemeClr val="bg2">
@@ -784,6 +787,71 @@
         </p:txBody>
       </p:sp>
     </p:spTree>
+  </p:cSld>
+  <p:clrMapOvr>
+    <a:masterClrMapping/>
+  </p:clrMapOvr>
+</p:notes>
+</file>
+
+<file path=ppt/notesSlides/notesSlide2.xml><?xml version="1.0" encoding="utf-8"?>
+<p:notes xmlns:a="http://schemas.openxmlformats.org/drawingml/2006/main" xmlns:r="http://schemas.openxmlformats.org/officeDocument/2006/relationships" xmlns:p="http://schemas.openxmlformats.org/presentationml/2006/main">
+  <p:cSld>
+    <p:spTree>
+      <p:nvGrpSpPr>
+        <p:cNvPr id="1" name=""/>
+        <p:cNvGrpSpPr/>
+        <p:nvPr/>
+      </p:nvGrpSpPr>
+      <p:grpSpPr>
+        <a:xfrm>
+          <a:off x="0" y="0"/>
+          <a:ext cx="0" cy="0"/>
+          <a:chOff x="0" y="0"/>
+          <a:chExt cx="0" cy="0"/>
+        </a:xfrm>
+      </p:grpSpPr>
+      <p:sp>
+        <p:nvSpPr>
+          <p:cNvPr id="2" name="Slide Image Placeholder 1"/>
+          <p:cNvSpPr>
+            <a:spLocks noGrp="1" noRot="1" noChangeAspect="1"/>
+          </p:cNvSpPr>
+          <p:nvPr>
+            <p:ph type="sldImg"/>
+          </p:nvPr>
+        </p:nvSpPr>
+        <p:spPr/>
+      </p:sp>
+      <p:sp>
+        <p:nvSpPr>
+          <p:cNvPr id="3" name="Notes Placeholder 2"/>
+          <p:cNvSpPr>
+            <a:spLocks noGrp="1"/>
+          </p:cNvSpPr>
+          <p:nvPr>
+            <p:ph type="body" idx="1"/>
+          </p:nvPr>
+        </p:nvSpPr>
+        <p:spPr/>
+        <p:txBody>
+          <a:bodyPr/>
+          <a:lstStyle/>
+          <a:p>
+            <a:r>
+              <a:rPr lang="en-GB" dirty="0"/>
+              <a:t>https://people.eecs.berkeley.edu/~kubitron/courses/cs162-F07/exams/fa07mt1-solutions.pdf</a:t>
+            </a:r>
+            <a:endParaRPr lang="en-SE" dirty="0"/>
+          </a:p>
+        </p:txBody>
+      </p:sp>
+    </p:spTree>
+    <p:extLst>
+      <p:ext uri="{BB962C8B-B14F-4D97-AF65-F5344CB8AC3E}">
+        <p14:creationId xmlns:p14="http://schemas.microsoft.com/office/powerpoint/2010/main" val="2409372959"/>
+      </p:ext>
+    </p:extLst>
   </p:cSld>
   <p:clrMapOvr>
     <a:masterClrMapping/>
@@ -1281,6 +1349,402 @@
     <a:masterClrMapping/>
   </p:clrMapOvr>
   <p:transition/>
+</p:sldLayout>
+</file>
+
+<file path=ppt/slideLayouts/slideLayout13.xml><?xml version="1.0" encoding="utf-8"?>
+<p:sldLayout xmlns:a="http://schemas.openxmlformats.org/drawingml/2006/main" xmlns:r="http://schemas.openxmlformats.org/officeDocument/2006/relationships" xmlns:p="http://schemas.openxmlformats.org/presentationml/2006/main" type="fourObj">
+  <p:cSld name="Title and 4 Content">
+    <p:spTree>
+      <p:nvGrpSpPr>
+        <p:cNvPr id="1" name=""/>
+        <p:cNvGrpSpPr/>
+        <p:nvPr/>
+      </p:nvGrpSpPr>
+      <p:grpSpPr>
+        <a:xfrm>
+          <a:off x="0" y="0"/>
+          <a:ext cx="0" cy="0"/>
+          <a:chOff x="0" y="0"/>
+          <a:chExt cx="0" cy="0"/>
+        </a:xfrm>
+      </p:grpSpPr>
+      <p:sp>
+        <p:nvSpPr>
+          <p:cNvPr id="2" name="Title 1"/>
+          <p:cNvSpPr>
+            <a:spLocks noGrp="1"/>
+          </p:cNvSpPr>
+          <p:nvPr>
+            <p:ph type="title" sz="quarter"/>
+          </p:nvPr>
+        </p:nvSpPr>
+        <p:spPr>
+          <a:xfrm>
+            <a:off x="609600" y="533400"/>
+            <a:ext cx="10972800" cy="1143000"/>
+          </a:xfrm>
+        </p:spPr>
+        <p:txBody>
+          <a:bodyPr/>
+          <a:lstStyle/>
+          <a:p>
+            <a:r>
+              <a:rPr lang="en-US"/>
+              <a:t>Click to edit Master title style</a:t>
+            </a:r>
+            <a:endParaRPr lang="en-CA"/>
+          </a:p>
+        </p:txBody>
+      </p:sp>
+      <p:sp>
+        <p:nvSpPr>
+          <p:cNvPr id="3" name="Content Placeholder 2"/>
+          <p:cNvSpPr>
+            <a:spLocks noGrp="1"/>
+          </p:cNvSpPr>
+          <p:nvPr>
+            <p:ph sz="quarter" idx="1"/>
+          </p:nvPr>
+        </p:nvSpPr>
+        <p:spPr>
+          <a:xfrm>
+            <a:off x="609600" y="1917701"/>
+            <a:ext cx="5435600" cy="2074863"/>
+          </a:xfrm>
+        </p:spPr>
+        <p:txBody>
+          <a:bodyPr/>
+          <a:lstStyle/>
+          <a:p>
+            <a:pPr lvl="0"/>
+            <a:r>
+              <a:rPr lang="en-US"/>
+              <a:t>Click to edit Master text styles</a:t>
+            </a:r>
+          </a:p>
+          <a:p>
+            <a:pPr lvl="1"/>
+            <a:r>
+              <a:rPr lang="en-US"/>
+              <a:t>Second level</a:t>
+            </a:r>
+          </a:p>
+          <a:p>
+            <a:pPr lvl="2"/>
+            <a:r>
+              <a:rPr lang="en-US"/>
+              <a:t>Third level</a:t>
+            </a:r>
+          </a:p>
+          <a:p>
+            <a:pPr lvl="3"/>
+            <a:r>
+              <a:rPr lang="en-US"/>
+              <a:t>Fourth level</a:t>
+            </a:r>
+          </a:p>
+          <a:p>
+            <a:pPr lvl="4"/>
+            <a:r>
+              <a:rPr lang="en-US"/>
+              <a:t>Fifth level</a:t>
+            </a:r>
+            <a:endParaRPr lang="en-CA"/>
+          </a:p>
+        </p:txBody>
+      </p:sp>
+      <p:sp>
+        <p:nvSpPr>
+          <p:cNvPr id="4" name="Content Placeholder 3"/>
+          <p:cNvSpPr>
+            <a:spLocks noGrp="1"/>
+          </p:cNvSpPr>
+          <p:nvPr>
+            <p:ph sz="quarter" idx="2"/>
+          </p:nvPr>
+        </p:nvSpPr>
+        <p:spPr>
+          <a:xfrm>
+            <a:off x="6248400" y="1917701"/>
+            <a:ext cx="5435600" cy="2074863"/>
+          </a:xfrm>
+        </p:spPr>
+        <p:txBody>
+          <a:bodyPr/>
+          <a:lstStyle/>
+          <a:p>
+            <a:pPr lvl="0"/>
+            <a:r>
+              <a:rPr lang="en-US"/>
+              <a:t>Click to edit Master text styles</a:t>
+            </a:r>
+          </a:p>
+          <a:p>
+            <a:pPr lvl="1"/>
+            <a:r>
+              <a:rPr lang="en-US"/>
+              <a:t>Second level</a:t>
+            </a:r>
+          </a:p>
+          <a:p>
+            <a:pPr lvl="2"/>
+            <a:r>
+              <a:rPr lang="en-US"/>
+              <a:t>Third level</a:t>
+            </a:r>
+          </a:p>
+          <a:p>
+            <a:pPr lvl="3"/>
+            <a:r>
+              <a:rPr lang="en-US"/>
+              <a:t>Fourth level</a:t>
+            </a:r>
+          </a:p>
+          <a:p>
+            <a:pPr lvl="4"/>
+            <a:r>
+              <a:rPr lang="en-US"/>
+              <a:t>Fifth level</a:t>
+            </a:r>
+            <a:endParaRPr lang="en-CA"/>
+          </a:p>
+        </p:txBody>
+      </p:sp>
+      <p:sp>
+        <p:nvSpPr>
+          <p:cNvPr id="5" name="Content Placeholder 4"/>
+          <p:cNvSpPr>
+            <a:spLocks noGrp="1"/>
+          </p:cNvSpPr>
+          <p:nvPr>
+            <p:ph sz="quarter" idx="3"/>
+          </p:nvPr>
+        </p:nvSpPr>
+        <p:spPr>
+          <a:xfrm>
+            <a:off x="609600" y="4144963"/>
+            <a:ext cx="5435600" cy="2074862"/>
+          </a:xfrm>
+        </p:spPr>
+        <p:txBody>
+          <a:bodyPr/>
+          <a:lstStyle/>
+          <a:p>
+            <a:pPr lvl="0"/>
+            <a:r>
+              <a:rPr lang="en-US"/>
+              <a:t>Click to edit Master text styles</a:t>
+            </a:r>
+          </a:p>
+          <a:p>
+            <a:pPr lvl="1"/>
+            <a:r>
+              <a:rPr lang="en-US"/>
+              <a:t>Second level</a:t>
+            </a:r>
+          </a:p>
+          <a:p>
+            <a:pPr lvl="2"/>
+            <a:r>
+              <a:rPr lang="en-US"/>
+              <a:t>Third level</a:t>
+            </a:r>
+          </a:p>
+          <a:p>
+            <a:pPr lvl="3"/>
+            <a:r>
+              <a:rPr lang="en-US"/>
+              <a:t>Fourth level</a:t>
+            </a:r>
+          </a:p>
+          <a:p>
+            <a:pPr lvl="4"/>
+            <a:r>
+              <a:rPr lang="en-US"/>
+              <a:t>Fifth level</a:t>
+            </a:r>
+            <a:endParaRPr lang="en-CA"/>
+          </a:p>
+        </p:txBody>
+      </p:sp>
+      <p:sp>
+        <p:nvSpPr>
+          <p:cNvPr id="6" name="Content Placeholder 5"/>
+          <p:cNvSpPr>
+            <a:spLocks noGrp="1"/>
+          </p:cNvSpPr>
+          <p:nvPr>
+            <p:ph sz="quarter" idx="4"/>
+          </p:nvPr>
+        </p:nvSpPr>
+        <p:spPr>
+          <a:xfrm>
+            <a:off x="6248400" y="4144963"/>
+            <a:ext cx="5435600" cy="2074862"/>
+          </a:xfrm>
+        </p:spPr>
+        <p:txBody>
+          <a:bodyPr/>
+          <a:lstStyle/>
+          <a:p>
+            <a:pPr lvl="0"/>
+            <a:r>
+              <a:rPr lang="en-US"/>
+              <a:t>Click to edit Master text styles</a:t>
+            </a:r>
+          </a:p>
+          <a:p>
+            <a:pPr lvl="1"/>
+            <a:r>
+              <a:rPr lang="en-US"/>
+              <a:t>Second level</a:t>
+            </a:r>
+          </a:p>
+          <a:p>
+            <a:pPr lvl="2"/>
+            <a:r>
+              <a:rPr lang="en-US"/>
+              <a:t>Third level</a:t>
+            </a:r>
+          </a:p>
+          <a:p>
+            <a:pPr lvl="3"/>
+            <a:r>
+              <a:rPr lang="en-US"/>
+              <a:t>Fourth level</a:t>
+            </a:r>
+          </a:p>
+          <a:p>
+            <a:pPr lvl="4"/>
+            <a:r>
+              <a:rPr lang="en-US"/>
+              <a:t>Fifth level</a:t>
+            </a:r>
+            <a:endParaRPr lang="en-CA"/>
+          </a:p>
+        </p:txBody>
+      </p:sp>
+      <p:sp>
+        <p:nvSpPr>
+          <p:cNvPr id="9" name="Rectangle 6"/>
+          <p:cNvSpPr>
+            <a:spLocks noGrp="1" noChangeArrowheads="1"/>
+          </p:cNvSpPr>
+          <p:nvPr>
+            <p:ph type="sldNum" sz="quarter" idx="10"/>
+          </p:nvPr>
+        </p:nvSpPr>
+        <p:spPr bwMode="auto">
+          <a:xfrm>
+            <a:off x="9042400" y="6364288"/>
+            <a:ext cx="2540000" cy="457200"/>
+          </a:xfrm>
+          <a:prstGeom prst="rect">
+            <a:avLst/>
+          </a:prstGeom>
+          <a:noFill/>
+          <a:ln w="9525">
+            <a:noFill/>
+            <a:miter lim="800000"/>
+            <a:headEnd/>
+            <a:tailEnd/>
+          </a:ln>
+          <a:effectLst/>
+        </p:spPr>
+        <p:txBody>
+          <a:bodyPr vert="horz" wrap="square" lIns="91440" tIns="45720" rIns="91440" bIns="45720" numCol="1" anchor="t" anchorCtr="0" compatLnSpc="1">
+            <a:prstTxWarp prst="textNoShape">
+              <a:avLst/>
+            </a:prstTxWarp>
+          </a:bodyPr>
+          <a:lstStyle>
+            <a:lvl1pPr algn="r" eaLnBrk="1" hangingPunct="1">
+              <a:defRPr sz="1000">
+                <a:latin typeface="Arial" charset="0"/>
+                <a:ea typeface="宋体" charset="-122"/>
+              </a:defRPr>
+            </a:lvl1pPr>
+          </a:lstStyle>
+          <a:p>
+            <a:pPr>
+              <a:defRPr/>
+            </a:pPr>
+            <a:fld id="{827A0A33-D1BC-4593-884F-3C34146062BE}" type="slidenum">
+              <a:rPr lang="en-US" altLang="zh-CN"/>
+              <a:pPr>
+                <a:defRPr/>
+              </a:pPr>
+              <a:t>‹#›</a:t>
+            </a:fld>
+            <a:endParaRPr lang="en-US" altLang="zh-CN"/>
+          </a:p>
+        </p:txBody>
+      </p:sp>
+      <p:sp>
+        <p:nvSpPr>
+          <p:cNvPr id="10" name="Rectangle 4"/>
+          <p:cNvSpPr>
+            <a:spLocks noGrp="1" noChangeArrowheads="1"/>
+          </p:cNvSpPr>
+          <p:nvPr>
+            <p:ph type="dt" sz="half" idx="11"/>
+          </p:nvPr>
+        </p:nvSpPr>
+        <p:spPr>
+          <a:xfrm>
+            <a:off x="609600" y="6364288"/>
+            <a:ext cx="5852584" cy="457200"/>
+          </a:xfrm>
+          <a:prstGeom prst="rect">
+            <a:avLst/>
+          </a:prstGeom>
+          <a:ln/>
+        </p:spPr>
+        <p:txBody>
+          <a:bodyPr/>
+          <a:lstStyle>
+            <a:lvl1pPr>
+              <a:defRPr/>
+            </a:lvl1pPr>
+          </a:lstStyle>
+          <a:p>
+            <a:pPr>
+              <a:defRPr/>
+            </a:pPr>
+            <a:r>
+              <a:rPr lang="en-US"/>
+              <a:t> © </a:t>
+            </a:r>
+            <a:r>
+              <a:rPr lang="en-US" err="1"/>
+              <a:t>Zonghua</a:t>
+            </a:r>
+            <a:r>
+              <a:rPr lang="en-US"/>
+              <a:t> </a:t>
+            </a:r>
+            <a:r>
+              <a:rPr lang="en-US" err="1"/>
+              <a:t>Gu</a:t>
+            </a:r>
+            <a:r>
+              <a:rPr lang="en-US"/>
+              <a:t>, CMPT 300, Fall 2011 </a:t>
+            </a:r>
+          </a:p>
+        </p:txBody>
+      </p:sp>
+    </p:spTree>
+    <p:extLst>
+      <p:ext uri="{BB962C8B-B14F-4D97-AF65-F5344CB8AC3E}">
+        <p14:creationId xmlns:p14="http://schemas.microsoft.com/office/powerpoint/2010/main" val="1281840061"/>
+      </p:ext>
+    </p:extLst>
+  </p:cSld>
+  <p:clrMapOvr>
+    <a:masterClrMapping/>
+  </p:clrMapOvr>
 </p:sldLayout>
 </file>
 
@@ -2686,17 +3150,17 @@
           <a:effectLst/>
           <a:extLst>
             <a:ext uri="{FAA26D3D-D897-4be2-8F04-BA451C77F1D7}">
-              <ma14:placeholderFlag xmlns:ma14="http://schemas.microsoft.com/office/mac/drawingml/2011/main" xmlns="" val="1"/>
+              <ma14:placeholderFlag xmlns="" xmlns:ma14="http://schemas.microsoft.com/office/mac/drawingml/2011/main" val="1"/>
             </a:ext>
             <a:ext uri="{909E8E84-426E-40dd-AFC4-6F175D3DCCD1}">
-              <a14:hiddenFill xmlns:a14="http://schemas.microsoft.com/office/drawing/2010/main" xmlns="">
+              <a14:hiddenFill xmlns="" xmlns:a14="http://schemas.microsoft.com/office/drawing/2010/main">
                 <a:solidFill>
                   <a:schemeClr val="bg1"/>
                 </a:solidFill>
               </a14:hiddenFill>
             </a:ext>
             <a:ext uri="{91240B29-F687-4f45-9708-019B960494DF}">
-              <a14:hiddenLine xmlns:a14="http://schemas.microsoft.com/office/drawing/2010/main" xmlns="" w="12700">
+              <a14:hiddenLine xmlns="" xmlns:a14="http://schemas.microsoft.com/office/drawing/2010/main" w="12700">
                 <a:pattFill prst="narHorz">
                   <a:fgClr>
                     <a:schemeClr val="tx1"/>
@@ -2711,7 +3175,7 @@
               </a14:hiddenLine>
             </a:ext>
             <a:ext uri="{AF507438-7753-43e0-B8FC-AC1667EBCBE1}">
-              <a14:hiddenEffects xmlns:a14="http://schemas.microsoft.com/office/drawing/2010/main" xmlns="">
+              <a14:hiddenEffects xmlns="" xmlns:a14="http://schemas.microsoft.com/office/drawing/2010/main">
                 <a:effectLst>
                   <a:outerShdw blurRad="63500" dist="38099" dir="2700000" algn="ctr" rotWithShape="0">
                     <a:schemeClr val="bg2">
@@ -2764,17 +3228,17 @@
           <a:effectLst/>
           <a:extLst>
             <a:ext uri="{FAA26D3D-D897-4be2-8F04-BA451C77F1D7}">
-              <ma14:placeholderFlag xmlns:ma14="http://schemas.microsoft.com/office/mac/drawingml/2011/main" xmlns="" val="1"/>
+              <ma14:placeholderFlag xmlns="" xmlns:ma14="http://schemas.microsoft.com/office/mac/drawingml/2011/main" val="1"/>
             </a:ext>
             <a:ext uri="{909E8E84-426E-40dd-AFC4-6F175D3DCCD1}">
-              <a14:hiddenFill xmlns:a14="http://schemas.microsoft.com/office/drawing/2010/main" xmlns="">
+              <a14:hiddenFill xmlns="" xmlns:a14="http://schemas.microsoft.com/office/drawing/2010/main">
                 <a:solidFill>
                   <a:schemeClr val="bg1"/>
                 </a:solidFill>
               </a14:hiddenFill>
             </a:ext>
             <a:ext uri="{91240B29-F687-4f45-9708-019B960494DF}">
-              <a14:hiddenLine xmlns:a14="http://schemas.microsoft.com/office/drawing/2010/main" xmlns="" w="12700">
+              <a14:hiddenLine xmlns="" xmlns:a14="http://schemas.microsoft.com/office/drawing/2010/main" w="12700">
                 <a:pattFill prst="narHorz">
                   <a:fgClr>
                     <a:schemeClr val="tx1"/>
@@ -2789,7 +3253,7 @@
               </a14:hiddenLine>
             </a:ext>
             <a:ext uri="{AF507438-7753-43e0-B8FC-AC1667EBCBE1}">
-              <a14:hiddenEffects xmlns:a14="http://schemas.microsoft.com/office/drawing/2010/main" xmlns="">
+              <a14:hiddenEffects xmlns="" xmlns:a14="http://schemas.microsoft.com/office/drawing/2010/main">
                 <a:effectLst>
                   <a:outerShdw blurRad="63500" dist="38099" dir="2700000" algn="ctr" rotWithShape="0">
                     <a:schemeClr val="bg2">
@@ -2873,12 +3337,12 @@
           <a:effectLst/>
           <a:extLst>
             <a:ext uri="{909E8E84-426E-40dd-AFC4-6F175D3DCCD1}">
-              <a14:hiddenFill xmlns:a14="http://schemas.microsoft.com/office/drawing/2010/main" xmlns="">
+              <a14:hiddenFill xmlns="" xmlns:a14="http://schemas.microsoft.com/office/drawing/2010/main">
                 <a:noFill/>
               </a14:hiddenFill>
             </a:ext>
             <a:ext uri="{AF507438-7753-43e0-B8FC-AC1667EBCBE1}">
-              <a14:hiddenEffects xmlns:a14="http://schemas.microsoft.com/office/drawing/2010/main" xmlns="">
+              <a14:hiddenEffects xmlns="" xmlns:a14="http://schemas.microsoft.com/office/drawing/2010/main">
                 <a:effectLst>
                   <a:outerShdw blurRad="63500" dist="38099" dir="2700000" algn="ctr" rotWithShape="0">
                     <a:schemeClr val="bg2">
@@ -3063,6 +3527,7 @@
     <p:sldLayoutId id="2147483735" r:id="rId10"/>
     <p:sldLayoutId id="2147483736" r:id="rId11"/>
     <p:sldLayoutId id="2147483737" r:id="rId12"/>
+    <p:sldLayoutId id="2147483739" r:id="rId13"/>
   </p:sldLayoutIdLst>
   <p:transition/>
   <p:txStyles>
@@ -3722,6 +4187,1649 @@
           <p:cNvPr id="2" name="Title 1">
             <a:extLst>
               <a:ext uri="{FF2B5EF4-FFF2-40B4-BE49-F238E27FC236}">
+                <a16:creationId xmlns:a16="http://schemas.microsoft.com/office/drawing/2014/main" id="{83D67176-6D53-DD91-2D8E-422B727B2EE4}"/>
+              </a:ext>
+            </a:extLst>
+          </p:cNvPr>
+          <p:cNvSpPr>
+            <a:spLocks noGrp="1"/>
+          </p:cNvSpPr>
+          <p:nvPr>
+            <p:ph type="title"/>
+          </p:nvPr>
+        </p:nvSpPr>
+        <p:spPr/>
+        <p:txBody>
+          <a:bodyPr/>
+          <a:lstStyle/>
+          <a:p>
+            <a:r>
+              <a:rPr lang="en-GB" dirty="0"/>
+              <a:t>Multi-Armed Lawyers</a:t>
+            </a:r>
+            <a:endParaRPr lang="en-SE" dirty="0"/>
+          </a:p>
+        </p:txBody>
+      </p:sp>
+      <p:sp>
+        <p:nvSpPr>
+          <p:cNvPr id="3" name="Content Placeholder 2">
+            <a:extLst>
+              <a:ext uri="{FF2B5EF4-FFF2-40B4-BE49-F238E27FC236}">
+                <a16:creationId xmlns:a16="http://schemas.microsoft.com/office/drawing/2014/main" id="{5D24D6A1-3E13-A94F-063A-2C32586CB08A}"/>
+              </a:ext>
+            </a:extLst>
+          </p:cNvPr>
+          <p:cNvSpPr>
+            <a:spLocks noGrp="1"/>
+          </p:cNvSpPr>
+          <p:nvPr>
+            <p:ph idx="1"/>
+          </p:nvPr>
+        </p:nvSpPr>
+        <p:spPr>
+          <a:xfrm>
+            <a:off x="812800" y="914400"/>
+            <a:ext cx="10566400" cy="5562600"/>
+          </a:xfrm>
+        </p:spPr>
+        <p:txBody>
+          <a:bodyPr>
+            <a:normAutofit/>
+          </a:bodyPr>
+          <a:lstStyle/>
+          <a:p>
+            <a:r>
+              <a:rPr lang="en-GB" dirty="0"/>
+              <a:t>Consider a large table with IDENTICAL multi-armed alien lawyers. In the </a:t>
+            </a:r>
+            <a:r>
+              <a:rPr lang="en-GB" dirty="0" err="1"/>
+              <a:t>center</a:t>
+            </a:r>
+            <a:r>
+              <a:rPr lang="en-GB" dirty="0"/>
+              <a:t> is a pile of chopsticks. In order to eat, a lawyer must have one chopstick in each hand. The lawyers are so busy talking that they can only grab one chopstick at a time. Design a deadlock-free algorithm using monitors and Bankers algorithm. Assume total number of chopsticks &gt;= number of hands of each lawyer, so at least one lawyer can eat.</a:t>
+            </a:r>
+          </a:p>
+          <a:p>
+            <a:r>
+              <a:rPr lang="en-GB" dirty="0"/>
+              <a:t>It is not a generalization of the 2-armed Dining Philosophers problem. Since the chopsticks are in a pile at </a:t>
+            </a:r>
+            <a:r>
+              <a:rPr lang="en-GB" dirty="0" err="1"/>
+              <a:t>center</a:t>
+            </a:r>
+            <a:r>
+              <a:rPr lang="en-GB" dirty="0"/>
+              <a:t> of the table, we should model them as a single resource with multiple instances, instead of multiple resources for the Dining Philosophers, where each fork (chopstick) has a fixed position in-between two philosophers. Hence the R and C matrices have a single </a:t>
+            </a:r>
+            <a:r>
+              <a:rPr lang="en-GB"/>
+              <a:t>column.</a:t>
+            </a:r>
+            <a:endParaRPr lang="en-GB" dirty="0"/>
+          </a:p>
+        </p:txBody>
+      </p:sp>
+      <p:sp>
+        <p:nvSpPr>
+          <p:cNvPr id="4" name="Rectangle 3">
+            <a:extLst>
+              <a:ext uri="{FF2B5EF4-FFF2-40B4-BE49-F238E27FC236}">
+                <a16:creationId xmlns:a16="http://schemas.microsoft.com/office/drawing/2014/main" id="{358E381C-BBBB-E844-A692-437444C89492}"/>
+              </a:ext>
+            </a:extLst>
+          </p:cNvPr>
+          <p:cNvSpPr/>
+          <p:nvPr/>
+        </p:nvSpPr>
+        <p:spPr bwMode="auto">
+          <a:xfrm>
+            <a:off x="4267200" y="6477000"/>
+            <a:ext cx="4419600" cy="304801"/>
+          </a:xfrm>
+          <a:prstGeom prst="rect">
+            <a:avLst/>
+          </a:prstGeom>
+          <a:solidFill>
+            <a:schemeClr val="bg1"/>
+          </a:solidFill>
+          <a:ln w="12700" cap="flat" cmpd="sng" algn="ctr">
+            <a:solidFill>
+              <a:schemeClr val="tx1"/>
+            </a:solidFill>
+            <a:prstDash val="solid"/>
+            <a:round/>
+            <a:headEnd type="none" w="med" len="med"/>
+            <a:tailEnd type="none" w="med" len="med"/>
+          </a:ln>
+          <a:effectLst/>
+          <a:extLst>
+            <a:ext uri="{AF507438-7753-43e0-B8FC-AC1667EBCBE1}">
+              <a14:hiddenEffects xmlns:a14="http://schemas.microsoft.com/office/drawing/2010/main" xmlns="">
+                <a:effectLst>
+                  <a:outerShdw dist="35921" dir="2700000" algn="ctr" rotWithShape="0">
+                    <a:schemeClr val="bg2"/>
+                  </a:outerShdw>
+                </a:effectLst>
+              </a14:hiddenEffects>
+            </a:ext>
+          </a:extLst>
+        </p:spPr>
+        <p:txBody>
+          <a:bodyPr vert="horz" wrap="square" lIns="91440" tIns="45720" rIns="91440" bIns="45720" numCol="1" rtlCol="0" anchor="t" anchorCtr="0" compatLnSpc="1">
+            <a:prstTxWarp prst="textNoShape">
+              <a:avLst/>
+            </a:prstTxWarp>
+          </a:bodyPr>
+          <a:lstStyle/>
+          <a:p>
+            <a:r>
+              <a:rPr lang="en-GB" sz="1400" b="0" dirty="0">
+                <a:latin typeface="Gill Sans" panose="020B0502020104020203"/>
+              </a:rPr>
+              <a:t>Ack: this example is taken from UC Berkeley CS162 course.</a:t>
+            </a:r>
+            <a:endParaRPr kumimoji="0" lang="en-SE" sz="1400" b="0" i="0" u="none" strike="noStrike" cap="none" normalizeH="0" baseline="0" dirty="0">
+              <a:ln>
+                <a:noFill/>
+              </a:ln>
+              <a:solidFill>
+                <a:schemeClr val="tx1"/>
+              </a:solidFill>
+              <a:effectLst/>
+              <a:latin typeface="Gill Sans" panose="020B0502020104020203"/>
+            </a:endParaRPr>
+          </a:p>
+        </p:txBody>
+      </p:sp>
+    </p:spTree>
+    <p:extLst>
+      <p:ext uri="{BB962C8B-B14F-4D97-AF65-F5344CB8AC3E}">
+        <p14:creationId xmlns:p14="http://schemas.microsoft.com/office/powerpoint/2010/main" val="3912534557"/>
+      </p:ext>
+    </p:extLst>
+  </p:cSld>
+  <p:clrMapOvr>
+    <a:masterClrMapping/>
+  </p:clrMapOvr>
+  <p:transition/>
+</p:sld>
+</file>
+
+<file path=ppt/slides/slide3.xml><?xml version="1.0" encoding="utf-8"?>
+<p:sld xmlns:a="http://schemas.openxmlformats.org/drawingml/2006/main" xmlns:r="http://schemas.openxmlformats.org/officeDocument/2006/relationships" xmlns:p="http://schemas.openxmlformats.org/presentationml/2006/main">
+  <p:cSld>
+    <p:spTree>
+      <p:nvGrpSpPr>
+        <p:cNvPr id="1" name="">
+          <a:extLst>
+            <a:ext uri="{FF2B5EF4-FFF2-40B4-BE49-F238E27FC236}">
+              <a16:creationId xmlns:a16="http://schemas.microsoft.com/office/drawing/2014/main" id="{85CD035D-F5B9-F2C6-59A2-7DE1BCA7D592}"/>
+            </a:ext>
+          </a:extLst>
+        </p:cNvPr>
+        <p:cNvGrpSpPr/>
+        <p:nvPr/>
+      </p:nvGrpSpPr>
+      <p:grpSpPr>
+        <a:xfrm>
+          <a:off x="0" y="0"/>
+          <a:ext cx="0" cy="0"/>
+          <a:chOff x="0" y="0"/>
+          <a:chExt cx="0" cy="0"/>
+        </a:xfrm>
+      </p:grpSpPr>
+      <p:sp>
+        <p:nvSpPr>
+          <p:cNvPr id="1032" name="Rectangle 2">
+            <a:extLst>
+              <a:ext uri="{FF2B5EF4-FFF2-40B4-BE49-F238E27FC236}">
+                <a16:creationId xmlns:a16="http://schemas.microsoft.com/office/drawing/2014/main" id="{D1236058-8546-8757-C024-E7ACC5EBEB3C}"/>
+              </a:ext>
+            </a:extLst>
+          </p:cNvPr>
+          <p:cNvSpPr>
+            <a:spLocks noGrp="1" noChangeArrowheads="1"/>
+          </p:cNvSpPr>
+          <p:nvPr>
+            <p:ph type="title" sz="quarter"/>
+          </p:nvPr>
+        </p:nvSpPr>
+        <p:spPr>
+          <a:xfrm>
+            <a:off x="1981200" y="-114300"/>
+            <a:ext cx="8991600" cy="1143000"/>
+          </a:xfrm>
+        </p:spPr>
+        <p:txBody>
+          <a:bodyPr/>
+          <a:lstStyle/>
+          <a:p>
+            <a:pPr eaLnBrk="1" hangingPunct="1"/>
+            <a:r>
+              <a:rPr lang="en-US" altLang="zh-CN" dirty="0">
+                <a:ea typeface="宋体" charset="-122"/>
+              </a:rPr>
+              <a:t>Example: 5 Lawyers, each with 2 arms, 5 chopsticks</a:t>
+            </a:r>
+          </a:p>
+        </p:txBody>
+      </p:sp>
+      <mc:AlternateContent xmlns:mc="http://schemas.openxmlformats.org/markup-compatibility/2006" xmlns:a14="http://schemas.microsoft.com/office/drawing/2010/main">
+        <mc:Choice Requires="a14">
+          <p:sp>
+            <p:nvSpPr>
+              <p:cNvPr id="128006" name="Object 3">
+                <a:extLst>
+                  <a:ext uri="{FF2B5EF4-FFF2-40B4-BE49-F238E27FC236}">
+                    <a16:creationId xmlns:a16="http://schemas.microsoft.com/office/drawing/2014/main" id="{D733E9EA-4D44-2FDB-7DFB-1CCA55413039}"/>
+                  </a:ext>
+                </a:extLst>
+              </p:cNvPr>
+              <p:cNvSpPr txBox="1"/>
+              <p:nvPr/>
+            </p:nvSpPr>
+            <p:spPr bwMode="auto">
+              <a:xfrm>
+                <a:off x="0" y="2235200"/>
+                <a:ext cx="6529387" cy="2387600"/>
+              </a:xfrm>
+              <a:prstGeom prst="rect">
+                <a:avLst/>
+              </a:prstGeom>
+              <a:noFill/>
+            </p:spPr>
+            <p:txBody>
+              <a:bodyPr>
+                <a:noAutofit/>
+              </a:bodyPr>
+              <a:lstStyle/>
+              <a:p>
+                <a:pPr/>
+                <a14:m>
+                  <m:oMathPara xmlns:m="http://schemas.openxmlformats.org/officeDocument/2006/math">
+                    <m:oMathParaPr>
+                      <m:jc m:val="left"/>
+                    </m:oMathParaPr>
+                    <m:oMath xmlns:m="http://schemas.openxmlformats.org/officeDocument/2006/math">
+                      <m:r>
+                        <a:rPr lang="en-SE" sz="3200" i="1" smtClean="0">
+                          <a:solidFill>
+                            <a:srgbClr val="000000"/>
+                          </a:solidFill>
+                          <a:latin typeface="Cambria Math" panose="02040503050406030204" pitchFamily="18" charset="0"/>
+                        </a:rPr>
+                        <m:t>𝑅</m:t>
+                      </m:r>
+                      <m:r>
+                        <a:rPr lang="en-SE" sz="3200" i="1" smtClean="0">
+                          <a:solidFill>
+                            <a:srgbClr val="000000"/>
+                          </a:solidFill>
+                          <a:latin typeface="Cambria Math" panose="02040503050406030204" pitchFamily="18" charset="0"/>
+                        </a:rPr>
+                        <m:t>=</m:t>
+                      </m:r>
+                      <m:d>
+                        <m:dPr>
+                          <m:begChr m:val="|"/>
+                          <m:endChr m:val="|"/>
+                          <m:ctrlPr>
+                            <a:rPr lang="en-SE" sz="3200" i="1" smtClean="0">
+                              <a:solidFill>
+                                <a:srgbClr val="000000"/>
+                              </a:solidFill>
+                              <a:latin typeface="Cambria Math" panose="02040503050406030204" pitchFamily="18" charset="0"/>
+                            </a:rPr>
+                          </m:ctrlPr>
+                        </m:dPr>
+                        <m:e>
+                          <m:m>
+                            <m:mPr>
+                              <m:plcHide m:val="on"/>
+                              <m:mcs>
+                                <m:mc>
+                                  <m:mcPr>
+                                    <m:count m:val="1"/>
+                                    <m:mcJc m:val="center"/>
+                                  </m:mcPr>
+                                </m:mc>
+                              </m:mcs>
+                              <m:ctrlPr>
+                                <a:rPr lang="en-SE" sz="3200" b="0" i="1">
+                                  <a:solidFill>
+                                    <a:srgbClr val="000000"/>
+                                  </a:solidFill>
+                                  <a:latin typeface="Cambria Math" panose="02040503050406030204" pitchFamily="18" charset="0"/>
+                                </a:rPr>
+                              </m:ctrlPr>
+                            </m:mPr>
+                            <m:mr>
+                              <m:e>
+                                <m:r>
+                                  <a:rPr lang="en-GB" sz="3200" b="0">
+                                    <a:solidFill>
+                                      <a:srgbClr val="000000"/>
+                                    </a:solidFill>
+                                    <a:latin typeface="Cambria Math" panose="02040503050406030204" pitchFamily="18" charset="0"/>
+                                  </a:rPr>
+                                  <m:t>2</m:t>
+                                </m:r>
+                              </m:e>
+                            </m:mr>
+                            <m:mr>
+                              <m:e>
+                                <m:r>
+                                  <a:rPr lang="en-GB" sz="3200" b="0">
+                                    <a:solidFill>
+                                      <a:srgbClr val="000000"/>
+                                    </a:solidFill>
+                                    <a:latin typeface="Cambria Math" panose="02040503050406030204" pitchFamily="18" charset="0"/>
+                                  </a:rPr>
+                                  <m:t>2</m:t>
+                                </m:r>
+                              </m:e>
+                            </m:mr>
+                            <m:mr>
+                              <m:e>
+                                <m:r>
+                                  <a:rPr lang="en-GB" sz="3200" b="0">
+                                    <a:solidFill>
+                                      <a:srgbClr val="000000"/>
+                                    </a:solidFill>
+                                    <a:latin typeface="Cambria Math" panose="02040503050406030204" pitchFamily="18" charset="0"/>
+                                  </a:rPr>
+                                  <m:t>2</m:t>
+                                </m:r>
+                              </m:e>
+                            </m:mr>
+                            <m:mr>
+                              <m:e>
+                                <m:r>
+                                  <a:rPr lang="en-GB" sz="3200" b="0">
+                                    <a:solidFill>
+                                      <a:srgbClr val="000000"/>
+                                    </a:solidFill>
+                                    <a:latin typeface="Cambria Math" panose="02040503050406030204" pitchFamily="18" charset="0"/>
+                                  </a:rPr>
+                                  <m:t>2</m:t>
+                                </m:r>
+                              </m:e>
+                            </m:mr>
+                            <m:mr>
+                              <m:e>
+                                <m:r>
+                                  <a:rPr lang="en-GB" sz="3200" b="0">
+                                    <a:solidFill>
+                                      <a:srgbClr val="000000"/>
+                                    </a:solidFill>
+                                    <a:latin typeface="Cambria Math" panose="02040503050406030204" pitchFamily="18" charset="0"/>
+                                  </a:rPr>
+                                  <m:t>2</m:t>
+                                </m:r>
+                              </m:e>
+                            </m:mr>
+                          </m:m>
+                        </m:e>
+                      </m:d>
+                      <m:r>
+                        <a:rPr lang="en-GB" sz="3200" b="1" i="1" smtClean="0">
+                          <a:solidFill>
+                            <a:srgbClr val="000000"/>
+                          </a:solidFill>
+                          <a:latin typeface="Cambria Math" panose="02040503050406030204" pitchFamily="18" charset="0"/>
+                        </a:rPr>
+                        <m:t>,</m:t>
+                      </m:r>
+                      <m:r>
+                        <a:rPr lang="en-GB" sz="3200" b="0" i="1" smtClean="0">
+                          <a:solidFill>
+                            <a:srgbClr val="000000"/>
+                          </a:solidFill>
+                          <a:latin typeface="Cambria Math" panose="02040503050406030204" pitchFamily="18" charset="0"/>
+                        </a:rPr>
+                        <m:t>𝐶</m:t>
+                      </m:r>
+                      <m:r>
+                        <a:rPr lang="en-SE" sz="3200" i="1">
+                          <a:solidFill>
+                            <a:srgbClr val="000000"/>
+                          </a:solidFill>
+                          <a:latin typeface="Cambria Math" panose="02040503050406030204" pitchFamily="18" charset="0"/>
+                        </a:rPr>
+                        <m:t>=</m:t>
+                      </m:r>
+                      <m:d>
+                        <m:dPr>
+                          <m:begChr m:val="|"/>
+                          <m:endChr m:val="|"/>
+                          <m:ctrlPr>
+                            <a:rPr lang="en-SE" sz="3200" i="1">
+                              <a:solidFill>
+                                <a:srgbClr val="000000"/>
+                              </a:solidFill>
+                              <a:latin typeface="Cambria Math" panose="02040503050406030204" pitchFamily="18" charset="0"/>
+                            </a:rPr>
+                          </m:ctrlPr>
+                        </m:dPr>
+                        <m:e>
+                          <m:m>
+                            <m:mPr>
+                              <m:plcHide m:val="on"/>
+                              <m:mcs>
+                                <m:mc>
+                                  <m:mcPr>
+                                    <m:count m:val="1"/>
+                                    <m:mcJc m:val="center"/>
+                                  </m:mcPr>
+                                </m:mc>
+                              </m:mcs>
+                              <m:ctrlPr>
+                                <a:rPr lang="en-SE" sz="3200" b="0" i="1">
+                                  <a:solidFill>
+                                    <a:srgbClr val="000000"/>
+                                  </a:solidFill>
+                                  <a:latin typeface="Cambria Math" panose="02040503050406030204" pitchFamily="18" charset="0"/>
+                                </a:rPr>
+                              </m:ctrlPr>
+                            </m:mPr>
+                            <m:mr>
+                              <m:e>
+                                <m:r>
+                                  <a:rPr lang="en-GB" sz="3200" b="0" i="0" smtClean="0">
+                                    <a:solidFill>
+                                      <a:srgbClr val="000000"/>
+                                    </a:solidFill>
+                                    <a:latin typeface="Cambria Math" panose="02040503050406030204" pitchFamily="18" charset="0"/>
+                                  </a:rPr>
+                                  <m:t>0</m:t>
+                                </m:r>
+                              </m:e>
+                            </m:mr>
+                            <m:mr>
+                              <m:e>
+                                <m:r>
+                                  <a:rPr lang="en-GB" sz="3200" b="0" i="0" smtClean="0">
+                                    <a:solidFill>
+                                      <a:srgbClr val="000000"/>
+                                    </a:solidFill>
+                                    <a:latin typeface="Cambria Math" panose="02040503050406030204" pitchFamily="18" charset="0"/>
+                                  </a:rPr>
+                                  <m:t>0</m:t>
+                                </m:r>
+                              </m:e>
+                            </m:mr>
+                            <m:mr>
+                              <m:e>
+                                <m:r>
+                                  <a:rPr lang="en-GB" sz="3200" b="0" i="0" smtClean="0">
+                                    <a:solidFill>
+                                      <a:srgbClr val="000000"/>
+                                    </a:solidFill>
+                                    <a:latin typeface="Cambria Math" panose="02040503050406030204" pitchFamily="18" charset="0"/>
+                                  </a:rPr>
+                                  <m:t>0</m:t>
+                                </m:r>
+                              </m:e>
+                            </m:mr>
+                            <m:mr>
+                              <m:e>
+                                <m:r>
+                                  <a:rPr lang="en-GB" sz="3200" b="0" i="0" smtClean="0">
+                                    <a:solidFill>
+                                      <a:srgbClr val="000000"/>
+                                    </a:solidFill>
+                                    <a:latin typeface="Cambria Math" panose="02040503050406030204" pitchFamily="18" charset="0"/>
+                                  </a:rPr>
+                                  <m:t>0</m:t>
+                                </m:r>
+                              </m:e>
+                            </m:mr>
+                            <m:mr>
+                              <m:e>
+                                <m:r>
+                                  <a:rPr lang="en-GB" sz="3200" b="0" i="0" smtClean="0">
+                                    <a:solidFill>
+                                      <a:srgbClr val="000000"/>
+                                    </a:solidFill>
+                                    <a:latin typeface="Cambria Math" panose="02040503050406030204" pitchFamily="18" charset="0"/>
+                                  </a:rPr>
+                                  <m:t>0</m:t>
+                                </m:r>
+                              </m:e>
+                            </m:mr>
+                          </m:m>
+                        </m:e>
+                      </m:d>
+                      <m:r>
+                        <a:rPr lang="en-GB" sz="3200" b="0" i="1" smtClean="0">
+                          <a:solidFill>
+                            <a:srgbClr val="000000"/>
+                          </a:solidFill>
+                          <a:latin typeface="Cambria Math" panose="02040503050406030204" pitchFamily="18" charset="0"/>
+                        </a:rPr>
+                        <m:t>, </m:t>
+                      </m:r>
+                      <m:r>
+                        <a:rPr lang="en-GB" sz="3200" b="0" i="1" smtClean="0">
+                          <a:solidFill>
+                            <a:srgbClr val="000000"/>
+                          </a:solidFill>
+                          <a:latin typeface="Cambria Math" panose="02040503050406030204" pitchFamily="18" charset="0"/>
+                        </a:rPr>
+                        <m:t>𝐸</m:t>
+                      </m:r>
+                      <m:r>
+                        <a:rPr lang="en-GB" sz="3200" b="0" i="1" smtClean="0">
+                          <a:solidFill>
+                            <a:srgbClr val="000000"/>
+                          </a:solidFill>
+                          <a:latin typeface="Cambria Math" panose="02040503050406030204" pitchFamily="18" charset="0"/>
+                        </a:rPr>
+                        <m:t>=</m:t>
+                      </m:r>
+                      <m:d>
+                        <m:dPr>
+                          <m:begChr m:val="|"/>
+                          <m:endChr m:val="|"/>
+                          <m:ctrlPr>
+                            <a:rPr lang="en-SE" sz="3200" i="1">
+                              <a:solidFill>
+                                <a:srgbClr val="000000"/>
+                              </a:solidFill>
+                              <a:latin typeface="Cambria Math" panose="02040503050406030204" pitchFamily="18" charset="0"/>
+                            </a:rPr>
+                          </m:ctrlPr>
+                        </m:dPr>
+                        <m:e>
+                          <m:r>
+                            <a:rPr lang="en-GB" sz="3200" b="0" i="1" smtClean="0">
+                              <a:solidFill>
+                                <a:srgbClr val="000000"/>
+                              </a:solidFill>
+                              <a:latin typeface="Cambria Math" panose="02040503050406030204" pitchFamily="18" charset="0"/>
+                            </a:rPr>
+                            <m:t>5</m:t>
+                          </m:r>
+                        </m:e>
+                      </m:d>
+                      <m:r>
+                        <a:rPr lang="en-GB" sz="3200" b="0" i="1" smtClean="0">
+                          <a:solidFill>
+                            <a:srgbClr val="000000"/>
+                          </a:solidFill>
+                          <a:latin typeface="Cambria Math" panose="02040503050406030204" pitchFamily="18" charset="0"/>
+                        </a:rPr>
+                        <m:t>, </m:t>
+                      </m:r>
+                      <m:r>
+                        <a:rPr lang="en-GB" sz="3200" b="0" i="1" smtClean="0">
+                          <a:solidFill>
+                            <a:srgbClr val="000000"/>
+                          </a:solidFill>
+                          <a:latin typeface="Cambria Math" panose="02040503050406030204" pitchFamily="18" charset="0"/>
+                        </a:rPr>
+                        <m:t>𝐴</m:t>
+                      </m:r>
+                      <m:r>
+                        <a:rPr lang="en-GB" sz="3200" b="0" i="1">
+                          <a:solidFill>
+                            <a:srgbClr val="000000"/>
+                          </a:solidFill>
+                          <a:latin typeface="Cambria Math" panose="02040503050406030204" pitchFamily="18" charset="0"/>
+                        </a:rPr>
+                        <m:t>=</m:t>
+                      </m:r>
+                      <m:d>
+                        <m:dPr>
+                          <m:begChr m:val="|"/>
+                          <m:endChr m:val="|"/>
+                          <m:ctrlPr>
+                            <a:rPr lang="en-SE" sz="3200" i="1">
+                              <a:solidFill>
+                                <a:srgbClr val="000000"/>
+                              </a:solidFill>
+                              <a:latin typeface="Cambria Math" panose="02040503050406030204" pitchFamily="18" charset="0"/>
+                            </a:rPr>
+                          </m:ctrlPr>
+                        </m:dPr>
+                        <m:e>
+                          <m:r>
+                            <a:rPr lang="en-GB" sz="3200" b="0" i="1">
+                              <a:solidFill>
+                                <a:srgbClr val="000000"/>
+                              </a:solidFill>
+                              <a:latin typeface="Cambria Math" panose="02040503050406030204" pitchFamily="18" charset="0"/>
+                            </a:rPr>
+                            <m:t>5</m:t>
+                          </m:r>
+                        </m:e>
+                      </m:d>
+                    </m:oMath>
+                  </m:oMathPara>
+                </a14:m>
+                <a:endParaRPr lang="en-SE" sz="3200" b="0" dirty="0"/>
+              </a:p>
+            </p:txBody>
+          </p:sp>
+        </mc:Choice>
+        <mc:Fallback xmlns="">
+          <p:sp>
+            <p:nvSpPr>
+              <p:cNvPr id="128006" name="Object 3">
+                <a:extLst>
+                  <a:ext uri="{FF2B5EF4-FFF2-40B4-BE49-F238E27FC236}">
+                    <a16:creationId xmlns:a16="http://schemas.microsoft.com/office/drawing/2014/main" id="{D733E9EA-4D44-2FDB-7DFB-1CCA55413039}"/>
+                  </a:ext>
+                </a:extLst>
+              </p:cNvPr>
+              <p:cNvSpPr txBox="1">
+                <a:spLocks noRot="1" noChangeAspect="1" noMove="1" noResize="1" noEditPoints="1" noAdjustHandles="1" noChangeArrowheads="1" noChangeShapeType="1" noTextEdit="1"/>
+              </p:cNvSpPr>
+              <p:nvPr/>
+            </p:nvSpPr>
+            <p:spPr bwMode="auto">
+              <a:xfrm>
+                <a:off x="0" y="2235200"/>
+                <a:ext cx="6529387" cy="2387600"/>
+              </a:xfrm>
+              <a:prstGeom prst="rect">
+                <a:avLst/>
+              </a:prstGeom>
+              <a:blipFill>
+                <a:blip r:embed="rId2"/>
+                <a:stretch>
+                  <a:fillRect/>
+                </a:stretch>
+              </a:blipFill>
+            </p:spPr>
+            <p:txBody>
+              <a:bodyPr/>
+              <a:lstStyle/>
+              <a:p>
+                <a:r>
+                  <a:rPr lang="en-SE">
+                    <a:noFill/>
+                  </a:rPr>
+                  <a:t> </a:t>
+                </a:r>
+              </a:p>
+            </p:txBody>
+          </p:sp>
+        </mc:Fallback>
+      </mc:AlternateContent>
+      <p:sp>
+        <p:nvSpPr>
+          <p:cNvPr id="2" name="TextBox 1">
+            <a:extLst>
+              <a:ext uri="{FF2B5EF4-FFF2-40B4-BE49-F238E27FC236}">
+                <a16:creationId xmlns:a16="http://schemas.microsoft.com/office/drawing/2014/main" id="{0A9DF53D-E8B6-2D43-AF98-8670D7BD153D}"/>
+              </a:ext>
+            </a:extLst>
+          </p:cNvPr>
+          <p:cNvSpPr txBox="1"/>
+          <p:nvPr/>
+        </p:nvSpPr>
+        <p:spPr>
+          <a:xfrm>
+            <a:off x="3962400" y="762000"/>
+            <a:ext cx="4687502" cy="1323439"/>
+          </a:xfrm>
+          <a:prstGeom prst="rect">
+            <a:avLst/>
+          </a:prstGeom>
+          <a:noFill/>
+        </p:spPr>
+        <p:txBody>
+          <a:bodyPr wrap="none" rtlCol="0">
+            <a:spAutoFit/>
+          </a:bodyPr>
+          <a:lstStyle/>
+          <a:p>
+            <a:r>
+              <a:rPr lang="en-GB" sz="2000" b="0" dirty="0">
+                <a:solidFill>
+                  <a:schemeClr val="dk1"/>
+                </a:solidFill>
+                <a:latin typeface="+mn-lt"/>
+                <a:ea typeface="+mn-ea"/>
+                <a:cs typeface="+mn-cs"/>
+              </a:rPr>
+              <a:t>Total Request matrix R (</a:t>
+            </a:r>
+            <a:r>
+              <a:rPr lang="en-GB" sz="2000" b="0" dirty="0" err="1">
+                <a:solidFill>
+                  <a:schemeClr val="dk1"/>
+                </a:solidFill>
+                <a:latin typeface="+mn-lt"/>
+                <a:ea typeface="+mn-ea"/>
+                <a:cs typeface="+mn-cs"/>
+              </a:rPr>
+              <a:t>NumArms</a:t>
+            </a:r>
+            <a:r>
+              <a:rPr lang="en-GB" sz="2000" b="0" dirty="0">
+                <a:solidFill>
+                  <a:schemeClr val="dk1"/>
+                </a:solidFill>
+                <a:latin typeface="+mn-lt"/>
+                <a:ea typeface="+mn-ea"/>
+                <a:cs typeface="+mn-cs"/>
+              </a:rPr>
+              <a:t>=2)</a:t>
+            </a:r>
+          </a:p>
+          <a:p>
+            <a:r>
+              <a:rPr lang="en-GB" sz="2000" b="0" dirty="0">
+                <a:solidFill>
+                  <a:schemeClr val="dk1"/>
+                </a:solidFill>
+                <a:latin typeface="+mn-lt"/>
+                <a:ea typeface="+mn-ea"/>
+                <a:cs typeface="+mn-cs"/>
+              </a:rPr>
+              <a:t>Current allocation matrix C</a:t>
+            </a:r>
+          </a:p>
+          <a:p>
+            <a:r>
+              <a:rPr lang="en-GB" sz="2000" b="0" dirty="0">
+                <a:solidFill>
+                  <a:schemeClr val="dk1"/>
+                </a:solidFill>
+                <a:latin typeface="+mn-lt"/>
+                <a:ea typeface="+mn-ea"/>
+                <a:cs typeface="+mn-cs"/>
+              </a:rPr>
+              <a:t>Resources in existence E</a:t>
+            </a:r>
+          </a:p>
+          <a:p>
+            <a:r>
+              <a:rPr lang="en-GB" sz="2000" b="0" dirty="0">
+                <a:solidFill>
+                  <a:schemeClr val="dk1"/>
+                </a:solidFill>
+                <a:latin typeface="+mn-lt"/>
+                <a:ea typeface="+mn-ea"/>
+                <a:cs typeface="+mn-cs"/>
+              </a:rPr>
+              <a:t>Resources available A</a:t>
+            </a:r>
+          </a:p>
+        </p:txBody>
+      </p:sp>
+      <mc:AlternateContent xmlns:mc="http://schemas.openxmlformats.org/markup-compatibility/2006" xmlns:a14="http://schemas.microsoft.com/office/drawing/2010/main">
+        <mc:Choice Requires="a14">
+          <p:sp>
+            <p:nvSpPr>
+              <p:cNvPr id="13" name="Object 3">
+                <a:extLst>
+                  <a:ext uri="{FF2B5EF4-FFF2-40B4-BE49-F238E27FC236}">
+                    <a16:creationId xmlns:a16="http://schemas.microsoft.com/office/drawing/2014/main" id="{383810C9-DF9E-5963-DF9D-4ED86D8D8BEC}"/>
+                  </a:ext>
+                </a:extLst>
+              </p:cNvPr>
+              <p:cNvSpPr txBox="1"/>
+              <p:nvPr/>
+            </p:nvSpPr>
+            <p:spPr bwMode="auto">
+              <a:xfrm>
+                <a:off x="6172200" y="2230783"/>
+                <a:ext cx="6529387" cy="2387600"/>
+              </a:xfrm>
+              <a:prstGeom prst="rect">
+                <a:avLst/>
+              </a:prstGeom>
+              <a:noFill/>
+            </p:spPr>
+            <p:txBody>
+              <a:bodyPr>
+                <a:noAutofit/>
+              </a:bodyPr>
+              <a:lstStyle/>
+              <a:p>
+                <a:pPr/>
+                <a14:m>
+                  <m:oMathPara xmlns:m="http://schemas.openxmlformats.org/officeDocument/2006/math">
+                    <m:oMathParaPr>
+                      <m:jc m:val="left"/>
+                    </m:oMathParaPr>
+                    <m:oMath xmlns:m="http://schemas.openxmlformats.org/officeDocument/2006/math">
+                      <m:r>
+                        <a:rPr lang="en-SE" sz="3200" i="1" smtClean="0">
+                          <a:solidFill>
+                            <a:srgbClr val="000000"/>
+                          </a:solidFill>
+                          <a:latin typeface="Cambria Math" panose="02040503050406030204" pitchFamily="18" charset="0"/>
+                        </a:rPr>
+                        <m:t>𝑅</m:t>
+                      </m:r>
+                      <m:r>
+                        <a:rPr lang="en-SE" sz="3200" i="1" smtClean="0">
+                          <a:solidFill>
+                            <a:srgbClr val="000000"/>
+                          </a:solidFill>
+                          <a:latin typeface="Cambria Math" panose="02040503050406030204" pitchFamily="18" charset="0"/>
+                        </a:rPr>
+                        <m:t>=</m:t>
+                      </m:r>
+                      <m:d>
+                        <m:dPr>
+                          <m:begChr m:val="|"/>
+                          <m:endChr m:val="|"/>
+                          <m:ctrlPr>
+                            <a:rPr lang="en-SE" sz="3200" i="1" smtClean="0">
+                              <a:solidFill>
+                                <a:srgbClr val="000000"/>
+                              </a:solidFill>
+                              <a:latin typeface="Cambria Math" panose="02040503050406030204" pitchFamily="18" charset="0"/>
+                            </a:rPr>
+                          </m:ctrlPr>
+                        </m:dPr>
+                        <m:e>
+                          <m:m>
+                            <m:mPr>
+                              <m:plcHide m:val="on"/>
+                              <m:mcs>
+                                <m:mc>
+                                  <m:mcPr>
+                                    <m:count m:val="1"/>
+                                    <m:mcJc m:val="center"/>
+                                  </m:mcPr>
+                                </m:mc>
+                              </m:mcs>
+                              <m:ctrlPr>
+                                <a:rPr lang="en-SE" sz="3200" b="0" i="1">
+                                  <a:solidFill>
+                                    <a:srgbClr val="000000"/>
+                                  </a:solidFill>
+                                  <a:latin typeface="Cambria Math" panose="02040503050406030204" pitchFamily="18" charset="0"/>
+                                </a:rPr>
+                              </m:ctrlPr>
+                            </m:mPr>
+                            <m:mr>
+                              <m:e>
+                                <m:r>
+                                  <a:rPr lang="en-GB" sz="3200" b="0">
+                                    <a:solidFill>
+                                      <a:srgbClr val="000000"/>
+                                    </a:solidFill>
+                                    <a:latin typeface="Cambria Math" panose="02040503050406030204" pitchFamily="18" charset="0"/>
+                                  </a:rPr>
+                                  <m:t>2</m:t>
+                                </m:r>
+                              </m:e>
+                            </m:mr>
+                            <m:mr>
+                              <m:e>
+                                <m:r>
+                                  <a:rPr lang="en-GB" sz="3200" b="0">
+                                    <a:solidFill>
+                                      <a:srgbClr val="000000"/>
+                                    </a:solidFill>
+                                    <a:latin typeface="Cambria Math" panose="02040503050406030204" pitchFamily="18" charset="0"/>
+                                  </a:rPr>
+                                  <m:t>2</m:t>
+                                </m:r>
+                              </m:e>
+                            </m:mr>
+                            <m:mr>
+                              <m:e>
+                                <m:r>
+                                  <a:rPr lang="en-GB" sz="3200" b="0">
+                                    <a:solidFill>
+                                      <a:srgbClr val="000000"/>
+                                    </a:solidFill>
+                                    <a:latin typeface="Cambria Math" panose="02040503050406030204" pitchFamily="18" charset="0"/>
+                                  </a:rPr>
+                                  <m:t>2</m:t>
+                                </m:r>
+                              </m:e>
+                            </m:mr>
+                            <m:mr>
+                              <m:e>
+                                <m:r>
+                                  <a:rPr lang="en-GB" sz="3200" b="0">
+                                    <a:solidFill>
+                                      <a:srgbClr val="000000"/>
+                                    </a:solidFill>
+                                    <a:latin typeface="Cambria Math" panose="02040503050406030204" pitchFamily="18" charset="0"/>
+                                  </a:rPr>
+                                  <m:t>2</m:t>
+                                </m:r>
+                              </m:e>
+                            </m:mr>
+                            <m:mr>
+                              <m:e>
+                                <m:r>
+                                  <a:rPr lang="en-GB" sz="3200" b="0">
+                                    <a:solidFill>
+                                      <a:srgbClr val="000000"/>
+                                    </a:solidFill>
+                                    <a:latin typeface="Cambria Math" panose="02040503050406030204" pitchFamily="18" charset="0"/>
+                                  </a:rPr>
+                                  <m:t>2</m:t>
+                                </m:r>
+                              </m:e>
+                            </m:mr>
+                          </m:m>
+                        </m:e>
+                      </m:d>
+                      <m:r>
+                        <a:rPr lang="en-GB" sz="3200" b="1" i="1" smtClean="0">
+                          <a:solidFill>
+                            <a:srgbClr val="000000"/>
+                          </a:solidFill>
+                          <a:latin typeface="Cambria Math" panose="02040503050406030204" pitchFamily="18" charset="0"/>
+                        </a:rPr>
+                        <m:t>,</m:t>
+                      </m:r>
+                      <m:r>
+                        <a:rPr lang="en-GB" sz="3200" b="0" i="1" smtClean="0">
+                          <a:solidFill>
+                            <a:srgbClr val="000000"/>
+                          </a:solidFill>
+                          <a:latin typeface="Cambria Math" panose="02040503050406030204" pitchFamily="18" charset="0"/>
+                        </a:rPr>
+                        <m:t>𝐶</m:t>
+                      </m:r>
+                      <m:r>
+                        <a:rPr lang="en-SE" sz="3200" i="1">
+                          <a:solidFill>
+                            <a:srgbClr val="000000"/>
+                          </a:solidFill>
+                          <a:latin typeface="Cambria Math" panose="02040503050406030204" pitchFamily="18" charset="0"/>
+                        </a:rPr>
+                        <m:t>=</m:t>
+                      </m:r>
+                      <m:d>
+                        <m:dPr>
+                          <m:begChr m:val="|"/>
+                          <m:endChr m:val="|"/>
+                          <m:ctrlPr>
+                            <a:rPr lang="en-SE" sz="3200" i="1">
+                              <a:solidFill>
+                                <a:srgbClr val="000000"/>
+                              </a:solidFill>
+                              <a:latin typeface="Cambria Math" panose="02040503050406030204" pitchFamily="18" charset="0"/>
+                            </a:rPr>
+                          </m:ctrlPr>
+                        </m:dPr>
+                        <m:e>
+                          <m:m>
+                            <m:mPr>
+                              <m:plcHide m:val="on"/>
+                              <m:mcs>
+                                <m:mc>
+                                  <m:mcPr>
+                                    <m:count m:val="1"/>
+                                    <m:mcJc m:val="center"/>
+                                  </m:mcPr>
+                                </m:mc>
+                              </m:mcs>
+                              <m:ctrlPr>
+                                <a:rPr lang="en-SE" sz="3200" b="0" i="1">
+                                  <a:solidFill>
+                                    <a:srgbClr val="000000"/>
+                                  </a:solidFill>
+                                  <a:latin typeface="Cambria Math" panose="02040503050406030204" pitchFamily="18" charset="0"/>
+                                </a:rPr>
+                              </m:ctrlPr>
+                            </m:mPr>
+                            <m:mr>
+                              <m:e>
+                                <m:r>
+                                  <a:rPr lang="en-GB" sz="3200" b="0" i="0" smtClean="0">
+                                    <a:solidFill>
+                                      <a:srgbClr val="000000"/>
+                                    </a:solidFill>
+                                    <a:latin typeface="Cambria Math" panose="02040503050406030204" pitchFamily="18" charset="0"/>
+                                  </a:rPr>
+                                  <m:t>2</m:t>
+                                </m:r>
+                              </m:e>
+                            </m:mr>
+                            <m:mr>
+                              <m:e>
+                                <m:r>
+                                  <a:rPr lang="en-GB" sz="3200" b="0" i="0" smtClean="0">
+                                    <a:solidFill>
+                                      <a:srgbClr val="000000"/>
+                                    </a:solidFill>
+                                    <a:latin typeface="Cambria Math" panose="02040503050406030204" pitchFamily="18" charset="0"/>
+                                  </a:rPr>
+                                  <m:t>2</m:t>
+                                </m:r>
+                              </m:e>
+                            </m:mr>
+                            <m:mr>
+                              <m:e>
+                                <m:r>
+                                  <a:rPr lang="en-GB" sz="3200" b="0" i="0" smtClean="0">
+                                    <a:solidFill>
+                                      <a:srgbClr val="000000"/>
+                                    </a:solidFill>
+                                    <a:latin typeface="Cambria Math" panose="02040503050406030204" pitchFamily="18" charset="0"/>
+                                  </a:rPr>
+                                  <m:t>0</m:t>
+                                </m:r>
+                              </m:e>
+                            </m:mr>
+                            <m:mr>
+                              <m:e>
+                                <m:r>
+                                  <a:rPr lang="en-GB" sz="3200" b="0" i="0" smtClean="0">
+                                    <a:solidFill>
+                                      <a:srgbClr val="000000"/>
+                                    </a:solidFill>
+                                    <a:latin typeface="Cambria Math" panose="02040503050406030204" pitchFamily="18" charset="0"/>
+                                  </a:rPr>
+                                  <m:t>0</m:t>
+                                </m:r>
+                              </m:e>
+                            </m:mr>
+                            <m:mr>
+                              <m:e>
+                                <m:r>
+                                  <a:rPr lang="en-GB" sz="3200" b="0" i="0" smtClean="0">
+                                    <a:solidFill>
+                                      <a:srgbClr val="000000"/>
+                                    </a:solidFill>
+                                    <a:latin typeface="Cambria Math" panose="02040503050406030204" pitchFamily="18" charset="0"/>
+                                  </a:rPr>
+                                  <m:t>0</m:t>
+                                </m:r>
+                              </m:e>
+                            </m:mr>
+                          </m:m>
+                        </m:e>
+                      </m:d>
+                      <m:r>
+                        <a:rPr lang="en-GB" sz="3200" b="0" i="1" smtClean="0">
+                          <a:solidFill>
+                            <a:srgbClr val="000000"/>
+                          </a:solidFill>
+                          <a:latin typeface="Cambria Math" panose="02040503050406030204" pitchFamily="18" charset="0"/>
+                        </a:rPr>
+                        <m:t>, </m:t>
+                      </m:r>
+                      <m:r>
+                        <a:rPr lang="en-GB" sz="3200" b="0" i="1" smtClean="0">
+                          <a:solidFill>
+                            <a:srgbClr val="000000"/>
+                          </a:solidFill>
+                          <a:latin typeface="Cambria Math" panose="02040503050406030204" pitchFamily="18" charset="0"/>
+                        </a:rPr>
+                        <m:t>𝐸</m:t>
+                      </m:r>
+                      <m:r>
+                        <a:rPr lang="en-GB" sz="3200" b="0" i="1" smtClean="0">
+                          <a:solidFill>
+                            <a:srgbClr val="000000"/>
+                          </a:solidFill>
+                          <a:latin typeface="Cambria Math" panose="02040503050406030204" pitchFamily="18" charset="0"/>
+                        </a:rPr>
+                        <m:t>=</m:t>
+                      </m:r>
+                      <m:d>
+                        <m:dPr>
+                          <m:begChr m:val="|"/>
+                          <m:endChr m:val="|"/>
+                          <m:ctrlPr>
+                            <a:rPr lang="en-SE" sz="3200" i="1">
+                              <a:solidFill>
+                                <a:srgbClr val="000000"/>
+                              </a:solidFill>
+                              <a:latin typeface="Cambria Math" panose="02040503050406030204" pitchFamily="18" charset="0"/>
+                            </a:rPr>
+                          </m:ctrlPr>
+                        </m:dPr>
+                        <m:e>
+                          <m:r>
+                            <a:rPr lang="en-GB" sz="3200" b="0" i="1" smtClean="0">
+                              <a:solidFill>
+                                <a:srgbClr val="000000"/>
+                              </a:solidFill>
+                              <a:latin typeface="Cambria Math" panose="02040503050406030204" pitchFamily="18" charset="0"/>
+                            </a:rPr>
+                            <m:t>5</m:t>
+                          </m:r>
+                        </m:e>
+                      </m:d>
+                      <m:r>
+                        <a:rPr lang="en-GB" sz="3200" b="0" i="1" smtClean="0">
+                          <a:solidFill>
+                            <a:srgbClr val="000000"/>
+                          </a:solidFill>
+                          <a:latin typeface="Cambria Math" panose="02040503050406030204" pitchFamily="18" charset="0"/>
+                        </a:rPr>
+                        <m:t>, </m:t>
+                      </m:r>
+                      <m:r>
+                        <a:rPr lang="en-GB" sz="3200" b="0" i="1" smtClean="0">
+                          <a:solidFill>
+                            <a:srgbClr val="000000"/>
+                          </a:solidFill>
+                          <a:latin typeface="Cambria Math" panose="02040503050406030204" pitchFamily="18" charset="0"/>
+                        </a:rPr>
+                        <m:t>𝐴</m:t>
+                      </m:r>
+                      <m:r>
+                        <a:rPr lang="en-GB" sz="3200" b="0" i="1">
+                          <a:solidFill>
+                            <a:srgbClr val="000000"/>
+                          </a:solidFill>
+                          <a:latin typeface="Cambria Math" panose="02040503050406030204" pitchFamily="18" charset="0"/>
+                        </a:rPr>
+                        <m:t>=</m:t>
+                      </m:r>
+                      <m:d>
+                        <m:dPr>
+                          <m:begChr m:val="|"/>
+                          <m:endChr m:val="|"/>
+                          <m:ctrlPr>
+                            <a:rPr lang="en-SE" sz="3200" i="1">
+                              <a:solidFill>
+                                <a:srgbClr val="000000"/>
+                              </a:solidFill>
+                              <a:latin typeface="Cambria Math" panose="02040503050406030204" pitchFamily="18" charset="0"/>
+                            </a:rPr>
+                          </m:ctrlPr>
+                        </m:dPr>
+                        <m:e>
+                          <m:r>
+                            <a:rPr lang="en-GB" sz="3200" b="0" i="1" smtClean="0">
+                              <a:solidFill>
+                                <a:srgbClr val="000000"/>
+                              </a:solidFill>
+                              <a:latin typeface="Cambria Math" panose="02040503050406030204" pitchFamily="18" charset="0"/>
+                            </a:rPr>
+                            <m:t>1</m:t>
+                          </m:r>
+                        </m:e>
+                      </m:d>
+                    </m:oMath>
+                  </m:oMathPara>
+                </a14:m>
+                <a:endParaRPr lang="en-SE" sz="3200" b="0" dirty="0"/>
+              </a:p>
+            </p:txBody>
+          </p:sp>
+        </mc:Choice>
+        <mc:Fallback xmlns="">
+          <p:sp>
+            <p:nvSpPr>
+              <p:cNvPr id="13" name="Object 3">
+                <a:extLst>
+                  <a:ext uri="{FF2B5EF4-FFF2-40B4-BE49-F238E27FC236}">
+                    <a16:creationId xmlns:a16="http://schemas.microsoft.com/office/drawing/2014/main" id="{383810C9-DF9E-5963-DF9D-4ED86D8D8BEC}"/>
+                  </a:ext>
+                </a:extLst>
+              </p:cNvPr>
+              <p:cNvSpPr txBox="1">
+                <a:spLocks noRot="1" noChangeAspect="1" noMove="1" noResize="1" noEditPoints="1" noAdjustHandles="1" noChangeArrowheads="1" noChangeShapeType="1" noTextEdit="1"/>
+              </p:cNvSpPr>
+              <p:nvPr/>
+            </p:nvSpPr>
+            <p:spPr bwMode="auto">
+              <a:xfrm>
+                <a:off x="6172200" y="2230783"/>
+                <a:ext cx="6529387" cy="2387600"/>
+              </a:xfrm>
+              <a:prstGeom prst="rect">
+                <a:avLst/>
+              </a:prstGeom>
+              <a:blipFill>
+                <a:blip r:embed="rId3"/>
+                <a:stretch>
+                  <a:fillRect/>
+                </a:stretch>
+              </a:blipFill>
+            </p:spPr>
+            <p:txBody>
+              <a:bodyPr/>
+              <a:lstStyle/>
+              <a:p>
+                <a:r>
+                  <a:rPr lang="en-SE">
+                    <a:noFill/>
+                  </a:rPr>
+                  <a:t> </a:t>
+                </a:r>
+              </a:p>
+            </p:txBody>
+          </p:sp>
+        </mc:Fallback>
+      </mc:AlternateContent>
+      <p:sp>
+        <p:nvSpPr>
+          <p:cNvPr id="14" name="Content Placeholder 2">
+            <a:extLst>
+              <a:ext uri="{FF2B5EF4-FFF2-40B4-BE49-F238E27FC236}">
+                <a16:creationId xmlns:a16="http://schemas.microsoft.com/office/drawing/2014/main" id="{1B4E313D-DF96-E850-F367-13C977EC5412}"/>
+              </a:ext>
+            </a:extLst>
+          </p:cNvPr>
+          <p:cNvSpPr>
+            <a:spLocks noGrp="1"/>
+          </p:cNvSpPr>
+          <p:nvPr>
+            <p:ph idx="1"/>
+          </p:nvPr>
+        </p:nvSpPr>
+        <p:spPr>
+          <a:xfrm>
+            <a:off x="762000" y="4876800"/>
+            <a:ext cx="4368846" cy="478183"/>
+          </a:xfrm>
+        </p:spPr>
+        <p:txBody>
+          <a:bodyPr>
+            <a:normAutofit/>
+          </a:bodyPr>
+          <a:lstStyle/>
+          <a:p>
+            <a:r>
+              <a:rPr lang="en-GB" dirty="0"/>
+              <a:t>Initially, all chopsticks are free.</a:t>
+            </a:r>
+          </a:p>
+        </p:txBody>
+      </p:sp>
+      <p:sp>
+        <p:nvSpPr>
+          <p:cNvPr id="15" name="Content Placeholder 2">
+            <a:extLst>
+              <a:ext uri="{FF2B5EF4-FFF2-40B4-BE49-F238E27FC236}">
+                <a16:creationId xmlns:a16="http://schemas.microsoft.com/office/drawing/2014/main" id="{BB02F49F-8484-BF8A-E401-8537506797F6}"/>
+              </a:ext>
+            </a:extLst>
+          </p:cNvPr>
+          <p:cNvSpPr txBox="1">
+            <a:spLocks/>
+          </p:cNvSpPr>
+          <p:nvPr/>
+        </p:nvSpPr>
+        <p:spPr bwMode="auto">
+          <a:xfrm>
+            <a:off x="6858000" y="4876800"/>
+            <a:ext cx="4495800" cy="1066800"/>
+          </a:xfrm>
+          <a:prstGeom prst="rect">
+            <a:avLst/>
+          </a:prstGeom>
+          <a:noFill/>
+          <a:ln>
+            <a:noFill/>
+          </a:ln>
+          <a:effectLst/>
+          <a:extLst>
+            <a:ext uri="{FAA26D3D-D897-4be2-8F04-BA451C77F1D7}">
+              <ma14:placeholderFlag xmlns="" xmlns:ma14="http://schemas.microsoft.com/office/mac/drawingml/2011/main" val="1"/>
+            </a:ext>
+            <a:ext uri="{909E8E84-426E-40dd-AFC4-6F175D3DCCD1}">
+              <a14:hiddenFill xmlns="" xmlns:a14="http://schemas.microsoft.com/office/drawing/2010/main">
+                <a:solidFill>
+                  <a:schemeClr val="bg1"/>
+                </a:solidFill>
+              </a14:hiddenFill>
+            </a:ext>
+            <a:ext uri="{91240B29-F687-4f45-9708-019B960494DF}">
+              <a14:hiddenLine xmlns="" xmlns:a14="http://schemas.microsoft.com/office/drawing/2010/main" w="12700">
+                <a:pattFill prst="narHorz">
+                  <a:fgClr>
+                    <a:schemeClr val="tx1"/>
+                  </a:fgClr>
+                  <a:bgClr>
+                    <a:schemeClr val="bg1"/>
+                  </a:bgClr>
+                </a:pattFill>
+                <a:miter lim="800000"/>
+                <a:headEnd/>
+                <a:tailEnd/>
+              </a14:hiddenLine>
+            </a:ext>
+            <a:ext uri="{AF507438-7753-43e0-B8FC-AC1667EBCBE1}">
+              <a14:hiddenEffects xmlns="" xmlns:a14="http://schemas.microsoft.com/office/drawing/2010/main">
+                <a:effectLst>
+                  <a:outerShdw blurRad="63500" dist="38099" dir="2700000" algn="ctr" rotWithShape="0">
+                    <a:schemeClr val="bg2">
+                      <a:alpha val="74998"/>
+                    </a:schemeClr>
+                  </a:outerShdw>
+                </a:effectLst>
+              </a14:hiddenEffects>
+            </a:ext>
+          </a:extLst>
+        </p:spPr>
+        <p:txBody>
+          <a:bodyPr vert="horz" wrap="square" lIns="90478" tIns="44445" rIns="90478" bIns="44445" numCol="1" anchor="t" anchorCtr="0" compatLnSpc="1">
+            <a:prstTxWarp prst="textNoShape">
+              <a:avLst/>
+            </a:prstTxWarp>
+            <a:normAutofit fontScale="92500"/>
+          </a:bodyPr>
+          <a:lstStyle>
+            <a:lvl1pPr marL="285750" indent="-285750" algn="l" rtl="0" eaLnBrk="0" fontAlgn="base" hangingPunct="0">
+              <a:lnSpc>
+                <a:spcPct val="90000"/>
+              </a:lnSpc>
+              <a:spcBef>
+                <a:spcPct val="30000"/>
+              </a:spcBef>
+              <a:spcAft>
+                <a:spcPct val="0"/>
+              </a:spcAft>
+              <a:buSzPct val="100000"/>
+              <a:buChar char="•"/>
+              <a:defRPr sz="2400">
+                <a:solidFill>
+                  <a:schemeClr val="tx1"/>
+                </a:solidFill>
+                <a:latin typeface="Gill Sans" charset="0"/>
+                <a:ea typeface="ＭＳ Ｐゴシック" charset="0"/>
+                <a:cs typeface="Gill Sans" charset="0"/>
+              </a:defRPr>
+            </a:lvl1pPr>
+            <a:lvl2pPr marL="685800" indent="-228600" algn="l" rtl="0" eaLnBrk="0" fontAlgn="base" hangingPunct="0">
+              <a:lnSpc>
+                <a:spcPct val="90000"/>
+              </a:lnSpc>
+              <a:spcBef>
+                <a:spcPct val="30000"/>
+              </a:spcBef>
+              <a:spcAft>
+                <a:spcPct val="0"/>
+              </a:spcAft>
+              <a:buSzPct val="100000"/>
+              <a:buChar char="–"/>
+              <a:defRPr sz="2200">
+                <a:solidFill>
+                  <a:schemeClr val="tx1"/>
+                </a:solidFill>
+                <a:latin typeface="Gill Sans" charset="0"/>
+                <a:ea typeface="Gill Sans" charset="0"/>
+                <a:cs typeface="Gill Sans" charset="0"/>
+              </a:defRPr>
+            </a:lvl2pPr>
+            <a:lvl3pPr marL="1143000" indent="-228600" algn="l" rtl="0" eaLnBrk="0" fontAlgn="base" hangingPunct="0">
+              <a:lnSpc>
+                <a:spcPct val="90000"/>
+              </a:lnSpc>
+              <a:spcBef>
+                <a:spcPct val="30000"/>
+              </a:spcBef>
+              <a:spcAft>
+                <a:spcPct val="0"/>
+              </a:spcAft>
+              <a:buSzPct val="100000"/>
+              <a:buChar char="»"/>
+              <a:defRPr sz="2000">
+                <a:solidFill>
+                  <a:schemeClr val="tx1"/>
+                </a:solidFill>
+                <a:latin typeface="Gill Sans" charset="0"/>
+                <a:ea typeface="Gill Sans" charset="0"/>
+                <a:cs typeface="Gill Sans" charset="0"/>
+              </a:defRPr>
+            </a:lvl3pPr>
+            <a:lvl4pPr marL="1543050" indent="-171450" algn="l" rtl="0" eaLnBrk="0" fontAlgn="base" hangingPunct="0">
+              <a:lnSpc>
+                <a:spcPct val="90000"/>
+              </a:lnSpc>
+              <a:spcBef>
+                <a:spcPct val="30000"/>
+              </a:spcBef>
+              <a:spcAft>
+                <a:spcPct val="0"/>
+              </a:spcAft>
+              <a:buSzPct val="100000"/>
+              <a:buChar char="•"/>
+              <a:defRPr sz="2000">
+                <a:solidFill>
+                  <a:schemeClr val="tx1"/>
+                </a:solidFill>
+                <a:latin typeface="Gill Sans" charset="0"/>
+                <a:ea typeface="Gill Sans" charset="0"/>
+                <a:cs typeface="Gill Sans" charset="0"/>
+              </a:defRPr>
+            </a:lvl4pPr>
+            <a:lvl5pPr marL="2000250" indent="-171450" algn="l" rtl="0" eaLnBrk="0" fontAlgn="base" hangingPunct="0">
+              <a:lnSpc>
+                <a:spcPct val="90000"/>
+              </a:lnSpc>
+              <a:spcBef>
+                <a:spcPct val="30000"/>
+              </a:spcBef>
+              <a:spcAft>
+                <a:spcPct val="0"/>
+              </a:spcAft>
+              <a:buSzPct val="100000"/>
+              <a:buChar char="–"/>
+              <a:defRPr sz="2000">
+                <a:solidFill>
+                  <a:schemeClr val="tx1"/>
+                </a:solidFill>
+                <a:latin typeface="Gill Sans" charset="0"/>
+                <a:ea typeface="Gill Sans" charset="0"/>
+                <a:cs typeface="Gill Sans" charset="0"/>
+              </a:defRPr>
+            </a:lvl5pPr>
+            <a:lvl6pPr marL="2457450" indent="-171450" algn="l" rtl="0" eaLnBrk="0" fontAlgn="base" hangingPunct="0">
+              <a:lnSpc>
+                <a:spcPct val="90000"/>
+              </a:lnSpc>
+              <a:spcBef>
+                <a:spcPct val="30000"/>
+              </a:spcBef>
+              <a:spcAft>
+                <a:spcPct val="0"/>
+              </a:spcAft>
+              <a:buSzPct val="100000"/>
+              <a:buChar char="–"/>
+              <a:defRPr sz="2000" b="1">
+                <a:solidFill>
+                  <a:schemeClr val="tx1"/>
+                </a:solidFill>
+                <a:latin typeface="+mn-lt"/>
+              </a:defRPr>
+            </a:lvl6pPr>
+            <a:lvl7pPr marL="2914650" indent="-171450" algn="l" rtl="0" eaLnBrk="0" fontAlgn="base" hangingPunct="0">
+              <a:lnSpc>
+                <a:spcPct val="90000"/>
+              </a:lnSpc>
+              <a:spcBef>
+                <a:spcPct val="30000"/>
+              </a:spcBef>
+              <a:spcAft>
+                <a:spcPct val="0"/>
+              </a:spcAft>
+              <a:buSzPct val="100000"/>
+              <a:buChar char="–"/>
+              <a:defRPr sz="2000" b="1">
+                <a:solidFill>
+                  <a:schemeClr val="tx1"/>
+                </a:solidFill>
+                <a:latin typeface="+mn-lt"/>
+              </a:defRPr>
+            </a:lvl7pPr>
+            <a:lvl8pPr marL="3371850" indent="-171450" algn="l" rtl="0" eaLnBrk="0" fontAlgn="base" hangingPunct="0">
+              <a:lnSpc>
+                <a:spcPct val="90000"/>
+              </a:lnSpc>
+              <a:spcBef>
+                <a:spcPct val="30000"/>
+              </a:spcBef>
+              <a:spcAft>
+                <a:spcPct val="0"/>
+              </a:spcAft>
+              <a:buSzPct val="100000"/>
+              <a:buChar char="–"/>
+              <a:defRPr sz="2000" b="1">
+                <a:solidFill>
+                  <a:schemeClr val="tx1"/>
+                </a:solidFill>
+                <a:latin typeface="+mn-lt"/>
+              </a:defRPr>
+            </a:lvl8pPr>
+            <a:lvl9pPr marL="3829050" indent="-171450" algn="l" rtl="0" eaLnBrk="0" fontAlgn="base" hangingPunct="0">
+              <a:lnSpc>
+                <a:spcPct val="90000"/>
+              </a:lnSpc>
+              <a:spcBef>
+                <a:spcPct val="30000"/>
+              </a:spcBef>
+              <a:spcAft>
+                <a:spcPct val="0"/>
+              </a:spcAft>
+              <a:buSzPct val="100000"/>
+              <a:buChar char="–"/>
+              <a:defRPr sz="2000" b="1">
+                <a:solidFill>
+                  <a:schemeClr val="tx1"/>
+                </a:solidFill>
+                <a:latin typeface="+mn-lt"/>
+              </a:defRPr>
+            </a:lvl9pPr>
+          </a:lstStyle>
+          <a:p>
+            <a:r>
+              <a:rPr lang="en-GB" b="0" kern="0" dirty="0"/>
+              <a:t>Two lawyers grab two chopsticks each and start eating. No other lawyers can eat.</a:t>
+            </a:r>
+          </a:p>
+        </p:txBody>
+      </p:sp>
+    </p:spTree>
+    <p:extLst>
+      <p:ext uri="{BB962C8B-B14F-4D97-AF65-F5344CB8AC3E}">
+        <p14:creationId xmlns:p14="http://schemas.microsoft.com/office/powerpoint/2010/main" val="1898889329"/>
+      </p:ext>
+    </p:extLst>
+  </p:cSld>
+  <p:clrMapOvr>
+    <a:masterClrMapping/>
+  </p:clrMapOvr>
+</p:sld>
+</file>
+
+<file path=ppt/slides/slide4.xml><?xml version="1.0" encoding="utf-8"?>
+<p:sld xmlns:a="http://schemas.openxmlformats.org/drawingml/2006/main" xmlns:r="http://schemas.openxmlformats.org/officeDocument/2006/relationships" xmlns:p="http://schemas.openxmlformats.org/presentationml/2006/main">
+  <p:cSld>
+    <p:spTree>
+      <p:nvGrpSpPr>
+        <p:cNvPr id="1" name=""/>
+        <p:cNvGrpSpPr/>
+        <p:nvPr/>
+      </p:nvGrpSpPr>
+      <p:grpSpPr>
+        <a:xfrm>
+          <a:off x="0" y="0"/>
+          <a:ext cx="0" cy="0"/>
+          <a:chOff x="0" y="0"/>
+          <a:chExt cx="0" cy="0"/>
+        </a:xfrm>
+      </p:grpSpPr>
+      <p:sp>
+        <p:nvSpPr>
+          <p:cNvPr id="2" name="Title 1">
+            <a:extLst>
+              <a:ext uri="{FF2B5EF4-FFF2-40B4-BE49-F238E27FC236}">
+                <a16:creationId xmlns:a16="http://schemas.microsoft.com/office/drawing/2014/main" id="{2D473AE9-0C56-1BC7-737D-9D60B38A23B0}"/>
+              </a:ext>
+            </a:extLst>
+          </p:cNvPr>
+          <p:cNvSpPr>
+            <a:spLocks noGrp="1"/>
+          </p:cNvSpPr>
+          <p:nvPr>
+            <p:ph type="title"/>
+          </p:nvPr>
+        </p:nvSpPr>
+        <p:spPr/>
+        <p:txBody>
+          <a:bodyPr/>
+          <a:lstStyle/>
+          <a:p>
+            <a:r>
+              <a:rPr lang="en-GB" dirty="0"/>
+              <a:t>Quiz: Dining Lawyers I</a:t>
+            </a:r>
+            <a:endParaRPr lang="en-SE" dirty="0"/>
+          </a:p>
+        </p:txBody>
+      </p:sp>
+      <p:sp>
+        <p:nvSpPr>
+          <p:cNvPr id="3" name="Content Placeholder 2">
+            <a:extLst>
+              <a:ext uri="{FF2B5EF4-FFF2-40B4-BE49-F238E27FC236}">
+                <a16:creationId xmlns:a16="http://schemas.microsoft.com/office/drawing/2014/main" id="{EB101BCA-C95E-530C-11CF-544C9B09E2FF}"/>
+              </a:ext>
+            </a:extLst>
+          </p:cNvPr>
+          <p:cNvSpPr>
+            <a:spLocks noGrp="1"/>
+          </p:cNvSpPr>
+          <p:nvPr>
+            <p:ph idx="1"/>
+          </p:nvPr>
+        </p:nvSpPr>
+        <p:spPr/>
+        <p:txBody>
+          <a:bodyPr/>
+          <a:lstStyle/>
+          <a:p>
+            <a:r>
+              <a:rPr lang="en-GB" dirty="0"/>
+              <a:t>Is it possible for the system to get into deadlock?</a:t>
+            </a:r>
+            <a:endParaRPr lang="en-SE" dirty="0"/>
+          </a:p>
+        </p:txBody>
+      </p:sp>
+    </p:spTree>
+    <p:extLst>
+      <p:ext uri="{BB962C8B-B14F-4D97-AF65-F5344CB8AC3E}">
+        <p14:creationId xmlns:p14="http://schemas.microsoft.com/office/powerpoint/2010/main" val="3823801097"/>
+      </p:ext>
+    </p:extLst>
+  </p:cSld>
+  <p:clrMapOvr>
+    <a:masterClrMapping/>
+  </p:clrMapOvr>
+  <p:transition/>
+</p:sld>
+</file>
+
+<file path=ppt/slides/slide5.xml><?xml version="1.0" encoding="utf-8"?>
+<p:sld xmlns:a="http://schemas.openxmlformats.org/drawingml/2006/main" xmlns:r="http://schemas.openxmlformats.org/officeDocument/2006/relationships" xmlns:p="http://schemas.openxmlformats.org/presentationml/2006/main">
+  <p:cSld>
+    <p:spTree>
+      <p:nvGrpSpPr>
+        <p:cNvPr id="1" name=""/>
+        <p:cNvGrpSpPr/>
+        <p:nvPr/>
+      </p:nvGrpSpPr>
+      <p:grpSpPr>
+        <a:xfrm>
+          <a:off x="0" y="0"/>
+          <a:ext cx="0" cy="0"/>
+          <a:chOff x="0" y="0"/>
+          <a:chExt cx="0" cy="0"/>
+        </a:xfrm>
+      </p:grpSpPr>
+      <p:sp>
+        <p:nvSpPr>
+          <p:cNvPr id="2" name="Title 1">
+            <a:extLst>
+              <a:ext uri="{FF2B5EF4-FFF2-40B4-BE49-F238E27FC236}">
                 <a16:creationId xmlns:a16="http://schemas.microsoft.com/office/drawing/2014/main" id="{237D010E-0DE6-664D-E651-1315BFD2A9E4}"/>
               </a:ext>
             </a:extLst>
@@ -3835,7 +5943,7 @@
 </p:sld>
 </file>
 
-<file path=ppt/slides/slide3.xml><?xml version="1.0" encoding="utf-8"?>
+<file path=ppt/slides/slide6.xml><?xml version="1.0" encoding="utf-8"?>
 <p:sld xmlns:a="http://schemas.openxmlformats.org/drawingml/2006/main" xmlns:r="http://schemas.openxmlformats.org/officeDocument/2006/relationships" xmlns:p="http://schemas.openxmlformats.org/presentationml/2006/main">
   <p:cSld>
     <p:spTree>
@@ -3979,7 +6087,7 @@
 </p:sld>
 </file>
 
-<file path=ppt/slides/slide4.xml><?xml version="1.0" encoding="utf-8"?>
+<file path=ppt/slides/slide7.xml><?xml version="1.0" encoding="utf-8"?>
 <p:sld xmlns:a="http://schemas.openxmlformats.org/drawingml/2006/main" xmlns:r="http://schemas.openxmlformats.org/officeDocument/2006/relationships" xmlns:p="http://schemas.openxmlformats.org/presentationml/2006/main">
   <p:cSld>
     <p:spTree>
@@ -4125,7 +6233,7 @@
 </p:sld>
 </file>
 
-<file path=ppt/slides/slide5.xml><?xml version="1.0" encoding="utf-8"?>
+<file path=ppt/slides/slide8.xml><?xml version="1.0" encoding="utf-8"?>
 <p:sld xmlns:a="http://schemas.openxmlformats.org/drawingml/2006/main" xmlns:r="http://schemas.openxmlformats.org/officeDocument/2006/relationships" xmlns:p="http://schemas.openxmlformats.org/presentationml/2006/main">
   <p:cSld>
     <p:spTree>
@@ -5636,7 +7744,7 @@
 </p:sld>
 </file>
 
-<file path=ppt/slides/slide6.xml><?xml version="1.0" encoding="utf-8"?>
+<file path=ppt/slides/slide9.xml><?xml version="1.0" encoding="utf-8"?>
 <p:sld xmlns:a="http://schemas.openxmlformats.org/drawingml/2006/main" xmlns:r="http://schemas.openxmlformats.org/officeDocument/2006/relationships" xmlns:p="http://schemas.openxmlformats.org/presentationml/2006/main">
   <p:cSld>
     <p:spTree>
@@ -7063,7 +9171,7 @@
         <a:effectLst/>
         <a:extLst>
           <a:ext uri="{AF507438-7753-43e0-B8FC-AC1667EBCBE1}">
-            <a14:hiddenEffects xmlns:a14="http://schemas.microsoft.com/office/drawing/2010/main" xmlns="">
+            <a14:hiddenEffects xmlns="" xmlns:a14="http://schemas.microsoft.com/office/drawing/2010/main">
               <a:effectLst>
                 <a:outerShdw dist="35921" dir="2700000" algn="ctr" rotWithShape="0">
                   <a:schemeClr val="bg2"/>
@@ -7136,7 +9244,7 @@
         <a:effectLst/>
         <a:extLst>
           <a:ext uri="{AF507438-7753-43e0-B8FC-AC1667EBCBE1}">
-            <a14:hiddenEffects xmlns:a14="http://schemas.microsoft.com/office/drawing/2010/main" xmlns="">
+            <a14:hiddenEffects xmlns="" xmlns:a14="http://schemas.microsoft.com/office/drawing/2010/main">
               <a:effectLst>
                 <a:outerShdw dist="35921" dir="2700000" algn="ctr" rotWithShape="0">
                   <a:schemeClr val="bg2"/>

--- a/PPTs/L4-Exercises.pptx
+++ b/PPTs/L4-Exercises.pptx
@@ -5,21 +5,22 @@
     <p:sldMasterId id="2147483648" r:id="rId1"/>
   </p:sldMasterIdLst>
   <p:notesMasterIdLst>
-    <p:notesMasterId r:id="rId11"/>
+    <p:notesMasterId r:id="rId12"/>
   </p:notesMasterIdLst>
   <p:handoutMasterIdLst>
-    <p:handoutMasterId r:id="rId12"/>
+    <p:handoutMasterId r:id="rId13"/>
   </p:handoutMasterIdLst>
   <p:sldIdLst>
     <p:sldId id="257" r:id="rId2"/>
-    <p:sldId id="414" r:id="rId3"/>
-    <p:sldId id="417" r:id="rId4"/>
-    <p:sldId id="420" r:id="rId5"/>
-    <p:sldId id="1384" r:id="rId6"/>
-    <p:sldId id="1386" r:id="rId7"/>
-    <p:sldId id="1388" r:id="rId8"/>
-    <p:sldId id="381" r:id="rId9"/>
-    <p:sldId id="1383" r:id="rId10"/>
+    <p:sldId id="369" r:id="rId3"/>
+    <p:sldId id="414" r:id="rId4"/>
+    <p:sldId id="417" r:id="rId5"/>
+    <p:sldId id="420" r:id="rId6"/>
+    <p:sldId id="1384" r:id="rId7"/>
+    <p:sldId id="1386" r:id="rId8"/>
+    <p:sldId id="1388" r:id="rId9"/>
+    <p:sldId id="381" r:id="rId10"/>
+    <p:sldId id="1383" r:id="rId11"/>
   </p:sldIdLst>
   <p:sldSz cx="12192000" cy="6858000"/>
   <p:notesSz cx="9601200" cy="7315200"/>
@@ -216,14 +217,14 @@
           <a:effectLst/>
           <a:extLst>
             <a:ext uri="{909E8E84-426E-40dd-AFC4-6F175D3DCCD1}">
-              <a14:hiddenFill xmlns="" xmlns:a14="http://schemas.microsoft.com/office/drawing/2010/main">
+              <a14:hiddenFill xmlns:a14="http://schemas.microsoft.com/office/drawing/2010/main" xmlns="">
                 <a:solidFill>
                   <a:schemeClr val="bg1"/>
                 </a:solidFill>
               </a14:hiddenFill>
             </a:ext>
             <a:ext uri="{91240B29-F687-4f45-9708-019B960494DF}">
-              <a14:hiddenLine xmlns="" xmlns:a14="http://schemas.microsoft.com/office/drawing/2010/main" w="12700">
+              <a14:hiddenLine xmlns:a14="http://schemas.microsoft.com/office/drawing/2010/main" xmlns="" w="12700">
                 <a:pattFill prst="narHorz">
                   <a:fgClr>
                     <a:schemeClr val="tx1"/>
@@ -238,7 +239,7 @@
               </a14:hiddenLine>
             </a:ext>
             <a:ext uri="{AF507438-7753-43e0-B8FC-AC1667EBCBE1}">
-              <a14:hiddenEffects xmlns="" xmlns:a14="http://schemas.microsoft.com/office/drawing/2010/main">
+              <a14:hiddenEffects xmlns:a14="http://schemas.microsoft.com/office/drawing/2010/main" xmlns="">
                 <a:effectLst>
                   <a:outerShdw dist="35921" dir="2700000" algn="ctr" rotWithShape="0">
                     <a:schemeClr val="bg2"/>
@@ -344,14 +345,14 @@
           <a:effectLst/>
           <a:extLst>
             <a:ext uri="{909E8E84-426E-40dd-AFC4-6F175D3DCCD1}">
-              <a14:hiddenFill xmlns="" xmlns:a14="http://schemas.microsoft.com/office/drawing/2010/main">
+              <a14:hiddenFill xmlns:a14="http://schemas.microsoft.com/office/drawing/2010/main" xmlns="">
                 <a:solidFill>
                   <a:schemeClr val="bg1"/>
                 </a:solidFill>
               </a14:hiddenFill>
             </a:ext>
             <a:ext uri="{91240B29-F687-4f45-9708-019B960494DF}">
-              <a14:hiddenLine xmlns="" xmlns:a14="http://schemas.microsoft.com/office/drawing/2010/main" w="12700">
+              <a14:hiddenLine xmlns:a14="http://schemas.microsoft.com/office/drawing/2010/main" xmlns="" w="12700">
                 <a:pattFill prst="narHorz">
                   <a:fgClr>
                     <a:schemeClr val="tx1"/>
@@ -366,7 +367,7 @@
               </a14:hiddenLine>
             </a:ext>
             <a:ext uri="{AF507438-7753-43e0-B8FC-AC1667EBCBE1}">
-              <a14:hiddenEffects xmlns="" xmlns:a14="http://schemas.microsoft.com/office/drawing/2010/main">
+              <a14:hiddenEffects xmlns:a14="http://schemas.microsoft.com/office/drawing/2010/main" xmlns="">
                 <a:effectLst>
                   <a:outerShdw dist="35921" dir="2700000" algn="ctr" rotWithShape="0">
                     <a:schemeClr val="bg2"/>
@@ -434,17 +435,17 @@
           <a:effectLst/>
           <a:extLst>
             <a:ext uri="{FAA26D3D-D897-4be2-8F04-BA451C77F1D7}">
-              <ma14:placeholderFlag xmlns="" xmlns:ma14="http://schemas.microsoft.com/office/mac/drawingml/2011/main" val="1"/>
+              <ma14:placeholderFlag xmlns:ma14="http://schemas.microsoft.com/office/mac/drawingml/2011/main" xmlns="" val="1"/>
             </a:ext>
             <a:ext uri="{909E8E84-426E-40dd-AFC4-6F175D3DCCD1}">
-              <a14:hiddenFill xmlns="" xmlns:a14="http://schemas.microsoft.com/office/drawing/2010/main">
+              <a14:hiddenFill xmlns:a14="http://schemas.microsoft.com/office/drawing/2010/main" xmlns="">
                 <a:solidFill>
                   <a:srgbClr val="FFFFFF"/>
                 </a:solidFill>
               </a14:hiddenFill>
             </a:ext>
             <a:ext uri="{AF507438-7753-43e0-B8FC-AC1667EBCBE1}">
-              <a14:hiddenEffects xmlns="" xmlns:a14="http://schemas.microsoft.com/office/drawing/2010/main">
+              <a14:hiddenEffects xmlns:a14="http://schemas.microsoft.com/office/drawing/2010/main" xmlns="">
                 <a:effectLst>
                   <a:outerShdw blurRad="63500" dist="38099" dir="2700000" algn="ctr" rotWithShape="0">
                     <a:srgbClr val="000000">
@@ -455,7 +456,7 @@
               </a14:hiddenEffects>
             </a:ext>
             <a:ext uri="{53640926-AAD7-44d8-BBD7-CCE9431645EC}">
-              <a14:shadowObscured xmlns="" xmlns:a14="http://schemas.microsoft.com/office/drawing/2010/main" val="1"/>
+              <a14:shadowObscured xmlns:a14="http://schemas.microsoft.com/office/drawing/2010/main" xmlns="" val="1"/>
             </a:ext>
           </a:extLst>
         </p:spPr>
@@ -485,14 +486,14 @@
           <a:effectLst/>
           <a:extLst>
             <a:ext uri="{909E8E84-426E-40dd-AFC4-6F175D3DCCD1}">
-              <a14:hiddenFill xmlns="" xmlns:a14="http://schemas.microsoft.com/office/drawing/2010/main">
+              <a14:hiddenFill xmlns:a14="http://schemas.microsoft.com/office/drawing/2010/main" xmlns="">
                 <a:solidFill>
                   <a:schemeClr val="bg1"/>
                 </a:solidFill>
               </a14:hiddenFill>
             </a:ext>
             <a:ext uri="{91240B29-F687-4f45-9708-019B960494DF}">
-              <a14:hiddenLine xmlns="" xmlns:a14="http://schemas.microsoft.com/office/drawing/2010/main" w="12700">
+              <a14:hiddenLine xmlns:a14="http://schemas.microsoft.com/office/drawing/2010/main" xmlns="" w="12700">
                 <a:pattFill prst="narHorz">
                   <a:fgClr>
                     <a:schemeClr val="tx1"/>
@@ -507,7 +508,7 @@
               </a14:hiddenLine>
             </a:ext>
             <a:ext uri="{AF507438-7753-43e0-B8FC-AC1667EBCBE1}">
-              <a14:hiddenEffects xmlns="" xmlns:a14="http://schemas.microsoft.com/office/drawing/2010/main">
+              <a14:hiddenEffects xmlns:a14="http://schemas.microsoft.com/office/drawing/2010/main" xmlns="">
                 <a:effectLst>
                   <a:outerShdw dist="35921" dir="2700000" algn="ctr" rotWithShape="0">
                     <a:schemeClr val="bg2"/>
@@ -757,10 +758,10 @@
         <p:spPr>
           <a:extLst>
             <a:ext uri="{FAA26D3D-D897-4be2-8F04-BA451C77F1D7}">
-              <ma14:placeholderFlag xmlns="" xmlns:ma14="http://schemas.microsoft.com/office/mac/drawingml/2011/main" val="1"/>
+              <ma14:placeholderFlag xmlns:ma14="http://schemas.microsoft.com/office/mac/drawingml/2011/main" xmlns="" val="1"/>
             </a:ext>
             <a:ext uri="{AF507438-7753-43e0-B8FC-AC1667EBCBE1}">
-              <a14:hiddenEffects xmlns="" xmlns:a14="http://schemas.microsoft.com/office/drawing/2010/main">
+              <a14:hiddenEffects xmlns:a14="http://schemas.microsoft.com/office/drawing/2010/main" xmlns="">
                 <a:effectLst>
                   <a:outerShdw blurRad="63500" dist="38099" dir="2700000" algn="ctr" rotWithShape="0">
                     <a:schemeClr val="bg2">
@@ -3150,17 +3151,17 @@
           <a:effectLst/>
           <a:extLst>
             <a:ext uri="{FAA26D3D-D897-4be2-8F04-BA451C77F1D7}">
-              <ma14:placeholderFlag xmlns="" xmlns:ma14="http://schemas.microsoft.com/office/mac/drawingml/2011/main" val="1"/>
+              <ma14:placeholderFlag xmlns:ma14="http://schemas.microsoft.com/office/mac/drawingml/2011/main" xmlns="" val="1"/>
             </a:ext>
             <a:ext uri="{909E8E84-426E-40dd-AFC4-6F175D3DCCD1}">
-              <a14:hiddenFill xmlns="" xmlns:a14="http://schemas.microsoft.com/office/drawing/2010/main">
+              <a14:hiddenFill xmlns:a14="http://schemas.microsoft.com/office/drawing/2010/main" xmlns="">
                 <a:solidFill>
                   <a:schemeClr val="bg1"/>
                 </a:solidFill>
               </a14:hiddenFill>
             </a:ext>
             <a:ext uri="{91240B29-F687-4f45-9708-019B960494DF}">
-              <a14:hiddenLine xmlns="" xmlns:a14="http://schemas.microsoft.com/office/drawing/2010/main" w="12700">
+              <a14:hiddenLine xmlns:a14="http://schemas.microsoft.com/office/drawing/2010/main" xmlns="" w="12700">
                 <a:pattFill prst="narHorz">
                   <a:fgClr>
                     <a:schemeClr val="tx1"/>
@@ -3175,7 +3176,7 @@
               </a14:hiddenLine>
             </a:ext>
             <a:ext uri="{AF507438-7753-43e0-B8FC-AC1667EBCBE1}">
-              <a14:hiddenEffects xmlns="" xmlns:a14="http://schemas.microsoft.com/office/drawing/2010/main">
+              <a14:hiddenEffects xmlns:a14="http://schemas.microsoft.com/office/drawing/2010/main" xmlns="">
                 <a:effectLst>
                   <a:outerShdw blurRad="63500" dist="38099" dir="2700000" algn="ctr" rotWithShape="0">
                     <a:schemeClr val="bg2">
@@ -3228,17 +3229,17 @@
           <a:effectLst/>
           <a:extLst>
             <a:ext uri="{FAA26D3D-D897-4be2-8F04-BA451C77F1D7}">
-              <ma14:placeholderFlag xmlns="" xmlns:ma14="http://schemas.microsoft.com/office/mac/drawingml/2011/main" val="1"/>
+              <ma14:placeholderFlag xmlns:ma14="http://schemas.microsoft.com/office/mac/drawingml/2011/main" xmlns="" val="1"/>
             </a:ext>
             <a:ext uri="{909E8E84-426E-40dd-AFC4-6F175D3DCCD1}">
-              <a14:hiddenFill xmlns="" xmlns:a14="http://schemas.microsoft.com/office/drawing/2010/main">
+              <a14:hiddenFill xmlns:a14="http://schemas.microsoft.com/office/drawing/2010/main" xmlns="">
                 <a:solidFill>
                   <a:schemeClr val="bg1"/>
                 </a:solidFill>
               </a14:hiddenFill>
             </a:ext>
             <a:ext uri="{91240B29-F687-4f45-9708-019B960494DF}">
-              <a14:hiddenLine xmlns="" xmlns:a14="http://schemas.microsoft.com/office/drawing/2010/main" w="12700">
+              <a14:hiddenLine xmlns:a14="http://schemas.microsoft.com/office/drawing/2010/main" xmlns="" w="12700">
                 <a:pattFill prst="narHorz">
                   <a:fgClr>
                     <a:schemeClr val="tx1"/>
@@ -3253,7 +3254,7 @@
               </a14:hiddenLine>
             </a:ext>
             <a:ext uri="{AF507438-7753-43e0-B8FC-AC1667EBCBE1}">
-              <a14:hiddenEffects xmlns="" xmlns:a14="http://schemas.microsoft.com/office/drawing/2010/main">
+              <a14:hiddenEffects xmlns:a14="http://schemas.microsoft.com/office/drawing/2010/main" xmlns="">
                 <a:effectLst>
                   <a:outerShdw blurRad="63500" dist="38099" dir="2700000" algn="ctr" rotWithShape="0">
                     <a:schemeClr val="bg2">
@@ -3337,12 +3338,12 @@
           <a:effectLst/>
           <a:extLst>
             <a:ext uri="{909E8E84-426E-40dd-AFC4-6F175D3DCCD1}">
-              <a14:hiddenFill xmlns="" xmlns:a14="http://schemas.microsoft.com/office/drawing/2010/main">
+              <a14:hiddenFill xmlns:a14="http://schemas.microsoft.com/office/drawing/2010/main" xmlns="">
                 <a:noFill/>
               </a14:hiddenFill>
             </a:ext>
             <a:ext uri="{AF507438-7753-43e0-B8FC-AC1667EBCBE1}">
-              <a14:hiddenEffects xmlns="" xmlns:a14="http://schemas.microsoft.com/office/drawing/2010/main">
+              <a14:hiddenEffects xmlns:a14="http://schemas.microsoft.com/office/drawing/2010/main" xmlns="">
                 <a:effectLst>
                   <a:outerShdw blurRad="63500" dist="38099" dir="2700000" algn="ctr" rotWithShape="0">
                     <a:schemeClr val="bg2">
@@ -4165,7 +4166,3195 @@
 </p:sld>
 </file>
 
+<file path=ppt/slides/slide10.xml><?xml version="1.0" encoding="utf-8"?>
+<p:sld xmlns:a="http://schemas.openxmlformats.org/drawingml/2006/main" xmlns:r="http://schemas.openxmlformats.org/officeDocument/2006/relationships" xmlns:p="http://schemas.openxmlformats.org/presentationml/2006/main">
+  <p:cSld>
+    <p:spTree>
+      <p:nvGrpSpPr>
+        <p:cNvPr id="1" name=""/>
+        <p:cNvGrpSpPr/>
+        <p:nvPr/>
+      </p:nvGrpSpPr>
+      <p:grpSpPr>
+        <a:xfrm>
+          <a:off x="0" y="0"/>
+          <a:ext cx="0" cy="0"/>
+          <a:chOff x="0" y="0"/>
+          <a:chExt cx="0" cy="0"/>
+        </a:xfrm>
+      </p:grpSpPr>
+      <p:sp>
+        <p:nvSpPr>
+          <p:cNvPr id="2" name="Title 1">
+            <a:extLst>
+              <a:ext uri="{FF2B5EF4-FFF2-40B4-BE49-F238E27FC236}">
+                <a16:creationId xmlns:a16="http://schemas.microsoft.com/office/drawing/2014/main" id="{7A13D3F3-6935-47F2-C47D-DA6888C12654}"/>
+              </a:ext>
+            </a:extLst>
+          </p:cNvPr>
+          <p:cNvSpPr>
+            <a:spLocks noGrp="1"/>
+          </p:cNvSpPr>
+          <p:nvPr>
+            <p:ph type="title"/>
+          </p:nvPr>
+        </p:nvSpPr>
+        <p:spPr>
+          <a:xfrm>
+            <a:off x="1320800" y="152400"/>
+            <a:ext cx="5461000" cy="533400"/>
+          </a:xfrm>
+        </p:spPr>
+        <p:txBody>
+          <a:bodyPr/>
+          <a:lstStyle/>
+          <a:p>
+            <a:r>
+              <a:rPr lang="en-GB" dirty="0"/>
+              <a:t>Quiz: Deadlocks II</a:t>
+            </a:r>
+            <a:endParaRPr lang="en-SE" dirty="0"/>
+          </a:p>
+        </p:txBody>
+      </p:sp>
+      <p:sp>
+        <p:nvSpPr>
+          <p:cNvPr id="3" name="Content Placeholder 2">
+            <a:extLst>
+              <a:ext uri="{FF2B5EF4-FFF2-40B4-BE49-F238E27FC236}">
+                <a16:creationId xmlns:a16="http://schemas.microsoft.com/office/drawing/2014/main" id="{30D2229F-2CFC-9FAC-679A-B3EF4E2F81A2}"/>
+              </a:ext>
+            </a:extLst>
+          </p:cNvPr>
+          <p:cNvSpPr>
+            <a:spLocks noGrp="1"/>
+          </p:cNvSpPr>
+          <p:nvPr>
+            <p:ph idx="1"/>
+          </p:nvPr>
+        </p:nvSpPr>
+        <p:spPr>
+          <a:xfrm>
+            <a:off x="330487" y="914400"/>
+            <a:ext cx="5994114" cy="5105400"/>
+          </a:xfrm>
+        </p:spPr>
+        <p:txBody>
+          <a:bodyPr>
+            <a:normAutofit/>
+          </a:bodyPr>
+          <a:lstStyle/>
+          <a:p>
+            <a:r>
+              <a:rPr lang="en-GB" dirty="0"/>
+              <a:t>Is there a possible </a:t>
+            </a:r>
+            <a:r>
+              <a:rPr lang="en-GB"/>
+              <a:t>deadlock?</a:t>
+            </a:r>
+            <a:endParaRPr lang="en-GB" dirty="0"/>
+          </a:p>
+          <a:p>
+            <a:endParaRPr lang="en-GB" dirty="0"/>
+          </a:p>
+          <a:p>
+            <a:endParaRPr lang="en-SE" dirty="0"/>
+          </a:p>
+        </p:txBody>
+      </p:sp>
+      <p:sp>
+        <p:nvSpPr>
+          <p:cNvPr id="5" name="object 9">
+            <a:extLst>
+              <a:ext uri="{FF2B5EF4-FFF2-40B4-BE49-F238E27FC236}">
+                <a16:creationId xmlns:a16="http://schemas.microsoft.com/office/drawing/2014/main" id="{6AC16764-0F2D-B238-9D81-900B4D251691}"/>
+              </a:ext>
+            </a:extLst>
+          </p:cNvPr>
+          <p:cNvSpPr txBox="1"/>
+          <p:nvPr/>
+        </p:nvSpPr>
+        <p:spPr>
+          <a:xfrm>
+            <a:off x="6387676" y="846004"/>
+            <a:ext cx="5632900" cy="5049458"/>
+          </a:xfrm>
+          <a:prstGeom prst="rect">
+            <a:avLst/>
+          </a:prstGeom>
+        </p:spPr>
+        <p:txBody>
+          <a:bodyPr vert="horz" wrap="square" lIns="0" tIns="55244" rIns="0" bIns="0" rtlCol="0">
+            <a:spAutoFit/>
+          </a:bodyPr>
+          <a:lstStyle/>
+          <a:p>
+            <a:pPr marL="133350" eaLnBrk="1" fontAlgn="auto" hangingPunct="1">
+              <a:spcBef>
+                <a:spcPts val="434"/>
+              </a:spcBef>
+              <a:spcAft>
+                <a:spcPts val="0"/>
+              </a:spcAft>
+              <a:tabLst>
+                <a:tab pos="532765" algn="l"/>
+              </a:tabLst>
+            </a:pPr>
+            <a:r>
+              <a:rPr sz="1200" b="0" kern="0" spc="-50" dirty="0">
+                <a:solidFill>
+                  <a:sysClr val="windowText" lastClr="000000"/>
+                </a:solidFill>
+                <a:latin typeface="Arial MT"/>
+                <a:cs typeface="Arial MT"/>
+              </a:rPr>
+              <a:t>1</a:t>
+            </a:r>
+            <a:r>
+              <a:rPr sz="1200" b="0" kern="0" dirty="0">
+                <a:solidFill>
+                  <a:sysClr val="windowText" lastClr="000000"/>
+                </a:solidFill>
+                <a:latin typeface="Arial MT"/>
+                <a:cs typeface="Arial MT"/>
+              </a:rPr>
+              <a:t>	</a:t>
+            </a:r>
+            <a:r>
+              <a:rPr sz="1400" b="0" kern="0" dirty="0">
+                <a:solidFill>
+                  <a:sysClr val="windowText" lastClr="000000"/>
+                </a:solidFill>
+                <a:latin typeface="Courier New"/>
+                <a:cs typeface="Courier New"/>
+              </a:rPr>
+              <a:t>Semaphore</a:t>
+            </a:r>
+            <a:r>
+              <a:rPr sz="1400" b="0" kern="0" spc="-5" dirty="0">
+                <a:solidFill>
+                  <a:sysClr val="windowText" lastClr="000000"/>
+                </a:solidFill>
+                <a:latin typeface="Courier New"/>
+                <a:cs typeface="Courier New"/>
+              </a:rPr>
+              <a:t> </a:t>
+            </a:r>
+            <a:r>
+              <a:rPr sz="1400" b="0" kern="0" dirty="0">
+                <a:solidFill>
+                  <a:sysClr val="windowText" lastClr="000000"/>
+                </a:solidFill>
+                <a:latin typeface="Courier New"/>
+                <a:cs typeface="Courier New"/>
+              </a:rPr>
+              <a:t>L1=1,</a:t>
+            </a:r>
+            <a:r>
+              <a:rPr sz="1400" b="0" kern="0" spc="-40" dirty="0">
+                <a:solidFill>
+                  <a:sysClr val="windowText" lastClr="000000"/>
+                </a:solidFill>
+                <a:latin typeface="Courier New"/>
+                <a:cs typeface="Courier New"/>
+              </a:rPr>
+              <a:t> </a:t>
+            </a:r>
+            <a:r>
+              <a:rPr sz="1400" b="0" kern="0" dirty="0">
+                <a:solidFill>
+                  <a:sysClr val="windowText" lastClr="000000"/>
+                </a:solidFill>
+                <a:latin typeface="Courier New"/>
+                <a:cs typeface="Courier New"/>
+              </a:rPr>
+              <a:t>L2=1,</a:t>
+            </a:r>
+            <a:r>
+              <a:rPr sz="1400" b="0" kern="0" spc="-40" dirty="0">
+                <a:solidFill>
+                  <a:sysClr val="windowText" lastClr="000000"/>
+                </a:solidFill>
+                <a:latin typeface="Courier New"/>
+                <a:cs typeface="Courier New"/>
+              </a:rPr>
+              <a:t> </a:t>
+            </a:r>
+            <a:r>
+              <a:rPr sz="1400" b="0" kern="0" spc="-10" dirty="0">
+                <a:solidFill>
+                  <a:sysClr val="windowText" lastClr="000000"/>
+                </a:solidFill>
+                <a:latin typeface="Courier New"/>
+                <a:cs typeface="Courier New"/>
+              </a:rPr>
+              <a:t>L3=1;</a:t>
+            </a:r>
+            <a:endParaRPr sz="1400" b="0" kern="0" dirty="0">
+              <a:solidFill>
+                <a:sysClr val="windowText" lastClr="000000"/>
+              </a:solidFill>
+              <a:latin typeface="Courier New"/>
+              <a:cs typeface="Courier New"/>
+            </a:endParaRPr>
+          </a:p>
+          <a:p>
+            <a:pPr marL="133350" eaLnBrk="1" fontAlgn="auto" hangingPunct="1">
+              <a:spcBef>
+                <a:spcPts val="295"/>
+              </a:spcBef>
+              <a:spcAft>
+                <a:spcPts val="0"/>
+              </a:spcAft>
+            </a:pPr>
+            <a:r>
+              <a:rPr sz="1200" b="0" kern="0" spc="-50" dirty="0">
+                <a:solidFill>
+                  <a:sysClr val="windowText" lastClr="000000"/>
+                </a:solidFill>
+                <a:latin typeface="Arial MT"/>
+                <a:cs typeface="Arial MT"/>
+              </a:rPr>
+              <a:t>2</a:t>
+            </a:r>
+            <a:endParaRPr sz="1200" b="0" kern="0" dirty="0">
+              <a:solidFill>
+                <a:sysClr val="windowText" lastClr="000000"/>
+              </a:solidFill>
+              <a:latin typeface="Arial MT"/>
+              <a:cs typeface="Arial MT"/>
+            </a:endParaRPr>
+          </a:p>
+          <a:p>
+            <a:pPr marL="511175" indent="-377825" eaLnBrk="1" fontAlgn="auto" hangingPunct="1">
+              <a:spcBef>
+                <a:spcPts val="130"/>
+              </a:spcBef>
+              <a:spcAft>
+                <a:spcPts val="0"/>
+              </a:spcAft>
+              <a:buSzPct val="90476"/>
+              <a:buFont typeface="Arial MT"/>
+              <a:buAutoNum type="arabicPlain" startAt="3"/>
+              <a:tabLst>
+                <a:tab pos="511175" algn="l"/>
+              </a:tabLst>
+            </a:pPr>
+            <a:r>
+              <a:rPr sz="1400" b="0" i="1" kern="0" dirty="0">
+                <a:solidFill>
+                  <a:sysClr val="windowText" lastClr="000000"/>
+                </a:solidFill>
+                <a:latin typeface="Courier New"/>
+                <a:cs typeface="Courier New"/>
+              </a:rPr>
+              <a:t>// Thread </a:t>
+            </a:r>
+            <a:r>
+              <a:rPr sz="1400" b="0" i="1" kern="0" spc="-25" dirty="0">
+                <a:solidFill>
+                  <a:sysClr val="windowText" lastClr="000000"/>
+                </a:solidFill>
+                <a:latin typeface="Courier New"/>
+                <a:cs typeface="Courier New"/>
+              </a:rPr>
+              <a:t>1:</a:t>
+            </a:r>
+            <a:endParaRPr sz="1400" b="0" kern="0" dirty="0">
+              <a:solidFill>
+                <a:sysClr val="windowText" lastClr="000000"/>
+              </a:solidFill>
+              <a:latin typeface="Courier New"/>
+              <a:cs typeface="Courier New"/>
+            </a:endParaRPr>
+          </a:p>
+          <a:p>
+            <a:pPr marL="530225" indent="-396875" eaLnBrk="1" fontAlgn="auto" hangingPunct="1">
+              <a:spcBef>
+                <a:spcPts val="95"/>
+              </a:spcBef>
+              <a:spcAft>
+                <a:spcPts val="0"/>
+              </a:spcAft>
+              <a:buSzPct val="90476"/>
+              <a:buFont typeface="Arial MT"/>
+              <a:buAutoNum type="arabicPlain" startAt="3"/>
+              <a:tabLst>
+                <a:tab pos="530225" algn="l"/>
+              </a:tabLst>
+            </a:pPr>
+            <a:r>
+              <a:rPr lang="en-GB" sz="1400" b="0" kern="0" spc="-10" dirty="0">
+                <a:solidFill>
+                  <a:sysClr val="windowText" lastClr="000000"/>
+                </a:solidFill>
+                <a:latin typeface="Courier New"/>
+                <a:cs typeface="Courier New"/>
+              </a:rPr>
+              <a:t>L1.wait()</a:t>
+            </a:r>
+            <a:r>
+              <a:rPr sz="1400" b="0" kern="0" spc="-10" dirty="0">
+                <a:solidFill>
+                  <a:sysClr val="windowText" lastClr="000000"/>
+                </a:solidFill>
+                <a:latin typeface="Courier New"/>
+                <a:cs typeface="Courier New"/>
+              </a:rPr>
+              <a:t>;</a:t>
+            </a:r>
+            <a:endParaRPr sz="1400" b="0" kern="0" dirty="0">
+              <a:solidFill>
+                <a:sysClr val="windowText" lastClr="000000"/>
+              </a:solidFill>
+              <a:latin typeface="Courier New"/>
+              <a:cs typeface="Courier New"/>
+            </a:endParaRPr>
+          </a:p>
+          <a:p>
+            <a:pPr marL="530225" indent="-396875" eaLnBrk="1" fontAlgn="auto" hangingPunct="1">
+              <a:spcBef>
+                <a:spcPts val="95"/>
+              </a:spcBef>
+              <a:spcAft>
+                <a:spcPts val="0"/>
+              </a:spcAft>
+              <a:buSzPct val="90476"/>
+              <a:buFont typeface="Arial MT"/>
+              <a:buAutoNum type="arabicPlain" startAt="3"/>
+              <a:tabLst>
+                <a:tab pos="530225" algn="l"/>
+              </a:tabLst>
+            </a:pPr>
+            <a:r>
+              <a:rPr lang="en-GB" sz="1400" b="0" kern="0" spc="-10" dirty="0">
+                <a:solidFill>
+                  <a:sysClr val="windowText" lastClr="000000"/>
+                </a:solidFill>
+                <a:latin typeface="Courier New"/>
+                <a:cs typeface="Courier New"/>
+              </a:rPr>
+              <a:t>L2.wait()</a:t>
+            </a:r>
+            <a:r>
+              <a:rPr sz="1400" b="0" kern="0" spc="-10" dirty="0">
+                <a:solidFill>
+                  <a:sysClr val="windowText" lastClr="000000"/>
+                </a:solidFill>
+                <a:latin typeface="Courier New"/>
+                <a:cs typeface="Courier New"/>
+              </a:rPr>
+              <a:t>;</a:t>
+            </a:r>
+            <a:endParaRPr sz="1400" b="0" kern="0" dirty="0">
+              <a:solidFill>
+                <a:sysClr val="windowText" lastClr="000000"/>
+              </a:solidFill>
+              <a:latin typeface="Courier New"/>
+              <a:cs typeface="Courier New"/>
+            </a:endParaRPr>
+          </a:p>
+          <a:p>
+            <a:pPr marL="511175" indent="-377825" eaLnBrk="1" fontAlgn="auto" hangingPunct="1">
+              <a:spcBef>
+                <a:spcPts val="90"/>
+              </a:spcBef>
+              <a:spcAft>
+                <a:spcPts val="0"/>
+              </a:spcAft>
+              <a:buSzPct val="90476"/>
+              <a:buFont typeface="Arial MT"/>
+              <a:buAutoNum type="arabicPlain" startAt="3"/>
+              <a:tabLst>
+                <a:tab pos="511175" algn="l"/>
+              </a:tabLst>
+            </a:pPr>
+            <a:r>
+              <a:rPr sz="1400" b="0" i="1" kern="0" dirty="0">
+                <a:solidFill>
+                  <a:sysClr val="windowText" lastClr="000000"/>
+                </a:solidFill>
+                <a:latin typeface="Courier New"/>
+                <a:cs typeface="Courier New"/>
+              </a:rPr>
+              <a:t>// critical section requiring L1 and L2 </a:t>
+            </a:r>
+            <a:r>
+              <a:rPr sz="1400" b="0" i="1" kern="0" spc="-10" dirty="0">
+                <a:solidFill>
+                  <a:sysClr val="windowText" lastClr="000000"/>
+                </a:solidFill>
+                <a:latin typeface="Courier New"/>
+                <a:cs typeface="Courier New"/>
+              </a:rPr>
+              <a:t>locked.</a:t>
+            </a:r>
+            <a:endParaRPr sz="1400" b="0" kern="0" dirty="0">
+              <a:solidFill>
+                <a:sysClr val="windowText" lastClr="000000"/>
+              </a:solidFill>
+              <a:latin typeface="Courier New"/>
+              <a:cs typeface="Courier New"/>
+            </a:endParaRPr>
+          </a:p>
+          <a:p>
+            <a:pPr marL="531495" indent="-398145" eaLnBrk="1" fontAlgn="auto" hangingPunct="1">
+              <a:spcBef>
+                <a:spcPts val="95"/>
+              </a:spcBef>
+              <a:spcAft>
+                <a:spcPts val="0"/>
+              </a:spcAft>
+              <a:buSzPct val="90476"/>
+              <a:buFont typeface="Arial MT"/>
+              <a:buAutoNum type="arabicPlain" startAt="3"/>
+              <a:tabLst>
+                <a:tab pos="531495" algn="l"/>
+              </a:tabLst>
+            </a:pPr>
+            <a:r>
+              <a:rPr lang="en-GB" sz="1400" b="0" kern="0" spc="-10" dirty="0">
+                <a:solidFill>
+                  <a:sysClr val="windowText" lastClr="000000"/>
+                </a:solidFill>
+                <a:latin typeface="Courier New"/>
+                <a:cs typeface="Courier New"/>
+              </a:rPr>
+              <a:t>L2.post()</a:t>
+            </a:r>
+            <a:r>
+              <a:rPr sz="1400" b="0" kern="0" spc="-10" dirty="0">
+                <a:solidFill>
+                  <a:sysClr val="windowText" lastClr="000000"/>
+                </a:solidFill>
+                <a:latin typeface="Courier New"/>
+                <a:cs typeface="Courier New"/>
+              </a:rPr>
+              <a:t>;</a:t>
+            </a:r>
+            <a:endParaRPr sz="1400" b="0" kern="0" dirty="0">
+              <a:solidFill>
+                <a:sysClr val="windowText" lastClr="000000"/>
+              </a:solidFill>
+              <a:latin typeface="Courier New"/>
+              <a:cs typeface="Courier New"/>
+            </a:endParaRPr>
+          </a:p>
+          <a:p>
+            <a:pPr marL="531495" indent="-398145" eaLnBrk="1" fontAlgn="auto" hangingPunct="1">
+              <a:spcBef>
+                <a:spcPts val="95"/>
+              </a:spcBef>
+              <a:spcAft>
+                <a:spcPts val="0"/>
+              </a:spcAft>
+              <a:buSzPct val="90476"/>
+              <a:buFont typeface="Arial MT"/>
+              <a:buAutoNum type="arabicPlain" startAt="3"/>
+              <a:tabLst>
+                <a:tab pos="531495" algn="l"/>
+              </a:tabLst>
+            </a:pPr>
+            <a:r>
+              <a:rPr lang="en-GB" sz="1400" b="0" kern="0" spc="-10" dirty="0">
+                <a:solidFill>
+                  <a:sysClr val="windowText" lastClr="000000"/>
+                </a:solidFill>
+                <a:latin typeface="Courier New"/>
+                <a:cs typeface="Courier New"/>
+              </a:rPr>
+              <a:t>L1.post()</a:t>
+            </a:r>
+            <a:r>
+              <a:rPr sz="1400" b="0" kern="0" spc="-10" dirty="0">
+                <a:solidFill>
+                  <a:sysClr val="windowText" lastClr="000000"/>
+                </a:solidFill>
+                <a:latin typeface="Courier New"/>
+                <a:cs typeface="Courier New"/>
+              </a:rPr>
+              <a:t>;</a:t>
+            </a:r>
+            <a:endParaRPr sz="1400" b="0" kern="0" dirty="0">
+              <a:solidFill>
+                <a:sysClr val="windowText" lastClr="000000"/>
+              </a:solidFill>
+              <a:latin typeface="Courier New"/>
+              <a:cs typeface="Courier New"/>
+            </a:endParaRPr>
+          </a:p>
+          <a:p>
+            <a:pPr marL="133350" eaLnBrk="1" fontAlgn="auto" hangingPunct="1">
+              <a:spcBef>
+                <a:spcPts val="290"/>
+              </a:spcBef>
+              <a:spcAft>
+                <a:spcPts val="0"/>
+              </a:spcAft>
+            </a:pPr>
+            <a:r>
+              <a:rPr sz="1200" b="0" kern="0" spc="-50" dirty="0">
+                <a:solidFill>
+                  <a:sysClr val="windowText" lastClr="000000"/>
+                </a:solidFill>
+                <a:latin typeface="Arial MT"/>
+                <a:cs typeface="Arial MT"/>
+              </a:rPr>
+              <a:t>9</a:t>
+            </a:r>
+            <a:endParaRPr sz="1200" b="0" kern="0" dirty="0">
+              <a:solidFill>
+                <a:sysClr val="windowText" lastClr="000000"/>
+              </a:solidFill>
+              <a:latin typeface="Arial MT"/>
+              <a:cs typeface="Arial MT"/>
+            </a:endParaRPr>
+          </a:p>
+          <a:p>
+            <a:pPr marL="511175" indent="-511175" eaLnBrk="1" fontAlgn="auto" hangingPunct="1">
+              <a:spcBef>
+                <a:spcPts val="135"/>
+              </a:spcBef>
+              <a:spcAft>
+                <a:spcPts val="0"/>
+              </a:spcAft>
+              <a:buSzPct val="90476"/>
+              <a:buFont typeface="Arial MT"/>
+              <a:buAutoNum type="arabicPlain" startAt="10"/>
+              <a:tabLst>
+                <a:tab pos="511175" algn="l"/>
+              </a:tabLst>
+            </a:pPr>
+            <a:r>
+              <a:rPr sz="1400" b="0" i="1" kern="0" dirty="0">
+                <a:solidFill>
+                  <a:sysClr val="windowText" lastClr="000000"/>
+                </a:solidFill>
+                <a:latin typeface="Courier New"/>
+                <a:cs typeface="Courier New"/>
+              </a:rPr>
+              <a:t>// Thread </a:t>
+            </a:r>
+            <a:r>
+              <a:rPr sz="1400" b="0" i="1" kern="0" spc="-25" dirty="0">
+                <a:solidFill>
+                  <a:sysClr val="windowText" lastClr="000000"/>
+                </a:solidFill>
+                <a:latin typeface="Courier New"/>
+                <a:cs typeface="Courier New"/>
+              </a:rPr>
+              <a:t>2:</a:t>
+            </a:r>
+            <a:endParaRPr sz="1400" b="0" kern="0" dirty="0">
+              <a:solidFill>
+                <a:sysClr val="windowText" lastClr="000000"/>
+              </a:solidFill>
+              <a:latin typeface="Courier New"/>
+              <a:cs typeface="Courier New"/>
+            </a:endParaRPr>
+          </a:p>
+          <a:p>
+            <a:pPr marL="530225" indent="-530225" eaLnBrk="1" fontAlgn="auto" hangingPunct="1">
+              <a:spcBef>
+                <a:spcPts val="95"/>
+              </a:spcBef>
+              <a:spcAft>
+                <a:spcPts val="0"/>
+              </a:spcAft>
+              <a:buSzPct val="90476"/>
+              <a:buFont typeface="Arial MT"/>
+              <a:buAutoNum type="arabicPlain" startAt="10"/>
+              <a:tabLst>
+                <a:tab pos="530225" algn="l"/>
+              </a:tabLst>
+            </a:pPr>
+            <a:r>
+              <a:rPr lang="en-GB" sz="1400" b="0" kern="0" spc="-10" dirty="0">
+                <a:solidFill>
+                  <a:sysClr val="windowText" lastClr="000000"/>
+                </a:solidFill>
+                <a:latin typeface="Courier New"/>
+                <a:cs typeface="Courier New"/>
+              </a:rPr>
+              <a:t>L3.wait()</a:t>
+            </a:r>
+            <a:r>
+              <a:rPr sz="1400" b="0" kern="0" spc="-10" dirty="0">
+                <a:solidFill>
+                  <a:sysClr val="windowText" lastClr="000000"/>
+                </a:solidFill>
+                <a:latin typeface="Courier New"/>
+                <a:cs typeface="Courier New"/>
+              </a:rPr>
+              <a:t>;</a:t>
+            </a:r>
+            <a:endParaRPr sz="1400" b="0" kern="0" dirty="0">
+              <a:solidFill>
+                <a:sysClr val="windowText" lastClr="000000"/>
+              </a:solidFill>
+              <a:latin typeface="Courier New"/>
+              <a:cs typeface="Courier New"/>
+            </a:endParaRPr>
+          </a:p>
+          <a:p>
+            <a:pPr marL="530225" indent="-530225" eaLnBrk="1" fontAlgn="auto" hangingPunct="1">
+              <a:spcBef>
+                <a:spcPts val="90"/>
+              </a:spcBef>
+              <a:spcAft>
+                <a:spcPts val="0"/>
+              </a:spcAft>
+              <a:buSzPct val="90476"/>
+              <a:buFont typeface="Arial MT"/>
+              <a:buAutoNum type="arabicPlain" startAt="10"/>
+              <a:tabLst>
+                <a:tab pos="530225" algn="l"/>
+              </a:tabLst>
+            </a:pPr>
+            <a:r>
+              <a:rPr lang="en-GB" sz="1400" b="0" kern="0" spc="-10" dirty="0">
+                <a:solidFill>
+                  <a:sysClr val="windowText" lastClr="000000"/>
+                </a:solidFill>
+                <a:latin typeface="Courier New"/>
+                <a:cs typeface="Courier New"/>
+              </a:rPr>
+              <a:t>L1.wait()</a:t>
+            </a:r>
+            <a:r>
+              <a:rPr sz="1400" b="0" kern="0" spc="-10" dirty="0">
+                <a:solidFill>
+                  <a:sysClr val="windowText" lastClr="000000"/>
+                </a:solidFill>
+                <a:latin typeface="Courier New"/>
+                <a:cs typeface="Courier New"/>
+              </a:rPr>
+              <a:t>;</a:t>
+            </a:r>
+            <a:endParaRPr sz="1400" b="0" kern="0" dirty="0">
+              <a:solidFill>
+                <a:sysClr val="windowText" lastClr="000000"/>
+              </a:solidFill>
+              <a:latin typeface="Courier New"/>
+              <a:cs typeface="Courier New"/>
+            </a:endParaRPr>
+          </a:p>
+          <a:p>
+            <a:pPr marL="511175" indent="-511175" eaLnBrk="1" fontAlgn="auto" hangingPunct="1">
+              <a:spcBef>
+                <a:spcPts val="95"/>
+              </a:spcBef>
+              <a:spcAft>
+                <a:spcPts val="0"/>
+              </a:spcAft>
+              <a:buSzPct val="90476"/>
+              <a:buFont typeface="Arial MT"/>
+              <a:buAutoNum type="arabicPlain" startAt="10"/>
+              <a:tabLst>
+                <a:tab pos="511175" algn="l"/>
+              </a:tabLst>
+            </a:pPr>
+            <a:r>
+              <a:rPr sz="1400" b="0" i="1" kern="0" dirty="0">
+                <a:solidFill>
+                  <a:sysClr val="windowText" lastClr="000000"/>
+                </a:solidFill>
+                <a:latin typeface="Courier New"/>
+                <a:cs typeface="Courier New"/>
+              </a:rPr>
+              <a:t>// critical section requiring L3 and L1 </a:t>
+            </a:r>
+            <a:r>
+              <a:rPr sz="1400" b="0" i="1" kern="0" spc="-10" dirty="0">
+                <a:solidFill>
+                  <a:sysClr val="windowText" lastClr="000000"/>
+                </a:solidFill>
+                <a:latin typeface="Courier New"/>
+                <a:cs typeface="Courier New"/>
+              </a:rPr>
+              <a:t>locked.</a:t>
+            </a:r>
+            <a:endParaRPr sz="1400" b="0" kern="0" dirty="0">
+              <a:solidFill>
+                <a:sysClr val="windowText" lastClr="000000"/>
+              </a:solidFill>
+              <a:latin typeface="Courier New"/>
+              <a:cs typeface="Courier New"/>
+            </a:endParaRPr>
+          </a:p>
+          <a:p>
+            <a:pPr marL="531495" indent="-531495" eaLnBrk="1" fontAlgn="auto" hangingPunct="1">
+              <a:spcBef>
+                <a:spcPts val="95"/>
+              </a:spcBef>
+              <a:spcAft>
+                <a:spcPts val="0"/>
+              </a:spcAft>
+              <a:buSzPct val="90476"/>
+              <a:buFont typeface="Arial MT"/>
+              <a:buAutoNum type="arabicPlain" startAt="10"/>
+              <a:tabLst>
+                <a:tab pos="531495" algn="l"/>
+              </a:tabLst>
+            </a:pPr>
+            <a:r>
+              <a:rPr lang="en-GB" sz="1400" b="0" kern="0" spc="-10" dirty="0">
+                <a:solidFill>
+                  <a:sysClr val="windowText" lastClr="000000"/>
+                </a:solidFill>
+                <a:latin typeface="Courier New"/>
+                <a:cs typeface="Courier New"/>
+              </a:rPr>
+              <a:t>L1.post()</a:t>
+            </a:r>
+            <a:r>
+              <a:rPr sz="1400" b="0" kern="0" spc="-10" dirty="0">
+                <a:solidFill>
+                  <a:sysClr val="windowText" lastClr="000000"/>
+                </a:solidFill>
+                <a:latin typeface="Courier New"/>
+                <a:cs typeface="Courier New"/>
+              </a:rPr>
+              <a:t>;</a:t>
+            </a:r>
+            <a:endParaRPr sz="1400" b="0" kern="0" dirty="0">
+              <a:solidFill>
+                <a:sysClr val="windowText" lastClr="000000"/>
+              </a:solidFill>
+              <a:latin typeface="Courier New"/>
+              <a:cs typeface="Courier New"/>
+            </a:endParaRPr>
+          </a:p>
+          <a:p>
+            <a:pPr marL="531495" indent="-531495" eaLnBrk="1" fontAlgn="auto" hangingPunct="1">
+              <a:spcBef>
+                <a:spcPts val="90"/>
+              </a:spcBef>
+              <a:spcAft>
+                <a:spcPts val="0"/>
+              </a:spcAft>
+              <a:buSzPct val="90476"/>
+              <a:buFont typeface="Arial MT"/>
+              <a:buAutoNum type="arabicPlain" startAt="10"/>
+              <a:tabLst>
+                <a:tab pos="531495" algn="l"/>
+              </a:tabLst>
+            </a:pPr>
+            <a:r>
+              <a:rPr lang="en-GB" sz="1400" b="0" kern="0" spc="-10" dirty="0">
+                <a:solidFill>
+                  <a:sysClr val="windowText" lastClr="000000"/>
+                </a:solidFill>
+                <a:latin typeface="Courier New"/>
+                <a:cs typeface="Courier New"/>
+              </a:rPr>
+              <a:t>L3.post()</a:t>
+            </a:r>
+            <a:r>
+              <a:rPr sz="1400" b="0" kern="0" spc="-10" dirty="0">
+                <a:solidFill>
+                  <a:sysClr val="windowText" lastClr="000000"/>
+                </a:solidFill>
+                <a:latin typeface="Courier New"/>
+                <a:cs typeface="Courier New"/>
+              </a:rPr>
+              <a:t>;</a:t>
+            </a:r>
+            <a:endParaRPr sz="1400" b="0" kern="0" dirty="0">
+              <a:solidFill>
+                <a:sysClr val="windowText" lastClr="000000"/>
+              </a:solidFill>
+              <a:latin typeface="Courier New"/>
+              <a:cs typeface="Courier New"/>
+            </a:endParaRPr>
+          </a:p>
+          <a:p>
+            <a:pPr eaLnBrk="1" fontAlgn="auto" hangingPunct="1">
+              <a:spcBef>
+                <a:spcPts val="295"/>
+              </a:spcBef>
+              <a:spcAft>
+                <a:spcPts val="0"/>
+              </a:spcAft>
+            </a:pPr>
+            <a:r>
+              <a:rPr sz="1200" b="0" kern="0" spc="-25" dirty="0">
+                <a:solidFill>
+                  <a:sysClr val="windowText" lastClr="000000"/>
+                </a:solidFill>
+                <a:latin typeface="Arial MT"/>
+                <a:cs typeface="Arial MT"/>
+              </a:rPr>
+              <a:t>16</a:t>
+            </a:r>
+            <a:endParaRPr sz="1200" b="0" kern="0" dirty="0">
+              <a:solidFill>
+                <a:sysClr val="windowText" lastClr="000000"/>
+              </a:solidFill>
+              <a:latin typeface="Arial MT"/>
+              <a:cs typeface="Arial MT"/>
+            </a:endParaRPr>
+          </a:p>
+          <a:p>
+            <a:pPr marL="511175" indent="-511175" eaLnBrk="1" fontAlgn="auto" hangingPunct="1">
+              <a:spcBef>
+                <a:spcPts val="135"/>
+              </a:spcBef>
+              <a:spcAft>
+                <a:spcPts val="0"/>
+              </a:spcAft>
+              <a:buSzPct val="90476"/>
+              <a:buFont typeface="Arial MT"/>
+              <a:buAutoNum type="arabicPlain" startAt="17"/>
+              <a:tabLst>
+                <a:tab pos="511175" algn="l"/>
+              </a:tabLst>
+            </a:pPr>
+            <a:r>
+              <a:rPr sz="1400" b="0" i="1" kern="0" dirty="0">
+                <a:solidFill>
+                  <a:sysClr val="windowText" lastClr="000000"/>
+                </a:solidFill>
+                <a:latin typeface="Courier New"/>
+                <a:cs typeface="Courier New"/>
+              </a:rPr>
+              <a:t>// Thread </a:t>
+            </a:r>
+            <a:r>
+              <a:rPr sz="1400" b="0" i="1" kern="0" spc="-25" dirty="0">
+                <a:solidFill>
+                  <a:sysClr val="windowText" lastClr="000000"/>
+                </a:solidFill>
+                <a:latin typeface="Courier New"/>
+                <a:cs typeface="Courier New"/>
+              </a:rPr>
+              <a:t>3:</a:t>
+            </a:r>
+            <a:endParaRPr sz="1400" b="0" kern="0" dirty="0">
+              <a:solidFill>
+                <a:sysClr val="windowText" lastClr="000000"/>
+              </a:solidFill>
+              <a:latin typeface="Courier New"/>
+              <a:cs typeface="Courier New"/>
+            </a:endParaRPr>
+          </a:p>
+          <a:p>
+            <a:pPr marL="530225" indent="-530225" eaLnBrk="1" fontAlgn="auto" hangingPunct="1">
+              <a:spcBef>
+                <a:spcPts val="90"/>
+              </a:spcBef>
+              <a:spcAft>
+                <a:spcPts val="0"/>
+              </a:spcAft>
+              <a:buSzPct val="90476"/>
+              <a:buFont typeface="Arial MT"/>
+              <a:buAutoNum type="arabicPlain" startAt="17"/>
+              <a:tabLst>
+                <a:tab pos="530225" algn="l"/>
+              </a:tabLst>
+            </a:pPr>
+            <a:r>
+              <a:rPr lang="en-GB" sz="1400" b="0" kern="0" spc="-10" dirty="0">
+                <a:solidFill>
+                  <a:sysClr val="windowText" lastClr="000000"/>
+                </a:solidFill>
+                <a:latin typeface="Courier New"/>
+                <a:cs typeface="Courier New"/>
+              </a:rPr>
+              <a:t>L2.wait()</a:t>
+            </a:r>
+            <a:r>
+              <a:rPr sz="1400" b="0" kern="0" spc="-10" dirty="0">
+                <a:solidFill>
+                  <a:sysClr val="windowText" lastClr="000000"/>
+                </a:solidFill>
+                <a:latin typeface="Courier New"/>
+                <a:cs typeface="Courier New"/>
+              </a:rPr>
+              <a:t>;</a:t>
+            </a:r>
+            <a:endParaRPr sz="1400" b="0" kern="0" dirty="0">
+              <a:solidFill>
+                <a:sysClr val="windowText" lastClr="000000"/>
+              </a:solidFill>
+              <a:latin typeface="Courier New"/>
+              <a:cs typeface="Courier New"/>
+            </a:endParaRPr>
+          </a:p>
+          <a:p>
+            <a:pPr marL="530225" indent="-530225" eaLnBrk="1" fontAlgn="auto" hangingPunct="1">
+              <a:spcBef>
+                <a:spcPts val="95"/>
+              </a:spcBef>
+              <a:spcAft>
+                <a:spcPts val="0"/>
+              </a:spcAft>
+              <a:buSzPct val="90476"/>
+              <a:buFont typeface="Arial MT"/>
+              <a:buAutoNum type="arabicPlain" startAt="17"/>
+              <a:tabLst>
+                <a:tab pos="530225" algn="l"/>
+              </a:tabLst>
+            </a:pPr>
+            <a:r>
+              <a:rPr lang="en-GB" sz="1400" b="0" kern="0" spc="-10" dirty="0">
+                <a:solidFill>
+                  <a:sysClr val="windowText" lastClr="000000"/>
+                </a:solidFill>
+                <a:latin typeface="Courier New"/>
+                <a:cs typeface="Courier New"/>
+              </a:rPr>
+              <a:t>L3.wait()</a:t>
+            </a:r>
+            <a:r>
+              <a:rPr sz="1400" b="0" kern="0" spc="-10" dirty="0">
+                <a:solidFill>
+                  <a:sysClr val="windowText" lastClr="000000"/>
+                </a:solidFill>
+                <a:latin typeface="Courier New"/>
+                <a:cs typeface="Courier New"/>
+              </a:rPr>
+              <a:t>;</a:t>
+            </a:r>
+            <a:endParaRPr sz="1400" b="0" kern="0" dirty="0">
+              <a:solidFill>
+                <a:sysClr val="windowText" lastClr="000000"/>
+              </a:solidFill>
+              <a:latin typeface="Courier New"/>
+              <a:cs typeface="Courier New"/>
+            </a:endParaRPr>
+          </a:p>
+          <a:p>
+            <a:pPr marL="511175" indent="-511175" eaLnBrk="1" fontAlgn="auto" hangingPunct="1">
+              <a:spcBef>
+                <a:spcPts val="95"/>
+              </a:spcBef>
+              <a:spcAft>
+                <a:spcPts val="0"/>
+              </a:spcAft>
+              <a:buSzPct val="90476"/>
+              <a:buFont typeface="Arial MT"/>
+              <a:buAutoNum type="arabicPlain" startAt="17"/>
+              <a:tabLst>
+                <a:tab pos="511175" algn="l"/>
+              </a:tabLst>
+            </a:pPr>
+            <a:r>
+              <a:rPr sz="1400" b="0" i="1" kern="0" dirty="0">
+                <a:solidFill>
+                  <a:sysClr val="windowText" lastClr="000000"/>
+                </a:solidFill>
+                <a:latin typeface="Courier New"/>
+                <a:cs typeface="Courier New"/>
+              </a:rPr>
+              <a:t>// critical section requiring L2 and L3 </a:t>
+            </a:r>
+            <a:r>
+              <a:rPr sz="1400" b="0" i="1" kern="0" spc="-10" dirty="0">
+                <a:solidFill>
+                  <a:sysClr val="windowText" lastClr="000000"/>
+                </a:solidFill>
+                <a:latin typeface="Courier New"/>
+                <a:cs typeface="Courier New"/>
+              </a:rPr>
+              <a:t>locked.</a:t>
+            </a:r>
+            <a:endParaRPr sz="1400" b="0" kern="0" dirty="0">
+              <a:solidFill>
+                <a:sysClr val="windowText" lastClr="000000"/>
+              </a:solidFill>
+              <a:latin typeface="Courier New"/>
+              <a:cs typeface="Courier New"/>
+            </a:endParaRPr>
+          </a:p>
+          <a:p>
+            <a:pPr marL="531495" indent="-531495" eaLnBrk="1" fontAlgn="auto" hangingPunct="1">
+              <a:spcBef>
+                <a:spcPts val="95"/>
+              </a:spcBef>
+              <a:spcAft>
+                <a:spcPts val="0"/>
+              </a:spcAft>
+              <a:buSzPct val="90476"/>
+              <a:buFont typeface="Arial MT"/>
+              <a:buAutoNum type="arabicPlain" startAt="17"/>
+              <a:tabLst>
+                <a:tab pos="531495" algn="l"/>
+              </a:tabLst>
+            </a:pPr>
+            <a:r>
+              <a:rPr lang="en-GB" sz="1400" b="0" kern="0" spc="-10" dirty="0">
+                <a:solidFill>
+                  <a:sysClr val="windowText" lastClr="000000"/>
+                </a:solidFill>
+                <a:latin typeface="Courier New"/>
+                <a:cs typeface="Courier New"/>
+              </a:rPr>
+              <a:t>L3.post()</a:t>
+            </a:r>
+            <a:r>
+              <a:rPr sz="1400" b="0" kern="0" spc="-10" dirty="0">
+                <a:solidFill>
+                  <a:sysClr val="windowText" lastClr="000000"/>
+                </a:solidFill>
+                <a:latin typeface="Courier New"/>
+                <a:cs typeface="Courier New"/>
+              </a:rPr>
+              <a:t>;</a:t>
+            </a:r>
+            <a:endParaRPr sz="1400" b="0" kern="0" dirty="0">
+              <a:solidFill>
+                <a:sysClr val="windowText" lastClr="000000"/>
+              </a:solidFill>
+              <a:latin typeface="Courier New"/>
+              <a:cs typeface="Courier New"/>
+            </a:endParaRPr>
+          </a:p>
+          <a:p>
+            <a:pPr marL="531495" indent="-531495" eaLnBrk="1" fontAlgn="auto" hangingPunct="1">
+              <a:spcBef>
+                <a:spcPts val="90"/>
+              </a:spcBef>
+              <a:spcAft>
+                <a:spcPts val="0"/>
+              </a:spcAft>
+              <a:buSzPct val="90476"/>
+              <a:buFont typeface="Arial MT"/>
+              <a:buAutoNum type="arabicPlain" startAt="17"/>
+              <a:tabLst>
+                <a:tab pos="531495" algn="l"/>
+              </a:tabLst>
+            </a:pPr>
+            <a:r>
+              <a:rPr lang="en-GB" sz="1400" b="0" kern="0" spc="-10" dirty="0">
+                <a:solidFill>
+                  <a:sysClr val="windowText" lastClr="000000"/>
+                </a:solidFill>
+                <a:latin typeface="Courier New"/>
+                <a:cs typeface="Courier New"/>
+              </a:rPr>
+              <a:t>L2.post()</a:t>
+            </a:r>
+            <a:r>
+              <a:rPr sz="1400" b="0" kern="0" spc="-10" dirty="0">
+                <a:solidFill>
+                  <a:sysClr val="windowText" lastClr="000000"/>
+                </a:solidFill>
+                <a:latin typeface="Courier New"/>
+                <a:cs typeface="Courier New"/>
+              </a:rPr>
+              <a:t>;</a:t>
+            </a:r>
+            <a:endParaRPr sz="1400" b="0" kern="0" dirty="0">
+              <a:solidFill>
+                <a:sysClr val="windowText" lastClr="000000"/>
+              </a:solidFill>
+              <a:latin typeface="Courier New"/>
+              <a:cs typeface="Courier New"/>
+            </a:endParaRPr>
+          </a:p>
+        </p:txBody>
+      </p:sp>
+      <p:sp>
+        <p:nvSpPr>
+          <p:cNvPr id="6" name="object 10">
+            <a:extLst>
+              <a:ext uri="{FF2B5EF4-FFF2-40B4-BE49-F238E27FC236}">
+                <a16:creationId xmlns:a16="http://schemas.microsoft.com/office/drawing/2014/main" id="{B7867E32-F4AD-9B90-BF25-CCA021803154}"/>
+              </a:ext>
+            </a:extLst>
+          </p:cNvPr>
+          <p:cNvSpPr/>
+          <p:nvPr/>
+        </p:nvSpPr>
+        <p:spPr>
+          <a:xfrm>
+            <a:off x="6350001" y="829563"/>
+            <a:ext cx="5715000" cy="5190237"/>
+          </a:xfrm>
+          <a:custGeom>
+            <a:avLst/>
+            <a:gdLst/>
+            <a:ahLst/>
+            <a:cxnLst/>
+            <a:rect l="l" t="t" r="r" b="b"/>
+            <a:pathLst>
+              <a:path w="8177530" h="7403465">
+                <a:moveTo>
+                  <a:pt x="0" y="0"/>
+                </a:moveTo>
+                <a:lnTo>
+                  <a:pt x="8177267" y="0"/>
+                </a:lnTo>
+                <a:lnTo>
+                  <a:pt x="8177267" y="7402992"/>
+                </a:lnTo>
+                <a:lnTo>
+                  <a:pt x="0" y="7402992"/>
+                </a:lnTo>
+                <a:lnTo>
+                  <a:pt x="0" y="0"/>
+                </a:lnTo>
+                <a:close/>
+              </a:path>
+            </a:pathLst>
+          </a:custGeom>
+          <a:ln w="10470">
+            <a:solidFill>
+              <a:srgbClr val="000000"/>
+            </a:solidFill>
+          </a:ln>
+        </p:spPr>
+        <p:txBody>
+          <a:bodyPr wrap="square" lIns="0" tIns="0" rIns="0" bIns="0" rtlCol="0"/>
+          <a:lstStyle/>
+          <a:p>
+            <a:pPr marL="0" marR="0" lvl="0" indent="0" defTabSz="914400" eaLnBrk="1" fontAlgn="auto" latinLnBrk="0" hangingPunct="1">
+              <a:lnSpc>
+                <a:spcPct val="100000"/>
+              </a:lnSpc>
+              <a:spcBef>
+                <a:spcPts val="0"/>
+              </a:spcBef>
+              <a:spcAft>
+                <a:spcPts val="0"/>
+              </a:spcAft>
+              <a:buClrTx/>
+              <a:buSzTx/>
+              <a:buFontTx/>
+              <a:buNone/>
+              <a:tabLst/>
+              <a:defRPr/>
+            </a:pPr>
+            <a:endParaRPr kumimoji="0" sz="1100" b="0" i="0" u="none" strike="noStrike" kern="0" cap="none" spc="0" normalizeH="0" baseline="0" noProof="0">
+              <a:ln>
+                <a:noFill/>
+              </a:ln>
+              <a:solidFill>
+                <a:sysClr val="windowText" lastClr="000000"/>
+              </a:solidFill>
+              <a:effectLst/>
+              <a:uLnTx/>
+              <a:uFillTx/>
+            </a:endParaRPr>
+          </a:p>
+        </p:txBody>
+      </p:sp>
+    </p:spTree>
+    <p:extLst>
+      <p:ext uri="{BB962C8B-B14F-4D97-AF65-F5344CB8AC3E}">
+        <p14:creationId xmlns:p14="http://schemas.microsoft.com/office/powerpoint/2010/main" val="4222259293"/>
+      </p:ext>
+    </p:extLst>
+  </p:cSld>
+  <p:clrMapOvr>
+    <a:masterClrMapping/>
+  </p:clrMapOvr>
+  <p:transition/>
+</p:sld>
+</file>
+
 <file path=ppt/slides/slide2.xml><?xml version="1.0" encoding="utf-8"?>
+<p:sld xmlns:a="http://schemas.openxmlformats.org/drawingml/2006/main" xmlns:r="http://schemas.openxmlformats.org/officeDocument/2006/relationships" xmlns:p="http://schemas.openxmlformats.org/presentationml/2006/main">
+  <p:cSld>
+    <p:spTree>
+      <p:nvGrpSpPr>
+        <p:cNvPr id="1" name=""/>
+        <p:cNvGrpSpPr/>
+        <p:nvPr/>
+      </p:nvGrpSpPr>
+      <p:grpSpPr>
+        <a:xfrm>
+          <a:off x="0" y="0"/>
+          <a:ext cx="0" cy="0"/>
+          <a:chOff x="0" y="0"/>
+          <a:chExt cx="0" cy="0"/>
+        </a:xfrm>
+      </p:grpSpPr>
+      <p:sp>
+        <p:nvSpPr>
+          <p:cNvPr id="1032" name="Rectangle 2"/>
+          <p:cNvSpPr>
+            <a:spLocks noGrp="1" noChangeArrowheads="1"/>
+          </p:cNvSpPr>
+          <p:nvPr>
+            <p:ph type="title" sz="quarter"/>
+          </p:nvPr>
+        </p:nvSpPr>
+        <p:spPr>
+          <a:xfrm>
+            <a:off x="914400" y="-114300"/>
+            <a:ext cx="10363200" cy="1143000"/>
+          </a:xfrm>
+        </p:spPr>
+        <p:txBody>
+          <a:bodyPr/>
+          <a:lstStyle/>
+          <a:p>
+            <a:pPr eaLnBrk="1" hangingPunct="1"/>
+            <a:r>
+              <a:rPr lang="en-US" altLang="zh-CN" dirty="0">
+                <a:ea typeface="宋体" charset="-122"/>
+              </a:rPr>
+              <a:t>Banker’s Algorithm: 4 philosophers each holding his left fork</a:t>
+            </a:r>
+          </a:p>
+        </p:txBody>
+      </p:sp>
+      <p:graphicFrame>
+        <p:nvGraphicFramePr>
+          <p:cNvPr id="1028" name="Object 8"/>
+          <p:cNvGraphicFramePr>
+            <a:graphicFrameLocks noGrp="1" noChangeAspect="1"/>
+          </p:cNvGraphicFramePr>
+          <p:nvPr>
+            <p:ph sz="quarter" idx="3"/>
+          </p:nvPr>
+        </p:nvGraphicFramePr>
+        <p:xfrm>
+          <a:off x="351725" y="3994116"/>
+          <a:ext cx="2955925" cy="503136"/>
+        </p:xfrm>
+        <a:graphic>
+          <a:graphicData uri="http://schemas.openxmlformats.org/presentationml/2006/ole">
+            <mc:AlternateContent xmlns:mc="http://schemas.openxmlformats.org/markup-compatibility/2006">
+              <mc:Choice xmlns:v="urn:schemas-microsoft-com:vml" Requires="v">
+                <p:oleObj name="Equation" r:id="rId2" imgW="1269720" imgH="215640" progId="Equation.3">
+                  <p:embed/>
+                </p:oleObj>
+              </mc:Choice>
+              <mc:Fallback>
+                <p:oleObj name="Equation" r:id="rId2" imgW="1269720" imgH="215640" progId="Equation.3">
+                  <p:embed/>
+                  <p:pic>
+                    <p:nvPicPr>
+                      <p:cNvPr id="1028" name="Object 8"/>
+                      <p:cNvPicPr>
+                        <a:picLocks noChangeAspect="1" noChangeArrowheads="1"/>
+                      </p:cNvPicPr>
+                      <p:nvPr/>
+                    </p:nvPicPr>
+                    <p:blipFill>
+                      <a:blip r:embed="rId3">
+                        <a:extLst>
+                          <a:ext uri="{28A0092B-C50C-407E-A947-70E740481C1C}">
+                            <a14:useLocalDpi xmlns:a14="http://schemas.microsoft.com/office/drawing/2010/main" val="0"/>
+                          </a:ext>
+                        </a:extLst>
+                      </a:blip>
+                      <a:srcRect/>
+                      <a:stretch>
+                        <a:fillRect/>
+                      </a:stretch>
+                    </p:blipFill>
+                    <p:spPr bwMode="auto">
+                      <a:xfrm>
+                        <a:off x="351725" y="3994116"/>
+                        <a:ext cx="2955925" cy="503136"/>
+                      </a:xfrm>
+                      <a:prstGeom prst="rect">
+                        <a:avLst/>
+                      </a:prstGeom>
+                      <a:noFill/>
+                      <a:extLst>
+                        <a:ext uri="{909E8E84-426E-40DD-AFC4-6F175D3DCCD1}">
+                          <a14:hiddenFill xmlns:a14="http://schemas.microsoft.com/office/drawing/2010/main">
+                            <a:solidFill>
+                              <a:srgbClr val="FFFFFF"/>
+                            </a:solidFill>
+                          </a14:hiddenFill>
+                        </a:ext>
+                      </a:extLst>
+                    </p:spPr>
+                  </p:pic>
+                </p:oleObj>
+              </mc:Fallback>
+            </mc:AlternateContent>
+          </a:graphicData>
+        </a:graphic>
+      </p:graphicFrame>
+      <p:graphicFrame>
+        <p:nvGraphicFramePr>
+          <p:cNvPr id="128009" name="Object 8"/>
+          <p:cNvGraphicFramePr>
+            <a:graphicFrameLocks noChangeAspect="1"/>
+          </p:cNvGraphicFramePr>
+          <p:nvPr/>
+        </p:nvGraphicFramePr>
+        <p:xfrm>
+          <a:off x="3802951" y="3994116"/>
+          <a:ext cx="3192463" cy="503237"/>
+        </p:xfrm>
+        <a:graphic>
+          <a:graphicData uri="http://schemas.openxmlformats.org/presentationml/2006/ole">
+            <mc:AlternateContent xmlns:mc="http://schemas.openxmlformats.org/markup-compatibility/2006">
+              <mc:Choice xmlns:v="urn:schemas-microsoft-com:vml" Requires="v">
+                <p:oleObj name="Equation" r:id="rId4" imgW="1371600" imgH="215640" progId="Equation.3">
+                  <p:embed/>
+                </p:oleObj>
+              </mc:Choice>
+              <mc:Fallback>
+                <p:oleObj name="Equation" r:id="rId4" imgW="1371600" imgH="215640" progId="Equation.3">
+                  <p:embed/>
+                  <p:pic>
+                    <p:nvPicPr>
+                      <p:cNvPr id="128009" name="Object 8"/>
+                      <p:cNvPicPr>
+                        <a:picLocks noChangeAspect="1" noChangeArrowheads="1"/>
+                      </p:cNvPicPr>
+                      <p:nvPr/>
+                    </p:nvPicPr>
+                    <p:blipFill>
+                      <a:blip r:embed="rId5">
+                        <a:extLst>
+                          <a:ext uri="{28A0092B-C50C-407E-A947-70E740481C1C}">
+                            <a14:useLocalDpi xmlns:a14="http://schemas.microsoft.com/office/drawing/2010/main" val="0"/>
+                          </a:ext>
+                        </a:extLst>
+                      </a:blip>
+                      <a:srcRect/>
+                      <a:stretch>
+                        <a:fillRect/>
+                      </a:stretch>
+                    </p:blipFill>
+                    <p:spPr bwMode="auto">
+                      <a:xfrm>
+                        <a:off x="3802951" y="3994116"/>
+                        <a:ext cx="3192463" cy="503237"/>
+                      </a:xfrm>
+                      <a:prstGeom prst="rect">
+                        <a:avLst/>
+                      </a:prstGeom>
+                      <a:noFill/>
+                      <a:extLst>
+                        <a:ext uri="{909E8E84-426E-40DD-AFC4-6F175D3DCCD1}">
+                          <a14:hiddenFill xmlns:a14="http://schemas.microsoft.com/office/drawing/2010/main">
+                            <a:solidFill>
+                              <a:srgbClr val="FFFFFF"/>
+                            </a:solidFill>
+                          </a14:hiddenFill>
+                        </a:ext>
+                      </a:extLst>
+                    </p:spPr>
+                  </p:pic>
+                </p:oleObj>
+              </mc:Fallback>
+            </mc:AlternateContent>
+          </a:graphicData>
+        </a:graphic>
+      </p:graphicFrame>
+      <p:sp>
+        <p:nvSpPr>
+          <p:cNvPr id="11" name="Content Placeholder 2"/>
+          <p:cNvSpPr>
+            <a:spLocks noGrp="1"/>
+          </p:cNvSpPr>
+          <p:nvPr>
+            <p:ph idx="1"/>
+          </p:nvPr>
+        </p:nvSpPr>
+        <p:spPr>
+          <a:xfrm>
+            <a:off x="236889" y="4572491"/>
+            <a:ext cx="7498644" cy="2305490"/>
+          </a:xfrm>
+        </p:spPr>
+        <p:txBody>
+          <a:bodyPr>
+            <a:normAutofit fontScale="92500" lnSpcReduction="20000"/>
+          </a:bodyPr>
+          <a:lstStyle/>
+          <a:p>
+            <a:pPr marL="0" lvl="1" indent="0">
+              <a:buClr>
+                <a:schemeClr val="bg2"/>
+              </a:buClr>
+              <a:buSzPct val="90000"/>
+              <a:buNone/>
+            </a:pPr>
+            <a:r>
+              <a:rPr lang="en-GB" sz="2400" dirty="0">
+                <a:solidFill>
+                  <a:schemeClr val="dk1"/>
+                </a:solidFill>
+                <a:latin typeface="Gill Sans" panose="020B0502020104020203"/>
+                <a:ea typeface="+mn-ea"/>
+                <a:cs typeface="+mn-cs"/>
+              </a:rPr>
+              <a:t>Suppose we have 5 philosophers P1-P5, and 5 forks R1-R5; philosopher Pi has left fork Ri, and right fork R(i+1)%5. </a:t>
+            </a:r>
+            <a:r>
+              <a:rPr lang="en-US" sz="2400" dirty="0">
+                <a:solidFill>
+                  <a:schemeClr val="dk1"/>
+                </a:solidFill>
+                <a:latin typeface="Gill Sans" panose="020B0502020104020203"/>
+                <a:ea typeface="+mn-ea"/>
+                <a:cs typeface="+mn-cs"/>
+              </a:rPr>
+              <a:t>Philosophers P1-P4 each is holding his left fork. </a:t>
+            </a:r>
+          </a:p>
+          <a:p>
+            <a:pPr marL="0" lvl="1" indent="0">
+              <a:buClr>
+                <a:schemeClr val="bg2"/>
+              </a:buClr>
+              <a:buSzPct val="90000"/>
+              <a:buNone/>
+            </a:pPr>
+            <a:r>
+              <a:rPr lang="en-US" altLang="zh-CN" sz="2400" b="0" dirty="0">
+                <a:solidFill>
+                  <a:schemeClr val="dk1"/>
+                </a:solidFill>
+                <a:latin typeface="Gill Sans" panose="020B0502020104020203"/>
+                <a:ea typeface="+mn-ea"/>
+                <a:cs typeface="+mn-cs"/>
+              </a:rPr>
+              <a:t>Run Banker’s algorithm to check if the current state is safe. If yes, give a safe sequence of process completions and fill in the table with </a:t>
+            </a:r>
+            <a:r>
+              <a:rPr lang="en-GB" altLang="zh-CN" sz="2400" b="0" dirty="0">
+                <a:solidFill>
+                  <a:schemeClr val="dk1"/>
+                </a:solidFill>
+                <a:latin typeface="Gill Sans" panose="020B0502020104020203"/>
+                <a:ea typeface="+mn-ea"/>
+                <a:cs typeface="+mn-cs"/>
+              </a:rPr>
+              <a:t>the sequence of process completions without deadlock, and available resources after the completion of each process. </a:t>
+            </a:r>
+            <a:endParaRPr lang="en-GB" sz="2400" b="0" dirty="0">
+              <a:solidFill>
+                <a:schemeClr val="dk1"/>
+              </a:solidFill>
+              <a:latin typeface="Gill Sans" panose="020B0502020104020203"/>
+              <a:ea typeface="+mn-ea"/>
+              <a:cs typeface="+mn-cs"/>
+            </a:endParaRPr>
+          </a:p>
+        </p:txBody>
+      </p:sp>
+      <p:sp>
+        <p:nvSpPr>
+          <p:cNvPr id="12" name="TextBox 11">
+            <a:extLst>
+              <a:ext uri="{FF2B5EF4-FFF2-40B4-BE49-F238E27FC236}">
+                <a16:creationId xmlns:a16="http://schemas.microsoft.com/office/drawing/2014/main" id="{4B648F32-7105-F523-4EAE-5327C48CD8D2}"/>
+              </a:ext>
+            </a:extLst>
+          </p:cNvPr>
+          <p:cNvSpPr txBox="1"/>
+          <p:nvPr/>
+        </p:nvSpPr>
+        <p:spPr>
+          <a:xfrm>
+            <a:off x="9085949" y="665304"/>
+            <a:ext cx="822661" cy="400110"/>
+          </a:xfrm>
+          <a:prstGeom prst="rect">
+            <a:avLst/>
+          </a:prstGeom>
+          <a:noFill/>
+        </p:spPr>
+        <p:txBody>
+          <a:bodyPr wrap="none" rtlCol="0">
+            <a:spAutoFit/>
+          </a:bodyPr>
+          <a:lstStyle/>
+          <a:p>
+            <a:r>
+              <a:rPr lang="en-US" altLang="zh-CN" sz="2000" b="0" dirty="0">
+                <a:solidFill>
+                  <a:schemeClr val="dk1"/>
+                </a:solidFill>
+                <a:latin typeface="+mn-lt"/>
+                <a:ea typeface="+mn-ea"/>
+                <a:cs typeface="+mn-cs"/>
+              </a:rPr>
+              <a:t>Need</a:t>
+            </a:r>
+            <a:endParaRPr lang="en-GB" sz="2000" b="0" dirty="0">
+              <a:solidFill>
+                <a:schemeClr val="dk1"/>
+              </a:solidFill>
+              <a:latin typeface="+mn-lt"/>
+              <a:ea typeface="+mn-ea"/>
+              <a:cs typeface="+mn-cs"/>
+            </a:endParaRPr>
+          </a:p>
+        </p:txBody>
+      </p:sp>
+      <p:sp>
+        <p:nvSpPr>
+          <p:cNvPr id="15" name="TextBox 14">
+            <a:extLst>
+              <a:ext uri="{FF2B5EF4-FFF2-40B4-BE49-F238E27FC236}">
+                <a16:creationId xmlns:a16="http://schemas.microsoft.com/office/drawing/2014/main" id="{0A85F48E-4D2B-DAF1-28CE-BA931F96745F}"/>
+              </a:ext>
+            </a:extLst>
+          </p:cNvPr>
+          <p:cNvSpPr txBox="1"/>
+          <p:nvPr/>
+        </p:nvSpPr>
+        <p:spPr>
+          <a:xfrm>
+            <a:off x="1468526" y="3610647"/>
+            <a:ext cx="816249" cy="400110"/>
+          </a:xfrm>
+          <a:prstGeom prst="rect">
+            <a:avLst/>
+          </a:prstGeom>
+          <a:noFill/>
+        </p:spPr>
+        <p:txBody>
+          <a:bodyPr wrap="none" rtlCol="0">
+            <a:spAutoFit/>
+          </a:bodyPr>
+          <a:lstStyle/>
+          <a:p>
+            <a:r>
+              <a:rPr lang="en-GB" sz="2000" b="0" dirty="0">
+                <a:solidFill>
+                  <a:schemeClr val="dk1"/>
+                </a:solidFill>
+                <a:latin typeface="+mn-lt"/>
+                <a:ea typeface="+mn-ea"/>
+                <a:cs typeface="+mn-cs"/>
+              </a:rPr>
+              <a:t>Total</a:t>
+            </a:r>
+          </a:p>
+        </p:txBody>
+      </p:sp>
+      <p:sp>
+        <p:nvSpPr>
+          <p:cNvPr id="16" name="TextBox 15">
+            <a:extLst>
+              <a:ext uri="{FF2B5EF4-FFF2-40B4-BE49-F238E27FC236}">
+                <a16:creationId xmlns:a16="http://schemas.microsoft.com/office/drawing/2014/main" id="{E70D9D62-8211-1F1E-F49C-EBA3C58E3070}"/>
+              </a:ext>
+            </a:extLst>
+          </p:cNvPr>
+          <p:cNvSpPr txBox="1"/>
+          <p:nvPr/>
+        </p:nvSpPr>
+        <p:spPr>
+          <a:xfrm>
+            <a:off x="4595244" y="3610647"/>
+            <a:ext cx="1266693" cy="400110"/>
+          </a:xfrm>
+          <a:prstGeom prst="rect">
+            <a:avLst/>
+          </a:prstGeom>
+          <a:noFill/>
+        </p:spPr>
+        <p:txBody>
+          <a:bodyPr wrap="none" rtlCol="0">
+            <a:spAutoFit/>
+          </a:bodyPr>
+          <a:lstStyle/>
+          <a:p>
+            <a:r>
+              <a:rPr lang="en-GB" sz="2000" b="0" dirty="0">
+                <a:solidFill>
+                  <a:schemeClr val="dk1"/>
+                </a:solidFill>
+                <a:latin typeface="+mn-lt"/>
+                <a:ea typeface="+mn-ea"/>
+                <a:cs typeface="+mn-cs"/>
+              </a:rPr>
+              <a:t>Available</a:t>
+            </a:r>
+          </a:p>
+        </p:txBody>
+      </p:sp>
+      <p:graphicFrame>
+        <p:nvGraphicFramePr>
+          <p:cNvPr id="2" name="Object 3">
+            <a:extLst>
+              <a:ext uri="{FF2B5EF4-FFF2-40B4-BE49-F238E27FC236}">
+                <a16:creationId xmlns:a16="http://schemas.microsoft.com/office/drawing/2014/main" id="{06E861FC-D68E-CD7A-71ED-F7EE3565A007}"/>
+              </a:ext>
+            </a:extLst>
+          </p:cNvPr>
+          <p:cNvGraphicFramePr>
+            <a:graphicFrameLocks noChangeAspect="1"/>
+          </p:cNvGraphicFramePr>
+          <p:nvPr/>
+        </p:nvGraphicFramePr>
+        <p:xfrm>
+          <a:off x="7804943" y="1067093"/>
+          <a:ext cx="2982913" cy="2874963"/>
+        </p:xfrm>
+        <a:graphic>
+          <a:graphicData uri="http://schemas.openxmlformats.org/presentationml/2006/ole">
+            <mc:AlternateContent xmlns:mc="http://schemas.openxmlformats.org/markup-compatibility/2006">
+              <mc:Choice xmlns:v="urn:schemas-microsoft-com:vml" Requires="v">
+                <p:oleObj name="Equation" r:id="rId6" imgW="1396800" imgH="1346040" progId="Equation.3">
+                  <p:embed/>
+                </p:oleObj>
+              </mc:Choice>
+              <mc:Fallback>
+                <p:oleObj name="Equation" r:id="rId6" imgW="1396800" imgH="1346040" progId="Equation.3">
+                  <p:embed/>
+                  <p:pic>
+                    <p:nvPicPr>
+                      <p:cNvPr id="2" name="Object 3">
+                        <a:extLst>
+                          <a:ext uri="{FF2B5EF4-FFF2-40B4-BE49-F238E27FC236}">
+                            <a16:creationId xmlns:a16="http://schemas.microsoft.com/office/drawing/2014/main" id="{06E861FC-D68E-CD7A-71ED-F7EE3565A007}"/>
+                          </a:ext>
+                        </a:extLst>
+                      </p:cNvPr>
+                      <p:cNvPicPr>
+                        <a:picLocks noChangeAspect="1" noChangeArrowheads="1"/>
+                      </p:cNvPicPr>
+                      <p:nvPr/>
+                    </p:nvPicPr>
+                    <p:blipFill>
+                      <a:blip r:embed="rId7">
+                        <a:extLst>
+                          <a:ext uri="{28A0092B-C50C-407E-A947-70E740481C1C}">
+                            <a14:useLocalDpi xmlns:a14="http://schemas.microsoft.com/office/drawing/2010/main" val="0"/>
+                          </a:ext>
+                        </a:extLst>
+                      </a:blip>
+                      <a:srcRect/>
+                      <a:stretch>
+                        <a:fillRect/>
+                      </a:stretch>
+                    </p:blipFill>
+                    <p:spPr bwMode="auto">
+                      <a:xfrm>
+                        <a:off x="7804943" y="1067093"/>
+                        <a:ext cx="2982913" cy="2874963"/>
+                      </a:xfrm>
+                      <a:prstGeom prst="rect">
+                        <a:avLst/>
+                      </a:prstGeom>
+                      <a:noFill/>
+                      <a:extLst>
+                        <a:ext uri="{909E8E84-426E-40DD-AFC4-6F175D3DCCD1}">
+                          <a14:hiddenFill xmlns:a14="http://schemas.microsoft.com/office/drawing/2010/main">
+                            <a:solidFill>
+                              <a:srgbClr val="FFFFFF"/>
+                            </a:solidFill>
+                          </a14:hiddenFill>
+                        </a:ext>
+                      </a:extLst>
+                    </p:spPr>
+                  </p:pic>
+                </p:oleObj>
+              </mc:Fallback>
+            </mc:AlternateContent>
+          </a:graphicData>
+        </a:graphic>
+      </p:graphicFrame>
+      <p:sp>
+        <p:nvSpPr>
+          <p:cNvPr id="4" name="TextBox 3">
+            <a:extLst>
+              <a:ext uri="{FF2B5EF4-FFF2-40B4-BE49-F238E27FC236}">
+                <a16:creationId xmlns:a16="http://schemas.microsoft.com/office/drawing/2014/main" id="{1C3B234D-8EEF-69B8-F734-88CCB6B9D4FA}"/>
+              </a:ext>
+            </a:extLst>
+          </p:cNvPr>
+          <p:cNvSpPr txBox="1"/>
+          <p:nvPr/>
+        </p:nvSpPr>
+        <p:spPr>
+          <a:xfrm>
+            <a:off x="8453623" y="1050011"/>
+            <a:ext cx="351378" cy="492443"/>
+          </a:xfrm>
+          <a:prstGeom prst="rect">
+            <a:avLst/>
+          </a:prstGeom>
+          <a:solidFill>
+            <a:schemeClr val="bg1"/>
+          </a:solidFill>
+        </p:spPr>
+        <p:txBody>
+          <a:bodyPr wrap="none" rtlCol="0">
+            <a:spAutoFit/>
+          </a:bodyPr>
+          <a:lstStyle/>
+          <a:p>
+            <a:r>
+              <a:rPr lang="en-US" sz="2500" dirty="0">
+                <a:latin typeface="Gill Sans Light"/>
+              </a:rPr>
+              <a:t>0</a:t>
+            </a:r>
+            <a:endParaRPr lang="en-SE" sz="2500" dirty="0">
+              <a:latin typeface="Gill Sans Light"/>
+            </a:endParaRPr>
+          </a:p>
+        </p:txBody>
+      </p:sp>
+      <p:sp>
+        <p:nvSpPr>
+          <p:cNvPr id="5" name="TextBox 4">
+            <a:extLst>
+              <a:ext uri="{FF2B5EF4-FFF2-40B4-BE49-F238E27FC236}">
+                <a16:creationId xmlns:a16="http://schemas.microsoft.com/office/drawing/2014/main" id="{72E01D1F-5A27-8335-31EE-5669FD06E7E6}"/>
+              </a:ext>
+            </a:extLst>
+          </p:cNvPr>
+          <p:cNvSpPr txBox="1"/>
+          <p:nvPr/>
+        </p:nvSpPr>
+        <p:spPr>
+          <a:xfrm>
+            <a:off x="8942884" y="1050011"/>
+            <a:ext cx="344966" cy="477054"/>
+          </a:xfrm>
+          <a:prstGeom prst="rect">
+            <a:avLst/>
+          </a:prstGeom>
+          <a:solidFill>
+            <a:schemeClr val="bg1"/>
+          </a:solidFill>
+        </p:spPr>
+        <p:txBody>
+          <a:bodyPr wrap="none" rtlCol="0">
+            <a:spAutoFit/>
+          </a:bodyPr>
+          <a:lstStyle/>
+          <a:p>
+            <a:r>
+              <a:rPr lang="en-US" sz="2500" dirty="0">
+                <a:latin typeface="Gill Sans Light"/>
+              </a:rPr>
+              <a:t>1</a:t>
+            </a:r>
+            <a:endParaRPr lang="en-SE" sz="2500" dirty="0">
+              <a:latin typeface="Gill Sans Light"/>
+            </a:endParaRPr>
+          </a:p>
+        </p:txBody>
+      </p:sp>
+      <p:sp>
+        <p:nvSpPr>
+          <p:cNvPr id="6" name="TextBox 5">
+            <a:extLst>
+              <a:ext uri="{FF2B5EF4-FFF2-40B4-BE49-F238E27FC236}">
+                <a16:creationId xmlns:a16="http://schemas.microsoft.com/office/drawing/2014/main" id="{DA8E8214-3FB5-91B2-80F8-17484AD63877}"/>
+              </a:ext>
+            </a:extLst>
+          </p:cNvPr>
+          <p:cNvSpPr txBox="1"/>
+          <p:nvPr/>
+        </p:nvSpPr>
+        <p:spPr>
+          <a:xfrm>
+            <a:off x="8915400" y="1527065"/>
+            <a:ext cx="351378" cy="492443"/>
+          </a:xfrm>
+          <a:prstGeom prst="rect">
+            <a:avLst/>
+          </a:prstGeom>
+          <a:solidFill>
+            <a:schemeClr val="bg1"/>
+          </a:solidFill>
+        </p:spPr>
+        <p:txBody>
+          <a:bodyPr wrap="none" rtlCol="0">
+            <a:spAutoFit/>
+          </a:bodyPr>
+          <a:lstStyle/>
+          <a:p>
+            <a:r>
+              <a:rPr lang="en-US" sz="2500" dirty="0">
+                <a:latin typeface="Gill Sans Light"/>
+              </a:rPr>
+              <a:t>0</a:t>
+            </a:r>
+            <a:endParaRPr lang="en-SE" sz="2500" dirty="0">
+              <a:latin typeface="Gill Sans Light"/>
+            </a:endParaRPr>
+          </a:p>
+        </p:txBody>
+      </p:sp>
+      <p:sp>
+        <p:nvSpPr>
+          <p:cNvPr id="7" name="TextBox 6">
+            <a:extLst>
+              <a:ext uri="{FF2B5EF4-FFF2-40B4-BE49-F238E27FC236}">
+                <a16:creationId xmlns:a16="http://schemas.microsoft.com/office/drawing/2014/main" id="{2CF4D9F6-2C29-49FE-7478-9A969ED09A4D}"/>
+              </a:ext>
+            </a:extLst>
+          </p:cNvPr>
+          <p:cNvSpPr txBox="1"/>
+          <p:nvPr/>
+        </p:nvSpPr>
+        <p:spPr>
+          <a:xfrm>
+            <a:off x="9404661" y="1527065"/>
+            <a:ext cx="344966" cy="477054"/>
+          </a:xfrm>
+          <a:prstGeom prst="rect">
+            <a:avLst/>
+          </a:prstGeom>
+          <a:solidFill>
+            <a:schemeClr val="bg1"/>
+          </a:solidFill>
+        </p:spPr>
+        <p:txBody>
+          <a:bodyPr wrap="none" rtlCol="0">
+            <a:spAutoFit/>
+          </a:bodyPr>
+          <a:lstStyle/>
+          <a:p>
+            <a:r>
+              <a:rPr lang="en-US" sz="2500" dirty="0">
+                <a:latin typeface="Gill Sans Light"/>
+              </a:rPr>
+              <a:t>1</a:t>
+            </a:r>
+            <a:endParaRPr lang="en-SE" sz="2500" dirty="0">
+              <a:latin typeface="Gill Sans Light"/>
+            </a:endParaRPr>
+          </a:p>
+        </p:txBody>
+      </p:sp>
+      <p:sp>
+        <p:nvSpPr>
+          <p:cNvPr id="8" name="TextBox 7">
+            <a:extLst>
+              <a:ext uri="{FF2B5EF4-FFF2-40B4-BE49-F238E27FC236}">
+                <a16:creationId xmlns:a16="http://schemas.microsoft.com/office/drawing/2014/main" id="{FE8F3498-9404-66C7-7A8C-A363B3A1D1C4}"/>
+              </a:ext>
+            </a:extLst>
+          </p:cNvPr>
+          <p:cNvSpPr txBox="1"/>
+          <p:nvPr/>
+        </p:nvSpPr>
+        <p:spPr>
+          <a:xfrm>
+            <a:off x="9395178" y="2030813"/>
+            <a:ext cx="351378" cy="492443"/>
+          </a:xfrm>
+          <a:prstGeom prst="rect">
+            <a:avLst/>
+          </a:prstGeom>
+          <a:solidFill>
+            <a:schemeClr val="bg1"/>
+          </a:solidFill>
+        </p:spPr>
+        <p:txBody>
+          <a:bodyPr wrap="none" rtlCol="0">
+            <a:spAutoFit/>
+          </a:bodyPr>
+          <a:lstStyle/>
+          <a:p>
+            <a:r>
+              <a:rPr lang="en-US" sz="2500" dirty="0">
+                <a:latin typeface="Gill Sans Light"/>
+              </a:rPr>
+              <a:t>0</a:t>
+            </a:r>
+            <a:endParaRPr lang="en-SE" sz="2500" dirty="0">
+              <a:latin typeface="Gill Sans Light"/>
+            </a:endParaRPr>
+          </a:p>
+        </p:txBody>
+      </p:sp>
+      <p:sp>
+        <p:nvSpPr>
+          <p:cNvPr id="9" name="TextBox 8">
+            <a:extLst>
+              <a:ext uri="{FF2B5EF4-FFF2-40B4-BE49-F238E27FC236}">
+                <a16:creationId xmlns:a16="http://schemas.microsoft.com/office/drawing/2014/main" id="{27B164E4-6F67-B54A-0C81-6B60DEA49553}"/>
+              </a:ext>
+            </a:extLst>
+          </p:cNvPr>
+          <p:cNvSpPr txBox="1"/>
+          <p:nvPr/>
+        </p:nvSpPr>
+        <p:spPr>
+          <a:xfrm>
+            <a:off x="9884439" y="2030813"/>
+            <a:ext cx="344966" cy="477054"/>
+          </a:xfrm>
+          <a:prstGeom prst="rect">
+            <a:avLst/>
+          </a:prstGeom>
+          <a:solidFill>
+            <a:schemeClr val="bg1"/>
+          </a:solidFill>
+        </p:spPr>
+        <p:txBody>
+          <a:bodyPr wrap="none" rtlCol="0">
+            <a:spAutoFit/>
+          </a:bodyPr>
+          <a:lstStyle/>
+          <a:p>
+            <a:r>
+              <a:rPr lang="en-US" sz="2500" dirty="0">
+                <a:latin typeface="Gill Sans Light"/>
+              </a:rPr>
+              <a:t>1</a:t>
+            </a:r>
+            <a:endParaRPr lang="en-SE" sz="2500" dirty="0">
+              <a:latin typeface="Gill Sans Light"/>
+            </a:endParaRPr>
+          </a:p>
+        </p:txBody>
+      </p:sp>
+      <p:sp>
+        <p:nvSpPr>
+          <p:cNvPr id="10" name="TextBox 9">
+            <a:extLst>
+              <a:ext uri="{FF2B5EF4-FFF2-40B4-BE49-F238E27FC236}">
+                <a16:creationId xmlns:a16="http://schemas.microsoft.com/office/drawing/2014/main" id="{16D58D34-74BD-42DF-3A70-43B8633A4CD7}"/>
+              </a:ext>
+            </a:extLst>
+          </p:cNvPr>
+          <p:cNvSpPr txBox="1"/>
+          <p:nvPr/>
+        </p:nvSpPr>
+        <p:spPr>
+          <a:xfrm>
+            <a:off x="9909973" y="2498338"/>
+            <a:ext cx="351378" cy="492443"/>
+          </a:xfrm>
+          <a:prstGeom prst="rect">
+            <a:avLst/>
+          </a:prstGeom>
+          <a:solidFill>
+            <a:schemeClr val="bg1"/>
+          </a:solidFill>
+        </p:spPr>
+        <p:txBody>
+          <a:bodyPr wrap="none" rtlCol="0">
+            <a:spAutoFit/>
+          </a:bodyPr>
+          <a:lstStyle/>
+          <a:p>
+            <a:r>
+              <a:rPr lang="en-US" sz="2500" dirty="0">
+                <a:latin typeface="Gill Sans Light"/>
+              </a:rPr>
+              <a:t>0</a:t>
+            </a:r>
+            <a:endParaRPr lang="en-SE" sz="2500" dirty="0">
+              <a:latin typeface="Gill Sans Light"/>
+            </a:endParaRPr>
+          </a:p>
+        </p:txBody>
+      </p:sp>
+      <p:sp>
+        <p:nvSpPr>
+          <p:cNvPr id="17" name="TextBox 16">
+            <a:extLst>
+              <a:ext uri="{FF2B5EF4-FFF2-40B4-BE49-F238E27FC236}">
+                <a16:creationId xmlns:a16="http://schemas.microsoft.com/office/drawing/2014/main" id="{0E492909-AC0F-0BD3-E533-A97C8A3E879C}"/>
+              </a:ext>
+            </a:extLst>
+          </p:cNvPr>
+          <p:cNvSpPr txBox="1"/>
+          <p:nvPr/>
+        </p:nvSpPr>
+        <p:spPr>
+          <a:xfrm>
+            <a:off x="10309578" y="2498338"/>
+            <a:ext cx="344966" cy="477054"/>
+          </a:xfrm>
+          <a:prstGeom prst="rect">
+            <a:avLst/>
+          </a:prstGeom>
+          <a:solidFill>
+            <a:schemeClr val="bg1"/>
+          </a:solidFill>
+        </p:spPr>
+        <p:txBody>
+          <a:bodyPr wrap="none" rtlCol="0">
+            <a:spAutoFit/>
+          </a:bodyPr>
+          <a:lstStyle/>
+          <a:p>
+            <a:r>
+              <a:rPr lang="en-US" sz="2500" dirty="0">
+                <a:latin typeface="Gill Sans Light"/>
+              </a:rPr>
+              <a:t>1</a:t>
+            </a:r>
+            <a:endParaRPr lang="en-SE" sz="2500" dirty="0">
+              <a:latin typeface="Gill Sans Light"/>
+            </a:endParaRPr>
+          </a:p>
+        </p:txBody>
+      </p:sp>
+      <p:sp>
+        <p:nvSpPr>
+          <p:cNvPr id="18" name="TextBox 17">
+            <a:extLst>
+              <a:ext uri="{FF2B5EF4-FFF2-40B4-BE49-F238E27FC236}">
+                <a16:creationId xmlns:a16="http://schemas.microsoft.com/office/drawing/2014/main" id="{85C8CC8B-4443-B8A2-86A7-4BFFCC5566BD}"/>
+              </a:ext>
+            </a:extLst>
+          </p:cNvPr>
+          <p:cNvSpPr txBox="1"/>
+          <p:nvPr/>
+        </p:nvSpPr>
+        <p:spPr>
+          <a:xfrm>
+            <a:off x="8456829" y="2990781"/>
+            <a:ext cx="344966" cy="477054"/>
+          </a:xfrm>
+          <a:prstGeom prst="rect">
+            <a:avLst/>
+          </a:prstGeom>
+          <a:solidFill>
+            <a:schemeClr val="bg1"/>
+          </a:solidFill>
+        </p:spPr>
+        <p:txBody>
+          <a:bodyPr wrap="none" rtlCol="0">
+            <a:spAutoFit/>
+          </a:bodyPr>
+          <a:lstStyle/>
+          <a:p>
+            <a:r>
+              <a:rPr lang="en-US" sz="2500" dirty="0">
+                <a:latin typeface="Gill Sans Light"/>
+              </a:rPr>
+              <a:t>1</a:t>
+            </a:r>
+            <a:endParaRPr lang="en-SE" sz="2500" dirty="0">
+              <a:latin typeface="Gill Sans Light"/>
+            </a:endParaRPr>
+          </a:p>
+        </p:txBody>
+      </p:sp>
+      <mc:AlternateContent xmlns:mc="http://schemas.openxmlformats.org/markup-compatibility/2006">
+        <mc:Choice xmlns:a14="http://schemas.microsoft.com/office/drawing/2010/main" Requires="a14">
+          <p:sp>
+            <p:nvSpPr>
+              <p:cNvPr id="19" name="TextBox 18">
+                <a:extLst>
+                  <a:ext uri="{FF2B5EF4-FFF2-40B4-BE49-F238E27FC236}">
+                    <a16:creationId xmlns:a16="http://schemas.microsoft.com/office/drawing/2014/main" id="{45D4E9EC-CABB-0565-2361-B3660D3C53F7}"/>
+                  </a:ext>
+                </a:extLst>
+              </p:cNvPr>
+              <p:cNvSpPr txBox="1"/>
+              <p:nvPr/>
+            </p:nvSpPr>
+            <p:spPr>
+              <a:xfrm>
+                <a:off x="6955947" y="2013210"/>
+                <a:ext cx="1181606" cy="523220"/>
+              </a:xfrm>
+              <a:prstGeom prst="rect">
+                <a:avLst/>
+              </a:prstGeom>
+              <a:solidFill>
+                <a:schemeClr val="bg1"/>
+              </a:solidFill>
+            </p:spPr>
+            <p:txBody>
+              <a:bodyPr wrap="none" rtlCol="0">
+                <a:spAutoFit/>
+              </a:bodyPr>
+              <a:lstStyle/>
+              <a:p>
+                <a:pPr/>
+                <a14:m>
+                  <m:oMathPara xmlns:m="http://schemas.openxmlformats.org/officeDocument/2006/math">
+                    <m:oMathParaPr>
+                      <m:jc m:val="centerGroup"/>
+                    </m:oMathParaPr>
+                    <m:oMath xmlns:m="http://schemas.openxmlformats.org/officeDocument/2006/math">
+                      <m:r>
+                        <a:rPr lang="en-US" sz="2800" i="1" dirty="0" smtClean="0">
+                          <a:latin typeface="Cambria Math" panose="02040503050406030204" pitchFamily="18" charset="0"/>
+                        </a:rPr>
+                        <m:t>𝑅</m:t>
+                      </m:r>
+                      <m:r>
+                        <a:rPr lang="en-GB" sz="2800" i="1" dirty="0" smtClean="0">
+                          <a:latin typeface="Cambria Math" panose="02040503050406030204" pitchFamily="18" charset="0"/>
+                        </a:rPr>
+                        <m:t>−</m:t>
+                      </m:r>
+                      <m:r>
+                        <a:rPr lang="en-GB" sz="2800" i="1" dirty="0" smtClean="0">
+                          <a:latin typeface="Cambria Math" panose="02040503050406030204" pitchFamily="18" charset="0"/>
+                        </a:rPr>
+                        <m:t>𝐶</m:t>
+                      </m:r>
+                    </m:oMath>
+                  </m:oMathPara>
+                </a14:m>
+                <a:endParaRPr lang="en-SE" sz="2800" dirty="0">
+                  <a:latin typeface="Gill Sans Light"/>
+                </a:endParaRPr>
+              </a:p>
+            </p:txBody>
+          </p:sp>
+        </mc:Choice>
+        <mc:Fallback>
+          <p:sp>
+            <p:nvSpPr>
+              <p:cNvPr id="19" name="TextBox 18">
+                <a:extLst>
+                  <a:ext uri="{FF2B5EF4-FFF2-40B4-BE49-F238E27FC236}">
+                    <a16:creationId xmlns:a16="http://schemas.microsoft.com/office/drawing/2014/main" id="{45D4E9EC-CABB-0565-2361-B3660D3C53F7}"/>
+                  </a:ext>
+                </a:extLst>
+              </p:cNvPr>
+              <p:cNvSpPr txBox="1">
+                <a:spLocks noRot="1" noChangeAspect="1" noMove="1" noResize="1" noEditPoints="1" noAdjustHandles="1" noChangeArrowheads="1" noChangeShapeType="1" noTextEdit="1"/>
+              </p:cNvSpPr>
+              <p:nvPr/>
+            </p:nvSpPr>
+            <p:spPr>
+              <a:xfrm>
+                <a:off x="6955947" y="2013210"/>
+                <a:ext cx="1181606" cy="523220"/>
+              </a:xfrm>
+              <a:prstGeom prst="rect">
+                <a:avLst/>
+              </a:prstGeom>
+              <a:blipFill>
+                <a:blip r:embed="rId8"/>
+                <a:stretch>
+                  <a:fillRect/>
+                </a:stretch>
+              </a:blipFill>
+            </p:spPr>
+            <p:txBody>
+              <a:bodyPr/>
+              <a:lstStyle/>
+              <a:p>
+                <a:r>
+                  <a:rPr lang="en-SE">
+                    <a:noFill/>
+                  </a:rPr>
+                  <a:t> </a:t>
+                </a:r>
+              </a:p>
+            </p:txBody>
+          </p:sp>
+        </mc:Fallback>
+      </mc:AlternateContent>
+      <p:graphicFrame>
+        <p:nvGraphicFramePr>
+          <p:cNvPr id="128006" name="Object 3"/>
+          <p:cNvGraphicFramePr>
+            <a:graphicFrameLocks noChangeAspect="1"/>
+          </p:cNvGraphicFramePr>
+          <p:nvPr/>
+        </p:nvGraphicFramePr>
+        <p:xfrm>
+          <a:off x="1003299" y="1163636"/>
+          <a:ext cx="2982912" cy="2387600"/>
+        </p:xfrm>
+        <a:graphic>
+          <a:graphicData uri="http://schemas.openxmlformats.org/presentationml/2006/ole">
+            <mc:AlternateContent xmlns:mc="http://schemas.openxmlformats.org/markup-compatibility/2006">
+              <mc:Choice xmlns:v="urn:schemas-microsoft-com:vml" Requires="v">
+                <p:oleObj name="Equation" r:id="rId9" imgW="1396800" imgH="1117440" progId="Equation.3">
+                  <p:embed/>
+                </p:oleObj>
+              </mc:Choice>
+              <mc:Fallback>
+                <p:oleObj name="Equation" r:id="rId9" imgW="1396800" imgH="1117440" progId="Equation.3">
+                  <p:embed/>
+                  <p:pic>
+                    <p:nvPicPr>
+                      <p:cNvPr id="128006" name="Object 3"/>
+                      <p:cNvPicPr>
+                        <a:picLocks noChangeAspect="1" noChangeArrowheads="1"/>
+                      </p:cNvPicPr>
+                      <p:nvPr/>
+                    </p:nvPicPr>
+                    <p:blipFill>
+                      <a:blip r:embed="rId10">
+                        <a:extLst>
+                          <a:ext uri="{28A0092B-C50C-407E-A947-70E740481C1C}">
+                            <a14:useLocalDpi xmlns:a14="http://schemas.microsoft.com/office/drawing/2010/main" val="0"/>
+                          </a:ext>
+                        </a:extLst>
+                      </a:blip>
+                      <a:srcRect/>
+                      <a:stretch>
+                        <a:fillRect/>
+                      </a:stretch>
+                    </p:blipFill>
+                    <p:spPr bwMode="auto">
+                      <a:xfrm>
+                        <a:off x="1003299" y="1163636"/>
+                        <a:ext cx="2982912" cy="2387600"/>
+                      </a:xfrm>
+                      <a:prstGeom prst="rect">
+                        <a:avLst/>
+                      </a:prstGeom>
+                      <a:noFill/>
+                      <a:extLst>
+                        <a:ext uri="{909E8E84-426E-40DD-AFC4-6F175D3DCCD1}">
+                          <a14:hiddenFill xmlns:a14="http://schemas.microsoft.com/office/drawing/2010/main">
+                            <a:solidFill>
+                              <a:srgbClr val="FFFFFF"/>
+                            </a:solidFill>
+                          </a14:hiddenFill>
+                        </a:ext>
+                      </a:extLst>
+                    </p:spPr>
+                  </p:pic>
+                </p:oleObj>
+              </mc:Fallback>
+            </mc:AlternateContent>
+          </a:graphicData>
+        </a:graphic>
+      </p:graphicFrame>
+      <p:graphicFrame>
+        <p:nvGraphicFramePr>
+          <p:cNvPr id="128007" name="Object 3"/>
+          <p:cNvGraphicFramePr>
+            <a:graphicFrameLocks noChangeAspect="1"/>
+          </p:cNvGraphicFramePr>
+          <p:nvPr/>
+        </p:nvGraphicFramePr>
+        <p:xfrm>
+          <a:off x="4179887" y="1163637"/>
+          <a:ext cx="2982913" cy="2874963"/>
+        </p:xfrm>
+        <a:graphic>
+          <a:graphicData uri="http://schemas.openxmlformats.org/presentationml/2006/ole">
+            <mc:AlternateContent xmlns:mc="http://schemas.openxmlformats.org/markup-compatibility/2006">
+              <mc:Choice xmlns:v="urn:schemas-microsoft-com:vml" Requires="v">
+                <p:oleObj name="Equation" r:id="rId6" imgW="1396800" imgH="1346040" progId="Equation.3">
+                  <p:embed/>
+                </p:oleObj>
+              </mc:Choice>
+              <mc:Fallback>
+                <p:oleObj name="Equation" r:id="rId6" imgW="1396800" imgH="1346040" progId="Equation.3">
+                  <p:embed/>
+                  <p:pic>
+                    <p:nvPicPr>
+                      <p:cNvPr id="128007" name="Object 3"/>
+                      <p:cNvPicPr>
+                        <a:picLocks noChangeAspect="1" noChangeArrowheads="1"/>
+                      </p:cNvPicPr>
+                      <p:nvPr/>
+                    </p:nvPicPr>
+                    <p:blipFill>
+                      <a:blip r:embed="rId7">
+                        <a:extLst>
+                          <a:ext uri="{28A0092B-C50C-407E-A947-70E740481C1C}">
+                            <a14:useLocalDpi xmlns:a14="http://schemas.microsoft.com/office/drawing/2010/main" val="0"/>
+                          </a:ext>
+                        </a:extLst>
+                      </a:blip>
+                      <a:srcRect/>
+                      <a:stretch>
+                        <a:fillRect/>
+                      </a:stretch>
+                    </p:blipFill>
+                    <p:spPr bwMode="auto">
+                      <a:xfrm>
+                        <a:off x="4179887" y="1163637"/>
+                        <a:ext cx="2982913" cy="2874963"/>
+                      </a:xfrm>
+                      <a:prstGeom prst="rect">
+                        <a:avLst/>
+                      </a:prstGeom>
+                      <a:noFill/>
+                      <a:extLst>
+                        <a:ext uri="{909E8E84-426E-40DD-AFC4-6F175D3DCCD1}">
+                          <a14:hiddenFill xmlns:a14="http://schemas.microsoft.com/office/drawing/2010/main">
+                            <a:solidFill>
+                              <a:srgbClr val="FFFFFF"/>
+                            </a:solidFill>
+                          </a14:hiddenFill>
+                        </a:ext>
+                      </a:extLst>
+                    </p:spPr>
+                  </p:pic>
+                </p:oleObj>
+              </mc:Fallback>
+            </mc:AlternateContent>
+          </a:graphicData>
+        </a:graphic>
+      </p:graphicFrame>
+      <p:sp>
+        <p:nvSpPr>
+          <p:cNvPr id="13" name="TextBox 12">
+            <a:extLst>
+              <a:ext uri="{FF2B5EF4-FFF2-40B4-BE49-F238E27FC236}">
+                <a16:creationId xmlns:a16="http://schemas.microsoft.com/office/drawing/2014/main" id="{72DBE40B-C37E-C8D3-9D0B-8C48393558F5}"/>
+              </a:ext>
+            </a:extLst>
+          </p:cNvPr>
+          <p:cNvSpPr txBox="1"/>
+          <p:nvPr/>
+        </p:nvSpPr>
+        <p:spPr>
+          <a:xfrm>
+            <a:off x="2385678" y="693586"/>
+            <a:ext cx="692818" cy="400110"/>
+          </a:xfrm>
+          <a:prstGeom prst="rect">
+            <a:avLst/>
+          </a:prstGeom>
+          <a:noFill/>
+        </p:spPr>
+        <p:txBody>
+          <a:bodyPr wrap="none" rtlCol="0">
+            <a:spAutoFit/>
+          </a:bodyPr>
+          <a:lstStyle/>
+          <a:p>
+            <a:r>
+              <a:rPr lang="en-GB" sz="2000" b="0" dirty="0">
+                <a:solidFill>
+                  <a:schemeClr val="dk1"/>
+                </a:solidFill>
+                <a:latin typeface="+mn-lt"/>
+                <a:ea typeface="+mn-ea"/>
+                <a:cs typeface="+mn-cs"/>
+              </a:rPr>
+              <a:t>Max</a:t>
+            </a:r>
+          </a:p>
+        </p:txBody>
+      </p:sp>
+      <p:sp>
+        <p:nvSpPr>
+          <p:cNvPr id="14" name="TextBox 13">
+            <a:extLst>
+              <a:ext uri="{FF2B5EF4-FFF2-40B4-BE49-F238E27FC236}">
+                <a16:creationId xmlns:a16="http://schemas.microsoft.com/office/drawing/2014/main" id="{5F63CBFE-61EF-B700-4D81-5BDE32A5AFDE}"/>
+              </a:ext>
+            </a:extLst>
+          </p:cNvPr>
+          <p:cNvSpPr txBox="1"/>
+          <p:nvPr/>
+        </p:nvSpPr>
+        <p:spPr>
+          <a:xfrm>
+            <a:off x="5094287" y="693586"/>
+            <a:ext cx="1372492" cy="400110"/>
+          </a:xfrm>
+          <a:prstGeom prst="rect">
+            <a:avLst/>
+          </a:prstGeom>
+          <a:noFill/>
+        </p:spPr>
+        <p:txBody>
+          <a:bodyPr wrap="none" rtlCol="0">
+            <a:spAutoFit/>
+          </a:bodyPr>
+          <a:lstStyle/>
+          <a:p>
+            <a:r>
+              <a:rPr lang="en-GB" sz="2000" b="0" dirty="0">
+                <a:solidFill>
+                  <a:schemeClr val="dk1"/>
+                </a:solidFill>
+                <a:latin typeface="+mn-lt"/>
+                <a:ea typeface="+mn-ea"/>
+                <a:cs typeface="+mn-cs"/>
+              </a:rPr>
+              <a:t>Allocation</a:t>
+            </a:r>
+          </a:p>
+        </p:txBody>
+      </p:sp>
+      <p:sp>
+        <p:nvSpPr>
+          <p:cNvPr id="20" name="TextBox 19">
+            <a:extLst>
+              <a:ext uri="{FF2B5EF4-FFF2-40B4-BE49-F238E27FC236}">
+                <a16:creationId xmlns:a16="http://schemas.microsoft.com/office/drawing/2014/main" id="{07A88EC0-AFB4-5912-5848-75A0D718DF59}"/>
+              </a:ext>
+            </a:extLst>
+          </p:cNvPr>
+          <p:cNvSpPr txBox="1"/>
+          <p:nvPr/>
+        </p:nvSpPr>
+        <p:spPr>
+          <a:xfrm>
+            <a:off x="10318503" y="2990781"/>
+            <a:ext cx="344966" cy="477054"/>
+          </a:xfrm>
+          <a:prstGeom prst="rect">
+            <a:avLst/>
+          </a:prstGeom>
+          <a:solidFill>
+            <a:schemeClr val="bg1"/>
+          </a:solidFill>
+        </p:spPr>
+        <p:txBody>
+          <a:bodyPr wrap="none" rtlCol="0">
+            <a:spAutoFit/>
+          </a:bodyPr>
+          <a:lstStyle/>
+          <a:p>
+            <a:r>
+              <a:rPr lang="en-US" sz="2500" dirty="0">
+                <a:latin typeface="Gill Sans Light"/>
+              </a:rPr>
+              <a:t>1</a:t>
+            </a:r>
+            <a:endParaRPr lang="en-SE" sz="2500" dirty="0">
+              <a:latin typeface="Gill Sans Light"/>
+            </a:endParaRPr>
+          </a:p>
+        </p:txBody>
+      </p:sp>
+      <p:graphicFrame>
+        <p:nvGraphicFramePr>
+          <p:cNvPr id="3" name="Content Placeholder 5">
+            <a:extLst>
+              <a:ext uri="{FF2B5EF4-FFF2-40B4-BE49-F238E27FC236}">
+                <a16:creationId xmlns:a16="http://schemas.microsoft.com/office/drawing/2014/main" id="{AA265A89-5866-B501-86D7-8D41859F0403}"/>
+              </a:ext>
+            </a:extLst>
+          </p:cNvPr>
+          <p:cNvGraphicFramePr>
+            <a:graphicFrameLocks/>
+          </p:cNvGraphicFramePr>
+          <p:nvPr/>
+        </p:nvGraphicFramePr>
+        <p:xfrm>
+          <a:off x="8091273" y="4084320"/>
+          <a:ext cx="3310566" cy="2773680"/>
+        </p:xfrm>
+        <a:graphic>
+          <a:graphicData uri="http://schemas.openxmlformats.org/drawingml/2006/table">
+            <a:tbl>
+              <a:tblPr firstRow="1" bandRow="1">
+                <a:tableStyleId>{5940675A-B579-460E-94D1-54222C63F5DA}</a:tableStyleId>
+              </a:tblPr>
+              <a:tblGrid>
+                <a:gridCol w="551761">
+                  <a:extLst>
+                    <a:ext uri="{9D8B030D-6E8A-4147-A177-3AD203B41FA5}">
+                      <a16:colId xmlns:a16="http://schemas.microsoft.com/office/drawing/2014/main" val="1619986141"/>
+                    </a:ext>
+                  </a:extLst>
+                </a:gridCol>
+                <a:gridCol w="551761">
+                  <a:extLst>
+                    <a:ext uri="{9D8B030D-6E8A-4147-A177-3AD203B41FA5}">
+                      <a16:colId xmlns:a16="http://schemas.microsoft.com/office/drawing/2014/main" val="3558990718"/>
+                    </a:ext>
+                  </a:extLst>
+                </a:gridCol>
+                <a:gridCol w="551761">
+                  <a:extLst>
+                    <a:ext uri="{9D8B030D-6E8A-4147-A177-3AD203B41FA5}">
+                      <a16:colId xmlns:a16="http://schemas.microsoft.com/office/drawing/2014/main" val="2817522056"/>
+                    </a:ext>
+                  </a:extLst>
+                </a:gridCol>
+                <a:gridCol w="551761">
+                  <a:extLst>
+                    <a:ext uri="{9D8B030D-6E8A-4147-A177-3AD203B41FA5}">
+                      <a16:colId xmlns:a16="http://schemas.microsoft.com/office/drawing/2014/main" val="27933147"/>
+                    </a:ext>
+                  </a:extLst>
+                </a:gridCol>
+                <a:gridCol w="551761">
+                  <a:extLst>
+                    <a:ext uri="{9D8B030D-6E8A-4147-A177-3AD203B41FA5}">
+                      <a16:colId xmlns:a16="http://schemas.microsoft.com/office/drawing/2014/main" val="2599289334"/>
+                    </a:ext>
+                  </a:extLst>
+                </a:gridCol>
+                <a:gridCol w="551761">
+                  <a:extLst>
+                    <a:ext uri="{9D8B030D-6E8A-4147-A177-3AD203B41FA5}">
+                      <a16:colId xmlns:a16="http://schemas.microsoft.com/office/drawing/2014/main" val="3771836003"/>
+                    </a:ext>
+                  </a:extLst>
+                </a:gridCol>
+              </a:tblGrid>
+              <a:tr h="370840">
+                <a:tc>
+                  <a:txBody>
+                    <a:bodyPr/>
+                    <a:lstStyle/>
+                    <a:p>
+                      <a:pPr algn="ctr"/>
+                      <a:endParaRPr lang="en-SE" sz="2000" dirty="0"/>
+                    </a:p>
+                  </a:txBody>
+                  <a:tcPr>
+                    <a:solidFill>
+                      <a:schemeClr val="bg1">
+                        <a:lumMod val="95000"/>
+                      </a:schemeClr>
+                    </a:solidFill>
+                  </a:tcPr>
+                </a:tc>
+                <a:tc>
+                  <a:txBody>
+                    <a:bodyPr/>
+                    <a:lstStyle/>
+                    <a:p>
+                      <a:pPr algn="ctr"/>
+                      <a:r>
+                        <a:rPr lang="en-GB" sz="2000" dirty="0"/>
+                        <a:t>R1</a:t>
+                      </a:r>
+                      <a:endParaRPr lang="en-SE" sz="2000" dirty="0"/>
+                    </a:p>
+                  </a:txBody>
+                  <a:tcPr>
+                    <a:solidFill>
+                      <a:schemeClr val="bg1">
+                        <a:lumMod val="95000"/>
+                      </a:schemeClr>
+                    </a:solidFill>
+                  </a:tcPr>
+                </a:tc>
+                <a:tc>
+                  <a:txBody>
+                    <a:bodyPr/>
+                    <a:lstStyle/>
+                    <a:p>
+                      <a:pPr algn="ctr"/>
+                      <a:r>
+                        <a:rPr lang="en-GB" sz="2000" dirty="0"/>
+                        <a:t>R2</a:t>
+                      </a:r>
+                      <a:endParaRPr lang="en-SE" sz="2000" dirty="0"/>
+                    </a:p>
+                  </a:txBody>
+                  <a:tcPr>
+                    <a:solidFill>
+                      <a:schemeClr val="bg1">
+                        <a:lumMod val="95000"/>
+                      </a:schemeClr>
+                    </a:solidFill>
+                  </a:tcPr>
+                </a:tc>
+                <a:tc>
+                  <a:txBody>
+                    <a:bodyPr/>
+                    <a:lstStyle/>
+                    <a:p>
+                      <a:pPr algn="ctr"/>
+                      <a:r>
+                        <a:rPr lang="en-GB" sz="2000" dirty="0"/>
+                        <a:t>R3</a:t>
+                      </a:r>
+                      <a:endParaRPr lang="en-SE" sz="2000" dirty="0"/>
+                    </a:p>
+                  </a:txBody>
+                  <a:tcPr>
+                    <a:solidFill>
+                      <a:schemeClr val="bg1">
+                        <a:lumMod val="95000"/>
+                      </a:schemeClr>
+                    </a:solidFill>
+                  </a:tcPr>
+                </a:tc>
+                <a:tc>
+                  <a:txBody>
+                    <a:bodyPr/>
+                    <a:lstStyle/>
+                    <a:p>
+                      <a:pPr algn="ctr"/>
+                      <a:r>
+                        <a:rPr lang="en-GB" sz="2000" dirty="0"/>
+                        <a:t>R4</a:t>
+                      </a:r>
+                      <a:endParaRPr lang="en-SE" sz="2000" dirty="0"/>
+                    </a:p>
+                  </a:txBody>
+                  <a:tcPr>
+                    <a:solidFill>
+                      <a:schemeClr val="bg1">
+                        <a:lumMod val="95000"/>
+                      </a:schemeClr>
+                    </a:solidFill>
+                  </a:tcPr>
+                </a:tc>
+                <a:tc>
+                  <a:txBody>
+                    <a:bodyPr/>
+                    <a:lstStyle/>
+                    <a:p>
+                      <a:pPr algn="ctr"/>
+                      <a:r>
+                        <a:rPr lang="en-GB" sz="2000" dirty="0"/>
+                        <a:t>R5</a:t>
+                      </a:r>
+                      <a:endParaRPr lang="en-SE" sz="2000" dirty="0"/>
+                    </a:p>
+                  </a:txBody>
+                  <a:tcPr>
+                    <a:solidFill>
+                      <a:schemeClr val="bg1">
+                        <a:lumMod val="95000"/>
+                      </a:schemeClr>
+                    </a:solidFill>
+                  </a:tcPr>
+                </a:tc>
+                <a:extLst>
+                  <a:ext uri="{0D108BD9-81ED-4DB2-BD59-A6C34878D82A}">
+                    <a16:rowId xmlns:a16="http://schemas.microsoft.com/office/drawing/2014/main" val="117063772"/>
+                  </a:ext>
+                </a:extLst>
+              </a:tr>
+              <a:tr h="370840">
+                <a:tc>
+                  <a:txBody>
+                    <a:bodyPr/>
+                    <a:lstStyle/>
+                    <a:p>
+                      <a:pPr algn="ctr"/>
+                      <a:endParaRPr lang="en-SE" sz="2000" dirty="0"/>
+                    </a:p>
+                  </a:txBody>
+                  <a:tcPr>
+                    <a:solidFill>
+                      <a:schemeClr val="bg1">
+                        <a:lumMod val="95000"/>
+                      </a:schemeClr>
+                    </a:solidFill>
+                  </a:tcPr>
+                </a:tc>
+                <a:tc>
+                  <a:txBody>
+                    <a:bodyPr/>
+                    <a:lstStyle/>
+                    <a:p>
+                      <a:pPr algn="ctr"/>
+                      <a:r>
+                        <a:rPr lang="en-GB" sz="2000" dirty="0"/>
+                        <a:t>0</a:t>
+                      </a:r>
+                      <a:endParaRPr lang="en-SE" sz="2000" dirty="0"/>
+                    </a:p>
+                  </a:txBody>
+                  <a:tcPr/>
+                </a:tc>
+                <a:tc>
+                  <a:txBody>
+                    <a:bodyPr/>
+                    <a:lstStyle/>
+                    <a:p>
+                      <a:pPr algn="ctr"/>
+                      <a:r>
+                        <a:rPr lang="en-GB" sz="2000" dirty="0"/>
+                        <a:t>0</a:t>
+                      </a:r>
+                      <a:endParaRPr lang="en-SE" sz="2000" dirty="0"/>
+                    </a:p>
+                  </a:txBody>
+                  <a:tcPr/>
+                </a:tc>
+                <a:tc>
+                  <a:txBody>
+                    <a:bodyPr/>
+                    <a:lstStyle/>
+                    <a:p>
+                      <a:pPr algn="ctr"/>
+                      <a:r>
+                        <a:rPr lang="en-GB" sz="2000" dirty="0"/>
+                        <a:t>0</a:t>
+                      </a:r>
+                      <a:endParaRPr lang="en-SE" sz="2000" dirty="0"/>
+                    </a:p>
+                  </a:txBody>
+                  <a:tcPr/>
+                </a:tc>
+                <a:tc>
+                  <a:txBody>
+                    <a:bodyPr/>
+                    <a:lstStyle/>
+                    <a:p>
+                      <a:pPr algn="ctr"/>
+                      <a:r>
+                        <a:rPr lang="en-GB" sz="2000" dirty="0"/>
+                        <a:t>0</a:t>
+                      </a:r>
+                      <a:endParaRPr lang="en-SE" sz="2000" dirty="0"/>
+                    </a:p>
+                  </a:txBody>
+                  <a:tcPr/>
+                </a:tc>
+                <a:tc>
+                  <a:txBody>
+                    <a:bodyPr/>
+                    <a:lstStyle/>
+                    <a:p>
+                      <a:pPr algn="ctr"/>
+                      <a:r>
+                        <a:rPr lang="en-GB" sz="2000" dirty="0"/>
+                        <a:t>1</a:t>
+                      </a:r>
+                      <a:endParaRPr lang="en-SE" sz="2000" dirty="0"/>
+                    </a:p>
+                  </a:txBody>
+                  <a:tcPr/>
+                </a:tc>
+                <a:extLst>
+                  <a:ext uri="{0D108BD9-81ED-4DB2-BD59-A6C34878D82A}">
+                    <a16:rowId xmlns:a16="http://schemas.microsoft.com/office/drawing/2014/main" val="2823243655"/>
+                  </a:ext>
+                </a:extLst>
+              </a:tr>
+              <a:tr h="370840">
+                <a:tc>
+                  <a:txBody>
+                    <a:bodyPr/>
+                    <a:lstStyle/>
+                    <a:p>
+                      <a:pPr algn="ctr"/>
+                      <a:endParaRPr lang="en-SE" sz="2000" dirty="0"/>
+                    </a:p>
+                  </a:txBody>
+                  <a:tcPr>
+                    <a:solidFill>
+                      <a:schemeClr val="bg1">
+                        <a:lumMod val="95000"/>
+                      </a:schemeClr>
+                    </a:solidFill>
+                  </a:tcPr>
+                </a:tc>
+                <a:tc>
+                  <a:txBody>
+                    <a:bodyPr/>
+                    <a:lstStyle/>
+                    <a:p>
+                      <a:pPr algn="ctr"/>
+                      <a:endParaRPr lang="en-SE" sz="2000" dirty="0"/>
+                    </a:p>
+                  </a:txBody>
+                  <a:tcPr/>
+                </a:tc>
+                <a:tc>
+                  <a:txBody>
+                    <a:bodyPr/>
+                    <a:lstStyle/>
+                    <a:p>
+                      <a:pPr algn="ctr"/>
+                      <a:endParaRPr lang="en-SE" sz="2000" dirty="0"/>
+                    </a:p>
+                  </a:txBody>
+                  <a:tcPr/>
+                </a:tc>
+                <a:tc>
+                  <a:txBody>
+                    <a:bodyPr/>
+                    <a:lstStyle/>
+                    <a:p>
+                      <a:pPr algn="ctr"/>
+                      <a:endParaRPr lang="en-SE" sz="2000" dirty="0"/>
+                    </a:p>
+                  </a:txBody>
+                  <a:tcPr/>
+                </a:tc>
+                <a:tc>
+                  <a:txBody>
+                    <a:bodyPr/>
+                    <a:lstStyle/>
+                    <a:p>
+                      <a:pPr algn="ctr"/>
+                      <a:endParaRPr lang="en-SE" sz="2000" dirty="0"/>
+                    </a:p>
+                  </a:txBody>
+                  <a:tcPr/>
+                </a:tc>
+                <a:tc>
+                  <a:txBody>
+                    <a:bodyPr/>
+                    <a:lstStyle/>
+                    <a:p>
+                      <a:pPr algn="ctr"/>
+                      <a:endParaRPr lang="en-SE" sz="2000" dirty="0"/>
+                    </a:p>
+                  </a:txBody>
+                  <a:tcPr/>
+                </a:tc>
+                <a:extLst>
+                  <a:ext uri="{0D108BD9-81ED-4DB2-BD59-A6C34878D82A}">
+                    <a16:rowId xmlns:a16="http://schemas.microsoft.com/office/drawing/2014/main" val="1884641263"/>
+                  </a:ext>
+                </a:extLst>
+              </a:tr>
+              <a:tr h="370840">
+                <a:tc>
+                  <a:txBody>
+                    <a:bodyPr/>
+                    <a:lstStyle/>
+                    <a:p>
+                      <a:pPr algn="ctr"/>
+                      <a:endParaRPr lang="en-SE" sz="2000" dirty="0"/>
+                    </a:p>
+                  </a:txBody>
+                  <a:tcPr>
+                    <a:solidFill>
+                      <a:schemeClr val="bg1">
+                        <a:lumMod val="95000"/>
+                      </a:schemeClr>
+                    </a:solidFill>
+                  </a:tcPr>
+                </a:tc>
+                <a:tc>
+                  <a:txBody>
+                    <a:bodyPr/>
+                    <a:lstStyle/>
+                    <a:p>
+                      <a:pPr algn="ctr"/>
+                      <a:endParaRPr lang="en-SE" sz="2000" dirty="0"/>
+                    </a:p>
+                  </a:txBody>
+                  <a:tcPr/>
+                </a:tc>
+                <a:tc>
+                  <a:txBody>
+                    <a:bodyPr/>
+                    <a:lstStyle/>
+                    <a:p>
+                      <a:pPr algn="ctr"/>
+                      <a:endParaRPr lang="en-SE" sz="2000" dirty="0"/>
+                    </a:p>
+                  </a:txBody>
+                  <a:tcPr/>
+                </a:tc>
+                <a:tc>
+                  <a:txBody>
+                    <a:bodyPr/>
+                    <a:lstStyle/>
+                    <a:p>
+                      <a:pPr algn="ctr"/>
+                      <a:endParaRPr lang="en-SE" sz="2000" dirty="0"/>
+                    </a:p>
+                  </a:txBody>
+                  <a:tcPr/>
+                </a:tc>
+                <a:tc>
+                  <a:txBody>
+                    <a:bodyPr/>
+                    <a:lstStyle/>
+                    <a:p>
+                      <a:pPr algn="ctr"/>
+                      <a:endParaRPr lang="en-SE" sz="2000" dirty="0"/>
+                    </a:p>
+                  </a:txBody>
+                  <a:tcPr/>
+                </a:tc>
+                <a:tc>
+                  <a:txBody>
+                    <a:bodyPr/>
+                    <a:lstStyle/>
+                    <a:p>
+                      <a:pPr algn="ctr"/>
+                      <a:endParaRPr lang="en-SE" sz="2000" dirty="0"/>
+                    </a:p>
+                  </a:txBody>
+                  <a:tcPr/>
+                </a:tc>
+                <a:extLst>
+                  <a:ext uri="{0D108BD9-81ED-4DB2-BD59-A6C34878D82A}">
+                    <a16:rowId xmlns:a16="http://schemas.microsoft.com/office/drawing/2014/main" val="3030728590"/>
+                  </a:ext>
+                </a:extLst>
+              </a:tr>
+              <a:tr h="370840">
+                <a:tc>
+                  <a:txBody>
+                    <a:bodyPr/>
+                    <a:lstStyle/>
+                    <a:p>
+                      <a:pPr algn="ctr"/>
+                      <a:endParaRPr lang="en-SE" sz="2000" dirty="0"/>
+                    </a:p>
+                  </a:txBody>
+                  <a:tcPr>
+                    <a:solidFill>
+                      <a:schemeClr val="bg1">
+                        <a:lumMod val="95000"/>
+                      </a:schemeClr>
+                    </a:solidFill>
+                  </a:tcPr>
+                </a:tc>
+                <a:tc>
+                  <a:txBody>
+                    <a:bodyPr/>
+                    <a:lstStyle/>
+                    <a:p>
+                      <a:pPr algn="ctr"/>
+                      <a:endParaRPr lang="en-SE" sz="2000" dirty="0"/>
+                    </a:p>
+                  </a:txBody>
+                  <a:tcPr/>
+                </a:tc>
+                <a:tc>
+                  <a:txBody>
+                    <a:bodyPr/>
+                    <a:lstStyle/>
+                    <a:p>
+                      <a:pPr algn="ctr"/>
+                      <a:endParaRPr lang="en-SE" sz="2000" dirty="0"/>
+                    </a:p>
+                  </a:txBody>
+                  <a:tcPr/>
+                </a:tc>
+                <a:tc>
+                  <a:txBody>
+                    <a:bodyPr/>
+                    <a:lstStyle/>
+                    <a:p>
+                      <a:pPr algn="ctr"/>
+                      <a:endParaRPr lang="en-SE" sz="2000" dirty="0"/>
+                    </a:p>
+                  </a:txBody>
+                  <a:tcPr/>
+                </a:tc>
+                <a:tc>
+                  <a:txBody>
+                    <a:bodyPr/>
+                    <a:lstStyle/>
+                    <a:p>
+                      <a:pPr algn="ctr"/>
+                      <a:endParaRPr lang="en-SE" sz="2000" dirty="0"/>
+                    </a:p>
+                  </a:txBody>
+                  <a:tcPr/>
+                </a:tc>
+                <a:tc>
+                  <a:txBody>
+                    <a:bodyPr/>
+                    <a:lstStyle/>
+                    <a:p>
+                      <a:pPr algn="ctr"/>
+                      <a:endParaRPr lang="en-SE" sz="2000" dirty="0"/>
+                    </a:p>
+                  </a:txBody>
+                  <a:tcPr/>
+                </a:tc>
+                <a:extLst>
+                  <a:ext uri="{0D108BD9-81ED-4DB2-BD59-A6C34878D82A}">
+                    <a16:rowId xmlns:a16="http://schemas.microsoft.com/office/drawing/2014/main" val="3263484799"/>
+                  </a:ext>
+                </a:extLst>
+              </a:tr>
+              <a:tr h="370840">
+                <a:tc>
+                  <a:txBody>
+                    <a:bodyPr/>
+                    <a:lstStyle/>
+                    <a:p>
+                      <a:pPr algn="ctr"/>
+                      <a:endParaRPr lang="en-SE" sz="2000" dirty="0"/>
+                    </a:p>
+                  </a:txBody>
+                  <a:tcPr>
+                    <a:solidFill>
+                      <a:schemeClr val="bg1">
+                        <a:lumMod val="95000"/>
+                      </a:schemeClr>
+                    </a:solidFill>
+                  </a:tcPr>
+                </a:tc>
+                <a:tc>
+                  <a:txBody>
+                    <a:bodyPr/>
+                    <a:lstStyle/>
+                    <a:p>
+                      <a:pPr algn="ctr"/>
+                      <a:endParaRPr lang="en-SE" sz="2000" dirty="0"/>
+                    </a:p>
+                  </a:txBody>
+                  <a:tcPr/>
+                </a:tc>
+                <a:tc>
+                  <a:txBody>
+                    <a:bodyPr/>
+                    <a:lstStyle/>
+                    <a:p>
+                      <a:pPr algn="ctr"/>
+                      <a:endParaRPr lang="en-SE" sz="2000" dirty="0"/>
+                    </a:p>
+                  </a:txBody>
+                  <a:tcPr/>
+                </a:tc>
+                <a:tc>
+                  <a:txBody>
+                    <a:bodyPr/>
+                    <a:lstStyle/>
+                    <a:p>
+                      <a:pPr algn="ctr"/>
+                      <a:endParaRPr lang="en-SE" sz="2000" dirty="0"/>
+                    </a:p>
+                  </a:txBody>
+                  <a:tcPr/>
+                </a:tc>
+                <a:tc>
+                  <a:txBody>
+                    <a:bodyPr/>
+                    <a:lstStyle/>
+                    <a:p>
+                      <a:pPr algn="ctr"/>
+                      <a:endParaRPr lang="en-SE" sz="2000" dirty="0"/>
+                    </a:p>
+                  </a:txBody>
+                  <a:tcPr/>
+                </a:tc>
+                <a:tc>
+                  <a:txBody>
+                    <a:bodyPr/>
+                    <a:lstStyle/>
+                    <a:p>
+                      <a:pPr algn="ctr"/>
+                      <a:endParaRPr lang="en-SE" sz="2000" dirty="0"/>
+                    </a:p>
+                  </a:txBody>
+                  <a:tcPr/>
+                </a:tc>
+                <a:extLst>
+                  <a:ext uri="{0D108BD9-81ED-4DB2-BD59-A6C34878D82A}">
+                    <a16:rowId xmlns:a16="http://schemas.microsoft.com/office/drawing/2014/main" val="1117599685"/>
+                  </a:ext>
+                </a:extLst>
+              </a:tr>
+              <a:tr h="370840">
+                <a:tc>
+                  <a:txBody>
+                    <a:bodyPr/>
+                    <a:lstStyle/>
+                    <a:p>
+                      <a:pPr algn="ctr"/>
+                      <a:endParaRPr lang="en-SE" sz="2000" dirty="0"/>
+                    </a:p>
+                  </a:txBody>
+                  <a:tcPr>
+                    <a:solidFill>
+                      <a:schemeClr val="bg1">
+                        <a:lumMod val="95000"/>
+                      </a:schemeClr>
+                    </a:solidFill>
+                  </a:tcPr>
+                </a:tc>
+                <a:tc>
+                  <a:txBody>
+                    <a:bodyPr/>
+                    <a:lstStyle/>
+                    <a:p>
+                      <a:pPr algn="ctr"/>
+                      <a:endParaRPr lang="en-SE" sz="2000" dirty="0"/>
+                    </a:p>
+                  </a:txBody>
+                  <a:tcPr/>
+                </a:tc>
+                <a:tc>
+                  <a:txBody>
+                    <a:bodyPr/>
+                    <a:lstStyle/>
+                    <a:p>
+                      <a:pPr algn="ctr"/>
+                      <a:endParaRPr lang="en-SE" sz="2000" dirty="0"/>
+                    </a:p>
+                  </a:txBody>
+                  <a:tcPr/>
+                </a:tc>
+                <a:tc>
+                  <a:txBody>
+                    <a:bodyPr/>
+                    <a:lstStyle/>
+                    <a:p>
+                      <a:pPr algn="ctr"/>
+                      <a:endParaRPr lang="en-SE" sz="2000" dirty="0"/>
+                    </a:p>
+                  </a:txBody>
+                  <a:tcPr/>
+                </a:tc>
+                <a:tc>
+                  <a:txBody>
+                    <a:bodyPr/>
+                    <a:lstStyle/>
+                    <a:p>
+                      <a:pPr algn="ctr"/>
+                      <a:endParaRPr lang="en-SE" sz="2000" dirty="0"/>
+                    </a:p>
+                  </a:txBody>
+                  <a:tcPr/>
+                </a:tc>
+                <a:tc>
+                  <a:txBody>
+                    <a:bodyPr/>
+                    <a:lstStyle/>
+                    <a:p>
+                      <a:pPr algn="ctr"/>
+                      <a:endParaRPr lang="en-SE" sz="2000" dirty="0"/>
+                    </a:p>
+                  </a:txBody>
+                  <a:tcPr/>
+                </a:tc>
+                <a:extLst>
+                  <a:ext uri="{0D108BD9-81ED-4DB2-BD59-A6C34878D82A}">
+                    <a16:rowId xmlns:a16="http://schemas.microsoft.com/office/drawing/2014/main" val="3349827769"/>
+                  </a:ext>
+                </a:extLst>
+              </a:tr>
+            </a:tbl>
+          </a:graphicData>
+        </a:graphic>
+      </p:graphicFrame>
+      <p:sp>
+        <p:nvSpPr>
+          <p:cNvPr id="21" name="TextBox 20">
+            <a:extLst>
+              <a:ext uri="{FF2B5EF4-FFF2-40B4-BE49-F238E27FC236}">
+                <a16:creationId xmlns:a16="http://schemas.microsoft.com/office/drawing/2014/main" id="{17F2632B-010E-7595-9FB6-99BB3A75B80A}"/>
+              </a:ext>
+            </a:extLst>
+          </p:cNvPr>
+          <p:cNvSpPr txBox="1"/>
+          <p:nvPr/>
+        </p:nvSpPr>
+        <p:spPr>
+          <a:xfrm>
+            <a:off x="8231879" y="3406455"/>
+            <a:ext cx="3169960" cy="646331"/>
+          </a:xfrm>
+          <a:prstGeom prst="rect">
+            <a:avLst/>
+          </a:prstGeom>
+          <a:noFill/>
+        </p:spPr>
+        <p:txBody>
+          <a:bodyPr wrap="square" rtlCol="0">
+            <a:spAutoFit/>
+          </a:bodyPr>
+          <a:lstStyle/>
+          <a:p>
+            <a:r>
+              <a:rPr lang="en-GB" b="0" dirty="0">
+                <a:solidFill>
+                  <a:schemeClr val="dk1"/>
+                </a:solidFill>
+                <a:latin typeface="+mn-lt"/>
+                <a:ea typeface="+mn-ea"/>
+                <a:cs typeface="+mn-cs"/>
+              </a:rPr>
+              <a:t>Available resources after completion of each process</a:t>
+            </a:r>
+          </a:p>
+        </p:txBody>
+      </p:sp>
+    </p:spTree>
+  </p:cSld>
+  <p:clrMapOvr>
+    <a:masterClrMapping/>
+  </p:clrMapOvr>
+</p:sld>
+</file>
+
+<file path=ppt/slides/slide3.xml><?xml version="1.0" encoding="utf-8"?>
 <p:sld xmlns:a="http://schemas.openxmlformats.org/drawingml/2006/main" xmlns:r="http://schemas.openxmlformats.org/officeDocument/2006/relationships" xmlns:p="http://schemas.openxmlformats.org/presentationml/2006/main">
   <p:cSld>
     <p:spTree>
@@ -4308,7 +7497,7 @@
           <a:effectLst/>
           <a:extLst>
             <a:ext uri="{AF507438-7753-43e0-B8FC-AC1667EBCBE1}">
-              <a14:hiddenEffects xmlns:a14="http://schemas.microsoft.com/office/drawing/2010/main" xmlns="">
+              <a14:hiddenEffects xmlns="" xmlns:a14="http://schemas.microsoft.com/office/drawing/2010/main">
                 <a:effectLst>
                   <a:outerShdw dist="35921" dir="2700000" algn="ctr" rotWithShape="0">
                     <a:schemeClr val="bg2"/>
@@ -4359,7 +7548,7 @@
 </p:sld>
 </file>
 
-<file path=ppt/slides/slide3.xml><?xml version="1.0" encoding="utf-8"?>
+<file path=ppt/slides/slide4.xml><?xml version="1.0" encoding="utf-8"?>
 <p:sld xmlns:a="http://schemas.openxmlformats.org/drawingml/2006/main" xmlns:r="http://schemas.openxmlformats.org/officeDocument/2006/relationships" xmlns:p="http://schemas.openxmlformats.org/presentationml/2006/main">
   <p:cSld>
     <p:spTree>
@@ -5471,17 +8660,17 @@
           <a:effectLst/>
           <a:extLst>
             <a:ext uri="{FAA26D3D-D897-4be2-8F04-BA451C77F1D7}">
-              <ma14:placeholderFlag xmlns="" xmlns:ma14="http://schemas.microsoft.com/office/mac/drawingml/2011/main" val="1"/>
+              <ma14:placeholderFlag xmlns:ma14="http://schemas.microsoft.com/office/mac/drawingml/2011/main" xmlns="" val="1"/>
             </a:ext>
             <a:ext uri="{909E8E84-426E-40dd-AFC4-6F175D3DCCD1}">
-              <a14:hiddenFill xmlns="" xmlns:a14="http://schemas.microsoft.com/office/drawing/2010/main">
+              <a14:hiddenFill xmlns:a14="http://schemas.microsoft.com/office/drawing/2010/main" xmlns="">
                 <a:solidFill>
                   <a:schemeClr val="bg1"/>
                 </a:solidFill>
               </a14:hiddenFill>
             </a:ext>
             <a:ext uri="{91240B29-F687-4f45-9708-019B960494DF}">
-              <a14:hiddenLine xmlns="" xmlns:a14="http://schemas.microsoft.com/office/drawing/2010/main" w="12700">
+              <a14:hiddenLine xmlns:a14="http://schemas.microsoft.com/office/drawing/2010/main" xmlns="" w="12700">
                 <a:pattFill prst="narHorz">
                   <a:fgClr>
                     <a:schemeClr val="tx1"/>
@@ -5496,7 +8685,7 @@
               </a14:hiddenLine>
             </a:ext>
             <a:ext uri="{AF507438-7753-43e0-B8FC-AC1667EBCBE1}">
-              <a14:hiddenEffects xmlns="" xmlns:a14="http://schemas.microsoft.com/office/drawing/2010/main">
+              <a14:hiddenEffects xmlns:a14="http://schemas.microsoft.com/office/drawing/2010/main" xmlns="">
                 <a:effectLst>
                   <a:outerShdw blurRad="63500" dist="38099" dir="2700000" algn="ctr" rotWithShape="0">
                     <a:schemeClr val="bg2">
@@ -5719,7 +8908,7 @@
 </p:sld>
 </file>
 
-<file path=ppt/slides/slide4.xml><?xml version="1.0" encoding="utf-8"?>
+<file path=ppt/slides/slide5.xml><?xml version="1.0" encoding="utf-8"?>
 <p:sld xmlns:a="http://schemas.openxmlformats.org/drawingml/2006/main" xmlns:r="http://schemas.openxmlformats.org/officeDocument/2006/relationships" xmlns:p="http://schemas.openxmlformats.org/presentationml/2006/main">
   <p:cSld>
     <p:spTree>
@@ -5808,7 +8997,7 @@
 </p:sld>
 </file>
 
-<file path=ppt/slides/slide5.xml><?xml version="1.0" encoding="utf-8"?>
+<file path=ppt/slides/slide6.xml><?xml version="1.0" encoding="utf-8"?>
 <p:sld xmlns:a="http://schemas.openxmlformats.org/drawingml/2006/main" xmlns:r="http://schemas.openxmlformats.org/officeDocument/2006/relationships" xmlns:p="http://schemas.openxmlformats.org/presentationml/2006/main">
   <p:cSld>
     <p:spTree>
@@ -5943,7 +9132,7 @@
 </p:sld>
 </file>
 
-<file path=ppt/slides/slide6.xml><?xml version="1.0" encoding="utf-8"?>
+<file path=ppt/slides/slide7.xml><?xml version="1.0" encoding="utf-8"?>
 <p:sld xmlns:a="http://schemas.openxmlformats.org/drawingml/2006/main" xmlns:r="http://schemas.openxmlformats.org/officeDocument/2006/relationships" xmlns:p="http://schemas.openxmlformats.org/presentationml/2006/main">
   <p:cSld>
     <p:spTree>
@@ -6087,7 +9276,7 @@
 </p:sld>
 </file>
 
-<file path=ppt/slides/slide7.xml><?xml version="1.0" encoding="utf-8"?>
+<file path=ppt/slides/slide8.xml><?xml version="1.0" encoding="utf-8"?>
 <p:sld xmlns:a="http://schemas.openxmlformats.org/drawingml/2006/main" xmlns:r="http://schemas.openxmlformats.org/officeDocument/2006/relationships" xmlns:p="http://schemas.openxmlformats.org/presentationml/2006/main">
   <p:cSld>
     <p:spTree>
@@ -6233,7 +9422,7 @@
 </p:sld>
 </file>
 
-<file path=ppt/slides/slide8.xml><?xml version="1.0" encoding="utf-8"?>
+<file path=ppt/slides/slide9.xml><?xml version="1.0" encoding="utf-8"?>
 <p:sld xmlns:a="http://schemas.openxmlformats.org/drawingml/2006/main" xmlns:r="http://schemas.openxmlformats.org/officeDocument/2006/relationships" xmlns:p="http://schemas.openxmlformats.org/presentationml/2006/main">
   <p:cSld>
     <p:spTree>
@@ -7744,1195 +10933,6 @@
 </p:sld>
 </file>
 
-<file path=ppt/slides/slide9.xml><?xml version="1.0" encoding="utf-8"?>
-<p:sld xmlns:a="http://schemas.openxmlformats.org/drawingml/2006/main" xmlns:r="http://schemas.openxmlformats.org/officeDocument/2006/relationships" xmlns:p="http://schemas.openxmlformats.org/presentationml/2006/main">
-  <p:cSld>
-    <p:spTree>
-      <p:nvGrpSpPr>
-        <p:cNvPr id="1" name=""/>
-        <p:cNvGrpSpPr/>
-        <p:nvPr/>
-      </p:nvGrpSpPr>
-      <p:grpSpPr>
-        <a:xfrm>
-          <a:off x="0" y="0"/>
-          <a:ext cx="0" cy="0"/>
-          <a:chOff x="0" y="0"/>
-          <a:chExt cx="0" cy="0"/>
-        </a:xfrm>
-      </p:grpSpPr>
-      <p:sp>
-        <p:nvSpPr>
-          <p:cNvPr id="2" name="Title 1">
-            <a:extLst>
-              <a:ext uri="{FF2B5EF4-FFF2-40B4-BE49-F238E27FC236}">
-                <a16:creationId xmlns:a16="http://schemas.microsoft.com/office/drawing/2014/main" id="{7A13D3F3-6935-47F2-C47D-DA6888C12654}"/>
-              </a:ext>
-            </a:extLst>
-          </p:cNvPr>
-          <p:cNvSpPr>
-            <a:spLocks noGrp="1"/>
-          </p:cNvSpPr>
-          <p:nvPr>
-            <p:ph type="title"/>
-          </p:nvPr>
-        </p:nvSpPr>
-        <p:spPr>
-          <a:xfrm>
-            <a:off x="1320800" y="152400"/>
-            <a:ext cx="5461000" cy="533400"/>
-          </a:xfrm>
-        </p:spPr>
-        <p:txBody>
-          <a:bodyPr/>
-          <a:lstStyle/>
-          <a:p>
-            <a:r>
-              <a:rPr lang="en-GB" dirty="0"/>
-              <a:t>Quiz: Deadlocks II</a:t>
-            </a:r>
-            <a:endParaRPr lang="en-SE" dirty="0"/>
-          </a:p>
-        </p:txBody>
-      </p:sp>
-      <p:sp>
-        <p:nvSpPr>
-          <p:cNvPr id="3" name="Content Placeholder 2">
-            <a:extLst>
-              <a:ext uri="{FF2B5EF4-FFF2-40B4-BE49-F238E27FC236}">
-                <a16:creationId xmlns:a16="http://schemas.microsoft.com/office/drawing/2014/main" id="{30D2229F-2CFC-9FAC-679A-B3EF4E2F81A2}"/>
-              </a:ext>
-            </a:extLst>
-          </p:cNvPr>
-          <p:cNvSpPr>
-            <a:spLocks noGrp="1"/>
-          </p:cNvSpPr>
-          <p:nvPr>
-            <p:ph idx="1"/>
-          </p:nvPr>
-        </p:nvSpPr>
-        <p:spPr>
-          <a:xfrm>
-            <a:off x="330487" y="914400"/>
-            <a:ext cx="5994114" cy="5105400"/>
-          </a:xfrm>
-        </p:spPr>
-        <p:txBody>
-          <a:bodyPr>
-            <a:normAutofit/>
-          </a:bodyPr>
-          <a:lstStyle/>
-          <a:p>
-            <a:r>
-              <a:rPr lang="en-GB" dirty="0"/>
-              <a:t>Is there a possible </a:t>
-            </a:r>
-            <a:r>
-              <a:rPr lang="en-GB"/>
-              <a:t>deadlock?</a:t>
-            </a:r>
-            <a:endParaRPr lang="en-GB" dirty="0"/>
-          </a:p>
-          <a:p>
-            <a:endParaRPr lang="en-GB" dirty="0"/>
-          </a:p>
-          <a:p>
-            <a:endParaRPr lang="en-SE" dirty="0"/>
-          </a:p>
-        </p:txBody>
-      </p:sp>
-      <p:sp>
-        <p:nvSpPr>
-          <p:cNvPr id="5" name="object 9">
-            <a:extLst>
-              <a:ext uri="{FF2B5EF4-FFF2-40B4-BE49-F238E27FC236}">
-                <a16:creationId xmlns:a16="http://schemas.microsoft.com/office/drawing/2014/main" id="{6AC16764-0F2D-B238-9D81-900B4D251691}"/>
-              </a:ext>
-            </a:extLst>
-          </p:cNvPr>
-          <p:cNvSpPr txBox="1"/>
-          <p:nvPr/>
-        </p:nvSpPr>
-        <p:spPr>
-          <a:xfrm>
-            <a:off x="6387676" y="846004"/>
-            <a:ext cx="5632900" cy="5049458"/>
-          </a:xfrm>
-          <a:prstGeom prst="rect">
-            <a:avLst/>
-          </a:prstGeom>
-        </p:spPr>
-        <p:txBody>
-          <a:bodyPr vert="horz" wrap="square" lIns="0" tIns="55244" rIns="0" bIns="0" rtlCol="0">
-            <a:spAutoFit/>
-          </a:bodyPr>
-          <a:lstStyle/>
-          <a:p>
-            <a:pPr marL="133350" eaLnBrk="1" fontAlgn="auto" hangingPunct="1">
-              <a:spcBef>
-                <a:spcPts val="434"/>
-              </a:spcBef>
-              <a:spcAft>
-                <a:spcPts val="0"/>
-              </a:spcAft>
-              <a:tabLst>
-                <a:tab pos="532765" algn="l"/>
-              </a:tabLst>
-            </a:pPr>
-            <a:r>
-              <a:rPr sz="1200" b="0" kern="0" spc="-50" dirty="0">
-                <a:solidFill>
-                  <a:sysClr val="windowText" lastClr="000000"/>
-                </a:solidFill>
-                <a:latin typeface="Arial MT"/>
-                <a:cs typeface="Arial MT"/>
-              </a:rPr>
-              <a:t>1</a:t>
-            </a:r>
-            <a:r>
-              <a:rPr sz="1200" b="0" kern="0" dirty="0">
-                <a:solidFill>
-                  <a:sysClr val="windowText" lastClr="000000"/>
-                </a:solidFill>
-                <a:latin typeface="Arial MT"/>
-                <a:cs typeface="Arial MT"/>
-              </a:rPr>
-              <a:t>	</a:t>
-            </a:r>
-            <a:r>
-              <a:rPr sz="1400" b="0" kern="0" dirty="0">
-                <a:solidFill>
-                  <a:sysClr val="windowText" lastClr="000000"/>
-                </a:solidFill>
-                <a:latin typeface="Courier New"/>
-                <a:cs typeface="Courier New"/>
-              </a:rPr>
-              <a:t>Semaphore</a:t>
-            </a:r>
-            <a:r>
-              <a:rPr sz="1400" b="0" kern="0" spc="-5" dirty="0">
-                <a:solidFill>
-                  <a:sysClr val="windowText" lastClr="000000"/>
-                </a:solidFill>
-                <a:latin typeface="Courier New"/>
-                <a:cs typeface="Courier New"/>
-              </a:rPr>
-              <a:t> </a:t>
-            </a:r>
-            <a:r>
-              <a:rPr sz="1400" b="0" kern="0" dirty="0">
-                <a:solidFill>
-                  <a:sysClr val="windowText" lastClr="000000"/>
-                </a:solidFill>
-                <a:latin typeface="Courier New"/>
-                <a:cs typeface="Courier New"/>
-              </a:rPr>
-              <a:t>L1=1,</a:t>
-            </a:r>
-            <a:r>
-              <a:rPr sz="1400" b="0" kern="0" spc="-40" dirty="0">
-                <a:solidFill>
-                  <a:sysClr val="windowText" lastClr="000000"/>
-                </a:solidFill>
-                <a:latin typeface="Courier New"/>
-                <a:cs typeface="Courier New"/>
-              </a:rPr>
-              <a:t> </a:t>
-            </a:r>
-            <a:r>
-              <a:rPr sz="1400" b="0" kern="0" dirty="0">
-                <a:solidFill>
-                  <a:sysClr val="windowText" lastClr="000000"/>
-                </a:solidFill>
-                <a:latin typeface="Courier New"/>
-                <a:cs typeface="Courier New"/>
-              </a:rPr>
-              <a:t>L2=1,</a:t>
-            </a:r>
-            <a:r>
-              <a:rPr sz="1400" b="0" kern="0" spc="-40" dirty="0">
-                <a:solidFill>
-                  <a:sysClr val="windowText" lastClr="000000"/>
-                </a:solidFill>
-                <a:latin typeface="Courier New"/>
-                <a:cs typeface="Courier New"/>
-              </a:rPr>
-              <a:t> </a:t>
-            </a:r>
-            <a:r>
-              <a:rPr sz="1400" b="0" kern="0" spc="-10" dirty="0">
-                <a:solidFill>
-                  <a:sysClr val="windowText" lastClr="000000"/>
-                </a:solidFill>
-                <a:latin typeface="Courier New"/>
-                <a:cs typeface="Courier New"/>
-              </a:rPr>
-              <a:t>L3=1;</a:t>
-            </a:r>
-            <a:endParaRPr sz="1400" b="0" kern="0" dirty="0">
-              <a:solidFill>
-                <a:sysClr val="windowText" lastClr="000000"/>
-              </a:solidFill>
-              <a:latin typeface="Courier New"/>
-              <a:cs typeface="Courier New"/>
-            </a:endParaRPr>
-          </a:p>
-          <a:p>
-            <a:pPr marL="133350" eaLnBrk="1" fontAlgn="auto" hangingPunct="1">
-              <a:spcBef>
-                <a:spcPts val="295"/>
-              </a:spcBef>
-              <a:spcAft>
-                <a:spcPts val="0"/>
-              </a:spcAft>
-            </a:pPr>
-            <a:r>
-              <a:rPr sz="1200" b="0" kern="0" spc="-50" dirty="0">
-                <a:solidFill>
-                  <a:sysClr val="windowText" lastClr="000000"/>
-                </a:solidFill>
-                <a:latin typeface="Arial MT"/>
-                <a:cs typeface="Arial MT"/>
-              </a:rPr>
-              <a:t>2</a:t>
-            </a:r>
-            <a:endParaRPr sz="1200" b="0" kern="0" dirty="0">
-              <a:solidFill>
-                <a:sysClr val="windowText" lastClr="000000"/>
-              </a:solidFill>
-              <a:latin typeface="Arial MT"/>
-              <a:cs typeface="Arial MT"/>
-            </a:endParaRPr>
-          </a:p>
-          <a:p>
-            <a:pPr marL="511175" indent="-377825" eaLnBrk="1" fontAlgn="auto" hangingPunct="1">
-              <a:spcBef>
-                <a:spcPts val="130"/>
-              </a:spcBef>
-              <a:spcAft>
-                <a:spcPts val="0"/>
-              </a:spcAft>
-              <a:buSzPct val="90476"/>
-              <a:buFont typeface="Arial MT"/>
-              <a:buAutoNum type="arabicPlain" startAt="3"/>
-              <a:tabLst>
-                <a:tab pos="511175" algn="l"/>
-              </a:tabLst>
-            </a:pPr>
-            <a:r>
-              <a:rPr sz="1400" b="0" i="1" kern="0" dirty="0">
-                <a:solidFill>
-                  <a:sysClr val="windowText" lastClr="000000"/>
-                </a:solidFill>
-                <a:latin typeface="Courier New"/>
-                <a:cs typeface="Courier New"/>
-              </a:rPr>
-              <a:t>// Thread </a:t>
-            </a:r>
-            <a:r>
-              <a:rPr sz="1400" b="0" i="1" kern="0" spc="-25" dirty="0">
-                <a:solidFill>
-                  <a:sysClr val="windowText" lastClr="000000"/>
-                </a:solidFill>
-                <a:latin typeface="Courier New"/>
-                <a:cs typeface="Courier New"/>
-              </a:rPr>
-              <a:t>1:</a:t>
-            </a:r>
-            <a:endParaRPr sz="1400" b="0" kern="0" dirty="0">
-              <a:solidFill>
-                <a:sysClr val="windowText" lastClr="000000"/>
-              </a:solidFill>
-              <a:latin typeface="Courier New"/>
-              <a:cs typeface="Courier New"/>
-            </a:endParaRPr>
-          </a:p>
-          <a:p>
-            <a:pPr marL="530225" indent="-396875" eaLnBrk="1" fontAlgn="auto" hangingPunct="1">
-              <a:spcBef>
-                <a:spcPts val="95"/>
-              </a:spcBef>
-              <a:spcAft>
-                <a:spcPts val="0"/>
-              </a:spcAft>
-              <a:buSzPct val="90476"/>
-              <a:buFont typeface="Arial MT"/>
-              <a:buAutoNum type="arabicPlain" startAt="3"/>
-              <a:tabLst>
-                <a:tab pos="530225" algn="l"/>
-              </a:tabLst>
-            </a:pPr>
-            <a:r>
-              <a:rPr lang="en-GB" sz="1400" b="0" kern="0" spc="-10" dirty="0">
-                <a:solidFill>
-                  <a:sysClr val="windowText" lastClr="000000"/>
-                </a:solidFill>
-                <a:latin typeface="Courier New"/>
-                <a:cs typeface="Courier New"/>
-              </a:rPr>
-              <a:t>L1.wait()</a:t>
-            </a:r>
-            <a:r>
-              <a:rPr sz="1400" b="0" kern="0" spc="-10" dirty="0">
-                <a:solidFill>
-                  <a:sysClr val="windowText" lastClr="000000"/>
-                </a:solidFill>
-                <a:latin typeface="Courier New"/>
-                <a:cs typeface="Courier New"/>
-              </a:rPr>
-              <a:t>;</a:t>
-            </a:r>
-            <a:endParaRPr sz="1400" b="0" kern="0" dirty="0">
-              <a:solidFill>
-                <a:sysClr val="windowText" lastClr="000000"/>
-              </a:solidFill>
-              <a:latin typeface="Courier New"/>
-              <a:cs typeface="Courier New"/>
-            </a:endParaRPr>
-          </a:p>
-          <a:p>
-            <a:pPr marL="530225" indent="-396875" eaLnBrk="1" fontAlgn="auto" hangingPunct="1">
-              <a:spcBef>
-                <a:spcPts val="95"/>
-              </a:spcBef>
-              <a:spcAft>
-                <a:spcPts val="0"/>
-              </a:spcAft>
-              <a:buSzPct val="90476"/>
-              <a:buFont typeface="Arial MT"/>
-              <a:buAutoNum type="arabicPlain" startAt="3"/>
-              <a:tabLst>
-                <a:tab pos="530225" algn="l"/>
-              </a:tabLst>
-            </a:pPr>
-            <a:r>
-              <a:rPr lang="en-GB" sz="1400" b="0" kern="0" spc="-10" dirty="0">
-                <a:solidFill>
-                  <a:sysClr val="windowText" lastClr="000000"/>
-                </a:solidFill>
-                <a:latin typeface="Courier New"/>
-                <a:cs typeface="Courier New"/>
-              </a:rPr>
-              <a:t>L2.wait()</a:t>
-            </a:r>
-            <a:r>
-              <a:rPr sz="1400" b="0" kern="0" spc="-10" dirty="0">
-                <a:solidFill>
-                  <a:sysClr val="windowText" lastClr="000000"/>
-                </a:solidFill>
-                <a:latin typeface="Courier New"/>
-                <a:cs typeface="Courier New"/>
-              </a:rPr>
-              <a:t>;</a:t>
-            </a:r>
-            <a:endParaRPr sz="1400" b="0" kern="0" dirty="0">
-              <a:solidFill>
-                <a:sysClr val="windowText" lastClr="000000"/>
-              </a:solidFill>
-              <a:latin typeface="Courier New"/>
-              <a:cs typeface="Courier New"/>
-            </a:endParaRPr>
-          </a:p>
-          <a:p>
-            <a:pPr marL="511175" indent="-377825" eaLnBrk="1" fontAlgn="auto" hangingPunct="1">
-              <a:spcBef>
-                <a:spcPts val="90"/>
-              </a:spcBef>
-              <a:spcAft>
-                <a:spcPts val="0"/>
-              </a:spcAft>
-              <a:buSzPct val="90476"/>
-              <a:buFont typeface="Arial MT"/>
-              <a:buAutoNum type="arabicPlain" startAt="3"/>
-              <a:tabLst>
-                <a:tab pos="511175" algn="l"/>
-              </a:tabLst>
-            </a:pPr>
-            <a:r>
-              <a:rPr sz="1400" b="0" i="1" kern="0" dirty="0">
-                <a:solidFill>
-                  <a:sysClr val="windowText" lastClr="000000"/>
-                </a:solidFill>
-                <a:latin typeface="Courier New"/>
-                <a:cs typeface="Courier New"/>
-              </a:rPr>
-              <a:t>// critical section requiring L1 and L2 </a:t>
-            </a:r>
-            <a:r>
-              <a:rPr sz="1400" b="0" i="1" kern="0" spc="-10" dirty="0">
-                <a:solidFill>
-                  <a:sysClr val="windowText" lastClr="000000"/>
-                </a:solidFill>
-                <a:latin typeface="Courier New"/>
-                <a:cs typeface="Courier New"/>
-              </a:rPr>
-              <a:t>locked.</a:t>
-            </a:r>
-            <a:endParaRPr sz="1400" b="0" kern="0" dirty="0">
-              <a:solidFill>
-                <a:sysClr val="windowText" lastClr="000000"/>
-              </a:solidFill>
-              <a:latin typeface="Courier New"/>
-              <a:cs typeface="Courier New"/>
-            </a:endParaRPr>
-          </a:p>
-          <a:p>
-            <a:pPr marL="531495" indent="-398145" eaLnBrk="1" fontAlgn="auto" hangingPunct="1">
-              <a:spcBef>
-                <a:spcPts val="95"/>
-              </a:spcBef>
-              <a:spcAft>
-                <a:spcPts val="0"/>
-              </a:spcAft>
-              <a:buSzPct val="90476"/>
-              <a:buFont typeface="Arial MT"/>
-              <a:buAutoNum type="arabicPlain" startAt="3"/>
-              <a:tabLst>
-                <a:tab pos="531495" algn="l"/>
-              </a:tabLst>
-            </a:pPr>
-            <a:r>
-              <a:rPr lang="en-GB" sz="1400" b="0" kern="0" spc="-10" dirty="0">
-                <a:solidFill>
-                  <a:sysClr val="windowText" lastClr="000000"/>
-                </a:solidFill>
-                <a:latin typeface="Courier New"/>
-                <a:cs typeface="Courier New"/>
-              </a:rPr>
-              <a:t>L2.post()</a:t>
-            </a:r>
-            <a:r>
-              <a:rPr sz="1400" b="0" kern="0" spc="-10" dirty="0">
-                <a:solidFill>
-                  <a:sysClr val="windowText" lastClr="000000"/>
-                </a:solidFill>
-                <a:latin typeface="Courier New"/>
-                <a:cs typeface="Courier New"/>
-              </a:rPr>
-              <a:t>;</a:t>
-            </a:r>
-            <a:endParaRPr sz="1400" b="0" kern="0" dirty="0">
-              <a:solidFill>
-                <a:sysClr val="windowText" lastClr="000000"/>
-              </a:solidFill>
-              <a:latin typeface="Courier New"/>
-              <a:cs typeface="Courier New"/>
-            </a:endParaRPr>
-          </a:p>
-          <a:p>
-            <a:pPr marL="531495" indent="-398145" eaLnBrk="1" fontAlgn="auto" hangingPunct="1">
-              <a:spcBef>
-                <a:spcPts val="95"/>
-              </a:spcBef>
-              <a:spcAft>
-                <a:spcPts val="0"/>
-              </a:spcAft>
-              <a:buSzPct val="90476"/>
-              <a:buFont typeface="Arial MT"/>
-              <a:buAutoNum type="arabicPlain" startAt="3"/>
-              <a:tabLst>
-                <a:tab pos="531495" algn="l"/>
-              </a:tabLst>
-            </a:pPr>
-            <a:r>
-              <a:rPr lang="en-GB" sz="1400" b="0" kern="0" spc="-10" dirty="0">
-                <a:solidFill>
-                  <a:sysClr val="windowText" lastClr="000000"/>
-                </a:solidFill>
-                <a:latin typeface="Courier New"/>
-                <a:cs typeface="Courier New"/>
-              </a:rPr>
-              <a:t>L1.post()</a:t>
-            </a:r>
-            <a:r>
-              <a:rPr sz="1400" b="0" kern="0" spc="-10" dirty="0">
-                <a:solidFill>
-                  <a:sysClr val="windowText" lastClr="000000"/>
-                </a:solidFill>
-                <a:latin typeface="Courier New"/>
-                <a:cs typeface="Courier New"/>
-              </a:rPr>
-              <a:t>;</a:t>
-            </a:r>
-            <a:endParaRPr sz="1400" b="0" kern="0" dirty="0">
-              <a:solidFill>
-                <a:sysClr val="windowText" lastClr="000000"/>
-              </a:solidFill>
-              <a:latin typeface="Courier New"/>
-              <a:cs typeface="Courier New"/>
-            </a:endParaRPr>
-          </a:p>
-          <a:p>
-            <a:pPr marL="133350" eaLnBrk="1" fontAlgn="auto" hangingPunct="1">
-              <a:spcBef>
-                <a:spcPts val="290"/>
-              </a:spcBef>
-              <a:spcAft>
-                <a:spcPts val="0"/>
-              </a:spcAft>
-            </a:pPr>
-            <a:r>
-              <a:rPr sz="1200" b="0" kern="0" spc="-50" dirty="0">
-                <a:solidFill>
-                  <a:sysClr val="windowText" lastClr="000000"/>
-                </a:solidFill>
-                <a:latin typeface="Arial MT"/>
-                <a:cs typeface="Arial MT"/>
-              </a:rPr>
-              <a:t>9</a:t>
-            </a:r>
-            <a:endParaRPr sz="1200" b="0" kern="0" dirty="0">
-              <a:solidFill>
-                <a:sysClr val="windowText" lastClr="000000"/>
-              </a:solidFill>
-              <a:latin typeface="Arial MT"/>
-              <a:cs typeface="Arial MT"/>
-            </a:endParaRPr>
-          </a:p>
-          <a:p>
-            <a:pPr marL="511175" indent="-511175" eaLnBrk="1" fontAlgn="auto" hangingPunct="1">
-              <a:spcBef>
-                <a:spcPts val="135"/>
-              </a:spcBef>
-              <a:spcAft>
-                <a:spcPts val="0"/>
-              </a:spcAft>
-              <a:buSzPct val="90476"/>
-              <a:buFont typeface="Arial MT"/>
-              <a:buAutoNum type="arabicPlain" startAt="10"/>
-              <a:tabLst>
-                <a:tab pos="511175" algn="l"/>
-              </a:tabLst>
-            </a:pPr>
-            <a:r>
-              <a:rPr sz="1400" b="0" i="1" kern="0" dirty="0">
-                <a:solidFill>
-                  <a:sysClr val="windowText" lastClr="000000"/>
-                </a:solidFill>
-                <a:latin typeface="Courier New"/>
-                <a:cs typeface="Courier New"/>
-              </a:rPr>
-              <a:t>// Thread </a:t>
-            </a:r>
-            <a:r>
-              <a:rPr sz="1400" b="0" i="1" kern="0" spc="-25" dirty="0">
-                <a:solidFill>
-                  <a:sysClr val="windowText" lastClr="000000"/>
-                </a:solidFill>
-                <a:latin typeface="Courier New"/>
-                <a:cs typeface="Courier New"/>
-              </a:rPr>
-              <a:t>2:</a:t>
-            </a:r>
-            <a:endParaRPr sz="1400" b="0" kern="0" dirty="0">
-              <a:solidFill>
-                <a:sysClr val="windowText" lastClr="000000"/>
-              </a:solidFill>
-              <a:latin typeface="Courier New"/>
-              <a:cs typeface="Courier New"/>
-            </a:endParaRPr>
-          </a:p>
-          <a:p>
-            <a:pPr marL="530225" indent="-530225" eaLnBrk="1" fontAlgn="auto" hangingPunct="1">
-              <a:spcBef>
-                <a:spcPts val="95"/>
-              </a:spcBef>
-              <a:spcAft>
-                <a:spcPts val="0"/>
-              </a:spcAft>
-              <a:buSzPct val="90476"/>
-              <a:buFont typeface="Arial MT"/>
-              <a:buAutoNum type="arabicPlain" startAt="10"/>
-              <a:tabLst>
-                <a:tab pos="530225" algn="l"/>
-              </a:tabLst>
-            </a:pPr>
-            <a:r>
-              <a:rPr lang="en-GB" sz="1400" b="0" kern="0" spc="-10" dirty="0">
-                <a:solidFill>
-                  <a:sysClr val="windowText" lastClr="000000"/>
-                </a:solidFill>
-                <a:latin typeface="Courier New"/>
-                <a:cs typeface="Courier New"/>
-              </a:rPr>
-              <a:t>L3.wait()</a:t>
-            </a:r>
-            <a:r>
-              <a:rPr sz="1400" b="0" kern="0" spc="-10" dirty="0">
-                <a:solidFill>
-                  <a:sysClr val="windowText" lastClr="000000"/>
-                </a:solidFill>
-                <a:latin typeface="Courier New"/>
-                <a:cs typeface="Courier New"/>
-              </a:rPr>
-              <a:t>;</a:t>
-            </a:r>
-            <a:endParaRPr sz="1400" b="0" kern="0" dirty="0">
-              <a:solidFill>
-                <a:sysClr val="windowText" lastClr="000000"/>
-              </a:solidFill>
-              <a:latin typeface="Courier New"/>
-              <a:cs typeface="Courier New"/>
-            </a:endParaRPr>
-          </a:p>
-          <a:p>
-            <a:pPr marL="530225" indent="-530225" eaLnBrk="1" fontAlgn="auto" hangingPunct="1">
-              <a:spcBef>
-                <a:spcPts val="90"/>
-              </a:spcBef>
-              <a:spcAft>
-                <a:spcPts val="0"/>
-              </a:spcAft>
-              <a:buSzPct val="90476"/>
-              <a:buFont typeface="Arial MT"/>
-              <a:buAutoNum type="arabicPlain" startAt="10"/>
-              <a:tabLst>
-                <a:tab pos="530225" algn="l"/>
-              </a:tabLst>
-            </a:pPr>
-            <a:r>
-              <a:rPr lang="en-GB" sz="1400" b="0" kern="0" spc="-10" dirty="0">
-                <a:solidFill>
-                  <a:sysClr val="windowText" lastClr="000000"/>
-                </a:solidFill>
-                <a:latin typeface="Courier New"/>
-                <a:cs typeface="Courier New"/>
-              </a:rPr>
-              <a:t>L1.wait()</a:t>
-            </a:r>
-            <a:r>
-              <a:rPr sz="1400" b="0" kern="0" spc="-10" dirty="0">
-                <a:solidFill>
-                  <a:sysClr val="windowText" lastClr="000000"/>
-                </a:solidFill>
-                <a:latin typeface="Courier New"/>
-                <a:cs typeface="Courier New"/>
-              </a:rPr>
-              <a:t>;</a:t>
-            </a:r>
-            <a:endParaRPr sz="1400" b="0" kern="0" dirty="0">
-              <a:solidFill>
-                <a:sysClr val="windowText" lastClr="000000"/>
-              </a:solidFill>
-              <a:latin typeface="Courier New"/>
-              <a:cs typeface="Courier New"/>
-            </a:endParaRPr>
-          </a:p>
-          <a:p>
-            <a:pPr marL="511175" indent="-511175" eaLnBrk="1" fontAlgn="auto" hangingPunct="1">
-              <a:spcBef>
-                <a:spcPts val="95"/>
-              </a:spcBef>
-              <a:spcAft>
-                <a:spcPts val="0"/>
-              </a:spcAft>
-              <a:buSzPct val="90476"/>
-              <a:buFont typeface="Arial MT"/>
-              <a:buAutoNum type="arabicPlain" startAt="10"/>
-              <a:tabLst>
-                <a:tab pos="511175" algn="l"/>
-              </a:tabLst>
-            </a:pPr>
-            <a:r>
-              <a:rPr sz="1400" b="0" i="1" kern="0" dirty="0">
-                <a:solidFill>
-                  <a:sysClr val="windowText" lastClr="000000"/>
-                </a:solidFill>
-                <a:latin typeface="Courier New"/>
-                <a:cs typeface="Courier New"/>
-              </a:rPr>
-              <a:t>// critical section requiring L3 and L1 </a:t>
-            </a:r>
-            <a:r>
-              <a:rPr sz="1400" b="0" i="1" kern="0" spc="-10" dirty="0">
-                <a:solidFill>
-                  <a:sysClr val="windowText" lastClr="000000"/>
-                </a:solidFill>
-                <a:latin typeface="Courier New"/>
-                <a:cs typeface="Courier New"/>
-              </a:rPr>
-              <a:t>locked.</a:t>
-            </a:r>
-            <a:endParaRPr sz="1400" b="0" kern="0" dirty="0">
-              <a:solidFill>
-                <a:sysClr val="windowText" lastClr="000000"/>
-              </a:solidFill>
-              <a:latin typeface="Courier New"/>
-              <a:cs typeface="Courier New"/>
-            </a:endParaRPr>
-          </a:p>
-          <a:p>
-            <a:pPr marL="531495" indent="-531495" eaLnBrk="1" fontAlgn="auto" hangingPunct="1">
-              <a:spcBef>
-                <a:spcPts val="95"/>
-              </a:spcBef>
-              <a:spcAft>
-                <a:spcPts val="0"/>
-              </a:spcAft>
-              <a:buSzPct val="90476"/>
-              <a:buFont typeface="Arial MT"/>
-              <a:buAutoNum type="arabicPlain" startAt="10"/>
-              <a:tabLst>
-                <a:tab pos="531495" algn="l"/>
-              </a:tabLst>
-            </a:pPr>
-            <a:r>
-              <a:rPr lang="en-GB" sz="1400" b="0" kern="0" spc="-10" dirty="0">
-                <a:solidFill>
-                  <a:sysClr val="windowText" lastClr="000000"/>
-                </a:solidFill>
-                <a:latin typeface="Courier New"/>
-                <a:cs typeface="Courier New"/>
-              </a:rPr>
-              <a:t>L1.post()</a:t>
-            </a:r>
-            <a:r>
-              <a:rPr sz="1400" b="0" kern="0" spc="-10" dirty="0">
-                <a:solidFill>
-                  <a:sysClr val="windowText" lastClr="000000"/>
-                </a:solidFill>
-                <a:latin typeface="Courier New"/>
-                <a:cs typeface="Courier New"/>
-              </a:rPr>
-              <a:t>;</a:t>
-            </a:r>
-            <a:endParaRPr sz="1400" b="0" kern="0" dirty="0">
-              <a:solidFill>
-                <a:sysClr val="windowText" lastClr="000000"/>
-              </a:solidFill>
-              <a:latin typeface="Courier New"/>
-              <a:cs typeface="Courier New"/>
-            </a:endParaRPr>
-          </a:p>
-          <a:p>
-            <a:pPr marL="531495" indent="-531495" eaLnBrk="1" fontAlgn="auto" hangingPunct="1">
-              <a:spcBef>
-                <a:spcPts val="90"/>
-              </a:spcBef>
-              <a:spcAft>
-                <a:spcPts val="0"/>
-              </a:spcAft>
-              <a:buSzPct val="90476"/>
-              <a:buFont typeface="Arial MT"/>
-              <a:buAutoNum type="arabicPlain" startAt="10"/>
-              <a:tabLst>
-                <a:tab pos="531495" algn="l"/>
-              </a:tabLst>
-            </a:pPr>
-            <a:r>
-              <a:rPr lang="en-GB" sz="1400" b="0" kern="0" spc="-10" dirty="0">
-                <a:solidFill>
-                  <a:sysClr val="windowText" lastClr="000000"/>
-                </a:solidFill>
-                <a:latin typeface="Courier New"/>
-                <a:cs typeface="Courier New"/>
-              </a:rPr>
-              <a:t>L3.post()</a:t>
-            </a:r>
-            <a:r>
-              <a:rPr sz="1400" b="0" kern="0" spc="-10" dirty="0">
-                <a:solidFill>
-                  <a:sysClr val="windowText" lastClr="000000"/>
-                </a:solidFill>
-                <a:latin typeface="Courier New"/>
-                <a:cs typeface="Courier New"/>
-              </a:rPr>
-              <a:t>;</a:t>
-            </a:r>
-            <a:endParaRPr sz="1400" b="0" kern="0" dirty="0">
-              <a:solidFill>
-                <a:sysClr val="windowText" lastClr="000000"/>
-              </a:solidFill>
-              <a:latin typeface="Courier New"/>
-              <a:cs typeface="Courier New"/>
-            </a:endParaRPr>
-          </a:p>
-          <a:p>
-            <a:pPr eaLnBrk="1" fontAlgn="auto" hangingPunct="1">
-              <a:spcBef>
-                <a:spcPts val="295"/>
-              </a:spcBef>
-              <a:spcAft>
-                <a:spcPts val="0"/>
-              </a:spcAft>
-            </a:pPr>
-            <a:r>
-              <a:rPr sz="1200" b="0" kern="0" spc="-25" dirty="0">
-                <a:solidFill>
-                  <a:sysClr val="windowText" lastClr="000000"/>
-                </a:solidFill>
-                <a:latin typeface="Arial MT"/>
-                <a:cs typeface="Arial MT"/>
-              </a:rPr>
-              <a:t>16</a:t>
-            </a:r>
-            <a:endParaRPr sz="1200" b="0" kern="0" dirty="0">
-              <a:solidFill>
-                <a:sysClr val="windowText" lastClr="000000"/>
-              </a:solidFill>
-              <a:latin typeface="Arial MT"/>
-              <a:cs typeface="Arial MT"/>
-            </a:endParaRPr>
-          </a:p>
-          <a:p>
-            <a:pPr marL="511175" indent="-511175" eaLnBrk="1" fontAlgn="auto" hangingPunct="1">
-              <a:spcBef>
-                <a:spcPts val="135"/>
-              </a:spcBef>
-              <a:spcAft>
-                <a:spcPts val="0"/>
-              </a:spcAft>
-              <a:buSzPct val="90476"/>
-              <a:buFont typeface="Arial MT"/>
-              <a:buAutoNum type="arabicPlain" startAt="17"/>
-              <a:tabLst>
-                <a:tab pos="511175" algn="l"/>
-              </a:tabLst>
-            </a:pPr>
-            <a:r>
-              <a:rPr sz="1400" b="0" i="1" kern="0" dirty="0">
-                <a:solidFill>
-                  <a:sysClr val="windowText" lastClr="000000"/>
-                </a:solidFill>
-                <a:latin typeface="Courier New"/>
-                <a:cs typeface="Courier New"/>
-              </a:rPr>
-              <a:t>// Thread </a:t>
-            </a:r>
-            <a:r>
-              <a:rPr sz="1400" b="0" i="1" kern="0" spc="-25" dirty="0">
-                <a:solidFill>
-                  <a:sysClr val="windowText" lastClr="000000"/>
-                </a:solidFill>
-                <a:latin typeface="Courier New"/>
-                <a:cs typeface="Courier New"/>
-              </a:rPr>
-              <a:t>3:</a:t>
-            </a:r>
-            <a:endParaRPr sz="1400" b="0" kern="0" dirty="0">
-              <a:solidFill>
-                <a:sysClr val="windowText" lastClr="000000"/>
-              </a:solidFill>
-              <a:latin typeface="Courier New"/>
-              <a:cs typeface="Courier New"/>
-            </a:endParaRPr>
-          </a:p>
-          <a:p>
-            <a:pPr marL="530225" indent="-530225" eaLnBrk="1" fontAlgn="auto" hangingPunct="1">
-              <a:spcBef>
-                <a:spcPts val="90"/>
-              </a:spcBef>
-              <a:spcAft>
-                <a:spcPts val="0"/>
-              </a:spcAft>
-              <a:buSzPct val="90476"/>
-              <a:buFont typeface="Arial MT"/>
-              <a:buAutoNum type="arabicPlain" startAt="17"/>
-              <a:tabLst>
-                <a:tab pos="530225" algn="l"/>
-              </a:tabLst>
-            </a:pPr>
-            <a:r>
-              <a:rPr lang="en-GB" sz="1400" b="0" kern="0" spc="-10" dirty="0">
-                <a:solidFill>
-                  <a:sysClr val="windowText" lastClr="000000"/>
-                </a:solidFill>
-                <a:latin typeface="Courier New"/>
-                <a:cs typeface="Courier New"/>
-              </a:rPr>
-              <a:t>L2.wait()</a:t>
-            </a:r>
-            <a:r>
-              <a:rPr sz="1400" b="0" kern="0" spc="-10" dirty="0">
-                <a:solidFill>
-                  <a:sysClr val="windowText" lastClr="000000"/>
-                </a:solidFill>
-                <a:latin typeface="Courier New"/>
-                <a:cs typeface="Courier New"/>
-              </a:rPr>
-              <a:t>;</a:t>
-            </a:r>
-            <a:endParaRPr sz="1400" b="0" kern="0" dirty="0">
-              <a:solidFill>
-                <a:sysClr val="windowText" lastClr="000000"/>
-              </a:solidFill>
-              <a:latin typeface="Courier New"/>
-              <a:cs typeface="Courier New"/>
-            </a:endParaRPr>
-          </a:p>
-          <a:p>
-            <a:pPr marL="530225" indent="-530225" eaLnBrk="1" fontAlgn="auto" hangingPunct="1">
-              <a:spcBef>
-                <a:spcPts val="95"/>
-              </a:spcBef>
-              <a:spcAft>
-                <a:spcPts val="0"/>
-              </a:spcAft>
-              <a:buSzPct val="90476"/>
-              <a:buFont typeface="Arial MT"/>
-              <a:buAutoNum type="arabicPlain" startAt="17"/>
-              <a:tabLst>
-                <a:tab pos="530225" algn="l"/>
-              </a:tabLst>
-            </a:pPr>
-            <a:r>
-              <a:rPr lang="en-GB" sz="1400" b="0" kern="0" spc="-10" dirty="0">
-                <a:solidFill>
-                  <a:sysClr val="windowText" lastClr="000000"/>
-                </a:solidFill>
-                <a:latin typeface="Courier New"/>
-                <a:cs typeface="Courier New"/>
-              </a:rPr>
-              <a:t>L3.wait()</a:t>
-            </a:r>
-            <a:r>
-              <a:rPr sz="1400" b="0" kern="0" spc="-10" dirty="0">
-                <a:solidFill>
-                  <a:sysClr val="windowText" lastClr="000000"/>
-                </a:solidFill>
-                <a:latin typeface="Courier New"/>
-                <a:cs typeface="Courier New"/>
-              </a:rPr>
-              <a:t>;</a:t>
-            </a:r>
-            <a:endParaRPr sz="1400" b="0" kern="0" dirty="0">
-              <a:solidFill>
-                <a:sysClr val="windowText" lastClr="000000"/>
-              </a:solidFill>
-              <a:latin typeface="Courier New"/>
-              <a:cs typeface="Courier New"/>
-            </a:endParaRPr>
-          </a:p>
-          <a:p>
-            <a:pPr marL="511175" indent="-511175" eaLnBrk="1" fontAlgn="auto" hangingPunct="1">
-              <a:spcBef>
-                <a:spcPts val="95"/>
-              </a:spcBef>
-              <a:spcAft>
-                <a:spcPts val="0"/>
-              </a:spcAft>
-              <a:buSzPct val="90476"/>
-              <a:buFont typeface="Arial MT"/>
-              <a:buAutoNum type="arabicPlain" startAt="17"/>
-              <a:tabLst>
-                <a:tab pos="511175" algn="l"/>
-              </a:tabLst>
-            </a:pPr>
-            <a:r>
-              <a:rPr sz="1400" b="0" i="1" kern="0" dirty="0">
-                <a:solidFill>
-                  <a:sysClr val="windowText" lastClr="000000"/>
-                </a:solidFill>
-                <a:latin typeface="Courier New"/>
-                <a:cs typeface="Courier New"/>
-              </a:rPr>
-              <a:t>// critical section requiring L2 and L3 </a:t>
-            </a:r>
-            <a:r>
-              <a:rPr sz="1400" b="0" i="1" kern="0" spc="-10" dirty="0">
-                <a:solidFill>
-                  <a:sysClr val="windowText" lastClr="000000"/>
-                </a:solidFill>
-                <a:latin typeface="Courier New"/>
-                <a:cs typeface="Courier New"/>
-              </a:rPr>
-              <a:t>locked.</a:t>
-            </a:r>
-            <a:endParaRPr sz="1400" b="0" kern="0" dirty="0">
-              <a:solidFill>
-                <a:sysClr val="windowText" lastClr="000000"/>
-              </a:solidFill>
-              <a:latin typeface="Courier New"/>
-              <a:cs typeface="Courier New"/>
-            </a:endParaRPr>
-          </a:p>
-          <a:p>
-            <a:pPr marL="531495" indent="-531495" eaLnBrk="1" fontAlgn="auto" hangingPunct="1">
-              <a:spcBef>
-                <a:spcPts val="95"/>
-              </a:spcBef>
-              <a:spcAft>
-                <a:spcPts val="0"/>
-              </a:spcAft>
-              <a:buSzPct val="90476"/>
-              <a:buFont typeface="Arial MT"/>
-              <a:buAutoNum type="arabicPlain" startAt="17"/>
-              <a:tabLst>
-                <a:tab pos="531495" algn="l"/>
-              </a:tabLst>
-            </a:pPr>
-            <a:r>
-              <a:rPr lang="en-GB" sz="1400" b="0" kern="0" spc="-10" dirty="0">
-                <a:solidFill>
-                  <a:sysClr val="windowText" lastClr="000000"/>
-                </a:solidFill>
-                <a:latin typeface="Courier New"/>
-                <a:cs typeface="Courier New"/>
-              </a:rPr>
-              <a:t>L3.post()</a:t>
-            </a:r>
-            <a:r>
-              <a:rPr sz="1400" b="0" kern="0" spc="-10" dirty="0">
-                <a:solidFill>
-                  <a:sysClr val="windowText" lastClr="000000"/>
-                </a:solidFill>
-                <a:latin typeface="Courier New"/>
-                <a:cs typeface="Courier New"/>
-              </a:rPr>
-              <a:t>;</a:t>
-            </a:r>
-            <a:endParaRPr sz="1400" b="0" kern="0" dirty="0">
-              <a:solidFill>
-                <a:sysClr val="windowText" lastClr="000000"/>
-              </a:solidFill>
-              <a:latin typeface="Courier New"/>
-              <a:cs typeface="Courier New"/>
-            </a:endParaRPr>
-          </a:p>
-          <a:p>
-            <a:pPr marL="531495" indent="-531495" eaLnBrk="1" fontAlgn="auto" hangingPunct="1">
-              <a:spcBef>
-                <a:spcPts val="90"/>
-              </a:spcBef>
-              <a:spcAft>
-                <a:spcPts val="0"/>
-              </a:spcAft>
-              <a:buSzPct val="90476"/>
-              <a:buFont typeface="Arial MT"/>
-              <a:buAutoNum type="arabicPlain" startAt="17"/>
-              <a:tabLst>
-                <a:tab pos="531495" algn="l"/>
-              </a:tabLst>
-            </a:pPr>
-            <a:r>
-              <a:rPr lang="en-GB" sz="1400" b="0" kern="0" spc="-10" dirty="0">
-                <a:solidFill>
-                  <a:sysClr val="windowText" lastClr="000000"/>
-                </a:solidFill>
-                <a:latin typeface="Courier New"/>
-                <a:cs typeface="Courier New"/>
-              </a:rPr>
-              <a:t>L2.post()</a:t>
-            </a:r>
-            <a:r>
-              <a:rPr sz="1400" b="0" kern="0" spc="-10" dirty="0">
-                <a:solidFill>
-                  <a:sysClr val="windowText" lastClr="000000"/>
-                </a:solidFill>
-                <a:latin typeface="Courier New"/>
-                <a:cs typeface="Courier New"/>
-              </a:rPr>
-              <a:t>;</a:t>
-            </a:r>
-            <a:endParaRPr sz="1400" b="0" kern="0" dirty="0">
-              <a:solidFill>
-                <a:sysClr val="windowText" lastClr="000000"/>
-              </a:solidFill>
-              <a:latin typeface="Courier New"/>
-              <a:cs typeface="Courier New"/>
-            </a:endParaRPr>
-          </a:p>
-        </p:txBody>
-      </p:sp>
-      <p:sp>
-        <p:nvSpPr>
-          <p:cNvPr id="6" name="object 10">
-            <a:extLst>
-              <a:ext uri="{FF2B5EF4-FFF2-40B4-BE49-F238E27FC236}">
-                <a16:creationId xmlns:a16="http://schemas.microsoft.com/office/drawing/2014/main" id="{B7867E32-F4AD-9B90-BF25-CCA021803154}"/>
-              </a:ext>
-            </a:extLst>
-          </p:cNvPr>
-          <p:cNvSpPr/>
-          <p:nvPr/>
-        </p:nvSpPr>
-        <p:spPr>
-          <a:xfrm>
-            <a:off x="6350001" y="829563"/>
-            <a:ext cx="5715000" cy="5190237"/>
-          </a:xfrm>
-          <a:custGeom>
-            <a:avLst/>
-            <a:gdLst/>
-            <a:ahLst/>
-            <a:cxnLst/>
-            <a:rect l="l" t="t" r="r" b="b"/>
-            <a:pathLst>
-              <a:path w="8177530" h="7403465">
-                <a:moveTo>
-                  <a:pt x="0" y="0"/>
-                </a:moveTo>
-                <a:lnTo>
-                  <a:pt x="8177267" y="0"/>
-                </a:lnTo>
-                <a:lnTo>
-                  <a:pt x="8177267" y="7402992"/>
-                </a:lnTo>
-                <a:lnTo>
-                  <a:pt x="0" y="7402992"/>
-                </a:lnTo>
-                <a:lnTo>
-                  <a:pt x="0" y="0"/>
-                </a:lnTo>
-                <a:close/>
-              </a:path>
-            </a:pathLst>
-          </a:custGeom>
-          <a:ln w="10470">
-            <a:solidFill>
-              <a:srgbClr val="000000"/>
-            </a:solidFill>
-          </a:ln>
-        </p:spPr>
-        <p:txBody>
-          <a:bodyPr wrap="square" lIns="0" tIns="0" rIns="0" bIns="0" rtlCol="0"/>
-          <a:lstStyle/>
-          <a:p>
-            <a:pPr marL="0" marR="0" lvl="0" indent="0" defTabSz="914400" eaLnBrk="1" fontAlgn="auto" latinLnBrk="0" hangingPunct="1">
-              <a:lnSpc>
-                <a:spcPct val="100000"/>
-              </a:lnSpc>
-              <a:spcBef>
-                <a:spcPts val="0"/>
-              </a:spcBef>
-              <a:spcAft>
-                <a:spcPts val="0"/>
-              </a:spcAft>
-              <a:buClrTx/>
-              <a:buSzTx/>
-              <a:buFontTx/>
-              <a:buNone/>
-              <a:tabLst/>
-              <a:defRPr/>
-            </a:pPr>
-            <a:endParaRPr kumimoji="0" sz="1100" b="0" i="0" u="none" strike="noStrike" kern="0" cap="none" spc="0" normalizeH="0" baseline="0" noProof="0">
-              <a:ln>
-                <a:noFill/>
-              </a:ln>
-              <a:solidFill>
-                <a:sysClr val="windowText" lastClr="000000"/>
-              </a:solidFill>
-              <a:effectLst/>
-              <a:uLnTx/>
-              <a:uFillTx/>
-            </a:endParaRPr>
-          </a:p>
-        </p:txBody>
-      </p:sp>
-    </p:spTree>
-    <p:extLst>
-      <p:ext uri="{BB962C8B-B14F-4D97-AF65-F5344CB8AC3E}">
-        <p14:creationId xmlns:p14="http://schemas.microsoft.com/office/powerpoint/2010/main" val="4222259293"/>
-      </p:ext>
-    </p:extLst>
-  </p:cSld>
-  <p:clrMapOvr>
-    <a:masterClrMapping/>
-  </p:clrMapOvr>
-  <p:transition/>
-</p:sld>
-</file>
-
 <file path=ppt/theme/theme1.xml><?xml version="1.0" encoding="utf-8"?>
 <a:theme xmlns:a="http://schemas.openxmlformats.org/drawingml/2006/main" name="Office">
   <a:themeElements>
@@ -9171,7 +11171,7 @@
         <a:effectLst/>
         <a:extLst>
           <a:ext uri="{AF507438-7753-43e0-B8FC-AC1667EBCBE1}">
-            <a14:hiddenEffects xmlns="" xmlns:a14="http://schemas.microsoft.com/office/drawing/2010/main">
+            <a14:hiddenEffects xmlns:a14="http://schemas.microsoft.com/office/drawing/2010/main" xmlns="">
               <a:effectLst>
                 <a:outerShdw dist="35921" dir="2700000" algn="ctr" rotWithShape="0">
                   <a:schemeClr val="bg2"/>
@@ -9244,7 +11244,7 @@
         <a:effectLst/>
         <a:extLst>
           <a:ext uri="{AF507438-7753-43e0-B8FC-AC1667EBCBE1}">
-            <a14:hiddenEffects xmlns="" xmlns:a14="http://schemas.microsoft.com/office/drawing/2010/main">
+            <a14:hiddenEffects xmlns:a14="http://schemas.microsoft.com/office/drawing/2010/main" xmlns="">
               <a:effectLst>
                 <a:outerShdw dist="35921" dir="2700000" algn="ctr" rotWithShape="0">
                   <a:schemeClr val="bg2"/>

--- a/PPTs/L4-Exercises.pptx
+++ b/PPTs/L4-Exercises.pptx
@@ -5,22 +5,24 @@
     <p:sldMasterId id="2147483648" r:id="rId1"/>
   </p:sldMasterIdLst>
   <p:notesMasterIdLst>
-    <p:notesMasterId r:id="rId12"/>
+    <p:notesMasterId r:id="rId14"/>
   </p:notesMasterIdLst>
   <p:handoutMasterIdLst>
-    <p:handoutMasterId r:id="rId13"/>
+    <p:handoutMasterId r:id="rId15"/>
   </p:handoutMasterIdLst>
   <p:sldIdLst>
     <p:sldId id="257" r:id="rId2"/>
-    <p:sldId id="369" r:id="rId3"/>
-    <p:sldId id="414" r:id="rId4"/>
-    <p:sldId id="417" r:id="rId5"/>
-    <p:sldId id="420" r:id="rId6"/>
-    <p:sldId id="1384" r:id="rId7"/>
-    <p:sldId id="1386" r:id="rId8"/>
-    <p:sldId id="1388" r:id="rId9"/>
-    <p:sldId id="381" r:id="rId10"/>
-    <p:sldId id="1383" r:id="rId11"/>
+    <p:sldId id="1383" r:id="rId3"/>
+    <p:sldId id="1395" r:id="rId4"/>
+    <p:sldId id="1393" r:id="rId5"/>
+    <p:sldId id="369" r:id="rId6"/>
+    <p:sldId id="1392" r:id="rId7"/>
+    <p:sldId id="414" r:id="rId8"/>
+    <p:sldId id="417" r:id="rId9"/>
+    <p:sldId id="420" r:id="rId10"/>
+    <p:sldId id="1384" r:id="rId11"/>
+    <p:sldId id="1386" r:id="rId12"/>
+    <p:sldId id="1388" r:id="rId13"/>
   </p:sldIdLst>
   <p:sldSz cx="12192000" cy="6858000"/>
   <p:notesSz cx="9601200" cy="7315200"/>
@@ -217,14 +219,14 @@
           <a:effectLst/>
           <a:extLst>
             <a:ext uri="{909E8E84-426E-40dd-AFC4-6F175D3DCCD1}">
-              <a14:hiddenFill xmlns:a14="http://schemas.microsoft.com/office/drawing/2010/main" xmlns="">
+              <a14:hiddenFill xmlns="" xmlns:a14="http://schemas.microsoft.com/office/drawing/2010/main">
                 <a:solidFill>
                   <a:schemeClr val="bg1"/>
                 </a:solidFill>
               </a14:hiddenFill>
             </a:ext>
             <a:ext uri="{91240B29-F687-4f45-9708-019B960494DF}">
-              <a14:hiddenLine xmlns:a14="http://schemas.microsoft.com/office/drawing/2010/main" xmlns="" w="12700">
+              <a14:hiddenLine xmlns="" xmlns:a14="http://schemas.microsoft.com/office/drawing/2010/main" w="12700">
                 <a:pattFill prst="narHorz">
                   <a:fgClr>
                     <a:schemeClr val="tx1"/>
@@ -239,7 +241,7 @@
               </a14:hiddenLine>
             </a:ext>
             <a:ext uri="{AF507438-7753-43e0-B8FC-AC1667EBCBE1}">
-              <a14:hiddenEffects xmlns:a14="http://schemas.microsoft.com/office/drawing/2010/main" xmlns="">
+              <a14:hiddenEffects xmlns="" xmlns:a14="http://schemas.microsoft.com/office/drawing/2010/main">
                 <a:effectLst>
                   <a:outerShdw dist="35921" dir="2700000" algn="ctr" rotWithShape="0">
                     <a:schemeClr val="bg2"/>
@@ -345,14 +347,14 @@
           <a:effectLst/>
           <a:extLst>
             <a:ext uri="{909E8E84-426E-40dd-AFC4-6F175D3DCCD1}">
-              <a14:hiddenFill xmlns:a14="http://schemas.microsoft.com/office/drawing/2010/main" xmlns="">
+              <a14:hiddenFill xmlns="" xmlns:a14="http://schemas.microsoft.com/office/drawing/2010/main">
                 <a:solidFill>
                   <a:schemeClr val="bg1"/>
                 </a:solidFill>
               </a14:hiddenFill>
             </a:ext>
             <a:ext uri="{91240B29-F687-4f45-9708-019B960494DF}">
-              <a14:hiddenLine xmlns:a14="http://schemas.microsoft.com/office/drawing/2010/main" xmlns="" w="12700">
+              <a14:hiddenLine xmlns="" xmlns:a14="http://schemas.microsoft.com/office/drawing/2010/main" w="12700">
                 <a:pattFill prst="narHorz">
                   <a:fgClr>
                     <a:schemeClr val="tx1"/>
@@ -367,7 +369,7 @@
               </a14:hiddenLine>
             </a:ext>
             <a:ext uri="{AF507438-7753-43e0-B8FC-AC1667EBCBE1}">
-              <a14:hiddenEffects xmlns:a14="http://schemas.microsoft.com/office/drawing/2010/main" xmlns="">
+              <a14:hiddenEffects xmlns="" xmlns:a14="http://schemas.microsoft.com/office/drawing/2010/main">
                 <a:effectLst>
                   <a:outerShdw dist="35921" dir="2700000" algn="ctr" rotWithShape="0">
                     <a:schemeClr val="bg2"/>
@@ -435,17 +437,17 @@
           <a:effectLst/>
           <a:extLst>
             <a:ext uri="{FAA26D3D-D897-4be2-8F04-BA451C77F1D7}">
-              <ma14:placeholderFlag xmlns:ma14="http://schemas.microsoft.com/office/mac/drawingml/2011/main" xmlns="" val="1"/>
+              <ma14:placeholderFlag xmlns="" xmlns:ma14="http://schemas.microsoft.com/office/mac/drawingml/2011/main" val="1"/>
             </a:ext>
             <a:ext uri="{909E8E84-426E-40dd-AFC4-6F175D3DCCD1}">
-              <a14:hiddenFill xmlns:a14="http://schemas.microsoft.com/office/drawing/2010/main" xmlns="">
+              <a14:hiddenFill xmlns="" xmlns:a14="http://schemas.microsoft.com/office/drawing/2010/main">
                 <a:solidFill>
                   <a:srgbClr val="FFFFFF"/>
                 </a:solidFill>
               </a14:hiddenFill>
             </a:ext>
             <a:ext uri="{AF507438-7753-43e0-B8FC-AC1667EBCBE1}">
-              <a14:hiddenEffects xmlns:a14="http://schemas.microsoft.com/office/drawing/2010/main" xmlns="">
+              <a14:hiddenEffects xmlns="" xmlns:a14="http://schemas.microsoft.com/office/drawing/2010/main">
                 <a:effectLst>
                   <a:outerShdw blurRad="63500" dist="38099" dir="2700000" algn="ctr" rotWithShape="0">
                     <a:srgbClr val="000000">
@@ -456,7 +458,7 @@
               </a14:hiddenEffects>
             </a:ext>
             <a:ext uri="{53640926-AAD7-44d8-BBD7-CCE9431645EC}">
-              <a14:shadowObscured xmlns:a14="http://schemas.microsoft.com/office/drawing/2010/main" xmlns="" val="1"/>
+              <a14:shadowObscured xmlns="" xmlns:a14="http://schemas.microsoft.com/office/drawing/2010/main" val="1"/>
             </a:ext>
           </a:extLst>
         </p:spPr>
@@ -486,14 +488,14 @@
           <a:effectLst/>
           <a:extLst>
             <a:ext uri="{909E8E84-426E-40dd-AFC4-6F175D3DCCD1}">
-              <a14:hiddenFill xmlns:a14="http://schemas.microsoft.com/office/drawing/2010/main" xmlns="">
+              <a14:hiddenFill xmlns="" xmlns:a14="http://schemas.microsoft.com/office/drawing/2010/main">
                 <a:solidFill>
                   <a:schemeClr val="bg1"/>
                 </a:solidFill>
               </a14:hiddenFill>
             </a:ext>
             <a:ext uri="{91240B29-F687-4f45-9708-019B960494DF}">
-              <a14:hiddenLine xmlns:a14="http://schemas.microsoft.com/office/drawing/2010/main" xmlns="" w="12700">
+              <a14:hiddenLine xmlns="" xmlns:a14="http://schemas.microsoft.com/office/drawing/2010/main" w="12700">
                 <a:pattFill prst="narHorz">
                   <a:fgClr>
                     <a:schemeClr val="tx1"/>
@@ -508,7 +510,7 @@
               </a14:hiddenLine>
             </a:ext>
             <a:ext uri="{AF507438-7753-43e0-B8FC-AC1667EBCBE1}">
-              <a14:hiddenEffects xmlns:a14="http://schemas.microsoft.com/office/drawing/2010/main" xmlns="">
+              <a14:hiddenEffects xmlns="" xmlns:a14="http://schemas.microsoft.com/office/drawing/2010/main">
                 <a:effectLst>
                   <a:outerShdw dist="35921" dir="2700000" algn="ctr" rotWithShape="0">
                     <a:schemeClr val="bg2"/>
@@ -758,10 +760,10 @@
         <p:spPr>
           <a:extLst>
             <a:ext uri="{FAA26D3D-D897-4be2-8F04-BA451C77F1D7}">
-              <ma14:placeholderFlag xmlns:ma14="http://schemas.microsoft.com/office/mac/drawingml/2011/main" xmlns="" val="1"/>
+              <ma14:placeholderFlag xmlns="" xmlns:ma14="http://schemas.microsoft.com/office/mac/drawingml/2011/main" val="1"/>
             </a:ext>
             <a:ext uri="{AF507438-7753-43e0-B8FC-AC1667EBCBE1}">
-              <a14:hiddenEffects xmlns:a14="http://schemas.microsoft.com/office/drawing/2010/main" xmlns="">
+              <a14:hiddenEffects xmlns="" xmlns:a14="http://schemas.microsoft.com/office/drawing/2010/main">
                 <a:effectLst>
                   <a:outerShdw blurRad="63500" dist="38099" dir="2700000" algn="ctr" rotWithShape="0">
                     <a:schemeClr val="bg2">
@@ -842,6 +844,12 @@
             <a:r>
               <a:rPr lang="en-GB" dirty="0"/>
               <a:t>https://people.eecs.berkeley.edu/~kubitron/courses/cs162-F07/exams/fa07mt1-solutions.pdf</a:t>
+            </a:r>
+          </a:p>
+          <a:p>
+            <a:r>
+              <a:rPr lang="en-GB" dirty="0"/>
+              <a:t>The lawyers are so busy talking that they can only grab one chopstick at a time. Design a deadlock-free algorithm using monitors and Bankers algorithm. </a:t>
             </a:r>
             <a:endParaRPr lang="en-SE" dirty="0"/>
           </a:p>
@@ -3151,17 +3159,17 @@
           <a:effectLst/>
           <a:extLst>
             <a:ext uri="{FAA26D3D-D897-4be2-8F04-BA451C77F1D7}">
-              <ma14:placeholderFlag xmlns:ma14="http://schemas.microsoft.com/office/mac/drawingml/2011/main" xmlns="" val="1"/>
+              <ma14:placeholderFlag xmlns="" xmlns:ma14="http://schemas.microsoft.com/office/mac/drawingml/2011/main" val="1"/>
             </a:ext>
             <a:ext uri="{909E8E84-426E-40dd-AFC4-6F175D3DCCD1}">
-              <a14:hiddenFill xmlns:a14="http://schemas.microsoft.com/office/drawing/2010/main" xmlns="">
+              <a14:hiddenFill xmlns="" xmlns:a14="http://schemas.microsoft.com/office/drawing/2010/main">
                 <a:solidFill>
                   <a:schemeClr val="bg1"/>
                 </a:solidFill>
               </a14:hiddenFill>
             </a:ext>
             <a:ext uri="{91240B29-F687-4f45-9708-019B960494DF}">
-              <a14:hiddenLine xmlns:a14="http://schemas.microsoft.com/office/drawing/2010/main" xmlns="" w="12700">
+              <a14:hiddenLine xmlns="" xmlns:a14="http://schemas.microsoft.com/office/drawing/2010/main" w="12700">
                 <a:pattFill prst="narHorz">
                   <a:fgClr>
                     <a:schemeClr val="tx1"/>
@@ -3176,7 +3184,7 @@
               </a14:hiddenLine>
             </a:ext>
             <a:ext uri="{AF507438-7753-43e0-B8FC-AC1667EBCBE1}">
-              <a14:hiddenEffects xmlns:a14="http://schemas.microsoft.com/office/drawing/2010/main" xmlns="">
+              <a14:hiddenEffects xmlns="" xmlns:a14="http://schemas.microsoft.com/office/drawing/2010/main">
                 <a:effectLst>
                   <a:outerShdw blurRad="63500" dist="38099" dir="2700000" algn="ctr" rotWithShape="0">
                     <a:schemeClr val="bg2">
@@ -3229,17 +3237,17 @@
           <a:effectLst/>
           <a:extLst>
             <a:ext uri="{FAA26D3D-D897-4be2-8F04-BA451C77F1D7}">
-              <ma14:placeholderFlag xmlns:ma14="http://schemas.microsoft.com/office/mac/drawingml/2011/main" xmlns="" val="1"/>
+              <ma14:placeholderFlag xmlns="" xmlns:ma14="http://schemas.microsoft.com/office/mac/drawingml/2011/main" val="1"/>
             </a:ext>
             <a:ext uri="{909E8E84-426E-40dd-AFC4-6F175D3DCCD1}">
-              <a14:hiddenFill xmlns:a14="http://schemas.microsoft.com/office/drawing/2010/main" xmlns="">
+              <a14:hiddenFill xmlns="" xmlns:a14="http://schemas.microsoft.com/office/drawing/2010/main">
                 <a:solidFill>
                   <a:schemeClr val="bg1"/>
                 </a:solidFill>
               </a14:hiddenFill>
             </a:ext>
             <a:ext uri="{91240B29-F687-4f45-9708-019B960494DF}">
-              <a14:hiddenLine xmlns:a14="http://schemas.microsoft.com/office/drawing/2010/main" xmlns="" w="12700">
+              <a14:hiddenLine xmlns="" xmlns:a14="http://schemas.microsoft.com/office/drawing/2010/main" w="12700">
                 <a:pattFill prst="narHorz">
                   <a:fgClr>
                     <a:schemeClr val="tx1"/>
@@ -3254,7 +3262,7 @@
               </a14:hiddenLine>
             </a:ext>
             <a:ext uri="{AF507438-7753-43e0-B8FC-AC1667EBCBE1}">
-              <a14:hiddenEffects xmlns:a14="http://schemas.microsoft.com/office/drawing/2010/main" xmlns="">
+              <a14:hiddenEffects xmlns="" xmlns:a14="http://schemas.microsoft.com/office/drawing/2010/main">
                 <a:effectLst>
                   <a:outerShdw blurRad="63500" dist="38099" dir="2700000" algn="ctr" rotWithShape="0">
                     <a:schemeClr val="bg2">
@@ -3338,12 +3346,12 @@
           <a:effectLst/>
           <a:extLst>
             <a:ext uri="{909E8E84-426E-40dd-AFC4-6F175D3DCCD1}">
-              <a14:hiddenFill xmlns:a14="http://schemas.microsoft.com/office/drawing/2010/main" xmlns="">
+              <a14:hiddenFill xmlns="" xmlns:a14="http://schemas.microsoft.com/office/drawing/2010/main">
                 <a:noFill/>
               </a14:hiddenFill>
             </a:ext>
             <a:ext uri="{AF507438-7753-43e0-B8FC-AC1667EBCBE1}">
-              <a14:hiddenEffects xmlns:a14="http://schemas.microsoft.com/office/drawing/2010/main" xmlns="">
+              <a14:hiddenEffects xmlns="" xmlns:a14="http://schemas.microsoft.com/office/drawing/2010/main">
                 <a:effectLst>
                   <a:outerShdw blurRad="63500" dist="38099" dir="2700000" algn="ctr" rotWithShape="0">
                     <a:schemeClr val="bg2">
@@ -4188,6 +4196,447 @@
           <p:cNvPr id="2" name="Title 1">
             <a:extLst>
               <a:ext uri="{FF2B5EF4-FFF2-40B4-BE49-F238E27FC236}">
+                <a16:creationId xmlns:a16="http://schemas.microsoft.com/office/drawing/2014/main" id="{237D010E-0DE6-664D-E651-1315BFD2A9E4}"/>
+              </a:ext>
+            </a:extLst>
+          </p:cNvPr>
+          <p:cNvSpPr>
+            <a:spLocks noGrp="1"/>
+          </p:cNvSpPr>
+          <p:nvPr>
+            <p:ph type="title"/>
+          </p:nvPr>
+        </p:nvSpPr>
+        <p:spPr/>
+        <p:txBody>
+          <a:bodyPr/>
+          <a:lstStyle/>
+          <a:p>
+            <a:r>
+              <a:rPr lang="en-GB" dirty="0"/>
+              <a:t>Quiz: Dining Lawyers II </a:t>
+            </a:r>
+            <a:endParaRPr lang="en-SE" dirty="0"/>
+          </a:p>
+        </p:txBody>
+      </p:sp>
+      <p:sp>
+        <p:nvSpPr>
+          <p:cNvPr id="3" name="Content Placeholder 2">
+            <a:extLst>
+              <a:ext uri="{FF2B5EF4-FFF2-40B4-BE49-F238E27FC236}">
+                <a16:creationId xmlns:a16="http://schemas.microsoft.com/office/drawing/2014/main" id="{C96CE106-EFF2-89A6-A94C-94BA0CA70C60}"/>
+              </a:ext>
+            </a:extLst>
+          </p:cNvPr>
+          <p:cNvSpPr>
+            <a:spLocks noGrp="1"/>
+          </p:cNvSpPr>
+          <p:nvPr>
+            <p:ph idx="1"/>
+          </p:nvPr>
+        </p:nvSpPr>
+        <p:spPr/>
+        <p:txBody>
+          <a:bodyPr>
+            <a:normAutofit/>
+          </a:bodyPr>
+          <a:lstStyle/>
+          <a:p>
+            <a:r>
+              <a:rPr lang="en-GB" dirty="0"/>
+              <a:t>If each lawyer has 2 arms, and there is a pile of knives and forks at </a:t>
+            </a:r>
+            <a:r>
+              <a:rPr lang="en-GB" dirty="0" err="1"/>
+              <a:t>center</a:t>
+            </a:r>
+            <a:r>
+              <a:rPr lang="en-GB" dirty="0"/>
+              <a:t> of the table. Assume there are at least 1 knife and 1 fork, so at least one lawyer can eat. Each lawyer follows the following steps:</a:t>
+            </a:r>
+          </a:p>
+          <a:p>
+            <a:pPr lvl="1"/>
+            <a:r>
+              <a:rPr lang="en-GB" dirty="0"/>
+              <a:t>(1) Pick up a knife </a:t>
+            </a:r>
+          </a:p>
+          <a:p>
+            <a:pPr lvl="1"/>
+            <a:r>
+              <a:rPr lang="en-GB" dirty="0"/>
+              <a:t>(2) Pick up a fork </a:t>
+            </a:r>
+          </a:p>
+          <a:p>
+            <a:pPr lvl="1"/>
+            <a:r>
+              <a:rPr lang="en-GB" dirty="0"/>
+              <a:t>(3) Eat</a:t>
+            </a:r>
+          </a:p>
+          <a:p>
+            <a:pPr lvl="1"/>
+            <a:r>
+              <a:rPr lang="en-GB" dirty="0"/>
+              <a:t>(4) Return the knife and fork to the pile </a:t>
+            </a:r>
+          </a:p>
+          <a:p>
+            <a:r>
+              <a:rPr lang="en-GB" dirty="0"/>
+              <a:t>Q: Can the system be deadlocked?</a:t>
+            </a:r>
+          </a:p>
+          <a:p>
+            <a:endParaRPr lang="en-GB" dirty="0"/>
+          </a:p>
+          <a:p>
+            <a:endParaRPr lang="en-GB" dirty="0"/>
+          </a:p>
+          <a:p>
+            <a:endParaRPr lang="en-SE" dirty="0"/>
+          </a:p>
+        </p:txBody>
+      </p:sp>
+    </p:spTree>
+    <p:extLst>
+      <p:ext uri="{BB962C8B-B14F-4D97-AF65-F5344CB8AC3E}">
+        <p14:creationId xmlns:p14="http://schemas.microsoft.com/office/powerpoint/2010/main" val="937329881"/>
+      </p:ext>
+    </p:extLst>
+  </p:cSld>
+  <p:clrMapOvr>
+    <a:masterClrMapping/>
+  </p:clrMapOvr>
+  <p:transition/>
+</p:sld>
+</file>
+
+<file path=ppt/slides/slide11.xml><?xml version="1.0" encoding="utf-8"?>
+<p:sld xmlns:a="http://schemas.openxmlformats.org/drawingml/2006/main" xmlns:r="http://schemas.openxmlformats.org/officeDocument/2006/relationships" xmlns:p="http://schemas.openxmlformats.org/presentationml/2006/main">
+  <p:cSld>
+    <p:spTree>
+      <p:nvGrpSpPr>
+        <p:cNvPr id="1" name=""/>
+        <p:cNvGrpSpPr/>
+        <p:nvPr/>
+      </p:nvGrpSpPr>
+      <p:grpSpPr>
+        <a:xfrm>
+          <a:off x="0" y="0"/>
+          <a:ext cx="0" cy="0"/>
+          <a:chOff x="0" y="0"/>
+          <a:chExt cx="0" cy="0"/>
+        </a:xfrm>
+      </p:grpSpPr>
+      <p:sp>
+        <p:nvSpPr>
+          <p:cNvPr id="2" name="Title 1">
+            <a:extLst>
+              <a:ext uri="{FF2B5EF4-FFF2-40B4-BE49-F238E27FC236}">
+                <a16:creationId xmlns:a16="http://schemas.microsoft.com/office/drawing/2014/main" id="{95CECE1A-5EE0-BB49-216D-B4B1AF277470}"/>
+              </a:ext>
+            </a:extLst>
+          </p:cNvPr>
+          <p:cNvSpPr>
+            <a:spLocks noGrp="1"/>
+          </p:cNvSpPr>
+          <p:nvPr>
+            <p:ph type="title"/>
+          </p:nvPr>
+        </p:nvSpPr>
+        <p:spPr/>
+        <p:txBody>
+          <a:bodyPr/>
+          <a:lstStyle/>
+          <a:p>
+            <a:r>
+              <a:rPr lang="en-GB" dirty="0"/>
+              <a:t>Quiz: Dining Lawyers III</a:t>
+            </a:r>
+            <a:endParaRPr lang="en-SE" dirty="0"/>
+          </a:p>
+        </p:txBody>
+      </p:sp>
+      <p:sp>
+        <p:nvSpPr>
+          <p:cNvPr id="3" name="Content Placeholder 2">
+            <a:extLst>
+              <a:ext uri="{FF2B5EF4-FFF2-40B4-BE49-F238E27FC236}">
+                <a16:creationId xmlns:a16="http://schemas.microsoft.com/office/drawing/2014/main" id="{2C890D62-C0BE-DA6D-366C-8F725FB1BCE9}"/>
+              </a:ext>
+            </a:extLst>
+          </p:cNvPr>
+          <p:cNvSpPr>
+            <a:spLocks noGrp="1"/>
+          </p:cNvSpPr>
+          <p:nvPr>
+            <p:ph idx="1"/>
+          </p:nvPr>
+        </p:nvSpPr>
+        <p:spPr/>
+        <p:txBody>
+          <a:bodyPr/>
+          <a:lstStyle/>
+          <a:p>
+            <a:r>
+              <a:rPr lang="en-GB" dirty="0"/>
+              <a:t>If each lawyer has 4 arms, and there is a pile of knives and forks at </a:t>
+            </a:r>
+            <a:r>
+              <a:rPr lang="en-GB" dirty="0" err="1"/>
+              <a:t>center</a:t>
+            </a:r>
+            <a:r>
+              <a:rPr lang="en-GB" dirty="0"/>
+              <a:t> of the table. Assume there are at least 2 knives and 2 forks, so at least one lawyer can eat. Each lawyer follows the following steps:</a:t>
+            </a:r>
+          </a:p>
+          <a:p>
+            <a:pPr lvl="1"/>
+            <a:r>
+              <a:rPr lang="en-GB" dirty="0"/>
+              <a:t>(1) Pick up 2 knives atomically</a:t>
+            </a:r>
+          </a:p>
+          <a:p>
+            <a:pPr lvl="1"/>
+            <a:r>
+              <a:rPr lang="en-GB" dirty="0"/>
+              <a:t>(2) Pick up 2 forks atomically</a:t>
+            </a:r>
+          </a:p>
+          <a:p>
+            <a:pPr lvl="1"/>
+            <a:r>
+              <a:rPr lang="en-GB" dirty="0"/>
+              <a:t>(3) Eat</a:t>
+            </a:r>
+          </a:p>
+          <a:p>
+            <a:pPr lvl="1"/>
+            <a:r>
+              <a:rPr lang="en-GB" dirty="0"/>
+              <a:t>(4) Return the knives and forks to the pile </a:t>
+            </a:r>
+          </a:p>
+          <a:p>
+            <a:r>
+              <a:rPr lang="en-GB" dirty="0"/>
+              <a:t>Q: Can the system be deadlocked?</a:t>
+            </a:r>
+          </a:p>
+          <a:p>
+            <a:pPr marL="0" indent="0">
+              <a:buNone/>
+            </a:pPr>
+            <a:endParaRPr lang="en-GB" dirty="0"/>
+          </a:p>
+          <a:p>
+            <a:endParaRPr lang="en-GB" dirty="0"/>
+          </a:p>
+          <a:p>
+            <a:endParaRPr lang="en-GB" dirty="0"/>
+          </a:p>
+          <a:p>
+            <a:endParaRPr lang="en-GB" dirty="0"/>
+          </a:p>
+          <a:p>
+            <a:endParaRPr lang="en-SE" dirty="0"/>
+          </a:p>
+        </p:txBody>
+      </p:sp>
+    </p:spTree>
+    <p:extLst>
+      <p:ext uri="{BB962C8B-B14F-4D97-AF65-F5344CB8AC3E}">
+        <p14:creationId xmlns:p14="http://schemas.microsoft.com/office/powerpoint/2010/main" val="210011671"/>
+      </p:ext>
+    </p:extLst>
+  </p:cSld>
+  <p:clrMapOvr>
+    <a:masterClrMapping/>
+  </p:clrMapOvr>
+  <p:transition/>
+</p:sld>
+</file>
+
+<file path=ppt/slides/slide12.xml><?xml version="1.0" encoding="utf-8"?>
+<p:sld xmlns:a="http://schemas.openxmlformats.org/drawingml/2006/main" xmlns:r="http://schemas.openxmlformats.org/officeDocument/2006/relationships" xmlns:p="http://schemas.openxmlformats.org/presentationml/2006/main">
+  <p:cSld>
+    <p:spTree>
+      <p:nvGrpSpPr>
+        <p:cNvPr id="1" name=""/>
+        <p:cNvGrpSpPr/>
+        <p:nvPr/>
+      </p:nvGrpSpPr>
+      <p:grpSpPr>
+        <a:xfrm>
+          <a:off x="0" y="0"/>
+          <a:ext cx="0" cy="0"/>
+          <a:chOff x="0" y="0"/>
+          <a:chExt cx="0" cy="0"/>
+        </a:xfrm>
+      </p:grpSpPr>
+      <p:sp>
+        <p:nvSpPr>
+          <p:cNvPr id="2" name="Title 1">
+            <a:extLst>
+              <a:ext uri="{FF2B5EF4-FFF2-40B4-BE49-F238E27FC236}">
+                <a16:creationId xmlns:a16="http://schemas.microsoft.com/office/drawing/2014/main" id="{DA332A10-41A5-9895-0B16-ACEA70293288}"/>
+              </a:ext>
+            </a:extLst>
+          </p:cNvPr>
+          <p:cNvSpPr>
+            <a:spLocks noGrp="1"/>
+          </p:cNvSpPr>
+          <p:nvPr>
+            <p:ph type="title"/>
+          </p:nvPr>
+        </p:nvSpPr>
+        <p:spPr/>
+        <p:txBody>
+          <a:bodyPr/>
+          <a:lstStyle/>
+          <a:p>
+            <a:r>
+              <a:rPr lang="en-GB" dirty="0"/>
+              <a:t>Quiz: Dining Lawyers III</a:t>
+            </a:r>
+            <a:endParaRPr lang="en-SE" dirty="0"/>
+          </a:p>
+        </p:txBody>
+      </p:sp>
+      <p:sp>
+        <p:nvSpPr>
+          <p:cNvPr id="3" name="Content Placeholder 2">
+            <a:extLst>
+              <a:ext uri="{FF2B5EF4-FFF2-40B4-BE49-F238E27FC236}">
+                <a16:creationId xmlns:a16="http://schemas.microsoft.com/office/drawing/2014/main" id="{E9304C07-65AC-81BF-04CE-B8BAC4C0342A}"/>
+              </a:ext>
+            </a:extLst>
+          </p:cNvPr>
+          <p:cNvSpPr>
+            <a:spLocks noGrp="1"/>
+          </p:cNvSpPr>
+          <p:nvPr>
+            <p:ph idx="1"/>
+          </p:nvPr>
+        </p:nvSpPr>
+        <p:spPr/>
+        <p:txBody>
+          <a:bodyPr>
+            <a:normAutofit lnSpcReduction="10000"/>
+          </a:bodyPr>
+          <a:lstStyle/>
+          <a:p>
+            <a:r>
+              <a:rPr lang="en-GB" dirty="0"/>
+              <a:t>If each lawyer has 4 arms, and there is a pile of knives and forks at </a:t>
+            </a:r>
+            <a:r>
+              <a:rPr lang="en-GB" dirty="0" err="1"/>
+              <a:t>center</a:t>
+            </a:r>
+            <a:r>
+              <a:rPr lang="en-GB" dirty="0"/>
+              <a:t> of the table. Assume there are at least 2 knives and 2 forks, so at least one lawyer can eat. Each lawyer follows the following steps:</a:t>
+            </a:r>
+          </a:p>
+          <a:p>
+            <a:pPr lvl="1"/>
+            <a:r>
+              <a:rPr lang="en-GB" dirty="0"/>
+              <a:t>(1) Pick up a knife </a:t>
+            </a:r>
+          </a:p>
+          <a:p>
+            <a:pPr lvl="1"/>
+            <a:r>
+              <a:rPr lang="en-GB" dirty="0"/>
+              <a:t>(2) Pick up another knife</a:t>
+            </a:r>
+          </a:p>
+          <a:p>
+            <a:pPr lvl="1"/>
+            <a:r>
+              <a:rPr lang="en-GB" dirty="0"/>
+              <a:t>(3) Pick up a fork </a:t>
+            </a:r>
+          </a:p>
+          <a:p>
+            <a:pPr lvl="1"/>
+            <a:r>
+              <a:rPr lang="en-GB" dirty="0"/>
+              <a:t>(4) Pick up another fork</a:t>
+            </a:r>
+          </a:p>
+          <a:p>
+            <a:pPr lvl="1"/>
+            <a:r>
+              <a:rPr lang="en-GB" dirty="0"/>
+              <a:t>(5) Eat</a:t>
+            </a:r>
+          </a:p>
+          <a:p>
+            <a:pPr lvl="1"/>
+            <a:r>
+              <a:rPr lang="en-GB" dirty="0"/>
+              <a:t>(6) Return the knife and fork to the pile </a:t>
+            </a:r>
+          </a:p>
+          <a:p>
+            <a:r>
+              <a:rPr lang="en-GB" dirty="0"/>
+              <a:t>Q1: Can the system be deadlocked?</a:t>
+            </a:r>
+          </a:p>
+          <a:p>
+            <a:r>
+              <a:rPr lang="en-GB" dirty="0"/>
+              <a:t>Q2: What if each lawyer may have a different number of arms, and may request a different ratio of knives vs. forks?</a:t>
+            </a:r>
+          </a:p>
+        </p:txBody>
+      </p:sp>
+    </p:spTree>
+    <p:extLst>
+      <p:ext uri="{BB962C8B-B14F-4D97-AF65-F5344CB8AC3E}">
+        <p14:creationId xmlns:p14="http://schemas.microsoft.com/office/powerpoint/2010/main" val="2996913365"/>
+      </p:ext>
+    </p:extLst>
+  </p:cSld>
+  <p:clrMapOvr>
+    <a:masterClrMapping/>
+  </p:clrMapOvr>
+  <p:transition/>
+</p:sld>
+</file>
+
+<file path=ppt/slides/slide2.xml><?xml version="1.0" encoding="utf-8"?>
+<p:sld xmlns:a="http://schemas.openxmlformats.org/drawingml/2006/main" xmlns:r="http://schemas.openxmlformats.org/officeDocument/2006/relationships" xmlns:p="http://schemas.openxmlformats.org/presentationml/2006/main">
+  <p:cSld>
+    <p:spTree>
+      <p:nvGrpSpPr>
+        <p:cNvPr id="1" name=""/>
+        <p:cNvGrpSpPr/>
+        <p:nvPr/>
+      </p:nvGrpSpPr>
+      <p:grpSpPr>
+        <a:xfrm>
+          <a:off x="0" y="0"/>
+          <a:ext cx="0" cy="0"/>
+          <a:chOff x="0" y="0"/>
+          <a:chExt cx="0" cy="0"/>
+        </a:xfrm>
+      </p:grpSpPr>
+      <p:sp>
+        <p:nvSpPr>
+          <p:cNvPr id="2" name="Title 1">
+            <a:extLst>
+              <a:ext uri="{FF2B5EF4-FFF2-40B4-BE49-F238E27FC236}">
                 <a16:creationId xmlns:a16="http://schemas.microsoft.com/office/drawing/2014/main" id="{7A13D3F3-6935-47F2-C47D-DA6888C12654}"/>
               </a:ext>
             </a:extLst>
@@ -5344,7 +5793,7 @@
     </p:spTree>
     <p:extLst>
       <p:ext uri="{BB962C8B-B14F-4D97-AF65-F5344CB8AC3E}">
-        <p14:creationId xmlns:p14="http://schemas.microsoft.com/office/powerpoint/2010/main" val="4222259293"/>
+        <p14:creationId xmlns:p14="http://schemas.microsoft.com/office/powerpoint/2010/main" val="476307369"/>
       </p:ext>
     </p:extLst>
   </p:cSld>
@@ -5355,7 +5804,3354 @@
 </p:sld>
 </file>
 
-<file path=ppt/slides/slide2.xml><?xml version="1.0" encoding="utf-8"?>
+<file path=ppt/slides/slide3.xml><?xml version="1.0" encoding="utf-8"?>
+<p:sld xmlns:a="http://schemas.openxmlformats.org/drawingml/2006/main" xmlns:r="http://schemas.openxmlformats.org/officeDocument/2006/relationships" xmlns:p="http://schemas.openxmlformats.org/presentationml/2006/main">
+  <p:cSld>
+    <p:spTree>
+      <p:nvGrpSpPr>
+        <p:cNvPr id="1" name=""/>
+        <p:cNvGrpSpPr/>
+        <p:nvPr/>
+      </p:nvGrpSpPr>
+      <p:grpSpPr>
+        <a:xfrm>
+          <a:off x="0" y="0"/>
+          <a:ext cx="0" cy="0"/>
+          <a:chOff x="0" y="0"/>
+          <a:chExt cx="0" cy="0"/>
+        </a:xfrm>
+      </p:grpSpPr>
+      <p:sp>
+        <p:nvSpPr>
+          <p:cNvPr id="2" name="Title 1">
+            <a:extLst>
+              <a:ext uri="{FF2B5EF4-FFF2-40B4-BE49-F238E27FC236}">
+                <a16:creationId xmlns:a16="http://schemas.microsoft.com/office/drawing/2014/main" id="{B15C7A1E-92F2-8D72-D28F-25A8DA3DA403}"/>
+              </a:ext>
+            </a:extLst>
+          </p:cNvPr>
+          <p:cNvSpPr>
+            <a:spLocks noGrp="1"/>
+          </p:cNvSpPr>
+          <p:nvPr>
+            <p:ph type="title"/>
+          </p:nvPr>
+        </p:nvSpPr>
+        <p:spPr/>
+        <p:txBody>
+          <a:bodyPr/>
+          <a:lstStyle/>
+          <a:p>
+            <a:r>
+              <a:rPr lang="en-GB" dirty="0"/>
+              <a:t>Quiz: Banker’s Algorithm I</a:t>
+            </a:r>
+            <a:endParaRPr lang="en-SE" dirty="0"/>
+          </a:p>
+        </p:txBody>
+      </p:sp>
+      <mc:AlternateContent xmlns:mc="http://schemas.openxmlformats.org/markup-compatibility/2006">
+        <mc:Choice xmlns:a14="http://schemas.microsoft.com/office/drawing/2010/main" Requires="a14">
+          <p:sp>
+            <p:nvSpPr>
+              <p:cNvPr id="6" name="Object 4">
+                <a:extLst>
+                  <a:ext uri="{FF2B5EF4-FFF2-40B4-BE49-F238E27FC236}">
+                    <a16:creationId xmlns:a16="http://schemas.microsoft.com/office/drawing/2014/main" id="{BFFEFB49-0AA8-B6B6-3070-8CE7F63F52DD}"/>
+                  </a:ext>
+                </a:extLst>
+              </p:cNvPr>
+              <p:cNvSpPr txBox="1"/>
+              <p:nvPr/>
+            </p:nvSpPr>
+            <p:spPr bwMode="auto">
+              <a:xfrm>
+                <a:off x="5414782" y="1111310"/>
+                <a:ext cx="2506222" cy="2430207"/>
+              </a:xfrm>
+              <a:prstGeom prst="rect">
+                <a:avLst/>
+              </a:prstGeom>
+              <a:noFill/>
+            </p:spPr>
+            <p:txBody>
+              <a:bodyPr>
+                <a:normAutofit/>
+              </a:bodyPr>
+              <a:lstStyle/>
+              <a:p>
+                <a:pPr/>
+                <a14:m>
+                  <m:oMathPara xmlns:m="http://schemas.openxmlformats.org/officeDocument/2006/math">
+                    <m:oMathParaPr>
+                      <m:jc m:val="left"/>
+                    </m:oMathParaPr>
+                    <m:oMath xmlns:m="http://schemas.openxmlformats.org/officeDocument/2006/math">
+                      <m:r>
+                        <a:rPr lang="en-SE" sz="2400" i="1" smtClean="0">
+                          <a:solidFill>
+                            <a:srgbClr val="000000"/>
+                          </a:solidFill>
+                          <a:latin typeface="Cambria Math" panose="02040503050406030204" pitchFamily="18" charset="0"/>
+                        </a:rPr>
+                        <m:t>𝑅</m:t>
+                      </m:r>
+                      <m:r>
+                        <a:rPr lang="en-SE" sz="2400" i="1" smtClean="0">
+                          <a:solidFill>
+                            <a:srgbClr val="000000"/>
+                          </a:solidFill>
+                          <a:latin typeface="Cambria Math" panose="02040503050406030204" pitchFamily="18" charset="0"/>
+                        </a:rPr>
+                        <m:t>=</m:t>
+                      </m:r>
+                      <m:d>
+                        <m:dPr>
+                          <m:begChr m:val="["/>
+                          <m:endChr m:val="]"/>
+                          <m:ctrlPr>
+                            <a:rPr lang="en-SE" sz="2400" i="1">
+                              <a:solidFill>
+                                <a:srgbClr val="000000"/>
+                              </a:solidFill>
+                              <a:latin typeface="Cambria Math" panose="02040503050406030204" pitchFamily="18" charset="0"/>
+                            </a:rPr>
+                          </m:ctrlPr>
+                        </m:dPr>
+                        <m:e>
+                          <m:m>
+                            <m:mPr>
+                              <m:mcs>
+                                <m:mc>
+                                  <m:mcPr>
+                                    <m:count m:val="3"/>
+                                    <m:mcJc m:val="center"/>
+                                  </m:mcPr>
+                                </m:mc>
+                              </m:mcs>
+                              <m:ctrlPr>
+                                <a:rPr lang="en-SE" sz="2400" b="0" i="1">
+                                  <a:solidFill>
+                                    <a:srgbClr val="000000"/>
+                                  </a:solidFill>
+                                  <a:latin typeface="Cambria Math" panose="02040503050406030204" pitchFamily="18" charset="0"/>
+                                </a:rPr>
+                              </m:ctrlPr>
+                            </m:mPr>
+                            <m:mr>
+                              <m:e>
+                                <m:r>
+                                  <a:rPr lang="en-GB" sz="2400" b="0" i="0" smtClean="0">
+                                    <a:solidFill>
+                                      <a:srgbClr val="000000"/>
+                                    </a:solidFill>
+                                    <a:latin typeface="Cambria Math" panose="02040503050406030204" pitchFamily="18" charset="0"/>
+                                  </a:rPr>
+                                  <m:t>7</m:t>
+                                </m:r>
+                              </m:e>
+                              <m:e>
+                                <m:r>
+                                  <a:rPr lang="en-GB" sz="2400" b="0" i="0" smtClean="0">
+                                    <a:solidFill>
+                                      <a:srgbClr val="000000"/>
+                                    </a:solidFill>
+                                    <a:latin typeface="Cambria Math" panose="02040503050406030204" pitchFamily="18" charset="0"/>
+                                  </a:rPr>
+                                  <m:t>5</m:t>
+                                </m:r>
+                              </m:e>
+                              <m:e>
+                                <m:r>
+                                  <a:rPr lang="en-GB" sz="2400" b="0" i="0" smtClean="0">
+                                    <a:solidFill>
+                                      <a:srgbClr val="000000"/>
+                                    </a:solidFill>
+                                    <a:latin typeface="Cambria Math" panose="02040503050406030204" pitchFamily="18" charset="0"/>
+                                  </a:rPr>
+                                  <m:t>3</m:t>
+                                </m:r>
+                              </m:e>
+                            </m:mr>
+                            <m:mr>
+                              <m:e>
+                                <m:r>
+                                  <a:rPr lang="en-GB" sz="2400" b="0" i="0" smtClean="0">
+                                    <a:solidFill>
+                                      <a:srgbClr val="000000"/>
+                                    </a:solidFill>
+                                    <a:latin typeface="Cambria Math" panose="02040503050406030204" pitchFamily="18" charset="0"/>
+                                  </a:rPr>
+                                  <m:t>3</m:t>
+                                </m:r>
+                              </m:e>
+                              <m:e>
+                                <m:r>
+                                  <a:rPr lang="en-GB" sz="2400" b="0" i="0" smtClean="0">
+                                    <a:solidFill>
+                                      <a:srgbClr val="000000"/>
+                                    </a:solidFill>
+                                    <a:latin typeface="Cambria Math" panose="02040503050406030204" pitchFamily="18" charset="0"/>
+                                  </a:rPr>
+                                  <m:t>2</m:t>
+                                </m:r>
+                              </m:e>
+                              <m:e>
+                                <m:r>
+                                  <a:rPr lang="en-GB" sz="2400" b="0" i="0" smtClean="0">
+                                    <a:solidFill>
+                                      <a:srgbClr val="000000"/>
+                                    </a:solidFill>
+                                    <a:latin typeface="Cambria Math" panose="02040503050406030204" pitchFamily="18" charset="0"/>
+                                  </a:rPr>
+                                  <m:t>2</m:t>
+                                </m:r>
+                              </m:e>
+                            </m:mr>
+                            <m:mr>
+                              <m:e>
+                                <m:r>
+                                  <a:rPr lang="en-GB" sz="2400" b="0" i="0" smtClean="0">
+                                    <a:solidFill>
+                                      <a:srgbClr val="000000"/>
+                                    </a:solidFill>
+                                    <a:latin typeface="Cambria Math" panose="02040503050406030204" pitchFamily="18" charset="0"/>
+                                  </a:rPr>
+                                  <m:t>9</m:t>
+                                </m:r>
+                              </m:e>
+                              <m:e>
+                                <m:r>
+                                  <a:rPr lang="en-GB" sz="2400" b="0" i="0" smtClean="0">
+                                    <a:solidFill>
+                                      <a:srgbClr val="000000"/>
+                                    </a:solidFill>
+                                    <a:latin typeface="Cambria Math" panose="02040503050406030204" pitchFamily="18" charset="0"/>
+                                  </a:rPr>
+                                  <m:t>0</m:t>
+                                </m:r>
+                              </m:e>
+                              <m:e>
+                                <m:r>
+                                  <a:rPr lang="en-GB" sz="2400" b="0" i="0" smtClean="0">
+                                    <a:solidFill>
+                                      <a:srgbClr val="000000"/>
+                                    </a:solidFill>
+                                    <a:latin typeface="Cambria Math" panose="02040503050406030204" pitchFamily="18" charset="0"/>
+                                  </a:rPr>
+                                  <m:t>2</m:t>
+                                </m:r>
+                              </m:e>
+                            </m:mr>
+                            <m:mr>
+                              <m:e>
+                                <m:r>
+                                  <a:rPr lang="en-GB" sz="2400" b="0" i="0" smtClean="0">
+                                    <a:solidFill>
+                                      <a:srgbClr val="000000"/>
+                                    </a:solidFill>
+                                    <a:latin typeface="Cambria Math" panose="02040503050406030204" pitchFamily="18" charset="0"/>
+                                  </a:rPr>
+                                  <m:t>2</m:t>
+                                </m:r>
+                              </m:e>
+                              <m:e>
+                                <m:r>
+                                  <a:rPr lang="en-GB" sz="2400" b="0" i="0" smtClean="0">
+                                    <a:solidFill>
+                                      <a:srgbClr val="000000"/>
+                                    </a:solidFill>
+                                    <a:latin typeface="Cambria Math" panose="02040503050406030204" pitchFamily="18" charset="0"/>
+                                  </a:rPr>
+                                  <m:t>2</m:t>
+                                </m:r>
+                              </m:e>
+                              <m:e>
+                                <m:r>
+                                  <a:rPr lang="en-GB" sz="2400" b="0" i="0" smtClean="0">
+                                    <a:solidFill>
+                                      <a:srgbClr val="000000"/>
+                                    </a:solidFill>
+                                    <a:latin typeface="Cambria Math" panose="02040503050406030204" pitchFamily="18" charset="0"/>
+                                  </a:rPr>
+                                  <m:t>2</m:t>
+                                </m:r>
+                              </m:e>
+                            </m:mr>
+                            <m:mr>
+                              <m:e>
+                                <m:r>
+                                  <a:rPr lang="en-GB" sz="2400" b="0" i="0" smtClean="0">
+                                    <a:solidFill>
+                                      <a:srgbClr val="000000"/>
+                                    </a:solidFill>
+                                    <a:latin typeface="Cambria Math" panose="02040503050406030204" pitchFamily="18" charset="0"/>
+                                  </a:rPr>
+                                  <m:t>4</m:t>
+                                </m:r>
+                              </m:e>
+                              <m:e>
+                                <m:r>
+                                  <a:rPr lang="en-GB" sz="2400" b="0" i="0" smtClean="0">
+                                    <a:solidFill>
+                                      <a:srgbClr val="000000"/>
+                                    </a:solidFill>
+                                    <a:latin typeface="Cambria Math" panose="02040503050406030204" pitchFamily="18" charset="0"/>
+                                  </a:rPr>
+                                  <m:t>3</m:t>
+                                </m:r>
+                              </m:e>
+                              <m:e>
+                                <m:r>
+                                  <a:rPr lang="en-GB" sz="2400" b="0" i="0" smtClean="0">
+                                    <a:solidFill>
+                                      <a:srgbClr val="000000"/>
+                                    </a:solidFill>
+                                    <a:latin typeface="Cambria Math" panose="02040503050406030204" pitchFamily="18" charset="0"/>
+                                  </a:rPr>
+                                  <m:t>3</m:t>
+                                </m:r>
+                              </m:e>
+                            </m:mr>
+                          </m:m>
+                        </m:e>
+                      </m:d>
+                    </m:oMath>
+                  </m:oMathPara>
+                </a14:m>
+                <a:endParaRPr lang="en-SE" sz="2000" dirty="0"/>
+              </a:p>
+            </p:txBody>
+          </p:sp>
+        </mc:Choice>
+        <mc:Fallback>
+          <p:sp>
+            <p:nvSpPr>
+              <p:cNvPr id="6" name="Object 4">
+                <a:extLst>
+                  <a:ext uri="{FF2B5EF4-FFF2-40B4-BE49-F238E27FC236}">
+                    <a16:creationId xmlns:a16="http://schemas.microsoft.com/office/drawing/2014/main" id="{BFFEFB49-0AA8-B6B6-3070-8CE7F63F52DD}"/>
+                  </a:ext>
+                </a:extLst>
+              </p:cNvPr>
+              <p:cNvSpPr txBox="1">
+                <a:spLocks noRot="1" noChangeAspect="1" noMove="1" noResize="1" noEditPoints="1" noAdjustHandles="1" noChangeArrowheads="1" noChangeShapeType="1" noTextEdit="1"/>
+              </p:cNvSpPr>
+              <p:nvPr/>
+            </p:nvSpPr>
+            <p:spPr bwMode="auto">
+              <a:xfrm>
+                <a:off x="5414782" y="1111310"/>
+                <a:ext cx="2506222" cy="2430207"/>
+              </a:xfrm>
+              <a:prstGeom prst="rect">
+                <a:avLst/>
+              </a:prstGeom>
+              <a:blipFill>
+                <a:blip r:embed="rId2"/>
+                <a:stretch>
+                  <a:fillRect/>
+                </a:stretch>
+              </a:blipFill>
+            </p:spPr>
+            <p:txBody>
+              <a:bodyPr/>
+              <a:lstStyle/>
+              <a:p>
+                <a:r>
+                  <a:rPr lang="en-SE">
+                    <a:noFill/>
+                  </a:rPr>
+                  <a:t> </a:t>
+                </a:r>
+              </a:p>
+            </p:txBody>
+          </p:sp>
+        </mc:Fallback>
+      </mc:AlternateContent>
+      <p:sp>
+        <p:nvSpPr>
+          <p:cNvPr id="22" name="Rectangle 3">
+            <a:extLst>
+              <a:ext uri="{FF2B5EF4-FFF2-40B4-BE49-F238E27FC236}">
+                <a16:creationId xmlns:a16="http://schemas.microsoft.com/office/drawing/2014/main" id="{E6AF71B3-F5D1-B2DE-B835-5C8208F44553}"/>
+              </a:ext>
+            </a:extLst>
+          </p:cNvPr>
+          <p:cNvSpPr txBox="1">
+            <a:spLocks noChangeArrowheads="1"/>
+          </p:cNvSpPr>
+          <p:nvPr/>
+        </p:nvSpPr>
+        <p:spPr bwMode="auto">
+          <a:xfrm>
+            <a:off x="76200" y="711200"/>
+            <a:ext cx="5409959" cy="6146800"/>
+          </a:xfrm>
+          <a:prstGeom prst="rect">
+            <a:avLst/>
+          </a:prstGeom>
+          <a:noFill/>
+          <a:ln w="9525">
+            <a:noFill/>
+            <a:miter lim="800000"/>
+            <a:headEnd/>
+            <a:tailEnd/>
+          </a:ln>
+        </p:spPr>
+        <p:txBody>
+          <a:bodyPr vert="horz" wrap="square" lIns="91440" tIns="45720" rIns="91440" bIns="45720" numCol="1" anchor="t" anchorCtr="0" compatLnSpc="1">
+            <a:prstTxWarp prst="textNoShape">
+              <a:avLst/>
+            </a:prstTxWarp>
+          </a:bodyPr>
+          <a:lstStyle>
+            <a:lvl1pPr marL="469900" indent="-469900" algn="l" rtl="0" eaLnBrk="1" fontAlgn="base" hangingPunct="1">
+              <a:spcBef>
+                <a:spcPct val="20000"/>
+              </a:spcBef>
+              <a:spcAft>
+                <a:spcPct val="0"/>
+              </a:spcAft>
+              <a:buClr>
+                <a:schemeClr val="bg2"/>
+              </a:buClr>
+              <a:buSzPct val="90000"/>
+              <a:buFont typeface="Wingdings" pitchFamily="2" charset="2"/>
+              <a:buChar char="]"/>
+              <a:defRPr sz="3200">
+                <a:solidFill>
+                  <a:schemeClr val="tx1"/>
+                </a:solidFill>
+                <a:latin typeface="+mn-lt"/>
+                <a:ea typeface="+mn-ea"/>
+                <a:cs typeface="+mn-cs"/>
+              </a:defRPr>
+            </a:lvl1pPr>
+            <a:lvl2pPr marL="908050" indent="-436563" algn="l" rtl="0" eaLnBrk="1" fontAlgn="base" hangingPunct="1">
+              <a:spcBef>
+                <a:spcPct val="20000"/>
+              </a:spcBef>
+              <a:spcAft>
+                <a:spcPct val="0"/>
+              </a:spcAft>
+              <a:buClr>
+                <a:schemeClr val="accent2"/>
+              </a:buClr>
+              <a:buSzPct val="85000"/>
+              <a:buFont typeface="Wingdings" pitchFamily="2" charset="2"/>
+              <a:buChar char="S"/>
+              <a:defRPr sz="2800">
+                <a:solidFill>
+                  <a:schemeClr val="tx1"/>
+                </a:solidFill>
+                <a:latin typeface="+mn-lt"/>
+              </a:defRPr>
+            </a:lvl2pPr>
+            <a:lvl3pPr marL="1377950" indent="-468313" algn="l" rtl="0" eaLnBrk="1" fontAlgn="base" hangingPunct="1">
+              <a:spcBef>
+                <a:spcPct val="20000"/>
+              </a:spcBef>
+              <a:spcAft>
+                <a:spcPct val="0"/>
+              </a:spcAft>
+              <a:buClr>
+                <a:schemeClr val="bg2"/>
+              </a:buClr>
+              <a:buSzPct val="75000"/>
+              <a:buFont typeface="Wingdings" pitchFamily="2" charset="2"/>
+              <a:buChar char="l"/>
+              <a:defRPr sz="2400">
+                <a:solidFill>
+                  <a:schemeClr val="tx1"/>
+                </a:solidFill>
+                <a:latin typeface="+mn-lt"/>
+              </a:defRPr>
+            </a:lvl3pPr>
+            <a:lvl4pPr marL="1827213" indent="-438150" algn="l" rtl="0" eaLnBrk="1" fontAlgn="base" hangingPunct="1">
+              <a:spcBef>
+                <a:spcPct val="20000"/>
+              </a:spcBef>
+              <a:spcAft>
+                <a:spcPct val="0"/>
+              </a:spcAft>
+              <a:buClr>
+                <a:schemeClr val="accent2"/>
+              </a:buClr>
+              <a:buSzPct val="75000"/>
+              <a:buFont typeface="Wingdings" pitchFamily="2" charset="2"/>
+              <a:buChar char="n"/>
+              <a:defRPr sz="2000">
+                <a:solidFill>
+                  <a:schemeClr val="tx1"/>
+                </a:solidFill>
+                <a:latin typeface="+mn-lt"/>
+              </a:defRPr>
+            </a:lvl4pPr>
+            <a:lvl5pPr marL="2297113" indent="-468313" algn="l" rtl="0" eaLnBrk="1" fontAlgn="base" hangingPunct="1">
+              <a:spcBef>
+                <a:spcPct val="20000"/>
+              </a:spcBef>
+              <a:spcAft>
+                <a:spcPct val="0"/>
+              </a:spcAft>
+              <a:buClr>
+                <a:schemeClr val="accent1"/>
+              </a:buClr>
+              <a:buSzPct val="50000"/>
+              <a:buFont typeface="Wingdings" pitchFamily="2" charset="2"/>
+              <a:buChar char="o"/>
+              <a:defRPr sz="2000">
+                <a:solidFill>
+                  <a:schemeClr val="tx1"/>
+                </a:solidFill>
+                <a:latin typeface="+mn-lt"/>
+              </a:defRPr>
+            </a:lvl5pPr>
+            <a:lvl6pPr marL="2754313" indent="-468313" algn="l" rtl="0" eaLnBrk="1" fontAlgn="base" hangingPunct="1">
+              <a:spcBef>
+                <a:spcPct val="20000"/>
+              </a:spcBef>
+              <a:spcAft>
+                <a:spcPct val="0"/>
+              </a:spcAft>
+              <a:buClr>
+                <a:schemeClr val="accent1"/>
+              </a:buClr>
+              <a:buSzPct val="50000"/>
+              <a:buFont typeface="Wingdings" pitchFamily="2" charset="2"/>
+              <a:buChar char="o"/>
+              <a:defRPr sz="2000">
+                <a:solidFill>
+                  <a:schemeClr val="tx1"/>
+                </a:solidFill>
+                <a:latin typeface="+mn-lt"/>
+              </a:defRPr>
+            </a:lvl6pPr>
+            <a:lvl7pPr marL="3211513" indent="-468313" algn="l" rtl="0" eaLnBrk="1" fontAlgn="base" hangingPunct="1">
+              <a:spcBef>
+                <a:spcPct val="20000"/>
+              </a:spcBef>
+              <a:spcAft>
+                <a:spcPct val="0"/>
+              </a:spcAft>
+              <a:buClr>
+                <a:schemeClr val="accent1"/>
+              </a:buClr>
+              <a:buSzPct val="50000"/>
+              <a:buFont typeface="Wingdings" pitchFamily="2" charset="2"/>
+              <a:buChar char="o"/>
+              <a:defRPr sz="2000">
+                <a:solidFill>
+                  <a:schemeClr val="tx1"/>
+                </a:solidFill>
+                <a:latin typeface="+mn-lt"/>
+              </a:defRPr>
+            </a:lvl7pPr>
+            <a:lvl8pPr marL="3668713" indent="-468313" algn="l" rtl="0" eaLnBrk="1" fontAlgn="base" hangingPunct="1">
+              <a:spcBef>
+                <a:spcPct val="20000"/>
+              </a:spcBef>
+              <a:spcAft>
+                <a:spcPct val="0"/>
+              </a:spcAft>
+              <a:buClr>
+                <a:schemeClr val="accent1"/>
+              </a:buClr>
+              <a:buSzPct val="50000"/>
+              <a:buFont typeface="Wingdings" pitchFamily="2" charset="2"/>
+              <a:buChar char="o"/>
+              <a:defRPr sz="2000">
+                <a:solidFill>
+                  <a:schemeClr val="tx1"/>
+                </a:solidFill>
+                <a:latin typeface="+mn-lt"/>
+              </a:defRPr>
+            </a:lvl8pPr>
+            <a:lvl9pPr marL="4125913" indent="-468313" algn="l" rtl="0" eaLnBrk="1" fontAlgn="base" hangingPunct="1">
+              <a:spcBef>
+                <a:spcPct val="20000"/>
+              </a:spcBef>
+              <a:spcAft>
+                <a:spcPct val="0"/>
+              </a:spcAft>
+              <a:buClr>
+                <a:schemeClr val="accent1"/>
+              </a:buClr>
+              <a:buSzPct val="50000"/>
+              <a:buFont typeface="Wingdings" pitchFamily="2" charset="2"/>
+              <a:buChar char="o"/>
+              <a:defRPr sz="2000">
+                <a:solidFill>
+                  <a:schemeClr val="tx1"/>
+                </a:solidFill>
+                <a:latin typeface="+mn-lt"/>
+              </a:defRPr>
+            </a:lvl9pPr>
+          </a:lstStyle>
+          <a:p>
+            <a:pPr>
+              <a:lnSpc>
+                <a:spcPct val="90000"/>
+              </a:lnSpc>
+            </a:pPr>
+            <a:r>
+              <a:rPr lang="en-GB" altLang="zh-CN" sz="2800" b="0" kern="0" dirty="0">
+                <a:latin typeface="Gill Sans" panose="020B0502020104020203"/>
+                <a:ea typeface="宋体" charset="-122"/>
+              </a:rPr>
+              <a:t>4 processes P1 through P5; 3 resource types R1, R2, R3 with 7, 3, 6 instances each.</a:t>
+            </a:r>
+          </a:p>
+          <a:p>
+            <a:pPr>
+              <a:lnSpc>
+                <a:spcPct val="90000"/>
+              </a:lnSpc>
+            </a:pPr>
+            <a:r>
+              <a:rPr lang="en-GB" altLang="zh-CN" sz="2800" b="0" kern="0" dirty="0">
+                <a:latin typeface="Gill Sans" panose="020B0502020104020203"/>
+                <a:ea typeface="宋体" charset="-122"/>
+              </a:rPr>
+              <a:t>Run Banker’s algorithm to check if the current state is safe. If yes, give a safe sequence of process completions and fill in the table with the sequence of process completions without deadlock, and available resources after the completion of each process. </a:t>
+            </a:r>
+          </a:p>
+          <a:p>
+            <a:pPr>
+              <a:lnSpc>
+                <a:spcPct val="90000"/>
+              </a:lnSpc>
+            </a:pPr>
+            <a:r>
+              <a:rPr lang="en-GB" altLang="zh-CN" sz="2800" b="0" kern="0" dirty="0">
+                <a:latin typeface="Gill Sans" panose="020B0502020104020203"/>
+                <a:ea typeface="宋体" charset="-122"/>
+              </a:rPr>
+              <a:t>(You will be graded on “Need matrix”, and “Available resources after completion of each process”.)</a:t>
+            </a:r>
+          </a:p>
+          <a:p>
+            <a:pPr>
+              <a:lnSpc>
+                <a:spcPct val="90000"/>
+              </a:lnSpc>
+            </a:pPr>
+            <a:endParaRPr lang="en-US" altLang="zh-CN" sz="2400" b="0" kern="0" dirty="0">
+              <a:latin typeface="Gill Sans" panose="020B0502020104020203"/>
+              <a:ea typeface="宋体" charset="-122"/>
+            </a:endParaRPr>
+          </a:p>
+        </p:txBody>
+      </p:sp>
+      <mc:AlternateContent xmlns:mc="http://schemas.openxmlformats.org/markup-compatibility/2006">
+        <mc:Choice xmlns:a14="http://schemas.microsoft.com/office/drawing/2010/main" Requires="a14">
+          <p:sp>
+            <p:nvSpPr>
+              <p:cNvPr id="35" name="Object 4">
+                <a:extLst>
+                  <a:ext uri="{FF2B5EF4-FFF2-40B4-BE49-F238E27FC236}">
+                    <a16:creationId xmlns:a16="http://schemas.microsoft.com/office/drawing/2014/main" id="{376BA3C3-16D1-1577-C8A1-E66E0B609483}"/>
+                  </a:ext>
+                </a:extLst>
+              </p:cNvPr>
+              <p:cNvSpPr txBox="1"/>
+              <p:nvPr/>
+            </p:nvSpPr>
+            <p:spPr bwMode="auto">
+              <a:xfrm>
+                <a:off x="8839200" y="1070667"/>
+                <a:ext cx="2506222" cy="2430207"/>
+              </a:xfrm>
+              <a:prstGeom prst="rect">
+                <a:avLst/>
+              </a:prstGeom>
+              <a:noFill/>
+            </p:spPr>
+            <p:txBody>
+              <a:bodyPr>
+                <a:normAutofit/>
+              </a:bodyPr>
+              <a:lstStyle/>
+              <a:p>
+                <a:pPr/>
+                <a14:m>
+                  <m:oMathPara xmlns:m="http://schemas.openxmlformats.org/officeDocument/2006/math">
+                    <m:oMathParaPr>
+                      <m:jc m:val="left"/>
+                    </m:oMathParaPr>
+                    <m:oMath xmlns:m="http://schemas.openxmlformats.org/officeDocument/2006/math">
+                      <m:r>
+                        <a:rPr lang="en-GB" sz="2400" b="0" i="1" smtClean="0">
+                          <a:solidFill>
+                            <a:srgbClr val="000000"/>
+                          </a:solidFill>
+                          <a:latin typeface="Cambria Math" panose="02040503050406030204" pitchFamily="18" charset="0"/>
+                        </a:rPr>
+                        <m:t>𝐶</m:t>
+                      </m:r>
+                      <m:r>
+                        <a:rPr lang="en-SE" sz="2400" i="1" smtClean="0">
+                          <a:solidFill>
+                            <a:srgbClr val="000000"/>
+                          </a:solidFill>
+                          <a:latin typeface="Cambria Math" panose="02040503050406030204" pitchFamily="18" charset="0"/>
+                        </a:rPr>
+                        <m:t>=</m:t>
+                      </m:r>
+                      <m:d>
+                        <m:dPr>
+                          <m:begChr m:val="["/>
+                          <m:endChr m:val="]"/>
+                          <m:ctrlPr>
+                            <a:rPr lang="en-SE" sz="2400" i="1">
+                              <a:solidFill>
+                                <a:srgbClr val="000000"/>
+                              </a:solidFill>
+                              <a:latin typeface="Cambria Math" panose="02040503050406030204" pitchFamily="18" charset="0"/>
+                            </a:rPr>
+                          </m:ctrlPr>
+                        </m:dPr>
+                        <m:e>
+                          <m:m>
+                            <m:mPr>
+                              <m:mcs>
+                                <m:mc>
+                                  <m:mcPr>
+                                    <m:count m:val="3"/>
+                                    <m:mcJc m:val="center"/>
+                                  </m:mcPr>
+                                </m:mc>
+                              </m:mcs>
+                              <m:ctrlPr>
+                                <a:rPr lang="en-SE" sz="2400" b="0" i="1">
+                                  <a:solidFill>
+                                    <a:srgbClr val="000000"/>
+                                  </a:solidFill>
+                                  <a:latin typeface="Cambria Math" panose="02040503050406030204" pitchFamily="18" charset="0"/>
+                                </a:rPr>
+                              </m:ctrlPr>
+                            </m:mPr>
+                            <m:mr>
+                              <m:e>
+                                <m:r>
+                                  <m:rPr>
+                                    <m:brk m:alnAt="7"/>
+                                  </m:rPr>
+                                  <a:rPr lang="en-GB" sz="2400" b="0" i="0" smtClean="0">
+                                    <a:solidFill>
+                                      <a:srgbClr val="000000"/>
+                                    </a:solidFill>
+                                    <a:latin typeface="Cambria Math" panose="02040503050406030204" pitchFamily="18" charset="0"/>
+                                  </a:rPr>
+                                  <m:t>0</m:t>
+                                </m:r>
+                              </m:e>
+                              <m:e>
+                                <m:r>
+                                  <a:rPr lang="en-GB" sz="2400" b="0" i="0" smtClean="0">
+                                    <a:solidFill>
+                                      <a:srgbClr val="000000"/>
+                                    </a:solidFill>
+                                    <a:latin typeface="Cambria Math" panose="02040503050406030204" pitchFamily="18" charset="0"/>
+                                  </a:rPr>
+                                  <m:t>1</m:t>
+                                </m:r>
+                              </m:e>
+                              <m:e>
+                                <m:r>
+                                  <a:rPr lang="en-GB" sz="2400" b="0" i="0" smtClean="0">
+                                    <a:solidFill>
+                                      <a:srgbClr val="000000"/>
+                                    </a:solidFill>
+                                    <a:latin typeface="Cambria Math" panose="02040503050406030204" pitchFamily="18" charset="0"/>
+                                  </a:rPr>
+                                  <m:t>0</m:t>
+                                </m:r>
+                              </m:e>
+                            </m:mr>
+                            <m:mr>
+                              <m:e>
+                                <m:r>
+                                  <a:rPr lang="en-GB" sz="2400" b="0" i="0" smtClean="0">
+                                    <a:solidFill>
+                                      <a:srgbClr val="000000"/>
+                                    </a:solidFill>
+                                    <a:latin typeface="Cambria Math" panose="02040503050406030204" pitchFamily="18" charset="0"/>
+                                  </a:rPr>
+                                  <m:t>2</m:t>
+                                </m:r>
+                              </m:e>
+                              <m:e>
+                                <m:r>
+                                  <a:rPr lang="en-GB" sz="2400" b="0" i="0" smtClean="0">
+                                    <a:solidFill>
+                                      <a:srgbClr val="000000"/>
+                                    </a:solidFill>
+                                    <a:latin typeface="Cambria Math" panose="02040503050406030204" pitchFamily="18" charset="0"/>
+                                  </a:rPr>
+                                  <m:t>0</m:t>
+                                </m:r>
+                              </m:e>
+                              <m:e>
+                                <m:r>
+                                  <a:rPr lang="en-GB" sz="2400" b="0" i="0" smtClean="0">
+                                    <a:solidFill>
+                                      <a:srgbClr val="000000"/>
+                                    </a:solidFill>
+                                    <a:latin typeface="Cambria Math" panose="02040503050406030204" pitchFamily="18" charset="0"/>
+                                  </a:rPr>
+                                  <m:t>0</m:t>
+                                </m:r>
+                              </m:e>
+                            </m:mr>
+                            <m:mr>
+                              <m:e>
+                                <m:r>
+                                  <a:rPr lang="en-GB" sz="2400" b="0" i="0" smtClean="0">
+                                    <a:solidFill>
+                                      <a:srgbClr val="000000"/>
+                                    </a:solidFill>
+                                    <a:latin typeface="Cambria Math" panose="02040503050406030204" pitchFamily="18" charset="0"/>
+                                  </a:rPr>
+                                  <m:t>3</m:t>
+                                </m:r>
+                              </m:e>
+                              <m:e>
+                                <m:r>
+                                  <a:rPr lang="en-GB" sz="2400" b="0" i="0" smtClean="0">
+                                    <a:solidFill>
+                                      <a:srgbClr val="000000"/>
+                                    </a:solidFill>
+                                    <a:latin typeface="Cambria Math" panose="02040503050406030204" pitchFamily="18" charset="0"/>
+                                  </a:rPr>
+                                  <m:t>0</m:t>
+                                </m:r>
+                              </m:e>
+                              <m:e>
+                                <m:r>
+                                  <a:rPr lang="en-GB" sz="2400" b="0" i="0" smtClean="0">
+                                    <a:solidFill>
+                                      <a:srgbClr val="000000"/>
+                                    </a:solidFill>
+                                    <a:latin typeface="Cambria Math" panose="02040503050406030204" pitchFamily="18" charset="0"/>
+                                  </a:rPr>
+                                  <m:t>2</m:t>
+                                </m:r>
+                              </m:e>
+                            </m:mr>
+                            <m:mr>
+                              <m:e>
+                                <m:r>
+                                  <a:rPr lang="en-GB" sz="2400" b="0" i="0" smtClean="0">
+                                    <a:solidFill>
+                                      <a:srgbClr val="000000"/>
+                                    </a:solidFill>
+                                    <a:latin typeface="Cambria Math" panose="02040503050406030204" pitchFamily="18" charset="0"/>
+                                  </a:rPr>
+                                  <m:t>2</m:t>
+                                </m:r>
+                              </m:e>
+                              <m:e>
+                                <m:r>
+                                  <a:rPr lang="en-GB" sz="2400" b="0" i="0" smtClean="0">
+                                    <a:solidFill>
+                                      <a:srgbClr val="000000"/>
+                                    </a:solidFill>
+                                    <a:latin typeface="Cambria Math" panose="02040503050406030204" pitchFamily="18" charset="0"/>
+                                  </a:rPr>
+                                  <m:t>1</m:t>
+                                </m:r>
+                              </m:e>
+                              <m:e>
+                                <m:r>
+                                  <a:rPr lang="en-GB" sz="2400" b="0" i="0" smtClean="0">
+                                    <a:solidFill>
+                                      <a:srgbClr val="000000"/>
+                                    </a:solidFill>
+                                    <a:latin typeface="Cambria Math" panose="02040503050406030204" pitchFamily="18" charset="0"/>
+                                  </a:rPr>
+                                  <m:t>1</m:t>
+                                </m:r>
+                              </m:e>
+                            </m:mr>
+                            <m:mr>
+                              <m:e>
+                                <m:r>
+                                  <a:rPr lang="en-GB" sz="2400" b="0" i="0" smtClean="0">
+                                    <a:solidFill>
+                                      <a:srgbClr val="000000"/>
+                                    </a:solidFill>
+                                    <a:latin typeface="Cambria Math" panose="02040503050406030204" pitchFamily="18" charset="0"/>
+                                  </a:rPr>
+                                  <m:t>0</m:t>
+                                </m:r>
+                              </m:e>
+                              <m:e>
+                                <m:r>
+                                  <a:rPr lang="en-GB" sz="2400" b="0" i="0" smtClean="0">
+                                    <a:solidFill>
+                                      <a:srgbClr val="000000"/>
+                                    </a:solidFill>
+                                    <a:latin typeface="Cambria Math" panose="02040503050406030204" pitchFamily="18" charset="0"/>
+                                  </a:rPr>
+                                  <m:t>0</m:t>
+                                </m:r>
+                              </m:e>
+                              <m:e>
+                                <m:r>
+                                  <a:rPr lang="en-GB" sz="2400" b="0" i="0" smtClean="0">
+                                    <a:solidFill>
+                                      <a:srgbClr val="000000"/>
+                                    </a:solidFill>
+                                    <a:latin typeface="Cambria Math" panose="02040503050406030204" pitchFamily="18" charset="0"/>
+                                  </a:rPr>
+                                  <m:t>2</m:t>
+                                </m:r>
+                              </m:e>
+                            </m:mr>
+                          </m:m>
+                        </m:e>
+                      </m:d>
+                    </m:oMath>
+                  </m:oMathPara>
+                </a14:m>
+                <a:endParaRPr lang="en-SE" sz="2000" dirty="0"/>
+              </a:p>
+            </p:txBody>
+          </p:sp>
+        </mc:Choice>
+        <mc:Fallback>
+          <p:sp>
+            <p:nvSpPr>
+              <p:cNvPr id="35" name="Object 4">
+                <a:extLst>
+                  <a:ext uri="{FF2B5EF4-FFF2-40B4-BE49-F238E27FC236}">
+                    <a16:creationId xmlns:a16="http://schemas.microsoft.com/office/drawing/2014/main" id="{376BA3C3-16D1-1577-C8A1-E66E0B609483}"/>
+                  </a:ext>
+                </a:extLst>
+              </p:cNvPr>
+              <p:cNvSpPr txBox="1">
+                <a:spLocks noRot="1" noChangeAspect="1" noMove="1" noResize="1" noEditPoints="1" noAdjustHandles="1" noChangeArrowheads="1" noChangeShapeType="1" noTextEdit="1"/>
+              </p:cNvSpPr>
+              <p:nvPr/>
+            </p:nvSpPr>
+            <p:spPr bwMode="auto">
+              <a:xfrm>
+                <a:off x="8839200" y="1070667"/>
+                <a:ext cx="2506222" cy="2430207"/>
+              </a:xfrm>
+              <a:prstGeom prst="rect">
+                <a:avLst/>
+              </a:prstGeom>
+              <a:blipFill>
+                <a:blip r:embed="rId3"/>
+                <a:stretch>
+                  <a:fillRect/>
+                </a:stretch>
+              </a:blipFill>
+            </p:spPr>
+            <p:txBody>
+              <a:bodyPr/>
+              <a:lstStyle/>
+              <a:p>
+                <a:r>
+                  <a:rPr lang="en-SE">
+                    <a:noFill/>
+                  </a:rPr>
+                  <a:t> </a:t>
+                </a:r>
+              </a:p>
+            </p:txBody>
+          </p:sp>
+        </mc:Fallback>
+      </mc:AlternateContent>
+      <p:sp>
+        <p:nvSpPr>
+          <p:cNvPr id="3" name="TextBox 2">
+            <a:extLst>
+              <a:ext uri="{FF2B5EF4-FFF2-40B4-BE49-F238E27FC236}">
+                <a16:creationId xmlns:a16="http://schemas.microsoft.com/office/drawing/2014/main" id="{3D5F76B2-BEDF-C8B9-87B6-041FA03BECF8}"/>
+              </a:ext>
+            </a:extLst>
+          </p:cNvPr>
+          <p:cNvSpPr txBox="1"/>
+          <p:nvPr/>
+        </p:nvSpPr>
+        <p:spPr>
+          <a:xfrm>
+            <a:off x="6325850" y="711200"/>
+            <a:ext cx="692818" cy="400110"/>
+          </a:xfrm>
+          <a:prstGeom prst="rect">
+            <a:avLst/>
+          </a:prstGeom>
+          <a:noFill/>
+        </p:spPr>
+        <p:txBody>
+          <a:bodyPr wrap="none" rtlCol="0">
+            <a:spAutoFit/>
+          </a:bodyPr>
+          <a:lstStyle/>
+          <a:p>
+            <a:r>
+              <a:rPr lang="en-GB" sz="2000" b="0" dirty="0">
+                <a:solidFill>
+                  <a:schemeClr val="dk1"/>
+                </a:solidFill>
+                <a:latin typeface="+mn-lt"/>
+                <a:ea typeface="+mn-ea"/>
+                <a:cs typeface="+mn-cs"/>
+              </a:rPr>
+              <a:t>Max</a:t>
+            </a:r>
+          </a:p>
+        </p:txBody>
+      </p:sp>
+      <p:sp>
+        <p:nvSpPr>
+          <p:cNvPr id="4" name="TextBox 3">
+            <a:extLst>
+              <a:ext uri="{FF2B5EF4-FFF2-40B4-BE49-F238E27FC236}">
+                <a16:creationId xmlns:a16="http://schemas.microsoft.com/office/drawing/2014/main" id="{8D8AE84D-4AB2-7599-CFFF-56C948A18EA1}"/>
+              </a:ext>
+            </a:extLst>
+          </p:cNvPr>
+          <p:cNvSpPr txBox="1"/>
+          <p:nvPr/>
+        </p:nvSpPr>
+        <p:spPr>
+          <a:xfrm>
+            <a:off x="9462080" y="711200"/>
+            <a:ext cx="1372492" cy="400110"/>
+          </a:xfrm>
+          <a:prstGeom prst="rect">
+            <a:avLst/>
+          </a:prstGeom>
+          <a:noFill/>
+        </p:spPr>
+        <p:txBody>
+          <a:bodyPr wrap="none" rtlCol="0">
+            <a:spAutoFit/>
+          </a:bodyPr>
+          <a:lstStyle/>
+          <a:p>
+            <a:r>
+              <a:rPr lang="en-GB" sz="2000" b="0" dirty="0">
+                <a:solidFill>
+                  <a:schemeClr val="dk1"/>
+                </a:solidFill>
+                <a:latin typeface="+mn-lt"/>
+                <a:ea typeface="+mn-ea"/>
+                <a:cs typeface="+mn-cs"/>
+              </a:rPr>
+              <a:t>Allocation</a:t>
+            </a:r>
+          </a:p>
+        </p:txBody>
+      </p:sp>
+      <p:sp>
+        <p:nvSpPr>
+          <p:cNvPr id="5" name="TextBox 4">
+            <a:extLst>
+              <a:ext uri="{FF2B5EF4-FFF2-40B4-BE49-F238E27FC236}">
+                <a16:creationId xmlns:a16="http://schemas.microsoft.com/office/drawing/2014/main" id="{D8691D54-1C06-B2D6-EAA8-E71A928FC5F5}"/>
+              </a:ext>
+            </a:extLst>
+          </p:cNvPr>
+          <p:cNvSpPr txBox="1"/>
+          <p:nvPr/>
+        </p:nvSpPr>
+        <p:spPr>
+          <a:xfrm>
+            <a:off x="6358730" y="3173127"/>
+            <a:ext cx="816249" cy="400110"/>
+          </a:xfrm>
+          <a:prstGeom prst="rect">
+            <a:avLst/>
+          </a:prstGeom>
+          <a:noFill/>
+        </p:spPr>
+        <p:txBody>
+          <a:bodyPr wrap="none" rtlCol="0">
+            <a:spAutoFit/>
+          </a:bodyPr>
+          <a:lstStyle/>
+          <a:p>
+            <a:r>
+              <a:rPr lang="en-GB" sz="2000" b="0" dirty="0">
+                <a:solidFill>
+                  <a:schemeClr val="dk1"/>
+                </a:solidFill>
+                <a:latin typeface="+mn-lt"/>
+                <a:ea typeface="+mn-ea"/>
+                <a:cs typeface="+mn-cs"/>
+              </a:rPr>
+              <a:t>Total</a:t>
+            </a:r>
+          </a:p>
+        </p:txBody>
+      </p:sp>
+      <p:graphicFrame>
+        <p:nvGraphicFramePr>
+          <p:cNvPr id="12" name="Content Placeholder 5">
+            <a:extLst>
+              <a:ext uri="{FF2B5EF4-FFF2-40B4-BE49-F238E27FC236}">
+                <a16:creationId xmlns:a16="http://schemas.microsoft.com/office/drawing/2014/main" id="{7D5EB56B-6F10-01A7-35F2-6D7624912969}"/>
+              </a:ext>
+            </a:extLst>
+          </p:cNvPr>
+          <p:cNvGraphicFramePr>
+            <a:graphicFrameLocks/>
+          </p:cNvGraphicFramePr>
+          <p:nvPr/>
+        </p:nvGraphicFramePr>
+        <p:xfrm>
+          <a:off x="8839200" y="3860341"/>
+          <a:ext cx="2603684" cy="2773680"/>
+        </p:xfrm>
+        <a:graphic>
+          <a:graphicData uri="http://schemas.openxmlformats.org/drawingml/2006/table">
+            <a:tbl>
+              <a:tblPr firstRow="1" bandRow="1">
+                <a:tableStyleId>{5940675A-B579-460E-94D1-54222C63F5DA}</a:tableStyleId>
+              </a:tblPr>
+              <a:tblGrid>
+                <a:gridCol w="650921">
+                  <a:extLst>
+                    <a:ext uri="{9D8B030D-6E8A-4147-A177-3AD203B41FA5}">
+                      <a16:colId xmlns:a16="http://schemas.microsoft.com/office/drawing/2014/main" val="1619986141"/>
+                    </a:ext>
+                  </a:extLst>
+                </a:gridCol>
+                <a:gridCol w="650921">
+                  <a:extLst>
+                    <a:ext uri="{9D8B030D-6E8A-4147-A177-3AD203B41FA5}">
+                      <a16:colId xmlns:a16="http://schemas.microsoft.com/office/drawing/2014/main" val="3558990718"/>
+                    </a:ext>
+                  </a:extLst>
+                </a:gridCol>
+                <a:gridCol w="650921">
+                  <a:extLst>
+                    <a:ext uri="{9D8B030D-6E8A-4147-A177-3AD203B41FA5}">
+                      <a16:colId xmlns:a16="http://schemas.microsoft.com/office/drawing/2014/main" val="2817522056"/>
+                    </a:ext>
+                  </a:extLst>
+                </a:gridCol>
+                <a:gridCol w="650921">
+                  <a:extLst>
+                    <a:ext uri="{9D8B030D-6E8A-4147-A177-3AD203B41FA5}">
+                      <a16:colId xmlns:a16="http://schemas.microsoft.com/office/drawing/2014/main" val="27933147"/>
+                    </a:ext>
+                  </a:extLst>
+                </a:gridCol>
+              </a:tblGrid>
+              <a:tr h="370840">
+                <a:tc>
+                  <a:txBody>
+                    <a:bodyPr/>
+                    <a:lstStyle/>
+                    <a:p>
+                      <a:pPr algn="ctr"/>
+                      <a:endParaRPr lang="en-SE" sz="2000" dirty="0"/>
+                    </a:p>
+                  </a:txBody>
+                  <a:tcPr>
+                    <a:solidFill>
+                      <a:schemeClr val="bg1">
+                        <a:lumMod val="95000"/>
+                      </a:schemeClr>
+                    </a:solidFill>
+                  </a:tcPr>
+                </a:tc>
+                <a:tc>
+                  <a:txBody>
+                    <a:bodyPr/>
+                    <a:lstStyle/>
+                    <a:p>
+                      <a:pPr algn="ctr"/>
+                      <a:r>
+                        <a:rPr lang="en-GB" sz="2000" dirty="0"/>
+                        <a:t>R1</a:t>
+                      </a:r>
+                      <a:endParaRPr lang="en-SE" sz="2000" dirty="0"/>
+                    </a:p>
+                  </a:txBody>
+                  <a:tcPr>
+                    <a:solidFill>
+                      <a:schemeClr val="bg1">
+                        <a:lumMod val="95000"/>
+                      </a:schemeClr>
+                    </a:solidFill>
+                  </a:tcPr>
+                </a:tc>
+                <a:tc>
+                  <a:txBody>
+                    <a:bodyPr/>
+                    <a:lstStyle/>
+                    <a:p>
+                      <a:pPr algn="ctr"/>
+                      <a:r>
+                        <a:rPr lang="en-GB" sz="2000" dirty="0"/>
+                        <a:t>R2</a:t>
+                      </a:r>
+                      <a:endParaRPr lang="en-SE" sz="2000" dirty="0"/>
+                    </a:p>
+                  </a:txBody>
+                  <a:tcPr>
+                    <a:solidFill>
+                      <a:schemeClr val="bg1">
+                        <a:lumMod val="95000"/>
+                      </a:schemeClr>
+                    </a:solidFill>
+                  </a:tcPr>
+                </a:tc>
+                <a:tc>
+                  <a:txBody>
+                    <a:bodyPr/>
+                    <a:lstStyle/>
+                    <a:p>
+                      <a:pPr algn="ctr"/>
+                      <a:r>
+                        <a:rPr lang="en-GB" sz="2000" dirty="0"/>
+                        <a:t>R3</a:t>
+                      </a:r>
+                      <a:endParaRPr lang="en-SE" sz="2000" dirty="0"/>
+                    </a:p>
+                  </a:txBody>
+                  <a:tcPr>
+                    <a:solidFill>
+                      <a:schemeClr val="bg1">
+                        <a:lumMod val="95000"/>
+                      </a:schemeClr>
+                    </a:solidFill>
+                  </a:tcPr>
+                </a:tc>
+                <a:extLst>
+                  <a:ext uri="{0D108BD9-81ED-4DB2-BD59-A6C34878D82A}">
+                    <a16:rowId xmlns:a16="http://schemas.microsoft.com/office/drawing/2014/main" val="117063772"/>
+                  </a:ext>
+                </a:extLst>
+              </a:tr>
+              <a:tr h="370840">
+                <a:tc>
+                  <a:txBody>
+                    <a:bodyPr/>
+                    <a:lstStyle/>
+                    <a:p>
+                      <a:pPr algn="ctr"/>
+                      <a:r>
+                        <a:rPr lang="en-GB" sz="2000" dirty="0"/>
+                        <a:t>Init</a:t>
+                      </a:r>
+                      <a:endParaRPr lang="en-SE" sz="2000" dirty="0"/>
+                    </a:p>
+                  </a:txBody>
+                  <a:tcPr>
+                    <a:solidFill>
+                      <a:schemeClr val="bg1">
+                        <a:lumMod val="95000"/>
+                      </a:schemeClr>
+                    </a:solidFill>
+                  </a:tcPr>
+                </a:tc>
+                <a:tc>
+                  <a:txBody>
+                    <a:bodyPr/>
+                    <a:lstStyle/>
+                    <a:p>
+                      <a:pPr algn="ctr"/>
+                      <a:endParaRPr lang="en-SE" sz="2000" dirty="0"/>
+                    </a:p>
+                  </a:txBody>
+                  <a:tcPr/>
+                </a:tc>
+                <a:tc>
+                  <a:txBody>
+                    <a:bodyPr/>
+                    <a:lstStyle/>
+                    <a:p>
+                      <a:pPr algn="ctr"/>
+                      <a:endParaRPr lang="en-SE" sz="2000" dirty="0"/>
+                    </a:p>
+                  </a:txBody>
+                  <a:tcPr/>
+                </a:tc>
+                <a:tc>
+                  <a:txBody>
+                    <a:bodyPr/>
+                    <a:lstStyle/>
+                    <a:p>
+                      <a:pPr algn="ctr"/>
+                      <a:endParaRPr lang="en-SE" sz="2000" dirty="0"/>
+                    </a:p>
+                  </a:txBody>
+                  <a:tcPr/>
+                </a:tc>
+                <a:extLst>
+                  <a:ext uri="{0D108BD9-81ED-4DB2-BD59-A6C34878D82A}">
+                    <a16:rowId xmlns:a16="http://schemas.microsoft.com/office/drawing/2014/main" val="2823243655"/>
+                  </a:ext>
+                </a:extLst>
+              </a:tr>
+              <a:tr h="370840">
+                <a:tc>
+                  <a:txBody>
+                    <a:bodyPr/>
+                    <a:lstStyle/>
+                    <a:p>
+                      <a:pPr algn="ctr"/>
+                      <a:endParaRPr lang="en-SE" sz="2000" dirty="0"/>
+                    </a:p>
+                  </a:txBody>
+                  <a:tcPr>
+                    <a:solidFill>
+                      <a:schemeClr val="bg1">
+                        <a:lumMod val="95000"/>
+                      </a:schemeClr>
+                    </a:solidFill>
+                  </a:tcPr>
+                </a:tc>
+                <a:tc>
+                  <a:txBody>
+                    <a:bodyPr/>
+                    <a:lstStyle/>
+                    <a:p>
+                      <a:pPr algn="ctr"/>
+                      <a:endParaRPr lang="en-SE" sz="2000" dirty="0"/>
+                    </a:p>
+                  </a:txBody>
+                  <a:tcPr/>
+                </a:tc>
+                <a:tc>
+                  <a:txBody>
+                    <a:bodyPr/>
+                    <a:lstStyle/>
+                    <a:p>
+                      <a:pPr algn="ctr"/>
+                      <a:endParaRPr lang="en-SE" sz="2000" dirty="0"/>
+                    </a:p>
+                  </a:txBody>
+                  <a:tcPr/>
+                </a:tc>
+                <a:tc>
+                  <a:txBody>
+                    <a:bodyPr/>
+                    <a:lstStyle/>
+                    <a:p>
+                      <a:pPr algn="ctr"/>
+                      <a:endParaRPr lang="en-SE" sz="2000" dirty="0"/>
+                    </a:p>
+                  </a:txBody>
+                  <a:tcPr/>
+                </a:tc>
+                <a:extLst>
+                  <a:ext uri="{0D108BD9-81ED-4DB2-BD59-A6C34878D82A}">
+                    <a16:rowId xmlns:a16="http://schemas.microsoft.com/office/drawing/2014/main" val="1884641263"/>
+                  </a:ext>
+                </a:extLst>
+              </a:tr>
+              <a:tr h="370840">
+                <a:tc>
+                  <a:txBody>
+                    <a:bodyPr/>
+                    <a:lstStyle/>
+                    <a:p>
+                      <a:pPr algn="ctr"/>
+                      <a:endParaRPr lang="en-SE" sz="2000" dirty="0"/>
+                    </a:p>
+                  </a:txBody>
+                  <a:tcPr>
+                    <a:solidFill>
+                      <a:schemeClr val="bg1">
+                        <a:lumMod val="95000"/>
+                      </a:schemeClr>
+                    </a:solidFill>
+                  </a:tcPr>
+                </a:tc>
+                <a:tc>
+                  <a:txBody>
+                    <a:bodyPr/>
+                    <a:lstStyle/>
+                    <a:p>
+                      <a:pPr algn="ctr"/>
+                      <a:endParaRPr lang="en-SE" sz="2000" dirty="0"/>
+                    </a:p>
+                  </a:txBody>
+                  <a:tcPr/>
+                </a:tc>
+                <a:tc>
+                  <a:txBody>
+                    <a:bodyPr/>
+                    <a:lstStyle/>
+                    <a:p>
+                      <a:pPr algn="ctr"/>
+                      <a:endParaRPr lang="en-SE" sz="2000" dirty="0"/>
+                    </a:p>
+                  </a:txBody>
+                  <a:tcPr/>
+                </a:tc>
+                <a:tc>
+                  <a:txBody>
+                    <a:bodyPr/>
+                    <a:lstStyle/>
+                    <a:p>
+                      <a:pPr algn="ctr"/>
+                      <a:endParaRPr lang="en-SE" sz="2000" dirty="0"/>
+                    </a:p>
+                  </a:txBody>
+                  <a:tcPr/>
+                </a:tc>
+                <a:extLst>
+                  <a:ext uri="{0D108BD9-81ED-4DB2-BD59-A6C34878D82A}">
+                    <a16:rowId xmlns:a16="http://schemas.microsoft.com/office/drawing/2014/main" val="3030728590"/>
+                  </a:ext>
+                </a:extLst>
+              </a:tr>
+              <a:tr h="370840">
+                <a:tc>
+                  <a:txBody>
+                    <a:bodyPr/>
+                    <a:lstStyle/>
+                    <a:p>
+                      <a:pPr algn="ctr"/>
+                      <a:endParaRPr lang="en-SE" sz="2000" dirty="0"/>
+                    </a:p>
+                  </a:txBody>
+                  <a:tcPr>
+                    <a:solidFill>
+                      <a:schemeClr val="bg1">
+                        <a:lumMod val="95000"/>
+                      </a:schemeClr>
+                    </a:solidFill>
+                  </a:tcPr>
+                </a:tc>
+                <a:tc>
+                  <a:txBody>
+                    <a:bodyPr/>
+                    <a:lstStyle/>
+                    <a:p>
+                      <a:pPr algn="ctr"/>
+                      <a:endParaRPr lang="en-SE" sz="2000" dirty="0"/>
+                    </a:p>
+                  </a:txBody>
+                  <a:tcPr/>
+                </a:tc>
+                <a:tc>
+                  <a:txBody>
+                    <a:bodyPr/>
+                    <a:lstStyle/>
+                    <a:p>
+                      <a:pPr algn="ctr"/>
+                      <a:endParaRPr lang="en-SE" sz="2000" dirty="0"/>
+                    </a:p>
+                  </a:txBody>
+                  <a:tcPr/>
+                </a:tc>
+                <a:tc>
+                  <a:txBody>
+                    <a:bodyPr/>
+                    <a:lstStyle/>
+                    <a:p>
+                      <a:pPr algn="ctr"/>
+                      <a:endParaRPr lang="en-SE" sz="2000" dirty="0"/>
+                    </a:p>
+                  </a:txBody>
+                  <a:tcPr/>
+                </a:tc>
+                <a:extLst>
+                  <a:ext uri="{0D108BD9-81ED-4DB2-BD59-A6C34878D82A}">
+                    <a16:rowId xmlns:a16="http://schemas.microsoft.com/office/drawing/2014/main" val="3263484799"/>
+                  </a:ext>
+                </a:extLst>
+              </a:tr>
+              <a:tr h="370840">
+                <a:tc>
+                  <a:txBody>
+                    <a:bodyPr/>
+                    <a:lstStyle/>
+                    <a:p>
+                      <a:pPr algn="ctr"/>
+                      <a:endParaRPr lang="en-SE" sz="2000" dirty="0"/>
+                    </a:p>
+                  </a:txBody>
+                  <a:tcPr>
+                    <a:solidFill>
+                      <a:schemeClr val="bg1">
+                        <a:lumMod val="95000"/>
+                      </a:schemeClr>
+                    </a:solidFill>
+                  </a:tcPr>
+                </a:tc>
+                <a:tc>
+                  <a:txBody>
+                    <a:bodyPr/>
+                    <a:lstStyle/>
+                    <a:p>
+                      <a:pPr algn="ctr"/>
+                      <a:endParaRPr lang="en-SE" sz="2000" dirty="0"/>
+                    </a:p>
+                  </a:txBody>
+                  <a:tcPr/>
+                </a:tc>
+                <a:tc>
+                  <a:txBody>
+                    <a:bodyPr/>
+                    <a:lstStyle/>
+                    <a:p>
+                      <a:pPr algn="ctr"/>
+                      <a:endParaRPr lang="en-SE" sz="2000" dirty="0"/>
+                    </a:p>
+                  </a:txBody>
+                  <a:tcPr/>
+                </a:tc>
+                <a:tc>
+                  <a:txBody>
+                    <a:bodyPr/>
+                    <a:lstStyle/>
+                    <a:p>
+                      <a:pPr algn="ctr"/>
+                      <a:endParaRPr lang="en-SE" sz="2000" dirty="0"/>
+                    </a:p>
+                  </a:txBody>
+                  <a:tcPr/>
+                </a:tc>
+                <a:extLst>
+                  <a:ext uri="{0D108BD9-81ED-4DB2-BD59-A6C34878D82A}">
+                    <a16:rowId xmlns:a16="http://schemas.microsoft.com/office/drawing/2014/main" val="1117599685"/>
+                  </a:ext>
+                </a:extLst>
+              </a:tr>
+              <a:tr h="370840">
+                <a:tc>
+                  <a:txBody>
+                    <a:bodyPr/>
+                    <a:lstStyle/>
+                    <a:p>
+                      <a:pPr algn="ctr"/>
+                      <a:endParaRPr lang="en-SE" sz="2000" dirty="0"/>
+                    </a:p>
+                  </a:txBody>
+                  <a:tcPr>
+                    <a:solidFill>
+                      <a:schemeClr val="bg1">
+                        <a:lumMod val="95000"/>
+                      </a:schemeClr>
+                    </a:solidFill>
+                  </a:tcPr>
+                </a:tc>
+                <a:tc>
+                  <a:txBody>
+                    <a:bodyPr/>
+                    <a:lstStyle/>
+                    <a:p>
+                      <a:pPr algn="ctr"/>
+                      <a:endParaRPr lang="en-SE" sz="2000" dirty="0"/>
+                    </a:p>
+                  </a:txBody>
+                  <a:tcPr/>
+                </a:tc>
+                <a:tc>
+                  <a:txBody>
+                    <a:bodyPr/>
+                    <a:lstStyle/>
+                    <a:p>
+                      <a:pPr algn="ctr"/>
+                      <a:endParaRPr lang="en-SE" sz="2000" dirty="0"/>
+                    </a:p>
+                  </a:txBody>
+                  <a:tcPr/>
+                </a:tc>
+                <a:tc>
+                  <a:txBody>
+                    <a:bodyPr/>
+                    <a:lstStyle/>
+                    <a:p>
+                      <a:pPr algn="ctr"/>
+                      <a:endParaRPr lang="en-SE" sz="2000" dirty="0"/>
+                    </a:p>
+                  </a:txBody>
+                  <a:tcPr/>
+                </a:tc>
+                <a:extLst>
+                  <a:ext uri="{0D108BD9-81ED-4DB2-BD59-A6C34878D82A}">
+                    <a16:rowId xmlns:a16="http://schemas.microsoft.com/office/drawing/2014/main" val="176359812"/>
+                  </a:ext>
+                </a:extLst>
+              </a:tr>
+            </a:tbl>
+          </a:graphicData>
+        </a:graphic>
+      </p:graphicFrame>
+      <p:sp>
+        <p:nvSpPr>
+          <p:cNvPr id="13" name="TextBox 12">
+            <a:extLst>
+              <a:ext uri="{FF2B5EF4-FFF2-40B4-BE49-F238E27FC236}">
+                <a16:creationId xmlns:a16="http://schemas.microsoft.com/office/drawing/2014/main" id="{D24D3D70-7FE5-6B08-F66E-BF00FC19447F}"/>
+              </a:ext>
+            </a:extLst>
+          </p:cNvPr>
+          <p:cNvSpPr txBox="1"/>
+          <p:nvPr/>
+        </p:nvSpPr>
+        <p:spPr>
+          <a:xfrm>
+            <a:off x="8415070" y="3151498"/>
+            <a:ext cx="3466512" cy="707886"/>
+          </a:xfrm>
+          <a:prstGeom prst="rect">
+            <a:avLst/>
+          </a:prstGeom>
+          <a:noFill/>
+        </p:spPr>
+        <p:txBody>
+          <a:bodyPr wrap="square" rtlCol="0">
+            <a:spAutoFit/>
+          </a:bodyPr>
+          <a:lstStyle/>
+          <a:p>
+            <a:r>
+              <a:rPr lang="en-GB" sz="2000" b="0" dirty="0">
+                <a:solidFill>
+                  <a:schemeClr val="dk1"/>
+                </a:solidFill>
+                <a:latin typeface="+mn-lt"/>
+                <a:ea typeface="+mn-ea"/>
+                <a:cs typeface="+mn-cs"/>
+              </a:rPr>
+              <a:t>Available resources after completion of each process</a:t>
+            </a:r>
+          </a:p>
+        </p:txBody>
+      </p:sp>
+      <mc:AlternateContent xmlns:mc="http://schemas.openxmlformats.org/markup-compatibility/2006">
+        <mc:Choice xmlns:a14="http://schemas.microsoft.com/office/drawing/2010/main" Requires="a14">
+          <p:sp>
+            <p:nvSpPr>
+              <p:cNvPr id="14" name="Object 8">
+                <a:extLst>
+                  <a:ext uri="{FF2B5EF4-FFF2-40B4-BE49-F238E27FC236}">
+                    <a16:creationId xmlns:a16="http://schemas.microsoft.com/office/drawing/2014/main" id="{72913A9F-063E-EE33-E6EA-FD97BDFC4E2E}"/>
+                  </a:ext>
+                </a:extLst>
+              </p:cNvPr>
+              <p:cNvSpPr txBox="1"/>
+              <p:nvPr/>
+            </p:nvSpPr>
+            <p:spPr bwMode="auto">
+              <a:xfrm>
+                <a:off x="5610690" y="3562963"/>
+                <a:ext cx="2310314" cy="449263"/>
+              </a:xfrm>
+              <a:prstGeom prst="rect">
+                <a:avLst/>
+              </a:prstGeom>
+              <a:noFill/>
+            </p:spPr>
+            <p:txBody>
+              <a:bodyPr>
+                <a:noAutofit/>
+              </a:bodyPr>
+              <a:lstStyle/>
+              <a:p>
+                <a:pPr/>
+                <a14:m>
+                  <m:oMathPara xmlns:m="http://schemas.openxmlformats.org/officeDocument/2006/math">
+                    <m:oMathParaPr>
+                      <m:jc m:val="left"/>
+                    </m:oMathParaPr>
+                    <m:oMath xmlns:m="http://schemas.openxmlformats.org/officeDocument/2006/math">
+                      <m:r>
+                        <a:rPr lang="en-SE" sz="2400" b="0" i="1" smtClean="0">
+                          <a:solidFill>
+                            <a:srgbClr val="000000"/>
+                          </a:solidFill>
+                          <a:latin typeface="Cambria Math" panose="02040503050406030204" pitchFamily="18" charset="0"/>
+                        </a:rPr>
+                        <m:t>𝐸</m:t>
+                      </m:r>
+                      <m:r>
+                        <a:rPr lang="en-SE" sz="2400" b="0" i="0" smtClean="0">
+                          <a:solidFill>
+                            <a:srgbClr val="000000"/>
+                          </a:solidFill>
+                          <a:latin typeface="Cambria Math" panose="02040503050406030204" pitchFamily="18" charset="0"/>
+                        </a:rPr>
+                        <m:t>=</m:t>
+                      </m:r>
+                      <m:d>
+                        <m:dPr>
+                          <m:begChr m:val="["/>
+                          <m:endChr m:val="]"/>
+                          <m:ctrlPr>
+                            <a:rPr lang="en-SE" sz="2400" b="0" i="1">
+                              <a:solidFill>
+                                <a:srgbClr val="000000"/>
+                              </a:solidFill>
+                              <a:latin typeface="Cambria Math" panose="02040503050406030204" pitchFamily="18" charset="0"/>
+                            </a:rPr>
+                          </m:ctrlPr>
+                        </m:dPr>
+                        <m:e>
+                          <m:r>
+                            <a:rPr lang="en-GB" sz="2400" b="0" i="0" smtClean="0">
+                              <a:solidFill>
+                                <a:srgbClr val="000000"/>
+                              </a:solidFill>
+                              <a:latin typeface="Cambria Math" panose="02040503050406030204" pitchFamily="18" charset="0"/>
+                            </a:rPr>
+                            <m:t>7</m:t>
+                          </m:r>
+                          <m:m>
+                            <m:mPr>
+                              <m:plcHide m:val="on"/>
+                              <m:mcs>
+                                <m:mc>
+                                  <m:mcPr>
+                                    <m:count m:val="3"/>
+                                    <m:mcJc m:val="center"/>
+                                  </m:mcPr>
+                                </m:mc>
+                              </m:mcs>
+                              <m:ctrlPr>
+                                <a:rPr lang="en-SE" sz="2400" b="0" i="1">
+                                  <a:solidFill>
+                                    <a:srgbClr val="000000"/>
+                                  </a:solidFill>
+                                  <a:latin typeface="Cambria Math" panose="02040503050406030204" pitchFamily="18" charset="0"/>
+                                </a:rPr>
+                              </m:ctrlPr>
+                            </m:mPr>
+                            <m:mr>
+                              <m:e/>
+                              <m:e>
+                                <m:r>
+                                  <a:rPr lang="en-GB" sz="2400" b="0" i="0" smtClean="0">
+                                    <a:solidFill>
+                                      <a:srgbClr val="000000"/>
+                                    </a:solidFill>
+                                    <a:latin typeface="Cambria Math" panose="02040503050406030204" pitchFamily="18" charset="0"/>
+                                  </a:rPr>
+                                  <m:t>3</m:t>
+                                </m:r>
+                              </m:e>
+                              <m:e>
+                                <m:r>
+                                  <a:rPr lang="en-GB" sz="2400" b="0" i="0" smtClean="0">
+                                    <a:solidFill>
+                                      <a:srgbClr val="000000"/>
+                                    </a:solidFill>
+                                    <a:latin typeface="Cambria Math" panose="02040503050406030204" pitchFamily="18" charset="0"/>
+                                  </a:rPr>
+                                  <m:t>6</m:t>
+                                </m:r>
+                              </m:e>
+                            </m:mr>
+                          </m:m>
+                        </m:e>
+                      </m:d>
+                    </m:oMath>
+                  </m:oMathPara>
+                </a14:m>
+                <a:endParaRPr lang="en-SE" sz="2400" b="0" dirty="0"/>
+              </a:p>
+            </p:txBody>
+          </p:sp>
+        </mc:Choice>
+        <mc:Fallback>
+          <p:sp>
+            <p:nvSpPr>
+              <p:cNvPr id="14" name="Object 8">
+                <a:extLst>
+                  <a:ext uri="{FF2B5EF4-FFF2-40B4-BE49-F238E27FC236}">
+                    <a16:creationId xmlns:a16="http://schemas.microsoft.com/office/drawing/2014/main" id="{72913A9F-063E-EE33-E6EA-FD97BDFC4E2E}"/>
+                  </a:ext>
+                </a:extLst>
+              </p:cNvPr>
+              <p:cNvSpPr txBox="1">
+                <a:spLocks noRot="1" noChangeAspect="1" noMove="1" noResize="1" noEditPoints="1" noAdjustHandles="1" noChangeArrowheads="1" noChangeShapeType="1" noTextEdit="1"/>
+              </p:cNvSpPr>
+              <p:nvPr/>
+            </p:nvSpPr>
+            <p:spPr bwMode="auto">
+              <a:xfrm>
+                <a:off x="5610690" y="3562963"/>
+                <a:ext cx="2310314" cy="449263"/>
+              </a:xfrm>
+              <a:prstGeom prst="rect">
+                <a:avLst/>
+              </a:prstGeom>
+              <a:blipFill>
+                <a:blip r:embed="rId4"/>
+                <a:stretch>
+                  <a:fillRect l="-528"/>
+                </a:stretch>
+              </a:blipFill>
+            </p:spPr>
+            <p:txBody>
+              <a:bodyPr/>
+              <a:lstStyle/>
+              <a:p>
+                <a:r>
+                  <a:rPr lang="en-SE">
+                    <a:noFill/>
+                  </a:rPr>
+                  <a:t> </a:t>
+                </a:r>
+              </a:p>
+            </p:txBody>
+          </p:sp>
+        </mc:Fallback>
+      </mc:AlternateContent>
+    </p:spTree>
+    <p:extLst>
+      <p:ext uri="{BB962C8B-B14F-4D97-AF65-F5344CB8AC3E}">
+        <p14:creationId xmlns:p14="http://schemas.microsoft.com/office/powerpoint/2010/main" val="3198402123"/>
+      </p:ext>
+    </p:extLst>
+  </p:cSld>
+  <p:clrMapOvr>
+    <a:masterClrMapping/>
+  </p:clrMapOvr>
+  <p:transition/>
+</p:sld>
+</file>
+
+<file path=ppt/slides/slide4.xml><?xml version="1.0" encoding="utf-8"?>
+<p:sld xmlns:a="http://schemas.openxmlformats.org/drawingml/2006/main" xmlns:r="http://schemas.openxmlformats.org/officeDocument/2006/relationships" xmlns:p="http://schemas.openxmlformats.org/presentationml/2006/main">
+  <p:cSld>
+    <p:spTree>
+      <p:nvGrpSpPr>
+        <p:cNvPr id="1" name="">
+          <a:extLst>
+            <a:ext uri="{FF2B5EF4-FFF2-40B4-BE49-F238E27FC236}">
+              <a16:creationId xmlns:a16="http://schemas.microsoft.com/office/drawing/2014/main" id="{6D2C59AE-EA0D-7D49-7B1F-88F31D5FFABF}"/>
+            </a:ext>
+          </a:extLst>
+        </p:cNvPr>
+        <p:cNvGrpSpPr/>
+        <p:nvPr/>
+      </p:nvGrpSpPr>
+      <p:grpSpPr>
+        <a:xfrm>
+          <a:off x="0" y="0"/>
+          <a:ext cx="0" cy="0"/>
+          <a:chOff x="0" y="0"/>
+          <a:chExt cx="0" cy="0"/>
+        </a:xfrm>
+      </p:grpSpPr>
+      <p:sp>
+        <p:nvSpPr>
+          <p:cNvPr id="2" name="Title 1">
+            <a:extLst>
+              <a:ext uri="{FF2B5EF4-FFF2-40B4-BE49-F238E27FC236}">
+                <a16:creationId xmlns:a16="http://schemas.microsoft.com/office/drawing/2014/main" id="{9B904F4A-F7E0-CB6A-A433-EDF6B7644C40}"/>
+              </a:ext>
+            </a:extLst>
+          </p:cNvPr>
+          <p:cNvSpPr>
+            <a:spLocks noGrp="1"/>
+          </p:cNvSpPr>
+          <p:nvPr>
+            <p:ph type="title"/>
+          </p:nvPr>
+        </p:nvSpPr>
+        <p:spPr/>
+        <p:txBody>
+          <a:bodyPr/>
+          <a:lstStyle/>
+          <a:p>
+            <a:r>
+              <a:rPr lang="en-GB" dirty="0"/>
+              <a:t>Quiz: Banker’s algorithm II</a:t>
+            </a:r>
+            <a:endParaRPr lang="en-SE" dirty="0"/>
+          </a:p>
+        </p:txBody>
+      </p:sp>
+      <mc:AlternateContent xmlns:mc="http://schemas.openxmlformats.org/markup-compatibility/2006">
+        <mc:Choice xmlns:a14="http://schemas.microsoft.com/office/drawing/2010/main" Requires="a14">
+          <p:sp>
+            <p:nvSpPr>
+              <p:cNvPr id="6" name="Object 4">
+                <a:extLst>
+                  <a:ext uri="{FF2B5EF4-FFF2-40B4-BE49-F238E27FC236}">
+                    <a16:creationId xmlns:a16="http://schemas.microsoft.com/office/drawing/2014/main" id="{9A3DEC09-D6BC-E84D-F9C5-E957D4467EA1}"/>
+                  </a:ext>
+                </a:extLst>
+              </p:cNvPr>
+              <p:cNvSpPr txBox="1"/>
+              <p:nvPr/>
+            </p:nvSpPr>
+            <p:spPr bwMode="auto">
+              <a:xfrm>
+                <a:off x="5963904" y="1120320"/>
+                <a:ext cx="1603886" cy="1165450"/>
+              </a:xfrm>
+              <a:prstGeom prst="rect">
+                <a:avLst/>
+              </a:prstGeom>
+              <a:noFill/>
+            </p:spPr>
+            <p:txBody>
+              <a:bodyPr>
+                <a:normAutofit/>
+              </a:bodyPr>
+              <a:lstStyle/>
+              <a:p>
+                <a:pPr/>
+                <a14:m>
+                  <m:oMathPara xmlns:m="http://schemas.openxmlformats.org/officeDocument/2006/math">
+                    <m:oMathParaPr>
+                      <m:jc m:val="left"/>
+                    </m:oMathParaPr>
+                    <m:oMath xmlns:m="http://schemas.openxmlformats.org/officeDocument/2006/math">
+                      <m:d>
+                        <m:dPr>
+                          <m:begChr m:val="["/>
+                          <m:endChr m:val="]"/>
+                          <m:ctrlPr>
+                            <a:rPr lang="en-SE" sz="2400" i="1" smtClean="0">
+                              <a:solidFill>
+                                <a:srgbClr val="000000"/>
+                              </a:solidFill>
+                              <a:latin typeface="Cambria Math" panose="02040503050406030204" pitchFamily="18" charset="0"/>
+                            </a:rPr>
+                          </m:ctrlPr>
+                        </m:dPr>
+                        <m:e>
+                          <m:m>
+                            <m:mPr>
+                              <m:mcs>
+                                <m:mc>
+                                  <m:mcPr>
+                                    <m:count m:val="3"/>
+                                    <m:mcJc m:val="center"/>
+                                  </m:mcPr>
+                                </m:mc>
+                              </m:mcs>
+                              <m:ctrlPr>
+                                <a:rPr lang="en-SE" sz="2400" b="0" smtClean="0">
+                                  <a:solidFill>
+                                    <a:srgbClr val="000000"/>
+                                  </a:solidFill>
+                                  <a:latin typeface="Cambria Math" panose="02040503050406030204" pitchFamily="18" charset="0"/>
+                                </a:rPr>
+                              </m:ctrlPr>
+                            </m:mPr>
+                            <m:mr>
+                              <m:e>
+                                <m:r>
+                                  <a:rPr lang="en-GB" sz="2400" b="0" i="0" smtClean="0">
+                                    <a:solidFill>
+                                      <a:srgbClr val="000000"/>
+                                    </a:solidFill>
+                                    <a:latin typeface="Cambria Math" panose="02040503050406030204" pitchFamily="18" charset="0"/>
+                                  </a:rPr>
+                                  <m:t>8</m:t>
+                                </m:r>
+                              </m:e>
+                              <m:e>
+                                <m:r>
+                                  <a:rPr lang="en-GB" sz="2400" b="0" i="0" smtClean="0">
+                                    <a:solidFill>
+                                      <a:srgbClr val="000000"/>
+                                    </a:solidFill>
+                                    <a:latin typeface="Cambria Math" panose="02040503050406030204" pitchFamily="18" charset="0"/>
+                                  </a:rPr>
+                                  <m:t>4</m:t>
+                                </m:r>
+                              </m:e>
+                              <m:e>
+                                <m:r>
+                                  <a:rPr lang="en-GB" sz="2400" b="0" i="0" smtClean="0">
+                                    <a:solidFill>
+                                      <a:srgbClr val="000000"/>
+                                    </a:solidFill>
+                                    <a:latin typeface="Cambria Math" panose="02040503050406030204" pitchFamily="18" charset="0"/>
+                                  </a:rPr>
+                                  <m:t>3</m:t>
+                                </m:r>
+                              </m:e>
+                            </m:mr>
+                            <m:mr>
+                              <m:e>
+                                <m:r>
+                                  <a:rPr lang="en-GB" sz="2400" b="0" i="0" smtClean="0">
+                                    <a:solidFill>
+                                      <a:srgbClr val="000000"/>
+                                    </a:solidFill>
+                                    <a:latin typeface="Cambria Math" panose="02040503050406030204" pitchFamily="18" charset="0"/>
+                                  </a:rPr>
+                                  <m:t>6</m:t>
+                                </m:r>
+                              </m:e>
+                              <m:e>
+                                <m:r>
+                                  <a:rPr lang="en-GB" sz="2400" b="0" i="0" smtClean="0">
+                                    <a:solidFill>
+                                      <a:srgbClr val="000000"/>
+                                    </a:solidFill>
+                                    <a:latin typeface="Cambria Math" panose="02040503050406030204" pitchFamily="18" charset="0"/>
+                                  </a:rPr>
+                                  <m:t>2</m:t>
+                                </m:r>
+                              </m:e>
+                              <m:e>
+                                <m:r>
+                                  <a:rPr lang="en-GB" sz="2400" b="0" i="0" smtClean="0">
+                                    <a:solidFill>
+                                      <a:srgbClr val="000000"/>
+                                    </a:solidFill>
+                                    <a:latin typeface="Cambria Math" panose="02040503050406030204" pitchFamily="18" charset="0"/>
+                                  </a:rPr>
+                                  <m:t>0</m:t>
+                                </m:r>
+                              </m:e>
+                            </m:mr>
+                            <m:mr>
+                              <m:e>
+                                <m:r>
+                                  <a:rPr lang="en-GB" sz="2400" b="0" i="0" smtClean="0">
+                                    <a:solidFill>
+                                      <a:srgbClr val="000000"/>
+                                    </a:solidFill>
+                                    <a:latin typeface="Cambria Math" panose="02040503050406030204" pitchFamily="18" charset="0"/>
+                                  </a:rPr>
+                                  <m:t>3</m:t>
+                                </m:r>
+                              </m:e>
+                              <m:e>
+                                <m:r>
+                                  <a:rPr lang="en-GB" sz="2400" b="0" i="0" smtClean="0">
+                                    <a:solidFill>
+                                      <a:srgbClr val="000000"/>
+                                    </a:solidFill>
+                                    <a:latin typeface="Cambria Math" panose="02040503050406030204" pitchFamily="18" charset="0"/>
+                                  </a:rPr>
+                                  <m:t>3</m:t>
+                                </m:r>
+                              </m:e>
+                              <m:e>
+                                <m:r>
+                                  <a:rPr lang="en-GB" sz="2400" b="0" i="0" smtClean="0">
+                                    <a:solidFill>
+                                      <a:srgbClr val="000000"/>
+                                    </a:solidFill>
+                                    <a:latin typeface="Cambria Math" panose="02040503050406030204" pitchFamily="18" charset="0"/>
+                                  </a:rPr>
+                                  <m:t>3</m:t>
+                                </m:r>
+                              </m:e>
+                            </m:mr>
+                          </m:m>
+                        </m:e>
+                      </m:d>
+                    </m:oMath>
+                  </m:oMathPara>
+                </a14:m>
+                <a:endParaRPr lang="en-SE" sz="2000" dirty="0"/>
+              </a:p>
+            </p:txBody>
+          </p:sp>
+        </mc:Choice>
+        <mc:Fallback>
+          <p:sp>
+            <p:nvSpPr>
+              <p:cNvPr id="6" name="Object 4">
+                <a:extLst>
+                  <a:ext uri="{FF2B5EF4-FFF2-40B4-BE49-F238E27FC236}">
+                    <a16:creationId xmlns:a16="http://schemas.microsoft.com/office/drawing/2014/main" id="{9A3DEC09-D6BC-E84D-F9C5-E957D4467EA1}"/>
+                  </a:ext>
+                </a:extLst>
+              </p:cNvPr>
+              <p:cNvSpPr txBox="1">
+                <a:spLocks noRot="1" noChangeAspect="1" noMove="1" noResize="1" noEditPoints="1" noAdjustHandles="1" noChangeArrowheads="1" noChangeShapeType="1" noTextEdit="1"/>
+              </p:cNvSpPr>
+              <p:nvPr/>
+            </p:nvSpPr>
+            <p:spPr bwMode="auto">
+              <a:xfrm>
+                <a:off x="5963904" y="1120320"/>
+                <a:ext cx="1603886" cy="1165450"/>
+              </a:xfrm>
+              <a:prstGeom prst="rect">
+                <a:avLst/>
+              </a:prstGeom>
+              <a:blipFill>
+                <a:blip r:embed="rId2"/>
+                <a:stretch>
+                  <a:fillRect/>
+                </a:stretch>
+              </a:blipFill>
+            </p:spPr>
+            <p:txBody>
+              <a:bodyPr/>
+              <a:lstStyle/>
+              <a:p>
+                <a:r>
+                  <a:rPr lang="en-SE">
+                    <a:noFill/>
+                  </a:rPr>
+                  <a:t> </a:t>
+                </a:r>
+              </a:p>
+            </p:txBody>
+          </p:sp>
+        </mc:Fallback>
+      </mc:AlternateContent>
+      <p:sp>
+        <p:nvSpPr>
+          <p:cNvPr id="22" name="Rectangle 3">
+            <a:extLst>
+              <a:ext uri="{FF2B5EF4-FFF2-40B4-BE49-F238E27FC236}">
+                <a16:creationId xmlns:a16="http://schemas.microsoft.com/office/drawing/2014/main" id="{5ECC5533-E893-A100-E49C-FE6EC3608D65}"/>
+              </a:ext>
+            </a:extLst>
+          </p:cNvPr>
+          <p:cNvSpPr txBox="1">
+            <a:spLocks noChangeArrowheads="1"/>
+          </p:cNvSpPr>
+          <p:nvPr/>
+        </p:nvSpPr>
+        <p:spPr bwMode="auto">
+          <a:xfrm>
+            <a:off x="76200" y="711200"/>
+            <a:ext cx="5409959" cy="6299200"/>
+          </a:xfrm>
+          <a:prstGeom prst="rect">
+            <a:avLst/>
+          </a:prstGeom>
+          <a:noFill/>
+          <a:ln w="9525">
+            <a:noFill/>
+            <a:miter lim="800000"/>
+            <a:headEnd/>
+            <a:tailEnd/>
+          </a:ln>
+        </p:spPr>
+        <p:txBody>
+          <a:bodyPr vert="horz" wrap="square" lIns="91440" tIns="45720" rIns="91440" bIns="45720" numCol="1" anchor="t" anchorCtr="0" compatLnSpc="1">
+            <a:prstTxWarp prst="textNoShape">
+              <a:avLst/>
+            </a:prstTxWarp>
+          </a:bodyPr>
+          <a:lstStyle>
+            <a:lvl1pPr marL="469900" indent="-469900" algn="l" rtl="0" eaLnBrk="1" fontAlgn="base" hangingPunct="1">
+              <a:spcBef>
+                <a:spcPct val="20000"/>
+              </a:spcBef>
+              <a:spcAft>
+                <a:spcPct val="0"/>
+              </a:spcAft>
+              <a:buClr>
+                <a:schemeClr val="bg2"/>
+              </a:buClr>
+              <a:buSzPct val="90000"/>
+              <a:buFont typeface="Wingdings" pitchFamily="2" charset="2"/>
+              <a:buChar char="]"/>
+              <a:defRPr sz="3200">
+                <a:solidFill>
+                  <a:schemeClr val="tx1"/>
+                </a:solidFill>
+                <a:latin typeface="+mn-lt"/>
+                <a:ea typeface="+mn-ea"/>
+                <a:cs typeface="+mn-cs"/>
+              </a:defRPr>
+            </a:lvl1pPr>
+            <a:lvl2pPr marL="908050" indent="-436563" algn="l" rtl="0" eaLnBrk="1" fontAlgn="base" hangingPunct="1">
+              <a:spcBef>
+                <a:spcPct val="20000"/>
+              </a:spcBef>
+              <a:spcAft>
+                <a:spcPct val="0"/>
+              </a:spcAft>
+              <a:buClr>
+                <a:schemeClr val="accent2"/>
+              </a:buClr>
+              <a:buSzPct val="85000"/>
+              <a:buFont typeface="Wingdings" pitchFamily="2" charset="2"/>
+              <a:buChar char="S"/>
+              <a:defRPr sz="2800">
+                <a:solidFill>
+                  <a:schemeClr val="tx1"/>
+                </a:solidFill>
+                <a:latin typeface="+mn-lt"/>
+              </a:defRPr>
+            </a:lvl2pPr>
+            <a:lvl3pPr marL="1377950" indent="-468313" algn="l" rtl="0" eaLnBrk="1" fontAlgn="base" hangingPunct="1">
+              <a:spcBef>
+                <a:spcPct val="20000"/>
+              </a:spcBef>
+              <a:spcAft>
+                <a:spcPct val="0"/>
+              </a:spcAft>
+              <a:buClr>
+                <a:schemeClr val="bg2"/>
+              </a:buClr>
+              <a:buSzPct val="75000"/>
+              <a:buFont typeface="Wingdings" pitchFamily="2" charset="2"/>
+              <a:buChar char="l"/>
+              <a:defRPr sz="2400">
+                <a:solidFill>
+                  <a:schemeClr val="tx1"/>
+                </a:solidFill>
+                <a:latin typeface="+mn-lt"/>
+              </a:defRPr>
+            </a:lvl3pPr>
+            <a:lvl4pPr marL="1827213" indent="-438150" algn="l" rtl="0" eaLnBrk="1" fontAlgn="base" hangingPunct="1">
+              <a:spcBef>
+                <a:spcPct val="20000"/>
+              </a:spcBef>
+              <a:spcAft>
+                <a:spcPct val="0"/>
+              </a:spcAft>
+              <a:buClr>
+                <a:schemeClr val="accent2"/>
+              </a:buClr>
+              <a:buSzPct val="75000"/>
+              <a:buFont typeface="Wingdings" pitchFamily="2" charset="2"/>
+              <a:buChar char="n"/>
+              <a:defRPr sz="2000">
+                <a:solidFill>
+                  <a:schemeClr val="tx1"/>
+                </a:solidFill>
+                <a:latin typeface="+mn-lt"/>
+              </a:defRPr>
+            </a:lvl4pPr>
+            <a:lvl5pPr marL="2297113" indent="-468313" algn="l" rtl="0" eaLnBrk="1" fontAlgn="base" hangingPunct="1">
+              <a:spcBef>
+                <a:spcPct val="20000"/>
+              </a:spcBef>
+              <a:spcAft>
+                <a:spcPct val="0"/>
+              </a:spcAft>
+              <a:buClr>
+                <a:schemeClr val="accent1"/>
+              </a:buClr>
+              <a:buSzPct val="50000"/>
+              <a:buFont typeface="Wingdings" pitchFamily="2" charset="2"/>
+              <a:buChar char="o"/>
+              <a:defRPr sz="2000">
+                <a:solidFill>
+                  <a:schemeClr val="tx1"/>
+                </a:solidFill>
+                <a:latin typeface="+mn-lt"/>
+              </a:defRPr>
+            </a:lvl5pPr>
+            <a:lvl6pPr marL="2754313" indent="-468313" algn="l" rtl="0" eaLnBrk="1" fontAlgn="base" hangingPunct="1">
+              <a:spcBef>
+                <a:spcPct val="20000"/>
+              </a:spcBef>
+              <a:spcAft>
+                <a:spcPct val="0"/>
+              </a:spcAft>
+              <a:buClr>
+                <a:schemeClr val="accent1"/>
+              </a:buClr>
+              <a:buSzPct val="50000"/>
+              <a:buFont typeface="Wingdings" pitchFamily="2" charset="2"/>
+              <a:buChar char="o"/>
+              <a:defRPr sz="2000">
+                <a:solidFill>
+                  <a:schemeClr val="tx1"/>
+                </a:solidFill>
+                <a:latin typeface="+mn-lt"/>
+              </a:defRPr>
+            </a:lvl6pPr>
+            <a:lvl7pPr marL="3211513" indent="-468313" algn="l" rtl="0" eaLnBrk="1" fontAlgn="base" hangingPunct="1">
+              <a:spcBef>
+                <a:spcPct val="20000"/>
+              </a:spcBef>
+              <a:spcAft>
+                <a:spcPct val="0"/>
+              </a:spcAft>
+              <a:buClr>
+                <a:schemeClr val="accent1"/>
+              </a:buClr>
+              <a:buSzPct val="50000"/>
+              <a:buFont typeface="Wingdings" pitchFamily="2" charset="2"/>
+              <a:buChar char="o"/>
+              <a:defRPr sz="2000">
+                <a:solidFill>
+                  <a:schemeClr val="tx1"/>
+                </a:solidFill>
+                <a:latin typeface="+mn-lt"/>
+              </a:defRPr>
+            </a:lvl7pPr>
+            <a:lvl8pPr marL="3668713" indent="-468313" algn="l" rtl="0" eaLnBrk="1" fontAlgn="base" hangingPunct="1">
+              <a:spcBef>
+                <a:spcPct val="20000"/>
+              </a:spcBef>
+              <a:spcAft>
+                <a:spcPct val="0"/>
+              </a:spcAft>
+              <a:buClr>
+                <a:schemeClr val="accent1"/>
+              </a:buClr>
+              <a:buSzPct val="50000"/>
+              <a:buFont typeface="Wingdings" pitchFamily="2" charset="2"/>
+              <a:buChar char="o"/>
+              <a:defRPr sz="2000">
+                <a:solidFill>
+                  <a:schemeClr val="tx1"/>
+                </a:solidFill>
+                <a:latin typeface="+mn-lt"/>
+              </a:defRPr>
+            </a:lvl8pPr>
+            <a:lvl9pPr marL="4125913" indent="-468313" algn="l" rtl="0" eaLnBrk="1" fontAlgn="base" hangingPunct="1">
+              <a:spcBef>
+                <a:spcPct val="20000"/>
+              </a:spcBef>
+              <a:spcAft>
+                <a:spcPct val="0"/>
+              </a:spcAft>
+              <a:buClr>
+                <a:schemeClr val="accent1"/>
+              </a:buClr>
+              <a:buSzPct val="50000"/>
+              <a:buFont typeface="Wingdings" pitchFamily="2" charset="2"/>
+              <a:buChar char="o"/>
+              <a:defRPr sz="2000">
+                <a:solidFill>
+                  <a:schemeClr val="tx1"/>
+                </a:solidFill>
+                <a:latin typeface="+mn-lt"/>
+              </a:defRPr>
+            </a:lvl9pPr>
+          </a:lstStyle>
+          <a:p>
+            <a:pPr>
+              <a:lnSpc>
+                <a:spcPct val="90000"/>
+              </a:lnSpc>
+            </a:pPr>
+            <a:r>
+              <a:rPr lang="en-GB" altLang="zh-CN" sz="2400" b="0" kern="0" dirty="0">
+                <a:latin typeface="Gill Sans" panose="020B0502020104020203"/>
+                <a:ea typeface="宋体" charset="-122"/>
+              </a:rPr>
+              <a:t>4 processes P1, P2, P3; 3 resource types R1, R2, R3 with 8, 6, 4 instances each.</a:t>
+            </a:r>
+          </a:p>
+          <a:p>
+            <a:pPr>
+              <a:lnSpc>
+                <a:spcPct val="90000"/>
+              </a:lnSpc>
+            </a:pPr>
+            <a:r>
+              <a:rPr lang="en-GB" altLang="zh-CN" sz="2400" b="0" kern="0" dirty="0">
+                <a:latin typeface="Gill Sans" panose="020B0502020104020203"/>
+                <a:ea typeface="宋体" charset="-122"/>
+              </a:rPr>
+              <a:t>1) Run Banker’s algorithm to check if the current state is safe. If yes, give a safe sequence of process completions and fill in the table with the sequence of process completions without deadlock, and available resources after the completion of each process. </a:t>
+            </a:r>
+          </a:p>
+          <a:p>
+            <a:pPr>
+              <a:lnSpc>
+                <a:spcPct val="90000"/>
+              </a:lnSpc>
+            </a:pPr>
+            <a:r>
+              <a:rPr lang="en-GB" altLang="zh-CN" sz="2400" b="0" kern="0" dirty="0">
+                <a:latin typeface="Gill Sans" panose="020B0502020104020203"/>
+                <a:ea typeface="宋体" charset="-122"/>
+              </a:rPr>
+              <a:t>2) Starting from the initial state, if P1 makes request for 2 more instances of resource 3, should we grant it?</a:t>
+            </a:r>
+          </a:p>
+          <a:p>
+            <a:pPr>
+              <a:lnSpc>
+                <a:spcPct val="90000"/>
+              </a:lnSpc>
+            </a:pPr>
+            <a:r>
+              <a:rPr lang="en-GB" altLang="zh-CN" sz="2400" b="0" kern="0" dirty="0">
+                <a:latin typeface="Gill Sans" panose="020B0502020104020203"/>
+                <a:ea typeface="宋体" charset="-122"/>
+              </a:rPr>
+              <a:t>3) Starting from the initial state, if P2 makes request for 2 more instances of resource 1, should we grant it?</a:t>
+            </a:r>
+          </a:p>
+        </p:txBody>
+      </p:sp>
+      <p:sp>
+        <p:nvSpPr>
+          <p:cNvPr id="3" name="TextBox 2">
+            <a:extLst>
+              <a:ext uri="{FF2B5EF4-FFF2-40B4-BE49-F238E27FC236}">
+                <a16:creationId xmlns:a16="http://schemas.microsoft.com/office/drawing/2014/main" id="{12724183-831A-68FF-E9DE-EC9ADD4A2567}"/>
+              </a:ext>
+            </a:extLst>
+          </p:cNvPr>
+          <p:cNvSpPr txBox="1"/>
+          <p:nvPr/>
+        </p:nvSpPr>
+        <p:spPr>
+          <a:xfrm>
+            <a:off x="6325850" y="711200"/>
+            <a:ext cx="692818" cy="400110"/>
+          </a:xfrm>
+          <a:prstGeom prst="rect">
+            <a:avLst/>
+          </a:prstGeom>
+          <a:noFill/>
+        </p:spPr>
+        <p:txBody>
+          <a:bodyPr wrap="none" rtlCol="0">
+            <a:spAutoFit/>
+          </a:bodyPr>
+          <a:lstStyle/>
+          <a:p>
+            <a:r>
+              <a:rPr lang="en-GB" sz="2000" b="0" dirty="0">
+                <a:solidFill>
+                  <a:schemeClr val="dk1"/>
+                </a:solidFill>
+                <a:latin typeface="+mn-lt"/>
+                <a:ea typeface="+mn-ea"/>
+                <a:cs typeface="+mn-cs"/>
+              </a:rPr>
+              <a:t>Max</a:t>
+            </a:r>
+          </a:p>
+        </p:txBody>
+      </p:sp>
+      <p:sp>
+        <p:nvSpPr>
+          <p:cNvPr id="4" name="TextBox 3">
+            <a:extLst>
+              <a:ext uri="{FF2B5EF4-FFF2-40B4-BE49-F238E27FC236}">
+                <a16:creationId xmlns:a16="http://schemas.microsoft.com/office/drawing/2014/main" id="{15E445BA-C3F2-6BAD-4AA9-EC009521B738}"/>
+              </a:ext>
+            </a:extLst>
+          </p:cNvPr>
+          <p:cNvSpPr txBox="1"/>
+          <p:nvPr/>
+        </p:nvSpPr>
+        <p:spPr>
+          <a:xfrm>
+            <a:off x="8048357" y="720210"/>
+            <a:ext cx="1372492" cy="400110"/>
+          </a:xfrm>
+          <a:prstGeom prst="rect">
+            <a:avLst/>
+          </a:prstGeom>
+          <a:noFill/>
+        </p:spPr>
+        <p:txBody>
+          <a:bodyPr wrap="none" rtlCol="0">
+            <a:spAutoFit/>
+          </a:bodyPr>
+          <a:lstStyle/>
+          <a:p>
+            <a:r>
+              <a:rPr lang="en-GB" sz="2000" b="0" dirty="0">
+                <a:solidFill>
+                  <a:schemeClr val="dk1"/>
+                </a:solidFill>
+                <a:latin typeface="+mn-lt"/>
+                <a:ea typeface="+mn-ea"/>
+                <a:cs typeface="+mn-cs"/>
+              </a:rPr>
+              <a:t>Allocation</a:t>
+            </a:r>
+          </a:p>
+        </p:txBody>
+      </p:sp>
+      <p:sp>
+        <p:nvSpPr>
+          <p:cNvPr id="5" name="TextBox 4">
+            <a:extLst>
+              <a:ext uri="{FF2B5EF4-FFF2-40B4-BE49-F238E27FC236}">
+                <a16:creationId xmlns:a16="http://schemas.microsoft.com/office/drawing/2014/main" id="{A4C07C95-5190-3B41-4EB5-36518CC96F8D}"/>
+              </a:ext>
+            </a:extLst>
+          </p:cNvPr>
+          <p:cNvSpPr txBox="1"/>
+          <p:nvPr/>
+        </p:nvSpPr>
+        <p:spPr>
+          <a:xfrm>
+            <a:off x="6334886" y="2278024"/>
+            <a:ext cx="816249" cy="400110"/>
+          </a:xfrm>
+          <a:prstGeom prst="rect">
+            <a:avLst/>
+          </a:prstGeom>
+          <a:noFill/>
+        </p:spPr>
+        <p:txBody>
+          <a:bodyPr wrap="none" rtlCol="0">
+            <a:spAutoFit/>
+          </a:bodyPr>
+          <a:lstStyle/>
+          <a:p>
+            <a:r>
+              <a:rPr lang="en-GB" sz="2000" b="0" dirty="0">
+                <a:solidFill>
+                  <a:schemeClr val="dk1"/>
+                </a:solidFill>
+                <a:latin typeface="+mn-lt"/>
+                <a:ea typeface="+mn-ea"/>
+                <a:cs typeface="+mn-cs"/>
+              </a:rPr>
+              <a:t>Total</a:t>
+            </a:r>
+          </a:p>
+        </p:txBody>
+      </p:sp>
+      <p:graphicFrame>
+        <p:nvGraphicFramePr>
+          <p:cNvPr id="12" name="Content Placeholder 5">
+            <a:extLst>
+              <a:ext uri="{FF2B5EF4-FFF2-40B4-BE49-F238E27FC236}">
+                <a16:creationId xmlns:a16="http://schemas.microsoft.com/office/drawing/2014/main" id="{A4E1DC9B-71E6-9958-F686-AC688BB6182D}"/>
+              </a:ext>
+            </a:extLst>
+          </p:cNvPr>
+          <p:cNvGraphicFramePr>
+            <a:graphicFrameLocks/>
+          </p:cNvGraphicFramePr>
+          <p:nvPr/>
+        </p:nvGraphicFramePr>
+        <p:xfrm>
+          <a:off x="8839200" y="3860341"/>
+          <a:ext cx="2603684" cy="1981200"/>
+        </p:xfrm>
+        <a:graphic>
+          <a:graphicData uri="http://schemas.openxmlformats.org/drawingml/2006/table">
+            <a:tbl>
+              <a:tblPr firstRow="1" bandRow="1">
+                <a:tableStyleId>{5940675A-B579-460E-94D1-54222C63F5DA}</a:tableStyleId>
+              </a:tblPr>
+              <a:tblGrid>
+                <a:gridCol w="650921">
+                  <a:extLst>
+                    <a:ext uri="{9D8B030D-6E8A-4147-A177-3AD203B41FA5}">
+                      <a16:colId xmlns:a16="http://schemas.microsoft.com/office/drawing/2014/main" val="1619986141"/>
+                    </a:ext>
+                  </a:extLst>
+                </a:gridCol>
+                <a:gridCol w="650921">
+                  <a:extLst>
+                    <a:ext uri="{9D8B030D-6E8A-4147-A177-3AD203B41FA5}">
+                      <a16:colId xmlns:a16="http://schemas.microsoft.com/office/drawing/2014/main" val="3558990718"/>
+                    </a:ext>
+                  </a:extLst>
+                </a:gridCol>
+                <a:gridCol w="650921">
+                  <a:extLst>
+                    <a:ext uri="{9D8B030D-6E8A-4147-A177-3AD203B41FA5}">
+                      <a16:colId xmlns:a16="http://schemas.microsoft.com/office/drawing/2014/main" val="2817522056"/>
+                    </a:ext>
+                  </a:extLst>
+                </a:gridCol>
+                <a:gridCol w="650921">
+                  <a:extLst>
+                    <a:ext uri="{9D8B030D-6E8A-4147-A177-3AD203B41FA5}">
+                      <a16:colId xmlns:a16="http://schemas.microsoft.com/office/drawing/2014/main" val="27933147"/>
+                    </a:ext>
+                  </a:extLst>
+                </a:gridCol>
+              </a:tblGrid>
+              <a:tr h="370840">
+                <a:tc>
+                  <a:txBody>
+                    <a:bodyPr/>
+                    <a:lstStyle/>
+                    <a:p>
+                      <a:pPr algn="ctr"/>
+                      <a:endParaRPr lang="en-SE" sz="2000" dirty="0"/>
+                    </a:p>
+                  </a:txBody>
+                  <a:tcPr>
+                    <a:solidFill>
+                      <a:schemeClr val="bg1">
+                        <a:lumMod val="95000"/>
+                      </a:schemeClr>
+                    </a:solidFill>
+                  </a:tcPr>
+                </a:tc>
+                <a:tc>
+                  <a:txBody>
+                    <a:bodyPr/>
+                    <a:lstStyle/>
+                    <a:p>
+                      <a:pPr algn="ctr"/>
+                      <a:r>
+                        <a:rPr lang="en-GB" sz="2000" dirty="0"/>
+                        <a:t>R1</a:t>
+                      </a:r>
+                      <a:endParaRPr lang="en-SE" sz="2000" dirty="0"/>
+                    </a:p>
+                  </a:txBody>
+                  <a:tcPr>
+                    <a:solidFill>
+                      <a:schemeClr val="bg1">
+                        <a:lumMod val="95000"/>
+                      </a:schemeClr>
+                    </a:solidFill>
+                  </a:tcPr>
+                </a:tc>
+                <a:tc>
+                  <a:txBody>
+                    <a:bodyPr/>
+                    <a:lstStyle/>
+                    <a:p>
+                      <a:pPr algn="ctr"/>
+                      <a:r>
+                        <a:rPr lang="en-GB" sz="2000" dirty="0"/>
+                        <a:t>R2</a:t>
+                      </a:r>
+                      <a:endParaRPr lang="en-SE" sz="2000" dirty="0"/>
+                    </a:p>
+                  </a:txBody>
+                  <a:tcPr>
+                    <a:solidFill>
+                      <a:schemeClr val="bg1">
+                        <a:lumMod val="95000"/>
+                      </a:schemeClr>
+                    </a:solidFill>
+                  </a:tcPr>
+                </a:tc>
+                <a:tc>
+                  <a:txBody>
+                    <a:bodyPr/>
+                    <a:lstStyle/>
+                    <a:p>
+                      <a:pPr algn="ctr"/>
+                      <a:r>
+                        <a:rPr lang="en-GB" sz="2000" dirty="0"/>
+                        <a:t>R3</a:t>
+                      </a:r>
+                      <a:endParaRPr lang="en-SE" sz="2000" dirty="0"/>
+                    </a:p>
+                  </a:txBody>
+                  <a:tcPr>
+                    <a:solidFill>
+                      <a:schemeClr val="bg1">
+                        <a:lumMod val="95000"/>
+                      </a:schemeClr>
+                    </a:solidFill>
+                  </a:tcPr>
+                </a:tc>
+                <a:extLst>
+                  <a:ext uri="{0D108BD9-81ED-4DB2-BD59-A6C34878D82A}">
+                    <a16:rowId xmlns:a16="http://schemas.microsoft.com/office/drawing/2014/main" val="117063772"/>
+                  </a:ext>
+                </a:extLst>
+              </a:tr>
+              <a:tr h="370840">
+                <a:tc>
+                  <a:txBody>
+                    <a:bodyPr/>
+                    <a:lstStyle/>
+                    <a:p>
+                      <a:pPr algn="ctr"/>
+                      <a:r>
+                        <a:rPr lang="en-GB" sz="2000" dirty="0"/>
+                        <a:t>Init</a:t>
+                      </a:r>
+                      <a:endParaRPr lang="en-SE" sz="2000" dirty="0"/>
+                    </a:p>
+                  </a:txBody>
+                  <a:tcPr>
+                    <a:solidFill>
+                      <a:schemeClr val="bg1">
+                        <a:lumMod val="95000"/>
+                      </a:schemeClr>
+                    </a:solidFill>
+                  </a:tcPr>
+                </a:tc>
+                <a:tc>
+                  <a:txBody>
+                    <a:bodyPr/>
+                    <a:lstStyle/>
+                    <a:p>
+                      <a:pPr algn="ctr"/>
+                      <a:endParaRPr lang="en-SE" sz="2000" dirty="0"/>
+                    </a:p>
+                  </a:txBody>
+                  <a:tcPr/>
+                </a:tc>
+                <a:tc>
+                  <a:txBody>
+                    <a:bodyPr/>
+                    <a:lstStyle/>
+                    <a:p>
+                      <a:pPr algn="ctr"/>
+                      <a:endParaRPr lang="en-SE" sz="2000" dirty="0"/>
+                    </a:p>
+                  </a:txBody>
+                  <a:tcPr/>
+                </a:tc>
+                <a:tc>
+                  <a:txBody>
+                    <a:bodyPr/>
+                    <a:lstStyle/>
+                    <a:p>
+                      <a:pPr algn="ctr"/>
+                      <a:endParaRPr lang="en-SE" sz="2000" dirty="0"/>
+                    </a:p>
+                  </a:txBody>
+                  <a:tcPr/>
+                </a:tc>
+                <a:extLst>
+                  <a:ext uri="{0D108BD9-81ED-4DB2-BD59-A6C34878D82A}">
+                    <a16:rowId xmlns:a16="http://schemas.microsoft.com/office/drawing/2014/main" val="2823243655"/>
+                  </a:ext>
+                </a:extLst>
+              </a:tr>
+              <a:tr h="370840">
+                <a:tc>
+                  <a:txBody>
+                    <a:bodyPr/>
+                    <a:lstStyle/>
+                    <a:p>
+                      <a:pPr algn="ctr"/>
+                      <a:endParaRPr lang="en-SE" sz="2000" dirty="0"/>
+                    </a:p>
+                  </a:txBody>
+                  <a:tcPr>
+                    <a:solidFill>
+                      <a:schemeClr val="bg1">
+                        <a:lumMod val="95000"/>
+                      </a:schemeClr>
+                    </a:solidFill>
+                  </a:tcPr>
+                </a:tc>
+                <a:tc>
+                  <a:txBody>
+                    <a:bodyPr/>
+                    <a:lstStyle/>
+                    <a:p>
+                      <a:pPr algn="ctr"/>
+                      <a:endParaRPr lang="en-SE" sz="2000" dirty="0"/>
+                    </a:p>
+                  </a:txBody>
+                  <a:tcPr/>
+                </a:tc>
+                <a:tc>
+                  <a:txBody>
+                    <a:bodyPr/>
+                    <a:lstStyle/>
+                    <a:p>
+                      <a:pPr algn="ctr"/>
+                      <a:endParaRPr lang="en-SE" sz="2000" dirty="0"/>
+                    </a:p>
+                  </a:txBody>
+                  <a:tcPr/>
+                </a:tc>
+                <a:tc>
+                  <a:txBody>
+                    <a:bodyPr/>
+                    <a:lstStyle/>
+                    <a:p>
+                      <a:pPr algn="ctr"/>
+                      <a:endParaRPr lang="en-SE" sz="2000" dirty="0"/>
+                    </a:p>
+                  </a:txBody>
+                  <a:tcPr/>
+                </a:tc>
+                <a:extLst>
+                  <a:ext uri="{0D108BD9-81ED-4DB2-BD59-A6C34878D82A}">
+                    <a16:rowId xmlns:a16="http://schemas.microsoft.com/office/drawing/2014/main" val="1884641263"/>
+                  </a:ext>
+                </a:extLst>
+              </a:tr>
+              <a:tr h="370840">
+                <a:tc>
+                  <a:txBody>
+                    <a:bodyPr/>
+                    <a:lstStyle/>
+                    <a:p>
+                      <a:pPr algn="ctr"/>
+                      <a:endParaRPr lang="en-SE" sz="2000" dirty="0"/>
+                    </a:p>
+                  </a:txBody>
+                  <a:tcPr>
+                    <a:solidFill>
+                      <a:schemeClr val="bg1">
+                        <a:lumMod val="95000"/>
+                      </a:schemeClr>
+                    </a:solidFill>
+                  </a:tcPr>
+                </a:tc>
+                <a:tc>
+                  <a:txBody>
+                    <a:bodyPr/>
+                    <a:lstStyle/>
+                    <a:p>
+                      <a:pPr algn="ctr"/>
+                      <a:endParaRPr lang="en-SE" sz="2000" dirty="0"/>
+                    </a:p>
+                  </a:txBody>
+                  <a:tcPr/>
+                </a:tc>
+                <a:tc>
+                  <a:txBody>
+                    <a:bodyPr/>
+                    <a:lstStyle/>
+                    <a:p>
+                      <a:pPr algn="ctr"/>
+                      <a:endParaRPr lang="en-SE" sz="2000" dirty="0"/>
+                    </a:p>
+                  </a:txBody>
+                  <a:tcPr/>
+                </a:tc>
+                <a:tc>
+                  <a:txBody>
+                    <a:bodyPr/>
+                    <a:lstStyle/>
+                    <a:p>
+                      <a:pPr algn="ctr"/>
+                      <a:endParaRPr lang="en-SE" sz="2000" dirty="0"/>
+                    </a:p>
+                  </a:txBody>
+                  <a:tcPr/>
+                </a:tc>
+                <a:extLst>
+                  <a:ext uri="{0D108BD9-81ED-4DB2-BD59-A6C34878D82A}">
+                    <a16:rowId xmlns:a16="http://schemas.microsoft.com/office/drawing/2014/main" val="3030728590"/>
+                  </a:ext>
+                </a:extLst>
+              </a:tr>
+              <a:tr h="370840">
+                <a:tc>
+                  <a:txBody>
+                    <a:bodyPr/>
+                    <a:lstStyle/>
+                    <a:p>
+                      <a:pPr algn="ctr"/>
+                      <a:endParaRPr lang="en-SE" sz="2000" dirty="0"/>
+                    </a:p>
+                  </a:txBody>
+                  <a:tcPr>
+                    <a:solidFill>
+                      <a:schemeClr val="bg1">
+                        <a:lumMod val="95000"/>
+                      </a:schemeClr>
+                    </a:solidFill>
+                  </a:tcPr>
+                </a:tc>
+                <a:tc>
+                  <a:txBody>
+                    <a:bodyPr/>
+                    <a:lstStyle/>
+                    <a:p>
+                      <a:pPr algn="ctr"/>
+                      <a:endParaRPr lang="en-SE" sz="2000" dirty="0"/>
+                    </a:p>
+                  </a:txBody>
+                  <a:tcPr/>
+                </a:tc>
+                <a:tc>
+                  <a:txBody>
+                    <a:bodyPr/>
+                    <a:lstStyle/>
+                    <a:p>
+                      <a:pPr algn="ctr"/>
+                      <a:endParaRPr lang="en-SE" sz="2000" dirty="0"/>
+                    </a:p>
+                  </a:txBody>
+                  <a:tcPr/>
+                </a:tc>
+                <a:tc>
+                  <a:txBody>
+                    <a:bodyPr/>
+                    <a:lstStyle/>
+                    <a:p>
+                      <a:pPr algn="ctr"/>
+                      <a:endParaRPr lang="en-SE" sz="2000" dirty="0"/>
+                    </a:p>
+                  </a:txBody>
+                  <a:tcPr/>
+                </a:tc>
+                <a:extLst>
+                  <a:ext uri="{0D108BD9-81ED-4DB2-BD59-A6C34878D82A}">
+                    <a16:rowId xmlns:a16="http://schemas.microsoft.com/office/drawing/2014/main" val="3263484799"/>
+                  </a:ext>
+                </a:extLst>
+              </a:tr>
+            </a:tbl>
+          </a:graphicData>
+        </a:graphic>
+      </p:graphicFrame>
+      <p:sp>
+        <p:nvSpPr>
+          <p:cNvPr id="13" name="TextBox 12">
+            <a:extLst>
+              <a:ext uri="{FF2B5EF4-FFF2-40B4-BE49-F238E27FC236}">
+                <a16:creationId xmlns:a16="http://schemas.microsoft.com/office/drawing/2014/main" id="{6D4A79E8-7362-DF03-ECE8-AAA6A9AB3A41}"/>
+              </a:ext>
+            </a:extLst>
+          </p:cNvPr>
+          <p:cNvSpPr txBox="1"/>
+          <p:nvPr/>
+        </p:nvSpPr>
+        <p:spPr>
+          <a:xfrm>
+            <a:off x="8415070" y="3151498"/>
+            <a:ext cx="3466512" cy="707886"/>
+          </a:xfrm>
+          <a:prstGeom prst="rect">
+            <a:avLst/>
+          </a:prstGeom>
+          <a:noFill/>
+        </p:spPr>
+        <p:txBody>
+          <a:bodyPr wrap="square" rtlCol="0">
+            <a:spAutoFit/>
+          </a:bodyPr>
+          <a:lstStyle/>
+          <a:p>
+            <a:r>
+              <a:rPr lang="en-GB" sz="2000" b="0" dirty="0">
+                <a:solidFill>
+                  <a:schemeClr val="dk1"/>
+                </a:solidFill>
+                <a:latin typeface="+mn-lt"/>
+                <a:ea typeface="+mn-ea"/>
+                <a:cs typeface="+mn-cs"/>
+              </a:rPr>
+              <a:t>Available resources after completion of each process</a:t>
+            </a:r>
+          </a:p>
+        </p:txBody>
+      </p:sp>
+      <mc:AlternateContent xmlns:mc="http://schemas.openxmlformats.org/markup-compatibility/2006">
+        <mc:Choice xmlns:a14="http://schemas.microsoft.com/office/drawing/2010/main" Requires="a14">
+          <p:sp>
+            <p:nvSpPr>
+              <p:cNvPr id="14" name="Object 8">
+                <a:extLst>
+                  <a:ext uri="{FF2B5EF4-FFF2-40B4-BE49-F238E27FC236}">
+                    <a16:creationId xmlns:a16="http://schemas.microsoft.com/office/drawing/2014/main" id="{0F58D521-2FD6-506C-8AE9-BEA409F8958E}"/>
+                  </a:ext>
+                </a:extLst>
+              </p:cNvPr>
+              <p:cNvSpPr txBox="1"/>
+              <p:nvPr/>
+            </p:nvSpPr>
+            <p:spPr bwMode="auto">
+              <a:xfrm>
+                <a:off x="5586846" y="2667860"/>
+                <a:ext cx="2310314" cy="449263"/>
+              </a:xfrm>
+              <a:prstGeom prst="rect">
+                <a:avLst/>
+              </a:prstGeom>
+              <a:noFill/>
+            </p:spPr>
+            <p:txBody>
+              <a:bodyPr>
+                <a:noAutofit/>
+              </a:bodyPr>
+              <a:lstStyle/>
+              <a:p>
+                <a:pPr/>
+                <a14:m>
+                  <m:oMathPara xmlns:m="http://schemas.openxmlformats.org/officeDocument/2006/math">
+                    <m:oMathParaPr>
+                      <m:jc m:val="left"/>
+                    </m:oMathParaPr>
+                    <m:oMath xmlns:m="http://schemas.openxmlformats.org/officeDocument/2006/math">
+                      <m:r>
+                        <a:rPr lang="en-SE" sz="2400" b="0" i="1" smtClean="0">
+                          <a:solidFill>
+                            <a:srgbClr val="000000"/>
+                          </a:solidFill>
+                          <a:latin typeface="Cambria Math" panose="02040503050406030204" pitchFamily="18" charset="0"/>
+                        </a:rPr>
+                        <m:t>𝐸</m:t>
+                      </m:r>
+                      <m:r>
+                        <a:rPr lang="en-SE" sz="2400" b="0" i="0" smtClean="0">
+                          <a:solidFill>
+                            <a:srgbClr val="000000"/>
+                          </a:solidFill>
+                          <a:latin typeface="Cambria Math" panose="02040503050406030204" pitchFamily="18" charset="0"/>
+                        </a:rPr>
+                        <m:t>=</m:t>
+                      </m:r>
+                      <m:d>
+                        <m:dPr>
+                          <m:begChr m:val="["/>
+                          <m:endChr m:val="]"/>
+                          <m:ctrlPr>
+                            <a:rPr lang="en-SE" sz="2400" b="0" i="1">
+                              <a:solidFill>
+                                <a:srgbClr val="000000"/>
+                              </a:solidFill>
+                              <a:latin typeface="Cambria Math" panose="02040503050406030204" pitchFamily="18" charset="0"/>
+                            </a:rPr>
+                          </m:ctrlPr>
+                        </m:dPr>
+                        <m:e>
+                          <m:r>
+                            <a:rPr lang="en-GB" sz="2400" b="0" i="0" smtClean="0">
+                              <a:solidFill>
+                                <a:srgbClr val="000000"/>
+                              </a:solidFill>
+                              <a:latin typeface="Cambria Math" panose="02040503050406030204" pitchFamily="18" charset="0"/>
+                            </a:rPr>
+                            <m:t>8</m:t>
+                          </m:r>
+                          <m:m>
+                            <m:mPr>
+                              <m:plcHide m:val="on"/>
+                              <m:mcs>
+                                <m:mc>
+                                  <m:mcPr>
+                                    <m:count m:val="3"/>
+                                    <m:mcJc m:val="center"/>
+                                  </m:mcPr>
+                                </m:mc>
+                              </m:mcs>
+                              <m:ctrlPr>
+                                <a:rPr lang="en-SE" sz="2400" b="0" i="1">
+                                  <a:solidFill>
+                                    <a:srgbClr val="000000"/>
+                                  </a:solidFill>
+                                  <a:latin typeface="Cambria Math" panose="02040503050406030204" pitchFamily="18" charset="0"/>
+                                </a:rPr>
+                              </m:ctrlPr>
+                            </m:mPr>
+                            <m:mr>
+                              <m:e/>
+                              <m:e>
+                                <m:r>
+                                  <a:rPr lang="en-GB" sz="2400" b="0" i="0" smtClean="0">
+                                    <a:solidFill>
+                                      <a:srgbClr val="000000"/>
+                                    </a:solidFill>
+                                    <a:latin typeface="Cambria Math" panose="02040503050406030204" pitchFamily="18" charset="0"/>
+                                  </a:rPr>
+                                  <m:t>6</m:t>
+                                </m:r>
+                              </m:e>
+                              <m:e>
+                                <m:r>
+                                  <a:rPr lang="en-GB" sz="2400" b="0" i="0" smtClean="0">
+                                    <a:solidFill>
+                                      <a:srgbClr val="000000"/>
+                                    </a:solidFill>
+                                    <a:latin typeface="Cambria Math" panose="02040503050406030204" pitchFamily="18" charset="0"/>
+                                  </a:rPr>
+                                  <m:t>4</m:t>
+                                </m:r>
+                              </m:e>
+                            </m:mr>
+                          </m:m>
+                        </m:e>
+                      </m:d>
+                    </m:oMath>
+                  </m:oMathPara>
+                </a14:m>
+                <a:endParaRPr lang="en-SE" sz="2400" b="0" dirty="0"/>
+              </a:p>
+            </p:txBody>
+          </p:sp>
+        </mc:Choice>
+        <mc:Fallback>
+          <p:sp>
+            <p:nvSpPr>
+              <p:cNvPr id="14" name="Object 8">
+                <a:extLst>
+                  <a:ext uri="{FF2B5EF4-FFF2-40B4-BE49-F238E27FC236}">
+                    <a16:creationId xmlns:a16="http://schemas.microsoft.com/office/drawing/2014/main" id="{0F58D521-2FD6-506C-8AE9-BEA409F8958E}"/>
+                  </a:ext>
+                </a:extLst>
+              </p:cNvPr>
+              <p:cNvSpPr txBox="1">
+                <a:spLocks noRot="1" noChangeAspect="1" noMove="1" noResize="1" noEditPoints="1" noAdjustHandles="1" noChangeArrowheads="1" noChangeShapeType="1" noTextEdit="1"/>
+              </p:cNvSpPr>
+              <p:nvPr/>
+            </p:nvSpPr>
+            <p:spPr bwMode="auto">
+              <a:xfrm>
+                <a:off x="5586846" y="2667860"/>
+                <a:ext cx="2310314" cy="449263"/>
+              </a:xfrm>
+              <a:prstGeom prst="rect">
+                <a:avLst/>
+              </a:prstGeom>
+              <a:blipFill>
+                <a:blip r:embed="rId3"/>
+                <a:stretch>
+                  <a:fillRect l="-528" b="-1370"/>
+                </a:stretch>
+              </a:blipFill>
+            </p:spPr>
+            <p:txBody>
+              <a:bodyPr/>
+              <a:lstStyle/>
+              <a:p>
+                <a:r>
+                  <a:rPr lang="en-SE">
+                    <a:noFill/>
+                  </a:rPr>
+                  <a:t> </a:t>
+                </a:r>
+              </a:p>
+            </p:txBody>
+          </p:sp>
+        </mc:Fallback>
+      </mc:AlternateContent>
+      <mc:AlternateContent xmlns:mc="http://schemas.openxmlformats.org/markup-compatibility/2006">
+        <mc:Choice xmlns:a14="http://schemas.microsoft.com/office/drawing/2010/main" Requires="a14">
+          <p:sp>
+            <p:nvSpPr>
+              <p:cNvPr id="9" name="Object 4">
+                <a:extLst>
+                  <a:ext uri="{FF2B5EF4-FFF2-40B4-BE49-F238E27FC236}">
+                    <a16:creationId xmlns:a16="http://schemas.microsoft.com/office/drawing/2014/main" id="{E1A35B87-63F0-BA64-83B9-053580FAC480}"/>
+                  </a:ext>
+                </a:extLst>
+              </p:cNvPr>
+              <p:cNvSpPr txBox="1"/>
+              <p:nvPr/>
+            </p:nvSpPr>
+            <p:spPr bwMode="auto">
+              <a:xfrm>
+                <a:off x="7932660" y="1111310"/>
+                <a:ext cx="1603886" cy="1165450"/>
+              </a:xfrm>
+              <a:prstGeom prst="rect">
+                <a:avLst/>
+              </a:prstGeom>
+              <a:noFill/>
+            </p:spPr>
+            <p:txBody>
+              <a:bodyPr>
+                <a:normAutofit/>
+              </a:bodyPr>
+              <a:lstStyle/>
+              <a:p>
+                <a:pPr/>
+                <a14:m>
+                  <m:oMathPara xmlns:m="http://schemas.openxmlformats.org/officeDocument/2006/math">
+                    <m:oMathParaPr>
+                      <m:jc m:val="left"/>
+                    </m:oMathParaPr>
+                    <m:oMath xmlns:m="http://schemas.openxmlformats.org/officeDocument/2006/math">
+                      <m:d>
+                        <m:dPr>
+                          <m:begChr m:val="["/>
+                          <m:endChr m:val="]"/>
+                          <m:ctrlPr>
+                            <a:rPr lang="en-SE" sz="2400" i="1" smtClean="0">
+                              <a:solidFill>
+                                <a:srgbClr val="000000"/>
+                              </a:solidFill>
+                              <a:latin typeface="Cambria Math" panose="02040503050406030204" pitchFamily="18" charset="0"/>
+                            </a:rPr>
+                          </m:ctrlPr>
+                        </m:dPr>
+                        <m:e>
+                          <m:m>
+                            <m:mPr>
+                              <m:mcs>
+                                <m:mc>
+                                  <m:mcPr>
+                                    <m:count m:val="3"/>
+                                    <m:mcJc m:val="center"/>
+                                  </m:mcPr>
+                                </m:mc>
+                              </m:mcs>
+                              <m:ctrlPr>
+                                <a:rPr lang="en-SE" sz="2400" b="0" smtClean="0">
+                                  <a:solidFill>
+                                    <a:srgbClr val="000000"/>
+                                  </a:solidFill>
+                                  <a:latin typeface="Cambria Math" panose="02040503050406030204" pitchFamily="18" charset="0"/>
+                                </a:rPr>
+                              </m:ctrlPr>
+                            </m:mPr>
+                            <m:mr>
+                              <m:e>
+                                <m:r>
+                                  <m:rPr>
+                                    <m:brk m:alnAt="7"/>
+                                  </m:rPr>
+                                  <a:rPr lang="en-GB" sz="2400" b="0" i="0" smtClean="0">
+                                    <a:solidFill>
+                                      <a:srgbClr val="000000"/>
+                                    </a:solidFill>
+                                    <a:latin typeface="Cambria Math" panose="02040503050406030204" pitchFamily="18" charset="0"/>
+                                  </a:rPr>
+                                  <m:t>0</m:t>
+                                </m:r>
+                              </m:e>
+                              <m:e>
+                                <m:r>
+                                  <a:rPr lang="en-GB" sz="2400" b="0" i="0" smtClean="0">
+                                    <a:solidFill>
+                                      <a:srgbClr val="000000"/>
+                                    </a:solidFill>
+                                    <a:latin typeface="Cambria Math" panose="02040503050406030204" pitchFamily="18" charset="0"/>
+                                  </a:rPr>
+                                  <m:t>0</m:t>
+                                </m:r>
+                              </m:e>
+                              <m:e>
+                                <m:r>
+                                  <a:rPr lang="en-GB" sz="2400" b="0" i="0" smtClean="0">
+                                    <a:solidFill>
+                                      <a:srgbClr val="000000"/>
+                                    </a:solidFill>
+                                    <a:latin typeface="Cambria Math" panose="02040503050406030204" pitchFamily="18" charset="0"/>
+                                  </a:rPr>
+                                  <m:t>1</m:t>
+                                </m:r>
+                              </m:e>
+                            </m:mr>
+                            <m:mr>
+                              <m:e>
+                                <m:r>
+                                  <a:rPr lang="en-GB" sz="2400" b="0" i="0" smtClean="0">
+                                    <a:solidFill>
+                                      <a:srgbClr val="000000"/>
+                                    </a:solidFill>
+                                    <a:latin typeface="Cambria Math" panose="02040503050406030204" pitchFamily="18" charset="0"/>
+                                  </a:rPr>
+                                  <m:t>3</m:t>
+                                </m:r>
+                              </m:e>
+                              <m:e>
+                                <m:r>
+                                  <a:rPr lang="en-GB" sz="2400" b="0" i="0" smtClean="0">
+                                    <a:solidFill>
+                                      <a:srgbClr val="000000"/>
+                                    </a:solidFill>
+                                    <a:latin typeface="Cambria Math" panose="02040503050406030204" pitchFamily="18" charset="0"/>
+                                  </a:rPr>
+                                  <m:t>2</m:t>
+                                </m:r>
+                              </m:e>
+                              <m:e>
+                                <m:r>
+                                  <a:rPr lang="en-GB" sz="2400" b="0" i="0" smtClean="0">
+                                    <a:solidFill>
+                                      <a:srgbClr val="000000"/>
+                                    </a:solidFill>
+                                    <a:latin typeface="Cambria Math" panose="02040503050406030204" pitchFamily="18" charset="0"/>
+                                  </a:rPr>
+                                  <m:t>0</m:t>
+                                </m:r>
+                              </m:e>
+                            </m:mr>
+                            <m:mr>
+                              <m:e>
+                                <m:r>
+                                  <a:rPr lang="en-GB" sz="2400" b="0" i="0" smtClean="0">
+                                    <a:solidFill>
+                                      <a:srgbClr val="000000"/>
+                                    </a:solidFill>
+                                    <a:latin typeface="Cambria Math" panose="02040503050406030204" pitchFamily="18" charset="0"/>
+                                  </a:rPr>
+                                  <m:t>2</m:t>
+                                </m:r>
+                              </m:e>
+                              <m:e>
+                                <m:r>
+                                  <a:rPr lang="en-GB" sz="2400" b="0" i="0" smtClean="0">
+                                    <a:solidFill>
+                                      <a:srgbClr val="000000"/>
+                                    </a:solidFill>
+                                    <a:latin typeface="Cambria Math" panose="02040503050406030204" pitchFamily="18" charset="0"/>
+                                  </a:rPr>
+                                  <m:t>2</m:t>
+                                </m:r>
+                              </m:e>
+                              <m:e>
+                                <m:r>
+                                  <a:rPr lang="en-GB" sz="2400" b="0" i="0" smtClean="0">
+                                    <a:solidFill>
+                                      <a:srgbClr val="000000"/>
+                                    </a:solidFill>
+                                    <a:latin typeface="Cambria Math" panose="02040503050406030204" pitchFamily="18" charset="0"/>
+                                  </a:rPr>
+                                  <m:t>1</m:t>
+                                </m:r>
+                              </m:e>
+                            </m:mr>
+                          </m:m>
+                        </m:e>
+                      </m:d>
+                    </m:oMath>
+                  </m:oMathPara>
+                </a14:m>
+                <a:endParaRPr lang="en-SE" sz="2000" dirty="0"/>
+              </a:p>
+            </p:txBody>
+          </p:sp>
+        </mc:Choice>
+        <mc:Fallback>
+          <p:sp>
+            <p:nvSpPr>
+              <p:cNvPr id="9" name="Object 4">
+                <a:extLst>
+                  <a:ext uri="{FF2B5EF4-FFF2-40B4-BE49-F238E27FC236}">
+                    <a16:creationId xmlns:a16="http://schemas.microsoft.com/office/drawing/2014/main" id="{E1A35B87-63F0-BA64-83B9-053580FAC480}"/>
+                  </a:ext>
+                </a:extLst>
+              </p:cNvPr>
+              <p:cNvSpPr txBox="1">
+                <a:spLocks noRot="1" noChangeAspect="1" noMove="1" noResize="1" noEditPoints="1" noAdjustHandles="1" noChangeArrowheads="1" noChangeShapeType="1" noTextEdit="1"/>
+              </p:cNvSpPr>
+              <p:nvPr/>
+            </p:nvSpPr>
+            <p:spPr bwMode="auto">
+              <a:xfrm>
+                <a:off x="7932660" y="1111310"/>
+                <a:ext cx="1603886" cy="1165450"/>
+              </a:xfrm>
+              <a:prstGeom prst="rect">
+                <a:avLst/>
+              </a:prstGeom>
+              <a:blipFill>
+                <a:blip r:embed="rId4"/>
+                <a:stretch>
+                  <a:fillRect/>
+                </a:stretch>
+              </a:blipFill>
+            </p:spPr>
+            <p:txBody>
+              <a:bodyPr/>
+              <a:lstStyle/>
+              <a:p>
+                <a:r>
+                  <a:rPr lang="en-SE">
+                    <a:noFill/>
+                  </a:rPr>
+                  <a:t> </a:t>
+                </a:r>
+              </a:p>
+            </p:txBody>
+          </p:sp>
+        </mc:Fallback>
+      </mc:AlternateContent>
+    </p:spTree>
+    <p:extLst>
+      <p:ext uri="{BB962C8B-B14F-4D97-AF65-F5344CB8AC3E}">
+        <p14:creationId xmlns:p14="http://schemas.microsoft.com/office/powerpoint/2010/main" val="2778633462"/>
+      </p:ext>
+    </p:extLst>
+  </p:cSld>
+  <p:clrMapOvr>
+    <a:masterClrMapping/>
+  </p:clrMapOvr>
+  <p:transition/>
+</p:sld>
+</file>
+
+<file path=ppt/slides/slide5.xml><?xml version="1.0" encoding="utf-8"?>
 <p:sld xmlns:a="http://schemas.openxmlformats.org/drawingml/2006/main" xmlns:r="http://schemas.openxmlformats.org/officeDocument/2006/relationships" xmlns:p="http://schemas.openxmlformats.org/presentationml/2006/main">
   <p:cSld>
     <p:spTree>
@@ -6231,8 +10027,8 @@
           </a:p>
         </p:txBody>
       </p:sp>
-      <mc:AlternateContent xmlns:mc="http://schemas.openxmlformats.org/markup-compatibility/2006">
-        <mc:Choice xmlns:a14="http://schemas.microsoft.com/office/drawing/2010/main" Requires="a14">
+      <mc:AlternateContent xmlns:mc="http://schemas.openxmlformats.org/markup-compatibility/2006" xmlns:a14="http://schemas.microsoft.com/office/drawing/2010/main">
+        <mc:Choice Requires="a14">
           <p:sp>
             <p:nvSpPr>
               <p:cNvPr id="19" name="TextBox 18">
@@ -6298,7 +10094,7 @@
             </p:txBody>
           </p:sp>
         </mc:Choice>
-        <mc:Fallback>
+        <mc:Fallback xmlns="">
           <p:sp>
             <p:nvSpPr>
               <p:cNvPr id="19" name="TextBox 18">
@@ -6621,10 +10417,16 @@
           <p:cNvGraphicFramePr>
             <a:graphicFrameLocks/>
           </p:cNvGraphicFramePr>
-          <p:nvPr/>
+          <p:nvPr>
+            <p:extLst>
+              <p:ext uri="{D42A27DB-BD31-4B8C-83A1-F6EECF244321}">
+                <p14:modId xmlns:p14="http://schemas.microsoft.com/office/powerpoint/2010/main" val="3058452747"/>
+              </p:ext>
+            </p:extLst>
+          </p:nvPr>
         </p:nvGraphicFramePr>
         <p:xfrm>
-          <a:off x="8091273" y="4084320"/>
+          <a:off x="8091273" y="4038600"/>
           <a:ext cx="3310566" cy="2773680"/>
         </p:xfrm>
         <a:graphic>
@@ -7354,7 +11156,1256 @@
 </p:sld>
 </file>
 
-<file path=ppt/slides/slide3.xml><?xml version="1.0" encoding="utf-8"?>
+<file path=ppt/slides/slide6.xml><?xml version="1.0" encoding="utf-8"?>
+<p:sld xmlns:a="http://schemas.openxmlformats.org/drawingml/2006/main" xmlns:r="http://schemas.openxmlformats.org/officeDocument/2006/relationships" xmlns:p="http://schemas.openxmlformats.org/presentationml/2006/main">
+  <p:cSld>
+    <p:spTree>
+      <p:nvGrpSpPr>
+        <p:cNvPr id="1" name=""/>
+        <p:cNvGrpSpPr/>
+        <p:nvPr/>
+      </p:nvGrpSpPr>
+      <p:grpSpPr>
+        <a:xfrm>
+          <a:off x="0" y="0"/>
+          <a:ext cx="0" cy="0"/>
+          <a:chOff x="0" y="0"/>
+          <a:chExt cx="0" cy="0"/>
+        </a:xfrm>
+      </p:grpSpPr>
+      <p:sp>
+        <p:nvSpPr>
+          <p:cNvPr id="1032" name="Rectangle 2"/>
+          <p:cNvSpPr>
+            <a:spLocks noGrp="1" noChangeArrowheads="1"/>
+          </p:cNvSpPr>
+          <p:nvPr>
+            <p:ph type="title" sz="quarter"/>
+          </p:nvPr>
+        </p:nvSpPr>
+        <p:spPr>
+          <a:xfrm>
+            <a:off x="914400" y="-121804"/>
+            <a:ext cx="10146159" cy="1143000"/>
+          </a:xfrm>
+        </p:spPr>
+        <p:txBody>
+          <a:bodyPr/>
+          <a:lstStyle/>
+          <a:p>
+            <a:pPr eaLnBrk="1" hangingPunct="1"/>
+            <a:r>
+              <a:rPr lang="en-US" altLang="zh-CN" dirty="0">
+                <a:ea typeface="宋体" charset="-122"/>
+              </a:rPr>
+              <a:t>Banker’s Algorithm: 5 philosophers each holding his left fork</a:t>
+            </a:r>
+          </a:p>
+        </p:txBody>
+      </p:sp>
+      <p:graphicFrame>
+        <p:nvGraphicFramePr>
+          <p:cNvPr id="1028" name="Object 8"/>
+          <p:cNvGraphicFramePr>
+            <a:graphicFrameLocks noGrp="1" noChangeAspect="1"/>
+          </p:cNvGraphicFramePr>
+          <p:nvPr>
+            <p:ph sz="quarter" idx="3"/>
+            <p:extLst>
+              <p:ext uri="{D42A27DB-BD31-4B8C-83A1-F6EECF244321}">
+                <p14:modId xmlns:p14="http://schemas.microsoft.com/office/powerpoint/2010/main" val="2384629031"/>
+              </p:ext>
+            </p:extLst>
+          </p:nvPr>
+        </p:nvGraphicFramePr>
+        <p:xfrm>
+          <a:off x="2492374" y="4466121"/>
+          <a:ext cx="2955925" cy="503136"/>
+        </p:xfrm>
+        <a:graphic>
+          <a:graphicData uri="http://schemas.openxmlformats.org/presentationml/2006/ole">
+            <mc:AlternateContent xmlns:mc="http://schemas.openxmlformats.org/markup-compatibility/2006">
+              <mc:Choice xmlns:v="urn:schemas-microsoft-com:vml" Requires="v">
+                <p:oleObj name="Equation" r:id="rId2" imgW="1269720" imgH="215640" progId="Equation.3">
+                  <p:embed/>
+                </p:oleObj>
+              </mc:Choice>
+              <mc:Fallback>
+                <p:oleObj name="Equation" r:id="rId2" imgW="1269720" imgH="215640" progId="Equation.3">
+                  <p:embed/>
+                  <p:pic>
+                    <p:nvPicPr>
+                      <p:cNvPr id="1028" name="Object 8"/>
+                      <p:cNvPicPr>
+                        <a:picLocks noChangeAspect="1" noChangeArrowheads="1"/>
+                      </p:cNvPicPr>
+                      <p:nvPr/>
+                    </p:nvPicPr>
+                    <p:blipFill>
+                      <a:blip r:embed="rId3">
+                        <a:extLst>
+                          <a:ext uri="{28A0092B-C50C-407E-A947-70E740481C1C}">
+                            <a14:useLocalDpi xmlns:a14="http://schemas.microsoft.com/office/drawing/2010/main" val="0"/>
+                          </a:ext>
+                        </a:extLst>
+                      </a:blip>
+                      <a:srcRect/>
+                      <a:stretch>
+                        <a:fillRect/>
+                      </a:stretch>
+                    </p:blipFill>
+                    <p:spPr bwMode="auto">
+                      <a:xfrm>
+                        <a:off x="2492374" y="4466121"/>
+                        <a:ext cx="2955925" cy="503136"/>
+                      </a:xfrm>
+                      <a:prstGeom prst="rect">
+                        <a:avLst/>
+                      </a:prstGeom>
+                      <a:noFill/>
+                      <a:extLst>
+                        <a:ext uri="{909E8E84-426E-40DD-AFC4-6F175D3DCCD1}">
+                          <a14:hiddenFill xmlns:a14="http://schemas.microsoft.com/office/drawing/2010/main">
+                            <a:solidFill>
+                              <a:srgbClr val="FFFFFF"/>
+                            </a:solidFill>
+                          </a14:hiddenFill>
+                        </a:ext>
+                      </a:extLst>
+                    </p:spPr>
+                  </p:pic>
+                </p:oleObj>
+              </mc:Fallback>
+            </mc:AlternateContent>
+          </a:graphicData>
+        </a:graphic>
+      </p:graphicFrame>
+      <p:graphicFrame>
+        <p:nvGraphicFramePr>
+          <p:cNvPr id="128006" name="Object 3"/>
+          <p:cNvGraphicFramePr>
+            <a:graphicFrameLocks noChangeAspect="1"/>
+          </p:cNvGraphicFramePr>
+          <p:nvPr>
+            <p:extLst>
+              <p:ext uri="{D42A27DB-BD31-4B8C-83A1-F6EECF244321}">
+                <p14:modId xmlns:p14="http://schemas.microsoft.com/office/powerpoint/2010/main" val="3302629806"/>
+              </p:ext>
+            </p:extLst>
+          </p:nvPr>
+        </p:nvGraphicFramePr>
+        <p:xfrm>
+          <a:off x="1460499" y="1295400"/>
+          <a:ext cx="2982912" cy="2387600"/>
+        </p:xfrm>
+        <a:graphic>
+          <a:graphicData uri="http://schemas.openxmlformats.org/presentationml/2006/ole">
+            <mc:AlternateContent xmlns:mc="http://schemas.openxmlformats.org/markup-compatibility/2006">
+              <mc:Choice xmlns:v="urn:schemas-microsoft-com:vml" Requires="v">
+                <p:oleObj name="Equation" r:id="rId4" imgW="1396800" imgH="1117440" progId="Equation.3">
+                  <p:embed/>
+                </p:oleObj>
+              </mc:Choice>
+              <mc:Fallback>
+                <p:oleObj name="Equation" r:id="rId4" imgW="1396800" imgH="1117440" progId="Equation.3">
+                  <p:embed/>
+                  <p:pic>
+                    <p:nvPicPr>
+                      <p:cNvPr id="128006" name="Object 3"/>
+                      <p:cNvPicPr>
+                        <a:picLocks noChangeAspect="1" noChangeArrowheads="1"/>
+                      </p:cNvPicPr>
+                      <p:nvPr/>
+                    </p:nvPicPr>
+                    <p:blipFill>
+                      <a:blip r:embed="rId5">
+                        <a:extLst>
+                          <a:ext uri="{28A0092B-C50C-407E-A947-70E740481C1C}">
+                            <a14:useLocalDpi xmlns:a14="http://schemas.microsoft.com/office/drawing/2010/main" val="0"/>
+                          </a:ext>
+                        </a:extLst>
+                      </a:blip>
+                      <a:srcRect/>
+                      <a:stretch>
+                        <a:fillRect/>
+                      </a:stretch>
+                    </p:blipFill>
+                    <p:spPr bwMode="auto">
+                      <a:xfrm>
+                        <a:off x="1460499" y="1295400"/>
+                        <a:ext cx="2982912" cy="2387600"/>
+                      </a:xfrm>
+                      <a:prstGeom prst="rect">
+                        <a:avLst/>
+                      </a:prstGeom>
+                      <a:noFill/>
+                      <a:extLst>
+                        <a:ext uri="{909E8E84-426E-40DD-AFC4-6F175D3DCCD1}">
+                          <a14:hiddenFill xmlns:a14="http://schemas.microsoft.com/office/drawing/2010/main">
+                            <a:solidFill>
+                              <a:srgbClr val="FFFFFF"/>
+                            </a:solidFill>
+                          </a14:hiddenFill>
+                        </a:ext>
+                      </a:extLst>
+                    </p:spPr>
+                  </p:pic>
+                </p:oleObj>
+              </mc:Fallback>
+            </mc:AlternateContent>
+          </a:graphicData>
+        </a:graphic>
+      </p:graphicFrame>
+      <p:graphicFrame>
+        <p:nvGraphicFramePr>
+          <p:cNvPr id="128007" name="Object 3"/>
+          <p:cNvGraphicFramePr>
+            <a:graphicFrameLocks noChangeAspect="1"/>
+          </p:cNvGraphicFramePr>
+          <p:nvPr>
+            <p:extLst>
+              <p:ext uri="{D42A27DB-BD31-4B8C-83A1-F6EECF244321}">
+                <p14:modId xmlns:p14="http://schemas.microsoft.com/office/powerpoint/2010/main" val="1550923208"/>
+              </p:ext>
+            </p:extLst>
+          </p:nvPr>
+        </p:nvGraphicFramePr>
+        <p:xfrm>
+          <a:off x="4637087" y="1295401"/>
+          <a:ext cx="2982913" cy="2874963"/>
+        </p:xfrm>
+        <a:graphic>
+          <a:graphicData uri="http://schemas.openxmlformats.org/presentationml/2006/ole">
+            <mc:AlternateContent xmlns:mc="http://schemas.openxmlformats.org/markup-compatibility/2006">
+              <mc:Choice xmlns:v="urn:schemas-microsoft-com:vml" Requires="v">
+                <p:oleObj name="Equation" r:id="rId6" imgW="1396800" imgH="1346040" progId="Equation.3">
+                  <p:embed/>
+                </p:oleObj>
+              </mc:Choice>
+              <mc:Fallback>
+                <p:oleObj name="Equation" r:id="rId6" imgW="1396800" imgH="1346040" progId="Equation.3">
+                  <p:embed/>
+                  <p:pic>
+                    <p:nvPicPr>
+                      <p:cNvPr id="128007" name="Object 3"/>
+                      <p:cNvPicPr>
+                        <a:picLocks noChangeAspect="1" noChangeArrowheads="1"/>
+                      </p:cNvPicPr>
+                      <p:nvPr/>
+                    </p:nvPicPr>
+                    <p:blipFill>
+                      <a:blip r:embed="rId7">
+                        <a:extLst>
+                          <a:ext uri="{28A0092B-C50C-407E-A947-70E740481C1C}">
+                            <a14:useLocalDpi xmlns:a14="http://schemas.microsoft.com/office/drawing/2010/main" val="0"/>
+                          </a:ext>
+                        </a:extLst>
+                      </a:blip>
+                      <a:srcRect/>
+                      <a:stretch>
+                        <a:fillRect/>
+                      </a:stretch>
+                    </p:blipFill>
+                    <p:spPr bwMode="auto">
+                      <a:xfrm>
+                        <a:off x="4637087" y="1295401"/>
+                        <a:ext cx="2982913" cy="2874963"/>
+                      </a:xfrm>
+                      <a:prstGeom prst="rect">
+                        <a:avLst/>
+                      </a:prstGeom>
+                      <a:noFill/>
+                      <a:extLst>
+                        <a:ext uri="{909E8E84-426E-40DD-AFC4-6F175D3DCCD1}">
+                          <a14:hiddenFill xmlns:a14="http://schemas.microsoft.com/office/drawing/2010/main">
+                            <a:solidFill>
+                              <a:srgbClr val="FFFFFF"/>
+                            </a:solidFill>
+                          </a14:hiddenFill>
+                        </a:ext>
+                      </a:extLst>
+                    </p:spPr>
+                  </p:pic>
+                </p:oleObj>
+              </mc:Fallback>
+            </mc:AlternateContent>
+          </a:graphicData>
+        </a:graphic>
+      </p:graphicFrame>
+      <p:graphicFrame>
+        <p:nvGraphicFramePr>
+          <p:cNvPr id="128009" name="Object 8"/>
+          <p:cNvGraphicFramePr>
+            <a:graphicFrameLocks noChangeAspect="1"/>
+          </p:cNvGraphicFramePr>
+          <p:nvPr>
+            <p:extLst>
+              <p:ext uri="{D42A27DB-BD31-4B8C-83A1-F6EECF244321}">
+                <p14:modId xmlns:p14="http://schemas.microsoft.com/office/powerpoint/2010/main" val="407991978"/>
+              </p:ext>
+            </p:extLst>
+          </p:nvPr>
+        </p:nvGraphicFramePr>
+        <p:xfrm>
+          <a:off x="5927723" y="4466121"/>
+          <a:ext cx="3251200" cy="503238"/>
+        </p:xfrm>
+        <a:graphic>
+          <a:graphicData uri="http://schemas.openxmlformats.org/presentationml/2006/ole">
+            <mc:AlternateContent xmlns:mc="http://schemas.openxmlformats.org/markup-compatibility/2006">
+              <mc:Choice xmlns:v="urn:schemas-microsoft-com:vml" Requires="v">
+                <p:oleObj name="Equation" r:id="rId8" imgW="1396800" imgH="215640" progId="Equation.3">
+                  <p:embed/>
+                </p:oleObj>
+              </mc:Choice>
+              <mc:Fallback>
+                <p:oleObj name="Equation" r:id="rId8" imgW="1396800" imgH="215640" progId="Equation.3">
+                  <p:embed/>
+                  <p:pic>
+                    <p:nvPicPr>
+                      <p:cNvPr id="128009" name="Object 8"/>
+                      <p:cNvPicPr>
+                        <a:picLocks noChangeAspect="1" noChangeArrowheads="1"/>
+                      </p:cNvPicPr>
+                      <p:nvPr/>
+                    </p:nvPicPr>
+                    <p:blipFill>
+                      <a:blip r:embed="rId9">
+                        <a:extLst>
+                          <a:ext uri="{28A0092B-C50C-407E-A947-70E740481C1C}">
+                            <a14:useLocalDpi xmlns:a14="http://schemas.microsoft.com/office/drawing/2010/main" val="0"/>
+                          </a:ext>
+                        </a:extLst>
+                      </a:blip>
+                      <a:srcRect/>
+                      <a:stretch>
+                        <a:fillRect/>
+                      </a:stretch>
+                    </p:blipFill>
+                    <p:spPr bwMode="auto">
+                      <a:xfrm>
+                        <a:off x="5927723" y="4466121"/>
+                        <a:ext cx="3251200" cy="503238"/>
+                      </a:xfrm>
+                      <a:prstGeom prst="rect">
+                        <a:avLst/>
+                      </a:prstGeom>
+                      <a:noFill/>
+                      <a:extLst>
+                        <a:ext uri="{909E8E84-426E-40DD-AFC4-6F175D3DCCD1}">
+                          <a14:hiddenFill xmlns:a14="http://schemas.microsoft.com/office/drawing/2010/main">
+                            <a:solidFill>
+                              <a:srgbClr val="FFFFFF"/>
+                            </a:solidFill>
+                          </a14:hiddenFill>
+                        </a:ext>
+                      </a:extLst>
+                    </p:spPr>
+                  </p:pic>
+                </p:oleObj>
+              </mc:Fallback>
+            </mc:AlternateContent>
+          </a:graphicData>
+        </a:graphic>
+      </p:graphicFrame>
+      <p:sp>
+        <p:nvSpPr>
+          <p:cNvPr id="11" name="Content Placeholder 2"/>
+          <p:cNvSpPr>
+            <a:spLocks noGrp="1"/>
+          </p:cNvSpPr>
+          <p:nvPr>
+            <p:ph idx="1"/>
+          </p:nvPr>
+        </p:nvSpPr>
+        <p:spPr>
+          <a:xfrm>
+            <a:off x="1321909" y="5376029"/>
+            <a:ext cx="10457932" cy="1224442"/>
+          </a:xfrm>
+        </p:spPr>
+        <p:txBody>
+          <a:bodyPr>
+            <a:normAutofit/>
+          </a:bodyPr>
+          <a:lstStyle/>
+          <a:p>
+            <a:pPr marL="0" lvl="1" indent="0">
+              <a:buClr>
+                <a:schemeClr val="bg2"/>
+              </a:buClr>
+              <a:buSzPct val="90000"/>
+              <a:buNone/>
+            </a:pPr>
+            <a:r>
+              <a:rPr lang="en-US" altLang="zh-CN" sz="2400" b="0" dirty="0">
+                <a:solidFill>
+                  <a:schemeClr val="dk1"/>
+                </a:solidFill>
+                <a:latin typeface="Gill Sans" panose="020B0502020104020203"/>
+                <a:ea typeface="+mn-ea"/>
+                <a:cs typeface="+mn-cs"/>
+              </a:rPr>
+              <a:t>Run Banker’s algorithm to check if the current state is safe.</a:t>
+            </a:r>
+          </a:p>
+        </p:txBody>
+      </p:sp>
+      <p:sp>
+        <p:nvSpPr>
+          <p:cNvPr id="7" name="TextBox 6">
+            <a:extLst>
+              <a:ext uri="{FF2B5EF4-FFF2-40B4-BE49-F238E27FC236}">
+                <a16:creationId xmlns:a16="http://schemas.microsoft.com/office/drawing/2014/main" id="{7205C012-CA7E-C9A9-AA64-C1E2CDD589FB}"/>
+              </a:ext>
+            </a:extLst>
+          </p:cNvPr>
+          <p:cNvSpPr txBox="1"/>
+          <p:nvPr/>
+        </p:nvSpPr>
+        <p:spPr>
+          <a:xfrm>
+            <a:off x="2815378" y="895290"/>
+            <a:ext cx="692818" cy="400110"/>
+          </a:xfrm>
+          <a:prstGeom prst="rect">
+            <a:avLst/>
+          </a:prstGeom>
+          <a:noFill/>
+        </p:spPr>
+        <p:txBody>
+          <a:bodyPr wrap="none" rtlCol="0">
+            <a:spAutoFit/>
+          </a:bodyPr>
+          <a:lstStyle/>
+          <a:p>
+            <a:r>
+              <a:rPr lang="en-GB" sz="2000" b="0" dirty="0">
+                <a:solidFill>
+                  <a:schemeClr val="dk1"/>
+                </a:solidFill>
+                <a:latin typeface="+mn-lt"/>
+                <a:ea typeface="+mn-ea"/>
+                <a:cs typeface="+mn-cs"/>
+              </a:rPr>
+              <a:t>Max</a:t>
+            </a:r>
+          </a:p>
+        </p:txBody>
+      </p:sp>
+      <p:sp>
+        <p:nvSpPr>
+          <p:cNvPr id="8" name="TextBox 7">
+            <a:extLst>
+              <a:ext uri="{FF2B5EF4-FFF2-40B4-BE49-F238E27FC236}">
+                <a16:creationId xmlns:a16="http://schemas.microsoft.com/office/drawing/2014/main" id="{66F9FF2F-7FCC-5B71-EFA1-B57C67FD154C}"/>
+              </a:ext>
+            </a:extLst>
+          </p:cNvPr>
+          <p:cNvSpPr txBox="1"/>
+          <p:nvPr/>
+        </p:nvSpPr>
+        <p:spPr>
+          <a:xfrm>
+            <a:off x="5548312" y="895290"/>
+            <a:ext cx="1372492" cy="400110"/>
+          </a:xfrm>
+          <a:prstGeom prst="rect">
+            <a:avLst/>
+          </a:prstGeom>
+          <a:noFill/>
+        </p:spPr>
+        <p:txBody>
+          <a:bodyPr wrap="none" rtlCol="0">
+            <a:spAutoFit/>
+          </a:bodyPr>
+          <a:lstStyle/>
+          <a:p>
+            <a:r>
+              <a:rPr lang="en-GB" sz="2000" b="0" dirty="0">
+                <a:solidFill>
+                  <a:schemeClr val="dk1"/>
+                </a:solidFill>
+                <a:latin typeface="+mn-lt"/>
+                <a:ea typeface="+mn-ea"/>
+                <a:cs typeface="+mn-cs"/>
+              </a:rPr>
+              <a:t>Allocation</a:t>
+            </a:r>
+          </a:p>
+        </p:txBody>
+      </p:sp>
+      <p:sp>
+        <p:nvSpPr>
+          <p:cNvPr id="9" name="TextBox 8">
+            <a:extLst>
+              <a:ext uri="{FF2B5EF4-FFF2-40B4-BE49-F238E27FC236}">
+                <a16:creationId xmlns:a16="http://schemas.microsoft.com/office/drawing/2014/main" id="{F86289A1-022A-BA62-1AB2-C125E6162875}"/>
+              </a:ext>
+            </a:extLst>
+          </p:cNvPr>
+          <p:cNvSpPr txBox="1"/>
+          <p:nvPr/>
+        </p:nvSpPr>
+        <p:spPr>
+          <a:xfrm>
+            <a:off x="3771250" y="4061771"/>
+            <a:ext cx="816249" cy="400110"/>
+          </a:xfrm>
+          <a:prstGeom prst="rect">
+            <a:avLst/>
+          </a:prstGeom>
+          <a:noFill/>
+        </p:spPr>
+        <p:txBody>
+          <a:bodyPr wrap="none" rtlCol="0">
+            <a:spAutoFit/>
+          </a:bodyPr>
+          <a:lstStyle/>
+          <a:p>
+            <a:r>
+              <a:rPr lang="en-GB" sz="2000" b="0" dirty="0">
+                <a:solidFill>
+                  <a:schemeClr val="dk1"/>
+                </a:solidFill>
+                <a:latin typeface="+mn-lt"/>
+                <a:ea typeface="+mn-ea"/>
+                <a:cs typeface="+mn-cs"/>
+              </a:rPr>
+              <a:t>Total</a:t>
+            </a:r>
+          </a:p>
+        </p:txBody>
+      </p:sp>
+      <p:sp>
+        <p:nvSpPr>
+          <p:cNvPr id="10" name="TextBox 9">
+            <a:extLst>
+              <a:ext uri="{FF2B5EF4-FFF2-40B4-BE49-F238E27FC236}">
+                <a16:creationId xmlns:a16="http://schemas.microsoft.com/office/drawing/2014/main" id="{B3095F85-3B1D-7B29-5F54-F7F70385A7D7}"/>
+              </a:ext>
+            </a:extLst>
+          </p:cNvPr>
+          <p:cNvSpPr txBox="1"/>
+          <p:nvPr/>
+        </p:nvSpPr>
+        <p:spPr>
+          <a:xfrm>
+            <a:off x="7047850" y="4061771"/>
+            <a:ext cx="1266693" cy="400110"/>
+          </a:xfrm>
+          <a:prstGeom prst="rect">
+            <a:avLst/>
+          </a:prstGeom>
+          <a:noFill/>
+        </p:spPr>
+        <p:txBody>
+          <a:bodyPr wrap="none" rtlCol="0">
+            <a:spAutoFit/>
+          </a:bodyPr>
+          <a:lstStyle/>
+          <a:p>
+            <a:r>
+              <a:rPr lang="en-GB" sz="2000" b="0" dirty="0">
+                <a:solidFill>
+                  <a:schemeClr val="dk1"/>
+                </a:solidFill>
+                <a:latin typeface="+mn-lt"/>
+                <a:ea typeface="+mn-ea"/>
+                <a:cs typeface="+mn-cs"/>
+              </a:rPr>
+              <a:t>Available</a:t>
+            </a:r>
+          </a:p>
+        </p:txBody>
+      </p:sp>
+      <p:sp>
+        <p:nvSpPr>
+          <p:cNvPr id="44" name="TextBox 43">
+            <a:extLst>
+              <a:ext uri="{FF2B5EF4-FFF2-40B4-BE49-F238E27FC236}">
+                <a16:creationId xmlns:a16="http://schemas.microsoft.com/office/drawing/2014/main" id="{220DB13F-1C88-A101-E8AB-F7FD26D325C5}"/>
+              </a:ext>
+            </a:extLst>
+          </p:cNvPr>
+          <p:cNvSpPr txBox="1"/>
+          <p:nvPr/>
+        </p:nvSpPr>
+        <p:spPr>
+          <a:xfrm>
+            <a:off x="8901006" y="893611"/>
+            <a:ext cx="822661" cy="400110"/>
+          </a:xfrm>
+          <a:prstGeom prst="rect">
+            <a:avLst/>
+          </a:prstGeom>
+          <a:noFill/>
+        </p:spPr>
+        <p:txBody>
+          <a:bodyPr wrap="none" rtlCol="0">
+            <a:spAutoFit/>
+          </a:bodyPr>
+          <a:lstStyle/>
+          <a:p>
+            <a:r>
+              <a:rPr lang="en-US" altLang="zh-CN" sz="2000" b="0" dirty="0">
+                <a:solidFill>
+                  <a:schemeClr val="dk1"/>
+                </a:solidFill>
+                <a:latin typeface="+mn-lt"/>
+                <a:ea typeface="+mn-ea"/>
+                <a:cs typeface="+mn-cs"/>
+              </a:rPr>
+              <a:t>Need</a:t>
+            </a:r>
+            <a:endParaRPr lang="en-GB" sz="2000" b="0" dirty="0">
+              <a:solidFill>
+                <a:schemeClr val="dk1"/>
+              </a:solidFill>
+              <a:latin typeface="+mn-lt"/>
+              <a:ea typeface="+mn-ea"/>
+              <a:cs typeface="+mn-cs"/>
+            </a:endParaRPr>
+          </a:p>
+        </p:txBody>
+      </p:sp>
+      <p:graphicFrame>
+        <p:nvGraphicFramePr>
+          <p:cNvPr id="45" name="Object 3">
+            <a:extLst>
+              <a:ext uri="{FF2B5EF4-FFF2-40B4-BE49-F238E27FC236}">
+                <a16:creationId xmlns:a16="http://schemas.microsoft.com/office/drawing/2014/main" id="{83675655-3214-DED5-CA62-51470C1B86E1}"/>
+              </a:ext>
+            </a:extLst>
+          </p:cNvPr>
+          <p:cNvGraphicFramePr>
+            <a:graphicFrameLocks noChangeAspect="1"/>
+          </p:cNvGraphicFramePr>
+          <p:nvPr>
+            <p:extLst>
+              <p:ext uri="{D42A27DB-BD31-4B8C-83A1-F6EECF244321}">
+                <p14:modId xmlns:p14="http://schemas.microsoft.com/office/powerpoint/2010/main" val="2634434110"/>
+              </p:ext>
+            </p:extLst>
+          </p:nvPr>
+        </p:nvGraphicFramePr>
+        <p:xfrm>
+          <a:off x="7620000" y="1295400"/>
+          <a:ext cx="2982913" cy="2874963"/>
+        </p:xfrm>
+        <a:graphic>
+          <a:graphicData uri="http://schemas.openxmlformats.org/presentationml/2006/ole">
+            <mc:AlternateContent xmlns:mc="http://schemas.openxmlformats.org/markup-compatibility/2006">
+              <mc:Choice xmlns:v="urn:schemas-microsoft-com:vml" Requires="v">
+                <p:oleObj name="Equation" r:id="rId10" imgW="1396800" imgH="1346040" progId="Equation.3">
+                  <p:embed/>
+                </p:oleObj>
+              </mc:Choice>
+              <mc:Fallback>
+                <p:oleObj name="Equation" r:id="rId10" imgW="1396800" imgH="1346040" progId="Equation.3">
+                  <p:embed/>
+                  <p:pic>
+                    <p:nvPicPr>
+                      <p:cNvPr id="45" name="Object 3">
+                        <a:extLst>
+                          <a:ext uri="{FF2B5EF4-FFF2-40B4-BE49-F238E27FC236}">
+                            <a16:creationId xmlns:a16="http://schemas.microsoft.com/office/drawing/2014/main" id="{83675655-3214-DED5-CA62-51470C1B86E1}"/>
+                          </a:ext>
+                        </a:extLst>
+                      </p:cNvPr>
+                      <p:cNvPicPr>
+                        <a:picLocks noChangeAspect="1" noChangeArrowheads="1"/>
+                      </p:cNvPicPr>
+                      <p:nvPr/>
+                    </p:nvPicPr>
+                    <p:blipFill>
+                      <a:blip r:embed="rId11">
+                        <a:extLst>
+                          <a:ext uri="{28A0092B-C50C-407E-A947-70E740481C1C}">
+                            <a14:useLocalDpi xmlns:a14="http://schemas.microsoft.com/office/drawing/2010/main" val="0"/>
+                          </a:ext>
+                        </a:extLst>
+                      </a:blip>
+                      <a:srcRect/>
+                      <a:stretch>
+                        <a:fillRect/>
+                      </a:stretch>
+                    </p:blipFill>
+                    <p:spPr bwMode="auto">
+                      <a:xfrm>
+                        <a:off x="7620000" y="1295400"/>
+                        <a:ext cx="2982913" cy="2874963"/>
+                      </a:xfrm>
+                      <a:prstGeom prst="rect">
+                        <a:avLst/>
+                      </a:prstGeom>
+                      <a:noFill/>
+                      <a:extLst>
+                        <a:ext uri="{909E8E84-426E-40DD-AFC4-6F175D3DCCD1}">
+                          <a14:hiddenFill xmlns:a14="http://schemas.microsoft.com/office/drawing/2010/main">
+                            <a:solidFill>
+                              <a:srgbClr val="FFFFFF"/>
+                            </a:solidFill>
+                          </a14:hiddenFill>
+                        </a:ext>
+                      </a:extLst>
+                    </p:spPr>
+                  </p:pic>
+                </p:oleObj>
+              </mc:Fallback>
+            </mc:AlternateContent>
+          </a:graphicData>
+        </a:graphic>
+      </p:graphicFrame>
+      <p:sp>
+        <p:nvSpPr>
+          <p:cNvPr id="46" name="TextBox 45">
+            <a:extLst>
+              <a:ext uri="{FF2B5EF4-FFF2-40B4-BE49-F238E27FC236}">
+                <a16:creationId xmlns:a16="http://schemas.microsoft.com/office/drawing/2014/main" id="{ED042D38-CEC2-3FFF-AEB5-185DD78ED7B2}"/>
+              </a:ext>
+            </a:extLst>
+          </p:cNvPr>
+          <p:cNvSpPr txBox="1"/>
+          <p:nvPr/>
+        </p:nvSpPr>
+        <p:spPr>
+          <a:xfrm>
+            <a:off x="8268680" y="1278318"/>
+            <a:ext cx="351378" cy="492443"/>
+          </a:xfrm>
+          <a:prstGeom prst="rect">
+            <a:avLst/>
+          </a:prstGeom>
+          <a:solidFill>
+            <a:schemeClr val="bg1"/>
+          </a:solidFill>
+        </p:spPr>
+        <p:txBody>
+          <a:bodyPr wrap="none" rtlCol="0">
+            <a:spAutoFit/>
+          </a:bodyPr>
+          <a:lstStyle/>
+          <a:p>
+            <a:r>
+              <a:rPr lang="en-US" sz="2500" dirty="0">
+                <a:latin typeface="Gill Sans Light"/>
+              </a:rPr>
+              <a:t>0</a:t>
+            </a:r>
+            <a:endParaRPr lang="en-SE" sz="2500" dirty="0">
+              <a:latin typeface="Gill Sans Light"/>
+            </a:endParaRPr>
+          </a:p>
+        </p:txBody>
+      </p:sp>
+      <p:sp>
+        <p:nvSpPr>
+          <p:cNvPr id="47" name="TextBox 46">
+            <a:extLst>
+              <a:ext uri="{FF2B5EF4-FFF2-40B4-BE49-F238E27FC236}">
+                <a16:creationId xmlns:a16="http://schemas.microsoft.com/office/drawing/2014/main" id="{AFD0EF05-2D9B-B66D-8B81-C0870858FC78}"/>
+              </a:ext>
+            </a:extLst>
+          </p:cNvPr>
+          <p:cNvSpPr txBox="1"/>
+          <p:nvPr/>
+        </p:nvSpPr>
+        <p:spPr>
+          <a:xfrm>
+            <a:off x="8757941" y="1278318"/>
+            <a:ext cx="344966" cy="477054"/>
+          </a:xfrm>
+          <a:prstGeom prst="rect">
+            <a:avLst/>
+          </a:prstGeom>
+          <a:solidFill>
+            <a:schemeClr val="bg1"/>
+          </a:solidFill>
+        </p:spPr>
+        <p:txBody>
+          <a:bodyPr wrap="none" rtlCol="0">
+            <a:spAutoFit/>
+          </a:bodyPr>
+          <a:lstStyle/>
+          <a:p>
+            <a:r>
+              <a:rPr lang="en-US" sz="2500" dirty="0">
+                <a:latin typeface="Gill Sans Light"/>
+              </a:rPr>
+              <a:t>1</a:t>
+            </a:r>
+            <a:endParaRPr lang="en-SE" sz="2500" dirty="0">
+              <a:latin typeface="Gill Sans Light"/>
+            </a:endParaRPr>
+          </a:p>
+        </p:txBody>
+      </p:sp>
+      <p:sp>
+        <p:nvSpPr>
+          <p:cNvPr id="48" name="TextBox 47">
+            <a:extLst>
+              <a:ext uri="{FF2B5EF4-FFF2-40B4-BE49-F238E27FC236}">
+                <a16:creationId xmlns:a16="http://schemas.microsoft.com/office/drawing/2014/main" id="{2A689739-BF0F-AF81-94DA-D651DAA8C6B0}"/>
+              </a:ext>
+            </a:extLst>
+          </p:cNvPr>
+          <p:cNvSpPr txBox="1"/>
+          <p:nvPr/>
+        </p:nvSpPr>
+        <p:spPr>
+          <a:xfrm>
+            <a:off x="8730457" y="1755372"/>
+            <a:ext cx="351378" cy="492443"/>
+          </a:xfrm>
+          <a:prstGeom prst="rect">
+            <a:avLst/>
+          </a:prstGeom>
+          <a:solidFill>
+            <a:schemeClr val="bg1"/>
+          </a:solidFill>
+        </p:spPr>
+        <p:txBody>
+          <a:bodyPr wrap="none" rtlCol="0">
+            <a:spAutoFit/>
+          </a:bodyPr>
+          <a:lstStyle/>
+          <a:p>
+            <a:r>
+              <a:rPr lang="en-US" sz="2500" dirty="0">
+                <a:latin typeface="Gill Sans Light"/>
+              </a:rPr>
+              <a:t>0</a:t>
+            </a:r>
+            <a:endParaRPr lang="en-SE" sz="2500" dirty="0">
+              <a:latin typeface="Gill Sans Light"/>
+            </a:endParaRPr>
+          </a:p>
+        </p:txBody>
+      </p:sp>
+      <p:sp>
+        <p:nvSpPr>
+          <p:cNvPr id="49" name="TextBox 48">
+            <a:extLst>
+              <a:ext uri="{FF2B5EF4-FFF2-40B4-BE49-F238E27FC236}">
+                <a16:creationId xmlns:a16="http://schemas.microsoft.com/office/drawing/2014/main" id="{0E149D23-3959-6F94-4EE1-6D37D9CE281D}"/>
+              </a:ext>
+            </a:extLst>
+          </p:cNvPr>
+          <p:cNvSpPr txBox="1"/>
+          <p:nvPr/>
+        </p:nvSpPr>
+        <p:spPr>
+          <a:xfrm>
+            <a:off x="9219718" y="1755372"/>
+            <a:ext cx="344966" cy="477054"/>
+          </a:xfrm>
+          <a:prstGeom prst="rect">
+            <a:avLst/>
+          </a:prstGeom>
+          <a:solidFill>
+            <a:schemeClr val="bg1"/>
+          </a:solidFill>
+        </p:spPr>
+        <p:txBody>
+          <a:bodyPr wrap="none" rtlCol="0">
+            <a:spAutoFit/>
+          </a:bodyPr>
+          <a:lstStyle/>
+          <a:p>
+            <a:r>
+              <a:rPr lang="en-US" sz="2500" dirty="0">
+                <a:latin typeface="Gill Sans Light"/>
+              </a:rPr>
+              <a:t>1</a:t>
+            </a:r>
+            <a:endParaRPr lang="en-SE" sz="2500" dirty="0">
+              <a:latin typeface="Gill Sans Light"/>
+            </a:endParaRPr>
+          </a:p>
+        </p:txBody>
+      </p:sp>
+      <p:sp>
+        <p:nvSpPr>
+          <p:cNvPr id="50" name="TextBox 49">
+            <a:extLst>
+              <a:ext uri="{FF2B5EF4-FFF2-40B4-BE49-F238E27FC236}">
+                <a16:creationId xmlns:a16="http://schemas.microsoft.com/office/drawing/2014/main" id="{2C7EDF96-712C-D718-A559-5F666762BC8A}"/>
+              </a:ext>
+            </a:extLst>
+          </p:cNvPr>
+          <p:cNvSpPr txBox="1"/>
+          <p:nvPr/>
+        </p:nvSpPr>
+        <p:spPr>
+          <a:xfrm>
+            <a:off x="9210235" y="2259120"/>
+            <a:ext cx="351378" cy="492443"/>
+          </a:xfrm>
+          <a:prstGeom prst="rect">
+            <a:avLst/>
+          </a:prstGeom>
+          <a:solidFill>
+            <a:schemeClr val="bg1"/>
+          </a:solidFill>
+        </p:spPr>
+        <p:txBody>
+          <a:bodyPr wrap="none" rtlCol="0">
+            <a:spAutoFit/>
+          </a:bodyPr>
+          <a:lstStyle/>
+          <a:p>
+            <a:r>
+              <a:rPr lang="en-US" sz="2500" dirty="0">
+                <a:latin typeface="Gill Sans Light"/>
+              </a:rPr>
+              <a:t>0</a:t>
+            </a:r>
+            <a:endParaRPr lang="en-SE" sz="2500" dirty="0">
+              <a:latin typeface="Gill Sans Light"/>
+            </a:endParaRPr>
+          </a:p>
+        </p:txBody>
+      </p:sp>
+      <p:sp>
+        <p:nvSpPr>
+          <p:cNvPr id="51" name="TextBox 50">
+            <a:extLst>
+              <a:ext uri="{FF2B5EF4-FFF2-40B4-BE49-F238E27FC236}">
+                <a16:creationId xmlns:a16="http://schemas.microsoft.com/office/drawing/2014/main" id="{127973D0-B53A-CC89-C65C-7B174201910A}"/>
+              </a:ext>
+            </a:extLst>
+          </p:cNvPr>
+          <p:cNvSpPr txBox="1"/>
+          <p:nvPr/>
+        </p:nvSpPr>
+        <p:spPr>
+          <a:xfrm>
+            <a:off x="9699496" y="2259120"/>
+            <a:ext cx="344966" cy="477054"/>
+          </a:xfrm>
+          <a:prstGeom prst="rect">
+            <a:avLst/>
+          </a:prstGeom>
+          <a:solidFill>
+            <a:schemeClr val="bg1"/>
+          </a:solidFill>
+        </p:spPr>
+        <p:txBody>
+          <a:bodyPr wrap="none" rtlCol="0">
+            <a:spAutoFit/>
+          </a:bodyPr>
+          <a:lstStyle/>
+          <a:p>
+            <a:r>
+              <a:rPr lang="en-US" sz="2500" dirty="0">
+                <a:latin typeface="Gill Sans Light"/>
+              </a:rPr>
+              <a:t>1</a:t>
+            </a:r>
+            <a:endParaRPr lang="en-SE" sz="2500" dirty="0">
+              <a:latin typeface="Gill Sans Light"/>
+            </a:endParaRPr>
+          </a:p>
+        </p:txBody>
+      </p:sp>
+      <p:sp>
+        <p:nvSpPr>
+          <p:cNvPr id="52" name="TextBox 51">
+            <a:extLst>
+              <a:ext uri="{FF2B5EF4-FFF2-40B4-BE49-F238E27FC236}">
+                <a16:creationId xmlns:a16="http://schemas.microsoft.com/office/drawing/2014/main" id="{2752F51E-92AF-9DF7-E84B-4CD0A73FBB5C}"/>
+              </a:ext>
+            </a:extLst>
+          </p:cNvPr>
+          <p:cNvSpPr txBox="1"/>
+          <p:nvPr/>
+        </p:nvSpPr>
+        <p:spPr>
+          <a:xfrm>
+            <a:off x="9725030" y="2726645"/>
+            <a:ext cx="351378" cy="492443"/>
+          </a:xfrm>
+          <a:prstGeom prst="rect">
+            <a:avLst/>
+          </a:prstGeom>
+          <a:solidFill>
+            <a:schemeClr val="bg1"/>
+          </a:solidFill>
+        </p:spPr>
+        <p:txBody>
+          <a:bodyPr wrap="none" rtlCol="0">
+            <a:spAutoFit/>
+          </a:bodyPr>
+          <a:lstStyle/>
+          <a:p>
+            <a:r>
+              <a:rPr lang="en-US" sz="2500" dirty="0">
+                <a:latin typeface="Gill Sans Light"/>
+              </a:rPr>
+              <a:t>0</a:t>
+            </a:r>
+            <a:endParaRPr lang="en-SE" sz="2500" dirty="0">
+              <a:latin typeface="Gill Sans Light"/>
+            </a:endParaRPr>
+          </a:p>
+        </p:txBody>
+      </p:sp>
+      <p:sp>
+        <p:nvSpPr>
+          <p:cNvPr id="53" name="TextBox 52">
+            <a:extLst>
+              <a:ext uri="{FF2B5EF4-FFF2-40B4-BE49-F238E27FC236}">
+                <a16:creationId xmlns:a16="http://schemas.microsoft.com/office/drawing/2014/main" id="{3A40971D-2C7A-37B9-DA9B-8A90B1CEDCFF}"/>
+              </a:ext>
+            </a:extLst>
+          </p:cNvPr>
+          <p:cNvSpPr txBox="1"/>
+          <p:nvPr/>
+        </p:nvSpPr>
+        <p:spPr>
+          <a:xfrm>
+            <a:off x="10124635" y="2726645"/>
+            <a:ext cx="344966" cy="477054"/>
+          </a:xfrm>
+          <a:prstGeom prst="rect">
+            <a:avLst/>
+          </a:prstGeom>
+          <a:solidFill>
+            <a:schemeClr val="bg1"/>
+          </a:solidFill>
+        </p:spPr>
+        <p:txBody>
+          <a:bodyPr wrap="none" rtlCol="0">
+            <a:spAutoFit/>
+          </a:bodyPr>
+          <a:lstStyle/>
+          <a:p>
+            <a:r>
+              <a:rPr lang="en-US" sz="2500" dirty="0">
+                <a:latin typeface="Gill Sans Light"/>
+              </a:rPr>
+              <a:t>1</a:t>
+            </a:r>
+            <a:endParaRPr lang="en-SE" sz="2500" dirty="0">
+              <a:latin typeface="Gill Sans Light"/>
+            </a:endParaRPr>
+          </a:p>
+        </p:txBody>
+      </p:sp>
+      <p:sp>
+        <p:nvSpPr>
+          <p:cNvPr id="54" name="TextBox 53">
+            <a:extLst>
+              <a:ext uri="{FF2B5EF4-FFF2-40B4-BE49-F238E27FC236}">
+                <a16:creationId xmlns:a16="http://schemas.microsoft.com/office/drawing/2014/main" id="{B278EE78-1672-0FE6-2F33-01752630DC17}"/>
+              </a:ext>
+            </a:extLst>
+          </p:cNvPr>
+          <p:cNvSpPr txBox="1"/>
+          <p:nvPr/>
+        </p:nvSpPr>
+        <p:spPr>
+          <a:xfrm>
+            <a:off x="8271886" y="3219088"/>
+            <a:ext cx="344966" cy="477054"/>
+          </a:xfrm>
+          <a:prstGeom prst="rect">
+            <a:avLst/>
+          </a:prstGeom>
+          <a:solidFill>
+            <a:schemeClr val="bg1"/>
+          </a:solidFill>
+        </p:spPr>
+        <p:txBody>
+          <a:bodyPr wrap="none" rtlCol="0">
+            <a:spAutoFit/>
+          </a:bodyPr>
+          <a:lstStyle/>
+          <a:p>
+            <a:r>
+              <a:rPr lang="en-US" sz="2500" dirty="0">
+                <a:latin typeface="Gill Sans Light"/>
+              </a:rPr>
+              <a:t>1</a:t>
+            </a:r>
+            <a:endParaRPr lang="en-SE" sz="2500" dirty="0">
+              <a:latin typeface="Gill Sans Light"/>
+            </a:endParaRPr>
+          </a:p>
+        </p:txBody>
+      </p:sp>
+      <p:sp>
+        <p:nvSpPr>
+          <p:cNvPr id="55" name="Rectangle 54">
+            <a:extLst>
+              <a:ext uri="{FF2B5EF4-FFF2-40B4-BE49-F238E27FC236}">
+                <a16:creationId xmlns:a16="http://schemas.microsoft.com/office/drawing/2014/main" id="{A687204D-5150-548B-F280-C100B957FD26}"/>
+              </a:ext>
+            </a:extLst>
+          </p:cNvPr>
+          <p:cNvSpPr/>
+          <p:nvPr/>
+        </p:nvSpPr>
+        <p:spPr bwMode="auto">
+          <a:xfrm>
+            <a:off x="7140474" y="3297741"/>
+            <a:ext cx="348291" cy="304800"/>
+          </a:xfrm>
+          <a:prstGeom prst="rect">
+            <a:avLst/>
+          </a:prstGeom>
+          <a:noFill/>
+          <a:ln w="19050" cap="flat" cmpd="sng" algn="ctr">
+            <a:solidFill>
+              <a:srgbClr val="FF0000"/>
+            </a:solidFill>
+            <a:prstDash val="solid"/>
+            <a:round/>
+            <a:headEnd type="none" w="med" len="med"/>
+            <a:tailEnd type="none" w="med" len="med"/>
+          </a:ln>
+          <a:effectLst/>
+          <a:extLst>
+            <a:ext uri="{AF507438-7753-43e0-B8FC-AC1667EBCBE1}">
+              <a14:hiddenEffects xmlns="" xmlns:a14="http://schemas.microsoft.com/office/drawing/2010/main">
+                <a:effectLst>
+                  <a:outerShdw dist="35921" dir="2700000" algn="ctr" rotWithShape="0">
+                    <a:schemeClr val="bg2"/>
+                  </a:outerShdw>
+                </a:effectLst>
+              </a14:hiddenEffects>
+            </a:ext>
+          </a:extLst>
+        </p:spPr>
+        <p:txBody>
+          <a:bodyPr vert="horz" wrap="square" lIns="91440" tIns="45720" rIns="91440" bIns="45720" numCol="1" rtlCol="0" anchor="t" anchorCtr="0" compatLnSpc="1">
+            <a:prstTxWarp prst="textNoShape">
+              <a:avLst/>
+            </a:prstTxWarp>
+          </a:bodyPr>
+          <a:lstStyle/>
+          <a:p>
+            <a:pPr marL="0" marR="0" indent="0" algn="l" defTabSz="914400" rtl="0" eaLnBrk="0" fontAlgn="base" latinLnBrk="0" hangingPunct="0">
+              <a:lnSpc>
+                <a:spcPct val="100000"/>
+              </a:lnSpc>
+              <a:spcBef>
+                <a:spcPct val="0"/>
+              </a:spcBef>
+              <a:spcAft>
+                <a:spcPct val="0"/>
+              </a:spcAft>
+              <a:buClrTx/>
+              <a:buSzTx/>
+              <a:buFontTx/>
+              <a:buNone/>
+              <a:tabLst/>
+            </a:pPr>
+            <a:endParaRPr kumimoji="0" lang="en-SE" sz="1800" b="1" i="0" u="none" strike="noStrike" cap="none" normalizeH="0" baseline="0" dirty="0">
+              <a:ln>
+                <a:noFill/>
+              </a:ln>
+              <a:solidFill>
+                <a:schemeClr val="tx1"/>
+              </a:solidFill>
+              <a:effectLst/>
+              <a:latin typeface="Gill Sans Light"/>
+            </a:endParaRPr>
+          </a:p>
+        </p:txBody>
+      </p:sp>
+    </p:spTree>
+  </p:cSld>
+  <p:clrMapOvr>
+    <a:masterClrMapping/>
+  </p:clrMapOvr>
+  <p:timing>
+    <p:tnLst>
+      <p:par>
+        <p:cTn id="1" dur="indefinite" restart="never" nodeType="tmRoot">
+          <p:childTnLst>
+            <p:seq concurrent="1" nextAc="seek">
+              <p:cTn id="2" dur="indefinite" nodeType="mainSeq">
+                <p:childTnLst>
+                  <p:par>
+                    <p:cTn id="3" fill="hold">
+                      <p:stCondLst>
+                        <p:cond delay="indefinite"/>
+                      </p:stCondLst>
+                      <p:childTnLst>
+                        <p:par>
+                          <p:cTn id="4" fill="hold">
+                            <p:stCondLst>
+                              <p:cond delay="0"/>
+                            </p:stCondLst>
+                            <p:childTnLst>
+                              <p:par>
+                                <p:cTn id="5" presetID="1" presetClass="entr" presetSubtype="0" fill="hold" grpId="0" nodeType="clickEffect">
+                                  <p:stCondLst>
+                                    <p:cond delay="0"/>
+                                  </p:stCondLst>
+                                  <p:childTnLst>
+                                    <p:set>
+                                      <p:cBhvr>
+                                        <p:cTn id="6" dur="1" fill="hold">
+                                          <p:stCondLst>
+                                            <p:cond delay="0"/>
+                                          </p:stCondLst>
+                                        </p:cTn>
+                                        <p:tgtEl>
+                                          <p:spTgt spid="11">
+                                            <p:txEl>
+                                              <p:pRg st="0" end="0"/>
+                                            </p:txEl>
+                                          </p:spTgt>
+                                        </p:tgtEl>
+                                        <p:attrNameLst>
+                                          <p:attrName>style.visibility</p:attrName>
+                                        </p:attrNameLst>
+                                      </p:cBhvr>
+                                      <p:to>
+                                        <p:strVal val="visible"/>
+                                      </p:to>
+                                    </p:set>
+                                  </p:childTnLst>
+                                </p:cTn>
+                              </p:par>
+                            </p:childTnLst>
+                          </p:cTn>
+                        </p:par>
+                      </p:childTnLst>
+                    </p:cTn>
+                  </p:par>
+                </p:childTnLst>
+              </p:cTn>
+              <p:prevCondLst>
+                <p:cond evt="onPrev" delay="0">
+                  <p:tgtEl>
+                    <p:sldTgt/>
+                  </p:tgtEl>
+                </p:cond>
+              </p:prevCondLst>
+              <p:nextCondLst>
+                <p:cond evt="onNext" delay="0">
+                  <p:tgtEl>
+                    <p:sldTgt/>
+                  </p:tgtEl>
+                </p:cond>
+              </p:nextCondLst>
+            </p:seq>
+          </p:childTnLst>
+        </p:cTn>
+      </p:par>
+    </p:tnLst>
+    <p:bldLst>
+      <p:bldP spid="11" grpId="0" build="p"/>
+    </p:bldLst>
+  </p:timing>
+</p:sld>
+</file>
+
+<file path=ppt/slides/slide7.xml><?xml version="1.0" encoding="utf-8"?>
 <p:sld xmlns:a="http://schemas.openxmlformats.org/drawingml/2006/main" xmlns:r="http://schemas.openxmlformats.org/officeDocument/2006/relationships" xmlns:p="http://schemas.openxmlformats.org/presentationml/2006/main">
   <p:cSld>
     <p:spTree>
@@ -7430,7 +12481,7 @@
           <a:p>
             <a:r>
               <a:rPr lang="en-GB" dirty="0"/>
-              <a:t>Consider a large table with IDENTICAL multi-armed alien lawyers. In the </a:t>
+              <a:t>Consider a large table with identical multi-armed alien lawyers. There is a pile of chopsticks at the </a:t>
             </a:r>
             <a:r>
               <a:rPr lang="en-GB" dirty="0" err="1"/>
@@ -7438,7 +12489,7 @@
             </a:r>
             <a:r>
               <a:rPr lang="en-GB" dirty="0"/>
-              <a:t> is a pile of chopsticks. In order to eat, a lawyer must have one chopstick in each hand. The lawyers are so busy talking that they can only grab one chopstick at a time. Design a deadlock-free algorithm using monitors and Bankers algorithm. Assume total number of chopsticks &gt;= number of hands of each lawyer, so at least one lawyer can eat.</a:t>
+              <a:t> of the table. In order to eat, a lawyer must have one chopstick in each hand. Assume total number of chopsticks &gt;= number of hands of each lawyer, so at least one lawyer can eat.</a:t>
             </a:r>
           </a:p>
           <a:p>
@@ -7452,13 +12503,8 @@
             </a:r>
             <a:r>
               <a:rPr lang="en-GB" dirty="0"/>
-              <a:t> of the table, we should model them as a single resource with multiple instances, instead of multiple resources for the Dining Philosophers, where each fork (chopstick) has a fixed position in-between two philosophers. Hence the R and C matrices have a single </a:t>
-            </a:r>
-            <a:r>
-              <a:rPr lang="en-GB"/>
-              <a:t>column.</a:t>
-            </a:r>
-            <a:endParaRPr lang="en-GB" dirty="0"/>
+              <a:t> of the table, we should model them as a single resource with multiple instances, instead of multiple resources for the Dining Philosophers, where each fork (chopstick) has a fixed position in-between two philosophers. Hence the R and C matrices have a single column.</a:t>
+            </a:r>
           </a:p>
         </p:txBody>
       </p:sp>
@@ -7548,7 +12594,7 @@
 </p:sld>
 </file>
 
-<file path=ppt/slides/slide4.xml><?xml version="1.0" encoding="utf-8"?>
+<file path=ppt/slides/slide8.xml><?xml version="1.0" encoding="utf-8"?>
 <p:sld xmlns:a="http://schemas.openxmlformats.org/drawingml/2006/main" xmlns:r="http://schemas.openxmlformats.org/officeDocument/2006/relationships" xmlns:p="http://schemas.openxmlformats.org/presentationml/2006/main">
   <p:cSld>
     <p:spTree>
@@ -7623,7 +12669,7 @@
             </p:nvSpPr>
             <p:spPr bwMode="auto">
               <a:xfrm>
-                <a:off x="0" y="2235200"/>
+                <a:off x="2971800" y="762000"/>
                 <a:ext cx="6529387" cy="2387600"/>
               </a:xfrm>
               <a:prstGeom prst="rect">
@@ -7645,33 +12691,30 @@
                     </m:oMathParaPr>
                     <m:oMath xmlns:m="http://schemas.openxmlformats.org/officeDocument/2006/math">
                       <m:r>
-                        <a:rPr lang="en-SE" sz="3200" i="1" smtClean="0">
-                          <a:solidFill>
-                            <a:srgbClr val="000000"/>
-                          </a:solidFill>
+                        <m:rPr>
+                          <m:sty m:val="p"/>
+                        </m:rPr>
+                        <a:rPr lang="en-GB" sz="2400" b="0" kern="0">
                           <a:latin typeface="Cambria Math" panose="02040503050406030204" pitchFamily="18" charset="0"/>
+                          <a:cs typeface="Gill Sans" charset="0"/>
                         </a:rPr>
-                        <m:t>𝑅</m:t>
+                        <m:t>Max</m:t>
                       </m:r>
                       <m:r>
-                        <a:rPr lang="en-SE" sz="3200" i="1" smtClean="0">
-                          <a:solidFill>
-                            <a:srgbClr val="000000"/>
-                          </a:solidFill>
+                        <a:rPr lang="en-GB" sz="2400" b="0" kern="0">
                           <a:latin typeface="Cambria Math" panose="02040503050406030204" pitchFamily="18" charset="0"/>
+                          <a:cs typeface="Gill Sans" charset="0"/>
                         </a:rPr>
-                        <m:t>=</m:t>
+                        <m:t>:</m:t>
                       </m:r>
                       <m:d>
                         <m:dPr>
                           <m:begChr m:val="|"/>
                           <m:endChr m:val="|"/>
                           <m:ctrlPr>
-                            <a:rPr lang="en-SE" sz="3200" i="1" smtClean="0">
-                              <a:solidFill>
-                                <a:srgbClr val="000000"/>
-                              </a:solidFill>
+                            <a:rPr lang="en-SE" sz="2400" b="0" i="1" kern="0">
                               <a:latin typeface="Cambria Math" panose="02040503050406030204" pitchFamily="18" charset="0"/>
+                              <a:cs typeface="Gill Sans" charset="0"/>
                             </a:rPr>
                           </m:ctrlPr>
                         </m:dPr>
@@ -7688,22 +12731,18 @@
                                 </m:mc>
                               </m:mcs>
                               <m:ctrlPr>
-                                <a:rPr lang="en-SE" sz="3200" b="0" i="1">
-                                  <a:solidFill>
-                                    <a:srgbClr val="000000"/>
-                                  </a:solidFill>
+                                <a:rPr lang="en-SE" sz="2400" b="0" i="1" kern="0">
                                   <a:latin typeface="Cambria Math" panose="02040503050406030204" pitchFamily="18" charset="0"/>
+                                  <a:cs typeface="Gill Sans" charset="0"/>
                                 </a:rPr>
                               </m:ctrlPr>
                             </m:mPr>
                             <m:mr>
                               <m:e>
                                 <m:r>
-                                  <a:rPr lang="en-GB" sz="3200" b="0">
-                                    <a:solidFill>
-                                      <a:srgbClr val="000000"/>
-                                    </a:solidFill>
+                                  <a:rPr lang="en-GB" sz="2400" b="0" kern="0">
                                     <a:latin typeface="Cambria Math" panose="02040503050406030204" pitchFamily="18" charset="0"/>
+                                    <a:cs typeface="Gill Sans" charset="0"/>
                                   </a:rPr>
                                   <m:t>2</m:t>
                                 </m:r>
@@ -7712,11 +12751,9 @@
                             <m:mr>
                               <m:e>
                                 <m:r>
-                                  <a:rPr lang="en-GB" sz="3200" b="0">
-                                    <a:solidFill>
-                                      <a:srgbClr val="000000"/>
-                                    </a:solidFill>
+                                  <a:rPr lang="en-GB" sz="2400" b="0" kern="0">
                                     <a:latin typeface="Cambria Math" panose="02040503050406030204" pitchFamily="18" charset="0"/>
+                                    <a:cs typeface="Gill Sans" charset="0"/>
                                   </a:rPr>
                                   <m:t>2</m:t>
                                 </m:r>
@@ -7725,11 +12762,9 @@
                             <m:mr>
                               <m:e>
                                 <m:r>
-                                  <a:rPr lang="en-GB" sz="3200" b="0">
-                                    <a:solidFill>
-                                      <a:srgbClr val="000000"/>
-                                    </a:solidFill>
+                                  <a:rPr lang="en-GB" sz="2400" b="0" kern="0">
                                     <a:latin typeface="Cambria Math" panose="02040503050406030204" pitchFamily="18" charset="0"/>
+                                    <a:cs typeface="Gill Sans" charset="0"/>
                                   </a:rPr>
                                   <m:t>2</m:t>
                                 </m:r>
@@ -7738,11 +12773,9 @@
                             <m:mr>
                               <m:e>
                                 <m:r>
-                                  <a:rPr lang="en-GB" sz="3200" b="0">
-                                    <a:solidFill>
-                                      <a:srgbClr val="000000"/>
-                                    </a:solidFill>
+                                  <a:rPr lang="en-GB" sz="2400" b="0" kern="0">
                                     <a:latin typeface="Cambria Math" panose="02040503050406030204" pitchFamily="18" charset="0"/>
+                                    <a:cs typeface="Gill Sans" charset="0"/>
                                   </a:rPr>
                                   <m:t>2</m:t>
                                 </m:r>
@@ -7751,11 +12784,9 @@
                             <m:mr>
                               <m:e>
                                 <m:r>
-                                  <a:rPr lang="en-GB" sz="3200" b="0">
-                                    <a:solidFill>
-                                      <a:srgbClr val="000000"/>
-                                    </a:solidFill>
+                                  <a:rPr lang="en-GB" sz="2400" b="0" kern="0">
                                     <a:latin typeface="Cambria Math" panose="02040503050406030204" pitchFamily="18" charset="0"/>
+                                    <a:cs typeface="Gill Sans" charset="0"/>
                                   </a:rPr>
                                   <m:t>2</m:t>
                                 </m:r>
@@ -7765,42 +12796,37 @@
                         </m:e>
                       </m:d>
                       <m:r>
-                        <a:rPr lang="en-GB" sz="3200" b="1" i="1" smtClean="0">
-                          <a:solidFill>
-                            <a:srgbClr val="000000"/>
-                          </a:solidFill>
+                        <a:rPr lang="en-GB" sz="2400" b="0" kern="0">
                           <a:latin typeface="Cambria Math" panose="02040503050406030204" pitchFamily="18" charset="0"/>
+                          <a:cs typeface="Gill Sans" charset="0"/>
                         </a:rPr>
-                        <m:t>,</m:t>
+                        <m:t>, </m:t>
                       </m:r>
                       <m:r>
-                        <a:rPr lang="en-GB" sz="3200" b="0" i="1" smtClean="0">
-                          <a:solidFill>
-                            <a:srgbClr val="000000"/>
-                          </a:solidFill>
+                        <m:rPr>
+                          <m:sty m:val="p"/>
+                        </m:rPr>
+                        <a:rPr lang="en-GB" sz="2400" b="0" kern="0">
                           <a:latin typeface="Cambria Math" panose="02040503050406030204" pitchFamily="18" charset="0"/>
+                          <a:cs typeface="Gill Sans" charset="0"/>
                         </a:rPr>
-                        <m:t>𝐶</m:t>
+                        <m:t>Allocation</m:t>
                       </m:r>
                       <m:r>
-                        <a:rPr lang="en-SE" sz="3200" i="1">
-                          <a:solidFill>
-                            <a:srgbClr val="000000"/>
-                          </a:solidFill>
+                        <a:rPr lang="en-GB" sz="2400" b="0" kern="0">
                           <a:latin typeface="Cambria Math" panose="02040503050406030204" pitchFamily="18" charset="0"/>
+                          <a:cs typeface="Gill Sans" charset="0"/>
                         </a:rPr>
-                        <m:t>=</m:t>
+                        <m:t>:</m:t>
                       </m:r>
                       <m:d>
                         <m:dPr>
                           <m:begChr m:val="|"/>
                           <m:endChr m:val="|"/>
                           <m:ctrlPr>
-                            <a:rPr lang="en-SE" sz="3200" i="1">
-                              <a:solidFill>
-                                <a:srgbClr val="000000"/>
-                              </a:solidFill>
+                            <a:rPr lang="en-SE" sz="2400" b="0" i="1" kern="0">
                               <a:latin typeface="Cambria Math" panose="02040503050406030204" pitchFamily="18" charset="0"/>
+                              <a:cs typeface="Gill Sans" charset="0"/>
                             </a:rPr>
                           </m:ctrlPr>
                         </m:dPr>
@@ -7817,22 +12843,18 @@
                                 </m:mc>
                               </m:mcs>
                               <m:ctrlPr>
-                                <a:rPr lang="en-SE" sz="3200" b="0" i="1">
-                                  <a:solidFill>
-                                    <a:srgbClr val="000000"/>
-                                  </a:solidFill>
+                                <a:rPr lang="en-SE" sz="2400" b="0" i="1" kern="0">
                                   <a:latin typeface="Cambria Math" panose="02040503050406030204" pitchFamily="18" charset="0"/>
+                                  <a:cs typeface="Gill Sans" charset="0"/>
                                 </a:rPr>
                               </m:ctrlPr>
                             </m:mPr>
                             <m:mr>
                               <m:e>
                                 <m:r>
-                                  <a:rPr lang="en-GB" sz="3200" b="0" i="0" smtClean="0">
-                                    <a:solidFill>
-                                      <a:srgbClr val="000000"/>
-                                    </a:solidFill>
+                                  <a:rPr lang="en-GB" sz="2400" b="0" kern="0">
                                     <a:latin typeface="Cambria Math" panose="02040503050406030204" pitchFamily="18" charset="0"/>
+                                    <a:cs typeface="Gill Sans" charset="0"/>
                                   </a:rPr>
                                   <m:t>0</m:t>
                                 </m:r>
@@ -7841,11 +12863,9 @@
                             <m:mr>
                               <m:e>
                                 <m:r>
-                                  <a:rPr lang="en-GB" sz="3200" b="0" i="0" smtClean="0">
-                                    <a:solidFill>
-                                      <a:srgbClr val="000000"/>
-                                    </a:solidFill>
+                                  <a:rPr lang="en-GB" sz="2400" b="0" kern="0">
                                     <a:latin typeface="Cambria Math" panose="02040503050406030204" pitchFamily="18" charset="0"/>
+                                    <a:cs typeface="Gill Sans" charset="0"/>
                                   </a:rPr>
                                   <m:t>0</m:t>
                                 </m:r>
@@ -7854,11 +12874,9 @@
                             <m:mr>
                               <m:e>
                                 <m:r>
-                                  <a:rPr lang="en-GB" sz="3200" b="0" i="0" smtClean="0">
-                                    <a:solidFill>
-                                      <a:srgbClr val="000000"/>
-                                    </a:solidFill>
+                                  <a:rPr lang="en-GB" sz="2400" b="0" kern="0">
                                     <a:latin typeface="Cambria Math" panose="02040503050406030204" pitchFamily="18" charset="0"/>
+                                    <a:cs typeface="Gill Sans" charset="0"/>
                                   </a:rPr>
                                   <m:t>0</m:t>
                                 </m:r>
@@ -7867,11 +12885,9 @@
                             <m:mr>
                               <m:e>
                                 <m:r>
-                                  <a:rPr lang="en-GB" sz="3200" b="0" i="0" smtClean="0">
-                                    <a:solidFill>
-                                      <a:srgbClr val="000000"/>
-                                    </a:solidFill>
+                                  <a:rPr lang="en-GB" sz="2400" b="0" kern="0">
                                     <a:latin typeface="Cambria Math" panose="02040503050406030204" pitchFamily="18" charset="0"/>
+                                    <a:cs typeface="Gill Sans" charset="0"/>
                                   </a:rPr>
                                   <m:t>0</m:t>
                                 </m:r>
@@ -7880,11 +12896,9 @@
                             <m:mr>
                               <m:e>
                                 <m:r>
-                                  <a:rPr lang="en-GB" sz="3200" b="0" i="0" smtClean="0">
-                                    <a:solidFill>
-                                      <a:srgbClr val="000000"/>
-                                    </a:solidFill>
+                                  <a:rPr lang="en-GB" sz="2400" b="0" kern="0">
                                     <a:latin typeface="Cambria Math" panose="02040503050406030204" pitchFamily="18" charset="0"/>
+                                    <a:cs typeface="Gill Sans" charset="0"/>
                                   </a:rPr>
                                   <m:t>0</m:t>
                                 </m:r>
@@ -7894,104 +12908,90 @@
                         </m:e>
                       </m:d>
                       <m:r>
-                        <a:rPr lang="en-GB" sz="3200" b="0" i="1" smtClean="0">
-                          <a:solidFill>
-                            <a:srgbClr val="000000"/>
-                          </a:solidFill>
+                        <a:rPr lang="en-GB" sz="2400" b="0" kern="0">
                           <a:latin typeface="Cambria Math" panose="02040503050406030204" pitchFamily="18" charset="0"/>
+                          <a:cs typeface="Gill Sans" charset="0"/>
                         </a:rPr>
                         <m:t>, </m:t>
                       </m:r>
                       <m:r>
-                        <a:rPr lang="en-GB" sz="3200" b="0" i="1" smtClean="0">
-                          <a:solidFill>
-                            <a:srgbClr val="000000"/>
-                          </a:solidFill>
+                        <m:rPr>
+                          <m:sty m:val="p"/>
+                        </m:rPr>
+                        <a:rPr lang="en-GB" sz="2400" b="0" kern="0">
                           <a:latin typeface="Cambria Math" panose="02040503050406030204" pitchFamily="18" charset="0"/>
+                          <a:cs typeface="Gill Sans" charset="0"/>
                         </a:rPr>
-                        <m:t>𝐸</m:t>
+                        <m:t>Total</m:t>
                       </m:r>
                       <m:r>
-                        <a:rPr lang="en-GB" sz="3200" b="0" i="1" smtClean="0">
-                          <a:solidFill>
-                            <a:srgbClr val="000000"/>
-                          </a:solidFill>
+                        <a:rPr lang="en-GB" sz="2400" b="0" kern="0">
                           <a:latin typeface="Cambria Math" panose="02040503050406030204" pitchFamily="18" charset="0"/>
+                          <a:cs typeface="Gill Sans" charset="0"/>
                         </a:rPr>
-                        <m:t>=</m:t>
+                        <m:t>: </m:t>
                       </m:r>
                       <m:d>
                         <m:dPr>
                           <m:begChr m:val="|"/>
                           <m:endChr m:val="|"/>
                           <m:ctrlPr>
-                            <a:rPr lang="en-SE" sz="3200" i="1">
-                              <a:solidFill>
-                                <a:srgbClr val="000000"/>
-                              </a:solidFill>
+                            <a:rPr lang="en-SE" sz="2400" b="0" i="1" kern="0">
                               <a:latin typeface="Cambria Math" panose="02040503050406030204" pitchFamily="18" charset="0"/>
+                              <a:cs typeface="Gill Sans" charset="0"/>
                             </a:rPr>
                           </m:ctrlPr>
                         </m:dPr>
                         <m:e>
                           <m:r>
-                            <a:rPr lang="en-GB" sz="3200" b="0" i="1" smtClean="0">
-                              <a:solidFill>
-                                <a:srgbClr val="000000"/>
-                              </a:solidFill>
+                            <a:rPr lang="en-GB" sz="2400" b="0" kern="0">
                               <a:latin typeface="Cambria Math" panose="02040503050406030204" pitchFamily="18" charset="0"/>
+                              <a:cs typeface="Gill Sans" charset="0"/>
                             </a:rPr>
                             <m:t>5</m:t>
                           </m:r>
                         </m:e>
                       </m:d>
                       <m:r>
-                        <a:rPr lang="en-GB" sz="3200" b="0" i="1" smtClean="0">
-                          <a:solidFill>
-                            <a:srgbClr val="000000"/>
-                          </a:solidFill>
+                        <a:rPr lang="en-GB" sz="2400" b="0" kern="0">
                           <a:latin typeface="Cambria Math" panose="02040503050406030204" pitchFamily="18" charset="0"/>
+                          <a:cs typeface="Gill Sans" charset="0"/>
                         </a:rPr>
                         <m:t>, </m:t>
                       </m:r>
                       <m:r>
-                        <a:rPr lang="en-GB" sz="3200" b="0" i="1" smtClean="0">
-                          <a:solidFill>
-                            <a:srgbClr val="000000"/>
-                          </a:solidFill>
+                        <m:rPr>
+                          <m:sty m:val="p"/>
+                        </m:rPr>
+                        <a:rPr lang="en-GB" sz="2400" b="0" kern="0">
                           <a:latin typeface="Cambria Math" panose="02040503050406030204" pitchFamily="18" charset="0"/>
+                          <a:cs typeface="Gill Sans" charset="0"/>
                         </a:rPr>
-                        <m:t>𝐴</m:t>
+                        <m:t>Available</m:t>
                       </m:r>
                       <m:r>
-                        <a:rPr lang="en-GB" sz="3200" b="0" i="1">
-                          <a:solidFill>
-                            <a:srgbClr val="000000"/>
-                          </a:solidFill>
+                        <a:rPr lang="en-GB" sz="2400" b="0" kern="0">
                           <a:latin typeface="Cambria Math" panose="02040503050406030204" pitchFamily="18" charset="0"/>
+                          <a:cs typeface="Gill Sans" charset="0"/>
                         </a:rPr>
-                        <m:t>=</m:t>
+                        <m:t>:</m:t>
                       </m:r>
                       <m:d>
                         <m:dPr>
                           <m:begChr m:val="|"/>
                           <m:endChr m:val="|"/>
                           <m:ctrlPr>
-                            <a:rPr lang="en-SE" sz="3200" i="1">
-                              <a:solidFill>
-                                <a:srgbClr val="000000"/>
-                              </a:solidFill>
+                            <a:rPr lang="en-SE" sz="2400" b="0" i="1" kern="0">
                               <a:latin typeface="Cambria Math" panose="02040503050406030204" pitchFamily="18" charset="0"/>
+                              <a:cs typeface="Gill Sans" charset="0"/>
                             </a:rPr>
                           </m:ctrlPr>
                         </m:dPr>
                         <m:e>
                           <m:r>
-                            <a:rPr lang="en-GB" sz="3200" b="0" i="1">
-                              <a:solidFill>
-                                <a:srgbClr val="000000"/>
-                              </a:solidFill>
+                            <a:rPr lang="en-GB" sz="2400" b="0" kern="0">
                               <a:latin typeface="Cambria Math" panose="02040503050406030204" pitchFamily="18" charset="0"/>
+                              <a:cs typeface="Gill Sans" charset="0"/>
                             </a:rPr>
                             <m:t>5</m:t>
                           </m:r>
@@ -8000,7 +13000,10 @@
                     </m:oMath>
                   </m:oMathPara>
                 </a14:m>
-                <a:endParaRPr lang="en-SE" sz="3200" b="0" dirty="0"/>
+                <a:endParaRPr lang="en-SE" sz="2400" b="0" kern="0" dirty="0">
+                  <a:latin typeface="Gill Sans" charset="0"/>
+                  <a:cs typeface="Gill Sans" charset="0"/>
+                </a:endParaRPr>
               </a:p>
             </p:txBody>
           </p:sp>
@@ -8022,7 +13025,7 @@
             </p:nvSpPr>
             <p:spPr bwMode="auto">
               <a:xfrm>
-                <a:off x="0" y="2235200"/>
+                <a:off x="2971800" y="762000"/>
                 <a:ext cx="6529387" cy="2387600"/>
               </a:xfrm>
               <a:prstGeom prst="rect">
@@ -8030,552 +13033,6 @@
               </a:prstGeom>
               <a:blipFill>
                 <a:blip r:embed="rId2"/>
-                <a:stretch>
-                  <a:fillRect/>
-                </a:stretch>
-              </a:blipFill>
-            </p:spPr>
-            <p:txBody>
-              <a:bodyPr/>
-              <a:lstStyle/>
-              <a:p>
-                <a:r>
-                  <a:rPr lang="en-SE">
-                    <a:noFill/>
-                  </a:rPr>
-                  <a:t> </a:t>
-                </a:r>
-              </a:p>
-            </p:txBody>
-          </p:sp>
-        </mc:Fallback>
-      </mc:AlternateContent>
-      <p:sp>
-        <p:nvSpPr>
-          <p:cNvPr id="2" name="TextBox 1">
-            <a:extLst>
-              <a:ext uri="{FF2B5EF4-FFF2-40B4-BE49-F238E27FC236}">
-                <a16:creationId xmlns:a16="http://schemas.microsoft.com/office/drawing/2014/main" id="{0A9DF53D-E8B6-2D43-AF98-8670D7BD153D}"/>
-              </a:ext>
-            </a:extLst>
-          </p:cNvPr>
-          <p:cNvSpPr txBox="1"/>
-          <p:nvPr/>
-        </p:nvSpPr>
-        <p:spPr>
-          <a:xfrm>
-            <a:off x="3962400" y="762000"/>
-            <a:ext cx="4687502" cy="1323439"/>
-          </a:xfrm>
-          <a:prstGeom prst="rect">
-            <a:avLst/>
-          </a:prstGeom>
-          <a:noFill/>
-        </p:spPr>
-        <p:txBody>
-          <a:bodyPr wrap="none" rtlCol="0">
-            <a:spAutoFit/>
-          </a:bodyPr>
-          <a:lstStyle/>
-          <a:p>
-            <a:r>
-              <a:rPr lang="en-GB" sz="2000" b="0" dirty="0">
-                <a:solidFill>
-                  <a:schemeClr val="dk1"/>
-                </a:solidFill>
-                <a:latin typeface="+mn-lt"/>
-                <a:ea typeface="+mn-ea"/>
-                <a:cs typeface="+mn-cs"/>
-              </a:rPr>
-              <a:t>Total Request matrix R (</a:t>
-            </a:r>
-            <a:r>
-              <a:rPr lang="en-GB" sz="2000" b="0" dirty="0" err="1">
-                <a:solidFill>
-                  <a:schemeClr val="dk1"/>
-                </a:solidFill>
-                <a:latin typeface="+mn-lt"/>
-                <a:ea typeface="+mn-ea"/>
-                <a:cs typeface="+mn-cs"/>
-              </a:rPr>
-              <a:t>NumArms</a:t>
-            </a:r>
-            <a:r>
-              <a:rPr lang="en-GB" sz="2000" b="0" dirty="0">
-                <a:solidFill>
-                  <a:schemeClr val="dk1"/>
-                </a:solidFill>
-                <a:latin typeface="+mn-lt"/>
-                <a:ea typeface="+mn-ea"/>
-                <a:cs typeface="+mn-cs"/>
-              </a:rPr>
-              <a:t>=2)</a:t>
-            </a:r>
-          </a:p>
-          <a:p>
-            <a:r>
-              <a:rPr lang="en-GB" sz="2000" b="0" dirty="0">
-                <a:solidFill>
-                  <a:schemeClr val="dk1"/>
-                </a:solidFill>
-                <a:latin typeface="+mn-lt"/>
-                <a:ea typeface="+mn-ea"/>
-                <a:cs typeface="+mn-cs"/>
-              </a:rPr>
-              <a:t>Current allocation matrix C</a:t>
-            </a:r>
-          </a:p>
-          <a:p>
-            <a:r>
-              <a:rPr lang="en-GB" sz="2000" b="0" dirty="0">
-                <a:solidFill>
-                  <a:schemeClr val="dk1"/>
-                </a:solidFill>
-                <a:latin typeface="+mn-lt"/>
-                <a:ea typeface="+mn-ea"/>
-                <a:cs typeface="+mn-cs"/>
-              </a:rPr>
-              <a:t>Resources in existence E</a:t>
-            </a:r>
-          </a:p>
-          <a:p>
-            <a:r>
-              <a:rPr lang="en-GB" sz="2000" b="0" dirty="0">
-                <a:solidFill>
-                  <a:schemeClr val="dk1"/>
-                </a:solidFill>
-                <a:latin typeface="+mn-lt"/>
-                <a:ea typeface="+mn-ea"/>
-                <a:cs typeface="+mn-cs"/>
-              </a:rPr>
-              <a:t>Resources available A</a:t>
-            </a:r>
-          </a:p>
-        </p:txBody>
-      </p:sp>
-      <mc:AlternateContent xmlns:mc="http://schemas.openxmlformats.org/markup-compatibility/2006" xmlns:a14="http://schemas.microsoft.com/office/drawing/2010/main">
-        <mc:Choice Requires="a14">
-          <p:sp>
-            <p:nvSpPr>
-              <p:cNvPr id="13" name="Object 3">
-                <a:extLst>
-                  <a:ext uri="{FF2B5EF4-FFF2-40B4-BE49-F238E27FC236}">
-                    <a16:creationId xmlns:a16="http://schemas.microsoft.com/office/drawing/2014/main" id="{383810C9-DF9E-5963-DF9D-4ED86D8D8BEC}"/>
-                  </a:ext>
-                </a:extLst>
-              </p:cNvPr>
-              <p:cNvSpPr txBox="1"/>
-              <p:nvPr/>
-            </p:nvSpPr>
-            <p:spPr bwMode="auto">
-              <a:xfrm>
-                <a:off x="6172200" y="2230783"/>
-                <a:ext cx="6529387" cy="2387600"/>
-              </a:xfrm>
-              <a:prstGeom prst="rect">
-                <a:avLst/>
-              </a:prstGeom>
-              <a:noFill/>
-            </p:spPr>
-            <p:txBody>
-              <a:bodyPr>
-                <a:noAutofit/>
-              </a:bodyPr>
-              <a:lstStyle/>
-              <a:p>
-                <a:pPr/>
-                <a14:m>
-                  <m:oMathPara xmlns:m="http://schemas.openxmlformats.org/officeDocument/2006/math">
-                    <m:oMathParaPr>
-                      <m:jc m:val="left"/>
-                    </m:oMathParaPr>
-                    <m:oMath xmlns:m="http://schemas.openxmlformats.org/officeDocument/2006/math">
-                      <m:r>
-                        <a:rPr lang="en-SE" sz="3200" i="1" smtClean="0">
-                          <a:solidFill>
-                            <a:srgbClr val="000000"/>
-                          </a:solidFill>
-                          <a:latin typeface="Cambria Math" panose="02040503050406030204" pitchFamily="18" charset="0"/>
-                        </a:rPr>
-                        <m:t>𝑅</m:t>
-                      </m:r>
-                      <m:r>
-                        <a:rPr lang="en-SE" sz="3200" i="1" smtClean="0">
-                          <a:solidFill>
-                            <a:srgbClr val="000000"/>
-                          </a:solidFill>
-                          <a:latin typeface="Cambria Math" panose="02040503050406030204" pitchFamily="18" charset="0"/>
-                        </a:rPr>
-                        <m:t>=</m:t>
-                      </m:r>
-                      <m:d>
-                        <m:dPr>
-                          <m:begChr m:val="|"/>
-                          <m:endChr m:val="|"/>
-                          <m:ctrlPr>
-                            <a:rPr lang="en-SE" sz="3200" i="1" smtClean="0">
-                              <a:solidFill>
-                                <a:srgbClr val="000000"/>
-                              </a:solidFill>
-                              <a:latin typeface="Cambria Math" panose="02040503050406030204" pitchFamily="18" charset="0"/>
-                            </a:rPr>
-                          </m:ctrlPr>
-                        </m:dPr>
-                        <m:e>
-                          <m:m>
-                            <m:mPr>
-                              <m:plcHide m:val="on"/>
-                              <m:mcs>
-                                <m:mc>
-                                  <m:mcPr>
-                                    <m:count m:val="1"/>
-                                    <m:mcJc m:val="center"/>
-                                  </m:mcPr>
-                                </m:mc>
-                              </m:mcs>
-                              <m:ctrlPr>
-                                <a:rPr lang="en-SE" sz="3200" b="0" i="1">
-                                  <a:solidFill>
-                                    <a:srgbClr val="000000"/>
-                                  </a:solidFill>
-                                  <a:latin typeface="Cambria Math" panose="02040503050406030204" pitchFamily="18" charset="0"/>
-                                </a:rPr>
-                              </m:ctrlPr>
-                            </m:mPr>
-                            <m:mr>
-                              <m:e>
-                                <m:r>
-                                  <a:rPr lang="en-GB" sz="3200" b="0">
-                                    <a:solidFill>
-                                      <a:srgbClr val="000000"/>
-                                    </a:solidFill>
-                                    <a:latin typeface="Cambria Math" panose="02040503050406030204" pitchFamily="18" charset="0"/>
-                                  </a:rPr>
-                                  <m:t>2</m:t>
-                                </m:r>
-                              </m:e>
-                            </m:mr>
-                            <m:mr>
-                              <m:e>
-                                <m:r>
-                                  <a:rPr lang="en-GB" sz="3200" b="0">
-                                    <a:solidFill>
-                                      <a:srgbClr val="000000"/>
-                                    </a:solidFill>
-                                    <a:latin typeface="Cambria Math" panose="02040503050406030204" pitchFamily="18" charset="0"/>
-                                  </a:rPr>
-                                  <m:t>2</m:t>
-                                </m:r>
-                              </m:e>
-                            </m:mr>
-                            <m:mr>
-                              <m:e>
-                                <m:r>
-                                  <a:rPr lang="en-GB" sz="3200" b="0">
-                                    <a:solidFill>
-                                      <a:srgbClr val="000000"/>
-                                    </a:solidFill>
-                                    <a:latin typeface="Cambria Math" panose="02040503050406030204" pitchFamily="18" charset="0"/>
-                                  </a:rPr>
-                                  <m:t>2</m:t>
-                                </m:r>
-                              </m:e>
-                            </m:mr>
-                            <m:mr>
-                              <m:e>
-                                <m:r>
-                                  <a:rPr lang="en-GB" sz="3200" b="0">
-                                    <a:solidFill>
-                                      <a:srgbClr val="000000"/>
-                                    </a:solidFill>
-                                    <a:latin typeface="Cambria Math" panose="02040503050406030204" pitchFamily="18" charset="0"/>
-                                  </a:rPr>
-                                  <m:t>2</m:t>
-                                </m:r>
-                              </m:e>
-                            </m:mr>
-                            <m:mr>
-                              <m:e>
-                                <m:r>
-                                  <a:rPr lang="en-GB" sz="3200" b="0">
-                                    <a:solidFill>
-                                      <a:srgbClr val="000000"/>
-                                    </a:solidFill>
-                                    <a:latin typeface="Cambria Math" panose="02040503050406030204" pitchFamily="18" charset="0"/>
-                                  </a:rPr>
-                                  <m:t>2</m:t>
-                                </m:r>
-                              </m:e>
-                            </m:mr>
-                          </m:m>
-                        </m:e>
-                      </m:d>
-                      <m:r>
-                        <a:rPr lang="en-GB" sz="3200" b="1" i="1" smtClean="0">
-                          <a:solidFill>
-                            <a:srgbClr val="000000"/>
-                          </a:solidFill>
-                          <a:latin typeface="Cambria Math" panose="02040503050406030204" pitchFamily="18" charset="0"/>
-                        </a:rPr>
-                        <m:t>,</m:t>
-                      </m:r>
-                      <m:r>
-                        <a:rPr lang="en-GB" sz="3200" b="0" i="1" smtClean="0">
-                          <a:solidFill>
-                            <a:srgbClr val="000000"/>
-                          </a:solidFill>
-                          <a:latin typeface="Cambria Math" panose="02040503050406030204" pitchFamily="18" charset="0"/>
-                        </a:rPr>
-                        <m:t>𝐶</m:t>
-                      </m:r>
-                      <m:r>
-                        <a:rPr lang="en-SE" sz="3200" i="1">
-                          <a:solidFill>
-                            <a:srgbClr val="000000"/>
-                          </a:solidFill>
-                          <a:latin typeface="Cambria Math" panose="02040503050406030204" pitchFamily="18" charset="0"/>
-                        </a:rPr>
-                        <m:t>=</m:t>
-                      </m:r>
-                      <m:d>
-                        <m:dPr>
-                          <m:begChr m:val="|"/>
-                          <m:endChr m:val="|"/>
-                          <m:ctrlPr>
-                            <a:rPr lang="en-SE" sz="3200" i="1">
-                              <a:solidFill>
-                                <a:srgbClr val="000000"/>
-                              </a:solidFill>
-                              <a:latin typeface="Cambria Math" panose="02040503050406030204" pitchFamily="18" charset="0"/>
-                            </a:rPr>
-                          </m:ctrlPr>
-                        </m:dPr>
-                        <m:e>
-                          <m:m>
-                            <m:mPr>
-                              <m:plcHide m:val="on"/>
-                              <m:mcs>
-                                <m:mc>
-                                  <m:mcPr>
-                                    <m:count m:val="1"/>
-                                    <m:mcJc m:val="center"/>
-                                  </m:mcPr>
-                                </m:mc>
-                              </m:mcs>
-                              <m:ctrlPr>
-                                <a:rPr lang="en-SE" sz="3200" b="0" i="1">
-                                  <a:solidFill>
-                                    <a:srgbClr val="000000"/>
-                                  </a:solidFill>
-                                  <a:latin typeface="Cambria Math" panose="02040503050406030204" pitchFamily="18" charset="0"/>
-                                </a:rPr>
-                              </m:ctrlPr>
-                            </m:mPr>
-                            <m:mr>
-                              <m:e>
-                                <m:r>
-                                  <a:rPr lang="en-GB" sz="3200" b="0" i="0" smtClean="0">
-                                    <a:solidFill>
-                                      <a:srgbClr val="000000"/>
-                                    </a:solidFill>
-                                    <a:latin typeface="Cambria Math" panose="02040503050406030204" pitchFamily="18" charset="0"/>
-                                  </a:rPr>
-                                  <m:t>2</m:t>
-                                </m:r>
-                              </m:e>
-                            </m:mr>
-                            <m:mr>
-                              <m:e>
-                                <m:r>
-                                  <a:rPr lang="en-GB" sz="3200" b="0" i="0" smtClean="0">
-                                    <a:solidFill>
-                                      <a:srgbClr val="000000"/>
-                                    </a:solidFill>
-                                    <a:latin typeface="Cambria Math" panose="02040503050406030204" pitchFamily="18" charset="0"/>
-                                  </a:rPr>
-                                  <m:t>2</m:t>
-                                </m:r>
-                              </m:e>
-                            </m:mr>
-                            <m:mr>
-                              <m:e>
-                                <m:r>
-                                  <a:rPr lang="en-GB" sz="3200" b="0" i="0" smtClean="0">
-                                    <a:solidFill>
-                                      <a:srgbClr val="000000"/>
-                                    </a:solidFill>
-                                    <a:latin typeface="Cambria Math" panose="02040503050406030204" pitchFamily="18" charset="0"/>
-                                  </a:rPr>
-                                  <m:t>0</m:t>
-                                </m:r>
-                              </m:e>
-                            </m:mr>
-                            <m:mr>
-                              <m:e>
-                                <m:r>
-                                  <a:rPr lang="en-GB" sz="3200" b="0" i="0" smtClean="0">
-                                    <a:solidFill>
-                                      <a:srgbClr val="000000"/>
-                                    </a:solidFill>
-                                    <a:latin typeface="Cambria Math" panose="02040503050406030204" pitchFamily="18" charset="0"/>
-                                  </a:rPr>
-                                  <m:t>0</m:t>
-                                </m:r>
-                              </m:e>
-                            </m:mr>
-                            <m:mr>
-                              <m:e>
-                                <m:r>
-                                  <a:rPr lang="en-GB" sz="3200" b="0" i="0" smtClean="0">
-                                    <a:solidFill>
-                                      <a:srgbClr val="000000"/>
-                                    </a:solidFill>
-                                    <a:latin typeface="Cambria Math" panose="02040503050406030204" pitchFamily="18" charset="0"/>
-                                  </a:rPr>
-                                  <m:t>0</m:t>
-                                </m:r>
-                              </m:e>
-                            </m:mr>
-                          </m:m>
-                        </m:e>
-                      </m:d>
-                      <m:r>
-                        <a:rPr lang="en-GB" sz="3200" b="0" i="1" smtClean="0">
-                          <a:solidFill>
-                            <a:srgbClr val="000000"/>
-                          </a:solidFill>
-                          <a:latin typeface="Cambria Math" panose="02040503050406030204" pitchFamily="18" charset="0"/>
-                        </a:rPr>
-                        <m:t>, </m:t>
-                      </m:r>
-                      <m:r>
-                        <a:rPr lang="en-GB" sz="3200" b="0" i="1" smtClean="0">
-                          <a:solidFill>
-                            <a:srgbClr val="000000"/>
-                          </a:solidFill>
-                          <a:latin typeface="Cambria Math" panose="02040503050406030204" pitchFamily="18" charset="0"/>
-                        </a:rPr>
-                        <m:t>𝐸</m:t>
-                      </m:r>
-                      <m:r>
-                        <a:rPr lang="en-GB" sz="3200" b="0" i="1" smtClean="0">
-                          <a:solidFill>
-                            <a:srgbClr val="000000"/>
-                          </a:solidFill>
-                          <a:latin typeface="Cambria Math" panose="02040503050406030204" pitchFamily="18" charset="0"/>
-                        </a:rPr>
-                        <m:t>=</m:t>
-                      </m:r>
-                      <m:d>
-                        <m:dPr>
-                          <m:begChr m:val="|"/>
-                          <m:endChr m:val="|"/>
-                          <m:ctrlPr>
-                            <a:rPr lang="en-SE" sz="3200" i="1">
-                              <a:solidFill>
-                                <a:srgbClr val="000000"/>
-                              </a:solidFill>
-                              <a:latin typeface="Cambria Math" panose="02040503050406030204" pitchFamily="18" charset="0"/>
-                            </a:rPr>
-                          </m:ctrlPr>
-                        </m:dPr>
-                        <m:e>
-                          <m:r>
-                            <a:rPr lang="en-GB" sz="3200" b="0" i="1" smtClean="0">
-                              <a:solidFill>
-                                <a:srgbClr val="000000"/>
-                              </a:solidFill>
-                              <a:latin typeface="Cambria Math" panose="02040503050406030204" pitchFamily="18" charset="0"/>
-                            </a:rPr>
-                            <m:t>5</m:t>
-                          </m:r>
-                        </m:e>
-                      </m:d>
-                      <m:r>
-                        <a:rPr lang="en-GB" sz="3200" b="0" i="1" smtClean="0">
-                          <a:solidFill>
-                            <a:srgbClr val="000000"/>
-                          </a:solidFill>
-                          <a:latin typeface="Cambria Math" panose="02040503050406030204" pitchFamily="18" charset="0"/>
-                        </a:rPr>
-                        <m:t>, </m:t>
-                      </m:r>
-                      <m:r>
-                        <a:rPr lang="en-GB" sz="3200" b="0" i="1" smtClean="0">
-                          <a:solidFill>
-                            <a:srgbClr val="000000"/>
-                          </a:solidFill>
-                          <a:latin typeface="Cambria Math" panose="02040503050406030204" pitchFamily="18" charset="0"/>
-                        </a:rPr>
-                        <m:t>𝐴</m:t>
-                      </m:r>
-                      <m:r>
-                        <a:rPr lang="en-GB" sz="3200" b="0" i="1">
-                          <a:solidFill>
-                            <a:srgbClr val="000000"/>
-                          </a:solidFill>
-                          <a:latin typeface="Cambria Math" panose="02040503050406030204" pitchFamily="18" charset="0"/>
-                        </a:rPr>
-                        <m:t>=</m:t>
-                      </m:r>
-                      <m:d>
-                        <m:dPr>
-                          <m:begChr m:val="|"/>
-                          <m:endChr m:val="|"/>
-                          <m:ctrlPr>
-                            <a:rPr lang="en-SE" sz="3200" i="1">
-                              <a:solidFill>
-                                <a:srgbClr val="000000"/>
-                              </a:solidFill>
-                              <a:latin typeface="Cambria Math" panose="02040503050406030204" pitchFamily="18" charset="0"/>
-                            </a:rPr>
-                          </m:ctrlPr>
-                        </m:dPr>
-                        <m:e>
-                          <m:r>
-                            <a:rPr lang="en-GB" sz="3200" b="0" i="1" smtClean="0">
-                              <a:solidFill>
-                                <a:srgbClr val="000000"/>
-                              </a:solidFill>
-                              <a:latin typeface="Cambria Math" panose="02040503050406030204" pitchFamily="18" charset="0"/>
-                            </a:rPr>
-                            <m:t>1</m:t>
-                          </m:r>
-                        </m:e>
-                      </m:d>
-                    </m:oMath>
-                  </m:oMathPara>
-                </a14:m>
-                <a:endParaRPr lang="en-SE" sz="3200" b="0" dirty="0"/>
-              </a:p>
-            </p:txBody>
-          </p:sp>
-        </mc:Choice>
-        <mc:Fallback xmlns="">
-          <p:sp>
-            <p:nvSpPr>
-              <p:cNvPr id="13" name="Object 3">
-                <a:extLst>
-                  <a:ext uri="{FF2B5EF4-FFF2-40B4-BE49-F238E27FC236}">
-                    <a16:creationId xmlns:a16="http://schemas.microsoft.com/office/drawing/2014/main" id="{383810C9-DF9E-5963-DF9D-4ED86D8D8BEC}"/>
-                  </a:ext>
-                </a:extLst>
-              </p:cNvPr>
-              <p:cNvSpPr txBox="1">
-                <a:spLocks noRot="1" noChangeAspect="1" noMove="1" noResize="1" noEditPoints="1" noAdjustHandles="1" noChangeArrowheads="1" noChangeShapeType="1" noTextEdit="1"/>
-              </p:cNvSpPr>
-              <p:nvPr/>
-            </p:nvSpPr>
-            <p:spPr bwMode="auto">
-              <a:xfrm>
-                <a:off x="6172200" y="2230783"/>
-                <a:ext cx="6529387" cy="2387600"/>
-              </a:xfrm>
-              <a:prstGeom prst="rect">
-                <a:avLst/>
-              </a:prstGeom>
-              <a:blipFill>
-                <a:blip r:embed="rId3"/>
                 <a:stretch>
                   <a:fillRect/>
                 </a:stretch>
@@ -8614,7 +13071,7 @@
         </p:nvSpPr>
         <p:spPr>
           <a:xfrm>
-            <a:off x="762000" y="4876800"/>
+            <a:off x="3739444" y="2903637"/>
             <a:ext cx="4368846" cy="478183"/>
           </a:xfrm>
         </p:spPr>
@@ -8647,8 +13104,8 @@
         </p:nvSpPr>
         <p:spPr bwMode="auto">
           <a:xfrm>
-            <a:off x="6858000" y="4876800"/>
-            <a:ext cx="4495800" cy="1066800"/>
+            <a:off x="3581400" y="5653709"/>
+            <a:ext cx="5791200" cy="1066800"/>
           </a:xfrm>
           <a:prstGeom prst="rect">
             <a:avLst/>
@@ -8702,7 +13159,7 @@
             <a:prstTxWarp prst="textNoShape">
               <a:avLst/>
             </a:prstTxWarp>
-            <a:normAutofit fontScale="92500"/>
+            <a:normAutofit/>
           </a:bodyPr>
           <a:lstStyle>
             <a:lvl1pPr marL="285750" indent="-285750" algn="l" rtl="0" eaLnBrk="0" fontAlgn="base" hangingPunct="0">
@@ -8890,11 +13347,466 @@
           <a:p>
             <a:r>
               <a:rPr lang="en-GB" b="0" kern="0" dirty="0"/>
-              <a:t>Two lawyers grab two chopsticks each and start eating. No other lawyers can eat.</a:t>
+              <a:t>Two lawyers each grab two chopsticks and start eating. No other lawyers can eat.</a:t>
             </a:r>
           </a:p>
         </p:txBody>
       </p:sp>
+      <mc:AlternateContent xmlns:mc="http://schemas.openxmlformats.org/markup-compatibility/2006" xmlns:a14="http://schemas.microsoft.com/office/drawing/2010/main">
+        <mc:Choice Requires="a14">
+          <p:sp>
+            <p:nvSpPr>
+              <p:cNvPr id="3" name="Object 3">
+                <a:extLst>
+                  <a:ext uri="{FF2B5EF4-FFF2-40B4-BE49-F238E27FC236}">
+                    <a16:creationId xmlns:a16="http://schemas.microsoft.com/office/drawing/2014/main" id="{C12D90C4-78CA-392B-F3A9-86D0F16AF3D9}"/>
+                  </a:ext>
+                </a:extLst>
+              </p:cNvPr>
+              <p:cNvSpPr txBox="1"/>
+              <p:nvPr/>
+            </p:nvSpPr>
+            <p:spPr bwMode="auto">
+              <a:xfrm>
+                <a:off x="2971800" y="3505200"/>
+                <a:ext cx="6529387" cy="2387600"/>
+              </a:xfrm>
+              <a:prstGeom prst="rect">
+                <a:avLst/>
+              </a:prstGeom>
+              <a:noFill/>
+            </p:spPr>
+            <p:txBody>
+              <a:bodyPr>
+                <a:noAutofit/>
+              </a:bodyPr>
+              <a:lstStyle/>
+              <a:p>
+                <a:pPr/>
+                <a14:m>
+                  <m:oMathPara xmlns:m="http://schemas.openxmlformats.org/officeDocument/2006/math">
+                    <m:oMathParaPr>
+                      <m:jc m:val="left"/>
+                    </m:oMathParaPr>
+                    <m:oMath xmlns:m="http://schemas.openxmlformats.org/officeDocument/2006/math">
+                      <m:r>
+                        <m:rPr>
+                          <m:sty m:val="p"/>
+                        </m:rPr>
+                        <a:rPr lang="en-GB" sz="2400" b="0" i="0" smtClean="0">
+                          <a:solidFill>
+                            <a:srgbClr val="000000"/>
+                          </a:solidFill>
+                          <a:latin typeface="Cambria Math" panose="02040503050406030204" pitchFamily="18" charset="0"/>
+                        </a:rPr>
+                        <m:t>Max</m:t>
+                      </m:r>
+                      <m:r>
+                        <a:rPr lang="en-GB" sz="2400" b="0" i="0" smtClean="0">
+                          <a:solidFill>
+                            <a:srgbClr val="000000"/>
+                          </a:solidFill>
+                          <a:latin typeface="Cambria Math" panose="02040503050406030204" pitchFamily="18" charset="0"/>
+                        </a:rPr>
+                        <m:t>:</m:t>
+                      </m:r>
+                      <m:d>
+                        <m:dPr>
+                          <m:begChr m:val="|"/>
+                          <m:endChr m:val="|"/>
+                          <m:ctrlPr>
+                            <a:rPr lang="en-SE" sz="2400" i="1" smtClean="0">
+                              <a:solidFill>
+                                <a:srgbClr val="000000"/>
+                              </a:solidFill>
+                              <a:latin typeface="Cambria Math" panose="02040503050406030204" pitchFamily="18" charset="0"/>
+                            </a:rPr>
+                          </m:ctrlPr>
+                        </m:dPr>
+                        <m:e>
+                          <m:m>
+                            <m:mPr>
+                              <m:plcHide m:val="on"/>
+                              <m:mcs>
+                                <m:mc>
+                                  <m:mcPr>
+                                    <m:count m:val="1"/>
+                                    <m:mcJc m:val="center"/>
+                                  </m:mcPr>
+                                </m:mc>
+                              </m:mcs>
+                              <m:ctrlPr>
+                                <a:rPr lang="en-SE" sz="2400" b="0" i="1">
+                                  <a:solidFill>
+                                    <a:srgbClr val="000000"/>
+                                  </a:solidFill>
+                                  <a:latin typeface="Cambria Math" panose="02040503050406030204" pitchFamily="18" charset="0"/>
+                                </a:rPr>
+                              </m:ctrlPr>
+                            </m:mPr>
+                            <m:mr>
+                              <m:e>
+                                <m:r>
+                                  <a:rPr lang="en-GB" sz="2400" b="0">
+                                    <a:solidFill>
+                                      <a:srgbClr val="000000"/>
+                                    </a:solidFill>
+                                    <a:latin typeface="Cambria Math" panose="02040503050406030204" pitchFamily="18" charset="0"/>
+                                  </a:rPr>
+                                  <m:t>2</m:t>
+                                </m:r>
+                              </m:e>
+                            </m:mr>
+                            <m:mr>
+                              <m:e>
+                                <m:r>
+                                  <a:rPr lang="en-GB" sz="2400" b="0">
+                                    <a:solidFill>
+                                      <a:srgbClr val="000000"/>
+                                    </a:solidFill>
+                                    <a:latin typeface="Cambria Math" panose="02040503050406030204" pitchFamily="18" charset="0"/>
+                                  </a:rPr>
+                                  <m:t>2</m:t>
+                                </m:r>
+                              </m:e>
+                            </m:mr>
+                            <m:mr>
+                              <m:e>
+                                <m:r>
+                                  <a:rPr lang="en-GB" sz="2400" b="0">
+                                    <a:solidFill>
+                                      <a:srgbClr val="000000"/>
+                                    </a:solidFill>
+                                    <a:latin typeface="Cambria Math" panose="02040503050406030204" pitchFamily="18" charset="0"/>
+                                  </a:rPr>
+                                  <m:t>2</m:t>
+                                </m:r>
+                              </m:e>
+                            </m:mr>
+                            <m:mr>
+                              <m:e>
+                                <m:r>
+                                  <a:rPr lang="en-GB" sz="2400" b="0">
+                                    <a:solidFill>
+                                      <a:srgbClr val="000000"/>
+                                    </a:solidFill>
+                                    <a:latin typeface="Cambria Math" panose="02040503050406030204" pitchFamily="18" charset="0"/>
+                                  </a:rPr>
+                                  <m:t>2</m:t>
+                                </m:r>
+                              </m:e>
+                            </m:mr>
+                            <m:mr>
+                              <m:e>
+                                <m:r>
+                                  <a:rPr lang="en-GB" sz="2400" b="0">
+                                    <a:solidFill>
+                                      <a:srgbClr val="000000"/>
+                                    </a:solidFill>
+                                    <a:latin typeface="Cambria Math" panose="02040503050406030204" pitchFamily="18" charset="0"/>
+                                  </a:rPr>
+                                  <m:t>2</m:t>
+                                </m:r>
+                              </m:e>
+                            </m:mr>
+                          </m:m>
+                        </m:e>
+                      </m:d>
+                      <m:r>
+                        <a:rPr lang="en-GB" sz="2400" b="1" i="1" smtClean="0">
+                          <a:solidFill>
+                            <a:srgbClr val="000000"/>
+                          </a:solidFill>
+                          <a:latin typeface="Cambria Math" panose="02040503050406030204" pitchFamily="18" charset="0"/>
+                        </a:rPr>
+                        <m:t>, </m:t>
+                      </m:r>
+                      <m:r>
+                        <m:rPr>
+                          <m:sty m:val="p"/>
+                        </m:rPr>
+                        <a:rPr lang="en-GB" sz="2400" b="0" i="0" smtClean="0">
+                          <a:solidFill>
+                            <a:srgbClr val="000000"/>
+                          </a:solidFill>
+                          <a:latin typeface="Cambria Math" panose="02040503050406030204" pitchFamily="18" charset="0"/>
+                        </a:rPr>
+                        <m:t>Allocation</m:t>
+                      </m:r>
+                      <m:r>
+                        <a:rPr lang="en-GB" sz="2400" b="0" i="0" smtClean="0">
+                          <a:solidFill>
+                            <a:srgbClr val="000000"/>
+                          </a:solidFill>
+                          <a:latin typeface="Cambria Math" panose="02040503050406030204" pitchFamily="18" charset="0"/>
+                        </a:rPr>
+                        <m:t>:</m:t>
+                      </m:r>
+                      <m:d>
+                        <m:dPr>
+                          <m:begChr m:val="|"/>
+                          <m:endChr m:val="|"/>
+                          <m:ctrlPr>
+                            <a:rPr lang="en-SE" sz="2400" i="1">
+                              <a:solidFill>
+                                <a:srgbClr val="000000"/>
+                              </a:solidFill>
+                              <a:latin typeface="Cambria Math" panose="02040503050406030204" pitchFamily="18" charset="0"/>
+                            </a:rPr>
+                          </m:ctrlPr>
+                        </m:dPr>
+                        <m:e>
+                          <m:m>
+                            <m:mPr>
+                              <m:plcHide m:val="on"/>
+                              <m:mcs>
+                                <m:mc>
+                                  <m:mcPr>
+                                    <m:count m:val="1"/>
+                                    <m:mcJc m:val="center"/>
+                                  </m:mcPr>
+                                </m:mc>
+                              </m:mcs>
+                              <m:ctrlPr>
+                                <a:rPr lang="en-SE" sz="2400" b="0" i="1">
+                                  <a:solidFill>
+                                    <a:srgbClr val="000000"/>
+                                  </a:solidFill>
+                                  <a:latin typeface="Cambria Math" panose="02040503050406030204" pitchFamily="18" charset="0"/>
+                                </a:rPr>
+                              </m:ctrlPr>
+                            </m:mPr>
+                            <m:mr>
+                              <m:e>
+                                <m:r>
+                                  <a:rPr lang="en-GB" sz="2400" b="0" i="0" smtClean="0">
+                                    <a:solidFill>
+                                      <a:srgbClr val="000000"/>
+                                    </a:solidFill>
+                                    <a:latin typeface="Cambria Math" panose="02040503050406030204" pitchFamily="18" charset="0"/>
+                                  </a:rPr>
+                                  <m:t>2</m:t>
+                                </m:r>
+                              </m:e>
+                            </m:mr>
+                            <m:mr>
+                              <m:e>
+                                <m:r>
+                                  <a:rPr lang="en-GB" sz="2400" b="0" i="0" smtClean="0">
+                                    <a:solidFill>
+                                      <a:srgbClr val="000000"/>
+                                    </a:solidFill>
+                                    <a:latin typeface="Cambria Math" panose="02040503050406030204" pitchFamily="18" charset="0"/>
+                                  </a:rPr>
+                                  <m:t>2</m:t>
+                                </m:r>
+                              </m:e>
+                            </m:mr>
+                            <m:mr>
+                              <m:e>
+                                <m:r>
+                                  <a:rPr lang="en-GB" sz="2400" b="0" i="0" smtClean="0">
+                                    <a:solidFill>
+                                      <a:srgbClr val="000000"/>
+                                    </a:solidFill>
+                                    <a:latin typeface="Cambria Math" panose="02040503050406030204" pitchFamily="18" charset="0"/>
+                                  </a:rPr>
+                                  <m:t>0</m:t>
+                                </m:r>
+                              </m:e>
+                            </m:mr>
+                            <m:mr>
+                              <m:e>
+                                <m:r>
+                                  <a:rPr lang="en-GB" sz="2400" b="0" i="0" smtClean="0">
+                                    <a:solidFill>
+                                      <a:srgbClr val="000000"/>
+                                    </a:solidFill>
+                                    <a:latin typeface="Cambria Math" panose="02040503050406030204" pitchFamily="18" charset="0"/>
+                                  </a:rPr>
+                                  <m:t>0</m:t>
+                                </m:r>
+                              </m:e>
+                            </m:mr>
+                            <m:mr>
+                              <m:e>
+                                <m:r>
+                                  <a:rPr lang="en-GB" sz="2400" b="0" i="0" smtClean="0">
+                                    <a:solidFill>
+                                      <a:srgbClr val="000000"/>
+                                    </a:solidFill>
+                                    <a:latin typeface="Cambria Math" panose="02040503050406030204" pitchFamily="18" charset="0"/>
+                                  </a:rPr>
+                                  <m:t>0</m:t>
+                                </m:r>
+                              </m:e>
+                            </m:mr>
+                          </m:m>
+                        </m:e>
+                      </m:d>
+                      <m:r>
+                        <a:rPr lang="en-GB" sz="2400" b="0" i="1" smtClean="0">
+                          <a:solidFill>
+                            <a:srgbClr val="000000"/>
+                          </a:solidFill>
+                          <a:latin typeface="Cambria Math" panose="02040503050406030204" pitchFamily="18" charset="0"/>
+                        </a:rPr>
+                        <m:t>, </m:t>
+                      </m:r>
+                      <m:r>
+                        <m:rPr>
+                          <m:sty m:val="p"/>
+                        </m:rPr>
+                        <a:rPr lang="en-GB" sz="2400" b="0" i="0" smtClean="0">
+                          <a:solidFill>
+                            <a:srgbClr val="000000"/>
+                          </a:solidFill>
+                          <a:latin typeface="Cambria Math" panose="02040503050406030204" pitchFamily="18" charset="0"/>
+                        </a:rPr>
+                        <m:t>Total</m:t>
+                      </m:r>
+                      <m:r>
+                        <a:rPr lang="en-GB" sz="2400" b="0" i="0" smtClean="0">
+                          <a:solidFill>
+                            <a:srgbClr val="000000"/>
+                          </a:solidFill>
+                          <a:latin typeface="Cambria Math" panose="02040503050406030204" pitchFamily="18" charset="0"/>
+                        </a:rPr>
+                        <m:t>: </m:t>
+                      </m:r>
+                      <m:d>
+                        <m:dPr>
+                          <m:begChr m:val="|"/>
+                          <m:endChr m:val="|"/>
+                          <m:ctrlPr>
+                            <a:rPr lang="en-SE" sz="2400" i="1">
+                              <a:solidFill>
+                                <a:srgbClr val="000000"/>
+                              </a:solidFill>
+                              <a:latin typeface="Cambria Math" panose="02040503050406030204" pitchFamily="18" charset="0"/>
+                            </a:rPr>
+                          </m:ctrlPr>
+                        </m:dPr>
+                        <m:e>
+                          <m:r>
+                            <a:rPr lang="en-GB" sz="2400" b="0" i="1" smtClean="0">
+                              <a:solidFill>
+                                <a:srgbClr val="000000"/>
+                              </a:solidFill>
+                              <a:latin typeface="Cambria Math" panose="02040503050406030204" pitchFamily="18" charset="0"/>
+                            </a:rPr>
+                            <m:t>5</m:t>
+                          </m:r>
+                        </m:e>
+                      </m:d>
+                      <m:r>
+                        <a:rPr lang="en-GB" sz="2400" b="0" i="1" smtClean="0">
+                          <a:solidFill>
+                            <a:srgbClr val="000000"/>
+                          </a:solidFill>
+                          <a:latin typeface="Cambria Math" panose="02040503050406030204" pitchFamily="18" charset="0"/>
+                        </a:rPr>
+                        <m:t>, </m:t>
+                      </m:r>
+                      <m:r>
+                        <m:rPr>
+                          <m:sty m:val="p"/>
+                        </m:rPr>
+                        <a:rPr lang="en-GB" sz="2400" b="0" i="0" smtClean="0">
+                          <a:solidFill>
+                            <a:srgbClr val="000000"/>
+                          </a:solidFill>
+                          <a:latin typeface="Cambria Math" panose="02040503050406030204" pitchFamily="18" charset="0"/>
+                        </a:rPr>
+                        <m:t>Available</m:t>
+                      </m:r>
+                      <m:r>
+                        <a:rPr lang="en-GB" sz="2400" b="0" i="0" smtClean="0">
+                          <a:solidFill>
+                            <a:srgbClr val="000000"/>
+                          </a:solidFill>
+                          <a:latin typeface="Cambria Math" panose="02040503050406030204" pitchFamily="18" charset="0"/>
+                        </a:rPr>
+                        <m:t>:</m:t>
+                      </m:r>
+                      <m:d>
+                        <m:dPr>
+                          <m:begChr m:val="|"/>
+                          <m:endChr m:val="|"/>
+                          <m:ctrlPr>
+                            <a:rPr lang="en-SE" sz="2400" i="1">
+                              <a:solidFill>
+                                <a:srgbClr val="000000"/>
+                              </a:solidFill>
+                              <a:latin typeface="Cambria Math" panose="02040503050406030204" pitchFamily="18" charset="0"/>
+                            </a:rPr>
+                          </m:ctrlPr>
+                        </m:dPr>
+                        <m:e>
+                          <m:r>
+                            <a:rPr lang="en-GB" sz="2400" b="0" i="1" smtClean="0">
+                              <a:solidFill>
+                                <a:srgbClr val="000000"/>
+                              </a:solidFill>
+                              <a:latin typeface="Cambria Math" panose="02040503050406030204" pitchFamily="18" charset="0"/>
+                            </a:rPr>
+                            <m:t>1</m:t>
+                          </m:r>
+                        </m:e>
+                      </m:d>
+                    </m:oMath>
+                  </m:oMathPara>
+                </a14:m>
+                <a:endParaRPr lang="en-SE" sz="2400" b="0" dirty="0"/>
+              </a:p>
+            </p:txBody>
+          </p:sp>
+        </mc:Choice>
+        <mc:Fallback xmlns="">
+          <p:sp>
+            <p:nvSpPr>
+              <p:cNvPr id="3" name="Object 3">
+                <a:extLst>
+                  <a:ext uri="{FF2B5EF4-FFF2-40B4-BE49-F238E27FC236}">
+                    <a16:creationId xmlns:a16="http://schemas.microsoft.com/office/drawing/2014/main" id="{C12D90C4-78CA-392B-F3A9-86D0F16AF3D9}"/>
+                  </a:ext>
+                </a:extLst>
+              </p:cNvPr>
+              <p:cNvSpPr txBox="1">
+                <a:spLocks noRot="1" noChangeAspect="1" noMove="1" noResize="1" noEditPoints="1" noAdjustHandles="1" noChangeArrowheads="1" noChangeShapeType="1" noTextEdit="1"/>
+              </p:cNvSpPr>
+              <p:nvPr/>
+            </p:nvSpPr>
+            <p:spPr bwMode="auto">
+              <a:xfrm>
+                <a:off x="2971800" y="3505200"/>
+                <a:ext cx="6529387" cy="2387600"/>
+              </a:xfrm>
+              <a:prstGeom prst="rect">
+                <a:avLst/>
+              </a:prstGeom>
+              <a:blipFill>
+                <a:blip r:embed="rId3"/>
+                <a:stretch>
+                  <a:fillRect/>
+                </a:stretch>
+              </a:blipFill>
+            </p:spPr>
+            <p:txBody>
+              <a:bodyPr/>
+              <a:lstStyle/>
+              <a:p>
+                <a:r>
+                  <a:rPr lang="en-SE">
+                    <a:noFill/>
+                  </a:rPr>
+                  <a:t> </a:t>
+                </a:r>
+              </a:p>
+            </p:txBody>
+          </p:sp>
+        </mc:Fallback>
+      </mc:AlternateContent>
     </p:spTree>
     <p:extLst>
       <p:ext uri="{BB962C8B-B14F-4D97-AF65-F5344CB8AC3E}">
@@ -8908,7 +13820,7 @@
 </p:sld>
 </file>
 
-<file path=ppt/slides/slide5.xml><?xml version="1.0" encoding="utf-8"?>
+<file path=ppt/slides/slide9.xml><?xml version="1.0" encoding="utf-8"?>
 <p:sld xmlns:a="http://schemas.openxmlformats.org/drawingml/2006/main" xmlns:r="http://schemas.openxmlformats.org/officeDocument/2006/relationships" xmlns:p="http://schemas.openxmlformats.org/presentationml/2006/main">
   <p:cSld>
     <p:spTree>
@@ -8956,10 +13868,10 @@
       </p:sp>
       <p:sp>
         <p:nvSpPr>
-          <p:cNvPr id="3" name="Content Placeholder 2">
+          <p:cNvPr id="7" name="Content Placeholder 2">
             <a:extLst>
               <a:ext uri="{FF2B5EF4-FFF2-40B4-BE49-F238E27FC236}">
-                <a16:creationId xmlns:a16="http://schemas.microsoft.com/office/drawing/2014/main" id="{EB101BCA-C95E-530C-11CF-544C9B09E2FF}"/>
+                <a16:creationId xmlns:a16="http://schemas.microsoft.com/office/drawing/2014/main" id="{8BDE5981-C58E-1D2C-A988-FFF28496CD9B}"/>
               </a:ext>
             </a:extLst>
           </p:cNvPr>
@@ -8970,15 +13882,72 @@
             <p:ph idx="1"/>
           </p:nvPr>
         </p:nvSpPr>
-        <p:spPr/>
+        <p:spPr>
+          <a:xfrm>
+            <a:off x="812800" y="914400"/>
+            <a:ext cx="10566400" cy="5105400"/>
+          </a:xfrm>
+        </p:spPr>
         <p:txBody>
-          <a:bodyPr/>
+          <a:bodyPr>
+            <a:normAutofit/>
+          </a:bodyPr>
           <a:lstStyle/>
           <a:p>
             <a:r>
               <a:rPr lang="en-GB" dirty="0"/>
-              <a:t>Is it possible for the system to get into deadlock?</a:t>
-            </a:r>
+              <a:t>If each lawyer has 2 arms, and there is a pile of chopsticks at the </a:t>
+            </a:r>
+            <a:r>
+              <a:rPr lang="en-GB" dirty="0" err="1"/>
+              <a:t>center</a:t>
+            </a:r>
+            <a:r>
+              <a:rPr lang="en-GB" dirty="0"/>
+              <a:t> of the table. Assume there are at least 2 chopsticks, so at least one lawyer can eat. Each lawyer follows the following steps:</a:t>
+            </a:r>
+          </a:p>
+          <a:p>
+            <a:pPr lvl="1"/>
+            <a:r>
+              <a:rPr lang="en-GB" dirty="0"/>
+              <a:t>(1) Pick up a chopstick </a:t>
+            </a:r>
+          </a:p>
+          <a:p>
+            <a:pPr lvl="1"/>
+            <a:r>
+              <a:rPr lang="en-GB" dirty="0"/>
+              <a:t>(2) Pick up another chopstick </a:t>
+            </a:r>
+          </a:p>
+          <a:p>
+            <a:pPr lvl="1"/>
+            <a:r>
+              <a:rPr lang="en-GB" dirty="0"/>
+              <a:t>(3) Eat</a:t>
+            </a:r>
+          </a:p>
+          <a:p>
+            <a:pPr lvl="1"/>
+            <a:r>
+              <a:rPr lang="en-GB" dirty="0"/>
+              <a:t>(4) Return both chopsticks to the pile </a:t>
+            </a:r>
+          </a:p>
+          <a:p>
+            <a:r>
+              <a:rPr lang="en-GB" dirty="0"/>
+              <a:t>Q: Can the system be deadlocked?</a:t>
+            </a:r>
+          </a:p>
+          <a:p>
+            <a:endParaRPr lang="en-GB" dirty="0"/>
+          </a:p>
+          <a:p>
+            <a:endParaRPr lang="en-GB" dirty="0"/>
+          </a:p>
+          <a:p>
             <a:endParaRPr lang="en-SE" dirty="0"/>
           </a:p>
         </p:txBody>
@@ -8987,1942 +13956,6 @@
     <p:extLst>
       <p:ext uri="{BB962C8B-B14F-4D97-AF65-F5344CB8AC3E}">
         <p14:creationId xmlns:p14="http://schemas.microsoft.com/office/powerpoint/2010/main" val="3823801097"/>
-      </p:ext>
-    </p:extLst>
-  </p:cSld>
-  <p:clrMapOvr>
-    <a:masterClrMapping/>
-  </p:clrMapOvr>
-  <p:transition/>
-</p:sld>
-</file>
-
-<file path=ppt/slides/slide6.xml><?xml version="1.0" encoding="utf-8"?>
-<p:sld xmlns:a="http://schemas.openxmlformats.org/drawingml/2006/main" xmlns:r="http://schemas.openxmlformats.org/officeDocument/2006/relationships" xmlns:p="http://schemas.openxmlformats.org/presentationml/2006/main">
-  <p:cSld>
-    <p:spTree>
-      <p:nvGrpSpPr>
-        <p:cNvPr id="1" name=""/>
-        <p:cNvGrpSpPr/>
-        <p:nvPr/>
-      </p:nvGrpSpPr>
-      <p:grpSpPr>
-        <a:xfrm>
-          <a:off x="0" y="0"/>
-          <a:ext cx="0" cy="0"/>
-          <a:chOff x="0" y="0"/>
-          <a:chExt cx="0" cy="0"/>
-        </a:xfrm>
-      </p:grpSpPr>
-      <p:sp>
-        <p:nvSpPr>
-          <p:cNvPr id="2" name="Title 1">
-            <a:extLst>
-              <a:ext uri="{FF2B5EF4-FFF2-40B4-BE49-F238E27FC236}">
-                <a16:creationId xmlns:a16="http://schemas.microsoft.com/office/drawing/2014/main" id="{237D010E-0DE6-664D-E651-1315BFD2A9E4}"/>
-              </a:ext>
-            </a:extLst>
-          </p:cNvPr>
-          <p:cNvSpPr>
-            <a:spLocks noGrp="1"/>
-          </p:cNvSpPr>
-          <p:nvPr>
-            <p:ph type="title"/>
-          </p:nvPr>
-        </p:nvSpPr>
-        <p:spPr/>
-        <p:txBody>
-          <a:bodyPr/>
-          <a:lstStyle/>
-          <a:p>
-            <a:r>
-              <a:rPr lang="en-GB" dirty="0"/>
-              <a:t>Quiz: Dining Lawyers I </a:t>
-            </a:r>
-            <a:endParaRPr lang="en-SE" dirty="0"/>
-          </a:p>
-        </p:txBody>
-      </p:sp>
-      <p:sp>
-        <p:nvSpPr>
-          <p:cNvPr id="3" name="Content Placeholder 2">
-            <a:extLst>
-              <a:ext uri="{FF2B5EF4-FFF2-40B4-BE49-F238E27FC236}">
-                <a16:creationId xmlns:a16="http://schemas.microsoft.com/office/drawing/2014/main" id="{C96CE106-EFF2-89A6-A94C-94BA0CA70C60}"/>
-              </a:ext>
-            </a:extLst>
-          </p:cNvPr>
-          <p:cNvSpPr>
-            <a:spLocks noGrp="1"/>
-          </p:cNvSpPr>
-          <p:nvPr>
-            <p:ph idx="1"/>
-          </p:nvPr>
-        </p:nvSpPr>
-        <p:spPr/>
-        <p:txBody>
-          <a:bodyPr/>
-          <a:lstStyle/>
-          <a:p>
-            <a:r>
-              <a:rPr lang="en-GB" dirty="0"/>
-              <a:t>If each lawyer has 2 arms, and there is a pile of knives and forks at </a:t>
-            </a:r>
-            <a:r>
-              <a:rPr lang="en-GB" dirty="0" err="1"/>
-              <a:t>center</a:t>
-            </a:r>
-            <a:r>
-              <a:rPr lang="en-GB" dirty="0"/>
-              <a:t> of the table. Assume there are at least 1 knife and 1 fork, so at least one lawyer can eat. (There is no other constraint on the numbers of knives, forks, or lawyers.) Each lawyer follows the following steps:</a:t>
-            </a:r>
-          </a:p>
-          <a:p>
-            <a:r>
-              <a:rPr lang="en-GB" dirty="0"/>
-              <a:t>(1) Pick up a knife </a:t>
-            </a:r>
-          </a:p>
-          <a:p>
-            <a:r>
-              <a:rPr lang="en-GB" dirty="0"/>
-              <a:t>(2) Pick up a fork </a:t>
-            </a:r>
-          </a:p>
-          <a:p>
-            <a:r>
-              <a:rPr lang="en-GB" dirty="0"/>
-              <a:t>(3) Eat</a:t>
-            </a:r>
-          </a:p>
-          <a:p>
-            <a:r>
-              <a:rPr lang="en-GB" dirty="0"/>
-              <a:t>(4) Return the knife and fork to the pile </a:t>
-            </a:r>
-          </a:p>
-          <a:p>
-            <a:r>
-              <a:rPr lang="en-GB" dirty="0"/>
-              <a:t>Q: Can the system be deadlocked?</a:t>
-            </a:r>
-          </a:p>
-          <a:p>
-            <a:endParaRPr lang="en-GB" dirty="0"/>
-          </a:p>
-          <a:p>
-            <a:endParaRPr lang="en-GB" dirty="0"/>
-          </a:p>
-          <a:p>
-            <a:endParaRPr lang="en-SE" dirty="0"/>
-          </a:p>
-        </p:txBody>
-      </p:sp>
-    </p:spTree>
-    <p:extLst>
-      <p:ext uri="{BB962C8B-B14F-4D97-AF65-F5344CB8AC3E}">
-        <p14:creationId xmlns:p14="http://schemas.microsoft.com/office/powerpoint/2010/main" val="937329881"/>
-      </p:ext>
-    </p:extLst>
-  </p:cSld>
-  <p:clrMapOvr>
-    <a:masterClrMapping/>
-  </p:clrMapOvr>
-  <p:transition/>
-</p:sld>
-</file>
-
-<file path=ppt/slides/slide7.xml><?xml version="1.0" encoding="utf-8"?>
-<p:sld xmlns:a="http://schemas.openxmlformats.org/drawingml/2006/main" xmlns:r="http://schemas.openxmlformats.org/officeDocument/2006/relationships" xmlns:p="http://schemas.openxmlformats.org/presentationml/2006/main">
-  <p:cSld>
-    <p:spTree>
-      <p:nvGrpSpPr>
-        <p:cNvPr id="1" name=""/>
-        <p:cNvGrpSpPr/>
-        <p:nvPr/>
-      </p:nvGrpSpPr>
-      <p:grpSpPr>
-        <a:xfrm>
-          <a:off x="0" y="0"/>
-          <a:ext cx="0" cy="0"/>
-          <a:chOff x="0" y="0"/>
-          <a:chExt cx="0" cy="0"/>
-        </a:xfrm>
-      </p:grpSpPr>
-      <p:sp>
-        <p:nvSpPr>
-          <p:cNvPr id="2" name="Title 1">
-            <a:extLst>
-              <a:ext uri="{FF2B5EF4-FFF2-40B4-BE49-F238E27FC236}">
-                <a16:creationId xmlns:a16="http://schemas.microsoft.com/office/drawing/2014/main" id="{95CECE1A-5EE0-BB49-216D-B4B1AF277470}"/>
-              </a:ext>
-            </a:extLst>
-          </p:cNvPr>
-          <p:cNvSpPr>
-            <a:spLocks noGrp="1"/>
-          </p:cNvSpPr>
-          <p:nvPr>
-            <p:ph type="title"/>
-          </p:nvPr>
-        </p:nvSpPr>
-        <p:spPr/>
-        <p:txBody>
-          <a:bodyPr/>
-          <a:lstStyle/>
-          <a:p>
-            <a:r>
-              <a:rPr lang="en-GB" dirty="0"/>
-              <a:t>Quiz: Dining Lawyers II</a:t>
-            </a:r>
-            <a:endParaRPr lang="en-SE" dirty="0"/>
-          </a:p>
-        </p:txBody>
-      </p:sp>
-      <p:sp>
-        <p:nvSpPr>
-          <p:cNvPr id="3" name="Content Placeholder 2">
-            <a:extLst>
-              <a:ext uri="{FF2B5EF4-FFF2-40B4-BE49-F238E27FC236}">
-                <a16:creationId xmlns:a16="http://schemas.microsoft.com/office/drawing/2014/main" id="{2C890D62-C0BE-DA6D-366C-8F725FB1BCE9}"/>
-              </a:ext>
-            </a:extLst>
-          </p:cNvPr>
-          <p:cNvSpPr>
-            <a:spLocks noGrp="1"/>
-          </p:cNvSpPr>
-          <p:nvPr>
-            <p:ph idx="1"/>
-          </p:nvPr>
-        </p:nvSpPr>
-        <p:spPr/>
-        <p:txBody>
-          <a:bodyPr/>
-          <a:lstStyle/>
-          <a:p>
-            <a:r>
-              <a:rPr lang="en-GB" dirty="0"/>
-              <a:t>If each lawyer has 4 arms, and there is a pile of knives and forks at </a:t>
-            </a:r>
-            <a:r>
-              <a:rPr lang="en-GB" dirty="0" err="1"/>
-              <a:t>center</a:t>
-            </a:r>
-            <a:r>
-              <a:rPr lang="en-GB" dirty="0"/>
-              <a:t> of the table. Assume there are at least 2 knives and 2 forks, so at least one lawyer can eat. Each lawyer follows the following steps:</a:t>
-            </a:r>
-          </a:p>
-          <a:p>
-            <a:r>
-              <a:rPr lang="en-GB" dirty="0"/>
-              <a:t>(1) Pick up 2 knives atomically</a:t>
-            </a:r>
-          </a:p>
-          <a:p>
-            <a:r>
-              <a:rPr lang="en-GB" dirty="0"/>
-              <a:t>(2) Pick up 2 forks atomically</a:t>
-            </a:r>
-          </a:p>
-          <a:p>
-            <a:r>
-              <a:rPr lang="en-GB" dirty="0"/>
-              <a:t>(3) Eat</a:t>
-            </a:r>
-          </a:p>
-          <a:p>
-            <a:r>
-              <a:rPr lang="en-GB" dirty="0"/>
-              <a:t>(4) Return the knives and forks to the pile </a:t>
-            </a:r>
-          </a:p>
-          <a:p>
-            <a:r>
-              <a:rPr lang="en-GB" dirty="0"/>
-              <a:t>Q: Can the system be deadlocked?</a:t>
-            </a:r>
-          </a:p>
-          <a:p>
-            <a:pPr marL="0" indent="0">
-              <a:buNone/>
-            </a:pPr>
-            <a:endParaRPr lang="en-GB" dirty="0"/>
-          </a:p>
-          <a:p>
-            <a:endParaRPr lang="en-GB" dirty="0"/>
-          </a:p>
-          <a:p>
-            <a:endParaRPr lang="en-GB" dirty="0"/>
-          </a:p>
-          <a:p>
-            <a:endParaRPr lang="en-GB" dirty="0"/>
-          </a:p>
-          <a:p>
-            <a:endParaRPr lang="en-SE" dirty="0"/>
-          </a:p>
-        </p:txBody>
-      </p:sp>
-    </p:spTree>
-    <p:extLst>
-      <p:ext uri="{BB962C8B-B14F-4D97-AF65-F5344CB8AC3E}">
-        <p14:creationId xmlns:p14="http://schemas.microsoft.com/office/powerpoint/2010/main" val="210011671"/>
-      </p:ext>
-    </p:extLst>
-  </p:cSld>
-  <p:clrMapOvr>
-    <a:masterClrMapping/>
-  </p:clrMapOvr>
-  <p:transition/>
-</p:sld>
-</file>
-
-<file path=ppt/slides/slide8.xml><?xml version="1.0" encoding="utf-8"?>
-<p:sld xmlns:a="http://schemas.openxmlformats.org/drawingml/2006/main" xmlns:r="http://schemas.openxmlformats.org/officeDocument/2006/relationships" xmlns:p="http://schemas.openxmlformats.org/presentationml/2006/main">
-  <p:cSld>
-    <p:spTree>
-      <p:nvGrpSpPr>
-        <p:cNvPr id="1" name=""/>
-        <p:cNvGrpSpPr/>
-        <p:nvPr/>
-      </p:nvGrpSpPr>
-      <p:grpSpPr>
-        <a:xfrm>
-          <a:off x="0" y="0"/>
-          <a:ext cx="0" cy="0"/>
-          <a:chOff x="0" y="0"/>
-          <a:chExt cx="0" cy="0"/>
-        </a:xfrm>
-      </p:grpSpPr>
-      <p:sp>
-        <p:nvSpPr>
-          <p:cNvPr id="2" name="Title 1">
-            <a:extLst>
-              <a:ext uri="{FF2B5EF4-FFF2-40B4-BE49-F238E27FC236}">
-                <a16:creationId xmlns:a16="http://schemas.microsoft.com/office/drawing/2014/main" id="{DA332A10-41A5-9895-0B16-ACEA70293288}"/>
-              </a:ext>
-            </a:extLst>
-          </p:cNvPr>
-          <p:cNvSpPr>
-            <a:spLocks noGrp="1"/>
-          </p:cNvSpPr>
-          <p:nvPr>
-            <p:ph type="title"/>
-          </p:nvPr>
-        </p:nvSpPr>
-        <p:spPr/>
-        <p:txBody>
-          <a:bodyPr/>
-          <a:lstStyle/>
-          <a:p>
-            <a:r>
-              <a:rPr lang="en-GB" dirty="0"/>
-              <a:t>Quiz: Dining Lawyers III</a:t>
-            </a:r>
-            <a:endParaRPr lang="en-SE" dirty="0"/>
-          </a:p>
-        </p:txBody>
-      </p:sp>
-      <p:sp>
-        <p:nvSpPr>
-          <p:cNvPr id="3" name="Content Placeholder 2">
-            <a:extLst>
-              <a:ext uri="{FF2B5EF4-FFF2-40B4-BE49-F238E27FC236}">
-                <a16:creationId xmlns:a16="http://schemas.microsoft.com/office/drawing/2014/main" id="{E9304C07-65AC-81BF-04CE-B8BAC4C0342A}"/>
-              </a:ext>
-            </a:extLst>
-          </p:cNvPr>
-          <p:cNvSpPr>
-            <a:spLocks noGrp="1"/>
-          </p:cNvSpPr>
-          <p:nvPr>
-            <p:ph idx="1"/>
-          </p:nvPr>
-        </p:nvSpPr>
-        <p:spPr/>
-        <p:txBody>
-          <a:bodyPr>
-            <a:normAutofit fontScale="92500" lnSpcReduction="10000"/>
-          </a:bodyPr>
-          <a:lstStyle/>
-          <a:p>
-            <a:r>
-              <a:rPr lang="en-GB" dirty="0"/>
-              <a:t>If each lawyer has 4 arms, and there is a pile of knives and forks at </a:t>
-            </a:r>
-            <a:r>
-              <a:rPr lang="en-GB" dirty="0" err="1"/>
-              <a:t>center</a:t>
-            </a:r>
-            <a:r>
-              <a:rPr lang="en-GB" dirty="0"/>
-              <a:t> of the table. Assume there are at least 2 knives and 2 forks, so at least one lawyer can eat. Each lawyer follows the following steps:</a:t>
-            </a:r>
-          </a:p>
-          <a:p>
-            <a:r>
-              <a:rPr lang="en-GB" dirty="0"/>
-              <a:t>(1) Pick up a knife </a:t>
-            </a:r>
-          </a:p>
-          <a:p>
-            <a:r>
-              <a:rPr lang="en-GB" dirty="0"/>
-              <a:t>(2) Pick up another knife</a:t>
-            </a:r>
-          </a:p>
-          <a:p>
-            <a:r>
-              <a:rPr lang="en-GB" dirty="0"/>
-              <a:t>(3) Pick up a fork </a:t>
-            </a:r>
-          </a:p>
-          <a:p>
-            <a:r>
-              <a:rPr lang="en-GB" dirty="0"/>
-              <a:t>(4) Pick up another fork</a:t>
-            </a:r>
-          </a:p>
-          <a:p>
-            <a:r>
-              <a:rPr lang="en-GB" dirty="0"/>
-              <a:t>(5) Eat</a:t>
-            </a:r>
-          </a:p>
-          <a:p>
-            <a:r>
-              <a:rPr lang="en-GB" dirty="0"/>
-              <a:t>(6) Return the knife and fork to the pile </a:t>
-            </a:r>
-          </a:p>
-          <a:p>
-            <a:r>
-              <a:rPr lang="en-GB" dirty="0"/>
-              <a:t>Q1: Can the system be deadlocked?</a:t>
-            </a:r>
-          </a:p>
-          <a:p>
-            <a:r>
-              <a:rPr lang="en-GB" dirty="0"/>
-              <a:t>Q2: What if each lawyer may have a different number of arms, and may request a different ratio of knives vs. forks?</a:t>
-            </a:r>
-          </a:p>
-        </p:txBody>
-      </p:sp>
-    </p:spTree>
-    <p:extLst>
-      <p:ext uri="{BB962C8B-B14F-4D97-AF65-F5344CB8AC3E}">
-        <p14:creationId xmlns:p14="http://schemas.microsoft.com/office/powerpoint/2010/main" val="2996913365"/>
-      </p:ext>
-    </p:extLst>
-  </p:cSld>
-  <p:clrMapOvr>
-    <a:masterClrMapping/>
-  </p:clrMapOvr>
-  <p:transition/>
-</p:sld>
-</file>
-
-<file path=ppt/slides/slide9.xml><?xml version="1.0" encoding="utf-8"?>
-<p:sld xmlns:a="http://schemas.openxmlformats.org/drawingml/2006/main" xmlns:r="http://schemas.openxmlformats.org/officeDocument/2006/relationships" xmlns:p="http://schemas.openxmlformats.org/presentationml/2006/main">
-  <p:cSld>
-    <p:spTree>
-      <p:nvGrpSpPr>
-        <p:cNvPr id="1" name=""/>
-        <p:cNvGrpSpPr/>
-        <p:nvPr/>
-      </p:nvGrpSpPr>
-      <p:grpSpPr>
-        <a:xfrm>
-          <a:off x="0" y="0"/>
-          <a:ext cx="0" cy="0"/>
-          <a:chOff x="0" y="0"/>
-          <a:chExt cx="0" cy="0"/>
-        </a:xfrm>
-      </p:grpSpPr>
-      <p:sp>
-        <p:nvSpPr>
-          <p:cNvPr id="2" name="Title 1">
-            <a:extLst>
-              <a:ext uri="{FF2B5EF4-FFF2-40B4-BE49-F238E27FC236}">
-                <a16:creationId xmlns:a16="http://schemas.microsoft.com/office/drawing/2014/main" id="{B15C7A1E-92F2-8D72-D28F-25A8DA3DA403}"/>
-              </a:ext>
-            </a:extLst>
-          </p:cNvPr>
-          <p:cNvSpPr>
-            <a:spLocks noGrp="1"/>
-          </p:cNvSpPr>
-          <p:nvPr>
-            <p:ph type="title"/>
-          </p:nvPr>
-        </p:nvSpPr>
-        <p:spPr/>
-        <p:txBody>
-          <a:bodyPr/>
-          <a:lstStyle/>
-          <a:p>
-            <a:r>
-              <a:rPr lang="en-GB" dirty="0"/>
-              <a:t>Quiz: Banker’s algorithm</a:t>
-            </a:r>
-            <a:endParaRPr lang="en-SE" dirty="0"/>
-          </a:p>
-        </p:txBody>
-      </p:sp>
-      <mc:AlternateContent xmlns:mc="http://schemas.openxmlformats.org/markup-compatibility/2006" xmlns:a14="http://schemas.microsoft.com/office/drawing/2010/main">
-        <mc:Choice Requires="a14">
-          <p:sp>
-            <p:nvSpPr>
-              <p:cNvPr id="6" name="Object 4">
-                <a:extLst>
-                  <a:ext uri="{FF2B5EF4-FFF2-40B4-BE49-F238E27FC236}">
-                    <a16:creationId xmlns:a16="http://schemas.microsoft.com/office/drawing/2014/main" id="{BFFEFB49-0AA8-B6B6-3070-8CE7F63F52DD}"/>
-                  </a:ext>
-                </a:extLst>
-              </p:cNvPr>
-              <p:cNvSpPr txBox="1"/>
-              <p:nvPr/>
-            </p:nvSpPr>
-            <p:spPr bwMode="auto">
-              <a:xfrm>
-                <a:off x="5486159" y="2355881"/>
-                <a:ext cx="2506222" cy="2430207"/>
-              </a:xfrm>
-              <a:prstGeom prst="rect">
-                <a:avLst/>
-              </a:prstGeom>
-              <a:noFill/>
-            </p:spPr>
-            <p:txBody>
-              <a:bodyPr>
-                <a:normAutofit/>
-              </a:bodyPr>
-              <a:lstStyle/>
-              <a:p>
-                <a:pPr/>
-                <a14:m>
-                  <m:oMathPara xmlns:m="http://schemas.openxmlformats.org/officeDocument/2006/math">
-                    <m:oMathParaPr>
-                      <m:jc m:val="left"/>
-                    </m:oMathParaPr>
-                    <m:oMath xmlns:m="http://schemas.openxmlformats.org/officeDocument/2006/math">
-                      <m:r>
-                        <a:rPr lang="en-SE" sz="2400" i="1" smtClean="0">
-                          <a:solidFill>
-                            <a:srgbClr val="000000"/>
-                          </a:solidFill>
-                          <a:latin typeface="Cambria Math" panose="02040503050406030204" pitchFamily="18" charset="0"/>
-                        </a:rPr>
-                        <m:t>𝑅</m:t>
-                      </m:r>
-                      <m:r>
-                        <a:rPr lang="en-SE" sz="2400" i="1" smtClean="0">
-                          <a:solidFill>
-                            <a:srgbClr val="000000"/>
-                          </a:solidFill>
-                          <a:latin typeface="Cambria Math" panose="02040503050406030204" pitchFamily="18" charset="0"/>
-                        </a:rPr>
-                        <m:t>=</m:t>
-                      </m:r>
-                      <m:d>
-                        <m:dPr>
-                          <m:begChr m:val="["/>
-                          <m:endChr m:val="]"/>
-                          <m:ctrlPr>
-                            <a:rPr lang="en-SE" sz="2400" i="1">
-                              <a:solidFill>
-                                <a:srgbClr val="000000"/>
-                              </a:solidFill>
-                              <a:latin typeface="Cambria Math" panose="02040503050406030204" pitchFamily="18" charset="0"/>
-                            </a:rPr>
-                          </m:ctrlPr>
-                        </m:dPr>
-                        <m:e>
-                          <m:m>
-                            <m:mPr>
-                              <m:mcs>
-                                <m:mc>
-                                  <m:mcPr>
-                                    <m:count m:val="3"/>
-                                    <m:mcJc m:val="center"/>
-                                  </m:mcPr>
-                                </m:mc>
-                              </m:mcs>
-                              <m:ctrlPr>
-                                <a:rPr lang="en-SE" sz="2400" b="0" i="1">
-                                  <a:solidFill>
-                                    <a:srgbClr val="000000"/>
-                                  </a:solidFill>
-                                  <a:latin typeface="Cambria Math" panose="02040503050406030204" pitchFamily="18" charset="0"/>
-                                </a:rPr>
-                              </m:ctrlPr>
-                            </m:mPr>
-                            <m:mr>
-                              <m:e>
-                                <m:r>
-                                  <a:rPr lang="en-GB" sz="2400" b="0" i="0" smtClean="0">
-                                    <a:solidFill>
-                                      <a:srgbClr val="000000"/>
-                                    </a:solidFill>
-                                    <a:latin typeface="Cambria Math" panose="02040503050406030204" pitchFamily="18" charset="0"/>
-                                  </a:rPr>
-                                  <m:t>7</m:t>
-                                </m:r>
-                              </m:e>
-                              <m:e>
-                                <m:r>
-                                  <a:rPr lang="en-GB" sz="2400" b="0" i="0" smtClean="0">
-                                    <a:solidFill>
-                                      <a:srgbClr val="000000"/>
-                                    </a:solidFill>
-                                    <a:latin typeface="Cambria Math" panose="02040503050406030204" pitchFamily="18" charset="0"/>
-                                  </a:rPr>
-                                  <m:t>5</m:t>
-                                </m:r>
-                              </m:e>
-                              <m:e>
-                                <m:r>
-                                  <a:rPr lang="en-GB" sz="2400" b="0" i="0" smtClean="0">
-                                    <a:solidFill>
-                                      <a:srgbClr val="000000"/>
-                                    </a:solidFill>
-                                    <a:latin typeface="Cambria Math" panose="02040503050406030204" pitchFamily="18" charset="0"/>
-                                  </a:rPr>
-                                  <m:t>3</m:t>
-                                </m:r>
-                              </m:e>
-                            </m:mr>
-                            <m:mr>
-                              <m:e>
-                                <m:r>
-                                  <a:rPr lang="en-GB" sz="2400" b="0" i="0" smtClean="0">
-                                    <a:solidFill>
-                                      <a:srgbClr val="000000"/>
-                                    </a:solidFill>
-                                    <a:latin typeface="Cambria Math" panose="02040503050406030204" pitchFamily="18" charset="0"/>
-                                  </a:rPr>
-                                  <m:t>3</m:t>
-                                </m:r>
-                              </m:e>
-                              <m:e>
-                                <m:r>
-                                  <a:rPr lang="en-GB" sz="2400" b="0" i="0" smtClean="0">
-                                    <a:solidFill>
-                                      <a:srgbClr val="000000"/>
-                                    </a:solidFill>
-                                    <a:latin typeface="Cambria Math" panose="02040503050406030204" pitchFamily="18" charset="0"/>
-                                  </a:rPr>
-                                  <m:t>2</m:t>
-                                </m:r>
-                              </m:e>
-                              <m:e>
-                                <m:r>
-                                  <a:rPr lang="en-GB" sz="2400" b="0" i="0" smtClean="0">
-                                    <a:solidFill>
-                                      <a:srgbClr val="000000"/>
-                                    </a:solidFill>
-                                    <a:latin typeface="Cambria Math" panose="02040503050406030204" pitchFamily="18" charset="0"/>
-                                  </a:rPr>
-                                  <m:t>2</m:t>
-                                </m:r>
-                              </m:e>
-                            </m:mr>
-                            <m:mr>
-                              <m:e>
-                                <m:r>
-                                  <a:rPr lang="en-GB" sz="2400" b="0" i="0" smtClean="0">
-                                    <a:solidFill>
-                                      <a:srgbClr val="000000"/>
-                                    </a:solidFill>
-                                    <a:latin typeface="Cambria Math" panose="02040503050406030204" pitchFamily="18" charset="0"/>
-                                  </a:rPr>
-                                  <m:t>9</m:t>
-                                </m:r>
-                              </m:e>
-                              <m:e>
-                                <m:r>
-                                  <a:rPr lang="en-GB" sz="2400" b="0" i="0" smtClean="0">
-                                    <a:solidFill>
-                                      <a:srgbClr val="000000"/>
-                                    </a:solidFill>
-                                    <a:latin typeface="Cambria Math" panose="02040503050406030204" pitchFamily="18" charset="0"/>
-                                  </a:rPr>
-                                  <m:t>0</m:t>
-                                </m:r>
-                              </m:e>
-                              <m:e>
-                                <m:r>
-                                  <a:rPr lang="en-GB" sz="2400" b="0" i="0" smtClean="0">
-                                    <a:solidFill>
-                                      <a:srgbClr val="000000"/>
-                                    </a:solidFill>
-                                    <a:latin typeface="Cambria Math" panose="02040503050406030204" pitchFamily="18" charset="0"/>
-                                  </a:rPr>
-                                  <m:t>2</m:t>
-                                </m:r>
-                              </m:e>
-                            </m:mr>
-                            <m:mr>
-                              <m:e>
-                                <m:r>
-                                  <a:rPr lang="en-GB" sz="2400" b="0" i="0" smtClean="0">
-                                    <a:solidFill>
-                                      <a:srgbClr val="000000"/>
-                                    </a:solidFill>
-                                    <a:latin typeface="Cambria Math" panose="02040503050406030204" pitchFamily="18" charset="0"/>
-                                  </a:rPr>
-                                  <m:t>2</m:t>
-                                </m:r>
-                              </m:e>
-                              <m:e>
-                                <m:r>
-                                  <a:rPr lang="en-GB" sz="2400" b="0" i="0" smtClean="0">
-                                    <a:solidFill>
-                                      <a:srgbClr val="000000"/>
-                                    </a:solidFill>
-                                    <a:latin typeface="Cambria Math" panose="02040503050406030204" pitchFamily="18" charset="0"/>
-                                  </a:rPr>
-                                  <m:t>2</m:t>
-                                </m:r>
-                              </m:e>
-                              <m:e>
-                                <m:r>
-                                  <a:rPr lang="en-GB" sz="2400" b="0" i="0" smtClean="0">
-                                    <a:solidFill>
-                                      <a:srgbClr val="000000"/>
-                                    </a:solidFill>
-                                    <a:latin typeface="Cambria Math" panose="02040503050406030204" pitchFamily="18" charset="0"/>
-                                  </a:rPr>
-                                  <m:t>2</m:t>
-                                </m:r>
-                              </m:e>
-                            </m:mr>
-                            <m:mr>
-                              <m:e>
-                                <m:r>
-                                  <a:rPr lang="en-GB" sz="2400" b="0" i="0" smtClean="0">
-                                    <a:solidFill>
-                                      <a:srgbClr val="000000"/>
-                                    </a:solidFill>
-                                    <a:latin typeface="Cambria Math" panose="02040503050406030204" pitchFamily="18" charset="0"/>
-                                  </a:rPr>
-                                  <m:t>4</m:t>
-                                </m:r>
-                              </m:e>
-                              <m:e>
-                                <m:r>
-                                  <a:rPr lang="en-GB" sz="2400" b="0" i="0" smtClean="0">
-                                    <a:solidFill>
-                                      <a:srgbClr val="000000"/>
-                                    </a:solidFill>
-                                    <a:latin typeface="Cambria Math" panose="02040503050406030204" pitchFamily="18" charset="0"/>
-                                  </a:rPr>
-                                  <m:t>3</m:t>
-                                </m:r>
-                              </m:e>
-                              <m:e>
-                                <m:r>
-                                  <a:rPr lang="en-GB" sz="2400" b="0" i="0" smtClean="0">
-                                    <a:solidFill>
-                                      <a:srgbClr val="000000"/>
-                                    </a:solidFill>
-                                    <a:latin typeface="Cambria Math" panose="02040503050406030204" pitchFamily="18" charset="0"/>
-                                  </a:rPr>
-                                  <m:t>3</m:t>
-                                </m:r>
-                              </m:e>
-                            </m:mr>
-                          </m:m>
-                        </m:e>
-                      </m:d>
-                    </m:oMath>
-                  </m:oMathPara>
-                </a14:m>
-                <a:endParaRPr lang="en-SE" sz="2000" dirty="0"/>
-              </a:p>
-            </p:txBody>
-          </p:sp>
-        </mc:Choice>
-        <mc:Fallback xmlns="">
-          <p:sp>
-            <p:nvSpPr>
-              <p:cNvPr id="6" name="Object 4">
-                <a:extLst>
-                  <a:ext uri="{FF2B5EF4-FFF2-40B4-BE49-F238E27FC236}">
-                    <a16:creationId xmlns:a16="http://schemas.microsoft.com/office/drawing/2014/main" id="{BFFEFB49-0AA8-B6B6-3070-8CE7F63F52DD}"/>
-                  </a:ext>
-                </a:extLst>
-              </p:cNvPr>
-              <p:cNvSpPr txBox="1">
-                <a:spLocks noRot="1" noChangeAspect="1" noMove="1" noResize="1" noEditPoints="1" noAdjustHandles="1" noChangeArrowheads="1" noChangeShapeType="1" noTextEdit="1"/>
-              </p:cNvSpPr>
-              <p:nvPr/>
-            </p:nvSpPr>
-            <p:spPr bwMode="auto">
-              <a:xfrm>
-                <a:off x="5486159" y="2355881"/>
-                <a:ext cx="2506222" cy="2430207"/>
-              </a:xfrm>
-              <a:prstGeom prst="rect">
-                <a:avLst/>
-              </a:prstGeom>
-              <a:blipFill>
-                <a:blip r:embed="rId2"/>
-                <a:stretch>
-                  <a:fillRect/>
-                </a:stretch>
-              </a:blipFill>
-            </p:spPr>
-            <p:txBody>
-              <a:bodyPr/>
-              <a:lstStyle/>
-              <a:p>
-                <a:r>
-                  <a:rPr lang="en-SE">
-                    <a:noFill/>
-                  </a:rPr>
-                  <a:t> </a:t>
-                </a:r>
-              </a:p>
-            </p:txBody>
-          </p:sp>
-        </mc:Fallback>
-      </mc:AlternateContent>
-      <mc:AlternateContent xmlns:mc="http://schemas.openxmlformats.org/markup-compatibility/2006" xmlns:a14="http://schemas.microsoft.com/office/drawing/2010/main">
-        <mc:Choice Requires="a14">
-          <p:sp>
-            <p:nvSpPr>
-              <p:cNvPr id="8" name="Object 8">
-                <a:extLst>
-                  <a:ext uri="{FF2B5EF4-FFF2-40B4-BE49-F238E27FC236}">
-                    <a16:creationId xmlns:a16="http://schemas.microsoft.com/office/drawing/2014/main" id="{8B4A5A5E-888A-4AC1-CCA4-2666AECA4071}"/>
-                  </a:ext>
-                </a:extLst>
-              </p:cNvPr>
-              <p:cNvSpPr txBox="1"/>
-              <p:nvPr/>
-            </p:nvSpPr>
-            <p:spPr bwMode="auto">
-              <a:xfrm>
-                <a:off x="5766886" y="4745445"/>
-                <a:ext cx="2310314" cy="449263"/>
-              </a:xfrm>
-              <a:prstGeom prst="rect">
-                <a:avLst/>
-              </a:prstGeom>
-              <a:noFill/>
-            </p:spPr>
-            <p:txBody>
-              <a:bodyPr>
-                <a:noAutofit/>
-              </a:bodyPr>
-              <a:lstStyle/>
-              <a:p>
-                <a:pPr/>
-                <a14:m>
-                  <m:oMathPara xmlns:m="http://schemas.openxmlformats.org/officeDocument/2006/math">
-                    <m:oMathParaPr>
-                      <m:jc m:val="left"/>
-                    </m:oMathParaPr>
-                    <m:oMath xmlns:m="http://schemas.openxmlformats.org/officeDocument/2006/math">
-                      <m:r>
-                        <a:rPr lang="en-SE" sz="2400" b="0" i="1" smtClean="0">
-                          <a:solidFill>
-                            <a:srgbClr val="000000"/>
-                          </a:solidFill>
-                          <a:latin typeface="Cambria Math" panose="02040503050406030204" pitchFamily="18" charset="0"/>
-                        </a:rPr>
-                        <m:t>𝐸</m:t>
-                      </m:r>
-                      <m:r>
-                        <a:rPr lang="en-SE" sz="2400" b="0" i="0" smtClean="0">
-                          <a:solidFill>
-                            <a:srgbClr val="000000"/>
-                          </a:solidFill>
-                          <a:latin typeface="Cambria Math" panose="02040503050406030204" pitchFamily="18" charset="0"/>
-                        </a:rPr>
-                        <m:t>=</m:t>
-                      </m:r>
-                      <m:d>
-                        <m:dPr>
-                          <m:begChr m:val="["/>
-                          <m:endChr m:val="]"/>
-                          <m:ctrlPr>
-                            <a:rPr lang="en-SE" sz="2400" b="0" i="1">
-                              <a:solidFill>
-                                <a:srgbClr val="000000"/>
-                              </a:solidFill>
-                              <a:latin typeface="Cambria Math" panose="02040503050406030204" pitchFamily="18" charset="0"/>
-                            </a:rPr>
-                          </m:ctrlPr>
-                        </m:dPr>
-                        <m:e>
-                          <m:m>
-                            <m:mPr>
-                              <m:plcHide m:val="on"/>
-                              <m:mcs>
-                                <m:mc>
-                                  <m:mcPr>
-                                    <m:count m:val="3"/>
-                                    <m:mcJc m:val="center"/>
-                                  </m:mcPr>
-                                </m:mc>
-                              </m:mcs>
-                              <m:ctrlPr>
-                                <a:rPr lang="en-SE" sz="2400" b="0" i="1">
-                                  <a:solidFill>
-                                    <a:srgbClr val="000000"/>
-                                  </a:solidFill>
-                                  <a:latin typeface="Cambria Math" panose="02040503050406030204" pitchFamily="18" charset="0"/>
-                                </a:rPr>
-                              </m:ctrlPr>
-                            </m:mPr>
-                            <m:mr>
-                              <m:e>
-                                <m:r>
-                                  <a:rPr lang="en-GB" sz="2400" b="0" i="0" smtClean="0">
-                                    <a:solidFill>
-                                      <a:srgbClr val="000000"/>
-                                    </a:solidFill>
-                                    <a:latin typeface="Cambria Math" panose="02040503050406030204" pitchFamily="18" charset="0"/>
-                                  </a:rPr>
-                                  <m:t>10</m:t>
-                                </m:r>
-                              </m:e>
-                              <m:e>
-                                <m:r>
-                                  <a:rPr lang="en-GB" sz="2400" b="0" i="0" smtClean="0">
-                                    <a:solidFill>
-                                      <a:srgbClr val="000000"/>
-                                    </a:solidFill>
-                                    <a:latin typeface="Cambria Math" panose="02040503050406030204" pitchFamily="18" charset="0"/>
-                                  </a:rPr>
-                                  <m:t>5</m:t>
-                                </m:r>
-                              </m:e>
-                              <m:e>
-                                <m:r>
-                                  <a:rPr lang="en-GB" sz="2400" b="0" i="0" smtClean="0">
-                                    <a:solidFill>
-                                      <a:srgbClr val="000000"/>
-                                    </a:solidFill>
-                                    <a:latin typeface="Cambria Math" panose="02040503050406030204" pitchFamily="18" charset="0"/>
-                                  </a:rPr>
-                                  <m:t>7</m:t>
-                                </m:r>
-                              </m:e>
-                            </m:mr>
-                          </m:m>
-                        </m:e>
-                      </m:d>
-                    </m:oMath>
-                  </m:oMathPara>
-                </a14:m>
-                <a:endParaRPr lang="en-SE" sz="2400" b="0" dirty="0"/>
-              </a:p>
-            </p:txBody>
-          </p:sp>
-        </mc:Choice>
-        <mc:Fallback xmlns="">
-          <p:sp>
-            <p:nvSpPr>
-              <p:cNvPr id="8" name="Object 8">
-                <a:extLst>
-                  <a:ext uri="{FF2B5EF4-FFF2-40B4-BE49-F238E27FC236}">
-                    <a16:creationId xmlns:a16="http://schemas.microsoft.com/office/drawing/2014/main" id="{8B4A5A5E-888A-4AC1-CCA4-2666AECA4071}"/>
-                  </a:ext>
-                </a:extLst>
-              </p:cNvPr>
-              <p:cNvSpPr txBox="1">
-                <a:spLocks noRot="1" noChangeAspect="1" noMove="1" noResize="1" noEditPoints="1" noAdjustHandles="1" noChangeArrowheads="1" noChangeShapeType="1" noTextEdit="1"/>
-              </p:cNvSpPr>
-              <p:nvPr/>
-            </p:nvSpPr>
-            <p:spPr bwMode="auto">
-              <a:xfrm>
-                <a:off x="5766886" y="4745445"/>
-                <a:ext cx="2310314" cy="449263"/>
-              </a:xfrm>
-              <a:prstGeom prst="rect">
-                <a:avLst/>
-              </a:prstGeom>
-              <a:blipFill>
-                <a:blip r:embed="rId3"/>
-                <a:stretch>
-                  <a:fillRect l="-528" b="-2703"/>
-                </a:stretch>
-              </a:blipFill>
-            </p:spPr>
-            <p:txBody>
-              <a:bodyPr/>
-              <a:lstStyle/>
-              <a:p>
-                <a:r>
-                  <a:rPr lang="en-SE">
-                    <a:noFill/>
-                  </a:rPr>
-                  <a:t> </a:t>
-                </a:r>
-              </a:p>
-            </p:txBody>
-          </p:sp>
-        </mc:Fallback>
-      </mc:AlternateContent>
-      <p:sp>
-        <p:nvSpPr>
-          <p:cNvPr id="12" name="TextBox 11">
-            <a:extLst>
-              <a:ext uri="{FF2B5EF4-FFF2-40B4-BE49-F238E27FC236}">
-                <a16:creationId xmlns:a16="http://schemas.microsoft.com/office/drawing/2014/main" id="{05282522-2241-2BF8-0AD4-91AC8515D634}"/>
-              </a:ext>
-            </a:extLst>
-          </p:cNvPr>
-          <p:cNvSpPr txBox="1"/>
-          <p:nvPr/>
-        </p:nvSpPr>
-        <p:spPr>
-          <a:xfrm>
-            <a:off x="5364212" y="4400522"/>
-            <a:ext cx="2844048" cy="400110"/>
-          </a:xfrm>
-          <a:prstGeom prst="rect">
-            <a:avLst/>
-          </a:prstGeom>
-          <a:noFill/>
-        </p:spPr>
-        <p:txBody>
-          <a:bodyPr wrap="none" rtlCol="0">
-            <a:spAutoFit/>
-          </a:bodyPr>
-          <a:lstStyle/>
-          <a:p>
-            <a:r>
-              <a:rPr lang="en-GB" sz="2000" b="0" dirty="0">
-                <a:solidFill>
-                  <a:schemeClr val="dk1"/>
-                </a:solidFill>
-                <a:latin typeface="+mn-lt"/>
-                <a:ea typeface="+mn-ea"/>
-                <a:cs typeface="+mn-cs"/>
-              </a:rPr>
-              <a:t>Resources in existence</a:t>
-            </a:r>
-          </a:p>
-        </p:txBody>
-      </p:sp>
-      <p:sp>
-        <p:nvSpPr>
-          <p:cNvPr id="13" name="TextBox 12">
-            <a:extLst>
-              <a:ext uri="{FF2B5EF4-FFF2-40B4-BE49-F238E27FC236}">
-                <a16:creationId xmlns:a16="http://schemas.microsoft.com/office/drawing/2014/main" id="{A36F3C78-150B-401A-3DF8-FF4B619D2820}"/>
-              </a:ext>
-            </a:extLst>
-          </p:cNvPr>
-          <p:cNvSpPr txBox="1"/>
-          <p:nvPr/>
-        </p:nvSpPr>
-        <p:spPr>
-          <a:xfrm>
-            <a:off x="8836255" y="4400522"/>
-            <a:ext cx="2496196" cy="400110"/>
-          </a:xfrm>
-          <a:prstGeom prst="rect">
-            <a:avLst/>
-          </a:prstGeom>
-          <a:noFill/>
-        </p:spPr>
-        <p:txBody>
-          <a:bodyPr wrap="none" rtlCol="0">
-            <a:spAutoFit/>
-          </a:bodyPr>
-          <a:lstStyle/>
-          <a:p>
-            <a:r>
-              <a:rPr lang="en-GB" sz="2000" b="0" dirty="0">
-                <a:solidFill>
-                  <a:schemeClr val="dk1"/>
-                </a:solidFill>
-                <a:latin typeface="+mn-lt"/>
-                <a:ea typeface="+mn-ea"/>
-                <a:cs typeface="+mn-cs"/>
-              </a:rPr>
-              <a:t>Resources available</a:t>
-            </a:r>
-          </a:p>
-        </p:txBody>
-      </p:sp>
-      <p:sp>
-        <p:nvSpPr>
-          <p:cNvPr id="22" name="Rectangle 3">
-            <a:extLst>
-              <a:ext uri="{FF2B5EF4-FFF2-40B4-BE49-F238E27FC236}">
-                <a16:creationId xmlns:a16="http://schemas.microsoft.com/office/drawing/2014/main" id="{E6AF71B3-F5D1-B2DE-B835-5C8208F44553}"/>
-              </a:ext>
-            </a:extLst>
-          </p:cNvPr>
-          <p:cNvSpPr txBox="1">
-            <a:spLocks noChangeArrowheads="1"/>
-          </p:cNvSpPr>
-          <p:nvPr/>
-        </p:nvSpPr>
-        <p:spPr bwMode="auto">
-          <a:xfrm>
-            <a:off x="144889" y="1676400"/>
-            <a:ext cx="5100637" cy="4367213"/>
-          </a:xfrm>
-          <a:prstGeom prst="rect">
-            <a:avLst/>
-          </a:prstGeom>
-          <a:noFill/>
-          <a:ln w="9525">
-            <a:noFill/>
-            <a:miter lim="800000"/>
-            <a:headEnd/>
-            <a:tailEnd/>
-          </a:ln>
-        </p:spPr>
-        <p:txBody>
-          <a:bodyPr vert="horz" wrap="square" lIns="91440" tIns="45720" rIns="91440" bIns="45720" numCol="1" anchor="t" anchorCtr="0" compatLnSpc="1">
-            <a:prstTxWarp prst="textNoShape">
-              <a:avLst/>
-            </a:prstTxWarp>
-          </a:bodyPr>
-          <a:lstStyle>
-            <a:lvl1pPr marL="469900" indent="-469900" algn="l" rtl="0" eaLnBrk="1" fontAlgn="base" hangingPunct="1">
-              <a:spcBef>
-                <a:spcPct val="20000"/>
-              </a:spcBef>
-              <a:spcAft>
-                <a:spcPct val="0"/>
-              </a:spcAft>
-              <a:buClr>
-                <a:schemeClr val="bg2"/>
-              </a:buClr>
-              <a:buSzPct val="90000"/>
-              <a:buFont typeface="Wingdings" pitchFamily="2" charset="2"/>
-              <a:buChar char="]"/>
-              <a:defRPr sz="3200">
-                <a:solidFill>
-                  <a:schemeClr val="tx1"/>
-                </a:solidFill>
-                <a:latin typeface="+mn-lt"/>
-                <a:ea typeface="+mn-ea"/>
-                <a:cs typeface="+mn-cs"/>
-              </a:defRPr>
-            </a:lvl1pPr>
-            <a:lvl2pPr marL="908050" indent="-436563" algn="l" rtl="0" eaLnBrk="1" fontAlgn="base" hangingPunct="1">
-              <a:spcBef>
-                <a:spcPct val="20000"/>
-              </a:spcBef>
-              <a:spcAft>
-                <a:spcPct val="0"/>
-              </a:spcAft>
-              <a:buClr>
-                <a:schemeClr val="accent2"/>
-              </a:buClr>
-              <a:buSzPct val="85000"/>
-              <a:buFont typeface="Wingdings" pitchFamily="2" charset="2"/>
-              <a:buChar char="S"/>
-              <a:defRPr sz="2800">
-                <a:solidFill>
-                  <a:schemeClr val="tx1"/>
-                </a:solidFill>
-                <a:latin typeface="+mn-lt"/>
-              </a:defRPr>
-            </a:lvl2pPr>
-            <a:lvl3pPr marL="1377950" indent="-468313" algn="l" rtl="0" eaLnBrk="1" fontAlgn="base" hangingPunct="1">
-              <a:spcBef>
-                <a:spcPct val="20000"/>
-              </a:spcBef>
-              <a:spcAft>
-                <a:spcPct val="0"/>
-              </a:spcAft>
-              <a:buClr>
-                <a:schemeClr val="bg2"/>
-              </a:buClr>
-              <a:buSzPct val="75000"/>
-              <a:buFont typeface="Wingdings" pitchFamily="2" charset="2"/>
-              <a:buChar char="l"/>
-              <a:defRPr sz="2400">
-                <a:solidFill>
-                  <a:schemeClr val="tx1"/>
-                </a:solidFill>
-                <a:latin typeface="+mn-lt"/>
-              </a:defRPr>
-            </a:lvl3pPr>
-            <a:lvl4pPr marL="1827213" indent="-438150" algn="l" rtl="0" eaLnBrk="1" fontAlgn="base" hangingPunct="1">
-              <a:spcBef>
-                <a:spcPct val="20000"/>
-              </a:spcBef>
-              <a:spcAft>
-                <a:spcPct val="0"/>
-              </a:spcAft>
-              <a:buClr>
-                <a:schemeClr val="accent2"/>
-              </a:buClr>
-              <a:buSzPct val="75000"/>
-              <a:buFont typeface="Wingdings" pitchFamily="2" charset="2"/>
-              <a:buChar char="n"/>
-              <a:defRPr sz="2000">
-                <a:solidFill>
-                  <a:schemeClr val="tx1"/>
-                </a:solidFill>
-                <a:latin typeface="+mn-lt"/>
-              </a:defRPr>
-            </a:lvl4pPr>
-            <a:lvl5pPr marL="2297113" indent="-468313" algn="l" rtl="0" eaLnBrk="1" fontAlgn="base" hangingPunct="1">
-              <a:spcBef>
-                <a:spcPct val="20000"/>
-              </a:spcBef>
-              <a:spcAft>
-                <a:spcPct val="0"/>
-              </a:spcAft>
-              <a:buClr>
-                <a:schemeClr val="accent1"/>
-              </a:buClr>
-              <a:buSzPct val="50000"/>
-              <a:buFont typeface="Wingdings" pitchFamily="2" charset="2"/>
-              <a:buChar char="o"/>
-              <a:defRPr sz="2000">
-                <a:solidFill>
-                  <a:schemeClr val="tx1"/>
-                </a:solidFill>
-                <a:latin typeface="+mn-lt"/>
-              </a:defRPr>
-            </a:lvl5pPr>
-            <a:lvl6pPr marL="2754313" indent="-468313" algn="l" rtl="0" eaLnBrk="1" fontAlgn="base" hangingPunct="1">
-              <a:spcBef>
-                <a:spcPct val="20000"/>
-              </a:spcBef>
-              <a:spcAft>
-                <a:spcPct val="0"/>
-              </a:spcAft>
-              <a:buClr>
-                <a:schemeClr val="accent1"/>
-              </a:buClr>
-              <a:buSzPct val="50000"/>
-              <a:buFont typeface="Wingdings" pitchFamily="2" charset="2"/>
-              <a:buChar char="o"/>
-              <a:defRPr sz="2000">
-                <a:solidFill>
-                  <a:schemeClr val="tx1"/>
-                </a:solidFill>
-                <a:latin typeface="+mn-lt"/>
-              </a:defRPr>
-            </a:lvl6pPr>
-            <a:lvl7pPr marL="3211513" indent="-468313" algn="l" rtl="0" eaLnBrk="1" fontAlgn="base" hangingPunct="1">
-              <a:spcBef>
-                <a:spcPct val="20000"/>
-              </a:spcBef>
-              <a:spcAft>
-                <a:spcPct val="0"/>
-              </a:spcAft>
-              <a:buClr>
-                <a:schemeClr val="accent1"/>
-              </a:buClr>
-              <a:buSzPct val="50000"/>
-              <a:buFont typeface="Wingdings" pitchFamily="2" charset="2"/>
-              <a:buChar char="o"/>
-              <a:defRPr sz="2000">
-                <a:solidFill>
-                  <a:schemeClr val="tx1"/>
-                </a:solidFill>
-                <a:latin typeface="+mn-lt"/>
-              </a:defRPr>
-            </a:lvl7pPr>
-            <a:lvl8pPr marL="3668713" indent="-468313" algn="l" rtl="0" eaLnBrk="1" fontAlgn="base" hangingPunct="1">
-              <a:spcBef>
-                <a:spcPct val="20000"/>
-              </a:spcBef>
-              <a:spcAft>
-                <a:spcPct val="0"/>
-              </a:spcAft>
-              <a:buClr>
-                <a:schemeClr val="accent1"/>
-              </a:buClr>
-              <a:buSzPct val="50000"/>
-              <a:buFont typeface="Wingdings" pitchFamily="2" charset="2"/>
-              <a:buChar char="o"/>
-              <a:defRPr sz="2000">
-                <a:solidFill>
-                  <a:schemeClr val="tx1"/>
-                </a:solidFill>
-                <a:latin typeface="+mn-lt"/>
-              </a:defRPr>
-            </a:lvl8pPr>
-            <a:lvl9pPr marL="4125913" indent="-468313" algn="l" rtl="0" eaLnBrk="1" fontAlgn="base" hangingPunct="1">
-              <a:spcBef>
-                <a:spcPct val="20000"/>
-              </a:spcBef>
-              <a:spcAft>
-                <a:spcPct val="0"/>
-              </a:spcAft>
-              <a:buClr>
-                <a:schemeClr val="accent1"/>
-              </a:buClr>
-              <a:buSzPct val="50000"/>
-              <a:buFont typeface="Wingdings" pitchFamily="2" charset="2"/>
-              <a:buChar char="o"/>
-              <a:defRPr sz="2000">
-                <a:solidFill>
-                  <a:schemeClr val="tx1"/>
-                </a:solidFill>
-                <a:latin typeface="+mn-lt"/>
-              </a:defRPr>
-            </a:lvl9pPr>
-          </a:lstStyle>
-          <a:p>
-            <a:pPr>
-              <a:lnSpc>
-                <a:spcPct val="90000"/>
-              </a:lnSpc>
-            </a:pPr>
-            <a:r>
-              <a:rPr lang="en-GB" altLang="zh-CN" sz="2800" b="0" kern="0" dirty="0">
-                <a:latin typeface="Gill Sans" panose="020B0502020104020203"/>
-                <a:ea typeface="宋体" charset="-122"/>
-              </a:rPr>
-              <a:t>4 threads P0 through P4; 4 resource types with 10, 5, 6, 5 instances each.</a:t>
-            </a:r>
-          </a:p>
-          <a:p>
-            <a:pPr>
-              <a:lnSpc>
-                <a:spcPct val="90000"/>
-              </a:lnSpc>
-            </a:pPr>
-            <a:r>
-              <a:rPr lang="en-GB" altLang="zh-CN" sz="2800" b="0" kern="0" dirty="0">
-                <a:latin typeface="Gill Sans" panose="020B0502020104020203"/>
-                <a:ea typeface="宋体" charset="-122"/>
-              </a:rPr>
-              <a:t>Current system state  encoded in matrices </a:t>
-            </a:r>
-            <a:r>
-              <a:rPr lang="en-GB" altLang="zh-CN" sz="2800" b="0" i="1" kern="0" dirty="0">
-                <a:latin typeface="Gill Sans" panose="020B0502020104020203"/>
-                <a:ea typeface="宋体" charset="-122"/>
-              </a:rPr>
-              <a:t>R, C </a:t>
-            </a:r>
-            <a:r>
-              <a:rPr lang="en-GB" altLang="zh-CN" sz="2800" b="0" kern="0" dirty="0">
-                <a:latin typeface="Gill Sans" panose="020B0502020104020203"/>
-                <a:ea typeface="宋体" charset="-122"/>
-              </a:rPr>
-              <a:t>and vector </a:t>
-            </a:r>
-            <a:r>
-              <a:rPr lang="en-GB" altLang="zh-CN" sz="2800" b="0" i="1" kern="0" dirty="0">
-                <a:latin typeface="Gill Sans" panose="020B0502020104020203"/>
-                <a:ea typeface="宋体" charset="-122"/>
-              </a:rPr>
-              <a:t>E.</a:t>
-            </a:r>
-          </a:p>
-          <a:p>
-            <a:pPr>
-              <a:lnSpc>
-                <a:spcPct val="90000"/>
-              </a:lnSpc>
-            </a:pPr>
-            <a:endParaRPr lang="en-US" altLang="zh-CN" sz="2400" b="0" kern="0" dirty="0">
-              <a:latin typeface="Gill Sans" panose="020B0502020104020203"/>
-              <a:ea typeface="宋体" charset="-122"/>
-            </a:endParaRPr>
-          </a:p>
-        </p:txBody>
-      </p:sp>
-      <mc:AlternateContent xmlns:mc="http://schemas.openxmlformats.org/markup-compatibility/2006" xmlns:a14="http://schemas.microsoft.com/office/drawing/2010/main">
-        <mc:Choice Requires="a14">
-          <p:sp>
-            <p:nvSpPr>
-              <p:cNvPr id="35" name="Object 4">
-                <a:extLst>
-                  <a:ext uri="{FF2B5EF4-FFF2-40B4-BE49-F238E27FC236}">
-                    <a16:creationId xmlns:a16="http://schemas.microsoft.com/office/drawing/2014/main" id="{376BA3C3-16D1-1577-C8A1-E66E0B609483}"/>
-                  </a:ext>
-                </a:extLst>
-              </p:cNvPr>
-              <p:cNvSpPr txBox="1"/>
-              <p:nvPr/>
-            </p:nvSpPr>
-            <p:spPr bwMode="auto">
-              <a:xfrm>
-                <a:off x="8910577" y="2315238"/>
-                <a:ext cx="2506222" cy="2430207"/>
-              </a:xfrm>
-              <a:prstGeom prst="rect">
-                <a:avLst/>
-              </a:prstGeom>
-              <a:noFill/>
-            </p:spPr>
-            <p:txBody>
-              <a:bodyPr>
-                <a:normAutofit/>
-              </a:bodyPr>
-              <a:lstStyle/>
-              <a:p>
-                <a:pPr/>
-                <a14:m>
-                  <m:oMathPara xmlns:m="http://schemas.openxmlformats.org/officeDocument/2006/math">
-                    <m:oMathParaPr>
-                      <m:jc m:val="left"/>
-                    </m:oMathParaPr>
-                    <m:oMath xmlns:m="http://schemas.openxmlformats.org/officeDocument/2006/math">
-                      <m:r>
-                        <a:rPr lang="en-GB" sz="2400" b="0" i="1" smtClean="0">
-                          <a:solidFill>
-                            <a:srgbClr val="000000"/>
-                          </a:solidFill>
-                          <a:latin typeface="Cambria Math" panose="02040503050406030204" pitchFamily="18" charset="0"/>
-                        </a:rPr>
-                        <m:t>𝐶</m:t>
-                      </m:r>
-                      <m:r>
-                        <a:rPr lang="en-SE" sz="2400" i="1" smtClean="0">
-                          <a:solidFill>
-                            <a:srgbClr val="000000"/>
-                          </a:solidFill>
-                          <a:latin typeface="Cambria Math" panose="02040503050406030204" pitchFamily="18" charset="0"/>
-                        </a:rPr>
-                        <m:t>=</m:t>
-                      </m:r>
-                      <m:d>
-                        <m:dPr>
-                          <m:begChr m:val="["/>
-                          <m:endChr m:val="]"/>
-                          <m:ctrlPr>
-                            <a:rPr lang="en-SE" sz="2400" i="1">
-                              <a:solidFill>
-                                <a:srgbClr val="000000"/>
-                              </a:solidFill>
-                              <a:latin typeface="Cambria Math" panose="02040503050406030204" pitchFamily="18" charset="0"/>
-                            </a:rPr>
-                          </m:ctrlPr>
-                        </m:dPr>
-                        <m:e>
-                          <m:m>
-                            <m:mPr>
-                              <m:mcs>
-                                <m:mc>
-                                  <m:mcPr>
-                                    <m:count m:val="3"/>
-                                    <m:mcJc m:val="center"/>
-                                  </m:mcPr>
-                                </m:mc>
-                              </m:mcs>
-                              <m:ctrlPr>
-                                <a:rPr lang="en-SE" sz="2400" b="0" i="1">
-                                  <a:solidFill>
-                                    <a:srgbClr val="000000"/>
-                                  </a:solidFill>
-                                  <a:latin typeface="Cambria Math" panose="02040503050406030204" pitchFamily="18" charset="0"/>
-                                </a:rPr>
-                              </m:ctrlPr>
-                            </m:mPr>
-                            <m:mr>
-                              <m:e>
-                                <m:r>
-                                  <m:rPr>
-                                    <m:brk m:alnAt="7"/>
-                                  </m:rPr>
-                                  <a:rPr lang="en-GB" sz="2400" b="0" i="0" smtClean="0">
-                                    <a:solidFill>
-                                      <a:srgbClr val="000000"/>
-                                    </a:solidFill>
-                                    <a:latin typeface="Cambria Math" panose="02040503050406030204" pitchFamily="18" charset="0"/>
-                                  </a:rPr>
-                                  <m:t>0</m:t>
-                                </m:r>
-                              </m:e>
-                              <m:e>
-                                <m:r>
-                                  <a:rPr lang="en-GB" sz="2400" b="0" i="0" smtClean="0">
-                                    <a:solidFill>
-                                      <a:srgbClr val="000000"/>
-                                    </a:solidFill>
-                                    <a:latin typeface="Cambria Math" panose="02040503050406030204" pitchFamily="18" charset="0"/>
-                                  </a:rPr>
-                                  <m:t>1</m:t>
-                                </m:r>
-                              </m:e>
-                              <m:e>
-                                <m:r>
-                                  <a:rPr lang="en-GB" sz="2400" b="0" i="0" smtClean="0">
-                                    <a:solidFill>
-                                      <a:srgbClr val="000000"/>
-                                    </a:solidFill>
-                                    <a:latin typeface="Cambria Math" panose="02040503050406030204" pitchFamily="18" charset="0"/>
-                                  </a:rPr>
-                                  <m:t>0</m:t>
-                                </m:r>
-                              </m:e>
-                            </m:mr>
-                            <m:mr>
-                              <m:e>
-                                <m:r>
-                                  <a:rPr lang="en-GB" sz="2400" b="0" i="0" smtClean="0">
-                                    <a:solidFill>
-                                      <a:srgbClr val="000000"/>
-                                    </a:solidFill>
-                                    <a:latin typeface="Cambria Math" panose="02040503050406030204" pitchFamily="18" charset="0"/>
-                                  </a:rPr>
-                                  <m:t>2</m:t>
-                                </m:r>
-                              </m:e>
-                              <m:e>
-                                <m:r>
-                                  <a:rPr lang="en-GB" sz="2400" b="0" i="0" smtClean="0">
-                                    <a:solidFill>
-                                      <a:srgbClr val="000000"/>
-                                    </a:solidFill>
-                                    <a:latin typeface="Cambria Math" panose="02040503050406030204" pitchFamily="18" charset="0"/>
-                                  </a:rPr>
-                                  <m:t>0</m:t>
-                                </m:r>
-                              </m:e>
-                              <m:e>
-                                <m:r>
-                                  <a:rPr lang="en-GB" sz="2400" b="0" i="0" smtClean="0">
-                                    <a:solidFill>
-                                      <a:srgbClr val="000000"/>
-                                    </a:solidFill>
-                                    <a:latin typeface="Cambria Math" panose="02040503050406030204" pitchFamily="18" charset="0"/>
-                                  </a:rPr>
-                                  <m:t>0</m:t>
-                                </m:r>
-                              </m:e>
-                            </m:mr>
-                            <m:mr>
-                              <m:e>
-                                <m:r>
-                                  <a:rPr lang="en-GB" sz="2400" b="0" i="0" smtClean="0">
-                                    <a:solidFill>
-                                      <a:srgbClr val="000000"/>
-                                    </a:solidFill>
-                                    <a:latin typeface="Cambria Math" panose="02040503050406030204" pitchFamily="18" charset="0"/>
-                                  </a:rPr>
-                                  <m:t>3</m:t>
-                                </m:r>
-                              </m:e>
-                              <m:e>
-                                <m:r>
-                                  <a:rPr lang="en-GB" sz="2400" b="0" i="0" smtClean="0">
-                                    <a:solidFill>
-                                      <a:srgbClr val="000000"/>
-                                    </a:solidFill>
-                                    <a:latin typeface="Cambria Math" panose="02040503050406030204" pitchFamily="18" charset="0"/>
-                                  </a:rPr>
-                                  <m:t>0</m:t>
-                                </m:r>
-                              </m:e>
-                              <m:e>
-                                <m:r>
-                                  <a:rPr lang="en-GB" sz="2400" b="0" i="0" smtClean="0">
-                                    <a:solidFill>
-                                      <a:srgbClr val="000000"/>
-                                    </a:solidFill>
-                                    <a:latin typeface="Cambria Math" panose="02040503050406030204" pitchFamily="18" charset="0"/>
-                                  </a:rPr>
-                                  <m:t>2</m:t>
-                                </m:r>
-                              </m:e>
-                            </m:mr>
-                            <m:mr>
-                              <m:e>
-                                <m:r>
-                                  <a:rPr lang="en-GB" sz="2400" b="0" i="0" smtClean="0">
-                                    <a:solidFill>
-                                      <a:srgbClr val="000000"/>
-                                    </a:solidFill>
-                                    <a:latin typeface="Cambria Math" panose="02040503050406030204" pitchFamily="18" charset="0"/>
-                                  </a:rPr>
-                                  <m:t>2</m:t>
-                                </m:r>
-                              </m:e>
-                              <m:e>
-                                <m:r>
-                                  <a:rPr lang="en-GB" sz="2400" b="0" i="0" smtClean="0">
-                                    <a:solidFill>
-                                      <a:srgbClr val="000000"/>
-                                    </a:solidFill>
-                                    <a:latin typeface="Cambria Math" panose="02040503050406030204" pitchFamily="18" charset="0"/>
-                                  </a:rPr>
-                                  <m:t>1</m:t>
-                                </m:r>
-                              </m:e>
-                              <m:e>
-                                <m:r>
-                                  <a:rPr lang="en-GB" sz="2400" b="0" i="0" smtClean="0">
-                                    <a:solidFill>
-                                      <a:srgbClr val="000000"/>
-                                    </a:solidFill>
-                                    <a:latin typeface="Cambria Math" panose="02040503050406030204" pitchFamily="18" charset="0"/>
-                                  </a:rPr>
-                                  <m:t>1</m:t>
-                                </m:r>
-                              </m:e>
-                            </m:mr>
-                            <m:mr>
-                              <m:e>
-                                <m:r>
-                                  <a:rPr lang="en-GB" sz="2400" b="0" i="0" smtClean="0">
-                                    <a:solidFill>
-                                      <a:srgbClr val="000000"/>
-                                    </a:solidFill>
-                                    <a:latin typeface="Cambria Math" panose="02040503050406030204" pitchFamily="18" charset="0"/>
-                                  </a:rPr>
-                                  <m:t>0</m:t>
-                                </m:r>
-                              </m:e>
-                              <m:e>
-                                <m:r>
-                                  <a:rPr lang="en-GB" sz="2400" b="0" i="0" smtClean="0">
-                                    <a:solidFill>
-                                      <a:srgbClr val="000000"/>
-                                    </a:solidFill>
-                                    <a:latin typeface="Cambria Math" panose="02040503050406030204" pitchFamily="18" charset="0"/>
-                                  </a:rPr>
-                                  <m:t>0</m:t>
-                                </m:r>
-                              </m:e>
-                              <m:e>
-                                <m:r>
-                                  <a:rPr lang="en-GB" sz="2400" b="0" i="0" smtClean="0">
-                                    <a:solidFill>
-                                      <a:srgbClr val="000000"/>
-                                    </a:solidFill>
-                                    <a:latin typeface="Cambria Math" panose="02040503050406030204" pitchFamily="18" charset="0"/>
-                                  </a:rPr>
-                                  <m:t>2</m:t>
-                                </m:r>
-                              </m:e>
-                            </m:mr>
-                          </m:m>
-                        </m:e>
-                      </m:d>
-                    </m:oMath>
-                  </m:oMathPara>
-                </a14:m>
-                <a:endParaRPr lang="en-SE" sz="2000" dirty="0"/>
-              </a:p>
-            </p:txBody>
-          </p:sp>
-        </mc:Choice>
-        <mc:Fallback xmlns="">
-          <p:sp>
-            <p:nvSpPr>
-              <p:cNvPr id="35" name="Object 4">
-                <a:extLst>
-                  <a:ext uri="{FF2B5EF4-FFF2-40B4-BE49-F238E27FC236}">
-                    <a16:creationId xmlns:a16="http://schemas.microsoft.com/office/drawing/2014/main" id="{376BA3C3-16D1-1577-C8A1-E66E0B609483}"/>
-                  </a:ext>
-                </a:extLst>
-              </p:cNvPr>
-              <p:cNvSpPr txBox="1">
-                <a:spLocks noRot="1" noChangeAspect="1" noMove="1" noResize="1" noEditPoints="1" noAdjustHandles="1" noChangeArrowheads="1" noChangeShapeType="1" noTextEdit="1"/>
-              </p:cNvSpPr>
-              <p:nvPr/>
-            </p:nvSpPr>
-            <p:spPr bwMode="auto">
-              <a:xfrm>
-                <a:off x="8910577" y="2315238"/>
-                <a:ext cx="2506222" cy="2430207"/>
-              </a:xfrm>
-              <a:prstGeom prst="rect">
-                <a:avLst/>
-              </a:prstGeom>
-              <a:blipFill>
-                <a:blip r:embed="rId4"/>
-                <a:stretch>
-                  <a:fillRect/>
-                </a:stretch>
-              </a:blipFill>
-            </p:spPr>
-            <p:txBody>
-              <a:bodyPr/>
-              <a:lstStyle/>
-              <a:p>
-                <a:r>
-                  <a:rPr lang="en-SE">
-                    <a:noFill/>
-                  </a:rPr>
-                  <a:t> </a:t>
-                </a:r>
-              </a:p>
-            </p:txBody>
-          </p:sp>
-        </mc:Fallback>
-      </mc:AlternateContent>
-      <mc:AlternateContent xmlns:mc="http://schemas.openxmlformats.org/markup-compatibility/2006" xmlns:a14="http://schemas.microsoft.com/office/drawing/2010/main">
-        <mc:Choice Requires="a14">
-          <p:sp>
-            <p:nvSpPr>
-              <p:cNvPr id="37" name="Object 8">
-                <a:extLst>
-                  <a:ext uri="{FF2B5EF4-FFF2-40B4-BE49-F238E27FC236}">
-                    <a16:creationId xmlns:a16="http://schemas.microsoft.com/office/drawing/2014/main" id="{E0B0D861-7422-6B09-1146-2956C9308FD5}"/>
-                  </a:ext>
-                </a:extLst>
-              </p:cNvPr>
-              <p:cNvSpPr txBox="1"/>
-              <p:nvPr/>
-            </p:nvSpPr>
-            <p:spPr bwMode="auto">
-              <a:xfrm>
-                <a:off x="9106956" y="4745445"/>
-                <a:ext cx="2225495" cy="449263"/>
-              </a:xfrm>
-              <a:prstGeom prst="rect">
-                <a:avLst/>
-              </a:prstGeom>
-              <a:noFill/>
-            </p:spPr>
-            <p:txBody>
-              <a:bodyPr>
-                <a:noAutofit/>
-              </a:bodyPr>
-              <a:lstStyle/>
-              <a:p>
-                <a:pPr/>
-                <a14:m>
-                  <m:oMathPara xmlns:m="http://schemas.openxmlformats.org/officeDocument/2006/math">
-                    <m:oMathParaPr>
-                      <m:jc m:val="left"/>
-                    </m:oMathParaPr>
-                    <m:oMath xmlns:m="http://schemas.openxmlformats.org/officeDocument/2006/math">
-                      <m:r>
-                        <a:rPr lang="en-GB" sz="2400" b="0" i="1" smtClean="0">
-                          <a:solidFill>
-                            <a:srgbClr val="000000"/>
-                          </a:solidFill>
-                          <a:latin typeface="Cambria Math" panose="02040503050406030204" pitchFamily="18" charset="0"/>
-                        </a:rPr>
-                        <m:t>𝐴</m:t>
-                      </m:r>
-                      <m:r>
-                        <a:rPr lang="en-SE" sz="2400" b="0" i="0" smtClean="0">
-                          <a:solidFill>
-                            <a:srgbClr val="000000"/>
-                          </a:solidFill>
-                          <a:latin typeface="Cambria Math" panose="02040503050406030204" pitchFamily="18" charset="0"/>
-                        </a:rPr>
-                        <m:t>=</m:t>
-                      </m:r>
-                      <m:d>
-                        <m:dPr>
-                          <m:begChr m:val="["/>
-                          <m:endChr m:val="]"/>
-                          <m:ctrlPr>
-                            <a:rPr lang="en-SE" sz="2400" b="0" i="1">
-                              <a:solidFill>
-                                <a:srgbClr val="000000"/>
-                              </a:solidFill>
-                              <a:latin typeface="Cambria Math" panose="02040503050406030204" pitchFamily="18" charset="0"/>
-                            </a:rPr>
-                          </m:ctrlPr>
-                        </m:dPr>
-                        <m:e>
-                          <m:m>
-                            <m:mPr>
-                              <m:plcHide m:val="on"/>
-                              <m:mcs>
-                                <m:mc>
-                                  <m:mcPr>
-                                    <m:count m:val="3"/>
-                                    <m:mcJc m:val="center"/>
-                                  </m:mcPr>
-                                </m:mc>
-                              </m:mcs>
-                              <m:ctrlPr>
-                                <a:rPr lang="en-SE" sz="2400" b="0" i="1">
-                                  <a:solidFill>
-                                    <a:srgbClr val="000000"/>
-                                  </a:solidFill>
-                                  <a:latin typeface="Cambria Math" panose="02040503050406030204" pitchFamily="18" charset="0"/>
-                                </a:rPr>
-                              </m:ctrlPr>
-                            </m:mPr>
-                            <m:mr>
-                              <m:e>
-                                <m:r>
-                                  <a:rPr lang="en-GB" sz="2400" b="0" i="0" smtClean="0">
-                                    <a:solidFill>
-                                      <a:srgbClr val="000000"/>
-                                    </a:solidFill>
-                                    <a:latin typeface="Cambria Math" panose="02040503050406030204" pitchFamily="18" charset="0"/>
-                                  </a:rPr>
-                                  <m:t>3</m:t>
-                                </m:r>
-                              </m:e>
-                              <m:e>
-                                <m:r>
-                                  <a:rPr lang="en-GB" sz="2400" b="0" i="0" smtClean="0">
-                                    <a:solidFill>
-                                      <a:srgbClr val="000000"/>
-                                    </a:solidFill>
-                                    <a:latin typeface="Cambria Math" panose="02040503050406030204" pitchFamily="18" charset="0"/>
-                                  </a:rPr>
-                                  <m:t>3</m:t>
-                                </m:r>
-                              </m:e>
-                              <m:e>
-                                <m:r>
-                                  <a:rPr lang="en-GB" sz="2400" b="0" i="0" smtClean="0">
-                                    <a:solidFill>
-                                      <a:srgbClr val="000000"/>
-                                    </a:solidFill>
-                                    <a:latin typeface="Cambria Math" panose="02040503050406030204" pitchFamily="18" charset="0"/>
-                                  </a:rPr>
-                                  <m:t>2</m:t>
-                                </m:r>
-                              </m:e>
-                            </m:mr>
-                          </m:m>
-                        </m:e>
-                      </m:d>
-                    </m:oMath>
-                  </m:oMathPara>
-                </a14:m>
-                <a:endParaRPr lang="en-SE" sz="2400" b="0" dirty="0"/>
-              </a:p>
-            </p:txBody>
-          </p:sp>
-        </mc:Choice>
-        <mc:Fallback xmlns="">
-          <p:sp>
-            <p:nvSpPr>
-              <p:cNvPr id="37" name="Object 8">
-                <a:extLst>
-                  <a:ext uri="{FF2B5EF4-FFF2-40B4-BE49-F238E27FC236}">
-                    <a16:creationId xmlns:a16="http://schemas.microsoft.com/office/drawing/2014/main" id="{E0B0D861-7422-6B09-1146-2956C9308FD5}"/>
-                  </a:ext>
-                </a:extLst>
-              </p:cNvPr>
-              <p:cNvSpPr txBox="1">
-                <a:spLocks noRot="1" noChangeAspect="1" noMove="1" noResize="1" noEditPoints="1" noAdjustHandles="1" noChangeArrowheads="1" noChangeShapeType="1" noTextEdit="1"/>
-              </p:cNvSpPr>
-              <p:nvPr/>
-            </p:nvSpPr>
-            <p:spPr bwMode="auto">
-              <a:xfrm>
-                <a:off x="9106956" y="4745445"/>
-                <a:ext cx="2225495" cy="449263"/>
-              </a:xfrm>
-              <a:prstGeom prst="rect">
-                <a:avLst/>
-              </a:prstGeom>
-              <a:blipFill>
-                <a:blip r:embed="rId5"/>
-                <a:stretch>
-                  <a:fillRect l="-822"/>
-                </a:stretch>
-              </a:blipFill>
-            </p:spPr>
-            <p:txBody>
-              <a:bodyPr/>
-              <a:lstStyle/>
-              <a:p>
-                <a:r>
-                  <a:rPr lang="en-SE">
-                    <a:noFill/>
-                  </a:rPr>
-                  <a:t> </a:t>
-                </a:r>
-              </a:p>
-            </p:txBody>
-          </p:sp>
-        </mc:Fallback>
-      </mc:AlternateContent>
-      <p:sp>
-        <p:nvSpPr>
-          <p:cNvPr id="38" name="TextBox 37">
-            <a:extLst>
-              <a:ext uri="{FF2B5EF4-FFF2-40B4-BE49-F238E27FC236}">
-                <a16:creationId xmlns:a16="http://schemas.microsoft.com/office/drawing/2014/main" id="{5DDFDB70-DB09-A8AE-ECFA-29BC2D3C2A06}"/>
-              </a:ext>
-            </a:extLst>
-          </p:cNvPr>
-          <p:cNvSpPr txBox="1"/>
-          <p:nvPr/>
-        </p:nvSpPr>
-        <p:spPr>
-          <a:xfrm>
-            <a:off x="5377716" y="1998174"/>
-            <a:ext cx="2520690" cy="400110"/>
-          </a:xfrm>
-          <a:prstGeom prst="rect">
-            <a:avLst/>
-          </a:prstGeom>
-          <a:noFill/>
-        </p:spPr>
-        <p:txBody>
-          <a:bodyPr wrap="none" rtlCol="0">
-            <a:spAutoFit/>
-          </a:bodyPr>
-          <a:lstStyle/>
-          <a:p>
-            <a:r>
-              <a:rPr lang="en-GB" sz="2000" b="0" dirty="0">
-                <a:solidFill>
-                  <a:schemeClr val="dk1"/>
-                </a:solidFill>
-                <a:latin typeface="+mn-lt"/>
-                <a:ea typeface="+mn-ea"/>
-                <a:cs typeface="+mn-cs"/>
-              </a:rPr>
-              <a:t>Total Request matrix</a:t>
-            </a:r>
-          </a:p>
-        </p:txBody>
-      </p:sp>
-      <p:sp>
-        <p:nvSpPr>
-          <p:cNvPr id="39" name="TextBox 38">
-            <a:extLst>
-              <a:ext uri="{FF2B5EF4-FFF2-40B4-BE49-F238E27FC236}">
-                <a16:creationId xmlns:a16="http://schemas.microsoft.com/office/drawing/2014/main" id="{3C668693-DC80-5EB2-C55A-1A4F500873ED}"/>
-              </a:ext>
-            </a:extLst>
-          </p:cNvPr>
-          <p:cNvSpPr txBox="1"/>
-          <p:nvPr/>
-        </p:nvSpPr>
-        <p:spPr>
-          <a:xfrm>
-            <a:off x="8821425" y="1998174"/>
-            <a:ext cx="2962671" cy="400110"/>
-          </a:xfrm>
-          <a:prstGeom prst="rect">
-            <a:avLst/>
-          </a:prstGeom>
-          <a:noFill/>
-        </p:spPr>
-        <p:txBody>
-          <a:bodyPr wrap="none" rtlCol="0">
-            <a:spAutoFit/>
-          </a:bodyPr>
-          <a:lstStyle/>
-          <a:p>
-            <a:r>
-              <a:rPr lang="en-GB" sz="2000" b="0" dirty="0">
-                <a:solidFill>
-                  <a:schemeClr val="dk1"/>
-                </a:solidFill>
-                <a:latin typeface="+mn-lt"/>
-                <a:ea typeface="+mn-ea"/>
-                <a:cs typeface="+mn-cs"/>
-              </a:rPr>
-              <a:t>Current allocation matrix</a:t>
-            </a:r>
-          </a:p>
-        </p:txBody>
-      </p:sp>
-    </p:spTree>
-    <p:extLst>
-      <p:ext uri="{BB962C8B-B14F-4D97-AF65-F5344CB8AC3E}">
-        <p14:creationId xmlns:p14="http://schemas.microsoft.com/office/powerpoint/2010/main" val="2238473376"/>
       </p:ext>
     </p:extLst>
   </p:cSld>
@@ -11171,7 +14204,7 @@
         <a:effectLst/>
         <a:extLst>
           <a:ext uri="{AF507438-7753-43e0-B8FC-AC1667EBCBE1}">
-            <a14:hiddenEffects xmlns:a14="http://schemas.microsoft.com/office/drawing/2010/main" xmlns="">
+            <a14:hiddenEffects xmlns="" xmlns:a14="http://schemas.microsoft.com/office/drawing/2010/main">
               <a:effectLst>
                 <a:outerShdw dist="35921" dir="2700000" algn="ctr" rotWithShape="0">
                   <a:schemeClr val="bg2"/>
@@ -11244,7 +14277,7 @@
         <a:effectLst/>
         <a:extLst>
           <a:ext uri="{AF507438-7753-43e0-B8FC-AC1667EBCBE1}">
-            <a14:hiddenEffects xmlns:a14="http://schemas.microsoft.com/office/drawing/2010/main" xmlns="">
+            <a14:hiddenEffects xmlns="" xmlns:a14="http://schemas.microsoft.com/office/drawing/2010/main">
               <a:effectLst>
                 <a:outerShdw dist="35921" dir="2700000" algn="ctr" rotWithShape="0">
                   <a:schemeClr val="bg2"/>

--- a/PPTs/L4-Exercises.pptx
+++ b/PPTs/L4-Exercises.pptx
@@ -5,24 +5,23 @@
     <p:sldMasterId id="2147483648" r:id="rId1"/>
   </p:sldMasterIdLst>
   <p:notesMasterIdLst>
-    <p:notesMasterId r:id="rId14"/>
+    <p:notesMasterId r:id="rId13"/>
   </p:notesMasterIdLst>
   <p:handoutMasterIdLst>
-    <p:handoutMasterId r:id="rId15"/>
+    <p:handoutMasterId r:id="rId14"/>
   </p:handoutMasterIdLst>
   <p:sldIdLst>
     <p:sldId id="257" r:id="rId2"/>
     <p:sldId id="1383" r:id="rId3"/>
-    <p:sldId id="1395" r:id="rId4"/>
+    <p:sldId id="381" r:id="rId4"/>
     <p:sldId id="1393" r:id="rId5"/>
     <p:sldId id="369" r:id="rId6"/>
     <p:sldId id="1392" r:id="rId7"/>
     <p:sldId id="414" r:id="rId8"/>
-    <p:sldId id="417" r:id="rId9"/>
-    <p:sldId id="420" r:id="rId10"/>
-    <p:sldId id="1384" r:id="rId11"/>
-    <p:sldId id="1386" r:id="rId12"/>
-    <p:sldId id="1388" r:id="rId13"/>
+    <p:sldId id="420" r:id="rId9"/>
+    <p:sldId id="1384" r:id="rId10"/>
+    <p:sldId id="1386" r:id="rId11"/>
+    <p:sldId id="1388" r:id="rId12"/>
   </p:sldIdLst>
   <p:sldSz cx="12192000" cy="6858000"/>
   <p:notesSz cx="9601200" cy="7315200"/>
@@ -868,6 +867,132 @@
 </p:notes>
 </file>
 
+<file path=ppt/notesSlides/notesSlide3.xml><?xml version="1.0" encoding="utf-8"?>
+<p:notes xmlns:a="http://schemas.openxmlformats.org/drawingml/2006/main" xmlns:r="http://schemas.openxmlformats.org/officeDocument/2006/relationships" xmlns:p="http://schemas.openxmlformats.org/presentationml/2006/main">
+  <p:cSld>
+    <p:spTree>
+      <p:nvGrpSpPr>
+        <p:cNvPr id="1" name=""/>
+        <p:cNvGrpSpPr/>
+        <p:nvPr/>
+      </p:nvGrpSpPr>
+      <p:grpSpPr>
+        <a:xfrm>
+          <a:off x="0" y="0"/>
+          <a:ext cx="0" cy="0"/>
+          <a:chOff x="0" y="0"/>
+          <a:chExt cx="0" cy="0"/>
+        </a:xfrm>
+      </p:grpSpPr>
+      <p:sp>
+        <p:nvSpPr>
+          <p:cNvPr id="2" name="Slide Image Placeholder 1"/>
+          <p:cNvSpPr>
+            <a:spLocks noGrp="1" noRot="1" noChangeAspect="1"/>
+          </p:cNvSpPr>
+          <p:nvPr>
+            <p:ph type="sldImg"/>
+          </p:nvPr>
+        </p:nvSpPr>
+        <p:spPr/>
+      </p:sp>
+      <p:sp>
+        <p:nvSpPr>
+          <p:cNvPr id="3" name="Notes Placeholder 2"/>
+          <p:cNvSpPr>
+            <a:spLocks noGrp="1"/>
+          </p:cNvSpPr>
+          <p:nvPr>
+            <p:ph type="body" idx="1"/>
+          </p:nvPr>
+        </p:nvSpPr>
+        <p:spPr/>
+        <p:txBody>
+          <a:bodyPr/>
+          <a:lstStyle/>
+          <a:p>
+            <a:r>
+              <a:rPr lang="en-GB" dirty="0"/>
+              <a:t>Assume there are at least 2 chopsticks, so at least one lawyer can eat. </a:t>
+            </a:r>
+            <a:endParaRPr lang="en-SE" dirty="0"/>
+          </a:p>
+        </p:txBody>
+      </p:sp>
+    </p:spTree>
+    <p:extLst>
+      <p:ext uri="{BB962C8B-B14F-4D97-AF65-F5344CB8AC3E}">
+        <p14:creationId xmlns:p14="http://schemas.microsoft.com/office/powerpoint/2010/main" val="339956899"/>
+      </p:ext>
+    </p:extLst>
+  </p:cSld>
+  <p:clrMapOvr>
+    <a:masterClrMapping/>
+  </p:clrMapOvr>
+</p:notes>
+</file>
+
+<file path=ppt/notesSlides/notesSlide4.xml><?xml version="1.0" encoding="utf-8"?>
+<p:notes xmlns:a="http://schemas.openxmlformats.org/drawingml/2006/main" xmlns:r="http://schemas.openxmlformats.org/officeDocument/2006/relationships" xmlns:p="http://schemas.openxmlformats.org/presentationml/2006/main">
+  <p:cSld>
+    <p:spTree>
+      <p:nvGrpSpPr>
+        <p:cNvPr id="1" name=""/>
+        <p:cNvGrpSpPr/>
+        <p:nvPr/>
+      </p:nvGrpSpPr>
+      <p:grpSpPr>
+        <a:xfrm>
+          <a:off x="0" y="0"/>
+          <a:ext cx="0" cy="0"/>
+          <a:chOff x="0" y="0"/>
+          <a:chExt cx="0" cy="0"/>
+        </a:xfrm>
+      </p:grpSpPr>
+      <p:sp>
+        <p:nvSpPr>
+          <p:cNvPr id="2" name="Slide Image Placeholder 1"/>
+          <p:cNvSpPr>
+            <a:spLocks noGrp="1" noRot="1" noChangeAspect="1"/>
+          </p:cNvSpPr>
+          <p:nvPr>
+            <p:ph type="sldImg"/>
+          </p:nvPr>
+        </p:nvSpPr>
+        <p:spPr/>
+      </p:sp>
+      <p:sp>
+        <p:nvSpPr>
+          <p:cNvPr id="3" name="Notes Placeholder 2"/>
+          <p:cNvSpPr>
+            <a:spLocks noGrp="1"/>
+          </p:cNvSpPr>
+          <p:nvPr>
+            <p:ph type="body" idx="1"/>
+          </p:nvPr>
+        </p:nvSpPr>
+        <p:spPr/>
+        <p:txBody>
+          <a:bodyPr/>
+          <a:lstStyle/>
+          <a:p>
+            <a:endParaRPr lang="en-SE" dirty="0"/>
+          </a:p>
+        </p:txBody>
+      </p:sp>
+    </p:spTree>
+    <p:extLst>
+      <p:ext uri="{BB962C8B-B14F-4D97-AF65-F5344CB8AC3E}">
+        <p14:creationId xmlns:p14="http://schemas.microsoft.com/office/powerpoint/2010/main" val="107557259"/>
+      </p:ext>
+    </p:extLst>
+  </p:cSld>
+  <p:clrMapOvr>
+    <a:masterClrMapping/>
+  </p:clrMapOvr>
+</p:notes>
+</file>
+
 <file path=ppt/slideLayouts/slideLayout1.xml><?xml version="1.0" encoding="utf-8"?>
 <p:sldLayout xmlns:a="http://schemas.openxmlformats.org/drawingml/2006/main" xmlns:r="http://schemas.openxmlformats.org/officeDocument/2006/relationships" xmlns:p="http://schemas.openxmlformats.org/presentationml/2006/main" showMasterSp="0" showMasterPhAnim="0" type="title" preserve="1">
   <p:cSld name="Title Slide">
@@ -1747,7 +1872,7 @@
     </p:spTree>
     <p:extLst>
       <p:ext uri="{BB962C8B-B14F-4D97-AF65-F5344CB8AC3E}">
-        <p14:creationId xmlns:p14="http://schemas.microsoft.com/office/powerpoint/2010/main" val="1281840061"/>
+        <p14:creationId xmlns:p14="http://schemas.microsoft.com/office/powerpoint/2010/main" val="3912953882"/>
       </p:ext>
     </p:extLst>
   </p:cSld>
@@ -4196,147 +4321,6 @@
           <p:cNvPr id="2" name="Title 1">
             <a:extLst>
               <a:ext uri="{FF2B5EF4-FFF2-40B4-BE49-F238E27FC236}">
-                <a16:creationId xmlns:a16="http://schemas.microsoft.com/office/drawing/2014/main" id="{237D010E-0DE6-664D-E651-1315BFD2A9E4}"/>
-              </a:ext>
-            </a:extLst>
-          </p:cNvPr>
-          <p:cNvSpPr>
-            <a:spLocks noGrp="1"/>
-          </p:cNvSpPr>
-          <p:nvPr>
-            <p:ph type="title"/>
-          </p:nvPr>
-        </p:nvSpPr>
-        <p:spPr/>
-        <p:txBody>
-          <a:bodyPr/>
-          <a:lstStyle/>
-          <a:p>
-            <a:r>
-              <a:rPr lang="en-GB" dirty="0"/>
-              <a:t>Quiz: Dining Lawyers II </a:t>
-            </a:r>
-            <a:endParaRPr lang="en-SE" dirty="0"/>
-          </a:p>
-        </p:txBody>
-      </p:sp>
-      <p:sp>
-        <p:nvSpPr>
-          <p:cNvPr id="3" name="Content Placeholder 2">
-            <a:extLst>
-              <a:ext uri="{FF2B5EF4-FFF2-40B4-BE49-F238E27FC236}">
-                <a16:creationId xmlns:a16="http://schemas.microsoft.com/office/drawing/2014/main" id="{C96CE106-EFF2-89A6-A94C-94BA0CA70C60}"/>
-              </a:ext>
-            </a:extLst>
-          </p:cNvPr>
-          <p:cNvSpPr>
-            <a:spLocks noGrp="1"/>
-          </p:cNvSpPr>
-          <p:nvPr>
-            <p:ph idx="1"/>
-          </p:nvPr>
-        </p:nvSpPr>
-        <p:spPr/>
-        <p:txBody>
-          <a:bodyPr>
-            <a:normAutofit/>
-          </a:bodyPr>
-          <a:lstStyle/>
-          <a:p>
-            <a:r>
-              <a:rPr lang="en-GB" dirty="0"/>
-              <a:t>If each lawyer has 2 arms, and there is a pile of knives and forks at </a:t>
-            </a:r>
-            <a:r>
-              <a:rPr lang="en-GB" dirty="0" err="1"/>
-              <a:t>center</a:t>
-            </a:r>
-            <a:r>
-              <a:rPr lang="en-GB" dirty="0"/>
-              <a:t> of the table. Assume there are at least 1 knife and 1 fork, so at least one lawyer can eat. Each lawyer follows the following steps:</a:t>
-            </a:r>
-          </a:p>
-          <a:p>
-            <a:pPr lvl="1"/>
-            <a:r>
-              <a:rPr lang="en-GB" dirty="0"/>
-              <a:t>(1) Pick up a knife </a:t>
-            </a:r>
-          </a:p>
-          <a:p>
-            <a:pPr lvl="1"/>
-            <a:r>
-              <a:rPr lang="en-GB" dirty="0"/>
-              <a:t>(2) Pick up a fork </a:t>
-            </a:r>
-          </a:p>
-          <a:p>
-            <a:pPr lvl="1"/>
-            <a:r>
-              <a:rPr lang="en-GB" dirty="0"/>
-              <a:t>(3) Eat</a:t>
-            </a:r>
-          </a:p>
-          <a:p>
-            <a:pPr lvl="1"/>
-            <a:r>
-              <a:rPr lang="en-GB" dirty="0"/>
-              <a:t>(4) Return the knife and fork to the pile </a:t>
-            </a:r>
-          </a:p>
-          <a:p>
-            <a:r>
-              <a:rPr lang="en-GB" dirty="0"/>
-              <a:t>Q: Can the system be deadlocked?</a:t>
-            </a:r>
-          </a:p>
-          <a:p>
-            <a:endParaRPr lang="en-GB" dirty="0"/>
-          </a:p>
-          <a:p>
-            <a:endParaRPr lang="en-GB" dirty="0"/>
-          </a:p>
-          <a:p>
-            <a:endParaRPr lang="en-SE" dirty="0"/>
-          </a:p>
-        </p:txBody>
-      </p:sp>
-    </p:spTree>
-    <p:extLst>
-      <p:ext uri="{BB962C8B-B14F-4D97-AF65-F5344CB8AC3E}">
-        <p14:creationId xmlns:p14="http://schemas.microsoft.com/office/powerpoint/2010/main" val="937329881"/>
-      </p:ext>
-    </p:extLst>
-  </p:cSld>
-  <p:clrMapOvr>
-    <a:masterClrMapping/>
-  </p:clrMapOvr>
-  <p:transition/>
-</p:sld>
-</file>
-
-<file path=ppt/slides/slide11.xml><?xml version="1.0" encoding="utf-8"?>
-<p:sld xmlns:a="http://schemas.openxmlformats.org/drawingml/2006/main" xmlns:r="http://schemas.openxmlformats.org/officeDocument/2006/relationships" xmlns:p="http://schemas.openxmlformats.org/presentationml/2006/main">
-  <p:cSld>
-    <p:spTree>
-      <p:nvGrpSpPr>
-        <p:cNvPr id="1" name=""/>
-        <p:cNvGrpSpPr/>
-        <p:nvPr/>
-      </p:nvGrpSpPr>
-      <p:grpSpPr>
-        <a:xfrm>
-          <a:off x="0" y="0"/>
-          <a:ext cx="0" cy="0"/>
-          <a:chOff x="0" y="0"/>
-          <a:chExt cx="0" cy="0"/>
-        </a:xfrm>
-      </p:grpSpPr>
-      <p:sp>
-        <p:nvSpPr>
-          <p:cNvPr id="2" name="Title 1">
-            <a:extLst>
-              <a:ext uri="{FF2B5EF4-FFF2-40B4-BE49-F238E27FC236}">
                 <a16:creationId xmlns:a16="http://schemas.microsoft.com/office/drawing/2014/main" id="{95CECE1A-5EE0-BB49-216D-B4B1AF277470}"/>
               </a:ext>
             </a:extLst>
@@ -4463,7 +4447,7 @@
 </p:sld>
 </file>
 
-<file path=ppt/slides/slide12.xml><?xml version="1.0" encoding="utf-8"?>
+<file path=ppt/slides/slide11.xml><?xml version="1.0" encoding="utf-8"?>
 <p:sld xmlns:a="http://schemas.openxmlformats.org/drawingml/2006/main" xmlns:r="http://schemas.openxmlformats.org/officeDocument/2006/relationships" xmlns:p="http://schemas.openxmlformats.org/presentationml/2006/main">
   <p:cSld>
     <p:spTree>
@@ -4503,7 +4487,7 @@
           <a:p>
             <a:r>
               <a:rPr lang="en-GB" dirty="0"/>
-              <a:t>Quiz: Dining Lawyers III</a:t>
+              <a:t>Quiz: Dining Lawyers IV</a:t>
             </a:r>
             <a:endParaRPr lang="en-SE" dirty="0"/>
           </a:p>
@@ -4651,7 +4635,7 @@
         <p:spPr>
           <a:xfrm>
             <a:off x="1320800" y="152400"/>
-            <a:ext cx="5461000" cy="533400"/>
+            <a:ext cx="9575800" cy="533400"/>
           </a:xfrm>
         </p:spPr>
         <p:txBody>
@@ -4660,7 +4644,7 @@
           <a:p>
             <a:r>
               <a:rPr lang="en-GB" dirty="0"/>
-              <a:t>Quiz: Deadlocks II</a:t>
+              <a:t>Quiz: Deadlocks </a:t>
             </a:r>
             <a:endParaRPr lang="en-SE" dirty="0"/>
           </a:p>
@@ -4696,13 +4680,8 @@
           <a:p>
             <a:r>
               <a:rPr lang="en-GB" dirty="0"/>
-              <a:t>Is there a possible </a:t>
-            </a:r>
-            <a:r>
-              <a:rPr lang="en-GB"/>
-              <a:t>deadlock?</a:t>
-            </a:r>
-            <a:endParaRPr lang="en-GB" dirty="0"/>
+              <a:t>Is there a possible deadlock?</a:t>
+            </a:r>
           </a:p>
           <a:p>
             <a:endParaRPr lang="en-GB" dirty="0"/>
@@ -5793,7 +5772,7 @@
     </p:spTree>
     <p:extLst>
       <p:ext uri="{BB962C8B-B14F-4D97-AF65-F5344CB8AC3E}">
-        <p14:creationId xmlns:p14="http://schemas.microsoft.com/office/powerpoint/2010/main" val="476307369"/>
+        <p14:creationId xmlns:p14="http://schemas.microsoft.com/office/powerpoint/2010/main" val="3689648029"/>
       </p:ext>
     </p:extLst>
   </p:cSld>
@@ -5850,8 +5829,8 @@
           </a:p>
         </p:txBody>
       </p:sp>
-      <mc:AlternateContent xmlns:mc="http://schemas.openxmlformats.org/markup-compatibility/2006">
-        <mc:Choice xmlns:a14="http://schemas.microsoft.com/office/drawing/2010/main" Requires="a14">
+      <mc:AlternateContent xmlns:mc="http://schemas.openxmlformats.org/markup-compatibility/2006" xmlns:a14="http://schemas.microsoft.com/office/drawing/2010/main">
+        <mc:Choice Requires="a14">
           <p:sp>
             <p:nvSpPr>
               <p:cNvPr id="6" name="Object 4">
@@ -6124,7 +6103,7 @@
             </p:txBody>
           </p:sp>
         </mc:Choice>
-        <mc:Fallback>
+        <mc:Fallback xmlns="">
           <p:sp>
             <p:nvSpPr>
               <p:cNvPr id="6" name="Object 4">
@@ -6444,8 +6423,8 @@
           </a:p>
         </p:txBody>
       </p:sp>
-      <mc:AlternateContent xmlns:mc="http://schemas.openxmlformats.org/markup-compatibility/2006">
-        <mc:Choice xmlns:a14="http://schemas.microsoft.com/office/drawing/2010/main" Requires="a14">
+      <mc:AlternateContent xmlns:mc="http://schemas.openxmlformats.org/markup-compatibility/2006" xmlns:a14="http://schemas.microsoft.com/office/drawing/2010/main">
+        <mc:Choice Requires="a14">
           <p:sp>
             <p:nvSpPr>
               <p:cNvPr id="35" name="Object 4">
@@ -6721,7 +6700,7 @@
             </p:txBody>
           </p:sp>
         </mc:Choice>
-        <mc:Fallback>
+        <mc:Fallback xmlns="">
           <p:sp>
             <p:nvSpPr>
               <p:cNvPr id="35" name="Object 4">
@@ -6904,7 +6883,13 @@
           <p:cNvGraphicFramePr>
             <a:graphicFrameLocks/>
           </p:cNvGraphicFramePr>
-          <p:nvPr/>
+          <p:nvPr>
+            <p:extLst>
+              <p:ext uri="{D42A27DB-BD31-4B8C-83A1-F6EECF244321}">
+                <p14:modId xmlns:p14="http://schemas.microsoft.com/office/powerpoint/2010/main" val="1998937547"/>
+              </p:ext>
+            </p:extLst>
+          </p:nvPr>
         </p:nvGraphicFramePr>
         <p:xfrm>
           <a:off x="8839200" y="3860341"/>
@@ -7425,8 +7410,8 @@
           </a:p>
         </p:txBody>
       </p:sp>
-      <mc:AlternateContent xmlns:mc="http://schemas.openxmlformats.org/markup-compatibility/2006">
-        <mc:Choice xmlns:a14="http://schemas.microsoft.com/office/drawing/2010/main" Requires="a14">
+      <mc:AlternateContent xmlns:mc="http://schemas.openxmlformats.org/markup-compatibility/2006" xmlns:a14="http://schemas.microsoft.com/office/drawing/2010/main">
+        <mc:Choice Requires="a14">
           <p:sp>
             <p:nvSpPr>
               <p:cNvPr id="14" name="Object 8">
@@ -7559,7 +7544,7 @@
             </p:txBody>
           </p:sp>
         </mc:Choice>
-        <mc:Fallback>
+        <mc:Fallback xmlns="">
           <p:sp>
             <p:nvSpPr>
               <p:cNvPr id="14" name="Object 8">
@@ -7670,8 +7655,8 @@
           </a:p>
         </p:txBody>
       </p:sp>
-      <mc:AlternateContent xmlns:mc="http://schemas.openxmlformats.org/markup-compatibility/2006">
-        <mc:Choice xmlns:a14="http://schemas.microsoft.com/office/drawing/2010/main" Requires="a14">
+      <mc:AlternateContent xmlns:mc="http://schemas.openxmlformats.org/markup-compatibility/2006" xmlns:a14="http://schemas.microsoft.com/office/drawing/2010/main">
+        <mc:Choice Requires="a14">
           <p:sp>
             <p:nvSpPr>
               <p:cNvPr id="6" name="Object 4">
@@ -7732,7 +7717,7 @@
                                 </m:mc>
                               </m:mcs>
                               <m:ctrlPr>
-                                <a:rPr lang="en-SE" sz="2400" b="0" smtClean="0">
+                                <a:rPr lang="en-SE" sz="2400" b="0" i="1" smtClean="0">
                                   <a:solidFill>
                                     <a:srgbClr val="000000"/>
                                   </a:solidFill>
@@ -7856,7 +7841,7 @@
             </p:txBody>
           </p:sp>
         </mc:Choice>
-        <mc:Fallback>
+        <mc:Fallback xmlns="">
           <p:sp>
             <p:nvSpPr>
               <p:cNvPr id="6" name="Object 4">
@@ -8724,8 +8709,8 @@
           </a:p>
         </p:txBody>
       </p:sp>
-      <mc:AlternateContent xmlns:mc="http://schemas.openxmlformats.org/markup-compatibility/2006">
-        <mc:Choice xmlns:a14="http://schemas.microsoft.com/office/drawing/2010/main" Requires="a14">
+      <mc:AlternateContent xmlns:mc="http://schemas.openxmlformats.org/markup-compatibility/2006" xmlns:a14="http://schemas.microsoft.com/office/drawing/2010/main">
+        <mc:Choice Requires="a14">
           <p:sp>
             <p:nvSpPr>
               <p:cNvPr id="14" name="Object 8">
@@ -8858,7 +8843,7 @@
             </p:txBody>
           </p:sp>
         </mc:Choice>
-        <mc:Fallback>
+        <mc:Fallback xmlns="">
           <p:sp>
             <p:nvSpPr>
               <p:cNvPr id="14" name="Object 8">
@@ -8903,8 +8888,8 @@
           </p:sp>
         </mc:Fallback>
       </mc:AlternateContent>
-      <mc:AlternateContent xmlns:mc="http://schemas.openxmlformats.org/markup-compatibility/2006">
-        <mc:Choice xmlns:a14="http://schemas.microsoft.com/office/drawing/2010/main" Requires="a14">
+      <mc:AlternateContent xmlns:mc="http://schemas.openxmlformats.org/markup-compatibility/2006" xmlns:a14="http://schemas.microsoft.com/office/drawing/2010/main">
+        <mc:Choice Requires="a14">
           <p:sp>
             <p:nvSpPr>
               <p:cNvPr id="9" name="Object 4">
@@ -8965,7 +8950,7 @@
                                 </m:mc>
                               </m:mcs>
                               <m:ctrlPr>
-                                <a:rPr lang="en-SE" sz="2400" b="0" smtClean="0">
+                                <a:rPr lang="en-SE" sz="2400" b="0" i="1" smtClean="0">
                                   <a:solidFill>
                                     <a:srgbClr val="000000"/>
                                   </a:solidFill>
@@ -9092,7 +9077,7 @@
             </p:txBody>
           </p:sp>
         </mc:Choice>
-        <mc:Fallback>
+        <mc:Fallback xmlns="">
           <p:sp>
             <p:nvSpPr>
               <p:cNvPr id="9" name="Object 4">
@@ -9206,6 +9191,11 @@
           </p:cNvGraphicFramePr>
           <p:nvPr>
             <p:ph sz="quarter" idx="3"/>
+            <p:extLst>
+              <p:ext uri="{D42A27DB-BD31-4B8C-83A1-F6EECF244321}">
+                <p14:modId xmlns:p14="http://schemas.microsoft.com/office/powerpoint/2010/main" val="2965973773"/>
+              </p:ext>
+            </p:extLst>
           </p:nvPr>
         </p:nvGraphicFramePr>
         <p:xfrm>
@@ -9276,7 +9266,13 @@
           <p:cNvGraphicFramePr>
             <a:graphicFrameLocks noChangeAspect="1"/>
           </p:cNvGraphicFramePr>
-          <p:nvPr/>
+          <p:nvPr>
+            <p:extLst>
+              <p:ext uri="{D42A27DB-BD31-4B8C-83A1-F6EECF244321}">
+                <p14:modId xmlns:p14="http://schemas.microsoft.com/office/powerpoint/2010/main" val="3519167537"/>
+              </p:ext>
+            </p:extLst>
+          </p:nvPr>
         </p:nvGraphicFramePr>
         <p:xfrm>
           <a:off x="3802951" y="3994116"/>
@@ -9435,56 +9431,6 @@
       </p:sp>
       <p:sp>
         <p:nvSpPr>
-          <p:cNvPr id="12" name="TextBox 11">
-            <a:extLst>
-              <a:ext uri="{FF2B5EF4-FFF2-40B4-BE49-F238E27FC236}">
-                <a16:creationId xmlns:a16="http://schemas.microsoft.com/office/drawing/2014/main" id="{4B648F32-7105-F523-4EAE-5327C48CD8D2}"/>
-              </a:ext>
-            </a:extLst>
-          </p:cNvPr>
-          <p:cNvSpPr txBox="1"/>
-          <p:nvPr/>
-        </p:nvSpPr>
-        <p:spPr>
-          <a:xfrm>
-            <a:off x="9085949" y="665304"/>
-            <a:ext cx="822661" cy="400110"/>
-          </a:xfrm>
-          <a:prstGeom prst="rect">
-            <a:avLst/>
-          </a:prstGeom>
-          <a:noFill/>
-        </p:spPr>
-        <p:txBody>
-          <a:bodyPr wrap="none" rtlCol="0">
-            <a:spAutoFit/>
-          </a:bodyPr>
-          <a:lstStyle/>
-          <a:p>
-            <a:r>
-              <a:rPr lang="en-US" altLang="zh-CN" sz="2000" b="0" dirty="0">
-                <a:solidFill>
-                  <a:schemeClr val="dk1"/>
-                </a:solidFill>
-                <a:latin typeface="+mn-lt"/>
-                <a:ea typeface="+mn-ea"/>
-                <a:cs typeface="+mn-cs"/>
-              </a:rPr>
-              <a:t>Need</a:t>
-            </a:r>
-            <a:endParaRPr lang="en-GB" sz="2000" b="0" dirty="0">
-              <a:solidFill>
-                <a:schemeClr val="dk1"/>
-              </a:solidFill>
-              <a:latin typeface="+mn-lt"/>
-              <a:ea typeface="+mn-ea"/>
-              <a:cs typeface="+mn-cs"/>
-            </a:endParaRPr>
-          </a:p>
-        </p:txBody>
-      </p:sp>
-      <p:sp>
-        <p:nvSpPr>
           <p:cNvPr id="15" name="TextBox 14">
             <a:extLst>
               <a:ext uri="{FF2B5EF4-FFF2-40B4-BE49-F238E27FC236}">
@@ -9569,583 +9515,17 @@
       </p:sp>
       <p:graphicFrame>
         <p:nvGraphicFramePr>
-          <p:cNvPr id="2" name="Object 3">
-            <a:extLst>
-              <a:ext uri="{FF2B5EF4-FFF2-40B4-BE49-F238E27FC236}">
-                <a16:creationId xmlns:a16="http://schemas.microsoft.com/office/drawing/2014/main" id="{06E861FC-D68E-CD7A-71ED-F7EE3565A007}"/>
-              </a:ext>
-            </a:extLst>
-          </p:cNvPr>
-          <p:cNvGraphicFramePr>
-            <a:graphicFrameLocks noChangeAspect="1"/>
-          </p:cNvGraphicFramePr>
-          <p:nvPr/>
-        </p:nvGraphicFramePr>
-        <p:xfrm>
-          <a:off x="7804943" y="1067093"/>
-          <a:ext cx="2982913" cy="2874963"/>
-        </p:xfrm>
-        <a:graphic>
-          <a:graphicData uri="http://schemas.openxmlformats.org/presentationml/2006/ole">
-            <mc:AlternateContent xmlns:mc="http://schemas.openxmlformats.org/markup-compatibility/2006">
-              <mc:Choice xmlns:v="urn:schemas-microsoft-com:vml" Requires="v">
-                <p:oleObj name="Equation" r:id="rId6" imgW="1396800" imgH="1346040" progId="Equation.3">
-                  <p:embed/>
-                </p:oleObj>
-              </mc:Choice>
-              <mc:Fallback>
-                <p:oleObj name="Equation" r:id="rId6" imgW="1396800" imgH="1346040" progId="Equation.3">
-                  <p:embed/>
-                  <p:pic>
-                    <p:nvPicPr>
-                      <p:cNvPr id="2" name="Object 3">
-                        <a:extLst>
-                          <a:ext uri="{FF2B5EF4-FFF2-40B4-BE49-F238E27FC236}">
-                            <a16:creationId xmlns:a16="http://schemas.microsoft.com/office/drawing/2014/main" id="{06E861FC-D68E-CD7A-71ED-F7EE3565A007}"/>
-                          </a:ext>
-                        </a:extLst>
-                      </p:cNvPr>
-                      <p:cNvPicPr>
-                        <a:picLocks noChangeAspect="1" noChangeArrowheads="1"/>
-                      </p:cNvPicPr>
-                      <p:nvPr/>
-                    </p:nvPicPr>
-                    <p:blipFill>
-                      <a:blip r:embed="rId7">
-                        <a:extLst>
-                          <a:ext uri="{28A0092B-C50C-407E-A947-70E740481C1C}">
-                            <a14:useLocalDpi xmlns:a14="http://schemas.microsoft.com/office/drawing/2010/main" val="0"/>
-                          </a:ext>
-                        </a:extLst>
-                      </a:blip>
-                      <a:srcRect/>
-                      <a:stretch>
-                        <a:fillRect/>
-                      </a:stretch>
-                    </p:blipFill>
-                    <p:spPr bwMode="auto">
-                      <a:xfrm>
-                        <a:off x="7804943" y="1067093"/>
-                        <a:ext cx="2982913" cy="2874963"/>
-                      </a:xfrm>
-                      <a:prstGeom prst="rect">
-                        <a:avLst/>
-                      </a:prstGeom>
-                      <a:noFill/>
-                      <a:extLst>
-                        <a:ext uri="{909E8E84-426E-40DD-AFC4-6F175D3DCCD1}">
-                          <a14:hiddenFill xmlns:a14="http://schemas.microsoft.com/office/drawing/2010/main">
-                            <a:solidFill>
-                              <a:srgbClr val="FFFFFF"/>
-                            </a:solidFill>
-                          </a14:hiddenFill>
-                        </a:ext>
-                      </a:extLst>
-                    </p:spPr>
-                  </p:pic>
-                </p:oleObj>
-              </mc:Fallback>
-            </mc:AlternateContent>
-          </a:graphicData>
-        </a:graphic>
-      </p:graphicFrame>
-      <p:sp>
-        <p:nvSpPr>
-          <p:cNvPr id="4" name="TextBox 3">
-            <a:extLst>
-              <a:ext uri="{FF2B5EF4-FFF2-40B4-BE49-F238E27FC236}">
-                <a16:creationId xmlns:a16="http://schemas.microsoft.com/office/drawing/2014/main" id="{1C3B234D-8EEF-69B8-F734-88CCB6B9D4FA}"/>
-              </a:ext>
-            </a:extLst>
-          </p:cNvPr>
-          <p:cNvSpPr txBox="1"/>
-          <p:nvPr/>
-        </p:nvSpPr>
-        <p:spPr>
-          <a:xfrm>
-            <a:off x="8453623" y="1050011"/>
-            <a:ext cx="351378" cy="492443"/>
-          </a:xfrm>
-          <a:prstGeom prst="rect">
-            <a:avLst/>
-          </a:prstGeom>
-          <a:solidFill>
-            <a:schemeClr val="bg1"/>
-          </a:solidFill>
-        </p:spPr>
-        <p:txBody>
-          <a:bodyPr wrap="none" rtlCol="0">
-            <a:spAutoFit/>
-          </a:bodyPr>
-          <a:lstStyle/>
-          <a:p>
-            <a:r>
-              <a:rPr lang="en-US" sz="2500" dirty="0">
-                <a:latin typeface="Gill Sans Light"/>
-              </a:rPr>
-              <a:t>0</a:t>
-            </a:r>
-            <a:endParaRPr lang="en-SE" sz="2500" dirty="0">
-              <a:latin typeface="Gill Sans Light"/>
-            </a:endParaRPr>
-          </a:p>
-        </p:txBody>
-      </p:sp>
-      <p:sp>
-        <p:nvSpPr>
-          <p:cNvPr id="5" name="TextBox 4">
-            <a:extLst>
-              <a:ext uri="{FF2B5EF4-FFF2-40B4-BE49-F238E27FC236}">
-                <a16:creationId xmlns:a16="http://schemas.microsoft.com/office/drawing/2014/main" id="{72E01D1F-5A27-8335-31EE-5669FD06E7E6}"/>
-              </a:ext>
-            </a:extLst>
-          </p:cNvPr>
-          <p:cNvSpPr txBox="1"/>
-          <p:nvPr/>
-        </p:nvSpPr>
-        <p:spPr>
-          <a:xfrm>
-            <a:off x="8942884" y="1050011"/>
-            <a:ext cx="344966" cy="477054"/>
-          </a:xfrm>
-          <a:prstGeom prst="rect">
-            <a:avLst/>
-          </a:prstGeom>
-          <a:solidFill>
-            <a:schemeClr val="bg1"/>
-          </a:solidFill>
-        </p:spPr>
-        <p:txBody>
-          <a:bodyPr wrap="none" rtlCol="0">
-            <a:spAutoFit/>
-          </a:bodyPr>
-          <a:lstStyle/>
-          <a:p>
-            <a:r>
-              <a:rPr lang="en-US" sz="2500" dirty="0">
-                <a:latin typeface="Gill Sans Light"/>
-              </a:rPr>
-              <a:t>1</a:t>
-            </a:r>
-            <a:endParaRPr lang="en-SE" sz="2500" dirty="0">
-              <a:latin typeface="Gill Sans Light"/>
-            </a:endParaRPr>
-          </a:p>
-        </p:txBody>
-      </p:sp>
-      <p:sp>
-        <p:nvSpPr>
-          <p:cNvPr id="6" name="TextBox 5">
-            <a:extLst>
-              <a:ext uri="{FF2B5EF4-FFF2-40B4-BE49-F238E27FC236}">
-                <a16:creationId xmlns:a16="http://schemas.microsoft.com/office/drawing/2014/main" id="{DA8E8214-3FB5-91B2-80F8-17484AD63877}"/>
-              </a:ext>
-            </a:extLst>
-          </p:cNvPr>
-          <p:cNvSpPr txBox="1"/>
-          <p:nvPr/>
-        </p:nvSpPr>
-        <p:spPr>
-          <a:xfrm>
-            <a:off x="8915400" y="1527065"/>
-            <a:ext cx="351378" cy="492443"/>
-          </a:xfrm>
-          <a:prstGeom prst="rect">
-            <a:avLst/>
-          </a:prstGeom>
-          <a:solidFill>
-            <a:schemeClr val="bg1"/>
-          </a:solidFill>
-        </p:spPr>
-        <p:txBody>
-          <a:bodyPr wrap="none" rtlCol="0">
-            <a:spAutoFit/>
-          </a:bodyPr>
-          <a:lstStyle/>
-          <a:p>
-            <a:r>
-              <a:rPr lang="en-US" sz="2500" dirty="0">
-                <a:latin typeface="Gill Sans Light"/>
-              </a:rPr>
-              <a:t>0</a:t>
-            </a:r>
-            <a:endParaRPr lang="en-SE" sz="2500" dirty="0">
-              <a:latin typeface="Gill Sans Light"/>
-            </a:endParaRPr>
-          </a:p>
-        </p:txBody>
-      </p:sp>
-      <p:sp>
-        <p:nvSpPr>
-          <p:cNvPr id="7" name="TextBox 6">
-            <a:extLst>
-              <a:ext uri="{FF2B5EF4-FFF2-40B4-BE49-F238E27FC236}">
-                <a16:creationId xmlns:a16="http://schemas.microsoft.com/office/drawing/2014/main" id="{2CF4D9F6-2C29-49FE-7478-9A969ED09A4D}"/>
-              </a:ext>
-            </a:extLst>
-          </p:cNvPr>
-          <p:cNvSpPr txBox="1"/>
-          <p:nvPr/>
-        </p:nvSpPr>
-        <p:spPr>
-          <a:xfrm>
-            <a:off x="9404661" y="1527065"/>
-            <a:ext cx="344966" cy="477054"/>
-          </a:xfrm>
-          <a:prstGeom prst="rect">
-            <a:avLst/>
-          </a:prstGeom>
-          <a:solidFill>
-            <a:schemeClr val="bg1"/>
-          </a:solidFill>
-        </p:spPr>
-        <p:txBody>
-          <a:bodyPr wrap="none" rtlCol="0">
-            <a:spAutoFit/>
-          </a:bodyPr>
-          <a:lstStyle/>
-          <a:p>
-            <a:r>
-              <a:rPr lang="en-US" sz="2500" dirty="0">
-                <a:latin typeface="Gill Sans Light"/>
-              </a:rPr>
-              <a:t>1</a:t>
-            </a:r>
-            <a:endParaRPr lang="en-SE" sz="2500" dirty="0">
-              <a:latin typeface="Gill Sans Light"/>
-            </a:endParaRPr>
-          </a:p>
-        </p:txBody>
-      </p:sp>
-      <p:sp>
-        <p:nvSpPr>
-          <p:cNvPr id="8" name="TextBox 7">
-            <a:extLst>
-              <a:ext uri="{FF2B5EF4-FFF2-40B4-BE49-F238E27FC236}">
-                <a16:creationId xmlns:a16="http://schemas.microsoft.com/office/drawing/2014/main" id="{FE8F3498-9404-66C7-7A8C-A363B3A1D1C4}"/>
-              </a:ext>
-            </a:extLst>
-          </p:cNvPr>
-          <p:cNvSpPr txBox="1"/>
-          <p:nvPr/>
-        </p:nvSpPr>
-        <p:spPr>
-          <a:xfrm>
-            <a:off x="9395178" y="2030813"/>
-            <a:ext cx="351378" cy="492443"/>
-          </a:xfrm>
-          <a:prstGeom prst="rect">
-            <a:avLst/>
-          </a:prstGeom>
-          <a:solidFill>
-            <a:schemeClr val="bg1"/>
-          </a:solidFill>
-        </p:spPr>
-        <p:txBody>
-          <a:bodyPr wrap="none" rtlCol="0">
-            <a:spAutoFit/>
-          </a:bodyPr>
-          <a:lstStyle/>
-          <a:p>
-            <a:r>
-              <a:rPr lang="en-US" sz="2500" dirty="0">
-                <a:latin typeface="Gill Sans Light"/>
-              </a:rPr>
-              <a:t>0</a:t>
-            </a:r>
-            <a:endParaRPr lang="en-SE" sz="2500" dirty="0">
-              <a:latin typeface="Gill Sans Light"/>
-            </a:endParaRPr>
-          </a:p>
-        </p:txBody>
-      </p:sp>
-      <p:sp>
-        <p:nvSpPr>
-          <p:cNvPr id="9" name="TextBox 8">
-            <a:extLst>
-              <a:ext uri="{FF2B5EF4-FFF2-40B4-BE49-F238E27FC236}">
-                <a16:creationId xmlns:a16="http://schemas.microsoft.com/office/drawing/2014/main" id="{27B164E4-6F67-B54A-0C81-6B60DEA49553}"/>
-              </a:ext>
-            </a:extLst>
-          </p:cNvPr>
-          <p:cNvSpPr txBox="1"/>
-          <p:nvPr/>
-        </p:nvSpPr>
-        <p:spPr>
-          <a:xfrm>
-            <a:off x="9884439" y="2030813"/>
-            <a:ext cx="344966" cy="477054"/>
-          </a:xfrm>
-          <a:prstGeom prst="rect">
-            <a:avLst/>
-          </a:prstGeom>
-          <a:solidFill>
-            <a:schemeClr val="bg1"/>
-          </a:solidFill>
-        </p:spPr>
-        <p:txBody>
-          <a:bodyPr wrap="none" rtlCol="0">
-            <a:spAutoFit/>
-          </a:bodyPr>
-          <a:lstStyle/>
-          <a:p>
-            <a:r>
-              <a:rPr lang="en-US" sz="2500" dirty="0">
-                <a:latin typeface="Gill Sans Light"/>
-              </a:rPr>
-              <a:t>1</a:t>
-            </a:r>
-            <a:endParaRPr lang="en-SE" sz="2500" dirty="0">
-              <a:latin typeface="Gill Sans Light"/>
-            </a:endParaRPr>
-          </a:p>
-        </p:txBody>
-      </p:sp>
-      <p:sp>
-        <p:nvSpPr>
-          <p:cNvPr id="10" name="TextBox 9">
-            <a:extLst>
-              <a:ext uri="{FF2B5EF4-FFF2-40B4-BE49-F238E27FC236}">
-                <a16:creationId xmlns:a16="http://schemas.microsoft.com/office/drawing/2014/main" id="{16D58D34-74BD-42DF-3A70-43B8633A4CD7}"/>
-              </a:ext>
-            </a:extLst>
-          </p:cNvPr>
-          <p:cNvSpPr txBox="1"/>
-          <p:nvPr/>
-        </p:nvSpPr>
-        <p:spPr>
-          <a:xfrm>
-            <a:off x="9909973" y="2498338"/>
-            <a:ext cx="351378" cy="492443"/>
-          </a:xfrm>
-          <a:prstGeom prst="rect">
-            <a:avLst/>
-          </a:prstGeom>
-          <a:solidFill>
-            <a:schemeClr val="bg1"/>
-          </a:solidFill>
-        </p:spPr>
-        <p:txBody>
-          <a:bodyPr wrap="none" rtlCol="0">
-            <a:spAutoFit/>
-          </a:bodyPr>
-          <a:lstStyle/>
-          <a:p>
-            <a:r>
-              <a:rPr lang="en-US" sz="2500" dirty="0">
-                <a:latin typeface="Gill Sans Light"/>
-              </a:rPr>
-              <a:t>0</a:t>
-            </a:r>
-            <a:endParaRPr lang="en-SE" sz="2500" dirty="0">
-              <a:latin typeface="Gill Sans Light"/>
-            </a:endParaRPr>
-          </a:p>
-        </p:txBody>
-      </p:sp>
-      <p:sp>
-        <p:nvSpPr>
-          <p:cNvPr id="17" name="TextBox 16">
-            <a:extLst>
-              <a:ext uri="{FF2B5EF4-FFF2-40B4-BE49-F238E27FC236}">
-                <a16:creationId xmlns:a16="http://schemas.microsoft.com/office/drawing/2014/main" id="{0E492909-AC0F-0BD3-E533-A97C8A3E879C}"/>
-              </a:ext>
-            </a:extLst>
-          </p:cNvPr>
-          <p:cNvSpPr txBox="1"/>
-          <p:nvPr/>
-        </p:nvSpPr>
-        <p:spPr>
-          <a:xfrm>
-            <a:off x="10309578" y="2498338"/>
-            <a:ext cx="344966" cy="477054"/>
-          </a:xfrm>
-          <a:prstGeom prst="rect">
-            <a:avLst/>
-          </a:prstGeom>
-          <a:solidFill>
-            <a:schemeClr val="bg1"/>
-          </a:solidFill>
-        </p:spPr>
-        <p:txBody>
-          <a:bodyPr wrap="none" rtlCol="0">
-            <a:spAutoFit/>
-          </a:bodyPr>
-          <a:lstStyle/>
-          <a:p>
-            <a:r>
-              <a:rPr lang="en-US" sz="2500" dirty="0">
-                <a:latin typeface="Gill Sans Light"/>
-              </a:rPr>
-              <a:t>1</a:t>
-            </a:r>
-            <a:endParaRPr lang="en-SE" sz="2500" dirty="0">
-              <a:latin typeface="Gill Sans Light"/>
-            </a:endParaRPr>
-          </a:p>
-        </p:txBody>
-      </p:sp>
-      <p:sp>
-        <p:nvSpPr>
-          <p:cNvPr id="18" name="TextBox 17">
-            <a:extLst>
-              <a:ext uri="{FF2B5EF4-FFF2-40B4-BE49-F238E27FC236}">
-                <a16:creationId xmlns:a16="http://schemas.microsoft.com/office/drawing/2014/main" id="{85C8CC8B-4443-B8A2-86A7-4BFFCC5566BD}"/>
-              </a:ext>
-            </a:extLst>
-          </p:cNvPr>
-          <p:cNvSpPr txBox="1"/>
-          <p:nvPr/>
-        </p:nvSpPr>
-        <p:spPr>
-          <a:xfrm>
-            <a:off x="8456829" y="2990781"/>
-            <a:ext cx="344966" cy="477054"/>
-          </a:xfrm>
-          <a:prstGeom prst="rect">
-            <a:avLst/>
-          </a:prstGeom>
-          <a:solidFill>
-            <a:schemeClr val="bg1"/>
-          </a:solidFill>
-        </p:spPr>
-        <p:txBody>
-          <a:bodyPr wrap="none" rtlCol="0">
-            <a:spAutoFit/>
-          </a:bodyPr>
-          <a:lstStyle/>
-          <a:p>
-            <a:r>
-              <a:rPr lang="en-US" sz="2500" dirty="0">
-                <a:latin typeface="Gill Sans Light"/>
-              </a:rPr>
-              <a:t>1</a:t>
-            </a:r>
-            <a:endParaRPr lang="en-SE" sz="2500" dirty="0">
-              <a:latin typeface="Gill Sans Light"/>
-            </a:endParaRPr>
-          </a:p>
-        </p:txBody>
-      </p:sp>
-      <mc:AlternateContent xmlns:mc="http://schemas.openxmlformats.org/markup-compatibility/2006" xmlns:a14="http://schemas.microsoft.com/office/drawing/2010/main">
-        <mc:Choice Requires="a14">
-          <p:sp>
-            <p:nvSpPr>
-              <p:cNvPr id="19" name="TextBox 18">
-                <a:extLst>
-                  <a:ext uri="{FF2B5EF4-FFF2-40B4-BE49-F238E27FC236}">
-                    <a16:creationId xmlns:a16="http://schemas.microsoft.com/office/drawing/2014/main" id="{45D4E9EC-CABB-0565-2361-B3660D3C53F7}"/>
-                  </a:ext>
-                </a:extLst>
-              </p:cNvPr>
-              <p:cNvSpPr txBox="1"/>
-              <p:nvPr/>
-            </p:nvSpPr>
-            <p:spPr>
-              <a:xfrm>
-                <a:off x="6955947" y="2013210"/>
-                <a:ext cx="1181606" cy="523220"/>
-              </a:xfrm>
-              <a:prstGeom prst="rect">
-                <a:avLst/>
-              </a:prstGeom>
-              <a:solidFill>
-                <a:schemeClr val="bg1"/>
-              </a:solidFill>
-            </p:spPr>
-            <p:txBody>
-              <a:bodyPr wrap="none" rtlCol="0">
-                <a:spAutoFit/>
-              </a:bodyPr>
-              <a:lstStyle/>
-              <a:p>
-                <a:pPr/>
-                <a14:m>
-                  <m:oMathPara xmlns:m="http://schemas.openxmlformats.org/officeDocument/2006/math">
-                    <m:oMathParaPr>
-                      <m:jc m:val="centerGroup"/>
-                    </m:oMathParaPr>
-                    <m:oMath xmlns:m="http://schemas.openxmlformats.org/officeDocument/2006/math">
-                      <m:r>
-                        <a:rPr lang="en-US" sz="2800" i="1" dirty="0" smtClean="0">
-                          <a:latin typeface="Cambria Math" panose="02040503050406030204" pitchFamily="18" charset="0"/>
-                        </a:rPr>
-                        <m:t>𝑅</m:t>
-                      </m:r>
-                      <m:r>
-                        <a:rPr lang="en-GB" sz="2800" i="1" dirty="0" smtClean="0">
-                          <a:latin typeface="Cambria Math" panose="02040503050406030204" pitchFamily="18" charset="0"/>
-                        </a:rPr>
-                        <m:t>−</m:t>
-                      </m:r>
-                      <m:r>
-                        <a:rPr lang="en-GB" sz="2800" i="1" dirty="0" smtClean="0">
-                          <a:latin typeface="Cambria Math" panose="02040503050406030204" pitchFamily="18" charset="0"/>
-                        </a:rPr>
-                        <m:t>𝐶</m:t>
-                      </m:r>
-                    </m:oMath>
-                  </m:oMathPara>
-                </a14:m>
-                <a:endParaRPr lang="en-SE" sz="2800" dirty="0">
-                  <a:latin typeface="Gill Sans Light"/>
-                </a:endParaRPr>
-              </a:p>
-            </p:txBody>
-          </p:sp>
-        </mc:Choice>
-        <mc:Fallback xmlns="">
-          <p:sp>
-            <p:nvSpPr>
-              <p:cNvPr id="19" name="TextBox 18">
-                <a:extLst>
-                  <a:ext uri="{FF2B5EF4-FFF2-40B4-BE49-F238E27FC236}">
-                    <a16:creationId xmlns:a16="http://schemas.microsoft.com/office/drawing/2014/main" id="{45D4E9EC-CABB-0565-2361-B3660D3C53F7}"/>
-                  </a:ext>
-                </a:extLst>
-              </p:cNvPr>
-              <p:cNvSpPr txBox="1">
-                <a:spLocks noRot="1" noChangeAspect="1" noMove="1" noResize="1" noEditPoints="1" noAdjustHandles="1" noChangeArrowheads="1" noChangeShapeType="1" noTextEdit="1"/>
-              </p:cNvSpPr>
-              <p:nvPr/>
-            </p:nvSpPr>
-            <p:spPr>
-              <a:xfrm>
-                <a:off x="6955947" y="2013210"/>
-                <a:ext cx="1181606" cy="523220"/>
-              </a:xfrm>
-              <a:prstGeom prst="rect">
-                <a:avLst/>
-              </a:prstGeom>
-              <a:blipFill>
-                <a:blip r:embed="rId8"/>
-                <a:stretch>
-                  <a:fillRect/>
-                </a:stretch>
-              </a:blipFill>
-            </p:spPr>
-            <p:txBody>
-              <a:bodyPr/>
-              <a:lstStyle/>
-              <a:p>
-                <a:r>
-                  <a:rPr lang="en-SE">
-                    <a:noFill/>
-                  </a:rPr>
-                  <a:t> </a:t>
-                </a:r>
-              </a:p>
-            </p:txBody>
-          </p:sp>
-        </mc:Fallback>
-      </mc:AlternateContent>
-      <p:graphicFrame>
-        <p:nvGraphicFramePr>
           <p:cNvPr id="128006" name="Object 3"/>
           <p:cNvGraphicFramePr>
             <a:graphicFrameLocks noChangeAspect="1"/>
           </p:cNvGraphicFramePr>
-          <p:nvPr/>
+          <p:nvPr>
+            <p:extLst>
+              <p:ext uri="{D42A27DB-BD31-4B8C-83A1-F6EECF244321}">
+                <p14:modId xmlns:p14="http://schemas.microsoft.com/office/powerpoint/2010/main" val="3444450384"/>
+              </p:ext>
+            </p:extLst>
+          </p:nvPr>
         </p:nvGraphicFramePr>
         <p:xfrm>
           <a:off x="1003299" y="1163636"/>
@@ -10155,12 +9535,12 @@
           <a:graphicData uri="http://schemas.openxmlformats.org/presentationml/2006/ole">
             <mc:AlternateContent xmlns:mc="http://schemas.openxmlformats.org/markup-compatibility/2006">
               <mc:Choice xmlns:v="urn:schemas-microsoft-com:vml" Requires="v">
-                <p:oleObj name="Equation" r:id="rId9" imgW="1396800" imgH="1117440" progId="Equation.3">
+                <p:oleObj name="Equation" r:id="rId6" imgW="1396800" imgH="1117440" progId="Equation.3">
                   <p:embed/>
                 </p:oleObj>
               </mc:Choice>
               <mc:Fallback>
-                <p:oleObj name="Equation" r:id="rId9" imgW="1396800" imgH="1117440" progId="Equation.3">
+                <p:oleObj name="Equation" r:id="rId6" imgW="1396800" imgH="1117440" progId="Equation.3">
                   <p:embed/>
                   <p:pic>
                     <p:nvPicPr>
@@ -10171,7 +9551,7 @@
                       <p:nvPr/>
                     </p:nvPicPr>
                     <p:blipFill>
-                      <a:blip r:embed="rId10">
+                      <a:blip r:embed="rId7">
                         <a:extLst>
                           <a:ext uri="{28A0092B-C50C-407E-A947-70E740481C1C}">
                             <a14:useLocalDpi xmlns:a14="http://schemas.microsoft.com/office/drawing/2010/main" val="0"/>
@@ -10215,7 +9595,13 @@
           <p:cNvGraphicFramePr>
             <a:graphicFrameLocks noChangeAspect="1"/>
           </p:cNvGraphicFramePr>
-          <p:nvPr/>
+          <p:nvPr>
+            <p:extLst>
+              <p:ext uri="{D42A27DB-BD31-4B8C-83A1-F6EECF244321}">
+                <p14:modId xmlns:p14="http://schemas.microsoft.com/office/powerpoint/2010/main" val="2236425810"/>
+              </p:ext>
+            </p:extLst>
+          </p:nvPr>
         </p:nvGraphicFramePr>
         <p:xfrm>
           <a:off x="4179887" y="1163637"/>
@@ -10225,12 +9611,12 @@
           <a:graphicData uri="http://schemas.openxmlformats.org/presentationml/2006/ole">
             <mc:AlternateContent xmlns:mc="http://schemas.openxmlformats.org/markup-compatibility/2006">
               <mc:Choice xmlns:v="urn:schemas-microsoft-com:vml" Requires="v">
-                <p:oleObj name="Equation" r:id="rId6" imgW="1396800" imgH="1346040" progId="Equation.3">
+                <p:oleObj name="Equation" r:id="rId8" imgW="1396800" imgH="1346040" progId="Equation.3">
                   <p:embed/>
                 </p:oleObj>
               </mc:Choice>
               <mc:Fallback>
-                <p:oleObj name="Equation" r:id="rId6" imgW="1396800" imgH="1346040" progId="Equation.3">
+                <p:oleObj name="Equation" r:id="rId8" imgW="1396800" imgH="1346040" progId="Equation.3">
                   <p:embed/>
                   <p:pic>
                     <p:nvPicPr>
@@ -10241,7 +9627,7 @@
                       <p:nvPr/>
                     </p:nvPicPr>
                     <p:blipFill>
-                      <a:blip r:embed="rId7">
+                      <a:blip r:embed="rId9">
                         <a:extLst>
                           <a:ext uri="{28A0092B-C50C-407E-A947-70E740481C1C}">
                             <a14:useLocalDpi xmlns:a14="http://schemas.microsoft.com/office/drawing/2010/main" val="0"/>
@@ -10365,7 +9751,635 @@
       </p:sp>
       <p:sp>
         <p:nvSpPr>
-          <p:cNvPr id="20" name="TextBox 19">
+          <p:cNvPr id="22" name="TextBox 21">
+            <a:extLst>
+              <a:ext uri="{FF2B5EF4-FFF2-40B4-BE49-F238E27FC236}">
+                <a16:creationId xmlns:a16="http://schemas.microsoft.com/office/drawing/2014/main" id="{4B648F32-7105-F523-4EAE-5327C48CD8D2}"/>
+              </a:ext>
+            </a:extLst>
+          </p:cNvPr>
+          <p:cNvSpPr txBox="1"/>
+          <p:nvPr/>
+        </p:nvSpPr>
+        <p:spPr>
+          <a:xfrm>
+            <a:off x="9085949" y="665304"/>
+            <a:ext cx="822661" cy="400110"/>
+          </a:xfrm>
+          <a:prstGeom prst="rect">
+            <a:avLst/>
+          </a:prstGeom>
+          <a:noFill/>
+        </p:spPr>
+        <p:txBody>
+          <a:bodyPr wrap="none" rtlCol="0">
+            <a:spAutoFit/>
+          </a:bodyPr>
+          <a:lstStyle/>
+          <a:p>
+            <a:r>
+              <a:rPr lang="en-US" altLang="zh-CN" sz="2000" b="0" dirty="0">
+                <a:solidFill>
+                  <a:schemeClr val="dk1"/>
+                </a:solidFill>
+                <a:latin typeface="+mn-lt"/>
+                <a:ea typeface="+mn-ea"/>
+                <a:cs typeface="+mn-cs"/>
+              </a:rPr>
+              <a:t>Need</a:t>
+            </a:r>
+            <a:endParaRPr lang="en-GB" sz="2000" b="0" dirty="0">
+              <a:solidFill>
+                <a:schemeClr val="dk1"/>
+              </a:solidFill>
+              <a:latin typeface="+mn-lt"/>
+              <a:ea typeface="+mn-ea"/>
+              <a:cs typeface="+mn-cs"/>
+            </a:endParaRPr>
+          </a:p>
+        </p:txBody>
+      </p:sp>
+      <p:graphicFrame>
+        <p:nvGraphicFramePr>
+          <p:cNvPr id="23" name="Object 3">
+            <a:extLst>
+              <a:ext uri="{FF2B5EF4-FFF2-40B4-BE49-F238E27FC236}">
+                <a16:creationId xmlns:a16="http://schemas.microsoft.com/office/drawing/2014/main" id="{06E861FC-D68E-CD7A-71ED-F7EE3565A007}"/>
+              </a:ext>
+            </a:extLst>
+          </p:cNvPr>
+          <p:cNvGraphicFramePr>
+            <a:graphicFrameLocks noChangeAspect="1"/>
+          </p:cNvGraphicFramePr>
+          <p:nvPr>
+            <p:extLst>
+              <p:ext uri="{D42A27DB-BD31-4B8C-83A1-F6EECF244321}">
+                <p14:modId xmlns:p14="http://schemas.microsoft.com/office/powerpoint/2010/main" val="127866474"/>
+              </p:ext>
+            </p:extLst>
+          </p:nvPr>
+        </p:nvGraphicFramePr>
+        <p:xfrm>
+          <a:off x="7804943" y="1067093"/>
+          <a:ext cx="2982913" cy="2874963"/>
+        </p:xfrm>
+        <a:graphic>
+          <a:graphicData uri="http://schemas.openxmlformats.org/presentationml/2006/ole">
+            <mc:AlternateContent xmlns:mc="http://schemas.openxmlformats.org/markup-compatibility/2006">
+              <mc:Choice xmlns:v="urn:schemas-microsoft-com:vml" Requires="v">
+                <p:oleObj name="Equation" r:id="rId8" imgW="1396800" imgH="1346040" progId="Equation.3">
+                  <p:embed/>
+                </p:oleObj>
+              </mc:Choice>
+              <mc:Fallback>
+                <p:oleObj name="Equation" r:id="rId8" imgW="1396800" imgH="1346040" progId="Equation.3">
+                  <p:embed/>
+                  <p:pic>
+                    <p:nvPicPr>
+                      <p:cNvPr id="2" name="Object 3">
+                        <a:extLst>
+                          <a:ext uri="{FF2B5EF4-FFF2-40B4-BE49-F238E27FC236}">
+                            <a16:creationId xmlns:a16="http://schemas.microsoft.com/office/drawing/2014/main" id="{06E861FC-D68E-CD7A-71ED-F7EE3565A007}"/>
+                          </a:ext>
+                        </a:extLst>
+                      </p:cNvPr>
+                      <p:cNvPicPr>
+                        <a:picLocks noChangeAspect="1" noChangeArrowheads="1"/>
+                      </p:cNvPicPr>
+                      <p:nvPr/>
+                    </p:nvPicPr>
+                    <p:blipFill>
+                      <a:blip r:embed="rId9">
+                        <a:extLst>
+                          <a:ext uri="{28A0092B-C50C-407E-A947-70E740481C1C}">
+                            <a14:useLocalDpi xmlns:a14="http://schemas.microsoft.com/office/drawing/2010/main" val="0"/>
+                          </a:ext>
+                        </a:extLst>
+                      </a:blip>
+                      <a:srcRect/>
+                      <a:stretch>
+                        <a:fillRect/>
+                      </a:stretch>
+                    </p:blipFill>
+                    <p:spPr bwMode="auto">
+                      <a:xfrm>
+                        <a:off x="7804943" y="1067093"/>
+                        <a:ext cx="2982913" cy="2874963"/>
+                      </a:xfrm>
+                      <a:prstGeom prst="rect">
+                        <a:avLst/>
+                      </a:prstGeom>
+                      <a:noFill/>
+                      <a:extLst>
+                        <a:ext uri="{909E8E84-426E-40DD-AFC4-6F175D3DCCD1}">
+                          <a14:hiddenFill xmlns:a14="http://schemas.microsoft.com/office/drawing/2010/main">
+                            <a:solidFill>
+                              <a:srgbClr val="FFFFFF"/>
+                            </a:solidFill>
+                          </a14:hiddenFill>
+                        </a:ext>
+                      </a:extLst>
+                    </p:spPr>
+                  </p:pic>
+                </p:oleObj>
+              </mc:Fallback>
+            </mc:AlternateContent>
+          </a:graphicData>
+        </a:graphic>
+      </p:graphicFrame>
+      <p:sp>
+        <p:nvSpPr>
+          <p:cNvPr id="24" name="TextBox 23">
+            <a:extLst>
+              <a:ext uri="{FF2B5EF4-FFF2-40B4-BE49-F238E27FC236}">
+                <a16:creationId xmlns:a16="http://schemas.microsoft.com/office/drawing/2014/main" id="{1C3B234D-8EEF-69B8-F734-88CCB6B9D4FA}"/>
+              </a:ext>
+            </a:extLst>
+          </p:cNvPr>
+          <p:cNvSpPr txBox="1"/>
+          <p:nvPr/>
+        </p:nvSpPr>
+        <p:spPr>
+          <a:xfrm>
+            <a:off x="8453623" y="1050011"/>
+            <a:ext cx="351378" cy="492443"/>
+          </a:xfrm>
+          <a:prstGeom prst="rect">
+            <a:avLst/>
+          </a:prstGeom>
+          <a:solidFill>
+            <a:schemeClr val="bg1"/>
+          </a:solidFill>
+        </p:spPr>
+        <p:txBody>
+          <a:bodyPr wrap="none" rtlCol="0">
+            <a:spAutoFit/>
+          </a:bodyPr>
+          <a:lstStyle/>
+          <a:p>
+            <a:r>
+              <a:rPr lang="en-US" sz="2500" dirty="0">
+                <a:latin typeface="Gill Sans Light"/>
+              </a:rPr>
+              <a:t>0</a:t>
+            </a:r>
+            <a:endParaRPr lang="en-SE" sz="2500" dirty="0">
+              <a:latin typeface="Gill Sans Light"/>
+            </a:endParaRPr>
+          </a:p>
+        </p:txBody>
+      </p:sp>
+      <p:sp>
+        <p:nvSpPr>
+          <p:cNvPr id="25" name="TextBox 24">
+            <a:extLst>
+              <a:ext uri="{FF2B5EF4-FFF2-40B4-BE49-F238E27FC236}">
+                <a16:creationId xmlns:a16="http://schemas.microsoft.com/office/drawing/2014/main" id="{72E01D1F-5A27-8335-31EE-5669FD06E7E6}"/>
+              </a:ext>
+            </a:extLst>
+          </p:cNvPr>
+          <p:cNvSpPr txBox="1"/>
+          <p:nvPr/>
+        </p:nvSpPr>
+        <p:spPr>
+          <a:xfrm>
+            <a:off x="8942884" y="1050011"/>
+            <a:ext cx="344966" cy="477054"/>
+          </a:xfrm>
+          <a:prstGeom prst="rect">
+            <a:avLst/>
+          </a:prstGeom>
+          <a:solidFill>
+            <a:schemeClr val="bg1"/>
+          </a:solidFill>
+        </p:spPr>
+        <p:txBody>
+          <a:bodyPr wrap="none" rtlCol="0">
+            <a:spAutoFit/>
+          </a:bodyPr>
+          <a:lstStyle/>
+          <a:p>
+            <a:r>
+              <a:rPr lang="en-US" sz="2500" dirty="0">
+                <a:latin typeface="Gill Sans Light"/>
+              </a:rPr>
+              <a:t>1</a:t>
+            </a:r>
+            <a:endParaRPr lang="en-SE" sz="2500" dirty="0">
+              <a:latin typeface="Gill Sans Light"/>
+            </a:endParaRPr>
+          </a:p>
+        </p:txBody>
+      </p:sp>
+      <p:sp>
+        <p:nvSpPr>
+          <p:cNvPr id="26" name="TextBox 25">
+            <a:extLst>
+              <a:ext uri="{FF2B5EF4-FFF2-40B4-BE49-F238E27FC236}">
+                <a16:creationId xmlns:a16="http://schemas.microsoft.com/office/drawing/2014/main" id="{DA8E8214-3FB5-91B2-80F8-17484AD63877}"/>
+              </a:ext>
+            </a:extLst>
+          </p:cNvPr>
+          <p:cNvSpPr txBox="1"/>
+          <p:nvPr/>
+        </p:nvSpPr>
+        <p:spPr>
+          <a:xfrm>
+            <a:off x="8915400" y="1527065"/>
+            <a:ext cx="351378" cy="492443"/>
+          </a:xfrm>
+          <a:prstGeom prst="rect">
+            <a:avLst/>
+          </a:prstGeom>
+          <a:solidFill>
+            <a:schemeClr val="bg1"/>
+          </a:solidFill>
+        </p:spPr>
+        <p:txBody>
+          <a:bodyPr wrap="none" rtlCol="0">
+            <a:spAutoFit/>
+          </a:bodyPr>
+          <a:lstStyle/>
+          <a:p>
+            <a:r>
+              <a:rPr lang="en-US" sz="2500" dirty="0">
+                <a:latin typeface="Gill Sans Light"/>
+              </a:rPr>
+              <a:t>0</a:t>
+            </a:r>
+            <a:endParaRPr lang="en-SE" sz="2500" dirty="0">
+              <a:latin typeface="Gill Sans Light"/>
+            </a:endParaRPr>
+          </a:p>
+        </p:txBody>
+      </p:sp>
+      <p:sp>
+        <p:nvSpPr>
+          <p:cNvPr id="27" name="TextBox 26">
+            <a:extLst>
+              <a:ext uri="{FF2B5EF4-FFF2-40B4-BE49-F238E27FC236}">
+                <a16:creationId xmlns:a16="http://schemas.microsoft.com/office/drawing/2014/main" id="{2CF4D9F6-2C29-49FE-7478-9A969ED09A4D}"/>
+              </a:ext>
+            </a:extLst>
+          </p:cNvPr>
+          <p:cNvSpPr txBox="1"/>
+          <p:nvPr/>
+        </p:nvSpPr>
+        <p:spPr>
+          <a:xfrm>
+            <a:off x="9404661" y="1527065"/>
+            <a:ext cx="344966" cy="477054"/>
+          </a:xfrm>
+          <a:prstGeom prst="rect">
+            <a:avLst/>
+          </a:prstGeom>
+          <a:solidFill>
+            <a:schemeClr val="bg1"/>
+          </a:solidFill>
+        </p:spPr>
+        <p:txBody>
+          <a:bodyPr wrap="none" rtlCol="0">
+            <a:spAutoFit/>
+          </a:bodyPr>
+          <a:lstStyle/>
+          <a:p>
+            <a:r>
+              <a:rPr lang="en-US" sz="2500" dirty="0">
+                <a:latin typeface="Gill Sans Light"/>
+              </a:rPr>
+              <a:t>1</a:t>
+            </a:r>
+            <a:endParaRPr lang="en-SE" sz="2500" dirty="0">
+              <a:latin typeface="Gill Sans Light"/>
+            </a:endParaRPr>
+          </a:p>
+        </p:txBody>
+      </p:sp>
+      <p:sp>
+        <p:nvSpPr>
+          <p:cNvPr id="28" name="TextBox 27">
+            <a:extLst>
+              <a:ext uri="{FF2B5EF4-FFF2-40B4-BE49-F238E27FC236}">
+                <a16:creationId xmlns:a16="http://schemas.microsoft.com/office/drawing/2014/main" id="{FE8F3498-9404-66C7-7A8C-A363B3A1D1C4}"/>
+              </a:ext>
+            </a:extLst>
+          </p:cNvPr>
+          <p:cNvSpPr txBox="1"/>
+          <p:nvPr/>
+        </p:nvSpPr>
+        <p:spPr>
+          <a:xfrm>
+            <a:off x="9395178" y="2030813"/>
+            <a:ext cx="351378" cy="492443"/>
+          </a:xfrm>
+          <a:prstGeom prst="rect">
+            <a:avLst/>
+          </a:prstGeom>
+          <a:solidFill>
+            <a:schemeClr val="bg1"/>
+          </a:solidFill>
+        </p:spPr>
+        <p:txBody>
+          <a:bodyPr wrap="none" rtlCol="0">
+            <a:spAutoFit/>
+          </a:bodyPr>
+          <a:lstStyle/>
+          <a:p>
+            <a:r>
+              <a:rPr lang="en-US" sz="2500" dirty="0">
+                <a:latin typeface="Gill Sans Light"/>
+              </a:rPr>
+              <a:t>0</a:t>
+            </a:r>
+            <a:endParaRPr lang="en-SE" sz="2500" dirty="0">
+              <a:latin typeface="Gill Sans Light"/>
+            </a:endParaRPr>
+          </a:p>
+        </p:txBody>
+      </p:sp>
+      <p:sp>
+        <p:nvSpPr>
+          <p:cNvPr id="29" name="TextBox 28">
+            <a:extLst>
+              <a:ext uri="{FF2B5EF4-FFF2-40B4-BE49-F238E27FC236}">
+                <a16:creationId xmlns:a16="http://schemas.microsoft.com/office/drawing/2014/main" id="{27B164E4-6F67-B54A-0C81-6B60DEA49553}"/>
+              </a:ext>
+            </a:extLst>
+          </p:cNvPr>
+          <p:cNvSpPr txBox="1"/>
+          <p:nvPr/>
+        </p:nvSpPr>
+        <p:spPr>
+          <a:xfrm>
+            <a:off x="9884439" y="2030813"/>
+            <a:ext cx="344966" cy="477054"/>
+          </a:xfrm>
+          <a:prstGeom prst="rect">
+            <a:avLst/>
+          </a:prstGeom>
+          <a:solidFill>
+            <a:schemeClr val="bg1"/>
+          </a:solidFill>
+        </p:spPr>
+        <p:txBody>
+          <a:bodyPr wrap="none" rtlCol="0">
+            <a:spAutoFit/>
+          </a:bodyPr>
+          <a:lstStyle/>
+          <a:p>
+            <a:r>
+              <a:rPr lang="en-US" sz="2500" dirty="0">
+                <a:latin typeface="Gill Sans Light"/>
+              </a:rPr>
+              <a:t>1</a:t>
+            </a:r>
+            <a:endParaRPr lang="en-SE" sz="2500" dirty="0">
+              <a:latin typeface="Gill Sans Light"/>
+            </a:endParaRPr>
+          </a:p>
+        </p:txBody>
+      </p:sp>
+      <p:sp>
+        <p:nvSpPr>
+          <p:cNvPr id="30" name="TextBox 29">
+            <a:extLst>
+              <a:ext uri="{FF2B5EF4-FFF2-40B4-BE49-F238E27FC236}">
+                <a16:creationId xmlns:a16="http://schemas.microsoft.com/office/drawing/2014/main" id="{16D58D34-74BD-42DF-3A70-43B8633A4CD7}"/>
+              </a:ext>
+            </a:extLst>
+          </p:cNvPr>
+          <p:cNvSpPr txBox="1"/>
+          <p:nvPr/>
+        </p:nvSpPr>
+        <p:spPr>
+          <a:xfrm>
+            <a:off x="9909973" y="2498338"/>
+            <a:ext cx="351378" cy="492443"/>
+          </a:xfrm>
+          <a:prstGeom prst="rect">
+            <a:avLst/>
+          </a:prstGeom>
+          <a:solidFill>
+            <a:schemeClr val="bg1"/>
+          </a:solidFill>
+        </p:spPr>
+        <p:txBody>
+          <a:bodyPr wrap="none" rtlCol="0">
+            <a:spAutoFit/>
+          </a:bodyPr>
+          <a:lstStyle/>
+          <a:p>
+            <a:r>
+              <a:rPr lang="en-US" sz="2500" dirty="0">
+                <a:latin typeface="Gill Sans Light"/>
+              </a:rPr>
+              <a:t>0</a:t>
+            </a:r>
+            <a:endParaRPr lang="en-SE" sz="2500" dirty="0">
+              <a:latin typeface="Gill Sans Light"/>
+            </a:endParaRPr>
+          </a:p>
+        </p:txBody>
+      </p:sp>
+      <p:sp>
+        <p:nvSpPr>
+          <p:cNvPr id="31" name="TextBox 30">
+            <a:extLst>
+              <a:ext uri="{FF2B5EF4-FFF2-40B4-BE49-F238E27FC236}">
+                <a16:creationId xmlns:a16="http://schemas.microsoft.com/office/drawing/2014/main" id="{0E492909-AC0F-0BD3-E533-A97C8A3E879C}"/>
+              </a:ext>
+            </a:extLst>
+          </p:cNvPr>
+          <p:cNvSpPr txBox="1"/>
+          <p:nvPr/>
+        </p:nvSpPr>
+        <p:spPr>
+          <a:xfrm>
+            <a:off x="10309578" y="2498338"/>
+            <a:ext cx="344966" cy="477054"/>
+          </a:xfrm>
+          <a:prstGeom prst="rect">
+            <a:avLst/>
+          </a:prstGeom>
+          <a:solidFill>
+            <a:schemeClr val="bg1"/>
+          </a:solidFill>
+        </p:spPr>
+        <p:txBody>
+          <a:bodyPr wrap="none" rtlCol="0">
+            <a:spAutoFit/>
+          </a:bodyPr>
+          <a:lstStyle/>
+          <a:p>
+            <a:r>
+              <a:rPr lang="en-US" sz="2500" dirty="0">
+                <a:latin typeface="Gill Sans Light"/>
+              </a:rPr>
+              <a:t>1</a:t>
+            </a:r>
+            <a:endParaRPr lang="en-SE" sz="2500" dirty="0">
+              <a:latin typeface="Gill Sans Light"/>
+            </a:endParaRPr>
+          </a:p>
+        </p:txBody>
+      </p:sp>
+      <p:sp>
+        <p:nvSpPr>
+          <p:cNvPr id="32" name="TextBox 31">
+            <a:extLst>
+              <a:ext uri="{FF2B5EF4-FFF2-40B4-BE49-F238E27FC236}">
+                <a16:creationId xmlns:a16="http://schemas.microsoft.com/office/drawing/2014/main" id="{85C8CC8B-4443-B8A2-86A7-4BFFCC5566BD}"/>
+              </a:ext>
+            </a:extLst>
+          </p:cNvPr>
+          <p:cNvSpPr txBox="1"/>
+          <p:nvPr/>
+        </p:nvSpPr>
+        <p:spPr>
+          <a:xfrm>
+            <a:off x="8456829" y="2990781"/>
+            <a:ext cx="344966" cy="477054"/>
+          </a:xfrm>
+          <a:prstGeom prst="rect">
+            <a:avLst/>
+          </a:prstGeom>
+          <a:solidFill>
+            <a:schemeClr val="bg1"/>
+          </a:solidFill>
+        </p:spPr>
+        <p:txBody>
+          <a:bodyPr wrap="none" rtlCol="0">
+            <a:spAutoFit/>
+          </a:bodyPr>
+          <a:lstStyle/>
+          <a:p>
+            <a:r>
+              <a:rPr lang="en-US" sz="2500" dirty="0">
+                <a:latin typeface="Gill Sans Light"/>
+              </a:rPr>
+              <a:t>1</a:t>
+            </a:r>
+            <a:endParaRPr lang="en-SE" sz="2500" dirty="0">
+              <a:latin typeface="Gill Sans Light"/>
+            </a:endParaRPr>
+          </a:p>
+        </p:txBody>
+      </p:sp>
+      <mc:AlternateContent xmlns:mc="http://schemas.openxmlformats.org/markup-compatibility/2006">
+        <mc:Choice xmlns:a14="http://schemas.microsoft.com/office/drawing/2010/main" Requires="a14">
+          <p:sp>
+            <p:nvSpPr>
+              <p:cNvPr id="33" name="TextBox 32">
+                <a:extLst>
+                  <a:ext uri="{FF2B5EF4-FFF2-40B4-BE49-F238E27FC236}">
+                    <a16:creationId xmlns:a16="http://schemas.microsoft.com/office/drawing/2014/main" id="{45D4E9EC-CABB-0565-2361-B3660D3C53F7}"/>
+                  </a:ext>
+                </a:extLst>
+              </p:cNvPr>
+              <p:cNvSpPr txBox="1"/>
+              <p:nvPr/>
+            </p:nvSpPr>
+            <p:spPr>
+              <a:xfrm>
+                <a:off x="6955947" y="2013210"/>
+                <a:ext cx="1181606" cy="523220"/>
+              </a:xfrm>
+              <a:prstGeom prst="rect">
+                <a:avLst/>
+              </a:prstGeom>
+              <a:solidFill>
+                <a:schemeClr val="bg1"/>
+              </a:solidFill>
+            </p:spPr>
+            <p:txBody>
+              <a:bodyPr wrap="none" rtlCol="0">
+                <a:spAutoFit/>
+              </a:bodyPr>
+              <a:lstStyle/>
+              <a:p>
+                <a:pPr/>
+                <a14:m>
+                  <m:oMathPara xmlns:m="http://schemas.openxmlformats.org/officeDocument/2006/math">
+                    <m:oMathParaPr>
+                      <m:jc m:val="centerGroup"/>
+                    </m:oMathParaPr>
+                    <m:oMath xmlns:m="http://schemas.openxmlformats.org/officeDocument/2006/math">
+                      <m:r>
+                        <a:rPr lang="en-US" sz="2800" i="1" dirty="0" smtClean="0">
+                          <a:latin typeface="Cambria Math" panose="02040503050406030204" pitchFamily="18" charset="0"/>
+                        </a:rPr>
+                        <m:t>𝑅</m:t>
+                      </m:r>
+                      <m:r>
+                        <a:rPr lang="en-GB" sz="2800" i="1" dirty="0" smtClean="0">
+                          <a:latin typeface="Cambria Math" panose="02040503050406030204" pitchFamily="18" charset="0"/>
+                        </a:rPr>
+                        <m:t>−</m:t>
+                      </m:r>
+                      <m:r>
+                        <a:rPr lang="en-GB" sz="2800" i="1" dirty="0" smtClean="0">
+                          <a:latin typeface="Cambria Math" panose="02040503050406030204" pitchFamily="18" charset="0"/>
+                        </a:rPr>
+                        <m:t>𝐶</m:t>
+                      </m:r>
+                    </m:oMath>
+                  </m:oMathPara>
+                </a14:m>
+                <a:endParaRPr lang="en-SE" sz="2800" dirty="0">
+                  <a:latin typeface="Gill Sans Light"/>
+                </a:endParaRPr>
+              </a:p>
+            </p:txBody>
+          </p:sp>
+        </mc:Choice>
+        <mc:Fallback>
+          <p:sp>
+            <p:nvSpPr>
+              <p:cNvPr id="33" name="TextBox 32">
+                <a:extLst>
+                  <a:ext uri="{FF2B5EF4-FFF2-40B4-BE49-F238E27FC236}">
+                    <a16:creationId xmlns:a16="http://schemas.microsoft.com/office/drawing/2014/main" id="{45D4E9EC-CABB-0565-2361-B3660D3C53F7}"/>
+                  </a:ext>
+                </a:extLst>
+              </p:cNvPr>
+              <p:cNvSpPr txBox="1">
+                <a:spLocks noRot="1" noChangeAspect="1" noMove="1" noResize="1" noEditPoints="1" noAdjustHandles="1" noChangeArrowheads="1" noChangeShapeType="1" noTextEdit="1"/>
+              </p:cNvSpPr>
+              <p:nvPr/>
+            </p:nvSpPr>
+            <p:spPr>
+              <a:xfrm>
+                <a:off x="6955947" y="2013210"/>
+                <a:ext cx="1181606" cy="523220"/>
+              </a:xfrm>
+              <a:prstGeom prst="rect">
+                <a:avLst/>
+              </a:prstGeom>
+              <a:blipFill>
+                <a:blip r:embed="rId10"/>
+                <a:stretch>
+                  <a:fillRect/>
+                </a:stretch>
+              </a:blipFill>
+            </p:spPr>
+            <p:txBody>
+              <a:bodyPr/>
+              <a:lstStyle/>
+              <a:p>
+                <a:r>
+                  <a:rPr lang="en-SE">
+                    <a:noFill/>
+                  </a:rPr>
+                  <a:t> </a:t>
+                </a:r>
+              </a:p>
+            </p:txBody>
+          </p:sp>
+        </mc:Fallback>
+      </mc:AlternateContent>
+      <p:sp>
+        <p:nvSpPr>
+          <p:cNvPr id="34" name="TextBox 33">
             <a:extLst>
               <a:ext uri="{FF2B5EF4-FFF2-40B4-BE49-F238E27FC236}">
                 <a16:creationId xmlns:a16="http://schemas.microsoft.com/office/drawing/2014/main" id="{07A88EC0-AFB4-5912-5848-75A0D718DF59}"/>
@@ -10407,7 +10421,7 @@
       </p:sp>
       <p:graphicFrame>
         <p:nvGraphicFramePr>
-          <p:cNvPr id="3" name="Content Placeholder 5">
+          <p:cNvPr id="35" name="Content Placeholder 5">
             <a:extLst>
               <a:ext uri="{FF2B5EF4-FFF2-40B4-BE49-F238E27FC236}">
                 <a16:creationId xmlns:a16="http://schemas.microsoft.com/office/drawing/2014/main" id="{AA265A89-5866-B501-86D7-8D41859F0403}"/>
@@ -10420,13 +10434,13 @@
           <p:nvPr>
             <p:extLst>
               <p:ext uri="{D42A27DB-BD31-4B8C-83A1-F6EECF244321}">
-                <p14:modId xmlns:p14="http://schemas.microsoft.com/office/powerpoint/2010/main" val="3058452747"/>
+                <p14:modId xmlns:p14="http://schemas.microsoft.com/office/powerpoint/2010/main" val="1680646417"/>
               </p:ext>
             </p:extLst>
           </p:nvPr>
         </p:nvGraphicFramePr>
         <p:xfrm>
-          <a:off x="8091273" y="4038600"/>
+          <a:off x="8091273" y="4084320"/>
           <a:ext cx="3310566" cy="2773680"/>
         </p:xfrm>
         <a:graphic>
@@ -11108,7 +11122,7 @@
       </p:graphicFrame>
       <p:sp>
         <p:nvSpPr>
-          <p:cNvPr id="21" name="TextBox 20">
+          <p:cNvPr id="36" name="TextBox 35">
             <a:extLst>
               <a:ext uri="{FF2B5EF4-FFF2-40B4-BE49-F238E27FC236}">
                 <a16:creationId xmlns:a16="http://schemas.microsoft.com/office/drawing/2014/main" id="{17F2632B-010E-7595-9FB6-99BB3A75B80A}"/>
@@ -11185,8 +11199,8 @@
         </p:nvSpPr>
         <p:spPr>
           <a:xfrm>
-            <a:off x="914400" y="-121804"/>
-            <a:ext cx="10146159" cy="1143000"/>
+            <a:off x="1219200" y="-209993"/>
+            <a:ext cx="9829800" cy="1143000"/>
           </a:xfrm>
         </p:spPr>
         <p:txBody>
@@ -11211,15 +11225,10 @@
           </p:cNvGraphicFramePr>
           <p:nvPr>
             <p:ph sz="quarter" idx="3"/>
-            <p:extLst>
-              <p:ext uri="{D42A27DB-BD31-4B8C-83A1-F6EECF244321}">
-                <p14:modId xmlns:p14="http://schemas.microsoft.com/office/powerpoint/2010/main" val="2384629031"/>
-              </p:ext>
-            </p:extLst>
           </p:nvPr>
         </p:nvGraphicFramePr>
         <p:xfrm>
-          <a:off x="2492374" y="4466121"/>
+          <a:off x="2403475" y="4715357"/>
           <a:ext cx="2955925" cy="503136"/>
         </p:xfrm>
         <a:graphic>
@@ -11256,7 +11265,7 @@
                     </p:blipFill>
                     <p:spPr bwMode="auto">
                       <a:xfrm>
-                        <a:off x="2492374" y="4466121"/>
+                        <a:off x="2403475" y="4715357"/>
                         <a:ext cx="2955925" cy="503136"/>
                       </a:xfrm>
                       <a:prstGeom prst="rect">
@@ -11286,16 +11295,10 @@
           <p:cNvGraphicFramePr>
             <a:graphicFrameLocks noChangeAspect="1"/>
           </p:cNvGraphicFramePr>
-          <p:nvPr>
-            <p:extLst>
-              <p:ext uri="{D42A27DB-BD31-4B8C-83A1-F6EECF244321}">
-                <p14:modId xmlns:p14="http://schemas.microsoft.com/office/powerpoint/2010/main" val="3302629806"/>
-              </p:ext>
-            </p:extLst>
-          </p:nvPr>
+          <p:nvPr/>
         </p:nvGraphicFramePr>
         <p:xfrm>
-          <a:off x="1460499" y="1295400"/>
+          <a:off x="1371600" y="1544636"/>
           <a:ext cx="2982912" cy="2387600"/>
         </p:xfrm>
         <a:graphic>
@@ -11332,7 +11335,7 @@
                     </p:blipFill>
                     <p:spPr bwMode="auto">
                       <a:xfrm>
-                        <a:off x="1460499" y="1295400"/>
+                        <a:off x="1371600" y="1544636"/>
                         <a:ext cx="2982912" cy="2387600"/>
                       </a:xfrm>
                       <a:prstGeom prst="rect">
@@ -11362,16 +11365,10 @@
           <p:cNvGraphicFramePr>
             <a:graphicFrameLocks noChangeAspect="1"/>
           </p:cNvGraphicFramePr>
-          <p:nvPr>
-            <p:extLst>
-              <p:ext uri="{D42A27DB-BD31-4B8C-83A1-F6EECF244321}">
-                <p14:modId xmlns:p14="http://schemas.microsoft.com/office/powerpoint/2010/main" val="1550923208"/>
-              </p:ext>
-            </p:extLst>
-          </p:nvPr>
+          <p:nvPr/>
         </p:nvGraphicFramePr>
         <p:xfrm>
-          <a:off x="4637087" y="1295401"/>
+          <a:off x="4548188" y="1544637"/>
           <a:ext cx="2982913" cy="2874963"/>
         </p:xfrm>
         <a:graphic>
@@ -11408,7 +11405,7 @@
                     </p:blipFill>
                     <p:spPr bwMode="auto">
                       <a:xfrm>
-                        <a:off x="4637087" y="1295401"/>
+                        <a:off x="4548188" y="1544637"/>
                         <a:ext cx="2982913" cy="2874963"/>
                       </a:xfrm>
                       <a:prstGeom prst="rect">
@@ -11438,16 +11435,10 @@
           <p:cNvGraphicFramePr>
             <a:graphicFrameLocks noChangeAspect="1"/>
           </p:cNvGraphicFramePr>
-          <p:nvPr>
-            <p:extLst>
-              <p:ext uri="{D42A27DB-BD31-4B8C-83A1-F6EECF244321}">
-                <p14:modId xmlns:p14="http://schemas.microsoft.com/office/powerpoint/2010/main" val="407991978"/>
-              </p:ext>
-            </p:extLst>
-          </p:nvPr>
+          <p:nvPr/>
         </p:nvGraphicFramePr>
         <p:xfrm>
-          <a:off x="5927723" y="4466121"/>
+          <a:off x="5838824" y="4715357"/>
           <a:ext cx="3251200" cy="503238"/>
         </p:xfrm>
         <a:graphic>
@@ -11484,7 +11475,7 @@
                     </p:blipFill>
                     <p:spPr bwMode="auto">
                       <a:xfrm>
-                        <a:off x="5927723" y="4466121"/>
+                        <a:off x="5838824" y="4715357"/>
                         <a:ext cx="3251200" cy="503238"/>
                       </a:xfrm>
                       <a:prstGeom prst="rect">
@@ -11565,7 +11556,7 @@
         </p:nvSpPr>
         <p:spPr>
           <a:xfrm>
-            <a:off x="2815378" y="895290"/>
+            <a:off x="2726479" y="1144526"/>
             <a:ext cx="692818" cy="400110"/>
           </a:xfrm>
           <a:prstGeom prst="rect">
@@ -11607,7 +11598,7 @@
         </p:nvSpPr>
         <p:spPr>
           <a:xfrm>
-            <a:off x="5548312" y="895290"/>
+            <a:off x="5459413" y="1144526"/>
             <a:ext cx="1372492" cy="400110"/>
           </a:xfrm>
           <a:prstGeom prst="rect">
@@ -11649,7 +11640,7 @@
         </p:nvSpPr>
         <p:spPr>
           <a:xfrm>
-            <a:off x="3771250" y="4061771"/>
+            <a:off x="3682351" y="4311007"/>
             <a:ext cx="816249" cy="400110"/>
           </a:xfrm>
           <a:prstGeom prst="rect">
@@ -11691,7 +11682,7 @@
         </p:nvSpPr>
         <p:spPr>
           <a:xfrm>
-            <a:off x="7047850" y="4061771"/>
+            <a:off x="6958951" y="4311007"/>
             <a:ext cx="1266693" cy="400110"/>
           </a:xfrm>
           <a:prstGeom prst="rect">
@@ -11733,7 +11724,7 @@
         </p:nvSpPr>
         <p:spPr>
           <a:xfrm>
-            <a:off x="8901006" y="893611"/>
+            <a:off x="8812107" y="1142847"/>
             <a:ext cx="822661" cy="400110"/>
           </a:xfrm>
           <a:prstGeom prst="rect">
@@ -11781,16 +11772,10 @@
           <p:cNvGraphicFramePr>
             <a:graphicFrameLocks noChangeAspect="1"/>
           </p:cNvGraphicFramePr>
-          <p:nvPr>
-            <p:extLst>
-              <p:ext uri="{D42A27DB-BD31-4B8C-83A1-F6EECF244321}">
-                <p14:modId xmlns:p14="http://schemas.microsoft.com/office/powerpoint/2010/main" val="2634434110"/>
-              </p:ext>
-            </p:extLst>
-          </p:nvPr>
+          <p:nvPr/>
         </p:nvGraphicFramePr>
         <p:xfrm>
-          <a:off x="7620000" y="1295400"/>
+          <a:off x="7531101" y="1544636"/>
           <a:ext cx="2982913" cy="2874963"/>
         </p:xfrm>
         <a:graphic>
@@ -11833,7 +11818,7 @@
                     </p:blipFill>
                     <p:spPr bwMode="auto">
                       <a:xfrm>
-                        <a:off x="7620000" y="1295400"/>
+                        <a:off x="7531101" y="1544636"/>
                         <a:ext cx="2982913" cy="2874963"/>
                       </a:xfrm>
                       <a:prstGeom prst="rect">
@@ -11871,7 +11856,7 @@
         </p:nvSpPr>
         <p:spPr>
           <a:xfrm>
-            <a:off x="8268680" y="1278318"/>
+            <a:off x="8179781" y="1527554"/>
             <a:ext cx="351378" cy="492443"/>
           </a:xfrm>
           <a:prstGeom prst="rect">
@@ -11913,7 +11898,7 @@
         </p:nvSpPr>
         <p:spPr>
           <a:xfrm>
-            <a:off x="8757941" y="1278318"/>
+            <a:off x="8669042" y="1527554"/>
             <a:ext cx="344966" cy="477054"/>
           </a:xfrm>
           <a:prstGeom prst="rect">
@@ -11955,7 +11940,7 @@
         </p:nvSpPr>
         <p:spPr>
           <a:xfrm>
-            <a:off x="8730457" y="1755372"/>
+            <a:off x="8641558" y="2004608"/>
             <a:ext cx="351378" cy="492443"/>
           </a:xfrm>
           <a:prstGeom prst="rect">
@@ -11997,7 +11982,7 @@
         </p:nvSpPr>
         <p:spPr>
           <a:xfrm>
-            <a:off x="9219718" y="1755372"/>
+            <a:off x="9130819" y="2004608"/>
             <a:ext cx="344966" cy="477054"/>
           </a:xfrm>
           <a:prstGeom prst="rect">
@@ -12039,7 +12024,7 @@
         </p:nvSpPr>
         <p:spPr>
           <a:xfrm>
-            <a:off x="9210235" y="2259120"/>
+            <a:off x="9121336" y="2508356"/>
             <a:ext cx="351378" cy="492443"/>
           </a:xfrm>
           <a:prstGeom prst="rect">
@@ -12081,7 +12066,7 @@
         </p:nvSpPr>
         <p:spPr>
           <a:xfrm>
-            <a:off x="9699496" y="2259120"/>
+            <a:off x="9610597" y="2508356"/>
             <a:ext cx="344966" cy="477054"/>
           </a:xfrm>
           <a:prstGeom prst="rect">
@@ -12123,7 +12108,7 @@
         </p:nvSpPr>
         <p:spPr>
           <a:xfrm>
-            <a:off x="9725030" y="2726645"/>
+            <a:off x="9636131" y="2975881"/>
             <a:ext cx="351378" cy="492443"/>
           </a:xfrm>
           <a:prstGeom prst="rect">
@@ -12165,7 +12150,7 @@
         </p:nvSpPr>
         <p:spPr>
           <a:xfrm>
-            <a:off x="10124635" y="2726645"/>
+            <a:off x="10035736" y="2975881"/>
             <a:ext cx="344966" cy="477054"/>
           </a:xfrm>
           <a:prstGeom prst="rect">
@@ -12207,7 +12192,7 @@
         </p:nvSpPr>
         <p:spPr>
           <a:xfrm>
-            <a:off x="8271886" y="3219088"/>
+            <a:off x="8182987" y="3468324"/>
             <a:ext cx="344966" cy="477054"/>
           </a:xfrm>
           <a:prstGeom prst="rect">
@@ -12249,7 +12234,7 @@
         </p:nvSpPr>
         <p:spPr bwMode="auto">
           <a:xfrm>
-            <a:off x="7140474" y="3297741"/>
+            <a:off x="7051575" y="3546977"/>
             <a:ext cx="348291" cy="304800"/>
           </a:xfrm>
           <a:prstGeom prst="rect">
@@ -12268,7 +12253,7 @@
           <a:effectLst/>
           <a:extLst>
             <a:ext uri="{AF507438-7753-43e0-B8FC-AC1667EBCBE1}">
-              <a14:hiddenEffects xmlns="" xmlns:a14="http://schemas.microsoft.com/office/drawing/2010/main">
+              <a14:hiddenEffects xmlns:a14="http://schemas.microsoft.com/office/drawing/2010/main" xmlns="">
                 <a:effectLst>
                   <a:outerShdw dist="35921" dir="2700000" algn="ctr" rotWithShape="0">
                     <a:schemeClr val="bg2"/>
@@ -12543,7 +12528,7 @@
           <a:effectLst/>
           <a:extLst>
             <a:ext uri="{AF507438-7753-43e0-B8FC-AC1667EBCBE1}">
-              <a14:hiddenEffects xmlns="" xmlns:a14="http://schemas.microsoft.com/office/drawing/2010/main">
+              <a14:hiddenEffects xmlns:a14="http://schemas.microsoft.com/office/drawing/2010/main" xmlns="">
                 <a:effectLst>
                   <a:outerShdw dist="35921" dir="2700000" algn="ctr" rotWithShape="0">
                     <a:schemeClr val="bg2"/>
@@ -12595,1232 +12580,6 @@
 </file>
 
 <file path=ppt/slides/slide8.xml><?xml version="1.0" encoding="utf-8"?>
-<p:sld xmlns:a="http://schemas.openxmlformats.org/drawingml/2006/main" xmlns:r="http://schemas.openxmlformats.org/officeDocument/2006/relationships" xmlns:p="http://schemas.openxmlformats.org/presentationml/2006/main">
-  <p:cSld>
-    <p:spTree>
-      <p:nvGrpSpPr>
-        <p:cNvPr id="1" name="">
-          <a:extLst>
-            <a:ext uri="{FF2B5EF4-FFF2-40B4-BE49-F238E27FC236}">
-              <a16:creationId xmlns:a16="http://schemas.microsoft.com/office/drawing/2014/main" id="{85CD035D-F5B9-F2C6-59A2-7DE1BCA7D592}"/>
-            </a:ext>
-          </a:extLst>
-        </p:cNvPr>
-        <p:cNvGrpSpPr/>
-        <p:nvPr/>
-      </p:nvGrpSpPr>
-      <p:grpSpPr>
-        <a:xfrm>
-          <a:off x="0" y="0"/>
-          <a:ext cx="0" cy="0"/>
-          <a:chOff x="0" y="0"/>
-          <a:chExt cx="0" cy="0"/>
-        </a:xfrm>
-      </p:grpSpPr>
-      <p:sp>
-        <p:nvSpPr>
-          <p:cNvPr id="1032" name="Rectangle 2">
-            <a:extLst>
-              <a:ext uri="{FF2B5EF4-FFF2-40B4-BE49-F238E27FC236}">
-                <a16:creationId xmlns:a16="http://schemas.microsoft.com/office/drawing/2014/main" id="{D1236058-8546-8757-C024-E7ACC5EBEB3C}"/>
-              </a:ext>
-            </a:extLst>
-          </p:cNvPr>
-          <p:cNvSpPr>
-            <a:spLocks noGrp="1" noChangeArrowheads="1"/>
-          </p:cNvSpPr>
-          <p:nvPr>
-            <p:ph type="title" sz="quarter"/>
-          </p:nvPr>
-        </p:nvSpPr>
-        <p:spPr>
-          <a:xfrm>
-            <a:off x="1981200" y="-114300"/>
-            <a:ext cx="8991600" cy="1143000"/>
-          </a:xfrm>
-        </p:spPr>
-        <p:txBody>
-          <a:bodyPr/>
-          <a:lstStyle/>
-          <a:p>
-            <a:pPr eaLnBrk="1" hangingPunct="1"/>
-            <a:r>
-              <a:rPr lang="en-US" altLang="zh-CN" dirty="0">
-                <a:ea typeface="宋体" charset="-122"/>
-              </a:rPr>
-              <a:t>Example: 5 Lawyers, each with 2 arms, 5 chopsticks</a:t>
-            </a:r>
-          </a:p>
-        </p:txBody>
-      </p:sp>
-      <mc:AlternateContent xmlns:mc="http://schemas.openxmlformats.org/markup-compatibility/2006" xmlns:a14="http://schemas.microsoft.com/office/drawing/2010/main">
-        <mc:Choice Requires="a14">
-          <p:sp>
-            <p:nvSpPr>
-              <p:cNvPr id="128006" name="Object 3">
-                <a:extLst>
-                  <a:ext uri="{FF2B5EF4-FFF2-40B4-BE49-F238E27FC236}">
-                    <a16:creationId xmlns:a16="http://schemas.microsoft.com/office/drawing/2014/main" id="{D733E9EA-4D44-2FDB-7DFB-1CCA55413039}"/>
-                  </a:ext>
-                </a:extLst>
-              </p:cNvPr>
-              <p:cNvSpPr txBox="1"/>
-              <p:nvPr/>
-            </p:nvSpPr>
-            <p:spPr bwMode="auto">
-              <a:xfrm>
-                <a:off x="2971800" y="762000"/>
-                <a:ext cx="6529387" cy="2387600"/>
-              </a:xfrm>
-              <a:prstGeom prst="rect">
-                <a:avLst/>
-              </a:prstGeom>
-              <a:noFill/>
-            </p:spPr>
-            <p:txBody>
-              <a:bodyPr>
-                <a:noAutofit/>
-              </a:bodyPr>
-              <a:lstStyle/>
-              <a:p>
-                <a:pPr/>
-                <a14:m>
-                  <m:oMathPara xmlns:m="http://schemas.openxmlformats.org/officeDocument/2006/math">
-                    <m:oMathParaPr>
-                      <m:jc m:val="left"/>
-                    </m:oMathParaPr>
-                    <m:oMath xmlns:m="http://schemas.openxmlformats.org/officeDocument/2006/math">
-                      <m:r>
-                        <m:rPr>
-                          <m:sty m:val="p"/>
-                        </m:rPr>
-                        <a:rPr lang="en-GB" sz="2400" b="0" kern="0">
-                          <a:latin typeface="Cambria Math" panose="02040503050406030204" pitchFamily="18" charset="0"/>
-                          <a:cs typeface="Gill Sans" charset="0"/>
-                        </a:rPr>
-                        <m:t>Max</m:t>
-                      </m:r>
-                      <m:r>
-                        <a:rPr lang="en-GB" sz="2400" b="0" kern="0">
-                          <a:latin typeface="Cambria Math" panose="02040503050406030204" pitchFamily="18" charset="0"/>
-                          <a:cs typeface="Gill Sans" charset="0"/>
-                        </a:rPr>
-                        <m:t>:</m:t>
-                      </m:r>
-                      <m:d>
-                        <m:dPr>
-                          <m:begChr m:val="|"/>
-                          <m:endChr m:val="|"/>
-                          <m:ctrlPr>
-                            <a:rPr lang="en-SE" sz="2400" b="0" i="1" kern="0">
-                              <a:latin typeface="Cambria Math" panose="02040503050406030204" pitchFamily="18" charset="0"/>
-                              <a:cs typeface="Gill Sans" charset="0"/>
-                            </a:rPr>
-                          </m:ctrlPr>
-                        </m:dPr>
-                        <m:e>
-                          <m:m>
-                            <m:mPr>
-                              <m:plcHide m:val="on"/>
-                              <m:mcs>
-                                <m:mc>
-                                  <m:mcPr>
-                                    <m:count m:val="1"/>
-                                    <m:mcJc m:val="center"/>
-                                  </m:mcPr>
-                                </m:mc>
-                              </m:mcs>
-                              <m:ctrlPr>
-                                <a:rPr lang="en-SE" sz="2400" b="0" i="1" kern="0">
-                                  <a:latin typeface="Cambria Math" panose="02040503050406030204" pitchFamily="18" charset="0"/>
-                                  <a:cs typeface="Gill Sans" charset="0"/>
-                                </a:rPr>
-                              </m:ctrlPr>
-                            </m:mPr>
-                            <m:mr>
-                              <m:e>
-                                <m:r>
-                                  <a:rPr lang="en-GB" sz="2400" b="0" kern="0">
-                                    <a:latin typeface="Cambria Math" panose="02040503050406030204" pitchFamily="18" charset="0"/>
-                                    <a:cs typeface="Gill Sans" charset="0"/>
-                                  </a:rPr>
-                                  <m:t>2</m:t>
-                                </m:r>
-                              </m:e>
-                            </m:mr>
-                            <m:mr>
-                              <m:e>
-                                <m:r>
-                                  <a:rPr lang="en-GB" sz="2400" b="0" kern="0">
-                                    <a:latin typeface="Cambria Math" panose="02040503050406030204" pitchFamily="18" charset="0"/>
-                                    <a:cs typeface="Gill Sans" charset="0"/>
-                                  </a:rPr>
-                                  <m:t>2</m:t>
-                                </m:r>
-                              </m:e>
-                            </m:mr>
-                            <m:mr>
-                              <m:e>
-                                <m:r>
-                                  <a:rPr lang="en-GB" sz="2400" b="0" kern="0">
-                                    <a:latin typeface="Cambria Math" panose="02040503050406030204" pitchFamily="18" charset="0"/>
-                                    <a:cs typeface="Gill Sans" charset="0"/>
-                                  </a:rPr>
-                                  <m:t>2</m:t>
-                                </m:r>
-                              </m:e>
-                            </m:mr>
-                            <m:mr>
-                              <m:e>
-                                <m:r>
-                                  <a:rPr lang="en-GB" sz="2400" b="0" kern="0">
-                                    <a:latin typeface="Cambria Math" panose="02040503050406030204" pitchFamily="18" charset="0"/>
-                                    <a:cs typeface="Gill Sans" charset="0"/>
-                                  </a:rPr>
-                                  <m:t>2</m:t>
-                                </m:r>
-                              </m:e>
-                            </m:mr>
-                            <m:mr>
-                              <m:e>
-                                <m:r>
-                                  <a:rPr lang="en-GB" sz="2400" b="0" kern="0">
-                                    <a:latin typeface="Cambria Math" panose="02040503050406030204" pitchFamily="18" charset="0"/>
-                                    <a:cs typeface="Gill Sans" charset="0"/>
-                                  </a:rPr>
-                                  <m:t>2</m:t>
-                                </m:r>
-                              </m:e>
-                            </m:mr>
-                          </m:m>
-                        </m:e>
-                      </m:d>
-                      <m:r>
-                        <a:rPr lang="en-GB" sz="2400" b="0" kern="0">
-                          <a:latin typeface="Cambria Math" panose="02040503050406030204" pitchFamily="18" charset="0"/>
-                          <a:cs typeface="Gill Sans" charset="0"/>
-                        </a:rPr>
-                        <m:t>, </m:t>
-                      </m:r>
-                      <m:r>
-                        <m:rPr>
-                          <m:sty m:val="p"/>
-                        </m:rPr>
-                        <a:rPr lang="en-GB" sz="2400" b="0" kern="0">
-                          <a:latin typeface="Cambria Math" panose="02040503050406030204" pitchFamily="18" charset="0"/>
-                          <a:cs typeface="Gill Sans" charset="0"/>
-                        </a:rPr>
-                        <m:t>Allocation</m:t>
-                      </m:r>
-                      <m:r>
-                        <a:rPr lang="en-GB" sz="2400" b="0" kern="0">
-                          <a:latin typeface="Cambria Math" panose="02040503050406030204" pitchFamily="18" charset="0"/>
-                          <a:cs typeface="Gill Sans" charset="0"/>
-                        </a:rPr>
-                        <m:t>:</m:t>
-                      </m:r>
-                      <m:d>
-                        <m:dPr>
-                          <m:begChr m:val="|"/>
-                          <m:endChr m:val="|"/>
-                          <m:ctrlPr>
-                            <a:rPr lang="en-SE" sz="2400" b="0" i="1" kern="0">
-                              <a:latin typeface="Cambria Math" panose="02040503050406030204" pitchFamily="18" charset="0"/>
-                              <a:cs typeface="Gill Sans" charset="0"/>
-                            </a:rPr>
-                          </m:ctrlPr>
-                        </m:dPr>
-                        <m:e>
-                          <m:m>
-                            <m:mPr>
-                              <m:plcHide m:val="on"/>
-                              <m:mcs>
-                                <m:mc>
-                                  <m:mcPr>
-                                    <m:count m:val="1"/>
-                                    <m:mcJc m:val="center"/>
-                                  </m:mcPr>
-                                </m:mc>
-                              </m:mcs>
-                              <m:ctrlPr>
-                                <a:rPr lang="en-SE" sz="2400" b="0" i="1" kern="0">
-                                  <a:latin typeface="Cambria Math" panose="02040503050406030204" pitchFamily="18" charset="0"/>
-                                  <a:cs typeface="Gill Sans" charset="0"/>
-                                </a:rPr>
-                              </m:ctrlPr>
-                            </m:mPr>
-                            <m:mr>
-                              <m:e>
-                                <m:r>
-                                  <a:rPr lang="en-GB" sz="2400" b="0" kern="0">
-                                    <a:latin typeface="Cambria Math" panose="02040503050406030204" pitchFamily="18" charset="0"/>
-                                    <a:cs typeface="Gill Sans" charset="0"/>
-                                  </a:rPr>
-                                  <m:t>0</m:t>
-                                </m:r>
-                              </m:e>
-                            </m:mr>
-                            <m:mr>
-                              <m:e>
-                                <m:r>
-                                  <a:rPr lang="en-GB" sz="2400" b="0" kern="0">
-                                    <a:latin typeface="Cambria Math" panose="02040503050406030204" pitchFamily="18" charset="0"/>
-                                    <a:cs typeface="Gill Sans" charset="0"/>
-                                  </a:rPr>
-                                  <m:t>0</m:t>
-                                </m:r>
-                              </m:e>
-                            </m:mr>
-                            <m:mr>
-                              <m:e>
-                                <m:r>
-                                  <a:rPr lang="en-GB" sz="2400" b="0" kern="0">
-                                    <a:latin typeface="Cambria Math" panose="02040503050406030204" pitchFamily="18" charset="0"/>
-                                    <a:cs typeface="Gill Sans" charset="0"/>
-                                  </a:rPr>
-                                  <m:t>0</m:t>
-                                </m:r>
-                              </m:e>
-                            </m:mr>
-                            <m:mr>
-                              <m:e>
-                                <m:r>
-                                  <a:rPr lang="en-GB" sz="2400" b="0" kern="0">
-                                    <a:latin typeface="Cambria Math" panose="02040503050406030204" pitchFamily="18" charset="0"/>
-                                    <a:cs typeface="Gill Sans" charset="0"/>
-                                  </a:rPr>
-                                  <m:t>0</m:t>
-                                </m:r>
-                              </m:e>
-                            </m:mr>
-                            <m:mr>
-                              <m:e>
-                                <m:r>
-                                  <a:rPr lang="en-GB" sz="2400" b="0" kern="0">
-                                    <a:latin typeface="Cambria Math" panose="02040503050406030204" pitchFamily="18" charset="0"/>
-                                    <a:cs typeface="Gill Sans" charset="0"/>
-                                  </a:rPr>
-                                  <m:t>0</m:t>
-                                </m:r>
-                              </m:e>
-                            </m:mr>
-                          </m:m>
-                        </m:e>
-                      </m:d>
-                      <m:r>
-                        <a:rPr lang="en-GB" sz="2400" b="0" kern="0">
-                          <a:latin typeface="Cambria Math" panose="02040503050406030204" pitchFamily="18" charset="0"/>
-                          <a:cs typeface="Gill Sans" charset="0"/>
-                        </a:rPr>
-                        <m:t>, </m:t>
-                      </m:r>
-                      <m:r>
-                        <m:rPr>
-                          <m:sty m:val="p"/>
-                        </m:rPr>
-                        <a:rPr lang="en-GB" sz="2400" b="0" kern="0">
-                          <a:latin typeface="Cambria Math" panose="02040503050406030204" pitchFamily="18" charset="0"/>
-                          <a:cs typeface="Gill Sans" charset="0"/>
-                        </a:rPr>
-                        <m:t>Total</m:t>
-                      </m:r>
-                      <m:r>
-                        <a:rPr lang="en-GB" sz="2400" b="0" kern="0">
-                          <a:latin typeface="Cambria Math" panose="02040503050406030204" pitchFamily="18" charset="0"/>
-                          <a:cs typeface="Gill Sans" charset="0"/>
-                        </a:rPr>
-                        <m:t>: </m:t>
-                      </m:r>
-                      <m:d>
-                        <m:dPr>
-                          <m:begChr m:val="|"/>
-                          <m:endChr m:val="|"/>
-                          <m:ctrlPr>
-                            <a:rPr lang="en-SE" sz="2400" b="0" i="1" kern="0">
-                              <a:latin typeface="Cambria Math" panose="02040503050406030204" pitchFamily="18" charset="0"/>
-                              <a:cs typeface="Gill Sans" charset="0"/>
-                            </a:rPr>
-                          </m:ctrlPr>
-                        </m:dPr>
-                        <m:e>
-                          <m:r>
-                            <a:rPr lang="en-GB" sz="2400" b="0" kern="0">
-                              <a:latin typeface="Cambria Math" panose="02040503050406030204" pitchFamily="18" charset="0"/>
-                              <a:cs typeface="Gill Sans" charset="0"/>
-                            </a:rPr>
-                            <m:t>5</m:t>
-                          </m:r>
-                        </m:e>
-                      </m:d>
-                      <m:r>
-                        <a:rPr lang="en-GB" sz="2400" b="0" kern="0">
-                          <a:latin typeface="Cambria Math" panose="02040503050406030204" pitchFamily="18" charset="0"/>
-                          <a:cs typeface="Gill Sans" charset="0"/>
-                        </a:rPr>
-                        <m:t>, </m:t>
-                      </m:r>
-                      <m:r>
-                        <m:rPr>
-                          <m:sty m:val="p"/>
-                        </m:rPr>
-                        <a:rPr lang="en-GB" sz="2400" b="0" kern="0">
-                          <a:latin typeface="Cambria Math" panose="02040503050406030204" pitchFamily="18" charset="0"/>
-                          <a:cs typeface="Gill Sans" charset="0"/>
-                        </a:rPr>
-                        <m:t>Available</m:t>
-                      </m:r>
-                      <m:r>
-                        <a:rPr lang="en-GB" sz="2400" b="0" kern="0">
-                          <a:latin typeface="Cambria Math" panose="02040503050406030204" pitchFamily="18" charset="0"/>
-                          <a:cs typeface="Gill Sans" charset="0"/>
-                        </a:rPr>
-                        <m:t>:</m:t>
-                      </m:r>
-                      <m:d>
-                        <m:dPr>
-                          <m:begChr m:val="|"/>
-                          <m:endChr m:val="|"/>
-                          <m:ctrlPr>
-                            <a:rPr lang="en-SE" sz="2400" b="0" i="1" kern="0">
-                              <a:latin typeface="Cambria Math" panose="02040503050406030204" pitchFamily="18" charset="0"/>
-                              <a:cs typeface="Gill Sans" charset="0"/>
-                            </a:rPr>
-                          </m:ctrlPr>
-                        </m:dPr>
-                        <m:e>
-                          <m:r>
-                            <a:rPr lang="en-GB" sz="2400" b="0" kern="0">
-                              <a:latin typeface="Cambria Math" panose="02040503050406030204" pitchFamily="18" charset="0"/>
-                              <a:cs typeface="Gill Sans" charset="0"/>
-                            </a:rPr>
-                            <m:t>5</m:t>
-                          </m:r>
-                        </m:e>
-                      </m:d>
-                    </m:oMath>
-                  </m:oMathPara>
-                </a14:m>
-                <a:endParaRPr lang="en-SE" sz="2400" b="0" kern="0" dirty="0">
-                  <a:latin typeface="Gill Sans" charset="0"/>
-                  <a:cs typeface="Gill Sans" charset="0"/>
-                </a:endParaRPr>
-              </a:p>
-            </p:txBody>
-          </p:sp>
-        </mc:Choice>
-        <mc:Fallback xmlns="">
-          <p:sp>
-            <p:nvSpPr>
-              <p:cNvPr id="128006" name="Object 3">
-                <a:extLst>
-                  <a:ext uri="{FF2B5EF4-FFF2-40B4-BE49-F238E27FC236}">
-                    <a16:creationId xmlns:a16="http://schemas.microsoft.com/office/drawing/2014/main" id="{D733E9EA-4D44-2FDB-7DFB-1CCA55413039}"/>
-                  </a:ext>
-                </a:extLst>
-              </p:cNvPr>
-              <p:cNvSpPr txBox="1">
-                <a:spLocks noRot="1" noChangeAspect="1" noMove="1" noResize="1" noEditPoints="1" noAdjustHandles="1" noChangeArrowheads="1" noChangeShapeType="1" noTextEdit="1"/>
-              </p:cNvSpPr>
-              <p:nvPr/>
-            </p:nvSpPr>
-            <p:spPr bwMode="auto">
-              <a:xfrm>
-                <a:off x="2971800" y="762000"/>
-                <a:ext cx="6529387" cy="2387600"/>
-              </a:xfrm>
-              <a:prstGeom prst="rect">
-                <a:avLst/>
-              </a:prstGeom>
-              <a:blipFill>
-                <a:blip r:embed="rId2"/>
-                <a:stretch>
-                  <a:fillRect/>
-                </a:stretch>
-              </a:blipFill>
-            </p:spPr>
-            <p:txBody>
-              <a:bodyPr/>
-              <a:lstStyle/>
-              <a:p>
-                <a:r>
-                  <a:rPr lang="en-SE">
-                    <a:noFill/>
-                  </a:rPr>
-                  <a:t> </a:t>
-                </a:r>
-              </a:p>
-            </p:txBody>
-          </p:sp>
-        </mc:Fallback>
-      </mc:AlternateContent>
-      <p:sp>
-        <p:nvSpPr>
-          <p:cNvPr id="14" name="Content Placeholder 2">
-            <a:extLst>
-              <a:ext uri="{FF2B5EF4-FFF2-40B4-BE49-F238E27FC236}">
-                <a16:creationId xmlns:a16="http://schemas.microsoft.com/office/drawing/2014/main" id="{1B4E313D-DF96-E850-F367-13C977EC5412}"/>
-              </a:ext>
-            </a:extLst>
-          </p:cNvPr>
-          <p:cNvSpPr>
-            <a:spLocks noGrp="1"/>
-          </p:cNvSpPr>
-          <p:nvPr>
-            <p:ph idx="1"/>
-          </p:nvPr>
-        </p:nvSpPr>
-        <p:spPr>
-          <a:xfrm>
-            <a:off x="3739444" y="2903637"/>
-            <a:ext cx="4368846" cy="478183"/>
-          </a:xfrm>
-        </p:spPr>
-        <p:txBody>
-          <a:bodyPr>
-            <a:normAutofit/>
-          </a:bodyPr>
-          <a:lstStyle/>
-          <a:p>
-            <a:r>
-              <a:rPr lang="en-GB" dirty="0"/>
-              <a:t>Initially, all chopsticks are free.</a:t>
-            </a:r>
-          </a:p>
-        </p:txBody>
-      </p:sp>
-      <p:sp>
-        <p:nvSpPr>
-          <p:cNvPr id="15" name="Content Placeholder 2">
-            <a:extLst>
-              <a:ext uri="{FF2B5EF4-FFF2-40B4-BE49-F238E27FC236}">
-                <a16:creationId xmlns:a16="http://schemas.microsoft.com/office/drawing/2014/main" id="{BB02F49F-8484-BF8A-E401-8537506797F6}"/>
-              </a:ext>
-            </a:extLst>
-          </p:cNvPr>
-          <p:cNvSpPr txBox="1">
-            <a:spLocks/>
-          </p:cNvSpPr>
-          <p:nvPr/>
-        </p:nvSpPr>
-        <p:spPr bwMode="auto">
-          <a:xfrm>
-            <a:off x="3581400" y="5653709"/>
-            <a:ext cx="5791200" cy="1066800"/>
-          </a:xfrm>
-          <a:prstGeom prst="rect">
-            <a:avLst/>
-          </a:prstGeom>
-          <a:noFill/>
-          <a:ln>
-            <a:noFill/>
-          </a:ln>
-          <a:effectLst/>
-          <a:extLst>
-            <a:ext uri="{FAA26D3D-D897-4be2-8F04-BA451C77F1D7}">
-              <ma14:placeholderFlag xmlns:ma14="http://schemas.microsoft.com/office/mac/drawingml/2011/main" xmlns="" val="1"/>
-            </a:ext>
-            <a:ext uri="{909E8E84-426E-40dd-AFC4-6F175D3DCCD1}">
-              <a14:hiddenFill xmlns:a14="http://schemas.microsoft.com/office/drawing/2010/main" xmlns="">
-                <a:solidFill>
-                  <a:schemeClr val="bg1"/>
-                </a:solidFill>
-              </a14:hiddenFill>
-            </a:ext>
-            <a:ext uri="{91240B29-F687-4f45-9708-019B960494DF}">
-              <a14:hiddenLine xmlns:a14="http://schemas.microsoft.com/office/drawing/2010/main" xmlns="" w="12700">
-                <a:pattFill prst="narHorz">
-                  <a:fgClr>
-                    <a:schemeClr val="tx1"/>
-                  </a:fgClr>
-                  <a:bgClr>
-                    <a:schemeClr val="bg1"/>
-                  </a:bgClr>
-                </a:pattFill>
-                <a:miter lim="800000"/>
-                <a:headEnd/>
-                <a:tailEnd/>
-              </a14:hiddenLine>
-            </a:ext>
-            <a:ext uri="{AF507438-7753-43e0-B8FC-AC1667EBCBE1}">
-              <a14:hiddenEffects xmlns:a14="http://schemas.microsoft.com/office/drawing/2010/main" xmlns="">
-                <a:effectLst>
-                  <a:outerShdw blurRad="63500" dist="38099" dir="2700000" algn="ctr" rotWithShape="0">
-                    <a:schemeClr val="bg2">
-                      <a:alpha val="74998"/>
-                    </a:schemeClr>
-                  </a:outerShdw>
-                </a:effectLst>
-              </a14:hiddenEffects>
-            </a:ext>
-          </a:extLst>
-        </p:spPr>
-        <p:txBody>
-          <a:bodyPr vert="horz" wrap="square" lIns="90478" tIns="44445" rIns="90478" bIns="44445" numCol="1" anchor="t" anchorCtr="0" compatLnSpc="1">
-            <a:prstTxWarp prst="textNoShape">
-              <a:avLst/>
-            </a:prstTxWarp>
-            <a:normAutofit/>
-          </a:bodyPr>
-          <a:lstStyle>
-            <a:lvl1pPr marL="285750" indent="-285750" algn="l" rtl="0" eaLnBrk="0" fontAlgn="base" hangingPunct="0">
-              <a:lnSpc>
-                <a:spcPct val="90000"/>
-              </a:lnSpc>
-              <a:spcBef>
-                <a:spcPct val="30000"/>
-              </a:spcBef>
-              <a:spcAft>
-                <a:spcPct val="0"/>
-              </a:spcAft>
-              <a:buSzPct val="100000"/>
-              <a:buChar char="•"/>
-              <a:defRPr sz="2400">
-                <a:solidFill>
-                  <a:schemeClr val="tx1"/>
-                </a:solidFill>
-                <a:latin typeface="Gill Sans" charset="0"/>
-                <a:ea typeface="ＭＳ Ｐゴシック" charset="0"/>
-                <a:cs typeface="Gill Sans" charset="0"/>
-              </a:defRPr>
-            </a:lvl1pPr>
-            <a:lvl2pPr marL="685800" indent="-228600" algn="l" rtl="0" eaLnBrk="0" fontAlgn="base" hangingPunct="0">
-              <a:lnSpc>
-                <a:spcPct val="90000"/>
-              </a:lnSpc>
-              <a:spcBef>
-                <a:spcPct val="30000"/>
-              </a:spcBef>
-              <a:spcAft>
-                <a:spcPct val="0"/>
-              </a:spcAft>
-              <a:buSzPct val="100000"/>
-              <a:buChar char="–"/>
-              <a:defRPr sz="2200">
-                <a:solidFill>
-                  <a:schemeClr val="tx1"/>
-                </a:solidFill>
-                <a:latin typeface="Gill Sans" charset="0"/>
-                <a:ea typeface="Gill Sans" charset="0"/>
-                <a:cs typeface="Gill Sans" charset="0"/>
-              </a:defRPr>
-            </a:lvl2pPr>
-            <a:lvl3pPr marL="1143000" indent="-228600" algn="l" rtl="0" eaLnBrk="0" fontAlgn="base" hangingPunct="0">
-              <a:lnSpc>
-                <a:spcPct val="90000"/>
-              </a:lnSpc>
-              <a:spcBef>
-                <a:spcPct val="30000"/>
-              </a:spcBef>
-              <a:spcAft>
-                <a:spcPct val="0"/>
-              </a:spcAft>
-              <a:buSzPct val="100000"/>
-              <a:buChar char="»"/>
-              <a:defRPr sz="2000">
-                <a:solidFill>
-                  <a:schemeClr val="tx1"/>
-                </a:solidFill>
-                <a:latin typeface="Gill Sans" charset="0"/>
-                <a:ea typeface="Gill Sans" charset="0"/>
-                <a:cs typeface="Gill Sans" charset="0"/>
-              </a:defRPr>
-            </a:lvl3pPr>
-            <a:lvl4pPr marL="1543050" indent="-171450" algn="l" rtl="0" eaLnBrk="0" fontAlgn="base" hangingPunct="0">
-              <a:lnSpc>
-                <a:spcPct val="90000"/>
-              </a:lnSpc>
-              <a:spcBef>
-                <a:spcPct val="30000"/>
-              </a:spcBef>
-              <a:spcAft>
-                <a:spcPct val="0"/>
-              </a:spcAft>
-              <a:buSzPct val="100000"/>
-              <a:buChar char="•"/>
-              <a:defRPr sz="2000">
-                <a:solidFill>
-                  <a:schemeClr val="tx1"/>
-                </a:solidFill>
-                <a:latin typeface="Gill Sans" charset="0"/>
-                <a:ea typeface="Gill Sans" charset="0"/>
-                <a:cs typeface="Gill Sans" charset="0"/>
-              </a:defRPr>
-            </a:lvl4pPr>
-            <a:lvl5pPr marL="2000250" indent="-171450" algn="l" rtl="0" eaLnBrk="0" fontAlgn="base" hangingPunct="0">
-              <a:lnSpc>
-                <a:spcPct val="90000"/>
-              </a:lnSpc>
-              <a:spcBef>
-                <a:spcPct val="30000"/>
-              </a:spcBef>
-              <a:spcAft>
-                <a:spcPct val="0"/>
-              </a:spcAft>
-              <a:buSzPct val="100000"/>
-              <a:buChar char="–"/>
-              <a:defRPr sz="2000">
-                <a:solidFill>
-                  <a:schemeClr val="tx1"/>
-                </a:solidFill>
-                <a:latin typeface="Gill Sans" charset="0"/>
-                <a:ea typeface="Gill Sans" charset="0"/>
-                <a:cs typeface="Gill Sans" charset="0"/>
-              </a:defRPr>
-            </a:lvl5pPr>
-            <a:lvl6pPr marL="2457450" indent="-171450" algn="l" rtl="0" eaLnBrk="0" fontAlgn="base" hangingPunct="0">
-              <a:lnSpc>
-                <a:spcPct val="90000"/>
-              </a:lnSpc>
-              <a:spcBef>
-                <a:spcPct val="30000"/>
-              </a:spcBef>
-              <a:spcAft>
-                <a:spcPct val="0"/>
-              </a:spcAft>
-              <a:buSzPct val="100000"/>
-              <a:buChar char="–"/>
-              <a:defRPr sz="2000" b="1">
-                <a:solidFill>
-                  <a:schemeClr val="tx1"/>
-                </a:solidFill>
-                <a:latin typeface="+mn-lt"/>
-              </a:defRPr>
-            </a:lvl6pPr>
-            <a:lvl7pPr marL="2914650" indent="-171450" algn="l" rtl="0" eaLnBrk="0" fontAlgn="base" hangingPunct="0">
-              <a:lnSpc>
-                <a:spcPct val="90000"/>
-              </a:lnSpc>
-              <a:spcBef>
-                <a:spcPct val="30000"/>
-              </a:spcBef>
-              <a:spcAft>
-                <a:spcPct val="0"/>
-              </a:spcAft>
-              <a:buSzPct val="100000"/>
-              <a:buChar char="–"/>
-              <a:defRPr sz="2000" b="1">
-                <a:solidFill>
-                  <a:schemeClr val="tx1"/>
-                </a:solidFill>
-                <a:latin typeface="+mn-lt"/>
-              </a:defRPr>
-            </a:lvl7pPr>
-            <a:lvl8pPr marL="3371850" indent="-171450" algn="l" rtl="0" eaLnBrk="0" fontAlgn="base" hangingPunct="0">
-              <a:lnSpc>
-                <a:spcPct val="90000"/>
-              </a:lnSpc>
-              <a:spcBef>
-                <a:spcPct val="30000"/>
-              </a:spcBef>
-              <a:spcAft>
-                <a:spcPct val="0"/>
-              </a:spcAft>
-              <a:buSzPct val="100000"/>
-              <a:buChar char="–"/>
-              <a:defRPr sz="2000" b="1">
-                <a:solidFill>
-                  <a:schemeClr val="tx1"/>
-                </a:solidFill>
-                <a:latin typeface="+mn-lt"/>
-              </a:defRPr>
-            </a:lvl8pPr>
-            <a:lvl9pPr marL="3829050" indent="-171450" algn="l" rtl="0" eaLnBrk="0" fontAlgn="base" hangingPunct="0">
-              <a:lnSpc>
-                <a:spcPct val="90000"/>
-              </a:lnSpc>
-              <a:spcBef>
-                <a:spcPct val="30000"/>
-              </a:spcBef>
-              <a:spcAft>
-                <a:spcPct val="0"/>
-              </a:spcAft>
-              <a:buSzPct val="100000"/>
-              <a:buChar char="–"/>
-              <a:defRPr sz="2000" b="1">
-                <a:solidFill>
-                  <a:schemeClr val="tx1"/>
-                </a:solidFill>
-                <a:latin typeface="+mn-lt"/>
-              </a:defRPr>
-            </a:lvl9pPr>
-          </a:lstStyle>
-          <a:p>
-            <a:r>
-              <a:rPr lang="en-GB" b="0" kern="0" dirty="0"/>
-              <a:t>Two lawyers each grab two chopsticks and start eating. No other lawyers can eat.</a:t>
-            </a:r>
-          </a:p>
-        </p:txBody>
-      </p:sp>
-      <mc:AlternateContent xmlns:mc="http://schemas.openxmlformats.org/markup-compatibility/2006" xmlns:a14="http://schemas.microsoft.com/office/drawing/2010/main">
-        <mc:Choice Requires="a14">
-          <p:sp>
-            <p:nvSpPr>
-              <p:cNvPr id="3" name="Object 3">
-                <a:extLst>
-                  <a:ext uri="{FF2B5EF4-FFF2-40B4-BE49-F238E27FC236}">
-                    <a16:creationId xmlns:a16="http://schemas.microsoft.com/office/drawing/2014/main" id="{C12D90C4-78CA-392B-F3A9-86D0F16AF3D9}"/>
-                  </a:ext>
-                </a:extLst>
-              </p:cNvPr>
-              <p:cNvSpPr txBox="1"/>
-              <p:nvPr/>
-            </p:nvSpPr>
-            <p:spPr bwMode="auto">
-              <a:xfrm>
-                <a:off x="2971800" y="3505200"/>
-                <a:ext cx="6529387" cy="2387600"/>
-              </a:xfrm>
-              <a:prstGeom prst="rect">
-                <a:avLst/>
-              </a:prstGeom>
-              <a:noFill/>
-            </p:spPr>
-            <p:txBody>
-              <a:bodyPr>
-                <a:noAutofit/>
-              </a:bodyPr>
-              <a:lstStyle/>
-              <a:p>
-                <a:pPr/>
-                <a14:m>
-                  <m:oMathPara xmlns:m="http://schemas.openxmlformats.org/officeDocument/2006/math">
-                    <m:oMathParaPr>
-                      <m:jc m:val="left"/>
-                    </m:oMathParaPr>
-                    <m:oMath xmlns:m="http://schemas.openxmlformats.org/officeDocument/2006/math">
-                      <m:r>
-                        <m:rPr>
-                          <m:sty m:val="p"/>
-                        </m:rPr>
-                        <a:rPr lang="en-GB" sz="2400" b="0" i="0" smtClean="0">
-                          <a:solidFill>
-                            <a:srgbClr val="000000"/>
-                          </a:solidFill>
-                          <a:latin typeface="Cambria Math" panose="02040503050406030204" pitchFamily="18" charset="0"/>
-                        </a:rPr>
-                        <m:t>Max</m:t>
-                      </m:r>
-                      <m:r>
-                        <a:rPr lang="en-GB" sz="2400" b="0" i="0" smtClean="0">
-                          <a:solidFill>
-                            <a:srgbClr val="000000"/>
-                          </a:solidFill>
-                          <a:latin typeface="Cambria Math" panose="02040503050406030204" pitchFamily="18" charset="0"/>
-                        </a:rPr>
-                        <m:t>:</m:t>
-                      </m:r>
-                      <m:d>
-                        <m:dPr>
-                          <m:begChr m:val="|"/>
-                          <m:endChr m:val="|"/>
-                          <m:ctrlPr>
-                            <a:rPr lang="en-SE" sz="2400" i="1" smtClean="0">
-                              <a:solidFill>
-                                <a:srgbClr val="000000"/>
-                              </a:solidFill>
-                              <a:latin typeface="Cambria Math" panose="02040503050406030204" pitchFamily="18" charset="0"/>
-                            </a:rPr>
-                          </m:ctrlPr>
-                        </m:dPr>
-                        <m:e>
-                          <m:m>
-                            <m:mPr>
-                              <m:plcHide m:val="on"/>
-                              <m:mcs>
-                                <m:mc>
-                                  <m:mcPr>
-                                    <m:count m:val="1"/>
-                                    <m:mcJc m:val="center"/>
-                                  </m:mcPr>
-                                </m:mc>
-                              </m:mcs>
-                              <m:ctrlPr>
-                                <a:rPr lang="en-SE" sz="2400" b="0" i="1">
-                                  <a:solidFill>
-                                    <a:srgbClr val="000000"/>
-                                  </a:solidFill>
-                                  <a:latin typeface="Cambria Math" panose="02040503050406030204" pitchFamily="18" charset="0"/>
-                                </a:rPr>
-                              </m:ctrlPr>
-                            </m:mPr>
-                            <m:mr>
-                              <m:e>
-                                <m:r>
-                                  <a:rPr lang="en-GB" sz="2400" b="0">
-                                    <a:solidFill>
-                                      <a:srgbClr val="000000"/>
-                                    </a:solidFill>
-                                    <a:latin typeface="Cambria Math" panose="02040503050406030204" pitchFamily="18" charset="0"/>
-                                  </a:rPr>
-                                  <m:t>2</m:t>
-                                </m:r>
-                              </m:e>
-                            </m:mr>
-                            <m:mr>
-                              <m:e>
-                                <m:r>
-                                  <a:rPr lang="en-GB" sz="2400" b="0">
-                                    <a:solidFill>
-                                      <a:srgbClr val="000000"/>
-                                    </a:solidFill>
-                                    <a:latin typeface="Cambria Math" panose="02040503050406030204" pitchFamily="18" charset="0"/>
-                                  </a:rPr>
-                                  <m:t>2</m:t>
-                                </m:r>
-                              </m:e>
-                            </m:mr>
-                            <m:mr>
-                              <m:e>
-                                <m:r>
-                                  <a:rPr lang="en-GB" sz="2400" b="0">
-                                    <a:solidFill>
-                                      <a:srgbClr val="000000"/>
-                                    </a:solidFill>
-                                    <a:latin typeface="Cambria Math" panose="02040503050406030204" pitchFamily="18" charset="0"/>
-                                  </a:rPr>
-                                  <m:t>2</m:t>
-                                </m:r>
-                              </m:e>
-                            </m:mr>
-                            <m:mr>
-                              <m:e>
-                                <m:r>
-                                  <a:rPr lang="en-GB" sz="2400" b="0">
-                                    <a:solidFill>
-                                      <a:srgbClr val="000000"/>
-                                    </a:solidFill>
-                                    <a:latin typeface="Cambria Math" panose="02040503050406030204" pitchFamily="18" charset="0"/>
-                                  </a:rPr>
-                                  <m:t>2</m:t>
-                                </m:r>
-                              </m:e>
-                            </m:mr>
-                            <m:mr>
-                              <m:e>
-                                <m:r>
-                                  <a:rPr lang="en-GB" sz="2400" b="0">
-                                    <a:solidFill>
-                                      <a:srgbClr val="000000"/>
-                                    </a:solidFill>
-                                    <a:latin typeface="Cambria Math" panose="02040503050406030204" pitchFamily="18" charset="0"/>
-                                  </a:rPr>
-                                  <m:t>2</m:t>
-                                </m:r>
-                              </m:e>
-                            </m:mr>
-                          </m:m>
-                        </m:e>
-                      </m:d>
-                      <m:r>
-                        <a:rPr lang="en-GB" sz="2400" b="1" i="1" smtClean="0">
-                          <a:solidFill>
-                            <a:srgbClr val="000000"/>
-                          </a:solidFill>
-                          <a:latin typeface="Cambria Math" panose="02040503050406030204" pitchFamily="18" charset="0"/>
-                        </a:rPr>
-                        <m:t>, </m:t>
-                      </m:r>
-                      <m:r>
-                        <m:rPr>
-                          <m:sty m:val="p"/>
-                        </m:rPr>
-                        <a:rPr lang="en-GB" sz="2400" b="0" i="0" smtClean="0">
-                          <a:solidFill>
-                            <a:srgbClr val="000000"/>
-                          </a:solidFill>
-                          <a:latin typeface="Cambria Math" panose="02040503050406030204" pitchFamily="18" charset="0"/>
-                        </a:rPr>
-                        <m:t>Allocation</m:t>
-                      </m:r>
-                      <m:r>
-                        <a:rPr lang="en-GB" sz="2400" b="0" i="0" smtClean="0">
-                          <a:solidFill>
-                            <a:srgbClr val="000000"/>
-                          </a:solidFill>
-                          <a:latin typeface="Cambria Math" panose="02040503050406030204" pitchFamily="18" charset="0"/>
-                        </a:rPr>
-                        <m:t>:</m:t>
-                      </m:r>
-                      <m:d>
-                        <m:dPr>
-                          <m:begChr m:val="|"/>
-                          <m:endChr m:val="|"/>
-                          <m:ctrlPr>
-                            <a:rPr lang="en-SE" sz="2400" i="1">
-                              <a:solidFill>
-                                <a:srgbClr val="000000"/>
-                              </a:solidFill>
-                              <a:latin typeface="Cambria Math" panose="02040503050406030204" pitchFamily="18" charset="0"/>
-                            </a:rPr>
-                          </m:ctrlPr>
-                        </m:dPr>
-                        <m:e>
-                          <m:m>
-                            <m:mPr>
-                              <m:plcHide m:val="on"/>
-                              <m:mcs>
-                                <m:mc>
-                                  <m:mcPr>
-                                    <m:count m:val="1"/>
-                                    <m:mcJc m:val="center"/>
-                                  </m:mcPr>
-                                </m:mc>
-                              </m:mcs>
-                              <m:ctrlPr>
-                                <a:rPr lang="en-SE" sz="2400" b="0" i="1">
-                                  <a:solidFill>
-                                    <a:srgbClr val="000000"/>
-                                  </a:solidFill>
-                                  <a:latin typeface="Cambria Math" panose="02040503050406030204" pitchFamily="18" charset="0"/>
-                                </a:rPr>
-                              </m:ctrlPr>
-                            </m:mPr>
-                            <m:mr>
-                              <m:e>
-                                <m:r>
-                                  <a:rPr lang="en-GB" sz="2400" b="0" i="0" smtClean="0">
-                                    <a:solidFill>
-                                      <a:srgbClr val="000000"/>
-                                    </a:solidFill>
-                                    <a:latin typeface="Cambria Math" panose="02040503050406030204" pitchFamily="18" charset="0"/>
-                                  </a:rPr>
-                                  <m:t>2</m:t>
-                                </m:r>
-                              </m:e>
-                            </m:mr>
-                            <m:mr>
-                              <m:e>
-                                <m:r>
-                                  <a:rPr lang="en-GB" sz="2400" b="0" i="0" smtClean="0">
-                                    <a:solidFill>
-                                      <a:srgbClr val="000000"/>
-                                    </a:solidFill>
-                                    <a:latin typeface="Cambria Math" panose="02040503050406030204" pitchFamily="18" charset="0"/>
-                                  </a:rPr>
-                                  <m:t>2</m:t>
-                                </m:r>
-                              </m:e>
-                            </m:mr>
-                            <m:mr>
-                              <m:e>
-                                <m:r>
-                                  <a:rPr lang="en-GB" sz="2400" b="0" i="0" smtClean="0">
-                                    <a:solidFill>
-                                      <a:srgbClr val="000000"/>
-                                    </a:solidFill>
-                                    <a:latin typeface="Cambria Math" panose="02040503050406030204" pitchFamily="18" charset="0"/>
-                                  </a:rPr>
-                                  <m:t>0</m:t>
-                                </m:r>
-                              </m:e>
-                            </m:mr>
-                            <m:mr>
-                              <m:e>
-                                <m:r>
-                                  <a:rPr lang="en-GB" sz="2400" b="0" i="0" smtClean="0">
-                                    <a:solidFill>
-                                      <a:srgbClr val="000000"/>
-                                    </a:solidFill>
-                                    <a:latin typeface="Cambria Math" panose="02040503050406030204" pitchFamily="18" charset="0"/>
-                                  </a:rPr>
-                                  <m:t>0</m:t>
-                                </m:r>
-                              </m:e>
-                            </m:mr>
-                            <m:mr>
-                              <m:e>
-                                <m:r>
-                                  <a:rPr lang="en-GB" sz="2400" b="0" i="0" smtClean="0">
-                                    <a:solidFill>
-                                      <a:srgbClr val="000000"/>
-                                    </a:solidFill>
-                                    <a:latin typeface="Cambria Math" panose="02040503050406030204" pitchFamily="18" charset="0"/>
-                                  </a:rPr>
-                                  <m:t>0</m:t>
-                                </m:r>
-                              </m:e>
-                            </m:mr>
-                          </m:m>
-                        </m:e>
-                      </m:d>
-                      <m:r>
-                        <a:rPr lang="en-GB" sz="2400" b="0" i="1" smtClean="0">
-                          <a:solidFill>
-                            <a:srgbClr val="000000"/>
-                          </a:solidFill>
-                          <a:latin typeface="Cambria Math" panose="02040503050406030204" pitchFamily="18" charset="0"/>
-                        </a:rPr>
-                        <m:t>, </m:t>
-                      </m:r>
-                      <m:r>
-                        <m:rPr>
-                          <m:sty m:val="p"/>
-                        </m:rPr>
-                        <a:rPr lang="en-GB" sz="2400" b="0" i="0" smtClean="0">
-                          <a:solidFill>
-                            <a:srgbClr val="000000"/>
-                          </a:solidFill>
-                          <a:latin typeface="Cambria Math" panose="02040503050406030204" pitchFamily="18" charset="0"/>
-                        </a:rPr>
-                        <m:t>Total</m:t>
-                      </m:r>
-                      <m:r>
-                        <a:rPr lang="en-GB" sz="2400" b="0" i="0" smtClean="0">
-                          <a:solidFill>
-                            <a:srgbClr val="000000"/>
-                          </a:solidFill>
-                          <a:latin typeface="Cambria Math" panose="02040503050406030204" pitchFamily="18" charset="0"/>
-                        </a:rPr>
-                        <m:t>: </m:t>
-                      </m:r>
-                      <m:d>
-                        <m:dPr>
-                          <m:begChr m:val="|"/>
-                          <m:endChr m:val="|"/>
-                          <m:ctrlPr>
-                            <a:rPr lang="en-SE" sz="2400" i="1">
-                              <a:solidFill>
-                                <a:srgbClr val="000000"/>
-                              </a:solidFill>
-                              <a:latin typeface="Cambria Math" panose="02040503050406030204" pitchFamily="18" charset="0"/>
-                            </a:rPr>
-                          </m:ctrlPr>
-                        </m:dPr>
-                        <m:e>
-                          <m:r>
-                            <a:rPr lang="en-GB" sz="2400" b="0" i="1" smtClean="0">
-                              <a:solidFill>
-                                <a:srgbClr val="000000"/>
-                              </a:solidFill>
-                              <a:latin typeface="Cambria Math" panose="02040503050406030204" pitchFamily="18" charset="0"/>
-                            </a:rPr>
-                            <m:t>5</m:t>
-                          </m:r>
-                        </m:e>
-                      </m:d>
-                      <m:r>
-                        <a:rPr lang="en-GB" sz="2400" b="0" i="1" smtClean="0">
-                          <a:solidFill>
-                            <a:srgbClr val="000000"/>
-                          </a:solidFill>
-                          <a:latin typeface="Cambria Math" panose="02040503050406030204" pitchFamily="18" charset="0"/>
-                        </a:rPr>
-                        <m:t>, </m:t>
-                      </m:r>
-                      <m:r>
-                        <m:rPr>
-                          <m:sty m:val="p"/>
-                        </m:rPr>
-                        <a:rPr lang="en-GB" sz="2400" b="0" i="0" smtClean="0">
-                          <a:solidFill>
-                            <a:srgbClr val="000000"/>
-                          </a:solidFill>
-                          <a:latin typeface="Cambria Math" panose="02040503050406030204" pitchFamily="18" charset="0"/>
-                        </a:rPr>
-                        <m:t>Available</m:t>
-                      </m:r>
-                      <m:r>
-                        <a:rPr lang="en-GB" sz="2400" b="0" i="0" smtClean="0">
-                          <a:solidFill>
-                            <a:srgbClr val="000000"/>
-                          </a:solidFill>
-                          <a:latin typeface="Cambria Math" panose="02040503050406030204" pitchFamily="18" charset="0"/>
-                        </a:rPr>
-                        <m:t>:</m:t>
-                      </m:r>
-                      <m:d>
-                        <m:dPr>
-                          <m:begChr m:val="|"/>
-                          <m:endChr m:val="|"/>
-                          <m:ctrlPr>
-                            <a:rPr lang="en-SE" sz="2400" i="1">
-                              <a:solidFill>
-                                <a:srgbClr val="000000"/>
-                              </a:solidFill>
-                              <a:latin typeface="Cambria Math" panose="02040503050406030204" pitchFamily="18" charset="0"/>
-                            </a:rPr>
-                          </m:ctrlPr>
-                        </m:dPr>
-                        <m:e>
-                          <m:r>
-                            <a:rPr lang="en-GB" sz="2400" b="0" i="1" smtClean="0">
-                              <a:solidFill>
-                                <a:srgbClr val="000000"/>
-                              </a:solidFill>
-                              <a:latin typeface="Cambria Math" panose="02040503050406030204" pitchFamily="18" charset="0"/>
-                            </a:rPr>
-                            <m:t>1</m:t>
-                          </m:r>
-                        </m:e>
-                      </m:d>
-                    </m:oMath>
-                  </m:oMathPara>
-                </a14:m>
-                <a:endParaRPr lang="en-SE" sz="2400" b="0" dirty="0"/>
-              </a:p>
-            </p:txBody>
-          </p:sp>
-        </mc:Choice>
-        <mc:Fallback xmlns="">
-          <p:sp>
-            <p:nvSpPr>
-              <p:cNvPr id="3" name="Object 3">
-                <a:extLst>
-                  <a:ext uri="{FF2B5EF4-FFF2-40B4-BE49-F238E27FC236}">
-                    <a16:creationId xmlns:a16="http://schemas.microsoft.com/office/drawing/2014/main" id="{C12D90C4-78CA-392B-F3A9-86D0F16AF3D9}"/>
-                  </a:ext>
-                </a:extLst>
-              </p:cNvPr>
-              <p:cNvSpPr txBox="1">
-                <a:spLocks noRot="1" noChangeAspect="1" noMove="1" noResize="1" noEditPoints="1" noAdjustHandles="1" noChangeArrowheads="1" noChangeShapeType="1" noTextEdit="1"/>
-              </p:cNvSpPr>
-              <p:nvPr/>
-            </p:nvSpPr>
-            <p:spPr bwMode="auto">
-              <a:xfrm>
-                <a:off x="2971800" y="3505200"/>
-                <a:ext cx="6529387" cy="2387600"/>
-              </a:xfrm>
-              <a:prstGeom prst="rect">
-                <a:avLst/>
-              </a:prstGeom>
-              <a:blipFill>
-                <a:blip r:embed="rId3"/>
-                <a:stretch>
-                  <a:fillRect/>
-                </a:stretch>
-              </a:blipFill>
-            </p:spPr>
-            <p:txBody>
-              <a:bodyPr/>
-              <a:lstStyle/>
-              <a:p>
-                <a:r>
-                  <a:rPr lang="en-SE">
-                    <a:noFill/>
-                  </a:rPr>
-                  <a:t> </a:t>
-                </a:r>
-              </a:p>
-            </p:txBody>
-          </p:sp>
-        </mc:Fallback>
-      </mc:AlternateContent>
-    </p:spTree>
-    <p:extLst>
-      <p:ext uri="{BB962C8B-B14F-4D97-AF65-F5344CB8AC3E}">
-        <p14:creationId xmlns:p14="http://schemas.microsoft.com/office/powerpoint/2010/main" val="1898889329"/>
-      </p:ext>
-    </p:extLst>
-  </p:cSld>
-  <p:clrMapOvr>
-    <a:masterClrMapping/>
-  </p:clrMapOvr>
-</p:sld>
-</file>
-
-<file path=ppt/slides/slide9.xml><?xml version="1.0" encoding="utf-8"?>
 <p:sld xmlns:a="http://schemas.openxmlformats.org/drawingml/2006/main" xmlns:r="http://schemas.openxmlformats.org/officeDocument/2006/relationships" xmlns:p="http://schemas.openxmlformats.org/presentationml/2006/main">
   <p:cSld>
     <p:spTree>
@@ -13896,7 +12655,7 @@
           <a:p>
             <a:r>
               <a:rPr lang="en-GB" dirty="0"/>
-              <a:t>If each lawyer has 2 arms, and there is a pile of chopsticks at the </a:t>
+              <a:t>If each lawyer has 2 arms, and there is a pile of 5 chopsticks at the </a:t>
             </a:r>
             <a:r>
               <a:rPr lang="en-GB" dirty="0" err="1"/>
@@ -13904,7 +12663,7 @@
             </a:r>
             <a:r>
               <a:rPr lang="en-GB" dirty="0"/>
-              <a:t> of the table. Assume there are at least 2 chopsticks, so at least one lawyer can eat. Each lawyer follows the following steps:</a:t>
+              <a:t> of the table. Each lawyer follows the following steps:</a:t>
             </a:r>
           </a:p>
           <a:p>
@@ -13938,7 +12697,19 @@
           <a:p>
             <a:r>
               <a:rPr lang="en-GB" dirty="0"/>
-              <a:t>Q: Can the system be deadlocked?</a:t>
+              <a:t>Q0: Can the system be deadlocked?</a:t>
+            </a:r>
+          </a:p>
+          <a:p>
+            <a:r>
+              <a:rPr lang="en-GB" dirty="0"/>
+              <a:t>Q1: Two lawyers each grab two chopsticks and start eating. Is the current state safe? Check it using Banker’s algorithm.</a:t>
+            </a:r>
+          </a:p>
+          <a:p>
+            <a:r>
+              <a:rPr lang="en-GB" dirty="0"/>
+              <a:t>Q2: Each lawyer grabs 1 chopstick. Is the current state safe? Check it using Banker’s algorithm. Check it using Banker’s algorithm.</a:t>
             </a:r>
           </a:p>
           <a:p>
@@ -13956,6 +12727,147 @@
     <p:extLst>
       <p:ext uri="{BB962C8B-B14F-4D97-AF65-F5344CB8AC3E}">
         <p14:creationId xmlns:p14="http://schemas.microsoft.com/office/powerpoint/2010/main" val="3823801097"/>
+      </p:ext>
+    </p:extLst>
+  </p:cSld>
+  <p:clrMapOvr>
+    <a:masterClrMapping/>
+  </p:clrMapOvr>
+  <p:transition/>
+</p:sld>
+</file>
+
+<file path=ppt/slides/slide9.xml><?xml version="1.0" encoding="utf-8"?>
+<p:sld xmlns:a="http://schemas.openxmlformats.org/drawingml/2006/main" xmlns:r="http://schemas.openxmlformats.org/officeDocument/2006/relationships" xmlns:p="http://schemas.openxmlformats.org/presentationml/2006/main">
+  <p:cSld>
+    <p:spTree>
+      <p:nvGrpSpPr>
+        <p:cNvPr id="1" name=""/>
+        <p:cNvGrpSpPr/>
+        <p:nvPr/>
+      </p:nvGrpSpPr>
+      <p:grpSpPr>
+        <a:xfrm>
+          <a:off x="0" y="0"/>
+          <a:ext cx="0" cy="0"/>
+          <a:chOff x="0" y="0"/>
+          <a:chExt cx="0" cy="0"/>
+        </a:xfrm>
+      </p:grpSpPr>
+      <p:sp>
+        <p:nvSpPr>
+          <p:cNvPr id="2" name="Title 1">
+            <a:extLst>
+              <a:ext uri="{FF2B5EF4-FFF2-40B4-BE49-F238E27FC236}">
+                <a16:creationId xmlns:a16="http://schemas.microsoft.com/office/drawing/2014/main" id="{237D010E-0DE6-664D-E651-1315BFD2A9E4}"/>
+              </a:ext>
+            </a:extLst>
+          </p:cNvPr>
+          <p:cNvSpPr>
+            <a:spLocks noGrp="1"/>
+          </p:cNvSpPr>
+          <p:nvPr>
+            <p:ph type="title"/>
+          </p:nvPr>
+        </p:nvSpPr>
+        <p:spPr/>
+        <p:txBody>
+          <a:bodyPr/>
+          <a:lstStyle/>
+          <a:p>
+            <a:r>
+              <a:rPr lang="en-GB" dirty="0"/>
+              <a:t>Quiz: Dining Lawyers II </a:t>
+            </a:r>
+            <a:endParaRPr lang="en-SE" dirty="0"/>
+          </a:p>
+        </p:txBody>
+      </p:sp>
+      <p:sp>
+        <p:nvSpPr>
+          <p:cNvPr id="3" name="Content Placeholder 2">
+            <a:extLst>
+              <a:ext uri="{FF2B5EF4-FFF2-40B4-BE49-F238E27FC236}">
+                <a16:creationId xmlns:a16="http://schemas.microsoft.com/office/drawing/2014/main" id="{C96CE106-EFF2-89A6-A94C-94BA0CA70C60}"/>
+              </a:ext>
+            </a:extLst>
+          </p:cNvPr>
+          <p:cNvSpPr>
+            <a:spLocks noGrp="1"/>
+          </p:cNvSpPr>
+          <p:nvPr>
+            <p:ph idx="1"/>
+          </p:nvPr>
+        </p:nvSpPr>
+        <p:spPr/>
+        <p:txBody>
+          <a:bodyPr>
+            <a:normAutofit/>
+          </a:bodyPr>
+          <a:lstStyle/>
+          <a:p>
+            <a:r>
+              <a:rPr lang="en-GB" dirty="0"/>
+              <a:t>If each lawyer has 2 arms, and there is a pile of knives and forks at </a:t>
+            </a:r>
+            <a:r>
+              <a:rPr lang="en-GB" dirty="0" err="1"/>
+              <a:t>center</a:t>
+            </a:r>
+            <a:r>
+              <a:rPr lang="en-GB" dirty="0"/>
+              <a:t> of the table. Assume there are at least 1 knife and 1 fork, so at least one lawyer can eat. Each lawyer follows the following steps:</a:t>
+            </a:r>
+          </a:p>
+          <a:p>
+            <a:pPr lvl="1"/>
+            <a:r>
+              <a:rPr lang="en-GB" dirty="0"/>
+              <a:t>(1) Pick up a knife </a:t>
+            </a:r>
+          </a:p>
+          <a:p>
+            <a:pPr lvl="1"/>
+            <a:r>
+              <a:rPr lang="en-GB" dirty="0"/>
+              <a:t>(2) Pick up a fork </a:t>
+            </a:r>
+          </a:p>
+          <a:p>
+            <a:pPr lvl="1"/>
+            <a:r>
+              <a:rPr lang="en-GB" dirty="0"/>
+              <a:t>(3) Eat</a:t>
+            </a:r>
+          </a:p>
+          <a:p>
+            <a:pPr lvl="1"/>
+            <a:r>
+              <a:rPr lang="en-GB" dirty="0"/>
+              <a:t>(4) Return the knife and fork to the pile </a:t>
+            </a:r>
+          </a:p>
+          <a:p>
+            <a:r>
+              <a:rPr lang="en-GB" dirty="0"/>
+              <a:t>Q: Can the system be deadlocked?</a:t>
+            </a:r>
+          </a:p>
+          <a:p>
+            <a:endParaRPr lang="en-GB" dirty="0"/>
+          </a:p>
+          <a:p>
+            <a:endParaRPr lang="en-GB" dirty="0"/>
+          </a:p>
+          <a:p>
+            <a:endParaRPr lang="en-SE" dirty="0"/>
+          </a:p>
+        </p:txBody>
+      </p:sp>
+    </p:spTree>
+    <p:extLst>
+      <p:ext uri="{BB962C8B-B14F-4D97-AF65-F5344CB8AC3E}">
+        <p14:creationId xmlns:p14="http://schemas.microsoft.com/office/powerpoint/2010/main" val="937329881"/>
       </p:ext>
     </p:extLst>
   </p:cSld>
